--- a/Go专题系列/性能分析和优化专题/性能分析和优化专题.pptx
+++ b/Go专题系列/性能分析和优化专题/性能分析和优化专题.pptx
@@ -5,20 +5,45 @@
     <p:sldMasterId id="2147483648" r:id="rId1"/>
   </p:sldMasterIdLst>
   <p:notesMasterIdLst>
-    <p:notesMasterId r:id="rId10"/>
+    <p:notesMasterId r:id="rId35"/>
   </p:notesMasterIdLst>
   <p:handoutMasterIdLst>
-    <p:handoutMasterId r:id="rId11"/>
+    <p:handoutMasterId r:id="rId36"/>
   </p:handoutMasterIdLst>
   <p:sldIdLst>
     <p:sldId id="256" r:id="rId2"/>
     <p:sldId id="420" r:id="rId3"/>
     <p:sldId id="421" r:id="rId4"/>
     <p:sldId id="422" r:id="rId5"/>
-    <p:sldId id="419" r:id="rId6"/>
-    <p:sldId id="423" r:id="rId7"/>
-    <p:sldId id="416" r:id="rId8"/>
-    <p:sldId id="417" r:id="rId9"/>
+    <p:sldId id="425" r:id="rId6"/>
+    <p:sldId id="419" r:id="rId7"/>
+    <p:sldId id="426" r:id="rId8"/>
+    <p:sldId id="424" r:id="rId9"/>
+    <p:sldId id="427" r:id="rId10"/>
+    <p:sldId id="423" r:id="rId11"/>
+    <p:sldId id="428" r:id="rId12"/>
+    <p:sldId id="440" r:id="rId13"/>
+    <p:sldId id="442" r:id="rId14"/>
+    <p:sldId id="429" r:id="rId15"/>
+    <p:sldId id="443" r:id="rId16"/>
+    <p:sldId id="444" r:id="rId17"/>
+    <p:sldId id="430" r:id="rId18"/>
+    <p:sldId id="445" r:id="rId19"/>
+    <p:sldId id="446" r:id="rId20"/>
+    <p:sldId id="447" r:id="rId21"/>
+    <p:sldId id="448" r:id="rId22"/>
+    <p:sldId id="449" r:id="rId23"/>
+    <p:sldId id="450" r:id="rId24"/>
+    <p:sldId id="451" r:id="rId25"/>
+    <p:sldId id="431" r:id="rId26"/>
+    <p:sldId id="432" r:id="rId27"/>
+    <p:sldId id="433" r:id="rId28"/>
+    <p:sldId id="434" r:id="rId29"/>
+    <p:sldId id="435" r:id="rId30"/>
+    <p:sldId id="436" r:id="rId31"/>
+    <p:sldId id="437" r:id="rId32"/>
+    <p:sldId id="438" r:id="rId33"/>
+    <p:sldId id="439" r:id="rId34"/>
   </p:sldIdLst>
   <p:sldSz cx="24384000" cy="13716000"/>
   <p:notesSz cx="6858000" cy="9144000"/>
@@ -737,6 +762,534 @@
 </p:notes>
 </file>
 
+<file path=ppt/notesSlides/notesSlide10.xml><?xml version="1.0" encoding="utf-8"?>
+<p:notes xmlns:a="http://schemas.openxmlformats.org/drawingml/2006/main" xmlns:r="http://schemas.openxmlformats.org/officeDocument/2006/relationships" xmlns:p="http://schemas.openxmlformats.org/presentationml/2006/main">
+  <p:cSld>
+    <p:spTree>
+      <p:nvGrpSpPr>
+        <p:cNvPr id="1" name=""/>
+        <p:cNvGrpSpPr/>
+        <p:nvPr/>
+      </p:nvGrpSpPr>
+      <p:grpSpPr>
+        <a:xfrm>
+          <a:off x="0" y="0"/>
+          <a:ext cx="0" cy="0"/>
+          <a:chOff x="0" y="0"/>
+          <a:chExt cx="0" cy="0"/>
+        </a:xfrm>
+      </p:grpSpPr>
+      <p:sp>
+        <p:nvSpPr>
+          <p:cNvPr id="2" name="幻灯片图像占位符 1"/>
+          <p:cNvSpPr>
+            <a:spLocks noGrp="1" noRot="1" noChangeAspect="1"/>
+          </p:cNvSpPr>
+          <p:nvPr>
+            <p:ph type="sldImg"/>
+          </p:nvPr>
+        </p:nvSpPr>
+        <p:spPr>
+          <a:xfrm>
+            <a:off x="381000" y="685800"/>
+            <a:ext cx="6096000" cy="3429000"/>
+          </a:xfrm>
+        </p:spPr>
+      </p:sp>
+      <p:sp>
+        <p:nvSpPr>
+          <p:cNvPr id="3" name="文本占位符 2"/>
+          <p:cNvSpPr>
+            <a:spLocks noGrp="1"/>
+          </p:cNvSpPr>
+          <p:nvPr>
+            <p:ph type="body" idx="1"/>
+          </p:nvPr>
+        </p:nvSpPr>
+        <p:spPr/>
+        <p:txBody>
+          <a:bodyPr/>
+          <a:lstStyle/>
+          <a:p>
+            <a:endParaRPr lang="zh-CN" altLang="en-US"/>
+          </a:p>
+        </p:txBody>
+      </p:sp>
+    </p:spTree>
+    <p:extLst>
+      <p:ext uri="{BB962C8B-B14F-4D97-AF65-F5344CB8AC3E}">
+        <p14:creationId xmlns:p14="http://schemas.microsoft.com/office/powerpoint/2010/main" val="989201924"/>
+      </p:ext>
+    </p:extLst>
+  </p:cSld>
+  <p:clrMapOvr>
+    <a:masterClrMapping/>
+  </p:clrMapOvr>
+</p:notes>
+</file>
+
+<file path=ppt/notesSlides/notesSlide11.xml><?xml version="1.0" encoding="utf-8"?>
+<p:notes xmlns:a="http://schemas.openxmlformats.org/drawingml/2006/main" xmlns:r="http://schemas.openxmlformats.org/officeDocument/2006/relationships" xmlns:p="http://schemas.openxmlformats.org/presentationml/2006/main">
+  <p:cSld>
+    <p:spTree>
+      <p:nvGrpSpPr>
+        <p:cNvPr id="1" name=""/>
+        <p:cNvGrpSpPr/>
+        <p:nvPr/>
+      </p:nvGrpSpPr>
+      <p:grpSpPr>
+        <a:xfrm>
+          <a:off x="0" y="0"/>
+          <a:ext cx="0" cy="0"/>
+          <a:chOff x="0" y="0"/>
+          <a:chExt cx="0" cy="0"/>
+        </a:xfrm>
+      </p:grpSpPr>
+      <p:sp>
+        <p:nvSpPr>
+          <p:cNvPr id="2" name="幻灯片图像占位符 1"/>
+          <p:cNvSpPr>
+            <a:spLocks noGrp="1" noRot="1" noChangeAspect="1"/>
+          </p:cNvSpPr>
+          <p:nvPr>
+            <p:ph type="sldImg"/>
+          </p:nvPr>
+        </p:nvSpPr>
+        <p:spPr>
+          <a:xfrm>
+            <a:off x="381000" y="685800"/>
+            <a:ext cx="6096000" cy="3429000"/>
+          </a:xfrm>
+        </p:spPr>
+      </p:sp>
+      <p:sp>
+        <p:nvSpPr>
+          <p:cNvPr id="3" name="文本占位符 2"/>
+          <p:cNvSpPr>
+            <a:spLocks noGrp="1"/>
+          </p:cNvSpPr>
+          <p:nvPr>
+            <p:ph type="body" idx="1"/>
+          </p:nvPr>
+        </p:nvSpPr>
+        <p:spPr/>
+        <p:txBody>
+          <a:bodyPr/>
+          <a:lstStyle/>
+          <a:p>
+            <a:endParaRPr lang="zh-CN" altLang="en-US"/>
+          </a:p>
+        </p:txBody>
+      </p:sp>
+    </p:spTree>
+    <p:extLst>
+      <p:ext uri="{BB962C8B-B14F-4D97-AF65-F5344CB8AC3E}">
+        <p14:creationId xmlns:p14="http://schemas.microsoft.com/office/powerpoint/2010/main" val="1581902233"/>
+      </p:ext>
+    </p:extLst>
+  </p:cSld>
+  <p:clrMapOvr>
+    <a:masterClrMapping/>
+  </p:clrMapOvr>
+</p:notes>
+</file>
+
+<file path=ppt/notesSlides/notesSlide12.xml><?xml version="1.0" encoding="utf-8"?>
+<p:notes xmlns:a="http://schemas.openxmlformats.org/drawingml/2006/main" xmlns:r="http://schemas.openxmlformats.org/officeDocument/2006/relationships" xmlns:p="http://schemas.openxmlformats.org/presentationml/2006/main">
+  <p:cSld>
+    <p:spTree>
+      <p:nvGrpSpPr>
+        <p:cNvPr id="1" name=""/>
+        <p:cNvGrpSpPr/>
+        <p:nvPr/>
+      </p:nvGrpSpPr>
+      <p:grpSpPr>
+        <a:xfrm>
+          <a:off x="0" y="0"/>
+          <a:ext cx="0" cy="0"/>
+          <a:chOff x="0" y="0"/>
+          <a:chExt cx="0" cy="0"/>
+        </a:xfrm>
+      </p:grpSpPr>
+      <p:sp>
+        <p:nvSpPr>
+          <p:cNvPr id="2" name="幻灯片图像占位符 1"/>
+          <p:cNvSpPr>
+            <a:spLocks noGrp="1" noRot="1" noChangeAspect="1"/>
+          </p:cNvSpPr>
+          <p:nvPr>
+            <p:ph type="sldImg"/>
+          </p:nvPr>
+        </p:nvSpPr>
+        <p:spPr>
+          <a:xfrm>
+            <a:off x="381000" y="685800"/>
+            <a:ext cx="6096000" cy="3429000"/>
+          </a:xfrm>
+        </p:spPr>
+      </p:sp>
+      <p:sp>
+        <p:nvSpPr>
+          <p:cNvPr id="3" name="文本占位符 2"/>
+          <p:cNvSpPr>
+            <a:spLocks noGrp="1"/>
+          </p:cNvSpPr>
+          <p:nvPr>
+            <p:ph type="body" idx="1"/>
+          </p:nvPr>
+        </p:nvSpPr>
+        <p:spPr/>
+        <p:txBody>
+          <a:bodyPr/>
+          <a:lstStyle/>
+          <a:p>
+            <a:endParaRPr lang="zh-CN" altLang="en-US"/>
+          </a:p>
+        </p:txBody>
+      </p:sp>
+    </p:spTree>
+    <p:extLst>
+      <p:ext uri="{BB962C8B-B14F-4D97-AF65-F5344CB8AC3E}">
+        <p14:creationId xmlns:p14="http://schemas.microsoft.com/office/powerpoint/2010/main" val="2768356595"/>
+      </p:ext>
+    </p:extLst>
+  </p:cSld>
+  <p:clrMapOvr>
+    <a:masterClrMapping/>
+  </p:clrMapOvr>
+</p:notes>
+</file>
+
+<file path=ppt/notesSlides/notesSlide13.xml><?xml version="1.0" encoding="utf-8"?>
+<p:notes xmlns:a="http://schemas.openxmlformats.org/drawingml/2006/main" xmlns:r="http://schemas.openxmlformats.org/officeDocument/2006/relationships" xmlns:p="http://schemas.openxmlformats.org/presentationml/2006/main">
+  <p:cSld>
+    <p:spTree>
+      <p:nvGrpSpPr>
+        <p:cNvPr id="1" name=""/>
+        <p:cNvGrpSpPr/>
+        <p:nvPr/>
+      </p:nvGrpSpPr>
+      <p:grpSpPr>
+        <a:xfrm>
+          <a:off x="0" y="0"/>
+          <a:ext cx="0" cy="0"/>
+          <a:chOff x="0" y="0"/>
+          <a:chExt cx="0" cy="0"/>
+        </a:xfrm>
+      </p:grpSpPr>
+      <p:sp>
+        <p:nvSpPr>
+          <p:cNvPr id="2" name="幻灯片图像占位符 1"/>
+          <p:cNvSpPr>
+            <a:spLocks noGrp="1" noRot="1" noChangeAspect="1"/>
+          </p:cNvSpPr>
+          <p:nvPr>
+            <p:ph type="sldImg"/>
+          </p:nvPr>
+        </p:nvSpPr>
+        <p:spPr>
+          <a:xfrm>
+            <a:off x="381000" y="685800"/>
+            <a:ext cx="6096000" cy="3429000"/>
+          </a:xfrm>
+        </p:spPr>
+      </p:sp>
+      <p:sp>
+        <p:nvSpPr>
+          <p:cNvPr id="3" name="文本占位符 2"/>
+          <p:cNvSpPr>
+            <a:spLocks noGrp="1"/>
+          </p:cNvSpPr>
+          <p:nvPr>
+            <p:ph type="body" idx="1"/>
+          </p:nvPr>
+        </p:nvSpPr>
+        <p:spPr/>
+        <p:txBody>
+          <a:bodyPr/>
+          <a:lstStyle/>
+          <a:p>
+            <a:endParaRPr lang="zh-CN" altLang="en-US"/>
+          </a:p>
+        </p:txBody>
+      </p:sp>
+    </p:spTree>
+    <p:extLst>
+      <p:ext uri="{BB962C8B-B14F-4D97-AF65-F5344CB8AC3E}">
+        <p14:creationId xmlns:p14="http://schemas.microsoft.com/office/powerpoint/2010/main" val="2628415941"/>
+      </p:ext>
+    </p:extLst>
+  </p:cSld>
+  <p:clrMapOvr>
+    <a:masterClrMapping/>
+  </p:clrMapOvr>
+</p:notes>
+</file>
+
+<file path=ppt/notesSlides/notesSlide14.xml><?xml version="1.0" encoding="utf-8"?>
+<p:notes xmlns:a="http://schemas.openxmlformats.org/drawingml/2006/main" xmlns:r="http://schemas.openxmlformats.org/officeDocument/2006/relationships" xmlns:p="http://schemas.openxmlformats.org/presentationml/2006/main">
+  <p:cSld>
+    <p:spTree>
+      <p:nvGrpSpPr>
+        <p:cNvPr id="1" name=""/>
+        <p:cNvGrpSpPr/>
+        <p:nvPr/>
+      </p:nvGrpSpPr>
+      <p:grpSpPr>
+        <a:xfrm>
+          <a:off x="0" y="0"/>
+          <a:ext cx="0" cy="0"/>
+          <a:chOff x="0" y="0"/>
+          <a:chExt cx="0" cy="0"/>
+        </a:xfrm>
+      </p:grpSpPr>
+      <p:sp>
+        <p:nvSpPr>
+          <p:cNvPr id="2" name="幻灯片图像占位符 1"/>
+          <p:cNvSpPr>
+            <a:spLocks noGrp="1" noRot="1" noChangeAspect="1"/>
+          </p:cNvSpPr>
+          <p:nvPr>
+            <p:ph type="sldImg"/>
+          </p:nvPr>
+        </p:nvSpPr>
+        <p:spPr>
+          <a:xfrm>
+            <a:off x="381000" y="685800"/>
+            <a:ext cx="6096000" cy="3429000"/>
+          </a:xfrm>
+        </p:spPr>
+      </p:sp>
+      <p:sp>
+        <p:nvSpPr>
+          <p:cNvPr id="3" name="文本占位符 2"/>
+          <p:cNvSpPr>
+            <a:spLocks noGrp="1"/>
+          </p:cNvSpPr>
+          <p:nvPr>
+            <p:ph type="body" idx="1"/>
+          </p:nvPr>
+        </p:nvSpPr>
+        <p:spPr/>
+        <p:txBody>
+          <a:bodyPr/>
+          <a:lstStyle/>
+          <a:p>
+            <a:endParaRPr lang="zh-CN" altLang="en-US"/>
+          </a:p>
+        </p:txBody>
+      </p:sp>
+    </p:spTree>
+    <p:extLst>
+      <p:ext uri="{BB962C8B-B14F-4D97-AF65-F5344CB8AC3E}">
+        <p14:creationId xmlns:p14="http://schemas.microsoft.com/office/powerpoint/2010/main" val="715854338"/>
+      </p:ext>
+    </p:extLst>
+  </p:cSld>
+  <p:clrMapOvr>
+    <a:masterClrMapping/>
+  </p:clrMapOvr>
+</p:notes>
+</file>
+
+<file path=ppt/notesSlides/notesSlide15.xml><?xml version="1.0" encoding="utf-8"?>
+<p:notes xmlns:a="http://schemas.openxmlformats.org/drawingml/2006/main" xmlns:r="http://schemas.openxmlformats.org/officeDocument/2006/relationships" xmlns:p="http://schemas.openxmlformats.org/presentationml/2006/main">
+  <p:cSld>
+    <p:spTree>
+      <p:nvGrpSpPr>
+        <p:cNvPr id="1" name=""/>
+        <p:cNvGrpSpPr/>
+        <p:nvPr/>
+      </p:nvGrpSpPr>
+      <p:grpSpPr>
+        <a:xfrm>
+          <a:off x="0" y="0"/>
+          <a:ext cx="0" cy="0"/>
+          <a:chOff x="0" y="0"/>
+          <a:chExt cx="0" cy="0"/>
+        </a:xfrm>
+      </p:grpSpPr>
+      <p:sp>
+        <p:nvSpPr>
+          <p:cNvPr id="2" name="幻灯片图像占位符 1"/>
+          <p:cNvSpPr>
+            <a:spLocks noGrp="1" noRot="1" noChangeAspect="1"/>
+          </p:cNvSpPr>
+          <p:nvPr>
+            <p:ph type="sldImg"/>
+          </p:nvPr>
+        </p:nvSpPr>
+        <p:spPr>
+          <a:xfrm>
+            <a:off x="381000" y="685800"/>
+            <a:ext cx="6096000" cy="3429000"/>
+          </a:xfrm>
+        </p:spPr>
+      </p:sp>
+      <p:sp>
+        <p:nvSpPr>
+          <p:cNvPr id="3" name="文本占位符 2"/>
+          <p:cNvSpPr>
+            <a:spLocks noGrp="1"/>
+          </p:cNvSpPr>
+          <p:nvPr>
+            <p:ph type="body" idx="1"/>
+          </p:nvPr>
+        </p:nvSpPr>
+        <p:spPr/>
+        <p:txBody>
+          <a:bodyPr/>
+          <a:lstStyle/>
+          <a:p>
+            <a:endParaRPr lang="zh-CN" altLang="en-US"/>
+          </a:p>
+        </p:txBody>
+      </p:sp>
+    </p:spTree>
+    <p:extLst>
+      <p:ext uri="{BB962C8B-B14F-4D97-AF65-F5344CB8AC3E}">
+        <p14:creationId xmlns:p14="http://schemas.microsoft.com/office/powerpoint/2010/main" val="2745647043"/>
+      </p:ext>
+    </p:extLst>
+  </p:cSld>
+  <p:clrMapOvr>
+    <a:masterClrMapping/>
+  </p:clrMapOvr>
+</p:notes>
+</file>
+
+<file path=ppt/notesSlides/notesSlide16.xml><?xml version="1.0" encoding="utf-8"?>
+<p:notes xmlns:a="http://schemas.openxmlformats.org/drawingml/2006/main" xmlns:r="http://schemas.openxmlformats.org/officeDocument/2006/relationships" xmlns:p="http://schemas.openxmlformats.org/presentationml/2006/main">
+  <p:cSld>
+    <p:spTree>
+      <p:nvGrpSpPr>
+        <p:cNvPr id="1" name=""/>
+        <p:cNvGrpSpPr/>
+        <p:nvPr/>
+      </p:nvGrpSpPr>
+      <p:grpSpPr>
+        <a:xfrm>
+          <a:off x="0" y="0"/>
+          <a:ext cx="0" cy="0"/>
+          <a:chOff x="0" y="0"/>
+          <a:chExt cx="0" cy="0"/>
+        </a:xfrm>
+      </p:grpSpPr>
+      <p:sp>
+        <p:nvSpPr>
+          <p:cNvPr id="2" name="幻灯片图像占位符 1"/>
+          <p:cNvSpPr>
+            <a:spLocks noGrp="1" noRot="1" noChangeAspect="1"/>
+          </p:cNvSpPr>
+          <p:nvPr>
+            <p:ph type="sldImg"/>
+          </p:nvPr>
+        </p:nvSpPr>
+        <p:spPr>
+          <a:xfrm>
+            <a:off x="381000" y="685800"/>
+            <a:ext cx="6096000" cy="3429000"/>
+          </a:xfrm>
+        </p:spPr>
+      </p:sp>
+      <p:sp>
+        <p:nvSpPr>
+          <p:cNvPr id="3" name="文本占位符 2"/>
+          <p:cNvSpPr>
+            <a:spLocks noGrp="1"/>
+          </p:cNvSpPr>
+          <p:nvPr>
+            <p:ph type="body" idx="1"/>
+          </p:nvPr>
+        </p:nvSpPr>
+        <p:spPr/>
+        <p:txBody>
+          <a:bodyPr/>
+          <a:lstStyle/>
+          <a:p>
+            <a:endParaRPr lang="zh-CN" altLang="en-US"/>
+          </a:p>
+        </p:txBody>
+      </p:sp>
+    </p:spTree>
+    <p:extLst>
+      <p:ext uri="{BB962C8B-B14F-4D97-AF65-F5344CB8AC3E}">
+        <p14:creationId xmlns:p14="http://schemas.microsoft.com/office/powerpoint/2010/main" val="330122056"/>
+      </p:ext>
+    </p:extLst>
+  </p:cSld>
+  <p:clrMapOvr>
+    <a:masterClrMapping/>
+  </p:clrMapOvr>
+</p:notes>
+</file>
+
+<file path=ppt/notesSlides/notesSlide17.xml><?xml version="1.0" encoding="utf-8"?>
+<p:notes xmlns:a="http://schemas.openxmlformats.org/drawingml/2006/main" xmlns:r="http://schemas.openxmlformats.org/officeDocument/2006/relationships" xmlns:p="http://schemas.openxmlformats.org/presentationml/2006/main">
+  <p:cSld>
+    <p:spTree>
+      <p:nvGrpSpPr>
+        <p:cNvPr id="1" name=""/>
+        <p:cNvGrpSpPr/>
+        <p:nvPr/>
+      </p:nvGrpSpPr>
+      <p:grpSpPr>
+        <a:xfrm>
+          <a:off x="0" y="0"/>
+          <a:ext cx="0" cy="0"/>
+          <a:chOff x="0" y="0"/>
+          <a:chExt cx="0" cy="0"/>
+        </a:xfrm>
+      </p:grpSpPr>
+      <p:sp>
+        <p:nvSpPr>
+          <p:cNvPr id="2" name="幻灯片图像占位符 1"/>
+          <p:cNvSpPr>
+            <a:spLocks noGrp="1" noRot="1" noChangeAspect="1"/>
+          </p:cNvSpPr>
+          <p:nvPr>
+            <p:ph type="sldImg"/>
+          </p:nvPr>
+        </p:nvSpPr>
+        <p:spPr>
+          <a:xfrm>
+            <a:off x="381000" y="685800"/>
+            <a:ext cx="6096000" cy="3429000"/>
+          </a:xfrm>
+        </p:spPr>
+      </p:sp>
+      <p:sp>
+        <p:nvSpPr>
+          <p:cNvPr id="3" name="文本占位符 2"/>
+          <p:cNvSpPr>
+            <a:spLocks noGrp="1"/>
+          </p:cNvSpPr>
+          <p:nvPr>
+            <p:ph type="body" idx="1"/>
+          </p:nvPr>
+        </p:nvSpPr>
+        <p:spPr/>
+        <p:txBody>
+          <a:bodyPr/>
+          <a:lstStyle/>
+          <a:p>
+            <a:endParaRPr lang="zh-CN" altLang="en-US"/>
+          </a:p>
+        </p:txBody>
+      </p:sp>
+    </p:spTree>
+    <p:extLst>
+      <p:ext uri="{BB962C8B-B14F-4D97-AF65-F5344CB8AC3E}">
+        <p14:creationId xmlns:p14="http://schemas.microsoft.com/office/powerpoint/2010/main" val="81528230"/>
+      </p:ext>
+    </p:extLst>
+  </p:cSld>
+  <p:clrMapOvr>
+    <a:masterClrMapping/>
+  </p:clrMapOvr>
+</p:notes>
+</file>
+
 <file path=ppt/notesSlides/notesSlide2.xml><?xml version="1.0" encoding="utf-8"?>
 <p:notes xmlns:a="http://schemas.openxmlformats.org/drawingml/2006/main" xmlns:r="http://schemas.openxmlformats.org/officeDocument/2006/relationships" xmlns:p="http://schemas.openxmlformats.org/presentationml/2006/main">
   <p:cSld>
@@ -925,7 +1478,7 @@
     </p:spTree>
     <p:extLst>
       <p:ext uri="{BB962C8B-B14F-4D97-AF65-F5344CB8AC3E}">
-        <p14:creationId xmlns:p14="http://schemas.microsoft.com/office/powerpoint/2010/main" val="1772422686"/>
+        <p14:creationId xmlns:p14="http://schemas.microsoft.com/office/powerpoint/2010/main" val="3920831923"/>
       </p:ext>
     </p:extLst>
   </p:cSld>
@@ -991,7 +1544,7 @@
     </p:spTree>
     <p:extLst>
       <p:ext uri="{BB962C8B-B14F-4D97-AF65-F5344CB8AC3E}">
-        <p14:creationId xmlns:p14="http://schemas.microsoft.com/office/powerpoint/2010/main" val="45584399"/>
+        <p14:creationId xmlns:p14="http://schemas.microsoft.com/office/powerpoint/2010/main" val="3118341686"/>
       </p:ext>
     </p:extLst>
   </p:cSld>
@@ -1057,7 +1610,205 @@
     </p:spTree>
     <p:extLst>
       <p:ext uri="{BB962C8B-B14F-4D97-AF65-F5344CB8AC3E}">
-        <p14:creationId xmlns:p14="http://schemas.microsoft.com/office/powerpoint/2010/main" val="4000603968"/>
+        <p14:creationId xmlns:p14="http://schemas.microsoft.com/office/powerpoint/2010/main" val="1772422686"/>
+      </p:ext>
+    </p:extLst>
+  </p:cSld>
+  <p:clrMapOvr>
+    <a:masterClrMapping/>
+  </p:clrMapOvr>
+</p:notes>
+</file>
+
+<file path=ppt/notesSlides/notesSlide7.xml><?xml version="1.0" encoding="utf-8"?>
+<p:notes xmlns:a="http://schemas.openxmlformats.org/drawingml/2006/main" xmlns:r="http://schemas.openxmlformats.org/officeDocument/2006/relationships" xmlns:p="http://schemas.openxmlformats.org/presentationml/2006/main">
+  <p:cSld>
+    <p:spTree>
+      <p:nvGrpSpPr>
+        <p:cNvPr id="1" name=""/>
+        <p:cNvGrpSpPr/>
+        <p:nvPr/>
+      </p:nvGrpSpPr>
+      <p:grpSpPr>
+        <a:xfrm>
+          <a:off x="0" y="0"/>
+          <a:ext cx="0" cy="0"/>
+          <a:chOff x="0" y="0"/>
+          <a:chExt cx="0" cy="0"/>
+        </a:xfrm>
+      </p:grpSpPr>
+      <p:sp>
+        <p:nvSpPr>
+          <p:cNvPr id="2" name="幻灯片图像占位符 1"/>
+          <p:cNvSpPr>
+            <a:spLocks noGrp="1" noRot="1" noChangeAspect="1"/>
+          </p:cNvSpPr>
+          <p:nvPr>
+            <p:ph type="sldImg"/>
+          </p:nvPr>
+        </p:nvSpPr>
+        <p:spPr>
+          <a:xfrm>
+            <a:off x="381000" y="685800"/>
+            <a:ext cx="6096000" cy="3429000"/>
+          </a:xfrm>
+        </p:spPr>
+      </p:sp>
+      <p:sp>
+        <p:nvSpPr>
+          <p:cNvPr id="3" name="文本占位符 2"/>
+          <p:cNvSpPr>
+            <a:spLocks noGrp="1"/>
+          </p:cNvSpPr>
+          <p:nvPr>
+            <p:ph type="body" idx="1"/>
+          </p:nvPr>
+        </p:nvSpPr>
+        <p:spPr/>
+        <p:txBody>
+          <a:bodyPr/>
+          <a:lstStyle/>
+          <a:p>
+            <a:endParaRPr lang="zh-CN" altLang="en-US"/>
+          </a:p>
+        </p:txBody>
+      </p:sp>
+    </p:spTree>
+    <p:extLst>
+      <p:ext uri="{BB962C8B-B14F-4D97-AF65-F5344CB8AC3E}">
+        <p14:creationId xmlns:p14="http://schemas.microsoft.com/office/powerpoint/2010/main" val="2827165672"/>
+      </p:ext>
+    </p:extLst>
+  </p:cSld>
+  <p:clrMapOvr>
+    <a:masterClrMapping/>
+  </p:clrMapOvr>
+</p:notes>
+</file>
+
+<file path=ppt/notesSlides/notesSlide8.xml><?xml version="1.0" encoding="utf-8"?>
+<p:notes xmlns:a="http://schemas.openxmlformats.org/drawingml/2006/main" xmlns:r="http://schemas.openxmlformats.org/officeDocument/2006/relationships" xmlns:p="http://schemas.openxmlformats.org/presentationml/2006/main">
+  <p:cSld>
+    <p:spTree>
+      <p:nvGrpSpPr>
+        <p:cNvPr id="1" name=""/>
+        <p:cNvGrpSpPr/>
+        <p:nvPr/>
+      </p:nvGrpSpPr>
+      <p:grpSpPr>
+        <a:xfrm>
+          <a:off x="0" y="0"/>
+          <a:ext cx="0" cy="0"/>
+          <a:chOff x="0" y="0"/>
+          <a:chExt cx="0" cy="0"/>
+        </a:xfrm>
+      </p:grpSpPr>
+      <p:sp>
+        <p:nvSpPr>
+          <p:cNvPr id="2" name="幻灯片图像占位符 1"/>
+          <p:cNvSpPr>
+            <a:spLocks noGrp="1" noRot="1" noChangeAspect="1"/>
+          </p:cNvSpPr>
+          <p:nvPr>
+            <p:ph type="sldImg"/>
+          </p:nvPr>
+        </p:nvSpPr>
+        <p:spPr>
+          <a:xfrm>
+            <a:off x="381000" y="685800"/>
+            <a:ext cx="6096000" cy="3429000"/>
+          </a:xfrm>
+        </p:spPr>
+      </p:sp>
+      <p:sp>
+        <p:nvSpPr>
+          <p:cNvPr id="3" name="文本占位符 2"/>
+          <p:cNvSpPr>
+            <a:spLocks noGrp="1"/>
+          </p:cNvSpPr>
+          <p:nvPr>
+            <p:ph type="body" idx="1"/>
+          </p:nvPr>
+        </p:nvSpPr>
+        <p:spPr/>
+        <p:txBody>
+          <a:bodyPr/>
+          <a:lstStyle/>
+          <a:p>
+            <a:endParaRPr lang="zh-CN" altLang="en-US"/>
+          </a:p>
+        </p:txBody>
+      </p:sp>
+    </p:spTree>
+    <p:extLst>
+      <p:ext uri="{BB962C8B-B14F-4D97-AF65-F5344CB8AC3E}">
+        <p14:creationId xmlns:p14="http://schemas.microsoft.com/office/powerpoint/2010/main" val="1680971834"/>
+      </p:ext>
+    </p:extLst>
+  </p:cSld>
+  <p:clrMapOvr>
+    <a:masterClrMapping/>
+  </p:clrMapOvr>
+</p:notes>
+</file>
+
+<file path=ppt/notesSlides/notesSlide9.xml><?xml version="1.0" encoding="utf-8"?>
+<p:notes xmlns:a="http://schemas.openxmlformats.org/drawingml/2006/main" xmlns:r="http://schemas.openxmlformats.org/officeDocument/2006/relationships" xmlns:p="http://schemas.openxmlformats.org/presentationml/2006/main">
+  <p:cSld>
+    <p:spTree>
+      <p:nvGrpSpPr>
+        <p:cNvPr id="1" name=""/>
+        <p:cNvGrpSpPr/>
+        <p:nvPr/>
+      </p:nvGrpSpPr>
+      <p:grpSpPr>
+        <a:xfrm>
+          <a:off x="0" y="0"/>
+          <a:ext cx="0" cy="0"/>
+          <a:chOff x="0" y="0"/>
+          <a:chExt cx="0" cy="0"/>
+        </a:xfrm>
+      </p:grpSpPr>
+      <p:sp>
+        <p:nvSpPr>
+          <p:cNvPr id="2" name="幻灯片图像占位符 1"/>
+          <p:cNvSpPr>
+            <a:spLocks noGrp="1" noRot="1" noChangeAspect="1"/>
+          </p:cNvSpPr>
+          <p:nvPr>
+            <p:ph type="sldImg"/>
+          </p:nvPr>
+        </p:nvSpPr>
+        <p:spPr>
+          <a:xfrm>
+            <a:off x="381000" y="685800"/>
+            <a:ext cx="6096000" cy="3429000"/>
+          </a:xfrm>
+        </p:spPr>
+      </p:sp>
+      <p:sp>
+        <p:nvSpPr>
+          <p:cNvPr id="3" name="文本占位符 2"/>
+          <p:cNvSpPr>
+            <a:spLocks noGrp="1"/>
+          </p:cNvSpPr>
+          <p:nvPr>
+            <p:ph type="body" idx="1"/>
+          </p:nvPr>
+        </p:nvSpPr>
+        <p:spPr/>
+        <p:txBody>
+          <a:bodyPr/>
+          <a:lstStyle/>
+          <a:p>
+            <a:endParaRPr lang="zh-CN" altLang="en-US"/>
+          </a:p>
+        </p:txBody>
+      </p:sp>
+    </p:spTree>
+    <p:extLst>
+      <p:ext uri="{BB962C8B-B14F-4D97-AF65-F5344CB8AC3E}">
+        <p14:creationId xmlns:p14="http://schemas.microsoft.com/office/powerpoint/2010/main" val="3704941516"/>
       </p:ext>
     </p:extLst>
   </p:cSld>
@@ -2807,19 +3558,11 @@
           <a:p>
             <a:r>
               <a:rPr kumimoji="1" lang="zh-CN" altLang="en-US" dirty="0"/>
-              <a:t>性能</a:t>
-            </a:r>
-            <a:r>
-              <a:rPr kumimoji="1" lang="zh-CN" altLang="en-US"/>
-              <a:t>分析</a:t>
-            </a:r>
-            <a:r>
-              <a:rPr kumimoji="1" lang="zh-CN" altLang="en-US" smtClean="0"/>
-              <a:t>和优化</a:t>
+              <a:t>性能分析</a:t>
             </a:r>
             <a:r>
               <a:rPr kumimoji="1" lang="zh-CN" altLang="en-US" dirty="0" smtClean="0"/>
-              <a:t>专题</a:t>
+              <a:t>和优化专题介绍</a:t>
             </a:r>
             <a:endParaRPr kumimoji="1" lang="en-US" altLang="zh-CN" dirty="0"/>
           </a:p>
@@ -2831,6 +3574,2906 @@
     <a:masterClrMapping/>
   </p:clrMapOvr>
   <p:transition spd="med"/>
+</p:sld>
+</file>
+
+<file path=ppt/slides/slide10.xml><?xml version="1.0" encoding="utf-8"?>
+<p:sld xmlns:a="http://schemas.openxmlformats.org/drawingml/2006/main" xmlns:r="http://schemas.openxmlformats.org/officeDocument/2006/relationships" xmlns:p="http://schemas.openxmlformats.org/presentationml/2006/main">
+  <p:cSld>
+    <p:spTree>
+      <p:nvGrpSpPr>
+        <p:cNvPr id="1" name=""/>
+        <p:cNvGrpSpPr/>
+        <p:nvPr/>
+      </p:nvGrpSpPr>
+      <p:grpSpPr>
+        <a:xfrm>
+          <a:off x="0" y="0"/>
+          <a:ext cx="0" cy="0"/>
+          <a:chOff x="0" y="0"/>
+          <a:chExt cx="0" cy="0"/>
+        </a:xfrm>
+      </p:grpSpPr>
+      <p:sp>
+        <p:nvSpPr>
+          <p:cNvPr id="6" name="标题 5"/>
+          <p:cNvSpPr>
+            <a:spLocks noGrp="1"/>
+          </p:cNvSpPr>
+          <p:nvPr>
+            <p:ph type="title"/>
+          </p:nvPr>
+        </p:nvSpPr>
+        <p:spPr/>
+        <p:txBody>
+          <a:bodyPr/>
+          <a:lstStyle/>
+          <a:p>
+            <a:r>
+              <a:rPr kumimoji="1" lang="en-US" altLang="zh-CN" dirty="0" smtClean="0"/>
+              <a:t>1.1 </a:t>
+            </a:r>
+            <a:r>
+              <a:rPr kumimoji="1" lang="zh-CN" altLang="en-US" dirty="0" smtClean="0"/>
+              <a:t>压力</a:t>
+            </a:r>
+            <a:r>
+              <a:rPr kumimoji="1" lang="zh-CN" altLang="en-US" dirty="0"/>
+              <a:t>测试工具</a:t>
+            </a:r>
+            <a:r>
+              <a:rPr kumimoji="1" lang="en-US" altLang="zh-CN" dirty="0"/>
+              <a:t>ab</a:t>
+            </a:r>
+            <a:endParaRPr kumimoji="1" lang="en-US" altLang="zh-CN" dirty="0"/>
+          </a:p>
+        </p:txBody>
+      </p:sp>
+      <p:sp>
+        <p:nvSpPr>
+          <p:cNvPr id="4" name="矩形 3"/>
+          <p:cNvSpPr/>
+          <p:nvPr/>
+        </p:nvSpPr>
+        <p:spPr>
+          <a:xfrm>
+            <a:off x="836022" y="2481943"/>
+            <a:ext cx="22572617" cy="10248960"/>
+          </a:xfrm>
+          <a:prstGeom prst="rect">
+            <a:avLst/>
+          </a:prstGeom>
+        </p:spPr>
+        <p:txBody>
+          <a:bodyPr wrap="square">
+            <a:spAutoFit/>
+          </a:bodyPr>
+          <a:lstStyle/>
+          <a:p>
+            <a:pPr algn="l"/>
+            <a:r>
+              <a:rPr lang="en-US" altLang="zh-CN" dirty="0">
+                <a:solidFill>
+                  <a:schemeClr val="bg1"/>
+                </a:solidFill>
+              </a:rPr>
+              <a:t>Server Software:        Apache          #</a:t>
+            </a:r>
+            <a:r>
+              <a:rPr lang="zh-CN" altLang="en-US" dirty="0">
+                <a:solidFill>
+                  <a:schemeClr val="bg1"/>
+                </a:solidFill>
+              </a:rPr>
+              <a:t>服务器软件</a:t>
+            </a:r>
+          </a:p>
+          <a:p>
+            <a:pPr algn="l"/>
+            <a:r>
+              <a:rPr lang="en-US" altLang="zh-CN" dirty="0">
+                <a:solidFill>
+                  <a:schemeClr val="bg1"/>
+                </a:solidFill>
+              </a:rPr>
+              <a:t>Server Hostname:        www.taoquan.ink #</a:t>
+            </a:r>
+            <a:r>
+              <a:rPr lang="zh-CN" altLang="en-US" dirty="0">
+                <a:solidFill>
+                  <a:schemeClr val="bg1"/>
+                </a:solidFill>
+              </a:rPr>
+              <a:t>域名</a:t>
+            </a:r>
+          </a:p>
+          <a:p>
+            <a:pPr algn="l"/>
+            <a:r>
+              <a:rPr lang="en-US" altLang="zh-CN" dirty="0">
+                <a:solidFill>
+                  <a:schemeClr val="bg1"/>
+                </a:solidFill>
+              </a:rPr>
+              <a:t>Server Port:            80              #</a:t>
+            </a:r>
+            <a:r>
+              <a:rPr lang="zh-CN" altLang="en-US" dirty="0">
+                <a:solidFill>
+                  <a:schemeClr val="bg1"/>
+                </a:solidFill>
+              </a:rPr>
+              <a:t>请求端口</a:t>
+            </a:r>
+            <a:r>
+              <a:rPr lang="zh-CN" altLang="en-US" dirty="0" smtClean="0">
+                <a:solidFill>
+                  <a:schemeClr val="bg1"/>
+                </a:solidFill>
+              </a:rPr>
+              <a:t>号</a:t>
+            </a:r>
+            <a:endParaRPr lang="zh-CN" altLang="en-US" dirty="0">
+              <a:solidFill>
+                <a:schemeClr val="bg1"/>
+              </a:solidFill>
+            </a:endParaRPr>
+          </a:p>
+          <a:p>
+            <a:pPr algn="l"/>
+            <a:r>
+              <a:rPr lang="en-US" altLang="zh-CN" dirty="0">
+                <a:solidFill>
+                  <a:schemeClr val="bg1"/>
+                </a:solidFill>
+              </a:rPr>
+              <a:t>Concurrency Level:      10              #</a:t>
+            </a:r>
+            <a:r>
+              <a:rPr lang="zh-CN" altLang="en-US" dirty="0">
+                <a:solidFill>
+                  <a:schemeClr val="bg1"/>
+                </a:solidFill>
+              </a:rPr>
+              <a:t>请求的并发数</a:t>
+            </a:r>
+          </a:p>
+          <a:p>
+            <a:pPr algn="l"/>
+            <a:r>
+              <a:rPr lang="en-US" altLang="zh-CN" dirty="0">
+                <a:solidFill>
+                  <a:schemeClr val="bg1"/>
+                </a:solidFill>
+              </a:rPr>
+              <a:t>Time taken for tests:   27.300 seconds  #</a:t>
+            </a:r>
+            <a:r>
+              <a:rPr lang="zh-CN" altLang="en-US" dirty="0">
+                <a:solidFill>
+                  <a:schemeClr val="bg1"/>
+                </a:solidFill>
+              </a:rPr>
+              <a:t>总访问时间</a:t>
+            </a:r>
+          </a:p>
+          <a:p>
+            <a:pPr algn="l"/>
+            <a:r>
+              <a:rPr lang="en-US" altLang="zh-CN" dirty="0">
+                <a:solidFill>
+                  <a:schemeClr val="bg1"/>
+                </a:solidFill>
+              </a:rPr>
+              <a:t>Complete requests:      1000            #</a:t>
+            </a:r>
+            <a:r>
+              <a:rPr lang="zh-CN" altLang="en-US" dirty="0">
+                <a:solidFill>
+                  <a:schemeClr val="bg1"/>
+                </a:solidFill>
+              </a:rPr>
+              <a:t>请求成功数量</a:t>
+            </a:r>
+          </a:p>
+          <a:p>
+            <a:pPr algn="l"/>
+            <a:r>
+              <a:rPr lang="en-US" altLang="zh-CN" dirty="0">
+                <a:solidFill>
+                  <a:schemeClr val="bg1"/>
+                </a:solidFill>
+              </a:rPr>
+              <a:t>Failed requests:        0               #</a:t>
+            </a:r>
+            <a:r>
+              <a:rPr lang="zh-CN" altLang="en-US" dirty="0">
+                <a:solidFill>
+                  <a:schemeClr val="bg1"/>
+                </a:solidFill>
+              </a:rPr>
+              <a:t>请求失败数量</a:t>
+            </a:r>
+          </a:p>
+          <a:p>
+            <a:pPr algn="l"/>
+            <a:r>
+              <a:rPr lang="en-US" altLang="zh-CN" dirty="0" smtClean="0">
+                <a:solidFill>
+                  <a:schemeClr val="bg1"/>
+                </a:solidFill>
+              </a:rPr>
+              <a:t>Requests </a:t>
+            </a:r>
+            <a:r>
+              <a:rPr lang="en-US" altLang="zh-CN" dirty="0">
+                <a:solidFill>
+                  <a:schemeClr val="bg1"/>
+                </a:solidFill>
+              </a:rPr>
+              <a:t>per second:    36.63 [#/sec] (mean)  #</a:t>
+            </a:r>
+            <a:r>
+              <a:rPr lang="zh-CN" altLang="en-US" dirty="0">
+                <a:solidFill>
+                  <a:schemeClr val="bg1"/>
+                </a:solidFill>
+              </a:rPr>
+              <a:t>每秒多少请求，这个是非常重要的参数数值，服务器的吞吐量</a:t>
+            </a:r>
+          </a:p>
+          <a:p>
+            <a:pPr algn="l"/>
+            <a:r>
+              <a:rPr lang="en-US" altLang="zh-CN" dirty="0">
+                <a:solidFill>
+                  <a:schemeClr val="bg1"/>
+                </a:solidFill>
+              </a:rPr>
+              <a:t>Time per request:       272.998 [</a:t>
+            </a:r>
+            <a:r>
+              <a:rPr lang="en-US" altLang="zh-CN" dirty="0" err="1">
+                <a:solidFill>
+                  <a:schemeClr val="bg1"/>
+                </a:solidFill>
+              </a:rPr>
+              <a:t>ms</a:t>
+            </a:r>
+            <a:r>
+              <a:rPr lang="en-US" altLang="zh-CN" dirty="0">
+                <a:solidFill>
+                  <a:schemeClr val="bg1"/>
+                </a:solidFill>
+              </a:rPr>
+              <a:t>] (mean)     #</a:t>
+            </a:r>
+            <a:r>
+              <a:rPr lang="zh-CN" altLang="en-US" dirty="0">
+                <a:solidFill>
+                  <a:schemeClr val="bg1"/>
+                </a:solidFill>
+              </a:rPr>
+              <a:t>用户平均请求等待时间 </a:t>
+            </a:r>
+          </a:p>
+          <a:p>
+            <a:pPr algn="l"/>
+            <a:r>
+              <a:rPr lang="en-US" altLang="zh-CN" dirty="0">
+                <a:solidFill>
+                  <a:schemeClr val="bg1"/>
+                </a:solidFill>
+              </a:rPr>
+              <a:t>Time per request:       27.300 [</a:t>
+            </a:r>
+            <a:r>
+              <a:rPr lang="en-US" altLang="zh-CN" dirty="0" err="1">
+                <a:solidFill>
+                  <a:schemeClr val="bg1"/>
+                </a:solidFill>
+              </a:rPr>
+              <a:t>ms</a:t>
+            </a:r>
+            <a:r>
+              <a:rPr lang="en-US" altLang="zh-CN" dirty="0">
+                <a:solidFill>
+                  <a:schemeClr val="bg1"/>
+                </a:solidFill>
+              </a:rPr>
+              <a:t>] (mean, across all concurrent requests) # </a:t>
+            </a:r>
+            <a:r>
+              <a:rPr lang="zh-CN" altLang="en-US" dirty="0">
+                <a:solidFill>
+                  <a:schemeClr val="bg1"/>
+                </a:solidFill>
+              </a:rPr>
+              <a:t>服务器平均处理时间，也就是服务器吞吐量的倒数                  </a:t>
+            </a:r>
+          </a:p>
+          <a:p>
+            <a:pPr algn="l"/>
+            <a:r>
+              <a:rPr lang="en-US" altLang="zh-CN" dirty="0">
+                <a:solidFill>
+                  <a:schemeClr val="bg1"/>
+                </a:solidFill>
+              </a:rPr>
+              <a:t>Transfer rate:          1468.58 [Kbytes/sec] received  #</a:t>
+            </a:r>
+            <a:r>
+              <a:rPr lang="zh-CN" altLang="en-US" dirty="0">
+                <a:solidFill>
+                  <a:schemeClr val="bg1"/>
+                </a:solidFill>
+              </a:rPr>
+              <a:t>每秒获取的数据长度</a:t>
+            </a:r>
+          </a:p>
+          <a:p>
+            <a:pPr algn="l"/>
+            <a:endParaRPr lang="en-US" altLang="zh-CN" dirty="0">
+              <a:solidFill>
+                <a:schemeClr val="bg1"/>
+              </a:solidFill>
+            </a:endParaRPr>
+          </a:p>
+          <a:p>
+            <a:pPr algn="l"/>
+            <a:r>
+              <a:rPr lang="en-US" altLang="zh-CN" dirty="0">
+                <a:solidFill>
+                  <a:schemeClr val="bg1"/>
+                </a:solidFill>
+              </a:rPr>
+              <a:t>Percentage of the requests served within a certain time (</a:t>
+            </a:r>
+            <a:r>
+              <a:rPr lang="en-US" altLang="zh-CN" dirty="0" err="1">
+                <a:solidFill>
+                  <a:schemeClr val="bg1"/>
+                </a:solidFill>
+              </a:rPr>
+              <a:t>ms</a:t>
+            </a:r>
+            <a:r>
+              <a:rPr lang="en-US" altLang="zh-CN" dirty="0">
+                <a:solidFill>
+                  <a:schemeClr val="bg1"/>
+                </a:solidFill>
+              </a:rPr>
+              <a:t>)</a:t>
+            </a:r>
+          </a:p>
+          <a:p>
+            <a:pPr algn="l"/>
+            <a:r>
+              <a:rPr lang="en-US" altLang="zh-CN" dirty="0">
+                <a:solidFill>
+                  <a:schemeClr val="bg1"/>
+                </a:solidFill>
+              </a:rPr>
+              <a:t>  50%    263    #50%</a:t>
+            </a:r>
+            <a:r>
+              <a:rPr lang="zh-CN" altLang="en-US" dirty="0">
+                <a:solidFill>
+                  <a:schemeClr val="bg1"/>
+                </a:solidFill>
+              </a:rPr>
+              <a:t>用户请求在</a:t>
+            </a:r>
+            <a:r>
+              <a:rPr lang="en-US" altLang="zh-CN" dirty="0">
+                <a:solidFill>
+                  <a:schemeClr val="bg1"/>
+                </a:solidFill>
+              </a:rPr>
+              <a:t>263ms</a:t>
+            </a:r>
+            <a:r>
+              <a:rPr lang="zh-CN" altLang="en-US" dirty="0">
+                <a:solidFill>
+                  <a:schemeClr val="bg1"/>
+                </a:solidFill>
+              </a:rPr>
+              <a:t>内返回</a:t>
+            </a:r>
+          </a:p>
+          <a:p>
+            <a:pPr algn="l"/>
+            <a:r>
+              <a:rPr lang="zh-CN" altLang="en-US" dirty="0">
+                <a:solidFill>
+                  <a:schemeClr val="bg1"/>
+                </a:solidFill>
+              </a:rPr>
+              <a:t>  </a:t>
+            </a:r>
+            <a:r>
+              <a:rPr lang="en-US" altLang="zh-CN" dirty="0">
+                <a:solidFill>
+                  <a:schemeClr val="bg1"/>
+                </a:solidFill>
+              </a:rPr>
+              <a:t>66%    271    #66%</a:t>
+            </a:r>
+            <a:r>
+              <a:rPr lang="zh-CN" altLang="en-US" dirty="0">
+                <a:solidFill>
+                  <a:schemeClr val="bg1"/>
+                </a:solidFill>
+              </a:rPr>
+              <a:t>用户请求在</a:t>
+            </a:r>
+            <a:r>
+              <a:rPr lang="en-US" altLang="zh-CN" dirty="0">
+                <a:solidFill>
+                  <a:schemeClr val="bg1"/>
+                </a:solidFill>
+              </a:rPr>
+              <a:t>271ms</a:t>
+            </a:r>
+            <a:r>
+              <a:rPr lang="zh-CN" altLang="en-US" dirty="0">
+                <a:solidFill>
+                  <a:schemeClr val="bg1"/>
+                </a:solidFill>
+              </a:rPr>
+              <a:t>内返回</a:t>
+            </a:r>
+          </a:p>
+          <a:p>
+            <a:pPr algn="l"/>
+            <a:r>
+              <a:rPr lang="zh-CN" altLang="en-US" dirty="0">
+                <a:solidFill>
+                  <a:schemeClr val="bg1"/>
+                </a:solidFill>
+              </a:rPr>
+              <a:t>  </a:t>
+            </a:r>
+            <a:r>
+              <a:rPr lang="en-US" altLang="zh-CN" dirty="0">
+                <a:solidFill>
+                  <a:schemeClr val="bg1"/>
+                </a:solidFill>
+              </a:rPr>
+              <a:t>75%    279    #75%</a:t>
+            </a:r>
+            <a:r>
+              <a:rPr lang="zh-CN" altLang="en-US" dirty="0">
+                <a:solidFill>
+                  <a:schemeClr val="bg1"/>
+                </a:solidFill>
+              </a:rPr>
+              <a:t>用户请求在</a:t>
+            </a:r>
+            <a:r>
+              <a:rPr lang="en-US" altLang="zh-CN" dirty="0">
+                <a:solidFill>
+                  <a:schemeClr val="bg1"/>
+                </a:solidFill>
+              </a:rPr>
+              <a:t>279ms</a:t>
+            </a:r>
+            <a:r>
+              <a:rPr lang="zh-CN" altLang="en-US" dirty="0">
+                <a:solidFill>
+                  <a:schemeClr val="bg1"/>
+                </a:solidFill>
+              </a:rPr>
+              <a:t>内返回</a:t>
+            </a:r>
+          </a:p>
+          <a:p>
+            <a:pPr algn="l"/>
+            <a:r>
+              <a:rPr lang="zh-CN" altLang="en-US" dirty="0">
+                <a:solidFill>
+                  <a:schemeClr val="bg1"/>
+                </a:solidFill>
+              </a:rPr>
+              <a:t>  </a:t>
+            </a:r>
+            <a:r>
+              <a:rPr lang="en-US" altLang="zh-CN" dirty="0">
+                <a:solidFill>
+                  <a:schemeClr val="bg1"/>
+                </a:solidFill>
+              </a:rPr>
+              <a:t>80%    285    #80%</a:t>
+            </a:r>
+            <a:r>
+              <a:rPr lang="zh-CN" altLang="en-US" dirty="0">
+                <a:solidFill>
+                  <a:schemeClr val="bg1"/>
+                </a:solidFill>
+              </a:rPr>
+              <a:t>用户请求在</a:t>
+            </a:r>
+            <a:r>
+              <a:rPr lang="en-US" altLang="zh-CN" dirty="0">
+                <a:solidFill>
+                  <a:schemeClr val="bg1"/>
+                </a:solidFill>
+              </a:rPr>
+              <a:t>285ms</a:t>
+            </a:r>
+            <a:r>
+              <a:rPr lang="zh-CN" altLang="en-US" dirty="0">
+                <a:solidFill>
+                  <a:schemeClr val="bg1"/>
+                </a:solidFill>
+              </a:rPr>
+              <a:t>内返回</a:t>
+            </a:r>
+          </a:p>
+          <a:p>
+            <a:pPr algn="l"/>
+            <a:r>
+              <a:rPr lang="zh-CN" altLang="en-US" dirty="0">
+                <a:solidFill>
+                  <a:schemeClr val="bg1"/>
+                </a:solidFill>
+              </a:rPr>
+              <a:t>  </a:t>
+            </a:r>
+            <a:r>
+              <a:rPr lang="en-US" altLang="zh-CN" dirty="0">
+                <a:solidFill>
+                  <a:schemeClr val="bg1"/>
+                </a:solidFill>
+              </a:rPr>
+              <a:t>90%    303    #90%</a:t>
+            </a:r>
+            <a:r>
+              <a:rPr lang="zh-CN" altLang="en-US" dirty="0">
+                <a:solidFill>
+                  <a:schemeClr val="bg1"/>
+                </a:solidFill>
+              </a:rPr>
+              <a:t>用户请求在</a:t>
+            </a:r>
+            <a:r>
+              <a:rPr lang="en-US" altLang="zh-CN" dirty="0">
+                <a:solidFill>
+                  <a:schemeClr val="bg1"/>
+                </a:solidFill>
+              </a:rPr>
+              <a:t>303ms</a:t>
+            </a:r>
+            <a:r>
+              <a:rPr lang="zh-CN" altLang="en-US" dirty="0">
+                <a:solidFill>
+                  <a:schemeClr val="bg1"/>
+                </a:solidFill>
+              </a:rPr>
+              <a:t>内返回</a:t>
+            </a:r>
+          </a:p>
+          <a:p>
+            <a:pPr algn="l"/>
+            <a:r>
+              <a:rPr lang="zh-CN" altLang="en-US" dirty="0">
+                <a:solidFill>
+                  <a:schemeClr val="bg1"/>
+                </a:solidFill>
+              </a:rPr>
+              <a:t>  </a:t>
+            </a:r>
+            <a:r>
+              <a:rPr lang="en-US" altLang="zh-CN" dirty="0">
+                <a:solidFill>
+                  <a:schemeClr val="bg1"/>
+                </a:solidFill>
+              </a:rPr>
+              <a:t>95%    320    #95%</a:t>
+            </a:r>
+            <a:r>
+              <a:rPr lang="zh-CN" altLang="en-US" dirty="0">
+                <a:solidFill>
+                  <a:schemeClr val="bg1"/>
+                </a:solidFill>
+              </a:rPr>
+              <a:t>用户请求在</a:t>
+            </a:r>
+            <a:r>
+              <a:rPr lang="en-US" altLang="zh-CN" dirty="0">
+                <a:solidFill>
+                  <a:schemeClr val="bg1"/>
+                </a:solidFill>
+              </a:rPr>
+              <a:t>320ms</a:t>
+            </a:r>
+            <a:r>
+              <a:rPr lang="zh-CN" altLang="en-US" dirty="0">
+                <a:solidFill>
+                  <a:schemeClr val="bg1"/>
+                </a:solidFill>
+              </a:rPr>
+              <a:t>内返回</a:t>
+            </a:r>
+          </a:p>
+          <a:p>
+            <a:pPr algn="l"/>
+            <a:r>
+              <a:rPr lang="zh-CN" altLang="en-US" dirty="0">
+                <a:solidFill>
+                  <a:schemeClr val="bg1"/>
+                </a:solidFill>
+              </a:rPr>
+              <a:t>  </a:t>
+            </a:r>
+            <a:r>
+              <a:rPr lang="en-US" altLang="zh-CN" dirty="0">
+                <a:solidFill>
+                  <a:schemeClr val="bg1"/>
+                </a:solidFill>
+              </a:rPr>
+              <a:t>98%    341    #98%</a:t>
+            </a:r>
+            <a:r>
+              <a:rPr lang="zh-CN" altLang="en-US" dirty="0">
+                <a:solidFill>
+                  <a:schemeClr val="bg1"/>
+                </a:solidFill>
+              </a:rPr>
+              <a:t>用户请求在</a:t>
+            </a:r>
+            <a:r>
+              <a:rPr lang="en-US" altLang="zh-CN" dirty="0">
+                <a:solidFill>
+                  <a:schemeClr val="bg1"/>
+                </a:solidFill>
+              </a:rPr>
+              <a:t>341ms</a:t>
+            </a:r>
+            <a:r>
+              <a:rPr lang="zh-CN" altLang="en-US" dirty="0">
+                <a:solidFill>
+                  <a:schemeClr val="bg1"/>
+                </a:solidFill>
+              </a:rPr>
+              <a:t>内返回</a:t>
+            </a:r>
+          </a:p>
+          <a:p>
+            <a:pPr algn="l"/>
+            <a:r>
+              <a:rPr lang="zh-CN" altLang="en-US" dirty="0">
+                <a:solidFill>
+                  <a:schemeClr val="bg1"/>
+                </a:solidFill>
+              </a:rPr>
+              <a:t>  </a:t>
+            </a:r>
+            <a:r>
+              <a:rPr lang="en-US" altLang="zh-CN" dirty="0">
+                <a:solidFill>
+                  <a:schemeClr val="bg1"/>
+                </a:solidFill>
+              </a:rPr>
+              <a:t>99%    373    #99%</a:t>
+            </a:r>
+            <a:r>
+              <a:rPr lang="zh-CN" altLang="en-US" dirty="0">
+                <a:solidFill>
+                  <a:schemeClr val="bg1"/>
+                </a:solidFill>
+              </a:rPr>
+              <a:t>用户请求在</a:t>
+            </a:r>
+            <a:r>
+              <a:rPr lang="en-US" altLang="zh-CN" dirty="0">
+                <a:solidFill>
+                  <a:schemeClr val="bg1"/>
+                </a:solidFill>
+              </a:rPr>
+              <a:t>373ms</a:t>
+            </a:r>
+            <a:r>
+              <a:rPr lang="zh-CN" altLang="en-US" dirty="0">
+                <a:solidFill>
+                  <a:schemeClr val="bg1"/>
+                </a:solidFill>
+              </a:rPr>
+              <a:t>内返回</a:t>
+            </a:r>
+          </a:p>
+          <a:p>
+            <a:pPr algn="l"/>
+            <a:r>
+              <a:rPr lang="zh-CN" altLang="en-US" dirty="0">
+                <a:solidFill>
+                  <a:schemeClr val="bg1"/>
+                </a:solidFill>
+              </a:rPr>
+              <a:t> </a:t>
+            </a:r>
+            <a:r>
+              <a:rPr lang="en-US" altLang="zh-CN" dirty="0">
+                <a:solidFill>
+                  <a:schemeClr val="bg1"/>
+                </a:solidFill>
+              </a:rPr>
+              <a:t>100%    945 (longest request)</a:t>
+            </a:r>
+            <a:endParaRPr lang="zh-CN" altLang="en-US" dirty="0">
+              <a:solidFill>
+                <a:schemeClr val="bg1"/>
+              </a:solidFill>
+            </a:endParaRPr>
+          </a:p>
+        </p:txBody>
+      </p:sp>
+    </p:spTree>
+    <p:extLst>
+      <p:ext uri="{BB962C8B-B14F-4D97-AF65-F5344CB8AC3E}">
+        <p14:creationId xmlns:p14="http://schemas.microsoft.com/office/powerpoint/2010/main" val="3302770514"/>
+      </p:ext>
+    </p:extLst>
+  </p:cSld>
+  <p:clrMapOvr>
+    <a:masterClrMapping/>
+  </p:clrMapOvr>
+  <p:transition spd="med"/>
+</p:sld>
+</file>
+
+<file path=ppt/slides/slide11.xml><?xml version="1.0" encoding="utf-8"?>
+<p:sld xmlns:a="http://schemas.openxmlformats.org/drawingml/2006/main" xmlns:r="http://schemas.openxmlformats.org/officeDocument/2006/relationships" xmlns:p="http://schemas.openxmlformats.org/presentationml/2006/main">
+  <p:cSld>
+    <p:spTree>
+      <p:nvGrpSpPr>
+        <p:cNvPr id="1" name=""/>
+        <p:cNvGrpSpPr/>
+        <p:nvPr/>
+      </p:nvGrpSpPr>
+      <p:grpSpPr>
+        <a:xfrm>
+          <a:off x="0" y="0"/>
+          <a:ext cx="0" cy="0"/>
+          <a:chOff x="0" y="0"/>
+          <a:chExt cx="0" cy="0"/>
+        </a:xfrm>
+      </p:grpSpPr>
+      <p:sp>
+        <p:nvSpPr>
+          <p:cNvPr id="2" name="文本占位符 1"/>
+          <p:cNvSpPr>
+            <a:spLocks noGrp="1"/>
+          </p:cNvSpPr>
+          <p:nvPr>
+            <p:ph type="body" sz="quarter" idx="13"/>
+          </p:nvPr>
+        </p:nvSpPr>
+        <p:spPr>
+          <a:xfrm>
+            <a:off x="2444750" y="7675880"/>
+            <a:ext cx="5928995" cy="1163320"/>
+          </a:xfrm>
+        </p:spPr>
+        <p:txBody>
+          <a:bodyPr wrap="square"/>
+          <a:lstStyle/>
+          <a:p>
+            <a:r>
+              <a:rPr kumimoji="1" lang="zh-CN" altLang="en-US" dirty="0"/>
+              <a:t>闯哥</a:t>
+            </a:r>
+            <a:endParaRPr kumimoji="1" lang="zh-CN" altLang="en-US" dirty="0"/>
+          </a:p>
+        </p:txBody>
+      </p:sp>
+      <p:sp>
+        <p:nvSpPr>
+          <p:cNvPr id="4" name="文本占位符 3"/>
+          <p:cNvSpPr>
+            <a:spLocks noGrp="1"/>
+          </p:cNvSpPr>
+          <p:nvPr>
+            <p:ph type="body" sz="quarter" idx="15"/>
+          </p:nvPr>
+        </p:nvSpPr>
+        <p:spPr>
+          <a:xfrm>
+            <a:off x="2444750" y="4987012"/>
+            <a:ext cx="19143345" cy="1210588"/>
+          </a:xfrm>
+        </p:spPr>
+        <p:txBody>
+          <a:bodyPr wrap="square"/>
+          <a:lstStyle/>
+          <a:p>
+            <a:r>
+              <a:rPr kumimoji="1" lang="en-US" altLang="zh-CN" dirty="0"/>
+              <a:t>1.2 </a:t>
+            </a:r>
+            <a:r>
+              <a:rPr kumimoji="1" lang="en-US" altLang="zh-CN" dirty="0" err="1"/>
+              <a:t>PProf</a:t>
+            </a:r>
+            <a:r>
+              <a:rPr kumimoji="1" lang="zh-CN" altLang="en-US" dirty="0"/>
+              <a:t>简介</a:t>
+            </a:r>
+            <a:endParaRPr kumimoji="1" lang="en-US" altLang="zh-CN" dirty="0"/>
+          </a:p>
+        </p:txBody>
+      </p:sp>
+    </p:spTree>
+    <p:extLst>
+      <p:ext uri="{BB962C8B-B14F-4D97-AF65-F5344CB8AC3E}">
+        <p14:creationId xmlns:p14="http://schemas.microsoft.com/office/powerpoint/2010/main" val="3062829642"/>
+      </p:ext>
+    </p:extLst>
+  </p:cSld>
+  <p:clrMapOvr>
+    <a:masterClrMapping/>
+  </p:clrMapOvr>
+  <p:transition spd="med"/>
+  <p:timing>
+    <p:tnLst>
+      <p:par>
+        <p:cTn id="1" dur="indefinite" restart="never" nodeType="tmRoot"/>
+      </p:par>
+    </p:tnLst>
+  </p:timing>
+</p:sld>
+</file>
+
+<file path=ppt/slides/slide12.xml><?xml version="1.0" encoding="utf-8"?>
+<p:sld xmlns:a="http://schemas.openxmlformats.org/drawingml/2006/main" xmlns:r="http://schemas.openxmlformats.org/officeDocument/2006/relationships" xmlns:p="http://schemas.openxmlformats.org/presentationml/2006/main">
+  <p:cSld>
+    <p:spTree>
+      <p:nvGrpSpPr>
+        <p:cNvPr id="1" name=""/>
+        <p:cNvGrpSpPr/>
+        <p:nvPr/>
+      </p:nvGrpSpPr>
+      <p:grpSpPr>
+        <a:xfrm>
+          <a:off x="0" y="0"/>
+          <a:ext cx="0" cy="0"/>
+          <a:chOff x="0" y="0"/>
+          <a:chExt cx="0" cy="0"/>
+        </a:xfrm>
+      </p:grpSpPr>
+      <p:sp>
+        <p:nvSpPr>
+          <p:cNvPr id="6" name="标题 5"/>
+          <p:cNvSpPr>
+            <a:spLocks noGrp="1"/>
+          </p:cNvSpPr>
+          <p:nvPr>
+            <p:ph type="title"/>
+          </p:nvPr>
+        </p:nvSpPr>
+        <p:spPr/>
+        <p:txBody>
+          <a:bodyPr>
+            <a:noAutofit/>
+          </a:bodyPr>
+          <a:lstStyle/>
+          <a:p>
+            <a:r>
+              <a:rPr kumimoji="1" lang="en-US" altLang="zh-CN" dirty="0"/>
+              <a:t>1.2 </a:t>
+            </a:r>
+            <a:r>
+              <a:rPr kumimoji="1" lang="en-US" altLang="zh-CN" dirty="0" err="1"/>
+              <a:t>PProf</a:t>
+            </a:r>
+            <a:r>
+              <a:rPr kumimoji="1" lang="zh-CN" altLang="en-US" dirty="0"/>
+              <a:t>简介</a:t>
+            </a:r>
+            <a:br>
+              <a:rPr kumimoji="1" lang="zh-CN" altLang="en-US" dirty="0"/>
+            </a:br>
+            <a:endParaRPr kumimoji="1" lang="en-US" altLang="zh-CN" dirty="0"/>
+          </a:p>
+        </p:txBody>
+      </p:sp>
+      <p:sp>
+        <p:nvSpPr>
+          <p:cNvPr id="3" name="文本框 2"/>
+          <p:cNvSpPr txBox="1"/>
+          <p:nvPr/>
+        </p:nvSpPr>
+        <p:spPr>
+          <a:xfrm>
+            <a:off x="2462400" y="3764263"/>
+            <a:ext cx="19458000" cy="974626"/>
+          </a:xfrm>
+          <a:prstGeom prst="rect">
+            <a:avLst/>
+          </a:prstGeom>
+          <a:noFill/>
+          <a:ln w="12700" cap="flat">
+            <a:noFill/>
+            <a:miter lim="400000"/>
+          </a:ln>
+        </p:spPr>
+        <p:style>
+          <a:lnRef idx="0">
+            <a:scrgbClr r="0" g="0" b="0"/>
+          </a:lnRef>
+          <a:fillRef idx="0">
+            <a:scrgbClr r="0" g="0" b="0"/>
+          </a:fillRef>
+          <a:effectRef idx="0">
+            <a:scrgbClr r="0" g="0" b="0"/>
+          </a:effectRef>
+          <a:fontRef idx="none"/>
+        </p:style>
+        <p:txBody>
+          <a:bodyPr rot="0" spcFirstLastPara="1" vertOverflow="overflow" horzOverflow="overflow" vert="horz" wrap="square" lIns="50800" tIns="50800" rIns="50800" bIns="50800" numCol="1" spcCol="38100" rtlCol="0" anchor="ctr">
+            <a:spAutoFit/>
+          </a:bodyPr>
+          <a:lstStyle/>
+          <a:p>
+            <a:pPr marL="571500" indent="-571500" algn="l">
+              <a:spcBef>
+                <a:spcPts val="1000"/>
+              </a:spcBef>
+              <a:spcAft>
+                <a:spcPts val="1000"/>
+              </a:spcAft>
+              <a:buSzPct val="125000"/>
+              <a:buFont typeface="Arial" panose="020B0604020202090204" pitchFamily="34" charset="0"/>
+              <a:buChar char="•"/>
+            </a:pPr>
+            <a:r>
+              <a:rPr kumimoji="1" lang="en-US" altLang="zh-CN" sz="4000" b="0" dirty="0" err="1">
+                <a:solidFill>
+                  <a:srgbClr val="FFFFFF"/>
+                </a:solidFill>
+                <a:latin typeface="Helvetica" pitchFamily="2" charset="0"/>
+                <a:ea typeface="Alibaba PuHuiTi R" panose="00020600040101010101" pitchFamily="18" charset="-122"/>
+                <a:cs typeface="Alibaba PuHuiTi R" panose="00020600040101010101" pitchFamily="18" charset="-122"/>
+              </a:rPr>
+              <a:t>PProf</a:t>
+            </a:r>
+            <a:r>
+              <a:rPr kumimoji="1" lang="zh-CN" altLang="en-US" sz="4000" b="0" dirty="0">
+                <a:solidFill>
+                  <a:srgbClr val="FFFFFF"/>
+                </a:solidFill>
+                <a:latin typeface="Helvetica" pitchFamily="2" charset="0"/>
+                <a:ea typeface="Alibaba PuHuiTi R" panose="00020600040101010101" pitchFamily="18" charset="-122"/>
+                <a:cs typeface="Alibaba PuHuiTi R" panose="00020600040101010101" pitchFamily="18" charset="-122"/>
+              </a:rPr>
+              <a:t>是什么</a:t>
+            </a:r>
+            <a:endParaRPr kumimoji="1" lang="zh-CN" altLang="en-US" sz="4000" b="0" dirty="0">
+              <a:solidFill>
+                <a:srgbClr val="FFFFFF"/>
+              </a:solidFill>
+              <a:latin typeface="Helvetica" pitchFamily="2" charset="0"/>
+              <a:ea typeface="Alibaba PuHuiTi R" panose="00020600040101010101" pitchFamily="18" charset="-122"/>
+              <a:cs typeface="Alibaba PuHuiTi R" panose="00020600040101010101" pitchFamily="18" charset="-122"/>
+            </a:endParaRPr>
+          </a:p>
+        </p:txBody>
+      </p:sp>
+      <p:sp>
+        <p:nvSpPr>
+          <p:cNvPr id="4" name="矩形 3"/>
+          <p:cNvSpPr/>
+          <p:nvPr/>
+        </p:nvSpPr>
+        <p:spPr>
+          <a:xfrm>
+            <a:off x="2987040" y="4738889"/>
+            <a:ext cx="14595566" cy="553998"/>
+          </a:xfrm>
+          <a:prstGeom prst="rect">
+            <a:avLst/>
+          </a:prstGeom>
+        </p:spPr>
+        <p:txBody>
+          <a:bodyPr wrap="square">
+            <a:spAutoFit/>
+          </a:bodyPr>
+          <a:lstStyle/>
+          <a:p>
+            <a:pPr algn="l"/>
+            <a:r>
+              <a:rPr lang="en-US" altLang="zh-CN" dirty="0" err="1">
+                <a:solidFill>
+                  <a:schemeClr val="bg1"/>
+                </a:solidFill>
+              </a:rPr>
+              <a:t>pprof</a:t>
+            </a:r>
+            <a:r>
+              <a:rPr lang="en-US" altLang="zh-CN" dirty="0">
+                <a:solidFill>
+                  <a:schemeClr val="bg1"/>
+                </a:solidFill>
+              </a:rPr>
+              <a:t> is a tool for visualization and analysis of profiling data.</a:t>
+            </a:r>
+            <a:endParaRPr lang="zh-CN" altLang="en-US" dirty="0">
+              <a:solidFill>
+                <a:schemeClr val="bg1"/>
+              </a:solidFill>
+            </a:endParaRPr>
+          </a:p>
+        </p:txBody>
+      </p:sp>
+      <p:sp>
+        <p:nvSpPr>
+          <p:cNvPr id="13" name="文本框 12"/>
+          <p:cNvSpPr txBox="1"/>
+          <p:nvPr/>
+        </p:nvSpPr>
+        <p:spPr>
+          <a:xfrm>
+            <a:off x="2462400" y="5780200"/>
+            <a:ext cx="19458000" cy="974626"/>
+          </a:xfrm>
+          <a:prstGeom prst="rect">
+            <a:avLst/>
+          </a:prstGeom>
+          <a:noFill/>
+          <a:ln w="12700" cap="flat">
+            <a:noFill/>
+            <a:miter lim="400000"/>
+          </a:ln>
+        </p:spPr>
+        <p:style>
+          <a:lnRef idx="0">
+            <a:scrgbClr r="0" g="0" b="0"/>
+          </a:lnRef>
+          <a:fillRef idx="0">
+            <a:scrgbClr r="0" g="0" b="0"/>
+          </a:fillRef>
+          <a:effectRef idx="0">
+            <a:scrgbClr r="0" g="0" b="0"/>
+          </a:effectRef>
+          <a:fontRef idx="none"/>
+        </p:style>
+        <p:txBody>
+          <a:bodyPr rot="0" spcFirstLastPara="1" vertOverflow="overflow" horzOverflow="overflow" vert="horz" wrap="square" lIns="50800" tIns="50800" rIns="50800" bIns="50800" numCol="1" spcCol="38100" rtlCol="0" anchor="ctr">
+            <a:spAutoFit/>
+          </a:bodyPr>
+          <a:lstStyle/>
+          <a:p>
+            <a:pPr marL="571500" indent="-571500" algn="l">
+              <a:spcBef>
+                <a:spcPts val="1000"/>
+              </a:spcBef>
+              <a:spcAft>
+                <a:spcPts val="1000"/>
+              </a:spcAft>
+              <a:buSzPct val="125000"/>
+              <a:buFont typeface="Arial" panose="020B0604020202090204" pitchFamily="34" charset="0"/>
+              <a:buChar char="•"/>
+            </a:pPr>
+            <a:r>
+              <a:rPr kumimoji="1" lang="en-US" altLang="zh-CN" sz="4000" b="0" dirty="0" err="1">
+                <a:solidFill>
+                  <a:srgbClr val="FFFFFF"/>
+                </a:solidFill>
+                <a:latin typeface="Helvetica" pitchFamily="2" charset="0"/>
+                <a:ea typeface="Alibaba PuHuiTi R" panose="00020600040101010101" pitchFamily="18" charset="-122"/>
+                <a:cs typeface="Alibaba PuHuiTi R" panose="00020600040101010101" pitchFamily="18" charset="-122"/>
+              </a:rPr>
+              <a:t>PProf</a:t>
+            </a:r>
+            <a:r>
+              <a:rPr kumimoji="1" lang="zh-CN" altLang="en-US" sz="4000" b="0" dirty="0">
+                <a:solidFill>
+                  <a:srgbClr val="FFFFFF"/>
+                </a:solidFill>
+                <a:latin typeface="Helvetica" pitchFamily="2" charset="0"/>
+                <a:ea typeface="Alibaba PuHuiTi R" panose="00020600040101010101" pitchFamily="18" charset="-122"/>
+                <a:cs typeface="Alibaba PuHuiTi R" panose="00020600040101010101" pitchFamily="18" charset="-122"/>
+              </a:rPr>
+              <a:t>可以做什么</a:t>
+            </a:r>
+            <a:endParaRPr kumimoji="1" lang="zh-CN" altLang="en-US" sz="4000" b="0" dirty="0">
+              <a:solidFill>
+                <a:srgbClr val="FFFFFF"/>
+              </a:solidFill>
+              <a:latin typeface="Helvetica" pitchFamily="2" charset="0"/>
+              <a:ea typeface="Alibaba PuHuiTi R" panose="00020600040101010101" pitchFamily="18" charset="-122"/>
+              <a:cs typeface="Alibaba PuHuiTi R" panose="00020600040101010101" pitchFamily="18" charset="-122"/>
+            </a:endParaRPr>
+          </a:p>
+        </p:txBody>
+      </p:sp>
+      <p:sp>
+        <p:nvSpPr>
+          <p:cNvPr id="14" name="矩形 13"/>
+          <p:cNvSpPr/>
+          <p:nvPr/>
+        </p:nvSpPr>
+        <p:spPr>
+          <a:xfrm>
+            <a:off x="2987040" y="6754826"/>
+            <a:ext cx="14595566" cy="2400657"/>
+          </a:xfrm>
+          <a:prstGeom prst="rect">
+            <a:avLst/>
+          </a:prstGeom>
+        </p:spPr>
+        <p:txBody>
+          <a:bodyPr wrap="square">
+            <a:spAutoFit/>
+          </a:bodyPr>
+          <a:lstStyle/>
+          <a:p>
+            <a:pPr marL="457200" indent="-457200" algn="l">
+              <a:buFontTx/>
+              <a:buChar char="-"/>
+            </a:pPr>
+            <a:r>
+              <a:rPr lang="en-US" altLang="zh-CN" dirty="0" smtClean="0">
+                <a:solidFill>
+                  <a:schemeClr val="bg1"/>
+                </a:solidFill>
+              </a:rPr>
+              <a:t>CPU Profiling</a:t>
+            </a:r>
+          </a:p>
+          <a:p>
+            <a:pPr marL="457200" indent="-457200" algn="l">
+              <a:buFontTx/>
+              <a:buChar char="-"/>
+            </a:pPr>
+            <a:r>
+              <a:rPr lang="en-US" altLang="zh-CN" dirty="0" smtClean="0">
+                <a:solidFill>
+                  <a:schemeClr val="bg1"/>
+                </a:solidFill>
+              </a:rPr>
+              <a:t>Memory Profiling</a:t>
+            </a:r>
+          </a:p>
+          <a:p>
+            <a:pPr marL="457200" indent="-457200" algn="l">
+              <a:buFontTx/>
+              <a:buChar char="-"/>
+            </a:pPr>
+            <a:r>
+              <a:rPr lang="en-US" altLang="zh-CN" dirty="0" smtClean="0">
+                <a:solidFill>
+                  <a:schemeClr val="bg1"/>
+                </a:solidFill>
+              </a:rPr>
+              <a:t>Block Profiling</a:t>
+            </a:r>
+            <a:endParaRPr lang="en-US" altLang="zh-CN" dirty="0">
+              <a:solidFill>
+                <a:schemeClr val="bg1"/>
+              </a:solidFill>
+            </a:endParaRPr>
+          </a:p>
+          <a:p>
+            <a:pPr marL="457200" indent="-457200" algn="l">
+              <a:buFontTx/>
+              <a:buChar char="-"/>
+            </a:pPr>
+            <a:r>
+              <a:rPr lang="en-US" altLang="zh-CN" dirty="0" err="1" smtClean="0">
+                <a:solidFill>
+                  <a:schemeClr val="bg1"/>
+                </a:solidFill>
+              </a:rPr>
+              <a:t>Mutex</a:t>
+            </a:r>
+            <a:r>
+              <a:rPr lang="en-US" altLang="zh-CN" dirty="0" smtClean="0">
+                <a:solidFill>
+                  <a:schemeClr val="bg1"/>
+                </a:solidFill>
+              </a:rPr>
+              <a:t> Profiling</a:t>
+            </a:r>
+          </a:p>
+          <a:p>
+            <a:pPr algn="l"/>
+            <a:r>
+              <a:rPr lang="en-US" altLang="zh-CN" dirty="0" smtClean="0">
+                <a:solidFill>
+                  <a:schemeClr val="bg1"/>
+                </a:solidFill>
+              </a:rPr>
+              <a:t>-   </a:t>
+            </a:r>
+            <a:r>
+              <a:rPr lang="en-US" altLang="zh-CN" dirty="0" err="1">
+                <a:solidFill>
+                  <a:schemeClr val="bg1"/>
+                </a:solidFill>
+              </a:rPr>
+              <a:t>Goroutine</a:t>
+            </a:r>
+            <a:r>
+              <a:rPr lang="en-US" altLang="zh-CN" dirty="0">
+                <a:solidFill>
+                  <a:schemeClr val="bg1"/>
+                </a:solidFill>
+              </a:rPr>
+              <a:t> </a:t>
+            </a:r>
+            <a:r>
+              <a:rPr lang="en-US" altLang="zh-CN" dirty="0" smtClean="0">
+                <a:solidFill>
+                  <a:schemeClr val="bg1"/>
+                </a:solidFill>
+              </a:rPr>
+              <a:t>Profiling</a:t>
+            </a:r>
+            <a:endParaRPr lang="zh-CN" altLang="en-US" dirty="0">
+              <a:solidFill>
+                <a:schemeClr val="bg1"/>
+              </a:solidFill>
+            </a:endParaRPr>
+          </a:p>
+        </p:txBody>
+      </p:sp>
+    </p:spTree>
+    <p:extLst>
+      <p:ext uri="{BB962C8B-B14F-4D97-AF65-F5344CB8AC3E}">
+        <p14:creationId xmlns:p14="http://schemas.microsoft.com/office/powerpoint/2010/main" val="3868861892"/>
+      </p:ext>
+    </p:extLst>
+  </p:cSld>
+  <p:clrMapOvr>
+    <a:masterClrMapping/>
+  </p:clrMapOvr>
+  <p:transition spd="med"/>
+  <p:timing>
+    <p:tnLst>
+      <p:par>
+        <p:cTn id="1" dur="indefinite" restart="never" nodeType="tmRoot"/>
+      </p:par>
+    </p:tnLst>
+  </p:timing>
+</p:sld>
+</file>
+
+<file path=ppt/slides/slide13.xml><?xml version="1.0" encoding="utf-8"?>
+<p:sld xmlns:a="http://schemas.openxmlformats.org/drawingml/2006/main" xmlns:r="http://schemas.openxmlformats.org/officeDocument/2006/relationships" xmlns:p="http://schemas.openxmlformats.org/presentationml/2006/main">
+  <p:cSld>
+    <p:spTree>
+      <p:nvGrpSpPr>
+        <p:cNvPr id="1" name=""/>
+        <p:cNvGrpSpPr/>
+        <p:nvPr/>
+      </p:nvGrpSpPr>
+      <p:grpSpPr>
+        <a:xfrm>
+          <a:off x="0" y="0"/>
+          <a:ext cx="0" cy="0"/>
+          <a:chOff x="0" y="0"/>
+          <a:chExt cx="0" cy="0"/>
+        </a:xfrm>
+      </p:grpSpPr>
+      <p:sp>
+        <p:nvSpPr>
+          <p:cNvPr id="6" name="标题 5"/>
+          <p:cNvSpPr>
+            <a:spLocks noGrp="1"/>
+          </p:cNvSpPr>
+          <p:nvPr>
+            <p:ph type="title"/>
+          </p:nvPr>
+        </p:nvSpPr>
+        <p:spPr/>
+        <p:txBody>
+          <a:bodyPr>
+            <a:noAutofit/>
+          </a:bodyPr>
+          <a:lstStyle/>
+          <a:p>
+            <a:r>
+              <a:rPr kumimoji="1" lang="en-US" altLang="zh-CN" dirty="0"/>
+              <a:t>1.2 </a:t>
+            </a:r>
+            <a:r>
+              <a:rPr kumimoji="1" lang="en-US" altLang="zh-CN" dirty="0" err="1"/>
+              <a:t>PProf</a:t>
+            </a:r>
+            <a:r>
+              <a:rPr kumimoji="1" lang="zh-CN" altLang="en-US" dirty="0"/>
+              <a:t>简介</a:t>
+            </a:r>
+            <a:br>
+              <a:rPr kumimoji="1" lang="zh-CN" altLang="en-US" dirty="0"/>
+            </a:br>
+            <a:endParaRPr kumimoji="1" lang="en-US" altLang="zh-CN" dirty="0"/>
+          </a:p>
+        </p:txBody>
+      </p:sp>
+      <p:sp>
+        <p:nvSpPr>
+          <p:cNvPr id="7" name="文本框 6"/>
+          <p:cNvSpPr txBox="1"/>
+          <p:nvPr/>
+        </p:nvSpPr>
+        <p:spPr>
+          <a:xfrm>
+            <a:off x="2462400" y="3701835"/>
+            <a:ext cx="19458000" cy="974626"/>
+          </a:xfrm>
+          <a:prstGeom prst="rect">
+            <a:avLst/>
+          </a:prstGeom>
+          <a:noFill/>
+          <a:ln w="12700" cap="flat">
+            <a:noFill/>
+            <a:miter lim="400000"/>
+          </a:ln>
+        </p:spPr>
+        <p:style>
+          <a:lnRef idx="0">
+            <a:scrgbClr r="0" g="0" b="0"/>
+          </a:lnRef>
+          <a:fillRef idx="0">
+            <a:scrgbClr r="0" g="0" b="0"/>
+          </a:fillRef>
+          <a:effectRef idx="0">
+            <a:scrgbClr r="0" g="0" b="0"/>
+          </a:effectRef>
+          <a:fontRef idx="none"/>
+        </p:style>
+        <p:txBody>
+          <a:bodyPr rot="0" spcFirstLastPara="1" vertOverflow="overflow" horzOverflow="overflow" vert="horz" wrap="square" lIns="50800" tIns="50800" rIns="50800" bIns="50800" numCol="1" spcCol="38100" rtlCol="0" anchor="ctr">
+            <a:spAutoFit/>
+          </a:bodyPr>
+          <a:lstStyle/>
+          <a:p>
+            <a:pPr marL="571500" indent="-571500" algn="l">
+              <a:spcBef>
+                <a:spcPts val="1000"/>
+              </a:spcBef>
+              <a:spcAft>
+                <a:spcPts val="1000"/>
+              </a:spcAft>
+              <a:buSzPct val="125000"/>
+              <a:buFont typeface="Arial" panose="020B0604020202090204" pitchFamily="34" charset="0"/>
+              <a:buChar char="•"/>
+            </a:pPr>
+            <a:r>
+              <a:rPr kumimoji="1" lang="zh-CN" altLang="en-US" sz="4000" b="0" dirty="0">
+                <a:solidFill>
+                  <a:srgbClr val="FFFFFF"/>
+                </a:solidFill>
+                <a:latin typeface="Helvetica" pitchFamily="2" charset="0"/>
+                <a:ea typeface="Alibaba PuHuiTi R" panose="00020600040101010101" pitchFamily="18" charset="-122"/>
+                <a:cs typeface="Alibaba PuHuiTi R" panose="00020600040101010101" pitchFamily="18" charset="-122"/>
+              </a:rPr>
+              <a:t>采样方式</a:t>
+            </a:r>
+            <a:endParaRPr kumimoji="1" lang="zh-CN" altLang="en-US" sz="4000" b="0" dirty="0">
+              <a:solidFill>
+                <a:srgbClr val="FFFFFF"/>
+              </a:solidFill>
+              <a:latin typeface="Helvetica" pitchFamily="2" charset="0"/>
+              <a:ea typeface="Alibaba PuHuiTi R" panose="00020600040101010101" pitchFamily="18" charset="-122"/>
+              <a:cs typeface="Alibaba PuHuiTi R" panose="00020600040101010101" pitchFamily="18" charset="-122"/>
+            </a:endParaRPr>
+          </a:p>
+        </p:txBody>
+      </p:sp>
+      <p:sp>
+        <p:nvSpPr>
+          <p:cNvPr id="8" name="矩形 7"/>
+          <p:cNvSpPr/>
+          <p:nvPr/>
+        </p:nvSpPr>
+        <p:spPr>
+          <a:xfrm>
+            <a:off x="2987040" y="4676461"/>
+            <a:ext cx="14595566" cy="1477328"/>
+          </a:xfrm>
+          <a:prstGeom prst="rect">
+            <a:avLst/>
+          </a:prstGeom>
+        </p:spPr>
+        <p:txBody>
+          <a:bodyPr wrap="square">
+            <a:spAutoFit/>
+          </a:bodyPr>
+          <a:lstStyle/>
+          <a:p>
+            <a:pPr algn="l"/>
+            <a:r>
+              <a:rPr lang="en-US" altLang="zh-CN" dirty="0">
+                <a:solidFill>
+                  <a:schemeClr val="bg1"/>
+                </a:solidFill>
+              </a:rPr>
+              <a:t>runtime/</a:t>
+            </a:r>
+            <a:r>
+              <a:rPr lang="en-US" altLang="zh-CN" dirty="0" err="1">
+                <a:solidFill>
+                  <a:schemeClr val="bg1"/>
+                </a:solidFill>
+              </a:rPr>
+              <a:t>pprof</a:t>
+            </a:r>
+            <a:r>
+              <a:rPr lang="zh-CN" altLang="en-US" dirty="0">
+                <a:solidFill>
+                  <a:schemeClr val="bg1"/>
+                </a:solidFill>
+              </a:rPr>
+              <a:t>：采集程序（非 </a:t>
+            </a:r>
+            <a:r>
+              <a:rPr lang="en-US" altLang="zh-CN" dirty="0">
+                <a:solidFill>
+                  <a:schemeClr val="bg1"/>
+                </a:solidFill>
+              </a:rPr>
+              <a:t>Server</a:t>
+            </a:r>
+            <a:r>
+              <a:rPr lang="zh-CN" altLang="en-US" dirty="0">
+                <a:solidFill>
+                  <a:schemeClr val="bg1"/>
+                </a:solidFill>
+              </a:rPr>
+              <a:t>）的运行数据进行分析</a:t>
+            </a:r>
+          </a:p>
+          <a:p>
+            <a:pPr algn="l"/>
+            <a:r>
+              <a:rPr lang="en-US" altLang="zh-CN" dirty="0">
+                <a:solidFill>
+                  <a:schemeClr val="bg1"/>
+                </a:solidFill>
+              </a:rPr>
+              <a:t>net/http/</a:t>
+            </a:r>
+            <a:r>
+              <a:rPr lang="en-US" altLang="zh-CN" dirty="0" err="1">
+                <a:solidFill>
+                  <a:schemeClr val="bg1"/>
+                </a:solidFill>
+              </a:rPr>
+              <a:t>pprof</a:t>
+            </a:r>
+            <a:r>
+              <a:rPr lang="zh-CN" altLang="en-US" dirty="0">
+                <a:solidFill>
+                  <a:schemeClr val="bg1"/>
+                </a:solidFill>
+              </a:rPr>
+              <a:t>：采集 </a:t>
+            </a:r>
+            <a:r>
+              <a:rPr lang="en-US" altLang="zh-CN" dirty="0">
+                <a:solidFill>
+                  <a:schemeClr val="bg1"/>
+                </a:solidFill>
+              </a:rPr>
+              <a:t>HTTP Server </a:t>
+            </a:r>
+            <a:r>
+              <a:rPr lang="zh-CN" altLang="en-US" dirty="0">
+                <a:solidFill>
+                  <a:schemeClr val="bg1"/>
+                </a:solidFill>
+              </a:rPr>
+              <a:t>的运行时数据进行</a:t>
+            </a:r>
+            <a:r>
+              <a:rPr lang="zh-CN" altLang="en-US" dirty="0" smtClean="0">
+                <a:solidFill>
+                  <a:schemeClr val="bg1"/>
+                </a:solidFill>
+              </a:rPr>
+              <a:t>分析</a:t>
+            </a:r>
+            <a:endParaRPr lang="en-US" altLang="zh-CN" dirty="0" smtClean="0">
+              <a:solidFill>
+                <a:schemeClr val="bg1"/>
+              </a:solidFill>
+            </a:endParaRPr>
+          </a:p>
+          <a:p>
+            <a:pPr algn="l"/>
+            <a:r>
+              <a:rPr lang="en-US" altLang="zh-CN" dirty="0" smtClean="0">
+                <a:solidFill>
+                  <a:schemeClr val="bg1"/>
+                </a:solidFill>
+              </a:rPr>
+              <a:t>go test</a:t>
+            </a:r>
+            <a:r>
+              <a:rPr lang="zh-CN" altLang="en-US" dirty="0" smtClean="0">
+                <a:solidFill>
+                  <a:schemeClr val="bg1"/>
+                </a:solidFill>
+              </a:rPr>
+              <a:t>：</a:t>
+            </a:r>
+            <a:r>
+              <a:rPr lang="zh-CN" altLang="en-US" dirty="0">
+                <a:solidFill>
+                  <a:schemeClr val="bg1"/>
+                </a:solidFill>
+              </a:rPr>
+              <a:t>通过运行测试用例，指定所需标识进行采集。</a:t>
+            </a:r>
+          </a:p>
+        </p:txBody>
+      </p:sp>
+      <p:sp>
+        <p:nvSpPr>
+          <p:cNvPr id="9" name="文本框 8"/>
+          <p:cNvSpPr txBox="1"/>
+          <p:nvPr/>
+        </p:nvSpPr>
+        <p:spPr>
+          <a:xfrm>
+            <a:off x="2462400" y="6641102"/>
+            <a:ext cx="19458000" cy="974626"/>
+          </a:xfrm>
+          <a:prstGeom prst="rect">
+            <a:avLst/>
+          </a:prstGeom>
+          <a:noFill/>
+          <a:ln w="12700" cap="flat">
+            <a:noFill/>
+            <a:miter lim="400000"/>
+          </a:ln>
+        </p:spPr>
+        <p:style>
+          <a:lnRef idx="0">
+            <a:scrgbClr r="0" g="0" b="0"/>
+          </a:lnRef>
+          <a:fillRef idx="0">
+            <a:scrgbClr r="0" g="0" b="0"/>
+          </a:fillRef>
+          <a:effectRef idx="0">
+            <a:scrgbClr r="0" g="0" b="0"/>
+          </a:effectRef>
+          <a:fontRef idx="none"/>
+        </p:style>
+        <p:txBody>
+          <a:bodyPr rot="0" spcFirstLastPara="1" vertOverflow="overflow" horzOverflow="overflow" vert="horz" wrap="square" lIns="50800" tIns="50800" rIns="50800" bIns="50800" numCol="1" spcCol="38100" rtlCol="0" anchor="ctr">
+            <a:spAutoFit/>
+          </a:bodyPr>
+          <a:lstStyle/>
+          <a:p>
+            <a:pPr marL="571500" indent="-571500" algn="l">
+              <a:spcBef>
+                <a:spcPts val="1000"/>
+              </a:spcBef>
+              <a:spcAft>
+                <a:spcPts val="1000"/>
+              </a:spcAft>
+              <a:buSzPct val="125000"/>
+              <a:buFont typeface="Arial" panose="020B0604020202090204" pitchFamily="34" charset="0"/>
+              <a:buChar char="•"/>
+            </a:pPr>
+            <a:r>
+              <a:rPr kumimoji="1" lang="zh-CN" altLang="en-US" sz="4000" b="0" dirty="0" smtClean="0">
+                <a:solidFill>
+                  <a:srgbClr val="FFFFFF"/>
+                </a:solidFill>
+                <a:latin typeface="Helvetica" pitchFamily="2" charset="0"/>
+                <a:ea typeface="Alibaba PuHuiTi R" panose="00020600040101010101" pitchFamily="18" charset="-122"/>
+                <a:cs typeface="Alibaba PuHuiTi R" panose="00020600040101010101" pitchFamily="18" charset="-122"/>
+              </a:rPr>
+              <a:t>使用方式</a:t>
+            </a:r>
+            <a:endParaRPr kumimoji="1" lang="zh-CN" altLang="en-US" sz="4000" b="0" dirty="0">
+              <a:solidFill>
+                <a:srgbClr val="FFFFFF"/>
+              </a:solidFill>
+              <a:latin typeface="Helvetica" pitchFamily="2" charset="0"/>
+              <a:ea typeface="Alibaba PuHuiTi R" panose="00020600040101010101" pitchFamily="18" charset="-122"/>
+              <a:cs typeface="Alibaba PuHuiTi R" panose="00020600040101010101" pitchFamily="18" charset="-122"/>
+            </a:endParaRPr>
+          </a:p>
+        </p:txBody>
+      </p:sp>
+      <p:sp>
+        <p:nvSpPr>
+          <p:cNvPr id="10" name="矩形 9"/>
+          <p:cNvSpPr/>
+          <p:nvPr/>
+        </p:nvSpPr>
+        <p:spPr>
+          <a:xfrm>
+            <a:off x="2987040" y="7615728"/>
+            <a:ext cx="14595566" cy="1477328"/>
+          </a:xfrm>
+          <a:prstGeom prst="rect">
+            <a:avLst/>
+          </a:prstGeom>
+        </p:spPr>
+        <p:txBody>
+          <a:bodyPr wrap="square">
+            <a:spAutoFit/>
+          </a:bodyPr>
+          <a:lstStyle/>
+          <a:p>
+            <a:pPr algn="l"/>
+            <a:r>
+              <a:rPr lang="en-US" altLang="zh-CN" dirty="0">
+                <a:solidFill>
+                  <a:schemeClr val="bg1"/>
+                </a:solidFill>
+              </a:rPr>
+              <a:t>Report Generation                 [</a:t>
+            </a:r>
+            <a:r>
+              <a:rPr lang="en-US" altLang="zh-CN" dirty="0" err="1">
+                <a:solidFill>
+                  <a:schemeClr val="bg1"/>
+                </a:solidFill>
+              </a:rPr>
+              <a:t>pprof</a:t>
+            </a:r>
+            <a:r>
+              <a:rPr lang="en-US" altLang="zh-CN" dirty="0">
+                <a:solidFill>
+                  <a:schemeClr val="bg1"/>
+                </a:solidFill>
+              </a:rPr>
+              <a:t> &lt;format&gt; [options] source]</a:t>
+            </a:r>
+            <a:endParaRPr lang="en-US" altLang="zh-CN" dirty="0" smtClean="0">
+              <a:solidFill>
+                <a:schemeClr val="bg1"/>
+              </a:solidFill>
+            </a:endParaRPr>
+          </a:p>
+          <a:p>
+            <a:pPr algn="l"/>
+            <a:r>
+              <a:rPr lang="en-US" altLang="zh-CN" dirty="0">
+                <a:solidFill>
+                  <a:schemeClr val="bg1"/>
+                </a:solidFill>
+              </a:rPr>
+              <a:t>Interactive Terminal Use      [</a:t>
+            </a:r>
+            <a:r>
+              <a:rPr lang="en-US" altLang="zh-CN" dirty="0" err="1">
+                <a:solidFill>
+                  <a:schemeClr val="bg1"/>
+                </a:solidFill>
+              </a:rPr>
+              <a:t>pprof</a:t>
+            </a:r>
+            <a:r>
+              <a:rPr lang="en-US" altLang="zh-CN" dirty="0">
+                <a:solidFill>
+                  <a:schemeClr val="bg1"/>
+                </a:solidFill>
+              </a:rPr>
+              <a:t> [options] source]</a:t>
+            </a:r>
+            <a:endParaRPr lang="en-US" altLang="zh-CN" dirty="0" smtClean="0">
+              <a:solidFill>
+                <a:schemeClr val="bg1"/>
+              </a:solidFill>
+            </a:endParaRPr>
+          </a:p>
+          <a:p>
+            <a:pPr algn="l"/>
+            <a:r>
+              <a:rPr lang="en-US" altLang="zh-CN" dirty="0">
+                <a:solidFill>
+                  <a:schemeClr val="bg1"/>
+                </a:solidFill>
+              </a:rPr>
+              <a:t>Web Interface                         [</a:t>
+            </a:r>
+            <a:r>
+              <a:rPr lang="en-US" altLang="zh-CN" dirty="0" err="1">
+                <a:solidFill>
+                  <a:schemeClr val="bg1"/>
+                </a:solidFill>
+              </a:rPr>
+              <a:t>pprof</a:t>
+            </a:r>
+            <a:r>
+              <a:rPr lang="en-US" altLang="zh-CN" dirty="0">
+                <a:solidFill>
+                  <a:schemeClr val="bg1"/>
+                </a:solidFill>
+              </a:rPr>
+              <a:t> -http=[host]:[port] [options] source]</a:t>
+            </a:r>
+            <a:endParaRPr lang="zh-CN" altLang="en-US" dirty="0">
+              <a:solidFill>
+                <a:schemeClr val="bg1"/>
+              </a:solidFill>
+            </a:endParaRPr>
+          </a:p>
+        </p:txBody>
+      </p:sp>
+    </p:spTree>
+    <p:extLst>
+      <p:ext uri="{BB962C8B-B14F-4D97-AF65-F5344CB8AC3E}">
+        <p14:creationId xmlns:p14="http://schemas.microsoft.com/office/powerpoint/2010/main" val="4005879431"/>
+      </p:ext>
+    </p:extLst>
+  </p:cSld>
+  <p:clrMapOvr>
+    <a:masterClrMapping/>
+  </p:clrMapOvr>
+  <p:transition spd="med"/>
+  <p:timing>
+    <p:tnLst>
+      <p:par>
+        <p:cTn id="1" dur="indefinite" restart="never" nodeType="tmRoot"/>
+      </p:par>
+    </p:tnLst>
+  </p:timing>
+</p:sld>
+</file>
+
+<file path=ppt/slides/slide14.xml><?xml version="1.0" encoding="utf-8"?>
+<p:sld xmlns:a="http://schemas.openxmlformats.org/drawingml/2006/main" xmlns:r="http://schemas.openxmlformats.org/officeDocument/2006/relationships" xmlns:p="http://schemas.openxmlformats.org/presentationml/2006/main">
+  <p:cSld>
+    <p:spTree>
+      <p:nvGrpSpPr>
+        <p:cNvPr id="1" name=""/>
+        <p:cNvGrpSpPr/>
+        <p:nvPr/>
+      </p:nvGrpSpPr>
+      <p:grpSpPr>
+        <a:xfrm>
+          <a:off x="0" y="0"/>
+          <a:ext cx="0" cy="0"/>
+          <a:chOff x="0" y="0"/>
+          <a:chExt cx="0" cy="0"/>
+        </a:xfrm>
+      </p:grpSpPr>
+      <p:sp>
+        <p:nvSpPr>
+          <p:cNvPr id="2" name="文本占位符 1"/>
+          <p:cNvSpPr>
+            <a:spLocks noGrp="1"/>
+          </p:cNvSpPr>
+          <p:nvPr>
+            <p:ph type="body" sz="quarter" idx="13"/>
+          </p:nvPr>
+        </p:nvSpPr>
+        <p:spPr>
+          <a:xfrm>
+            <a:off x="2444750" y="7675880"/>
+            <a:ext cx="5928995" cy="1163320"/>
+          </a:xfrm>
+        </p:spPr>
+        <p:txBody>
+          <a:bodyPr wrap="square"/>
+          <a:lstStyle/>
+          <a:p>
+            <a:r>
+              <a:rPr kumimoji="1" lang="zh-CN" altLang="en-US" dirty="0"/>
+              <a:t>闯哥</a:t>
+            </a:r>
+            <a:endParaRPr kumimoji="1" lang="zh-CN" altLang="en-US" dirty="0"/>
+          </a:p>
+        </p:txBody>
+      </p:sp>
+      <p:sp>
+        <p:nvSpPr>
+          <p:cNvPr id="4" name="文本占位符 3"/>
+          <p:cNvSpPr>
+            <a:spLocks noGrp="1"/>
+          </p:cNvSpPr>
+          <p:nvPr>
+            <p:ph type="body" sz="quarter" idx="15"/>
+          </p:nvPr>
+        </p:nvSpPr>
+        <p:spPr>
+          <a:xfrm>
+            <a:off x="2444750" y="4987012"/>
+            <a:ext cx="19143345" cy="1210588"/>
+          </a:xfrm>
+        </p:spPr>
+        <p:txBody>
+          <a:bodyPr wrap="square"/>
+          <a:lstStyle/>
+          <a:p>
+            <a:r>
+              <a:rPr kumimoji="1" lang="en-US" altLang="zh-CN" dirty="0"/>
+              <a:t>1.3 </a:t>
+            </a:r>
+            <a:r>
+              <a:rPr kumimoji="1" lang="en-US" altLang="zh-CN" dirty="0" err="1"/>
+              <a:t>PProf</a:t>
+            </a:r>
+            <a:r>
+              <a:rPr kumimoji="1" lang="zh-CN" altLang="en-US" dirty="0"/>
+              <a:t>的简单使用</a:t>
+            </a:r>
+            <a:endParaRPr kumimoji="1" lang="en-US" altLang="zh-CN" dirty="0"/>
+          </a:p>
+        </p:txBody>
+      </p:sp>
+    </p:spTree>
+    <p:extLst>
+      <p:ext uri="{BB962C8B-B14F-4D97-AF65-F5344CB8AC3E}">
+        <p14:creationId xmlns:p14="http://schemas.microsoft.com/office/powerpoint/2010/main" val="3591286798"/>
+      </p:ext>
+    </p:extLst>
+  </p:cSld>
+  <p:clrMapOvr>
+    <a:masterClrMapping/>
+  </p:clrMapOvr>
+  <p:transition spd="med"/>
+  <p:timing>
+    <p:tnLst>
+      <p:par>
+        <p:cTn id="1" dur="indefinite" restart="never" nodeType="tmRoot"/>
+      </p:par>
+    </p:tnLst>
+  </p:timing>
+</p:sld>
+</file>
+
+<file path=ppt/slides/slide15.xml><?xml version="1.0" encoding="utf-8"?>
+<p:sld xmlns:a="http://schemas.openxmlformats.org/drawingml/2006/main" xmlns:r="http://schemas.openxmlformats.org/officeDocument/2006/relationships" xmlns:p="http://schemas.openxmlformats.org/presentationml/2006/main">
+  <p:cSld>
+    <p:spTree>
+      <p:nvGrpSpPr>
+        <p:cNvPr id="1" name=""/>
+        <p:cNvGrpSpPr/>
+        <p:nvPr/>
+      </p:nvGrpSpPr>
+      <p:grpSpPr>
+        <a:xfrm>
+          <a:off x="0" y="0"/>
+          <a:ext cx="0" cy="0"/>
+          <a:chOff x="0" y="0"/>
+          <a:chExt cx="0" cy="0"/>
+        </a:xfrm>
+      </p:grpSpPr>
+      <p:sp>
+        <p:nvSpPr>
+          <p:cNvPr id="6" name="标题 5"/>
+          <p:cNvSpPr>
+            <a:spLocks noGrp="1"/>
+          </p:cNvSpPr>
+          <p:nvPr>
+            <p:ph type="title"/>
+          </p:nvPr>
+        </p:nvSpPr>
+        <p:spPr/>
+        <p:txBody>
+          <a:bodyPr>
+            <a:noAutofit/>
+          </a:bodyPr>
+          <a:lstStyle/>
+          <a:p>
+            <a:r>
+              <a:rPr kumimoji="1" lang="en-US" altLang="zh-CN" dirty="0"/>
+              <a:t>1.3 </a:t>
+            </a:r>
+            <a:r>
+              <a:rPr kumimoji="1" lang="en-US" altLang="zh-CN" dirty="0" err="1"/>
+              <a:t>PProf</a:t>
+            </a:r>
+            <a:r>
+              <a:rPr kumimoji="1" lang="zh-CN" altLang="en-US" dirty="0"/>
+              <a:t>的简单使用</a:t>
+            </a:r>
+            <a:br>
+              <a:rPr kumimoji="1" lang="zh-CN" altLang="en-US" dirty="0"/>
+            </a:br>
+            <a:r>
+              <a:rPr kumimoji="1" lang="zh-CN" altLang="en-US" dirty="0"/>
+              <a:t/>
+            </a:r>
+            <a:br>
+              <a:rPr kumimoji="1" lang="zh-CN" altLang="en-US" dirty="0"/>
+            </a:br>
+            <a:endParaRPr kumimoji="1" lang="en-US" altLang="zh-CN" dirty="0"/>
+          </a:p>
+        </p:txBody>
+      </p:sp>
+      <p:pic>
+        <p:nvPicPr>
+          <p:cNvPr id="2" name="图片 1"/>
+          <p:cNvPicPr>
+            <a:picLocks noChangeAspect="1"/>
+          </p:cNvPicPr>
+          <p:nvPr/>
+        </p:nvPicPr>
+        <p:blipFill>
+          <a:blip r:embed="rId3"/>
+          <a:stretch>
+            <a:fillRect/>
+          </a:stretch>
+        </p:blipFill>
+        <p:spPr>
+          <a:xfrm>
+            <a:off x="11566855" y="979200"/>
+            <a:ext cx="10102700" cy="12139870"/>
+          </a:xfrm>
+          <a:prstGeom prst="rect">
+            <a:avLst/>
+          </a:prstGeom>
+        </p:spPr>
+      </p:pic>
+    </p:spTree>
+    <p:extLst>
+      <p:ext uri="{BB962C8B-B14F-4D97-AF65-F5344CB8AC3E}">
+        <p14:creationId xmlns:p14="http://schemas.microsoft.com/office/powerpoint/2010/main" val="1707452545"/>
+      </p:ext>
+    </p:extLst>
+  </p:cSld>
+  <p:clrMapOvr>
+    <a:masterClrMapping/>
+  </p:clrMapOvr>
+  <p:transition spd="med"/>
+  <p:timing>
+    <p:tnLst>
+      <p:par>
+        <p:cTn id="1" dur="indefinite" restart="never" nodeType="tmRoot"/>
+      </p:par>
+    </p:tnLst>
+  </p:timing>
+</p:sld>
+</file>
+
+<file path=ppt/slides/slide16.xml><?xml version="1.0" encoding="utf-8"?>
+<p:sld xmlns:a="http://schemas.openxmlformats.org/drawingml/2006/main" xmlns:r="http://schemas.openxmlformats.org/officeDocument/2006/relationships" xmlns:p="http://schemas.openxmlformats.org/presentationml/2006/main">
+  <p:cSld>
+    <p:spTree>
+      <p:nvGrpSpPr>
+        <p:cNvPr id="1" name=""/>
+        <p:cNvGrpSpPr/>
+        <p:nvPr/>
+      </p:nvGrpSpPr>
+      <p:grpSpPr>
+        <a:xfrm>
+          <a:off x="0" y="0"/>
+          <a:ext cx="0" cy="0"/>
+          <a:chOff x="0" y="0"/>
+          <a:chExt cx="0" cy="0"/>
+        </a:xfrm>
+      </p:grpSpPr>
+      <p:sp>
+        <p:nvSpPr>
+          <p:cNvPr id="6" name="标题 5"/>
+          <p:cNvSpPr>
+            <a:spLocks noGrp="1"/>
+          </p:cNvSpPr>
+          <p:nvPr>
+            <p:ph type="title"/>
+          </p:nvPr>
+        </p:nvSpPr>
+        <p:spPr/>
+        <p:txBody>
+          <a:bodyPr>
+            <a:noAutofit/>
+          </a:bodyPr>
+          <a:lstStyle/>
+          <a:p>
+            <a:r>
+              <a:rPr kumimoji="1" lang="en-US" altLang="zh-CN" dirty="0"/>
+              <a:t>1.3 </a:t>
+            </a:r>
+            <a:r>
+              <a:rPr kumimoji="1" lang="en-US" altLang="zh-CN" dirty="0" err="1"/>
+              <a:t>PProf</a:t>
+            </a:r>
+            <a:r>
+              <a:rPr kumimoji="1" lang="zh-CN" altLang="en-US" dirty="0"/>
+              <a:t>的简单使用</a:t>
+            </a:r>
+            <a:br>
+              <a:rPr kumimoji="1" lang="zh-CN" altLang="en-US" dirty="0"/>
+            </a:br>
+            <a:r>
+              <a:rPr kumimoji="1" lang="zh-CN" altLang="en-US" dirty="0"/>
+              <a:t/>
+            </a:r>
+            <a:br>
+              <a:rPr kumimoji="1" lang="zh-CN" altLang="en-US" dirty="0"/>
+            </a:br>
+            <a:endParaRPr kumimoji="1" lang="en-US" altLang="zh-CN" dirty="0"/>
+          </a:p>
+        </p:txBody>
+      </p:sp>
+      <p:pic>
+        <p:nvPicPr>
+          <p:cNvPr id="22530" name="Picture 2" descr="http://cdn.xiaot123.com/blog/2021-04/pprof_home.png-blog"/>
+          <p:cNvPicPr>
+            <a:picLocks noChangeAspect="1" noChangeArrowheads="1"/>
+          </p:cNvPicPr>
+          <p:nvPr/>
+        </p:nvPicPr>
+        <p:blipFill>
+          <a:blip r:embed="rId3">
+            <a:extLst>
+              <a:ext uri="{28A0092B-C50C-407E-A947-70E740481C1C}">
+                <a14:useLocalDpi xmlns:a14="http://schemas.microsoft.com/office/drawing/2010/main" val="0"/>
+              </a:ext>
+            </a:extLst>
+          </a:blip>
+          <a:srcRect/>
+          <a:stretch>
+            <a:fillRect/>
+          </a:stretch>
+        </p:blipFill>
+        <p:spPr bwMode="auto">
+          <a:xfrm>
+            <a:off x="3140314" y="2896379"/>
+            <a:ext cx="17525327" cy="8369719"/>
+          </a:xfrm>
+          <a:prstGeom prst="rect">
+            <a:avLst/>
+          </a:prstGeom>
+          <a:noFill/>
+          <a:extLst>
+            <a:ext uri="{909E8E84-426E-40DD-AFC4-6F175D3DCCD1}">
+              <a14:hiddenFill xmlns:a14="http://schemas.microsoft.com/office/drawing/2010/main">
+                <a:solidFill>
+                  <a:srgbClr val="FFFFFF"/>
+                </a:solidFill>
+              </a14:hiddenFill>
+            </a:ext>
+          </a:extLst>
+        </p:spPr>
+      </p:pic>
+    </p:spTree>
+    <p:extLst>
+      <p:ext uri="{BB962C8B-B14F-4D97-AF65-F5344CB8AC3E}">
+        <p14:creationId xmlns:p14="http://schemas.microsoft.com/office/powerpoint/2010/main" val="2895533902"/>
+      </p:ext>
+    </p:extLst>
+  </p:cSld>
+  <p:clrMapOvr>
+    <a:masterClrMapping/>
+  </p:clrMapOvr>
+  <p:transition spd="med"/>
+  <p:timing>
+    <p:tnLst>
+      <p:par>
+        <p:cTn id="1" dur="indefinite" restart="never" nodeType="tmRoot"/>
+      </p:par>
+    </p:tnLst>
+  </p:timing>
+</p:sld>
+</file>
+
+<file path=ppt/slides/slide17.xml><?xml version="1.0" encoding="utf-8"?>
+<p:sld xmlns:a="http://schemas.openxmlformats.org/drawingml/2006/main" xmlns:r="http://schemas.openxmlformats.org/officeDocument/2006/relationships" xmlns:p="http://schemas.openxmlformats.org/presentationml/2006/main">
+  <p:cSld>
+    <p:spTree>
+      <p:nvGrpSpPr>
+        <p:cNvPr id="1" name=""/>
+        <p:cNvGrpSpPr/>
+        <p:nvPr/>
+      </p:nvGrpSpPr>
+      <p:grpSpPr>
+        <a:xfrm>
+          <a:off x="0" y="0"/>
+          <a:ext cx="0" cy="0"/>
+          <a:chOff x="0" y="0"/>
+          <a:chExt cx="0" cy="0"/>
+        </a:xfrm>
+      </p:grpSpPr>
+      <p:sp>
+        <p:nvSpPr>
+          <p:cNvPr id="2" name="文本占位符 1"/>
+          <p:cNvSpPr>
+            <a:spLocks noGrp="1"/>
+          </p:cNvSpPr>
+          <p:nvPr>
+            <p:ph type="body" sz="quarter" idx="13"/>
+          </p:nvPr>
+        </p:nvSpPr>
+        <p:spPr>
+          <a:xfrm>
+            <a:off x="2444750" y="7675880"/>
+            <a:ext cx="5928995" cy="1163320"/>
+          </a:xfrm>
+        </p:spPr>
+        <p:txBody>
+          <a:bodyPr wrap="square"/>
+          <a:lstStyle/>
+          <a:p>
+            <a:r>
+              <a:rPr kumimoji="1" lang="zh-CN" altLang="en-US" dirty="0"/>
+              <a:t>闯哥</a:t>
+            </a:r>
+            <a:endParaRPr kumimoji="1" lang="zh-CN" altLang="en-US" dirty="0"/>
+          </a:p>
+        </p:txBody>
+      </p:sp>
+      <p:sp>
+        <p:nvSpPr>
+          <p:cNvPr id="4" name="文本占位符 3"/>
+          <p:cNvSpPr>
+            <a:spLocks noGrp="1"/>
+          </p:cNvSpPr>
+          <p:nvPr>
+            <p:ph type="body" sz="quarter" idx="15"/>
+          </p:nvPr>
+        </p:nvSpPr>
+        <p:spPr>
+          <a:xfrm>
+            <a:off x="2444750" y="4987012"/>
+            <a:ext cx="19143345" cy="1210588"/>
+          </a:xfrm>
+        </p:spPr>
+        <p:txBody>
+          <a:bodyPr wrap="square"/>
+          <a:lstStyle/>
+          <a:p>
+            <a:r>
+              <a:rPr kumimoji="1" lang="en-US" altLang="zh-CN" dirty="0" smtClean="0"/>
+              <a:t>1.4 </a:t>
+            </a:r>
+            <a:r>
+              <a:rPr kumimoji="1" lang="zh-CN" altLang="en-US" dirty="0" smtClean="0"/>
+              <a:t>通过</a:t>
+            </a:r>
+            <a:r>
+              <a:rPr kumimoji="1" lang="zh-CN" altLang="en-US" dirty="0"/>
+              <a:t>交互式终端使用</a:t>
+            </a:r>
+            <a:r>
+              <a:rPr kumimoji="1" lang="en-US" altLang="zh-CN" dirty="0" err="1"/>
+              <a:t>PProf</a:t>
+            </a:r>
+            <a:endParaRPr kumimoji="1" lang="en-US" altLang="zh-CN" dirty="0"/>
+          </a:p>
+        </p:txBody>
+      </p:sp>
+    </p:spTree>
+    <p:extLst>
+      <p:ext uri="{BB962C8B-B14F-4D97-AF65-F5344CB8AC3E}">
+        <p14:creationId xmlns:p14="http://schemas.microsoft.com/office/powerpoint/2010/main" val="776481104"/>
+      </p:ext>
+    </p:extLst>
+  </p:cSld>
+  <p:clrMapOvr>
+    <a:masterClrMapping/>
+  </p:clrMapOvr>
+  <p:transition spd="med"/>
+</p:sld>
+</file>
+
+<file path=ppt/slides/slide18.xml><?xml version="1.0" encoding="utf-8"?>
+<p:sld xmlns:a="http://schemas.openxmlformats.org/drawingml/2006/main" xmlns:r="http://schemas.openxmlformats.org/officeDocument/2006/relationships" xmlns:p="http://schemas.openxmlformats.org/presentationml/2006/main">
+  <p:cSld>
+    <p:spTree>
+      <p:nvGrpSpPr>
+        <p:cNvPr id="1" name=""/>
+        <p:cNvGrpSpPr/>
+        <p:nvPr/>
+      </p:nvGrpSpPr>
+      <p:grpSpPr>
+        <a:xfrm>
+          <a:off x="0" y="0"/>
+          <a:ext cx="0" cy="0"/>
+          <a:chOff x="0" y="0"/>
+          <a:chExt cx="0" cy="0"/>
+        </a:xfrm>
+      </p:grpSpPr>
+      <p:sp>
+        <p:nvSpPr>
+          <p:cNvPr id="6" name="标题 5"/>
+          <p:cNvSpPr>
+            <a:spLocks noGrp="1"/>
+          </p:cNvSpPr>
+          <p:nvPr>
+            <p:ph type="title"/>
+          </p:nvPr>
+        </p:nvSpPr>
+        <p:spPr/>
+        <p:txBody>
+          <a:bodyPr>
+            <a:noAutofit/>
+          </a:bodyPr>
+          <a:lstStyle/>
+          <a:p>
+            <a:r>
+              <a:rPr kumimoji="1" lang="en-US" altLang="zh-CN" dirty="0" smtClean="0"/>
+              <a:t>1.4 </a:t>
+            </a:r>
+            <a:r>
+              <a:rPr kumimoji="1" lang="zh-CN" altLang="en-US" dirty="0" smtClean="0"/>
+              <a:t>通过</a:t>
+            </a:r>
+            <a:r>
+              <a:rPr kumimoji="1" lang="zh-CN" altLang="en-US" dirty="0"/>
+              <a:t>交互式终端使用</a:t>
+            </a:r>
+            <a:r>
+              <a:rPr kumimoji="1" lang="en-US" altLang="zh-CN" dirty="0" err="1"/>
+              <a:t>PProf</a:t>
+            </a:r>
+            <a:r>
+              <a:rPr kumimoji="1" lang="zh-CN" altLang="en-US" dirty="0"/>
+              <a:t/>
+            </a:r>
+            <a:br>
+              <a:rPr kumimoji="1" lang="zh-CN" altLang="en-US" dirty="0"/>
+            </a:br>
+            <a:r>
+              <a:rPr kumimoji="1" lang="zh-CN" altLang="en-US" dirty="0"/>
+              <a:t/>
+            </a:r>
+            <a:br>
+              <a:rPr kumimoji="1" lang="zh-CN" altLang="en-US" dirty="0"/>
+            </a:br>
+            <a:endParaRPr kumimoji="1" lang="en-US" altLang="zh-CN" dirty="0"/>
+          </a:p>
+        </p:txBody>
+      </p:sp>
+      <p:sp>
+        <p:nvSpPr>
+          <p:cNvPr id="4" name="文本框 3"/>
+          <p:cNvSpPr txBox="1"/>
+          <p:nvPr/>
+        </p:nvSpPr>
+        <p:spPr>
+          <a:xfrm>
+            <a:off x="2462400" y="3764263"/>
+            <a:ext cx="19458000" cy="974626"/>
+          </a:xfrm>
+          <a:prstGeom prst="rect">
+            <a:avLst/>
+          </a:prstGeom>
+          <a:noFill/>
+          <a:ln w="12700" cap="flat">
+            <a:noFill/>
+            <a:miter lim="400000"/>
+          </a:ln>
+        </p:spPr>
+        <p:style>
+          <a:lnRef idx="0">
+            <a:scrgbClr r="0" g="0" b="0"/>
+          </a:lnRef>
+          <a:fillRef idx="0">
+            <a:scrgbClr r="0" g="0" b="0"/>
+          </a:fillRef>
+          <a:effectRef idx="0">
+            <a:scrgbClr r="0" g="0" b="0"/>
+          </a:effectRef>
+          <a:fontRef idx="none"/>
+        </p:style>
+        <p:txBody>
+          <a:bodyPr rot="0" spcFirstLastPara="1" vertOverflow="overflow" horzOverflow="overflow" vert="horz" wrap="square" lIns="50800" tIns="50800" rIns="50800" bIns="50800" numCol="1" spcCol="38100" rtlCol="0" anchor="ctr">
+            <a:spAutoFit/>
+          </a:bodyPr>
+          <a:lstStyle/>
+          <a:p>
+            <a:pPr marL="571500" indent="-571500" algn="l">
+              <a:spcBef>
+                <a:spcPts val="1000"/>
+              </a:spcBef>
+              <a:spcAft>
+                <a:spcPts val="1000"/>
+              </a:spcAft>
+              <a:buSzPct val="125000"/>
+              <a:buFont typeface="Arial" panose="020B0604020202090204" pitchFamily="34" charset="0"/>
+              <a:buChar char="•"/>
+            </a:pPr>
+            <a:r>
+              <a:rPr kumimoji="1" lang="en-US" altLang="zh-CN" sz="4000" b="0" dirty="0" smtClean="0">
+                <a:solidFill>
+                  <a:srgbClr val="FFFFFF"/>
+                </a:solidFill>
+                <a:latin typeface="Helvetica" pitchFamily="2" charset="0"/>
+                <a:ea typeface="Alibaba PuHuiTi R" panose="00020600040101010101" pitchFamily="18" charset="-122"/>
+                <a:cs typeface="Alibaba PuHuiTi R" panose="00020600040101010101" pitchFamily="18" charset="-122"/>
+              </a:rPr>
+              <a:t>CPU Profiling(</a:t>
+            </a:r>
+            <a:r>
+              <a:rPr kumimoji="1" lang="zh-CN" altLang="en-US" sz="4000" b="0" dirty="0" smtClean="0">
+                <a:solidFill>
+                  <a:srgbClr val="FFFFFF"/>
+                </a:solidFill>
+                <a:latin typeface="Helvetica" pitchFamily="2" charset="0"/>
+                <a:ea typeface="Alibaba PuHuiTi R" panose="00020600040101010101" pitchFamily="18" charset="-122"/>
+                <a:cs typeface="Alibaba PuHuiTi R" panose="00020600040101010101" pitchFamily="18" charset="-122"/>
+              </a:rPr>
+              <a:t>例</a:t>
+            </a:r>
+            <a:r>
+              <a:rPr kumimoji="1" lang="en-US" altLang="zh-CN" sz="4000" b="0" dirty="0" smtClean="0">
+                <a:solidFill>
+                  <a:srgbClr val="FFFFFF"/>
+                </a:solidFill>
+                <a:latin typeface="Helvetica" pitchFamily="2" charset="0"/>
+                <a:ea typeface="Alibaba PuHuiTi R" panose="00020600040101010101" pitchFamily="18" charset="-122"/>
+                <a:cs typeface="Alibaba PuHuiTi R" panose="00020600040101010101" pitchFamily="18" charset="-122"/>
+              </a:rPr>
+              <a:t>)</a:t>
+            </a:r>
+            <a:endParaRPr kumimoji="1" lang="zh-CN" altLang="en-US" sz="4000" b="0" dirty="0">
+              <a:solidFill>
+                <a:srgbClr val="FFFFFF"/>
+              </a:solidFill>
+              <a:latin typeface="Helvetica" pitchFamily="2" charset="0"/>
+              <a:ea typeface="Alibaba PuHuiTi R" panose="00020600040101010101" pitchFamily="18" charset="-122"/>
+              <a:cs typeface="Alibaba PuHuiTi R" panose="00020600040101010101" pitchFamily="18" charset="-122"/>
+            </a:endParaRPr>
+          </a:p>
+        </p:txBody>
+      </p:sp>
+      <p:sp>
+        <p:nvSpPr>
+          <p:cNvPr id="5" name="矩形 4"/>
+          <p:cNvSpPr/>
+          <p:nvPr/>
+        </p:nvSpPr>
+        <p:spPr>
+          <a:xfrm>
+            <a:off x="2987040" y="4738889"/>
+            <a:ext cx="14595566" cy="2400657"/>
+          </a:xfrm>
+          <a:prstGeom prst="rect">
+            <a:avLst/>
+          </a:prstGeom>
+        </p:spPr>
+        <p:txBody>
+          <a:bodyPr wrap="square">
+            <a:spAutoFit/>
+          </a:bodyPr>
+          <a:lstStyle/>
+          <a:p>
+            <a:pPr algn="l"/>
+            <a:r>
+              <a:rPr lang="en-US" altLang="zh-CN" dirty="0" smtClean="0">
+                <a:solidFill>
+                  <a:schemeClr val="bg1"/>
+                </a:solidFill>
+              </a:rPr>
+              <a:t># </a:t>
+            </a:r>
+            <a:r>
+              <a:rPr lang="zh-CN" altLang="en-US" dirty="0" smtClean="0">
+                <a:solidFill>
+                  <a:schemeClr val="bg1"/>
+                </a:solidFill>
+              </a:rPr>
+              <a:t>下载好的采集文件</a:t>
+            </a:r>
+            <a:endParaRPr lang="en-US" altLang="zh-CN" dirty="0" smtClean="0">
+              <a:solidFill>
+                <a:schemeClr val="bg1"/>
+              </a:solidFill>
+            </a:endParaRPr>
+          </a:p>
+          <a:p>
+            <a:pPr algn="l"/>
+            <a:r>
+              <a:rPr lang="en-US" altLang="zh-CN" dirty="0" smtClean="0">
+                <a:solidFill>
+                  <a:schemeClr val="bg1"/>
+                </a:solidFill>
+              </a:rPr>
+              <a:t>go </a:t>
+            </a:r>
+            <a:r>
+              <a:rPr lang="en-US" altLang="zh-CN" dirty="0">
+                <a:solidFill>
+                  <a:schemeClr val="bg1"/>
+                </a:solidFill>
+              </a:rPr>
+              <a:t>tool </a:t>
+            </a:r>
+            <a:r>
+              <a:rPr lang="en-US" altLang="zh-CN" dirty="0" err="1" smtClean="0">
+                <a:solidFill>
+                  <a:schemeClr val="bg1"/>
+                </a:solidFill>
+              </a:rPr>
+              <a:t>pprof</a:t>
+            </a:r>
+            <a:r>
+              <a:rPr lang="en-US" altLang="zh-CN" dirty="0" smtClean="0">
+                <a:solidFill>
+                  <a:schemeClr val="bg1"/>
+                </a:solidFill>
+              </a:rPr>
+              <a:t>  profile</a:t>
+            </a:r>
+          </a:p>
+          <a:p>
+            <a:pPr algn="l"/>
+            <a:endParaRPr lang="en-US" altLang="zh-CN" dirty="0" smtClean="0">
+              <a:solidFill>
+                <a:schemeClr val="bg1"/>
+              </a:solidFill>
+            </a:endParaRPr>
+          </a:p>
+          <a:p>
+            <a:pPr algn="l"/>
+            <a:r>
+              <a:rPr lang="en-US" altLang="zh-CN" dirty="0" smtClean="0">
+                <a:solidFill>
+                  <a:schemeClr val="bg1"/>
+                </a:solidFill>
+              </a:rPr>
+              <a:t># </a:t>
+            </a:r>
+            <a:r>
+              <a:rPr lang="zh-CN" altLang="en-US" dirty="0" smtClean="0">
+                <a:solidFill>
+                  <a:schemeClr val="bg1"/>
+                </a:solidFill>
+              </a:rPr>
+              <a:t>直接</a:t>
+            </a:r>
+            <a:r>
+              <a:rPr lang="zh-CN" altLang="en-US" dirty="0">
+                <a:solidFill>
+                  <a:schemeClr val="bg1"/>
+                </a:solidFill>
+              </a:rPr>
+              <a:t>通过命令行完成对正在运行的应用程序</a:t>
+            </a:r>
+            <a:r>
+              <a:rPr lang="en-US" altLang="zh-CN" dirty="0" err="1">
+                <a:solidFill>
+                  <a:schemeClr val="bg1"/>
+                </a:solidFill>
+              </a:rPr>
+              <a:t>PProf</a:t>
+            </a:r>
+            <a:r>
+              <a:rPr lang="zh-CN" altLang="en-US" dirty="0">
+                <a:solidFill>
+                  <a:schemeClr val="bg1"/>
+                </a:solidFill>
+              </a:rPr>
+              <a:t>进行抓取和分析</a:t>
+            </a:r>
+            <a:endParaRPr lang="en-US" altLang="zh-CN" dirty="0" smtClean="0">
+              <a:solidFill>
+                <a:schemeClr val="bg1"/>
+              </a:solidFill>
+            </a:endParaRPr>
+          </a:p>
+          <a:p>
+            <a:pPr algn="l"/>
+            <a:r>
+              <a:rPr lang="en-US" altLang="zh-CN" dirty="0">
+                <a:solidFill>
+                  <a:schemeClr val="bg1"/>
+                </a:solidFill>
+              </a:rPr>
+              <a:t>go tool </a:t>
+            </a:r>
+            <a:r>
+              <a:rPr lang="en-US" altLang="zh-CN" dirty="0" err="1">
+                <a:solidFill>
+                  <a:schemeClr val="bg1"/>
+                </a:solidFill>
+              </a:rPr>
+              <a:t>pprof</a:t>
+            </a:r>
+            <a:r>
+              <a:rPr lang="en-US" altLang="zh-CN" dirty="0">
+                <a:solidFill>
+                  <a:schemeClr val="bg1"/>
+                </a:solidFill>
+              </a:rPr>
+              <a:t> http://127.0.0.1:6061/debug/pprof/profile?seconds=60</a:t>
+            </a:r>
+            <a:endParaRPr lang="zh-CN" altLang="en-US" dirty="0">
+              <a:solidFill>
+                <a:schemeClr val="bg1"/>
+              </a:solidFill>
+            </a:endParaRPr>
+          </a:p>
+        </p:txBody>
+      </p:sp>
+    </p:spTree>
+    <p:extLst>
+      <p:ext uri="{BB962C8B-B14F-4D97-AF65-F5344CB8AC3E}">
+        <p14:creationId xmlns:p14="http://schemas.microsoft.com/office/powerpoint/2010/main" val="2446181073"/>
+      </p:ext>
+    </p:extLst>
+  </p:cSld>
+  <p:clrMapOvr>
+    <a:masterClrMapping/>
+  </p:clrMapOvr>
+  <p:transition spd="med"/>
+  <p:timing>
+    <p:tnLst>
+      <p:par>
+        <p:cTn id="1" dur="indefinite" restart="never" nodeType="tmRoot"/>
+      </p:par>
+    </p:tnLst>
+  </p:timing>
+</p:sld>
+</file>
+
+<file path=ppt/slides/slide19.xml><?xml version="1.0" encoding="utf-8"?>
+<p:sld xmlns:a="http://schemas.openxmlformats.org/drawingml/2006/main" xmlns:r="http://schemas.openxmlformats.org/officeDocument/2006/relationships" xmlns:p="http://schemas.openxmlformats.org/presentationml/2006/main">
+  <p:cSld>
+    <p:spTree>
+      <p:nvGrpSpPr>
+        <p:cNvPr id="1" name=""/>
+        <p:cNvGrpSpPr/>
+        <p:nvPr/>
+      </p:nvGrpSpPr>
+      <p:grpSpPr>
+        <a:xfrm>
+          <a:off x="0" y="0"/>
+          <a:ext cx="0" cy="0"/>
+          <a:chOff x="0" y="0"/>
+          <a:chExt cx="0" cy="0"/>
+        </a:xfrm>
+      </p:grpSpPr>
+      <p:sp>
+        <p:nvSpPr>
+          <p:cNvPr id="6" name="标题 5"/>
+          <p:cNvSpPr>
+            <a:spLocks noGrp="1"/>
+          </p:cNvSpPr>
+          <p:nvPr>
+            <p:ph type="title"/>
+          </p:nvPr>
+        </p:nvSpPr>
+        <p:spPr/>
+        <p:txBody>
+          <a:bodyPr>
+            <a:noAutofit/>
+          </a:bodyPr>
+          <a:lstStyle/>
+          <a:p>
+            <a:r>
+              <a:rPr kumimoji="1" lang="en-US" altLang="zh-CN" dirty="0" smtClean="0"/>
+              <a:t>1.4 </a:t>
+            </a:r>
+            <a:r>
+              <a:rPr kumimoji="1" lang="zh-CN" altLang="en-US" dirty="0" smtClean="0"/>
+              <a:t>通过</a:t>
+            </a:r>
+            <a:r>
+              <a:rPr kumimoji="1" lang="zh-CN" altLang="en-US" dirty="0"/>
+              <a:t>交互式终端使用</a:t>
+            </a:r>
+            <a:r>
+              <a:rPr kumimoji="1" lang="en-US" altLang="zh-CN" dirty="0" err="1"/>
+              <a:t>PProf</a:t>
+            </a:r>
+            <a:r>
+              <a:rPr kumimoji="1" lang="zh-CN" altLang="en-US" dirty="0"/>
+              <a:t/>
+            </a:r>
+            <a:br>
+              <a:rPr kumimoji="1" lang="zh-CN" altLang="en-US" dirty="0"/>
+            </a:br>
+            <a:r>
+              <a:rPr kumimoji="1" lang="zh-CN" altLang="en-US" dirty="0"/>
+              <a:t/>
+            </a:r>
+            <a:br>
+              <a:rPr kumimoji="1" lang="zh-CN" altLang="en-US" dirty="0"/>
+            </a:br>
+            <a:endParaRPr kumimoji="1" lang="en-US" altLang="zh-CN" dirty="0"/>
+          </a:p>
+        </p:txBody>
+      </p:sp>
+      <p:pic>
+        <p:nvPicPr>
+          <p:cNvPr id="2" name="图片 1"/>
+          <p:cNvPicPr>
+            <a:picLocks noChangeAspect="1"/>
+          </p:cNvPicPr>
+          <p:nvPr/>
+        </p:nvPicPr>
+        <p:blipFill>
+          <a:blip r:embed="rId3"/>
+          <a:stretch>
+            <a:fillRect/>
+          </a:stretch>
+        </p:blipFill>
+        <p:spPr>
+          <a:xfrm>
+            <a:off x="2462400" y="3878576"/>
+            <a:ext cx="16416188" cy="2783477"/>
+          </a:xfrm>
+          <a:prstGeom prst="rect">
+            <a:avLst/>
+          </a:prstGeom>
+        </p:spPr>
+      </p:pic>
+      <p:sp>
+        <p:nvSpPr>
+          <p:cNvPr id="3" name="文本框 2"/>
+          <p:cNvSpPr txBox="1"/>
+          <p:nvPr/>
+        </p:nvSpPr>
+        <p:spPr>
+          <a:xfrm>
+            <a:off x="2462400" y="2918269"/>
+            <a:ext cx="10417577" cy="564257"/>
+          </a:xfrm>
+          <a:prstGeom prst="rect">
+            <a:avLst/>
+          </a:prstGeom>
+          <a:noFill/>
+          <a:ln w="12700" cap="flat">
+            <a:noFill/>
+            <a:miter lim="400000"/>
+          </a:ln>
+        </p:spPr>
+        <p:style>
+          <a:lnRef idx="0">
+            <a:scrgbClr r="0" g="0" b="0"/>
+          </a:lnRef>
+          <a:fillRef idx="0">
+            <a:scrgbClr r="0" g="0" b="0"/>
+          </a:fillRef>
+          <a:effectRef idx="0">
+            <a:scrgbClr r="0" g="0" b="0"/>
+          </a:effectRef>
+          <a:fontRef idx="none"/>
+        </p:style>
+        <p:txBody>
+          <a:bodyPr rot="0" spcFirstLastPara="1" vertOverflow="overflow" horzOverflow="overflow" vert="horz" wrap="square" lIns="50800" tIns="50800" rIns="50800" bIns="50800" numCol="1" spcCol="38100" rtlCol="0" anchor="ctr">
+            <a:spAutoFit/>
+          </a:bodyPr>
+          <a:lstStyle/>
+          <a:p>
+            <a:pPr marL="0" marR="0" indent="0" algn="l" defTabSz="825500" rtl="0" fontAlgn="auto" latinLnBrk="0" hangingPunct="0">
+              <a:lnSpc>
+                <a:spcPct val="100000"/>
+              </a:lnSpc>
+              <a:spcBef>
+                <a:spcPts val="0"/>
+              </a:spcBef>
+              <a:spcAft>
+                <a:spcPts val="0"/>
+              </a:spcAft>
+              <a:buClrTx/>
+              <a:buSzTx/>
+              <a:buFontTx/>
+              <a:buNone/>
+            </a:pPr>
+            <a:r>
+              <a:rPr lang="zh-CN" altLang="en-US" dirty="0" smtClean="0">
+                <a:solidFill>
+                  <a:schemeClr val="bg1"/>
+                </a:solidFill>
+              </a:rPr>
+              <a:t>进入命令交互界面：</a:t>
+            </a:r>
+            <a:endParaRPr kumimoji="0" lang="zh-CN" altLang="en-US" sz="3000" b="1" i="0" u="none" strike="noStrike" cap="none" spc="0" normalizeH="0" baseline="0" dirty="0">
+              <a:ln>
+                <a:noFill/>
+              </a:ln>
+              <a:solidFill>
+                <a:schemeClr val="bg1"/>
+              </a:solidFill>
+              <a:effectLst/>
+              <a:uFillTx/>
+              <a:sym typeface="Helvetica Neue" panose="02000503000000020004"/>
+            </a:endParaRPr>
+          </a:p>
+        </p:txBody>
+      </p:sp>
+      <p:sp>
+        <p:nvSpPr>
+          <p:cNvPr id="5" name="文本框 4"/>
+          <p:cNvSpPr txBox="1"/>
+          <p:nvPr/>
+        </p:nvSpPr>
+        <p:spPr>
+          <a:xfrm>
+            <a:off x="2462399" y="6827271"/>
+            <a:ext cx="16975132" cy="1025922"/>
+          </a:xfrm>
+          <a:prstGeom prst="rect">
+            <a:avLst/>
+          </a:prstGeom>
+          <a:noFill/>
+          <a:ln w="12700" cap="flat">
+            <a:noFill/>
+            <a:miter lim="400000"/>
+          </a:ln>
+        </p:spPr>
+        <p:style>
+          <a:lnRef idx="0">
+            <a:scrgbClr r="0" g="0" b="0"/>
+          </a:lnRef>
+          <a:fillRef idx="0">
+            <a:scrgbClr r="0" g="0" b="0"/>
+          </a:fillRef>
+          <a:effectRef idx="0">
+            <a:scrgbClr r="0" g="0" b="0"/>
+          </a:effectRef>
+          <a:fontRef idx="none"/>
+        </p:style>
+        <p:txBody>
+          <a:bodyPr rot="0" spcFirstLastPara="1" vertOverflow="overflow" horzOverflow="overflow" vert="horz" wrap="square" lIns="50800" tIns="50800" rIns="50800" bIns="50800" numCol="1" spcCol="38100" rtlCol="0" anchor="ctr">
+            <a:spAutoFit/>
+          </a:bodyPr>
+          <a:lstStyle/>
+          <a:p>
+            <a:pPr algn="l"/>
+            <a:r>
+              <a:rPr lang="zh-CN" altLang="en-US" dirty="0" smtClean="0">
+                <a:solidFill>
+                  <a:schemeClr val="bg1"/>
+                </a:solidFill>
+              </a:rPr>
+              <a:t>输入</a:t>
+            </a:r>
+            <a:r>
+              <a:rPr lang="en-US" altLang="zh-CN" u="sng" dirty="0" smtClean="0">
+                <a:solidFill>
+                  <a:schemeClr val="bg1"/>
+                </a:solidFill>
+              </a:rPr>
+              <a:t>top 15 </a:t>
+            </a:r>
+            <a:r>
+              <a:rPr lang="zh-CN" altLang="en-US" dirty="0" smtClean="0">
+                <a:solidFill>
+                  <a:schemeClr val="bg1"/>
+                </a:solidFill>
+              </a:rPr>
+              <a:t>查看</a:t>
+            </a:r>
+            <a:r>
+              <a:rPr lang="zh-CN" altLang="en-US" dirty="0">
+                <a:solidFill>
+                  <a:schemeClr val="bg1"/>
+                </a:solidFill>
+              </a:rPr>
+              <a:t>对应资源开销（例如，</a:t>
+            </a:r>
+            <a:r>
+              <a:rPr lang="en-US" altLang="zh-CN" dirty="0">
+                <a:solidFill>
+                  <a:schemeClr val="bg1"/>
+                </a:solidFill>
+              </a:rPr>
+              <a:t>CPU </a:t>
+            </a:r>
+            <a:r>
+              <a:rPr lang="zh-CN" altLang="en-US" dirty="0">
+                <a:solidFill>
+                  <a:schemeClr val="bg1"/>
+                </a:solidFill>
+              </a:rPr>
+              <a:t>就是执行耗时</a:t>
+            </a:r>
+            <a:r>
+              <a:rPr lang="en-US" altLang="zh-CN" dirty="0">
+                <a:solidFill>
+                  <a:schemeClr val="bg1"/>
+                </a:solidFill>
+              </a:rPr>
+              <a:t>/</a:t>
+            </a:r>
+            <a:r>
+              <a:rPr lang="zh-CN" altLang="en-US" dirty="0">
+                <a:solidFill>
+                  <a:schemeClr val="bg1"/>
+                </a:solidFill>
+              </a:rPr>
+              <a:t>开销、</a:t>
+            </a:r>
+            <a:r>
+              <a:rPr lang="en-US" altLang="zh-CN" dirty="0">
+                <a:solidFill>
+                  <a:schemeClr val="bg1"/>
+                </a:solidFill>
+              </a:rPr>
+              <a:t>Memory </a:t>
+            </a:r>
+            <a:r>
+              <a:rPr lang="zh-CN" altLang="en-US" dirty="0">
+                <a:solidFill>
+                  <a:schemeClr val="bg1"/>
+                </a:solidFill>
+              </a:rPr>
+              <a:t>就是内存占用大小）排名</a:t>
+            </a:r>
+            <a:r>
+              <a:rPr lang="zh-CN" altLang="en-US" dirty="0" smtClean="0">
+                <a:solidFill>
+                  <a:schemeClr val="bg1"/>
+                </a:solidFill>
+              </a:rPr>
+              <a:t>前</a:t>
+            </a:r>
+            <a:r>
+              <a:rPr lang="en-US" altLang="zh-CN" dirty="0" smtClean="0">
+                <a:solidFill>
+                  <a:schemeClr val="bg1"/>
+                </a:solidFill>
+              </a:rPr>
+              <a:t>15</a:t>
+            </a:r>
+            <a:r>
+              <a:rPr lang="zh-CN" altLang="en-US" dirty="0" smtClean="0">
+                <a:solidFill>
+                  <a:schemeClr val="bg1"/>
+                </a:solidFill>
+              </a:rPr>
+              <a:t>的</a:t>
+            </a:r>
+            <a:r>
+              <a:rPr lang="zh-CN" altLang="en-US" dirty="0">
+                <a:solidFill>
+                  <a:schemeClr val="bg1"/>
+                </a:solidFill>
+              </a:rPr>
+              <a:t>函数</a:t>
+            </a:r>
+            <a:endParaRPr kumimoji="0" lang="zh-CN" altLang="en-US" sz="3000" i="0" u="none" strike="noStrike" cap="none" spc="0" normalizeH="0" baseline="0" dirty="0">
+              <a:ln>
+                <a:noFill/>
+              </a:ln>
+              <a:solidFill>
+                <a:schemeClr val="bg1"/>
+              </a:solidFill>
+              <a:effectLst/>
+              <a:uFillTx/>
+              <a:sym typeface="Helvetica Neue" panose="02000503000000020004"/>
+            </a:endParaRPr>
+          </a:p>
+        </p:txBody>
+      </p:sp>
+      <p:pic>
+        <p:nvPicPr>
+          <p:cNvPr id="7" name="图片 6"/>
+          <p:cNvPicPr>
+            <a:picLocks noChangeAspect="1"/>
+          </p:cNvPicPr>
+          <p:nvPr/>
+        </p:nvPicPr>
+        <p:blipFill>
+          <a:blip r:embed="rId4"/>
+          <a:stretch>
+            <a:fillRect/>
+          </a:stretch>
+        </p:blipFill>
+        <p:spPr>
+          <a:xfrm>
+            <a:off x="5525519" y="7492116"/>
+            <a:ext cx="10693959" cy="6223884"/>
+          </a:xfrm>
+          <a:prstGeom prst="rect">
+            <a:avLst/>
+          </a:prstGeom>
+        </p:spPr>
+      </p:pic>
+    </p:spTree>
+    <p:extLst>
+      <p:ext uri="{BB962C8B-B14F-4D97-AF65-F5344CB8AC3E}">
+        <p14:creationId xmlns:p14="http://schemas.microsoft.com/office/powerpoint/2010/main" val="2990055388"/>
+      </p:ext>
+    </p:extLst>
+  </p:cSld>
+  <p:clrMapOvr>
+    <a:masterClrMapping/>
+  </p:clrMapOvr>
+  <p:transition spd="med"/>
+  <p:timing>
+    <p:tnLst>
+      <p:par>
+        <p:cTn id="1" dur="indefinite" restart="never" nodeType="tmRoot"/>
+      </p:par>
+    </p:tnLst>
+  </p:timing>
 </p:sld>
 </file>
 
@@ -3255,6 +6898,2786 @@
     <p:extLst>
       <p:ext uri="{BB962C8B-B14F-4D97-AF65-F5344CB8AC3E}">
         <p14:creationId xmlns:p14="http://schemas.microsoft.com/office/powerpoint/2010/main" val="1941123664"/>
+      </p:ext>
+    </p:extLst>
+  </p:cSld>
+  <p:clrMapOvr>
+    <a:masterClrMapping/>
+  </p:clrMapOvr>
+  <p:transition spd="med"/>
+</p:sld>
+</file>
+
+<file path=ppt/slides/slide20.xml><?xml version="1.0" encoding="utf-8"?>
+<p:sld xmlns:a="http://schemas.openxmlformats.org/drawingml/2006/main" xmlns:r="http://schemas.openxmlformats.org/officeDocument/2006/relationships" xmlns:p="http://schemas.openxmlformats.org/presentationml/2006/main">
+  <p:cSld>
+    <p:spTree>
+      <p:nvGrpSpPr>
+        <p:cNvPr id="1" name=""/>
+        <p:cNvGrpSpPr/>
+        <p:nvPr/>
+      </p:nvGrpSpPr>
+      <p:grpSpPr>
+        <a:xfrm>
+          <a:off x="0" y="0"/>
+          <a:ext cx="0" cy="0"/>
+          <a:chOff x="0" y="0"/>
+          <a:chExt cx="0" cy="0"/>
+        </a:xfrm>
+      </p:grpSpPr>
+      <p:sp>
+        <p:nvSpPr>
+          <p:cNvPr id="6" name="标题 5"/>
+          <p:cNvSpPr>
+            <a:spLocks noGrp="1"/>
+          </p:cNvSpPr>
+          <p:nvPr>
+            <p:ph type="title"/>
+          </p:nvPr>
+        </p:nvSpPr>
+        <p:spPr/>
+        <p:txBody>
+          <a:bodyPr>
+            <a:noAutofit/>
+          </a:bodyPr>
+          <a:lstStyle/>
+          <a:p>
+            <a:r>
+              <a:rPr kumimoji="1" lang="en-US" altLang="zh-CN" dirty="0" smtClean="0"/>
+              <a:t>1.4 </a:t>
+            </a:r>
+            <a:r>
+              <a:rPr kumimoji="1" lang="zh-CN" altLang="en-US" dirty="0" smtClean="0"/>
+              <a:t>通过</a:t>
+            </a:r>
+            <a:r>
+              <a:rPr kumimoji="1" lang="zh-CN" altLang="en-US" dirty="0"/>
+              <a:t>交互式终端使用</a:t>
+            </a:r>
+            <a:r>
+              <a:rPr kumimoji="1" lang="en-US" altLang="zh-CN" dirty="0" err="1"/>
+              <a:t>PProf</a:t>
+            </a:r>
+            <a:r>
+              <a:rPr kumimoji="1" lang="zh-CN" altLang="en-US" dirty="0"/>
+              <a:t/>
+            </a:r>
+            <a:br>
+              <a:rPr kumimoji="1" lang="zh-CN" altLang="en-US" dirty="0"/>
+            </a:br>
+            <a:r>
+              <a:rPr kumimoji="1" lang="zh-CN" altLang="en-US" dirty="0"/>
+              <a:t/>
+            </a:r>
+            <a:br>
+              <a:rPr kumimoji="1" lang="zh-CN" altLang="en-US" dirty="0"/>
+            </a:br>
+            <a:endParaRPr kumimoji="1" lang="en-US" altLang="zh-CN" dirty="0"/>
+          </a:p>
+        </p:txBody>
+      </p:sp>
+      <p:sp>
+        <p:nvSpPr>
+          <p:cNvPr id="4" name="文本框 3"/>
+          <p:cNvSpPr txBox="1"/>
+          <p:nvPr/>
+        </p:nvSpPr>
+        <p:spPr>
+          <a:xfrm>
+            <a:off x="2462400" y="7111363"/>
+            <a:ext cx="19458000" cy="974626"/>
+          </a:xfrm>
+          <a:prstGeom prst="rect">
+            <a:avLst/>
+          </a:prstGeom>
+          <a:noFill/>
+          <a:ln w="12700" cap="flat">
+            <a:noFill/>
+            <a:miter lim="400000"/>
+          </a:ln>
+        </p:spPr>
+        <p:style>
+          <a:lnRef idx="0">
+            <a:scrgbClr r="0" g="0" b="0"/>
+          </a:lnRef>
+          <a:fillRef idx="0">
+            <a:scrgbClr r="0" g="0" b="0"/>
+          </a:fillRef>
+          <a:effectRef idx="0">
+            <a:scrgbClr r="0" g="0" b="0"/>
+          </a:effectRef>
+          <a:fontRef idx="none"/>
+        </p:style>
+        <p:txBody>
+          <a:bodyPr rot="0" spcFirstLastPara="1" vertOverflow="overflow" horzOverflow="overflow" vert="horz" wrap="square" lIns="50800" tIns="50800" rIns="50800" bIns="50800" numCol="1" spcCol="38100" rtlCol="0" anchor="ctr">
+            <a:spAutoFit/>
+          </a:bodyPr>
+          <a:lstStyle/>
+          <a:p>
+            <a:pPr marL="571500" indent="-571500" algn="l">
+              <a:spcBef>
+                <a:spcPts val="1000"/>
+              </a:spcBef>
+              <a:spcAft>
+                <a:spcPts val="1000"/>
+              </a:spcAft>
+              <a:buSzPct val="125000"/>
+              <a:buFont typeface="Arial" panose="020B0604020202090204" pitchFamily="34" charset="0"/>
+              <a:buChar char="•"/>
+            </a:pPr>
+            <a:r>
+              <a:rPr kumimoji="1" lang="zh-CN" altLang="en-US" sz="4000" b="0" dirty="0" smtClean="0">
+                <a:solidFill>
+                  <a:srgbClr val="FFFFFF"/>
+                </a:solidFill>
+                <a:latin typeface="Helvetica" pitchFamily="2" charset="0"/>
+                <a:ea typeface="Alibaba PuHuiTi R" panose="00020600040101010101" pitchFamily="18" charset="-122"/>
+                <a:cs typeface="Alibaba PuHuiTi R" panose="00020600040101010101" pitchFamily="18" charset="-122"/>
+              </a:rPr>
+              <a:t>说明</a:t>
+            </a:r>
+            <a:endParaRPr kumimoji="1" lang="zh-CN" altLang="en-US" sz="4000" b="0" dirty="0">
+              <a:solidFill>
+                <a:srgbClr val="FFFFFF"/>
+              </a:solidFill>
+              <a:latin typeface="Helvetica" pitchFamily="2" charset="0"/>
+              <a:ea typeface="Alibaba PuHuiTi R" panose="00020600040101010101" pitchFamily="18" charset="-122"/>
+              <a:cs typeface="Alibaba PuHuiTi R" panose="00020600040101010101" pitchFamily="18" charset="-122"/>
+            </a:endParaRPr>
+          </a:p>
+        </p:txBody>
+      </p:sp>
+      <p:sp>
+        <p:nvSpPr>
+          <p:cNvPr id="5" name="矩形 4"/>
+          <p:cNvSpPr/>
+          <p:nvPr/>
+        </p:nvSpPr>
+        <p:spPr>
+          <a:xfrm>
+            <a:off x="2987040" y="8085989"/>
+            <a:ext cx="14595566" cy="5632311"/>
+          </a:xfrm>
+          <a:prstGeom prst="rect">
+            <a:avLst/>
+          </a:prstGeom>
+        </p:spPr>
+        <p:txBody>
+          <a:bodyPr wrap="square">
+            <a:spAutoFit/>
+          </a:bodyPr>
+          <a:lstStyle/>
+          <a:p>
+            <a:pPr marL="457200" indent="-457200" algn="l">
+              <a:buFontTx/>
+              <a:buChar char="-"/>
+            </a:pPr>
+            <a:r>
+              <a:rPr lang="en-US" altLang="zh-CN" dirty="0" smtClean="0">
+                <a:solidFill>
+                  <a:schemeClr val="bg1"/>
+                </a:solidFill>
+              </a:rPr>
+              <a:t>flat</a:t>
+            </a:r>
+            <a:r>
+              <a:rPr lang="zh-CN" altLang="en-US" dirty="0" smtClean="0">
+                <a:solidFill>
+                  <a:schemeClr val="bg1"/>
+                </a:solidFill>
+              </a:rPr>
+              <a:t>：</a:t>
+            </a:r>
+            <a:r>
+              <a:rPr lang="zh-CN" altLang="en-US" dirty="0">
+                <a:solidFill>
+                  <a:schemeClr val="bg1"/>
+                </a:solidFill>
+              </a:rPr>
+              <a:t>当前函数的运行耗时</a:t>
+            </a:r>
+            <a:r>
+              <a:rPr lang="zh-CN" altLang="en-US" dirty="0" smtClean="0">
+                <a:solidFill>
+                  <a:schemeClr val="bg1"/>
+                </a:solidFill>
+              </a:rPr>
+              <a:t>。</a:t>
+            </a:r>
+            <a:endParaRPr lang="en-US" altLang="zh-CN" dirty="0" smtClean="0">
+              <a:solidFill>
+                <a:schemeClr val="bg1"/>
+              </a:solidFill>
+            </a:endParaRPr>
+          </a:p>
+          <a:p>
+            <a:pPr marL="457200" indent="-457200" algn="l">
+              <a:buFontTx/>
+              <a:buChar char="-"/>
+            </a:pPr>
+            <a:endParaRPr lang="zh-CN" altLang="en-US" dirty="0">
+              <a:solidFill>
+                <a:schemeClr val="bg1"/>
+              </a:solidFill>
+            </a:endParaRPr>
+          </a:p>
+          <a:p>
+            <a:pPr marL="457200" indent="-457200" algn="l">
+              <a:buFontTx/>
+              <a:buChar char="-"/>
+            </a:pPr>
+            <a:r>
+              <a:rPr lang="en-US" altLang="zh-CN" dirty="0" smtClean="0">
+                <a:solidFill>
+                  <a:schemeClr val="bg1"/>
+                </a:solidFill>
+              </a:rPr>
+              <a:t>flat%</a:t>
+            </a:r>
+            <a:r>
+              <a:rPr lang="zh-CN" altLang="en-US" dirty="0" smtClean="0">
+                <a:solidFill>
+                  <a:schemeClr val="bg1"/>
+                </a:solidFill>
+              </a:rPr>
+              <a:t>：</a:t>
+            </a:r>
+            <a:r>
+              <a:rPr lang="zh-CN" altLang="en-US" dirty="0">
+                <a:solidFill>
+                  <a:schemeClr val="bg1"/>
+                </a:solidFill>
+              </a:rPr>
+              <a:t>当前函数占</a:t>
+            </a:r>
+            <a:r>
+              <a:rPr lang="en-US" altLang="zh-CN" dirty="0">
+                <a:solidFill>
+                  <a:schemeClr val="bg1"/>
+                </a:solidFill>
+              </a:rPr>
+              <a:t>CPU</a:t>
+            </a:r>
+            <a:r>
+              <a:rPr lang="zh-CN" altLang="en-US" dirty="0">
+                <a:solidFill>
+                  <a:schemeClr val="bg1"/>
+                </a:solidFill>
+              </a:rPr>
+              <a:t>运行总耗时的比例</a:t>
+            </a:r>
+            <a:r>
+              <a:rPr lang="zh-CN" altLang="en-US" dirty="0" smtClean="0">
+                <a:solidFill>
+                  <a:schemeClr val="bg1"/>
+                </a:solidFill>
+              </a:rPr>
+              <a:t>。</a:t>
+            </a:r>
+            <a:endParaRPr lang="en-US" altLang="zh-CN" dirty="0" smtClean="0">
+              <a:solidFill>
+                <a:schemeClr val="bg1"/>
+              </a:solidFill>
+            </a:endParaRPr>
+          </a:p>
+          <a:p>
+            <a:pPr marL="457200" indent="-457200" algn="l">
+              <a:buFontTx/>
+              <a:buChar char="-"/>
+            </a:pPr>
+            <a:endParaRPr lang="zh-CN" altLang="en-US" dirty="0">
+              <a:solidFill>
+                <a:schemeClr val="bg1"/>
+              </a:solidFill>
+            </a:endParaRPr>
+          </a:p>
+          <a:p>
+            <a:pPr marL="457200" indent="-457200" algn="l">
+              <a:buFontTx/>
+              <a:buChar char="-"/>
+            </a:pPr>
+            <a:r>
+              <a:rPr lang="en-US" altLang="zh-CN" dirty="0" smtClean="0">
+                <a:solidFill>
+                  <a:schemeClr val="bg1"/>
+                </a:solidFill>
+              </a:rPr>
+              <a:t>sum%</a:t>
+            </a:r>
+            <a:r>
+              <a:rPr lang="zh-CN" altLang="en-US" dirty="0" smtClean="0">
+                <a:solidFill>
+                  <a:schemeClr val="bg1"/>
+                </a:solidFill>
+              </a:rPr>
+              <a:t>：</a:t>
+            </a:r>
+            <a:r>
+              <a:rPr lang="zh-CN" altLang="en-US" dirty="0">
+                <a:solidFill>
+                  <a:schemeClr val="bg1"/>
+                </a:solidFill>
+              </a:rPr>
+              <a:t>当前函数累积使用占</a:t>
+            </a:r>
+            <a:r>
+              <a:rPr lang="en-US" altLang="zh-CN" dirty="0">
+                <a:solidFill>
+                  <a:schemeClr val="bg1"/>
+                </a:solidFill>
+              </a:rPr>
+              <a:t>CPU</a:t>
+            </a:r>
+            <a:r>
+              <a:rPr lang="zh-CN" altLang="en-US" dirty="0">
+                <a:solidFill>
+                  <a:schemeClr val="bg1"/>
+                </a:solidFill>
+              </a:rPr>
+              <a:t>运行总耗时比例</a:t>
+            </a:r>
+            <a:r>
+              <a:rPr lang="zh-CN" altLang="en-US" dirty="0" smtClean="0">
+                <a:solidFill>
+                  <a:schemeClr val="bg1"/>
+                </a:solidFill>
+              </a:rPr>
+              <a:t>。</a:t>
+            </a:r>
+            <a:endParaRPr lang="en-US" altLang="zh-CN" dirty="0" smtClean="0">
+              <a:solidFill>
+                <a:schemeClr val="bg1"/>
+              </a:solidFill>
+            </a:endParaRPr>
+          </a:p>
+          <a:p>
+            <a:pPr marL="457200" indent="-457200" algn="l">
+              <a:buFontTx/>
+              <a:buChar char="-"/>
+            </a:pPr>
+            <a:endParaRPr lang="zh-CN" altLang="en-US" dirty="0">
+              <a:solidFill>
+                <a:schemeClr val="bg1"/>
+              </a:solidFill>
+            </a:endParaRPr>
+          </a:p>
+          <a:p>
+            <a:pPr marL="457200" indent="-457200" algn="l">
+              <a:buFontTx/>
+              <a:buChar char="-"/>
+            </a:pPr>
+            <a:r>
+              <a:rPr lang="en-US" altLang="zh-CN" dirty="0" smtClean="0">
+                <a:solidFill>
+                  <a:schemeClr val="bg1"/>
+                </a:solidFill>
+              </a:rPr>
+              <a:t>cum</a:t>
+            </a:r>
+            <a:r>
+              <a:rPr lang="zh-CN" altLang="en-US" dirty="0" smtClean="0">
+                <a:solidFill>
+                  <a:schemeClr val="bg1"/>
+                </a:solidFill>
+              </a:rPr>
+              <a:t>：</a:t>
+            </a:r>
+            <a:r>
+              <a:rPr lang="zh-CN" altLang="en-US" dirty="0">
+                <a:solidFill>
+                  <a:schemeClr val="bg1"/>
+                </a:solidFill>
+              </a:rPr>
+              <a:t>当前函数加上调用当前函数的函数占用</a:t>
+            </a:r>
+            <a:r>
+              <a:rPr lang="en-US" altLang="zh-CN" dirty="0">
+                <a:solidFill>
+                  <a:schemeClr val="bg1"/>
+                </a:solidFill>
+              </a:rPr>
+              <a:t>CPU</a:t>
+            </a:r>
+            <a:r>
+              <a:rPr lang="zh-CN" altLang="en-US" dirty="0">
+                <a:solidFill>
+                  <a:schemeClr val="bg1"/>
+                </a:solidFill>
+              </a:rPr>
+              <a:t>的总耗时</a:t>
+            </a:r>
+            <a:r>
+              <a:rPr lang="zh-CN" altLang="en-US" dirty="0" smtClean="0">
+                <a:solidFill>
+                  <a:schemeClr val="bg1"/>
+                </a:solidFill>
+              </a:rPr>
+              <a:t>。通俗</a:t>
+            </a:r>
+            <a:r>
+              <a:rPr lang="zh-CN" altLang="en-US" dirty="0">
+                <a:solidFill>
+                  <a:schemeClr val="bg1"/>
+                </a:solidFill>
+              </a:rPr>
+              <a:t>点说其实反映的是一个堆栈信息，可以对应</a:t>
+            </a:r>
+            <a:r>
+              <a:rPr lang="en-US" altLang="zh-CN" dirty="0" err="1">
+                <a:solidFill>
+                  <a:schemeClr val="bg1"/>
+                </a:solidFill>
+              </a:rPr>
+              <a:t>grahp</a:t>
+            </a:r>
+            <a:r>
+              <a:rPr lang="zh-CN" altLang="en-US" dirty="0">
+                <a:solidFill>
+                  <a:schemeClr val="bg1"/>
+                </a:solidFill>
+              </a:rPr>
+              <a:t>图和火焰图里的</a:t>
+            </a:r>
+            <a:r>
+              <a:rPr lang="zh-CN" altLang="en-US" dirty="0" smtClean="0">
+                <a:solidFill>
+                  <a:schemeClr val="bg1"/>
+                </a:solidFill>
+              </a:rPr>
+              <a:t>指标。</a:t>
+            </a:r>
+            <a:endParaRPr lang="en-US" altLang="zh-CN" dirty="0" smtClean="0">
+              <a:solidFill>
+                <a:schemeClr val="bg1"/>
+              </a:solidFill>
+            </a:endParaRPr>
+          </a:p>
+          <a:p>
+            <a:pPr marL="457200" indent="-457200" algn="l">
+              <a:buFontTx/>
+              <a:buChar char="-"/>
+            </a:pPr>
+            <a:endParaRPr lang="zh-CN" altLang="en-US" dirty="0">
+              <a:solidFill>
+                <a:schemeClr val="bg1"/>
+              </a:solidFill>
+            </a:endParaRPr>
+          </a:p>
+          <a:p>
+            <a:pPr marL="457200" indent="-457200" algn="l">
+              <a:buFontTx/>
+              <a:buChar char="-"/>
+            </a:pPr>
+            <a:r>
+              <a:rPr lang="en-US" altLang="zh-CN" dirty="0" smtClean="0">
+                <a:solidFill>
+                  <a:schemeClr val="bg1"/>
+                </a:solidFill>
+              </a:rPr>
+              <a:t>cum%</a:t>
+            </a:r>
+            <a:r>
+              <a:rPr lang="zh-CN" altLang="en-US" dirty="0" smtClean="0">
+                <a:solidFill>
+                  <a:schemeClr val="bg1"/>
+                </a:solidFill>
+              </a:rPr>
+              <a:t>：</a:t>
+            </a:r>
+            <a:r>
+              <a:rPr lang="zh-CN" altLang="en-US" dirty="0">
+                <a:solidFill>
+                  <a:schemeClr val="bg1"/>
+                </a:solidFill>
+              </a:rPr>
+              <a:t>当前函数加上调用当前函数的函数占用</a:t>
+            </a:r>
+            <a:r>
+              <a:rPr lang="en-US" altLang="zh-CN" dirty="0">
+                <a:solidFill>
+                  <a:schemeClr val="bg1"/>
+                </a:solidFill>
+              </a:rPr>
+              <a:t>CPU</a:t>
+            </a:r>
+            <a:r>
+              <a:rPr lang="zh-CN" altLang="en-US" dirty="0">
+                <a:solidFill>
+                  <a:schemeClr val="bg1"/>
+                </a:solidFill>
+              </a:rPr>
+              <a:t>的总耗时百分比</a:t>
+            </a:r>
+            <a:r>
+              <a:rPr lang="zh-CN" altLang="en-US" dirty="0" smtClean="0">
+                <a:solidFill>
+                  <a:schemeClr val="bg1"/>
+                </a:solidFill>
+              </a:rPr>
+              <a:t>。</a:t>
+            </a:r>
+            <a:endParaRPr lang="en-US" altLang="zh-CN" dirty="0" smtClean="0">
+              <a:solidFill>
+                <a:schemeClr val="bg1"/>
+              </a:solidFill>
+            </a:endParaRPr>
+          </a:p>
+          <a:p>
+            <a:pPr marL="457200" indent="-457200" algn="l">
+              <a:buFontTx/>
+              <a:buChar char="-"/>
+            </a:pPr>
+            <a:endParaRPr lang="zh-CN" altLang="en-US" dirty="0">
+              <a:solidFill>
+                <a:schemeClr val="bg1"/>
+              </a:solidFill>
+            </a:endParaRPr>
+          </a:p>
+          <a:p>
+            <a:pPr algn="l"/>
+            <a:r>
+              <a:rPr lang="en-US" altLang="zh-CN" dirty="0">
+                <a:solidFill>
+                  <a:schemeClr val="bg1"/>
+                </a:solidFill>
+              </a:rPr>
+              <a:t>- </a:t>
+            </a:r>
+            <a:r>
+              <a:rPr lang="en-US" altLang="zh-CN" dirty="0" smtClean="0">
+                <a:solidFill>
+                  <a:schemeClr val="bg1"/>
+                </a:solidFill>
+              </a:rPr>
+              <a:t> </a:t>
+            </a:r>
+            <a:r>
+              <a:rPr lang="zh-CN" altLang="en-US" dirty="0" smtClean="0">
+                <a:solidFill>
+                  <a:schemeClr val="bg1"/>
+                </a:solidFill>
+              </a:rPr>
+              <a:t>最后</a:t>
+            </a:r>
+            <a:r>
+              <a:rPr lang="zh-CN" altLang="en-US" dirty="0">
+                <a:solidFill>
+                  <a:schemeClr val="bg1"/>
+                </a:solidFill>
+              </a:rPr>
+              <a:t>一</a:t>
+            </a:r>
+            <a:r>
+              <a:rPr lang="zh-CN" altLang="en-US" dirty="0" smtClean="0">
+                <a:solidFill>
+                  <a:schemeClr val="bg1"/>
+                </a:solidFill>
+              </a:rPr>
+              <a:t>列：</a:t>
+            </a:r>
+            <a:r>
+              <a:rPr lang="zh-CN" altLang="en-US" dirty="0">
+                <a:solidFill>
+                  <a:schemeClr val="bg1"/>
+                </a:solidFill>
+              </a:rPr>
+              <a:t>函数名。</a:t>
+            </a:r>
+          </a:p>
+        </p:txBody>
+      </p:sp>
+      <p:pic>
+        <p:nvPicPr>
+          <p:cNvPr id="7" name="图片 6"/>
+          <p:cNvPicPr>
+            <a:picLocks noChangeAspect="1"/>
+          </p:cNvPicPr>
+          <p:nvPr/>
+        </p:nvPicPr>
+        <p:blipFill>
+          <a:blip r:embed="rId3"/>
+          <a:stretch>
+            <a:fillRect/>
+          </a:stretch>
+        </p:blipFill>
+        <p:spPr>
+          <a:xfrm>
+            <a:off x="2699656" y="2950717"/>
+            <a:ext cx="13785669" cy="3820125"/>
+          </a:xfrm>
+          <a:prstGeom prst="rect">
+            <a:avLst/>
+          </a:prstGeom>
+        </p:spPr>
+      </p:pic>
+    </p:spTree>
+    <p:extLst>
+      <p:ext uri="{BB962C8B-B14F-4D97-AF65-F5344CB8AC3E}">
+        <p14:creationId xmlns:p14="http://schemas.microsoft.com/office/powerpoint/2010/main" val="4155920314"/>
+      </p:ext>
+    </p:extLst>
+  </p:cSld>
+  <p:clrMapOvr>
+    <a:masterClrMapping/>
+  </p:clrMapOvr>
+  <p:transition spd="med"/>
+  <p:timing>
+    <p:tnLst>
+      <p:par>
+        <p:cTn id="1" dur="indefinite" restart="never" nodeType="tmRoot"/>
+      </p:par>
+    </p:tnLst>
+  </p:timing>
+</p:sld>
+</file>
+
+<file path=ppt/slides/slide21.xml><?xml version="1.0" encoding="utf-8"?>
+<p:sld xmlns:a="http://schemas.openxmlformats.org/drawingml/2006/main" xmlns:r="http://schemas.openxmlformats.org/officeDocument/2006/relationships" xmlns:p="http://schemas.openxmlformats.org/presentationml/2006/main">
+  <p:cSld>
+    <p:spTree>
+      <p:nvGrpSpPr>
+        <p:cNvPr id="1" name=""/>
+        <p:cNvGrpSpPr/>
+        <p:nvPr/>
+      </p:nvGrpSpPr>
+      <p:grpSpPr>
+        <a:xfrm>
+          <a:off x="0" y="0"/>
+          <a:ext cx="0" cy="0"/>
+          <a:chOff x="0" y="0"/>
+          <a:chExt cx="0" cy="0"/>
+        </a:xfrm>
+      </p:grpSpPr>
+      <p:sp>
+        <p:nvSpPr>
+          <p:cNvPr id="6" name="标题 5"/>
+          <p:cNvSpPr>
+            <a:spLocks noGrp="1"/>
+          </p:cNvSpPr>
+          <p:nvPr>
+            <p:ph type="title"/>
+          </p:nvPr>
+        </p:nvSpPr>
+        <p:spPr/>
+        <p:txBody>
+          <a:bodyPr>
+            <a:noAutofit/>
+          </a:bodyPr>
+          <a:lstStyle/>
+          <a:p>
+            <a:r>
+              <a:rPr kumimoji="1" lang="en-US" altLang="zh-CN" dirty="0" smtClean="0"/>
+              <a:t>1.4 </a:t>
+            </a:r>
+            <a:r>
+              <a:rPr kumimoji="1" lang="zh-CN" altLang="en-US" dirty="0" smtClean="0"/>
+              <a:t>通过</a:t>
+            </a:r>
+            <a:r>
+              <a:rPr kumimoji="1" lang="zh-CN" altLang="en-US" dirty="0"/>
+              <a:t>交互式终端使用</a:t>
+            </a:r>
+            <a:r>
+              <a:rPr kumimoji="1" lang="en-US" altLang="zh-CN" dirty="0" err="1"/>
+              <a:t>PProf</a:t>
+            </a:r>
+            <a:r>
+              <a:rPr kumimoji="1" lang="zh-CN" altLang="en-US" dirty="0"/>
+              <a:t/>
+            </a:r>
+            <a:br>
+              <a:rPr kumimoji="1" lang="zh-CN" altLang="en-US" dirty="0"/>
+            </a:br>
+            <a:r>
+              <a:rPr kumimoji="1" lang="zh-CN" altLang="en-US" dirty="0"/>
+              <a:t/>
+            </a:r>
+            <a:br>
+              <a:rPr kumimoji="1" lang="zh-CN" altLang="en-US" dirty="0"/>
+            </a:br>
+            <a:endParaRPr kumimoji="1" lang="en-US" altLang="zh-CN" dirty="0"/>
+          </a:p>
+        </p:txBody>
+      </p:sp>
+      <p:sp>
+        <p:nvSpPr>
+          <p:cNvPr id="4" name="文本框 3"/>
+          <p:cNvSpPr txBox="1"/>
+          <p:nvPr/>
+        </p:nvSpPr>
+        <p:spPr>
+          <a:xfrm>
+            <a:off x="2462400" y="3764263"/>
+            <a:ext cx="19458000" cy="974626"/>
+          </a:xfrm>
+          <a:prstGeom prst="rect">
+            <a:avLst/>
+          </a:prstGeom>
+          <a:noFill/>
+          <a:ln w="12700" cap="flat">
+            <a:noFill/>
+            <a:miter lim="400000"/>
+          </a:ln>
+        </p:spPr>
+        <p:style>
+          <a:lnRef idx="0">
+            <a:scrgbClr r="0" g="0" b="0"/>
+          </a:lnRef>
+          <a:fillRef idx="0">
+            <a:scrgbClr r="0" g="0" b="0"/>
+          </a:fillRef>
+          <a:effectRef idx="0">
+            <a:scrgbClr r="0" g="0" b="0"/>
+          </a:effectRef>
+          <a:fontRef idx="none"/>
+        </p:style>
+        <p:txBody>
+          <a:bodyPr rot="0" spcFirstLastPara="1" vertOverflow="overflow" horzOverflow="overflow" vert="horz" wrap="square" lIns="50800" tIns="50800" rIns="50800" bIns="50800" numCol="1" spcCol="38100" rtlCol="0" anchor="ctr">
+            <a:spAutoFit/>
+          </a:bodyPr>
+          <a:lstStyle/>
+          <a:p>
+            <a:pPr marL="571500" indent="-571500" algn="l">
+              <a:spcBef>
+                <a:spcPts val="1000"/>
+              </a:spcBef>
+              <a:spcAft>
+                <a:spcPts val="1000"/>
+              </a:spcAft>
+              <a:buSzPct val="125000"/>
+              <a:buFont typeface="Arial" panose="020B0604020202090204" pitchFamily="34" charset="0"/>
+              <a:buChar char="•"/>
+            </a:pPr>
+            <a:r>
+              <a:rPr kumimoji="1" lang="zh-CN" altLang="en-US" sz="4000" b="0" dirty="0" smtClean="0">
+                <a:solidFill>
+                  <a:srgbClr val="FFFFFF"/>
+                </a:solidFill>
+                <a:latin typeface="Helvetica" pitchFamily="2" charset="0"/>
+                <a:ea typeface="Alibaba PuHuiTi R" panose="00020600040101010101" pitchFamily="18" charset="-122"/>
+                <a:cs typeface="Alibaba PuHuiTi R" panose="00020600040101010101" pitchFamily="18" charset="-122"/>
+              </a:rPr>
+              <a:t>举例说明</a:t>
+            </a:r>
+            <a:endParaRPr kumimoji="1" lang="zh-CN" altLang="en-US" sz="4000" b="0" dirty="0">
+              <a:solidFill>
+                <a:srgbClr val="FFFFFF"/>
+              </a:solidFill>
+              <a:latin typeface="Helvetica" pitchFamily="2" charset="0"/>
+              <a:ea typeface="Alibaba PuHuiTi R" panose="00020600040101010101" pitchFamily="18" charset="-122"/>
+              <a:cs typeface="Alibaba PuHuiTi R" panose="00020600040101010101" pitchFamily="18" charset="-122"/>
+            </a:endParaRPr>
+          </a:p>
+        </p:txBody>
+      </p:sp>
+      <p:sp>
+        <p:nvSpPr>
+          <p:cNvPr id="5" name="矩形 4"/>
+          <p:cNvSpPr/>
+          <p:nvPr/>
+        </p:nvSpPr>
+        <p:spPr>
+          <a:xfrm>
+            <a:off x="2987040" y="4738889"/>
+            <a:ext cx="14595566" cy="3323987"/>
+          </a:xfrm>
+          <a:prstGeom prst="rect">
+            <a:avLst/>
+          </a:prstGeom>
+        </p:spPr>
+        <p:txBody>
+          <a:bodyPr wrap="square">
+            <a:spAutoFit/>
+          </a:bodyPr>
+          <a:lstStyle/>
+          <a:p>
+            <a:pPr algn="l"/>
+            <a:r>
+              <a:rPr lang="en-US" altLang="zh-CN" dirty="0" err="1">
+                <a:solidFill>
+                  <a:schemeClr val="bg1"/>
+                </a:solidFill>
+              </a:rPr>
+              <a:t>func</a:t>
+            </a:r>
+            <a:r>
+              <a:rPr lang="en-US" altLang="zh-CN" dirty="0">
+                <a:solidFill>
+                  <a:schemeClr val="bg1"/>
+                </a:solidFill>
+              </a:rPr>
+              <a:t> b() {</a:t>
+            </a:r>
+          </a:p>
+          <a:p>
+            <a:pPr algn="l"/>
+            <a:r>
+              <a:rPr lang="en-US" altLang="zh-CN" dirty="0">
+                <a:solidFill>
+                  <a:schemeClr val="bg1"/>
+                </a:solidFill>
+              </a:rPr>
+              <a:t>    c() // takes 1s</a:t>
+            </a:r>
+          </a:p>
+          <a:p>
+            <a:pPr algn="l"/>
+            <a:r>
+              <a:rPr lang="en-US" altLang="zh-CN" dirty="0">
+                <a:solidFill>
+                  <a:schemeClr val="bg1"/>
+                </a:solidFill>
+              </a:rPr>
+              <a:t>    do something directly // takes 3s</a:t>
+            </a:r>
+          </a:p>
+          <a:p>
+            <a:pPr algn="l"/>
+            <a:r>
+              <a:rPr lang="en-US" altLang="zh-CN" dirty="0">
+                <a:solidFill>
+                  <a:schemeClr val="bg1"/>
+                </a:solidFill>
+              </a:rPr>
+              <a:t>    d() // takes 2s</a:t>
+            </a:r>
+          </a:p>
+          <a:p>
+            <a:pPr algn="l"/>
+            <a:r>
+              <a:rPr lang="en-US" altLang="zh-CN" dirty="0" smtClean="0">
+                <a:solidFill>
+                  <a:schemeClr val="bg1"/>
+                </a:solidFill>
+              </a:rPr>
+              <a:t>}</a:t>
+            </a:r>
+          </a:p>
+          <a:p>
+            <a:pPr algn="l"/>
+            <a:endParaRPr lang="en-US" altLang="zh-CN" dirty="0">
+              <a:solidFill>
+                <a:schemeClr val="bg1"/>
+              </a:solidFill>
+            </a:endParaRPr>
+          </a:p>
+          <a:p>
+            <a:pPr algn="l"/>
+            <a:r>
+              <a:rPr lang="zh-CN" altLang="en-US" dirty="0" smtClean="0">
+                <a:solidFill>
+                  <a:schemeClr val="bg1"/>
+                </a:solidFill>
+              </a:rPr>
+              <a:t>函数</a:t>
+            </a:r>
+            <a:r>
+              <a:rPr lang="en-US" altLang="zh-CN" dirty="0" smtClean="0">
+                <a:solidFill>
+                  <a:schemeClr val="bg1"/>
+                </a:solidFill>
+              </a:rPr>
+              <a:t>b</a:t>
+            </a:r>
+            <a:r>
+              <a:rPr lang="zh-CN" altLang="en-US" dirty="0" smtClean="0">
+                <a:solidFill>
+                  <a:schemeClr val="bg1"/>
+                </a:solidFill>
+              </a:rPr>
+              <a:t>的</a:t>
+            </a:r>
+            <a:r>
+              <a:rPr lang="en-US" altLang="zh-CN" dirty="0" smtClean="0">
+                <a:solidFill>
+                  <a:schemeClr val="bg1"/>
+                </a:solidFill>
+              </a:rPr>
+              <a:t>flat</a:t>
+            </a:r>
+            <a:r>
+              <a:rPr lang="zh-CN" altLang="en-US" dirty="0" smtClean="0">
+                <a:solidFill>
+                  <a:schemeClr val="bg1"/>
+                </a:solidFill>
+              </a:rPr>
+              <a:t>耗时</a:t>
+            </a:r>
+            <a:r>
+              <a:rPr lang="zh-CN" altLang="en-US" dirty="0">
+                <a:solidFill>
+                  <a:schemeClr val="bg1"/>
+                </a:solidFill>
+              </a:rPr>
+              <a:t>就是</a:t>
+            </a:r>
+            <a:r>
+              <a:rPr lang="en-US" altLang="zh-CN" dirty="0">
+                <a:solidFill>
+                  <a:schemeClr val="bg1"/>
+                </a:solidFill>
+              </a:rPr>
+              <a:t>3</a:t>
+            </a:r>
+            <a:r>
+              <a:rPr lang="zh-CN" altLang="en-US" dirty="0">
+                <a:solidFill>
+                  <a:schemeClr val="bg1"/>
+                </a:solidFill>
+              </a:rPr>
+              <a:t>秒</a:t>
+            </a:r>
+            <a:r>
+              <a:rPr lang="zh-CN" altLang="en-US" dirty="0" smtClean="0">
+                <a:solidFill>
+                  <a:schemeClr val="bg1"/>
+                </a:solidFill>
+              </a:rPr>
+              <a:t>，</a:t>
+            </a:r>
+            <a:r>
+              <a:rPr lang="en-US" altLang="zh-CN" dirty="0" smtClean="0">
+                <a:solidFill>
+                  <a:schemeClr val="bg1"/>
+                </a:solidFill>
+              </a:rPr>
+              <a:t>cum</a:t>
+            </a:r>
+            <a:r>
+              <a:rPr lang="zh-CN" altLang="en-US" dirty="0" smtClean="0">
+                <a:solidFill>
+                  <a:schemeClr val="bg1"/>
+                </a:solidFill>
+              </a:rPr>
+              <a:t>耗时</a:t>
+            </a:r>
+            <a:r>
+              <a:rPr lang="zh-CN" altLang="en-US" dirty="0">
+                <a:solidFill>
+                  <a:schemeClr val="bg1"/>
+                </a:solidFill>
+              </a:rPr>
+              <a:t>就是</a:t>
+            </a:r>
+            <a:r>
+              <a:rPr lang="en-US" altLang="zh-CN" dirty="0">
+                <a:solidFill>
+                  <a:schemeClr val="bg1"/>
+                </a:solidFill>
+              </a:rPr>
+              <a:t>6</a:t>
+            </a:r>
+            <a:r>
+              <a:rPr lang="zh-CN" altLang="en-US" dirty="0">
+                <a:solidFill>
+                  <a:schemeClr val="bg1"/>
+                </a:solidFill>
+              </a:rPr>
+              <a:t>秒</a:t>
+            </a:r>
+          </a:p>
+        </p:txBody>
+      </p:sp>
+    </p:spTree>
+    <p:extLst>
+      <p:ext uri="{BB962C8B-B14F-4D97-AF65-F5344CB8AC3E}">
+        <p14:creationId xmlns:p14="http://schemas.microsoft.com/office/powerpoint/2010/main" val="419430352"/>
+      </p:ext>
+    </p:extLst>
+  </p:cSld>
+  <p:clrMapOvr>
+    <a:masterClrMapping/>
+  </p:clrMapOvr>
+  <p:transition spd="med"/>
+  <p:timing>
+    <p:tnLst>
+      <p:par>
+        <p:cTn id="1" dur="indefinite" restart="never" nodeType="tmRoot"/>
+      </p:par>
+    </p:tnLst>
+  </p:timing>
+</p:sld>
+</file>
+
+<file path=ppt/slides/slide22.xml><?xml version="1.0" encoding="utf-8"?>
+<p:sld xmlns:a="http://schemas.openxmlformats.org/drawingml/2006/main" xmlns:r="http://schemas.openxmlformats.org/officeDocument/2006/relationships" xmlns:p="http://schemas.openxmlformats.org/presentationml/2006/main">
+  <p:cSld>
+    <p:spTree>
+      <p:nvGrpSpPr>
+        <p:cNvPr id="1" name=""/>
+        <p:cNvGrpSpPr/>
+        <p:nvPr/>
+      </p:nvGrpSpPr>
+      <p:grpSpPr>
+        <a:xfrm>
+          <a:off x="0" y="0"/>
+          <a:ext cx="0" cy="0"/>
+          <a:chOff x="0" y="0"/>
+          <a:chExt cx="0" cy="0"/>
+        </a:xfrm>
+      </p:grpSpPr>
+      <p:sp>
+        <p:nvSpPr>
+          <p:cNvPr id="6" name="标题 5"/>
+          <p:cNvSpPr>
+            <a:spLocks noGrp="1"/>
+          </p:cNvSpPr>
+          <p:nvPr>
+            <p:ph type="title"/>
+          </p:nvPr>
+        </p:nvSpPr>
+        <p:spPr/>
+        <p:txBody>
+          <a:bodyPr>
+            <a:noAutofit/>
+          </a:bodyPr>
+          <a:lstStyle/>
+          <a:p>
+            <a:r>
+              <a:rPr kumimoji="1" lang="en-US" altLang="zh-CN" dirty="0" smtClean="0"/>
+              <a:t>1.4 </a:t>
+            </a:r>
+            <a:r>
+              <a:rPr kumimoji="1" lang="zh-CN" altLang="en-US" dirty="0" smtClean="0"/>
+              <a:t>通过</a:t>
+            </a:r>
+            <a:r>
+              <a:rPr kumimoji="1" lang="zh-CN" altLang="en-US" dirty="0"/>
+              <a:t>交互式终端使用</a:t>
+            </a:r>
+            <a:r>
+              <a:rPr kumimoji="1" lang="en-US" altLang="zh-CN" dirty="0" err="1"/>
+              <a:t>PProf</a:t>
+            </a:r>
+            <a:r>
+              <a:rPr kumimoji="1" lang="zh-CN" altLang="en-US" dirty="0"/>
+              <a:t/>
+            </a:r>
+            <a:br>
+              <a:rPr kumimoji="1" lang="zh-CN" altLang="en-US" dirty="0"/>
+            </a:br>
+            <a:r>
+              <a:rPr kumimoji="1" lang="zh-CN" altLang="en-US" dirty="0"/>
+              <a:t/>
+            </a:r>
+            <a:br>
+              <a:rPr kumimoji="1" lang="zh-CN" altLang="en-US" dirty="0"/>
+            </a:br>
+            <a:endParaRPr kumimoji="1" lang="en-US" altLang="zh-CN" dirty="0"/>
+          </a:p>
+        </p:txBody>
+      </p:sp>
+      <p:sp>
+        <p:nvSpPr>
+          <p:cNvPr id="4" name="文本框 3"/>
+          <p:cNvSpPr txBox="1"/>
+          <p:nvPr/>
+        </p:nvSpPr>
+        <p:spPr>
+          <a:xfrm>
+            <a:off x="2462400" y="3764263"/>
+            <a:ext cx="19458000" cy="974626"/>
+          </a:xfrm>
+          <a:prstGeom prst="rect">
+            <a:avLst/>
+          </a:prstGeom>
+          <a:noFill/>
+          <a:ln w="12700" cap="flat">
+            <a:noFill/>
+            <a:miter lim="400000"/>
+          </a:ln>
+        </p:spPr>
+        <p:style>
+          <a:lnRef idx="0">
+            <a:scrgbClr r="0" g="0" b="0"/>
+          </a:lnRef>
+          <a:fillRef idx="0">
+            <a:scrgbClr r="0" g="0" b="0"/>
+          </a:fillRef>
+          <a:effectRef idx="0">
+            <a:scrgbClr r="0" g="0" b="0"/>
+          </a:effectRef>
+          <a:fontRef idx="none"/>
+        </p:style>
+        <p:txBody>
+          <a:bodyPr rot="0" spcFirstLastPara="1" vertOverflow="overflow" horzOverflow="overflow" vert="horz" wrap="square" lIns="50800" tIns="50800" rIns="50800" bIns="50800" numCol="1" spcCol="38100" rtlCol="0" anchor="ctr">
+            <a:spAutoFit/>
+          </a:bodyPr>
+          <a:lstStyle/>
+          <a:p>
+            <a:pPr marL="571500" indent="-571500" algn="l">
+              <a:spcBef>
+                <a:spcPts val="1000"/>
+              </a:spcBef>
+              <a:spcAft>
+                <a:spcPts val="1000"/>
+              </a:spcAft>
+              <a:buSzPct val="125000"/>
+              <a:buFont typeface="Arial" panose="020B0604020202090204" pitchFamily="34" charset="0"/>
+              <a:buChar char="•"/>
+            </a:pPr>
+            <a:r>
+              <a:rPr kumimoji="1" lang="zh-CN" altLang="en-US" sz="4000" b="0" dirty="0" smtClean="0">
+                <a:solidFill>
+                  <a:srgbClr val="FFFFFF"/>
+                </a:solidFill>
+                <a:latin typeface="Helvetica" pitchFamily="2" charset="0"/>
+                <a:ea typeface="Alibaba PuHuiTi R" panose="00020600040101010101" pitchFamily="18" charset="-122"/>
+                <a:cs typeface="Alibaba PuHuiTi R" panose="00020600040101010101" pitchFamily="18" charset="-122"/>
+              </a:rPr>
+              <a:t>举例说明</a:t>
+            </a:r>
+            <a:endParaRPr kumimoji="1" lang="zh-CN" altLang="en-US" sz="4000" b="0" dirty="0">
+              <a:solidFill>
+                <a:srgbClr val="FFFFFF"/>
+              </a:solidFill>
+              <a:latin typeface="Helvetica" pitchFamily="2" charset="0"/>
+              <a:ea typeface="Alibaba PuHuiTi R" panose="00020600040101010101" pitchFamily="18" charset="-122"/>
+              <a:cs typeface="Alibaba PuHuiTi R" panose="00020600040101010101" pitchFamily="18" charset="-122"/>
+            </a:endParaRPr>
+          </a:p>
+        </p:txBody>
+      </p:sp>
+      <p:sp>
+        <p:nvSpPr>
+          <p:cNvPr id="5" name="矩形 4"/>
+          <p:cNvSpPr/>
+          <p:nvPr/>
+        </p:nvSpPr>
+        <p:spPr>
+          <a:xfrm>
+            <a:off x="2987040" y="4738889"/>
+            <a:ext cx="14595566" cy="3323987"/>
+          </a:xfrm>
+          <a:prstGeom prst="rect">
+            <a:avLst/>
+          </a:prstGeom>
+        </p:spPr>
+        <p:txBody>
+          <a:bodyPr wrap="square">
+            <a:spAutoFit/>
+          </a:bodyPr>
+          <a:lstStyle/>
+          <a:p>
+            <a:pPr algn="l"/>
+            <a:r>
+              <a:rPr lang="en-US" altLang="zh-CN" dirty="0" err="1">
+                <a:solidFill>
+                  <a:schemeClr val="bg1"/>
+                </a:solidFill>
+              </a:rPr>
+              <a:t>func</a:t>
+            </a:r>
+            <a:r>
+              <a:rPr lang="en-US" altLang="zh-CN" dirty="0">
+                <a:solidFill>
+                  <a:schemeClr val="bg1"/>
+                </a:solidFill>
+              </a:rPr>
+              <a:t> b() {</a:t>
+            </a:r>
+          </a:p>
+          <a:p>
+            <a:pPr algn="l"/>
+            <a:r>
+              <a:rPr lang="en-US" altLang="zh-CN" dirty="0">
+                <a:solidFill>
+                  <a:schemeClr val="bg1"/>
+                </a:solidFill>
+              </a:rPr>
+              <a:t>    c() // takes 1s</a:t>
+            </a:r>
+          </a:p>
+          <a:p>
+            <a:pPr algn="l"/>
+            <a:r>
+              <a:rPr lang="en-US" altLang="zh-CN" dirty="0">
+                <a:solidFill>
+                  <a:schemeClr val="bg1"/>
+                </a:solidFill>
+              </a:rPr>
+              <a:t>    do something directly // takes 3s</a:t>
+            </a:r>
+          </a:p>
+          <a:p>
+            <a:pPr algn="l"/>
+            <a:r>
+              <a:rPr lang="en-US" altLang="zh-CN" dirty="0">
+                <a:solidFill>
+                  <a:schemeClr val="bg1"/>
+                </a:solidFill>
+              </a:rPr>
+              <a:t>    d() // takes 2s</a:t>
+            </a:r>
+          </a:p>
+          <a:p>
+            <a:pPr algn="l"/>
+            <a:r>
+              <a:rPr lang="en-US" altLang="zh-CN" dirty="0" smtClean="0">
+                <a:solidFill>
+                  <a:schemeClr val="bg1"/>
+                </a:solidFill>
+              </a:rPr>
+              <a:t>}</a:t>
+            </a:r>
+          </a:p>
+          <a:p>
+            <a:pPr algn="l"/>
+            <a:endParaRPr lang="en-US" altLang="zh-CN" dirty="0">
+              <a:solidFill>
+                <a:schemeClr val="bg1"/>
+              </a:solidFill>
+            </a:endParaRPr>
+          </a:p>
+          <a:p>
+            <a:pPr algn="l"/>
+            <a:r>
+              <a:rPr lang="zh-CN" altLang="en-US" dirty="0" smtClean="0">
+                <a:solidFill>
+                  <a:schemeClr val="bg1"/>
+                </a:solidFill>
+              </a:rPr>
+              <a:t>函数</a:t>
+            </a:r>
+            <a:r>
+              <a:rPr lang="en-US" altLang="zh-CN" dirty="0" smtClean="0">
+                <a:solidFill>
+                  <a:schemeClr val="bg1"/>
+                </a:solidFill>
+              </a:rPr>
+              <a:t>b</a:t>
+            </a:r>
+            <a:r>
+              <a:rPr lang="zh-CN" altLang="en-US" dirty="0" smtClean="0">
+                <a:solidFill>
+                  <a:schemeClr val="bg1"/>
+                </a:solidFill>
+              </a:rPr>
+              <a:t>的</a:t>
+            </a:r>
+            <a:r>
+              <a:rPr lang="en-US" altLang="zh-CN" dirty="0" smtClean="0">
+                <a:solidFill>
+                  <a:schemeClr val="bg1"/>
+                </a:solidFill>
+              </a:rPr>
+              <a:t>flat</a:t>
+            </a:r>
+            <a:r>
+              <a:rPr lang="zh-CN" altLang="en-US" dirty="0" smtClean="0">
+                <a:solidFill>
+                  <a:schemeClr val="bg1"/>
+                </a:solidFill>
+              </a:rPr>
+              <a:t>耗时</a:t>
+            </a:r>
+            <a:r>
+              <a:rPr lang="zh-CN" altLang="en-US" dirty="0">
+                <a:solidFill>
+                  <a:schemeClr val="bg1"/>
+                </a:solidFill>
+              </a:rPr>
+              <a:t>就是</a:t>
+            </a:r>
+            <a:r>
+              <a:rPr lang="en-US" altLang="zh-CN" dirty="0">
+                <a:solidFill>
+                  <a:schemeClr val="bg1"/>
+                </a:solidFill>
+              </a:rPr>
+              <a:t>3</a:t>
+            </a:r>
+            <a:r>
+              <a:rPr lang="zh-CN" altLang="en-US" dirty="0">
+                <a:solidFill>
+                  <a:schemeClr val="bg1"/>
+                </a:solidFill>
+              </a:rPr>
+              <a:t>秒</a:t>
+            </a:r>
+            <a:r>
+              <a:rPr lang="zh-CN" altLang="en-US" dirty="0" smtClean="0">
+                <a:solidFill>
+                  <a:schemeClr val="bg1"/>
+                </a:solidFill>
+              </a:rPr>
+              <a:t>，</a:t>
+            </a:r>
+            <a:r>
+              <a:rPr lang="en-US" altLang="zh-CN" dirty="0" smtClean="0">
+                <a:solidFill>
+                  <a:schemeClr val="bg1"/>
+                </a:solidFill>
+              </a:rPr>
+              <a:t>cum</a:t>
+            </a:r>
+            <a:r>
+              <a:rPr lang="zh-CN" altLang="en-US" dirty="0" smtClean="0">
+                <a:solidFill>
+                  <a:schemeClr val="bg1"/>
+                </a:solidFill>
+              </a:rPr>
+              <a:t>耗时</a:t>
+            </a:r>
+            <a:r>
+              <a:rPr lang="zh-CN" altLang="en-US" dirty="0">
+                <a:solidFill>
+                  <a:schemeClr val="bg1"/>
+                </a:solidFill>
+              </a:rPr>
+              <a:t>就是</a:t>
+            </a:r>
+            <a:r>
+              <a:rPr lang="en-US" altLang="zh-CN" dirty="0">
+                <a:solidFill>
+                  <a:schemeClr val="bg1"/>
+                </a:solidFill>
+              </a:rPr>
+              <a:t>6</a:t>
+            </a:r>
+            <a:r>
+              <a:rPr lang="zh-CN" altLang="en-US" dirty="0">
+                <a:solidFill>
+                  <a:schemeClr val="bg1"/>
+                </a:solidFill>
+              </a:rPr>
+              <a:t>秒</a:t>
+            </a:r>
+          </a:p>
+        </p:txBody>
+      </p:sp>
+    </p:spTree>
+    <p:extLst>
+      <p:ext uri="{BB962C8B-B14F-4D97-AF65-F5344CB8AC3E}">
+        <p14:creationId xmlns:p14="http://schemas.microsoft.com/office/powerpoint/2010/main" val="1420787142"/>
+      </p:ext>
+    </p:extLst>
+  </p:cSld>
+  <p:clrMapOvr>
+    <a:masterClrMapping/>
+  </p:clrMapOvr>
+  <p:transition spd="med"/>
+  <p:timing>
+    <p:tnLst>
+      <p:par>
+        <p:cTn id="1" dur="indefinite" restart="never" nodeType="tmRoot"/>
+      </p:par>
+    </p:tnLst>
+  </p:timing>
+</p:sld>
+</file>
+
+<file path=ppt/slides/slide23.xml><?xml version="1.0" encoding="utf-8"?>
+<p:sld xmlns:a="http://schemas.openxmlformats.org/drawingml/2006/main" xmlns:r="http://schemas.openxmlformats.org/officeDocument/2006/relationships" xmlns:p="http://schemas.openxmlformats.org/presentationml/2006/main">
+  <p:cSld>
+    <p:spTree>
+      <p:nvGrpSpPr>
+        <p:cNvPr id="1" name=""/>
+        <p:cNvGrpSpPr/>
+        <p:nvPr/>
+      </p:nvGrpSpPr>
+      <p:grpSpPr>
+        <a:xfrm>
+          <a:off x="0" y="0"/>
+          <a:ext cx="0" cy="0"/>
+          <a:chOff x="0" y="0"/>
+          <a:chExt cx="0" cy="0"/>
+        </a:xfrm>
+      </p:grpSpPr>
+      <p:sp>
+        <p:nvSpPr>
+          <p:cNvPr id="6" name="标题 5"/>
+          <p:cNvSpPr>
+            <a:spLocks noGrp="1"/>
+          </p:cNvSpPr>
+          <p:nvPr>
+            <p:ph type="title"/>
+          </p:nvPr>
+        </p:nvSpPr>
+        <p:spPr/>
+        <p:txBody>
+          <a:bodyPr>
+            <a:noAutofit/>
+          </a:bodyPr>
+          <a:lstStyle/>
+          <a:p>
+            <a:r>
+              <a:rPr kumimoji="1" lang="en-US" altLang="zh-CN" dirty="0" smtClean="0"/>
+              <a:t>1.4 </a:t>
+            </a:r>
+            <a:r>
+              <a:rPr kumimoji="1" lang="zh-CN" altLang="en-US" dirty="0" smtClean="0"/>
+              <a:t>通过</a:t>
+            </a:r>
+            <a:r>
+              <a:rPr kumimoji="1" lang="zh-CN" altLang="en-US" dirty="0"/>
+              <a:t>交互式终端使用</a:t>
+            </a:r>
+            <a:r>
+              <a:rPr kumimoji="1" lang="en-US" altLang="zh-CN" dirty="0" err="1"/>
+              <a:t>PProf</a:t>
+            </a:r>
+            <a:r>
+              <a:rPr kumimoji="1" lang="zh-CN" altLang="en-US" dirty="0"/>
+              <a:t/>
+            </a:r>
+            <a:br>
+              <a:rPr kumimoji="1" lang="zh-CN" altLang="en-US" dirty="0"/>
+            </a:br>
+            <a:r>
+              <a:rPr kumimoji="1" lang="zh-CN" altLang="en-US" dirty="0"/>
+              <a:t/>
+            </a:r>
+            <a:br>
+              <a:rPr kumimoji="1" lang="zh-CN" altLang="en-US" dirty="0"/>
+            </a:br>
+            <a:endParaRPr kumimoji="1" lang="en-US" altLang="zh-CN" dirty="0"/>
+          </a:p>
+        </p:txBody>
+      </p:sp>
+      <p:sp>
+        <p:nvSpPr>
+          <p:cNvPr id="4" name="文本框 3"/>
+          <p:cNvSpPr txBox="1"/>
+          <p:nvPr/>
+        </p:nvSpPr>
+        <p:spPr>
+          <a:xfrm>
+            <a:off x="2462400" y="3764263"/>
+            <a:ext cx="19458000" cy="974626"/>
+          </a:xfrm>
+          <a:prstGeom prst="rect">
+            <a:avLst/>
+          </a:prstGeom>
+          <a:noFill/>
+          <a:ln w="12700" cap="flat">
+            <a:noFill/>
+            <a:miter lim="400000"/>
+          </a:ln>
+        </p:spPr>
+        <p:style>
+          <a:lnRef idx="0">
+            <a:scrgbClr r="0" g="0" b="0"/>
+          </a:lnRef>
+          <a:fillRef idx="0">
+            <a:scrgbClr r="0" g="0" b="0"/>
+          </a:fillRef>
+          <a:effectRef idx="0">
+            <a:scrgbClr r="0" g="0" b="0"/>
+          </a:effectRef>
+          <a:fontRef idx="none"/>
+        </p:style>
+        <p:txBody>
+          <a:bodyPr rot="0" spcFirstLastPara="1" vertOverflow="overflow" horzOverflow="overflow" vert="horz" wrap="square" lIns="50800" tIns="50800" rIns="50800" bIns="50800" numCol="1" spcCol="38100" rtlCol="0" anchor="ctr">
+            <a:spAutoFit/>
+          </a:bodyPr>
+          <a:lstStyle/>
+          <a:p>
+            <a:pPr marL="571500" indent="-571500" algn="l">
+              <a:spcBef>
+                <a:spcPts val="1000"/>
+              </a:spcBef>
+              <a:spcAft>
+                <a:spcPts val="1000"/>
+              </a:spcAft>
+              <a:buSzPct val="125000"/>
+              <a:buFont typeface="Arial" panose="020B0604020202090204" pitchFamily="34" charset="0"/>
+              <a:buChar char="•"/>
+            </a:pPr>
+            <a:r>
+              <a:rPr kumimoji="1" lang="zh-CN" altLang="en-US" sz="4000" b="0" dirty="0">
+                <a:solidFill>
+                  <a:srgbClr val="FFFFFF"/>
+                </a:solidFill>
+                <a:latin typeface="Helvetica" pitchFamily="2" charset="0"/>
+                <a:ea typeface="Alibaba PuHuiTi R" panose="00020600040101010101" pitchFamily="18" charset="-122"/>
+                <a:cs typeface="Alibaba PuHuiTi R" panose="00020600040101010101" pitchFamily="18" charset="-122"/>
+              </a:rPr>
+              <a:t>常用交互命令行</a:t>
+            </a:r>
+            <a:endParaRPr kumimoji="1" lang="zh-CN" altLang="en-US" sz="4000" b="0" dirty="0">
+              <a:solidFill>
+                <a:srgbClr val="FFFFFF"/>
+              </a:solidFill>
+              <a:latin typeface="Helvetica" pitchFamily="2" charset="0"/>
+              <a:ea typeface="Alibaba PuHuiTi R" panose="00020600040101010101" pitchFamily="18" charset="-122"/>
+              <a:cs typeface="Alibaba PuHuiTi R" panose="00020600040101010101" pitchFamily="18" charset="-122"/>
+            </a:endParaRPr>
+          </a:p>
+        </p:txBody>
+      </p:sp>
+      <p:sp>
+        <p:nvSpPr>
+          <p:cNvPr id="5" name="矩形 4"/>
+          <p:cNvSpPr/>
+          <p:nvPr/>
+        </p:nvSpPr>
+        <p:spPr>
+          <a:xfrm>
+            <a:off x="2987040" y="4738889"/>
+            <a:ext cx="14595566" cy="7017306"/>
+          </a:xfrm>
+          <a:prstGeom prst="rect">
+            <a:avLst/>
+          </a:prstGeom>
+        </p:spPr>
+        <p:txBody>
+          <a:bodyPr wrap="square">
+            <a:spAutoFit/>
+          </a:bodyPr>
+          <a:lstStyle/>
+          <a:p>
+            <a:pPr algn="l"/>
+            <a:r>
+              <a:rPr lang="en-US" altLang="zh-CN" dirty="0">
+                <a:solidFill>
+                  <a:schemeClr val="bg1"/>
+                </a:solidFill>
+              </a:rPr>
+              <a:t>- help  </a:t>
+            </a:r>
+            <a:r>
+              <a:rPr lang="zh-CN" altLang="en-US" dirty="0" smtClean="0">
+                <a:solidFill>
+                  <a:schemeClr val="bg1"/>
+                </a:solidFill>
+              </a:rPr>
+              <a:t>可以</a:t>
+            </a:r>
+            <a:r>
+              <a:rPr lang="zh-CN" altLang="en-US" dirty="0">
+                <a:solidFill>
+                  <a:schemeClr val="bg1"/>
+                </a:solidFill>
+              </a:rPr>
+              <a:t>查看所有命令的使用说明</a:t>
+            </a:r>
+          </a:p>
+          <a:p>
+            <a:pPr algn="l"/>
+            <a:endParaRPr lang="zh-CN" altLang="en-US" dirty="0">
+              <a:solidFill>
+                <a:schemeClr val="bg1"/>
+              </a:solidFill>
+            </a:endParaRPr>
+          </a:p>
+          <a:p>
+            <a:pPr algn="l"/>
+            <a:r>
+              <a:rPr lang="en-US" altLang="zh-CN" dirty="0">
+                <a:solidFill>
+                  <a:schemeClr val="bg1"/>
+                </a:solidFill>
+              </a:rPr>
+              <a:t>- </a:t>
+            </a:r>
+            <a:r>
+              <a:rPr lang="en-US" altLang="zh-CN" dirty="0" smtClean="0">
+                <a:solidFill>
+                  <a:schemeClr val="bg1"/>
+                </a:solidFill>
+              </a:rPr>
+              <a:t>top </a:t>
+            </a:r>
+            <a:r>
+              <a:rPr lang="zh-CN" altLang="en-US" dirty="0" smtClean="0">
+                <a:solidFill>
+                  <a:schemeClr val="bg1"/>
+                </a:solidFill>
+              </a:rPr>
+              <a:t>可以</a:t>
+            </a:r>
+            <a:r>
+              <a:rPr lang="zh-CN" altLang="en-US" dirty="0">
+                <a:solidFill>
+                  <a:schemeClr val="bg1"/>
+                </a:solidFill>
+              </a:rPr>
+              <a:t>查看</a:t>
+            </a:r>
+            <a:r>
+              <a:rPr lang="en-US" altLang="zh-CN" dirty="0">
+                <a:solidFill>
+                  <a:schemeClr val="bg1"/>
+                </a:solidFill>
+              </a:rPr>
+              <a:t>TOP</a:t>
+            </a:r>
+            <a:r>
+              <a:rPr lang="zh-CN" altLang="en-US" dirty="0">
+                <a:solidFill>
+                  <a:schemeClr val="bg1"/>
+                </a:solidFill>
+              </a:rPr>
+              <a:t>多少分配情况 </a:t>
+            </a:r>
+            <a:r>
+              <a:rPr lang="zh-CN" altLang="en-US" dirty="0" smtClean="0">
+                <a:solidFill>
+                  <a:schemeClr val="bg1"/>
+                </a:solidFill>
+              </a:rPr>
+              <a:t>：</a:t>
+            </a:r>
+            <a:r>
+              <a:rPr lang="en-US" altLang="zh-CN" dirty="0" smtClean="0">
+                <a:solidFill>
+                  <a:schemeClr val="bg1"/>
+                </a:solidFill>
+              </a:rPr>
+              <a:t>top </a:t>
+            </a:r>
+            <a:r>
+              <a:rPr lang="en-US" altLang="zh-CN" dirty="0">
+                <a:solidFill>
+                  <a:schemeClr val="bg1"/>
+                </a:solidFill>
+              </a:rPr>
+              <a:t>-cum </a:t>
+            </a:r>
+            <a:r>
+              <a:rPr lang="en-US" altLang="zh-CN" dirty="0" smtClean="0">
+                <a:solidFill>
+                  <a:schemeClr val="bg1"/>
+                </a:solidFill>
+              </a:rPr>
+              <a:t>15 </a:t>
+            </a:r>
+            <a:r>
+              <a:rPr lang="zh-CN" altLang="en-US" dirty="0">
+                <a:solidFill>
+                  <a:schemeClr val="bg1"/>
+                </a:solidFill>
+              </a:rPr>
+              <a:t>按照</a:t>
+            </a:r>
+            <a:r>
+              <a:rPr lang="en-US" altLang="zh-CN" dirty="0">
+                <a:solidFill>
+                  <a:schemeClr val="bg1"/>
+                </a:solidFill>
+              </a:rPr>
+              <a:t>cum</a:t>
+            </a:r>
+            <a:r>
+              <a:rPr lang="zh-CN" altLang="en-US" dirty="0">
+                <a:solidFill>
+                  <a:schemeClr val="bg1"/>
+                </a:solidFill>
+              </a:rPr>
+              <a:t>进行排序取前</a:t>
+            </a:r>
+            <a:r>
+              <a:rPr lang="en-US" altLang="zh-CN" dirty="0">
+                <a:solidFill>
+                  <a:schemeClr val="bg1"/>
+                </a:solidFill>
+              </a:rPr>
+              <a:t>15</a:t>
+            </a:r>
+            <a:r>
+              <a:rPr lang="zh-CN" altLang="en-US" dirty="0">
+                <a:solidFill>
+                  <a:schemeClr val="bg1"/>
+                </a:solidFill>
+              </a:rPr>
+              <a:t>个</a:t>
+            </a:r>
+          </a:p>
+          <a:p>
+            <a:pPr algn="l"/>
+            <a:endParaRPr lang="zh-CN" altLang="en-US" dirty="0">
+              <a:solidFill>
+                <a:schemeClr val="bg1"/>
+              </a:solidFill>
+            </a:endParaRPr>
+          </a:p>
+          <a:p>
+            <a:pPr algn="l"/>
+            <a:r>
+              <a:rPr lang="en-US" altLang="zh-CN" dirty="0">
+                <a:solidFill>
+                  <a:schemeClr val="bg1"/>
+                </a:solidFill>
+              </a:rPr>
+              <a:t>- </a:t>
+            </a:r>
+            <a:r>
+              <a:rPr lang="en-US" altLang="zh-CN" dirty="0" smtClean="0">
+                <a:solidFill>
+                  <a:schemeClr val="bg1"/>
+                </a:solidFill>
+              </a:rPr>
+              <a:t>list </a:t>
+            </a:r>
+            <a:r>
+              <a:rPr lang="zh-CN" altLang="en-US" dirty="0" smtClean="0">
+                <a:solidFill>
+                  <a:schemeClr val="bg1"/>
+                </a:solidFill>
+              </a:rPr>
+              <a:t>展示</a:t>
+            </a:r>
+            <a:r>
+              <a:rPr lang="zh-CN" altLang="en-US" dirty="0">
+                <a:solidFill>
+                  <a:schemeClr val="bg1"/>
+                </a:solidFill>
+              </a:rPr>
+              <a:t>源码及相应损耗，可以看到那块代码耗时最多，那些可以做优化，一目了然</a:t>
+            </a:r>
+          </a:p>
+          <a:p>
+            <a:pPr algn="l"/>
+            <a:endParaRPr lang="zh-CN" altLang="en-US" dirty="0">
+              <a:solidFill>
+                <a:schemeClr val="bg1"/>
+              </a:solidFill>
+            </a:endParaRPr>
+          </a:p>
+          <a:p>
+            <a:pPr algn="l"/>
+            <a:r>
+              <a:rPr lang="en-US" altLang="zh-CN" dirty="0">
+                <a:solidFill>
+                  <a:schemeClr val="bg1"/>
+                </a:solidFill>
+              </a:rPr>
+              <a:t>- </a:t>
+            </a:r>
+            <a:r>
+              <a:rPr lang="en-US" altLang="zh-CN" dirty="0" smtClean="0">
+                <a:solidFill>
+                  <a:schemeClr val="bg1"/>
+                </a:solidFill>
+              </a:rPr>
+              <a:t>web</a:t>
+            </a:r>
+            <a:r>
+              <a:rPr lang="zh-CN" altLang="en-US" dirty="0" smtClean="0">
+                <a:solidFill>
+                  <a:schemeClr val="bg1"/>
+                </a:solidFill>
+              </a:rPr>
+              <a:t>使用</a:t>
+            </a:r>
+            <a:r>
+              <a:rPr lang="zh-CN" altLang="en-US" dirty="0">
+                <a:solidFill>
+                  <a:schemeClr val="bg1"/>
+                </a:solidFill>
+              </a:rPr>
+              <a:t>浏览器视图展开</a:t>
+            </a:r>
+          </a:p>
+          <a:p>
+            <a:pPr algn="l"/>
+            <a:endParaRPr lang="zh-CN" altLang="en-US" dirty="0">
+              <a:solidFill>
+                <a:schemeClr val="bg1"/>
+              </a:solidFill>
+            </a:endParaRPr>
+          </a:p>
+          <a:p>
+            <a:pPr algn="l"/>
+            <a:r>
+              <a:rPr lang="en-US" altLang="zh-CN" dirty="0">
+                <a:solidFill>
+                  <a:schemeClr val="bg1"/>
+                </a:solidFill>
+              </a:rPr>
+              <a:t>- tree </a:t>
+            </a:r>
+            <a:r>
+              <a:rPr lang="zh-CN" altLang="en-US" dirty="0" smtClean="0">
+                <a:solidFill>
+                  <a:schemeClr val="bg1"/>
+                </a:solidFill>
+              </a:rPr>
+              <a:t>以</a:t>
+            </a:r>
+            <a:r>
+              <a:rPr lang="zh-CN" altLang="en-US" dirty="0">
+                <a:solidFill>
+                  <a:schemeClr val="bg1"/>
+                </a:solidFill>
+              </a:rPr>
+              <a:t>树状</a:t>
+            </a:r>
+            <a:r>
+              <a:rPr lang="zh-CN" altLang="en-US" dirty="0" smtClean="0">
+                <a:solidFill>
+                  <a:schemeClr val="bg1"/>
+                </a:solidFill>
+              </a:rPr>
+              <a:t>显示  </a:t>
+            </a:r>
+            <a:r>
+              <a:rPr lang="en-US" altLang="zh-CN" dirty="0" smtClean="0">
+                <a:solidFill>
+                  <a:schemeClr val="bg1"/>
+                </a:solidFill>
+              </a:rPr>
+              <a:t>tree 2 </a:t>
+            </a:r>
+            <a:r>
+              <a:rPr lang="zh-CN" altLang="en-US" dirty="0" smtClean="0">
+                <a:solidFill>
+                  <a:schemeClr val="bg1"/>
+                </a:solidFill>
+              </a:rPr>
+              <a:t>显示前</a:t>
+            </a:r>
+            <a:r>
+              <a:rPr lang="en-US" altLang="zh-CN" dirty="0" smtClean="0">
+                <a:solidFill>
+                  <a:schemeClr val="bg1"/>
+                </a:solidFill>
+              </a:rPr>
+              <a:t>2</a:t>
+            </a:r>
+            <a:r>
+              <a:rPr lang="zh-CN" altLang="en-US" smtClean="0">
+                <a:solidFill>
+                  <a:schemeClr val="bg1"/>
+                </a:solidFill>
+              </a:rPr>
+              <a:t>个</a:t>
+            </a:r>
+            <a:endParaRPr lang="zh-CN" altLang="en-US" dirty="0">
+              <a:solidFill>
+                <a:schemeClr val="bg1"/>
+              </a:solidFill>
+            </a:endParaRPr>
+          </a:p>
+          <a:p>
+            <a:pPr algn="l"/>
+            <a:endParaRPr lang="zh-CN" altLang="en-US" dirty="0">
+              <a:solidFill>
+                <a:schemeClr val="bg1"/>
+              </a:solidFill>
+            </a:endParaRPr>
+          </a:p>
+          <a:p>
+            <a:pPr algn="l"/>
+            <a:r>
+              <a:rPr lang="en-US" altLang="zh-CN" dirty="0">
+                <a:solidFill>
+                  <a:schemeClr val="bg1"/>
+                </a:solidFill>
+              </a:rPr>
+              <a:t>- </a:t>
+            </a:r>
+            <a:r>
+              <a:rPr lang="en-US" altLang="zh-CN" dirty="0" err="1">
+                <a:solidFill>
+                  <a:schemeClr val="bg1"/>
+                </a:solidFill>
+              </a:rPr>
+              <a:t>png</a:t>
+            </a:r>
+            <a:r>
+              <a:rPr lang="en-US" altLang="zh-CN" dirty="0">
+                <a:solidFill>
+                  <a:schemeClr val="bg1"/>
+                </a:solidFill>
+              </a:rPr>
+              <a:t>-blog </a:t>
+            </a:r>
+            <a:r>
+              <a:rPr lang="zh-CN" altLang="en-US" dirty="0" smtClean="0">
+                <a:solidFill>
+                  <a:schemeClr val="bg1"/>
+                </a:solidFill>
+              </a:rPr>
+              <a:t>以</a:t>
+            </a:r>
+            <a:r>
+              <a:rPr lang="zh-CN" altLang="en-US" dirty="0">
+                <a:solidFill>
+                  <a:schemeClr val="bg1"/>
+                </a:solidFill>
+              </a:rPr>
+              <a:t>图片格式输出</a:t>
+            </a:r>
+          </a:p>
+          <a:p>
+            <a:pPr algn="l"/>
+            <a:endParaRPr lang="zh-CN" altLang="en-US" dirty="0">
+              <a:solidFill>
+                <a:schemeClr val="bg1"/>
+              </a:solidFill>
+            </a:endParaRPr>
+          </a:p>
+          <a:p>
+            <a:pPr algn="l"/>
+            <a:r>
+              <a:rPr lang="en-US" altLang="zh-CN" dirty="0">
+                <a:solidFill>
+                  <a:schemeClr val="bg1"/>
+                </a:solidFill>
+              </a:rPr>
+              <a:t>- </a:t>
+            </a:r>
+            <a:r>
+              <a:rPr lang="en-US" altLang="zh-CN" dirty="0" err="1">
+                <a:solidFill>
+                  <a:schemeClr val="bg1"/>
+                </a:solidFill>
+              </a:rPr>
+              <a:t>svg</a:t>
+            </a:r>
+            <a:r>
+              <a:rPr lang="en-US" altLang="zh-CN" dirty="0">
+                <a:solidFill>
+                  <a:schemeClr val="bg1"/>
+                </a:solidFill>
+              </a:rPr>
+              <a:t> </a:t>
+            </a:r>
+            <a:r>
+              <a:rPr lang="zh-CN" altLang="en-US" dirty="0" smtClean="0">
+                <a:solidFill>
+                  <a:schemeClr val="bg1"/>
+                </a:solidFill>
+              </a:rPr>
+              <a:t>生成</a:t>
+            </a:r>
+            <a:r>
+              <a:rPr lang="zh-CN" altLang="en-US" dirty="0">
+                <a:solidFill>
+                  <a:schemeClr val="bg1"/>
+                </a:solidFill>
+              </a:rPr>
+              <a:t>浏览器可以识别的</a:t>
+            </a:r>
+            <a:r>
+              <a:rPr lang="en-US" altLang="zh-CN" dirty="0" err="1">
+                <a:solidFill>
+                  <a:schemeClr val="bg1"/>
+                </a:solidFill>
+              </a:rPr>
+              <a:t>svg</a:t>
+            </a:r>
+            <a:r>
+              <a:rPr lang="zh-CN" altLang="en-US" dirty="0">
+                <a:solidFill>
+                  <a:schemeClr val="bg1"/>
+                </a:solidFill>
+              </a:rPr>
+              <a:t>文件</a:t>
+            </a:r>
+          </a:p>
+          <a:p>
+            <a:pPr algn="l"/>
+            <a:endParaRPr lang="zh-CN" altLang="en-US" dirty="0">
+              <a:solidFill>
+                <a:schemeClr val="bg1"/>
+              </a:solidFill>
+            </a:endParaRPr>
+          </a:p>
+          <a:p>
+            <a:pPr algn="l"/>
+            <a:r>
+              <a:rPr lang="en-US" altLang="zh-CN" dirty="0">
+                <a:solidFill>
+                  <a:schemeClr val="bg1"/>
+                </a:solidFill>
+              </a:rPr>
+              <a:t>- traces </a:t>
+            </a:r>
+            <a:r>
+              <a:rPr lang="zh-CN" altLang="en-US" dirty="0">
+                <a:solidFill>
+                  <a:schemeClr val="bg1"/>
+                </a:solidFill>
+              </a:rPr>
+              <a:t>打印所有调用栈</a:t>
+            </a:r>
+            <a:r>
+              <a:rPr lang="zh-CN" altLang="en-US" dirty="0" smtClean="0">
+                <a:solidFill>
+                  <a:schemeClr val="bg1"/>
+                </a:solidFill>
+              </a:rPr>
+              <a:t>信息</a:t>
+            </a:r>
+            <a:endParaRPr lang="zh-CN" altLang="en-US" dirty="0">
+              <a:solidFill>
+                <a:schemeClr val="bg1"/>
+              </a:solidFill>
+            </a:endParaRPr>
+          </a:p>
+        </p:txBody>
+      </p:sp>
+    </p:spTree>
+    <p:extLst>
+      <p:ext uri="{BB962C8B-B14F-4D97-AF65-F5344CB8AC3E}">
+        <p14:creationId xmlns:p14="http://schemas.microsoft.com/office/powerpoint/2010/main" val="3820891886"/>
+      </p:ext>
+    </p:extLst>
+  </p:cSld>
+  <p:clrMapOvr>
+    <a:masterClrMapping/>
+  </p:clrMapOvr>
+  <p:transition spd="med"/>
+  <p:timing>
+    <p:tnLst>
+      <p:par>
+        <p:cTn id="1" dur="indefinite" restart="never" nodeType="tmRoot"/>
+      </p:par>
+    </p:tnLst>
+  </p:timing>
+</p:sld>
+</file>
+
+<file path=ppt/slides/slide24.xml><?xml version="1.0" encoding="utf-8"?>
+<p:sld xmlns:a="http://schemas.openxmlformats.org/drawingml/2006/main" xmlns:r="http://schemas.openxmlformats.org/officeDocument/2006/relationships" xmlns:p="http://schemas.openxmlformats.org/presentationml/2006/main">
+  <p:cSld>
+    <p:spTree>
+      <p:nvGrpSpPr>
+        <p:cNvPr id="1" name=""/>
+        <p:cNvGrpSpPr/>
+        <p:nvPr/>
+      </p:nvGrpSpPr>
+      <p:grpSpPr>
+        <a:xfrm>
+          <a:off x="0" y="0"/>
+          <a:ext cx="0" cy="0"/>
+          <a:chOff x="0" y="0"/>
+          <a:chExt cx="0" cy="0"/>
+        </a:xfrm>
+      </p:grpSpPr>
+      <p:sp>
+        <p:nvSpPr>
+          <p:cNvPr id="6" name="标题 5"/>
+          <p:cNvSpPr>
+            <a:spLocks noGrp="1"/>
+          </p:cNvSpPr>
+          <p:nvPr>
+            <p:ph type="title"/>
+          </p:nvPr>
+        </p:nvSpPr>
+        <p:spPr/>
+        <p:txBody>
+          <a:bodyPr>
+            <a:noAutofit/>
+          </a:bodyPr>
+          <a:lstStyle/>
+          <a:p>
+            <a:r>
+              <a:rPr kumimoji="1" lang="en-US" altLang="zh-CN" dirty="0" smtClean="0"/>
+              <a:t>1.4 </a:t>
+            </a:r>
+            <a:r>
+              <a:rPr kumimoji="1" lang="zh-CN" altLang="en-US" dirty="0" smtClean="0"/>
+              <a:t>通过</a:t>
+            </a:r>
+            <a:r>
+              <a:rPr kumimoji="1" lang="zh-CN" altLang="en-US" dirty="0"/>
+              <a:t>交互式终端使用</a:t>
+            </a:r>
+            <a:r>
+              <a:rPr kumimoji="1" lang="en-US" altLang="zh-CN" dirty="0" err="1"/>
+              <a:t>PProf</a:t>
+            </a:r>
+            <a:r>
+              <a:rPr kumimoji="1" lang="zh-CN" altLang="en-US" dirty="0"/>
+              <a:t/>
+            </a:r>
+            <a:br>
+              <a:rPr kumimoji="1" lang="zh-CN" altLang="en-US" dirty="0"/>
+            </a:br>
+            <a:r>
+              <a:rPr kumimoji="1" lang="zh-CN" altLang="en-US" dirty="0"/>
+              <a:t/>
+            </a:r>
+            <a:br>
+              <a:rPr kumimoji="1" lang="zh-CN" altLang="en-US" dirty="0"/>
+            </a:br>
+            <a:endParaRPr kumimoji="1" lang="en-US" altLang="zh-CN" dirty="0"/>
+          </a:p>
+        </p:txBody>
+      </p:sp>
+      <p:sp>
+        <p:nvSpPr>
+          <p:cNvPr id="4" name="文本框 3"/>
+          <p:cNvSpPr txBox="1"/>
+          <p:nvPr/>
+        </p:nvSpPr>
+        <p:spPr>
+          <a:xfrm>
+            <a:off x="2462400" y="3764263"/>
+            <a:ext cx="19458000" cy="974626"/>
+          </a:xfrm>
+          <a:prstGeom prst="rect">
+            <a:avLst/>
+          </a:prstGeom>
+          <a:noFill/>
+          <a:ln w="12700" cap="flat">
+            <a:noFill/>
+            <a:miter lim="400000"/>
+          </a:ln>
+        </p:spPr>
+        <p:style>
+          <a:lnRef idx="0">
+            <a:scrgbClr r="0" g="0" b="0"/>
+          </a:lnRef>
+          <a:fillRef idx="0">
+            <a:scrgbClr r="0" g="0" b="0"/>
+          </a:fillRef>
+          <a:effectRef idx="0">
+            <a:scrgbClr r="0" g="0" b="0"/>
+          </a:effectRef>
+          <a:fontRef idx="none"/>
+        </p:style>
+        <p:txBody>
+          <a:bodyPr rot="0" spcFirstLastPara="1" vertOverflow="overflow" horzOverflow="overflow" vert="horz" wrap="square" lIns="50800" tIns="50800" rIns="50800" bIns="50800" numCol="1" spcCol="38100" rtlCol="0" anchor="ctr">
+            <a:spAutoFit/>
+          </a:bodyPr>
+          <a:lstStyle/>
+          <a:p>
+            <a:pPr marL="571500" indent="-571500" algn="l">
+              <a:spcBef>
+                <a:spcPts val="1000"/>
+              </a:spcBef>
+              <a:spcAft>
+                <a:spcPts val="1000"/>
+              </a:spcAft>
+              <a:buSzPct val="125000"/>
+              <a:buFont typeface="Arial" panose="020B0604020202090204" pitchFamily="34" charset="0"/>
+              <a:buChar char="•"/>
+            </a:pPr>
+            <a:r>
+              <a:rPr kumimoji="1" lang="zh-CN" altLang="en-US" sz="4000" b="0" dirty="0" smtClean="0">
+                <a:solidFill>
+                  <a:srgbClr val="FFFFFF"/>
+                </a:solidFill>
+                <a:latin typeface="Helvetica" pitchFamily="2" charset="0"/>
+                <a:ea typeface="Alibaba PuHuiTi R" panose="00020600040101010101" pitchFamily="18" charset="-122"/>
+                <a:cs typeface="Alibaba PuHuiTi R" panose="00020600040101010101" pitchFamily="18" charset="-122"/>
+              </a:rPr>
+              <a:t>注意</a:t>
+            </a:r>
+            <a:endParaRPr kumimoji="1" lang="zh-CN" altLang="en-US" sz="4000" b="0" dirty="0">
+              <a:solidFill>
+                <a:srgbClr val="FFFFFF"/>
+              </a:solidFill>
+              <a:latin typeface="Helvetica" pitchFamily="2" charset="0"/>
+              <a:ea typeface="Alibaba PuHuiTi R" panose="00020600040101010101" pitchFamily="18" charset="-122"/>
+              <a:cs typeface="Alibaba PuHuiTi R" panose="00020600040101010101" pitchFamily="18" charset="-122"/>
+            </a:endParaRPr>
+          </a:p>
+        </p:txBody>
+      </p:sp>
+      <p:sp>
+        <p:nvSpPr>
+          <p:cNvPr id="5" name="矩形 4"/>
+          <p:cNvSpPr/>
+          <p:nvPr/>
+        </p:nvSpPr>
+        <p:spPr>
+          <a:xfrm>
+            <a:off x="2987040" y="4738889"/>
+            <a:ext cx="14595566" cy="1015663"/>
+          </a:xfrm>
+          <a:prstGeom prst="rect">
+            <a:avLst/>
+          </a:prstGeom>
+        </p:spPr>
+        <p:txBody>
+          <a:bodyPr wrap="square">
+            <a:spAutoFit/>
+          </a:bodyPr>
+          <a:lstStyle/>
+          <a:p>
+            <a:pPr algn="l"/>
+            <a:r>
+              <a:rPr lang="en-US" altLang="zh-CN" dirty="0" err="1">
+                <a:solidFill>
+                  <a:schemeClr val="bg1"/>
+                </a:solidFill>
+              </a:rPr>
+              <a:t>PProf</a:t>
+            </a:r>
+            <a:r>
+              <a:rPr lang="zh-CN" altLang="en-US" dirty="0">
+                <a:solidFill>
+                  <a:schemeClr val="bg1"/>
+                </a:solidFill>
+              </a:rPr>
+              <a:t>中的所有功能都会根据 </a:t>
+            </a:r>
+            <a:r>
+              <a:rPr lang="en-US" altLang="zh-CN" dirty="0">
+                <a:solidFill>
+                  <a:schemeClr val="bg1"/>
+                </a:solidFill>
+              </a:rPr>
+              <a:t>Profile</a:t>
+            </a:r>
+            <a:r>
+              <a:rPr lang="zh-CN" altLang="en-US" dirty="0">
+                <a:solidFill>
+                  <a:schemeClr val="bg1"/>
+                </a:solidFill>
+              </a:rPr>
+              <a:t>的不同类型展示不同的对应</a:t>
+            </a:r>
+            <a:r>
+              <a:rPr lang="zh-CN" altLang="en-US" dirty="0" smtClean="0">
+                <a:solidFill>
+                  <a:schemeClr val="bg1"/>
+                </a:solidFill>
+              </a:rPr>
+              <a:t>结果。</a:t>
+            </a:r>
+            <a:endParaRPr lang="en-US" altLang="zh-CN" dirty="0" smtClean="0">
+              <a:solidFill>
+                <a:schemeClr val="bg1"/>
+              </a:solidFill>
+            </a:endParaRPr>
+          </a:p>
+          <a:p>
+            <a:pPr algn="l"/>
+            <a:r>
+              <a:rPr lang="zh-CN" altLang="en-US" dirty="0" smtClean="0">
+                <a:solidFill>
+                  <a:schemeClr val="bg1"/>
+                </a:solidFill>
+              </a:rPr>
+              <a:t>本节课是以</a:t>
+            </a:r>
+            <a:r>
+              <a:rPr lang="en-US" altLang="zh-CN" dirty="0" smtClean="0">
+                <a:solidFill>
+                  <a:schemeClr val="bg1"/>
+                </a:solidFill>
+              </a:rPr>
+              <a:t>CPU Profiling</a:t>
+            </a:r>
+            <a:r>
+              <a:rPr lang="zh-CN" altLang="en-US" dirty="0" smtClean="0">
+                <a:solidFill>
+                  <a:schemeClr val="bg1"/>
+                </a:solidFill>
+              </a:rPr>
+              <a:t>为例子，后面各个例子都会在以后的课程中说明。</a:t>
+            </a:r>
+            <a:endParaRPr lang="zh-CN" altLang="en-US" dirty="0">
+              <a:solidFill>
+                <a:schemeClr val="bg1"/>
+              </a:solidFill>
+            </a:endParaRPr>
+          </a:p>
+        </p:txBody>
+      </p:sp>
+    </p:spTree>
+    <p:extLst>
+      <p:ext uri="{BB962C8B-B14F-4D97-AF65-F5344CB8AC3E}">
+        <p14:creationId xmlns:p14="http://schemas.microsoft.com/office/powerpoint/2010/main" val="3919684258"/>
+      </p:ext>
+    </p:extLst>
+  </p:cSld>
+  <p:clrMapOvr>
+    <a:masterClrMapping/>
+  </p:clrMapOvr>
+  <p:transition spd="med"/>
+  <p:timing>
+    <p:tnLst>
+      <p:par>
+        <p:cTn id="1" dur="indefinite" restart="never" nodeType="tmRoot"/>
+      </p:par>
+    </p:tnLst>
+  </p:timing>
+</p:sld>
+</file>
+
+<file path=ppt/slides/slide25.xml><?xml version="1.0" encoding="utf-8"?>
+<p:sld xmlns:a="http://schemas.openxmlformats.org/drawingml/2006/main" xmlns:r="http://schemas.openxmlformats.org/officeDocument/2006/relationships" xmlns:p="http://schemas.openxmlformats.org/presentationml/2006/main">
+  <p:cSld>
+    <p:spTree>
+      <p:nvGrpSpPr>
+        <p:cNvPr id="1" name=""/>
+        <p:cNvGrpSpPr/>
+        <p:nvPr/>
+      </p:nvGrpSpPr>
+      <p:grpSpPr>
+        <a:xfrm>
+          <a:off x="0" y="0"/>
+          <a:ext cx="0" cy="0"/>
+          <a:chOff x="0" y="0"/>
+          <a:chExt cx="0" cy="0"/>
+        </a:xfrm>
+      </p:grpSpPr>
+      <p:sp>
+        <p:nvSpPr>
+          <p:cNvPr id="2" name="文本占位符 1"/>
+          <p:cNvSpPr>
+            <a:spLocks noGrp="1"/>
+          </p:cNvSpPr>
+          <p:nvPr>
+            <p:ph type="body" sz="quarter" idx="13"/>
+          </p:nvPr>
+        </p:nvSpPr>
+        <p:spPr>
+          <a:xfrm>
+            <a:off x="2444750" y="7675880"/>
+            <a:ext cx="5928995" cy="1163320"/>
+          </a:xfrm>
+        </p:spPr>
+        <p:txBody>
+          <a:bodyPr wrap="square"/>
+          <a:lstStyle/>
+          <a:p>
+            <a:r>
+              <a:rPr kumimoji="1" lang="zh-CN" altLang="en-US" dirty="0"/>
+              <a:t>闯哥</a:t>
+            </a:r>
+            <a:endParaRPr kumimoji="1" lang="zh-CN" altLang="en-US" dirty="0"/>
+          </a:p>
+        </p:txBody>
+      </p:sp>
+      <p:sp>
+        <p:nvSpPr>
+          <p:cNvPr id="4" name="文本占位符 3"/>
+          <p:cNvSpPr>
+            <a:spLocks noGrp="1"/>
+          </p:cNvSpPr>
+          <p:nvPr>
+            <p:ph type="body" sz="quarter" idx="15"/>
+          </p:nvPr>
+        </p:nvSpPr>
+        <p:spPr>
+          <a:xfrm>
+            <a:off x="2444750" y="4987012"/>
+            <a:ext cx="19143345" cy="1210588"/>
+          </a:xfrm>
+        </p:spPr>
+        <p:txBody>
+          <a:bodyPr wrap="square"/>
+          <a:lstStyle/>
+          <a:p>
+            <a:r>
+              <a:rPr kumimoji="1" lang="en-US" altLang="zh-CN" dirty="0" smtClean="0"/>
+              <a:t>1.5 </a:t>
+            </a:r>
+            <a:r>
+              <a:rPr kumimoji="1" lang="zh-CN" altLang="en-US" dirty="0" smtClean="0"/>
+              <a:t>通过</a:t>
+            </a:r>
+            <a:r>
+              <a:rPr kumimoji="1" lang="zh-CN" altLang="en-US" dirty="0"/>
+              <a:t>可视化界面使用</a:t>
+            </a:r>
+            <a:r>
+              <a:rPr kumimoji="1" lang="en-US" altLang="zh-CN" dirty="0" err="1"/>
+              <a:t>PProf</a:t>
+            </a:r>
+            <a:endParaRPr kumimoji="1" lang="en-US" altLang="zh-CN" dirty="0"/>
+          </a:p>
+        </p:txBody>
+      </p:sp>
+    </p:spTree>
+    <p:extLst>
+      <p:ext uri="{BB962C8B-B14F-4D97-AF65-F5344CB8AC3E}">
+        <p14:creationId xmlns:p14="http://schemas.microsoft.com/office/powerpoint/2010/main" val="3659115481"/>
+      </p:ext>
+    </p:extLst>
+  </p:cSld>
+  <p:clrMapOvr>
+    <a:masterClrMapping/>
+  </p:clrMapOvr>
+  <p:transition spd="med"/>
+</p:sld>
+</file>
+
+<file path=ppt/slides/slide26.xml><?xml version="1.0" encoding="utf-8"?>
+<p:sld xmlns:a="http://schemas.openxmlformats.org/drawingml/2006/main" xmlns:r="http://schemas.openxmlformats.org/officeDocument/2006/relationships" xmlns:p="http://schemas.openxmlformats.org/presentationml/2006/main">
+  <p:cSld>
+    <p:spTree>
+      <p:nvGrpSpPr>
+        <p:cNvPr id="1" name=""/>
+        <p:cNvGrpSpPr/>
+        <p:nvPr/>
+      </p:nvGrpSpPr>
+      <p:grpSpPr>
+        <a:xfrm>
+          <a:off x="0" y="0"/>
+          <a:ext cx="0" cy="0"/>
+          <a:chOff x="0" y="0"/>
+          <a:chExt cx="0" cy="0"/>
+        </a:xfrm>
+      </p:grpSpPr>
+      <p:sp>
+        <p:nvSpPr>
+          <p:cNvPr id="2" name="文本占位符 1"/>
+          <p:cNvSpPr>
+            <a:spLocks noGrp="1"/>
+          </p:cNvSpPr>
+          <p:nvPr>
+            <p:ph type="body" sz="quarter" idx="13"/>
+          </p:nvPr>
+        </p:nvSpPr>
+        <p:spPr>
+          <a:xfrm>
+            <a:off x="2444750" y="7675880"/>
+            <a:ext cx="5928995" cy="1163320"/>
+          </a:xfrm>
+        </p:spPr>
+        <p:txBody>
+          <a:bodyPr wrap="square"/>
+          <a:lstStyle/>
+          <a:p>
+            <a:r>
+              <a:rPr kumimoji="1" lang="zh-CN" altLang="en-US" dirty="0"/>
+              <a:t>闯哥</a:t>
+            </a:r>
+            <a:endParaRPr kumimoji="1" lang="zh-CN" altLang="en-US" dirty="0"/>
+          </a:p>
+        </p:txBody>
+      </p:sp>
+      <p:sp>
+        <p:nvSpPr>
+          <p:cNvPr id="4" name="文本占位符 3"/>
+          <p:cNvSpPr>
+            <a:spLocks noGrp="1"/>
+          </p:cNvSpPr>
+          <p:nvPr>
+            <p:ph type="body" sz="quarter" idx="15"/>
+          </p:nvPr>
+        </p:nvSpPr>
+        <p:spPr>
+          <a:xfrm>
+            <a:off x="2444750" y="4987012"/>
+            <a:ext cx="19143345" cy="1210588"/>
+          </a:xfrm>
+        </p:spPr>
+        <p:txBody>
+          <a:bodyPr wrap="square"/>
+          <a:lstStyle/>
+          <a:p>
+            <a:r>
+              <a:rPr kumimoji="1" lang="en-US" altLang="zh-CN" dirty="0" smtClean="0"/>
+              <a:t>1.6 </a:t>
+            </a:r>
+            <a:r>
+              <a:rPr kumimoji="1" lang="zh-CN" altLang="en-US" dirty="0" smtClean="0"/>
+              <a:t>排</a:t>
+            </a:r>
+            <a:r>
+              <a:rPr kumimoji="1" lang="zh-CN" altLang="en-US" dirty="0"/>
+              <a:t>查</a:t>
+            </a:r>
+            <a:r>
+              <a:rPr kumimoji="1" lang="en-US" altLang="zh-CN" dirty="0"/>
+              <a:t>CPU</a:t>
+            </a:r>
+            <a:r>
+              <a:rPr kumimoji="1" lang="zh-CN" altLang="en-US" dirty="0"/>
+              <a:t>占用过高问题</a:t>
+            </a:r>
+            <a:endParaRPr kumimoji="1" lang="en-US" altLang="zh-CN" dirty="0"/>
+          </a:p>
+        </p:txBody>
+      </p:sp>
+    </p:spTree>
+    <p:extLst>
+      <p:ext uri="{BB962C8B-B14F-4D97-AF65-F5344CB8AC3E}">
+        <p14:creationId xmlns:p14="http://schemas.microsoft.com/office/powerpoint/2010/main" val="3792852892"/>
+      </p:ext>
+    </p:extLst>
+  </p:cSld>
+  <p:clrMapOvr>
+    <a:masterClrMapping/>
+  </p:clrMapOvr>
+  <p:transition spd="med"/>
+</p:sld>
+</file>
+
+<file path=ppt/slides/slide27.xml><?xml version="1.0" encoding="utf-8"?>
+<p:sld xmlns:a="http://schemas.openxmlformats.org/drawingml/2006/main" xmlns:r="http://schemas.openxmlformats.org/officeDocument/2006/relationships" xmlns:p="http://schemas.openxmlformats.org/presentationml/2006/main">
+  <p:cSld>
+    <p:spTree>
+      <p:nvGrpSpPr>
+        <p:cNvPr id="1" name=""/>
+        <p:cNvGrpSpPr/>
+        <p:nvPr/>
+      </p:nvGrpSpPr>
+      <p:grpSpPr>
+        <a:xfrm>
+          <a:off x="0" y="0"/>
+          <a:ext cx="0" cy="0"/>
+          <a:chOff x="0" y="0"/>
+          <a:chExt cx="0" cy="0"/>
+        </a:xfrm>
+      </p:grpSpPr>
+      <p:sp>
+        <p:nvSpPr>
+          <p:cNvPr id="2" name="文本占位符 1"/>
+          <p:cNvSpPr>
+            <a:spLocks noGrp="1"/>
+          </p:cNvSpPr>
+          <p:nvPr>
+            <p:ph type="body" sz="quarter" idx="13"/>
+          </p:nvPr>
+        </p:nvSpPr>
+        <p:spPr>
+          <a:xfrm>
+            <a:off x="2444750" y="7675880"/>
+            <a:ext cx="5928995" cy="1163320"/>
+          </a:xfrm>
+        </p:spPr>
+        <p:txBody>
+          <a:bodyPr wrap="square"/>
+          <a:lstStyle/>
+          <a:p>
+            <a:r>
+              <a:rPr kumimoji="1" lang="zh-CN" altLang="en-US" dirty="0"/>
+              <a:t>闯哥</a:t>
+            </a:r>
+            <a:endParaRPr kumimoji="1" lang="zh-CN" altLang="en-US" dirty="0"/>
+          </a:p>
+        </p:txBody>
+      </p:sp>
+      <p:sp>
+        <p:nvSpPr>
+          <p:cNvPr id="4" name="文本占位符 3"/>
+          <p:cNvSpPr>
+            <a:spLocks noGrp="1"/>
+          </p:cNvSpPr>
+          <p:nvPr>
+            <p:ph type="body" sz="quarter" idx="15"/>
+          </p:nvPr>
+        </p:nvSpPr>
+        <p:spPr>
+          <a:xfrm>
+            <a:off x="2444750" y="4987012"/>
+            <a:ext cx="19143345" cy="1210588"/>
+          </a:xfrm>
+        </p:spPr>
+        <p:txBody>
+          <a:bodyPr wrap="square"/>
+          <a:lstStyle/>
+          <a:p>
+            <a:r>
+              <a:rPr kumimoji="1" lang="en-US" altLang="zh-CN" dirty="0" smtClean="0"/>
+              <a:t>1.7 </a:t>
+            </a:r>
+            <a:r>
+              <a:rPr kumimoji="1" lang="zh-CN" altLang="en-US" dirty="0" smtClean="0"/>
+              <a:t>排</a:t>
+            </a:r>
+            <a:r>
+              <a:rPr kumimoji="1" lang="zh-CN" altLang="en-US" dirty="0"/>
+              <a:t>查内存占用过高问题</a:t>
+            </a:r>
+            <a:endParaRPr kumimoji="1" lang="en-US" altLang="zh-CN" dirty="0"/>
+          </a:p>
+        </p:txBody>
+      </p:sp>
+    </p:spTree>
+    <p:extLst>
+      <p:ext uri="{BB962C8B-B14F-4D97-AF65-F5344CB8AC3E}">
+        <p14:creationId xmlns:p14="http://schemas.microsoft.com/office/powerpoint/2010/main" val="3100962517"/>
+      </p:ext>
+    </p:extLst>
+  </p:cSld>
+  <p:clrMapOvr>
+    <a:masterClrMapping/>
+  </p:clrMapOvr>
+  <p:transition spd="med"/>
+</p:sld>
+</file>
+
+<file path=ppt/slides/slide28.xml><?xml version="1.0" encoding="utf-8"?>
+<p:sld xmlns:a="http://schemas.openxmlformats.org/drawingml/2006/main" xmlns:r="http://schemas.openxmlformats.org/officeDocument/2006/relationships" xmlns:p="http://schemas.openxmlformats.org/presentationml/2006/main">
+  <p:cSld>
+    <p:spTree>
+      <p:nvGrpSpPr>
+        <p:cNvPr id="1" name=""/>
+        <p:cNvGrpSpPr/>
+        <p:nvPr/>
+      </p:nvGrpSpPr>
+      <p:grpSpPr>
+        <a:xfrm>
+          <a:off x="0" y="0"/>
+          <a:ext cx="0" cy="0"/>
+          <a:chOff x="0" y="0"/>
+          <a:chExt cx="0" cy="0"/>
+        </a:xfrm>
+      </p:grpSpPr>
+      <p:sp>
+        <p:nvSpPr>
+          <p:cNvPr id="2" name="文本占位符 1"/>
+          <p:cNvSpPr>
+            <a:spLocks noGrp="1"/>
+          </p:cNvSpPr>
+          <p:nvPr>
+            <p:ph type="body" sz="quarter" idx="13"/>
+          </p:nvPr>
+        </p:nvSpPr>
+        <p:spPr>
+          <a:xfrm>
+            <a:off x="2444750" y="7675880"/>
+            <a:ext cx="5928995" cy="1163320"/>
+          </a:xfrm>
+        </p:spPr>
+        <p:txBody>
+          <a:bodyPr wrap="square"/>
+          <a:lstStyle/>
+          <a:p>
+            <a:r>
+              <a:rPr kumimoji="1" lang="zh-CN" altLang="en-US" dirty="0"/>
+              <a:t>闯哥</a:t>
+            </a:r>
+            <a:endParaRPr kumimoji="1" lang="zh-CN" altLang="en-US" dirty="0"/>
+          </a:p>
+        </p:txBody>
+      </p:sp>
+      <p:sp>
+        <p:nvSpPr>
+          <p:cNvPr id="4" name="文本占位符 3"/>
+          <p:cNvSpPr>
+            <a:spLocks noGrp="1"/>
+          </p:cNvSpPr>
+          <p:nvPr>
+            <p:ph type="body" sz="quarter" idx="15"/>
+          </p:nvPr>
+        </p:nvSpPr>
+        <p:spPr>
+          <a:xfrm>
+            <a:off x="2444750" y="4987012"/>
+            <a:ext cx="19143345" cy="1210588"/>
+          </a:xfrm>
+        </p:spPr>
+        <p:txBody>
+          <a:bodyPr wrap="square"/>
+          <a:lstStyle/>
+          <a:p>
+            <a:r>
+              <a:rPr kumimoji="1" lang="en-US" altLang="zh-CN" dirty="0" smtClean="0"/>
+              <a:t>1.8 </a:t>
+            </a:r>
+            <a:r>
+              <a:rPr kumimoji="1" lang="zh-CN" altLang="en-US" dirty="0" smtClean="0"/>
+              <a:t>排</a:t>
+            </a:r>
+            <a:r>
+              <a:rPr kumimoji="1" lang="zh-CN" altLang="en-US" dirty="0"/>
+              <a:t>查频繁</a:t>
+            </a:r>
+            <a:r>
+              <a:rPr kumimoji="1" lang="en-US" altLang="zh-CN" dirty="0"/>
+              <a:t>GC</a:t>
+            </a:r>
+            <a:r>
+              <a:rPr kumimoji="1" lang="zh-CN" altLang="en-US" dirty="0"/>
+              <a:t>问题</a:t>
+            </a:r>
+            <a:endParaRPr kumimoji="1" lang="en-US" altLang="zh-CN" dirty="0"/>
+          </a:p>
+        </p:txBody>
+      </p:sp>
+    </p:spTree>
+    <p:extLst>
+      <p:ext uri="{BB962C8B-B14F-4D97-AF65-F5344CB8AC3E}">
+        <p14:creationId xmlns:p14="http://schemas.microsoft.com/office/powerpoint/2010/main" val="592426751"/>
+      </p:ext>
+    </p:extLst>
+  </p:cSld>
+  <p:clrMapOvr>
+    <a:masterClrMapping/>
+  </p:clrMapOvr>
+  <p:transition spd="med"/>
+</p:sld>
+</file>
+
+<file path=ppt/slides/slide29.xml><?xml version="1.0" encoding="utf-8"?>
+<p:sld xmlns:a="http://schemas.openxmlformats.org/drawingml/2006/main" xmlns:r="http://schemas.openxmlformats.org/officeDocument/2006/relationships" xmlns:p="http://schemas.openxmlformats.org/presentationml/2006/main">
+  <p:cSld>
+    <p:spTree>
+      <p:nvGrpSpPr>
+        <p:cNvPr id="1" name=""/>
+        <p:cNvGrpSpPr/>
+        <p:nvPr/>
+      </p:nvGrpSpPr>
+      <p:grpSpPr>
+        <a:xfrm>
+          <a:off x="0" y="0"/>
+          <a:ext cx="0" cy="0"/>
+          <a:chOff x="0" y="0"/>
+          <a:chExt cx="0" cy="0"/>
+        </a:xfrm>
+      </p:grpSpPr>
+      <p:sp>
+        <p:nvSpPr>
+          <p:cNvPr id="2" name="文本占位符 1"/>
+          <p:cNvSpPr>
+            <a:spLocks noGrp="1"/>
+          </p:cNvSpPr>
+          <p:nvPr>
+            <p:ph type="body" sz="quarter" idx="13"/>
+          </p:nvPr>
+        </p:nvSpPr>
+        <p:spPr>
+          <a:xfrm>
+            <a:off x="2444750" y="7675880"/>
+            <a:ext cx="5928995" cy="1163320"/>
+          </a:xfrm>
+        </p:spPr>
+        <p:txBody>
+          <a:bodyPr wrap="square"/>
+          <a:lstStyle/>
+          <a:p>
+            <a:r>
+              <a:rPr kumimoji="1" lang="zh-CN" altLang="en-US" dirty="0"/>
+              <a:t>闯哥</a:t>
+            </a:r>
+            <a:endParaRPr kumimoji="1" lang="zh-CN" altLang="en-US" dirty="0"/>
+          </a:p>
+        </p:txBody>
+      </p:sp>
+      <p:sp>
+        <p:nvSpPr>
+          <p:cNvPr id="4" name="文本占位符 3"/>
+          <p:cNvSpPr>
+            <a:spLocks noGrp="1"/>
+          </p:cNvSpPr>
+          <p:nvPr>
+            <p:ph type="body" sz="quarter" idx="15"/>
+          </p:nvPr>
+        </p:nvSpPr>
+        <p:spPr>
+          <a:xfrm>
+            <a:off x="2444750" y="4987012"/>
+            <a:ext cx="19143345" cy="1210588"/>
+          </a:xfrm>
+        </p:spPr>
+        <p:txBody>
+          <a:bodyPr wrap="square"/>
+          <a:lstStyle/>
+          <a:p>
+            <a:r>
+              <a:rPr kumimoji="1" lang="en-US" altLang="zh-CN" dirty="0" smtClean="0"/>
+              <a:t>1.9 </a:t>
+            </a:r>
+            <a:r>
+              <a:rPr kumimoji="1" lang="zh-CN" altLang="en-US" dirty="0" smtClean="0"/>
+              <a:t>排</a:t>
+            </a:r>
+            <a:r>
+              <a:rPr kumimoji="1" lang="zh-CN" altLang="en-US" dirty="0"/>
+              <a:t>查协程泄漏问题</a:t>
+            </a:r>
+            <a:endParaRPr kumimoji="1" lang="en-US" altLang="zh-CN" dirty="0"/>
+          </a:p>
+        </p:txBody>
+      </p:sp>
+    </p:spTree>
+    <p:extLst>
+      <p:ext uri="{BB962C8B-B14F-4D97-AF65-F5344CB8AC3E}">
+        <p14:creationId xmlns:p14="http://schemas.microsoft.com/office/powerpoint/2010/main" val="2362445396"/>
       </p:ext>
     </p:extLst>
   </p:cSld>
@@ -3471,6 +9894,504 @@
 </p:sld>
 </file>
 
+<file path=ppt/slides/slide30.xml><?xml version="1.0" encoding="utf-8"?>
+<p:sld xmlns:a="http://schemas.openxmlformats.org/drawingml/2006/main" xmlns:r="http://schemas.openxmlformats.org/officeDocument/2006/relationships" xmlns:p="http://schemas.openxmlformats.org/presentationml/2006/main">
+  <p:cSld>
+    <p:spTree>
+      <p:nvGrpSpPr>
+        <p:cNvPr id="1" name=""/>
+        <p:cNvGrpSpPr/>
+        <p:nvPr/>
+      </p:nvGrpSpPr>
+      <p:grpSpPr>
+        <a:xfrm>
+          <a:off x="0" y="0"/>
+          <a:ext cx="0" cy="0"/>
+          <a:chOff x="0" y="0"/>
+          <a:chExt cx="0" cy="0"/>
+        </a:xfrm>
+      </p:grpSpPr>
+      <p:sp>
+        <p:nvSpPr>
+          <p:cNvPr id="2" name="文本占位符 1"/>
+          <p:cNvSpPr>
+            <a:spLocks noGrp="1"/>
+          </p:cNvSpPr>
+          <p:nvPr>
+            <p:ph type="body" sz="quarter" idx="13"/>
+          </p:nvPr>
+        </p:nvSpPr>
+        <p:spPr>
+          <a:xfrm>
+            <a:off x="2444750" y="7675880"/>
+            <a:ext cx="5928995" cy="1163320"/>
+          </a:xfrm>
+        </p:spPr>
+        <p:txBody>
+          <a:bodyPr wrap="square"/>
+          <a:lstStyle/>
+          <a:p>
+            <a:r>
+              <a:rPr kumimoji="1" lang="zh-CN" altLang="en-US" dirty="0"/>
+              <a:t>闯哥</a:t>
+            </a:r>
+            <a:endParaRPr kumimoji="1" lang="zh-CN" altLang="en-US" dirty="0"/>
+          </a:p>
+        </p:txBody>
+      </p:sp>
+      <p:sp>
+        <p:nvSpPr>
+          <p:cNvPr id="4" name="文本占位符 3"/>
+          <p:cNvSpPr>
+            <a:spLocks noGrp="1"/>
+          </p:cNvSpPr>
+          <p:nvPr>
+            <p:ph type="body" sz="quarter" idx="15"/>
+          </p:nvPr>
+        </p:nvSpPr>
+        <p:spPr>
+          <a:xfrm>
+            <a:off x="2444750" y="4987012"/>
+            <a:ext cx="19143345" cy="1210588"/>
+          </a:xfrm>
+        </p:spPr>
+        <p:txBody>
+          <a:bodyPr wrap="square"/>
+          <a:lstStyle/>
+          <a:p>
+            <a:r>
+              <a:rPr kumimoji="1" lang="en-US" altLang="zh-CN" dirty="0" smtClean="0"/>
+              <a:t>1.10 </a:t>
+            </a:r>
+            <a:r>
+              <a:rPr kumimoji="1" lang="zh-CN" altLang="en-US" dirty="0" smtClean="0"/>
+              <a:t>排</a:t>
+            </a:r>
+            <a:r>
+              <a:rPr kumimoji="1" lang="zh-CN" altLang="en-US" dirty="0"/>
+              <a:t>查锁竞争问题</a:t>
+            </a:r>
+            <a:endParaRPr kumimoji="1" lang="en-US" altLang="zh-CN" dirty="0"/>
+          </a:p>
+        </p:txBody>
+      </p:sp>
+    </p:spTree>
+    <p:extLst>
+      <p:ext uri="{BB962C8B-B14F-4D97-AF65-F5344CB8AC3E}">
+        <p14:creationId xmlns:p14="http://schemas.microsoft.com/office/powerpoint/2010/main" val="3591334192"/>
+      </p:ext>
+    </p:extLst>
+  </p:cSld>
+  <p:clrMapOvr>
+    <a:masterClrMapping/>
+  </p:clrMapOvr>
+  <p:transition spd="med"/>
+</p:sld>
+</file>
+
+<file path=ppt/slides/slide31.xml><?xml version="1.0" encoding="utf-8"?>
+<p:sld xmlns:a="http://schemas.openxmlformats.org/drawingml/2006/main" xmlns:r="http://schemas.openxmlformats.org/officeDocument/2006/relationships" xmlns:p="http://schemas.openxmlformats.org/presentationml/2006/main">
+  <p:cSld>
+    <p:spTree>
+      <p:nvGrpSpPr>
+        <p:cNvPr id="1" name=""/>
+        <p:cNvGrpSpPr/>
+        <p:nvPr/>
+      </p:nvGrpSpPr>
+      <p:grpSpPr>
+        <a:xfrm>
+          <a:off x="0" y="0"/>
+          <a:ext cx="0" cy="0"/>
+          <a:chOff x="0" y="0"/>
+          <a:chExt cx="0" cy="0"/>
+        </a:xfrm>
+      </p:grpSpPr>
+      <p:sp>
+        <p:nvSpPr>
+          <p:cNvPr id="2" name="文本占位符 1"/>
+          <p:cNvSpPr>
+            <a:spLocks noGrp="1"/>
+          </p:cNvSpPr>
+          <p:nvPr>
+            <p:ph type="body" sz="quarter" idx="13"/>
+          </p:nvPr>
+        </p:nvSpPr>
+        <p:spPr>
+          <a:xfrm>
+            <a:off x="2444750" y="7675880"/>
+            <a:ext cx="5928995" cy="1163320"/>
+          </a:xfrm>
+        </p:spPr>
+        <p:txBody>
+          <a:bodyPr wrap="square"/>
+          <a:lstStyle/>
+          <a:p>
+            <a:r>
+              <a:rPr kumimoji="1" lang="zh-CN" altLang="en-US" dirty="0"/>
+              <a:t>闯哥</a:t>
+            </a:r>
+            <a:endParaRPr kumimoji="1" lang="zh-CN" altLang="en-US" dirty="0"/>
+          </a:p>
+        </p:txBody>
+      </p:sp>
+      <p:sp>
+        <p:nvSpPr>
+          <p:cNvPr id="4" name="文本占位符 3"/>
+          <p:cNvSpPr>
+            <a:spLocks noGrp="1"/>
+          </p:cNvSpPr>
+          <p:nvPr>
+            <p:ph type="body" sz="quarter" idx="15"/>
+          </p:nvPr>
+        </p:nvSpPr>
+        <p:spPr>
+          <a:xfrm>
+            <a:off x="2444750" y="4987012"/>
+            <a:ext cx="19143345" cy="1210588"/>
+          </a:xfrm>
+        </p:spPr>
+        <p:txBody>
+          <a:bodyPr wrap="square"/>
+          <a:lstStyle/>
+          <a:p>
+            <a:r>
+              <a:rPr kumimoji="1" lang="en-US" altLang="zh-CN" dirty="0" smtClean="0"/>
+              <a:t>1.11 </a:t>
+            </a:r>
+            <a:r>
+              <a:rPr kumimoji="1" lang="zh-CN" altLang="en-US" dirty="0" smtClean="0"/>
+              <a:t>排</a:t>
+            </a:r>
+            <a:r>
+              <a:rPr kumimoji="1" lang="zh-CN" altLang="en-US" dirty="0"/>
+              <a:t>查阻塞问题</a:t>
+            </a:r>
+            <a:endParaRPr kumimoji="1" lang="en-US" altLang="zh-CN" dirty="0"/>
+          </a:p>
+        </p:txBody>
+      </p:sp>
+    </p:spTree>
+    <p:extLst>
+      <p:ext uri="{BB962C8B-B14F-4D97-AF65-F5344CB8AC3E}">
+        <p14:creationId xmlns:p14="http://schemas.microsoft.com/office/powerpoint/2010/main" val="2865345634"/>
+      </p:ext>
+    </p:extLst>
+  </p:cSld>
+  <p:clrMapOvr>
+    <a:masterClrMapping/>
+  </p:clrMapOvr>
+  <p:transition spd="med"/>
+</p:sld>
+</file>
+
+<file path=ppt/slides/slide32.xml><?xml version="1.0" encoding="utf-8"?>
+<p:sld xmlns:a="http://schemas.openxmlformats.org/drawingml/2006/main" xmlns:r="http://schemas.openxmlformats.org/officeDocument/2006/relationships" xmlns:p="http://schemas.openxmlformats.org/presentationml/2006/main">
+  <p:cSld>
+    <p:spTree>
+      <p:nvGrpSpPr>
+        <p:cNvPr id="1" name=""/>
+        <p:cNvGrpSpPr/>
+        <p:nvPr/>
+      </p:nvGrpSpPr>
+      <p:grpSpPr>
+        <a:xfrm>
+          <a:off x="0" y="0"/>
+          <a:ext cx="0" cy="0"/>
+          <a:chOff x="0" y="0"/>
+          <a:chExt cx="0" cy="0"/>
+        </a:xfrm>
+      </p:grpSpPr>
+      <p:sp>
+        <p:nvSpPr>
+          <p:cNvPr id="2" name="文本占位符 1"/>
+          <p:cNvSpPr>
+            <a:spLocks noGrp="1"/>
+          </p:cNvSpPr>
+          <p:nvPr>
+            <p:ph type="body" sz="quarter" idx="13"/>
+          </p:nvPr>
+        </p:nvSpPr>
+        <p:spPr>
+          <a:xfrm>
+            <a:off x="2444750" y="7675880"/>
+            <a:ext cx="5928995" cy="1163320"/>
+          </a:xfrm>
+        </p:spPr>
+        <p:txBody>
+          <a:bodyPr wrap="square"/>
+          <a:lstStyle/>
+          <a:p>
+            <a:r>
+              <a:rPr kumimoji="1" lang="zh-CN" altLang="en-US" dirty="0"/>
+              <a:t>闯哥</a:t>
+            </a:r>
+            <a:endParaRPr kumimoji="1" lang="zh-CN" altLang="en-US" dirty="0"/>
+          </a:p>
+        </p:txBody>
+      </p:sp>
+      <p:sp>
+        <p:nvSpPr>
+          <p:cNvPr id="4" name="文本占位符 3"/>
+          <p:cNvSpPr>
+            <a:spLocks noGrp="1"/>
+          </p:cNvSpPr>
+          <p:nvPr>
+            <p:ph type="body" sz="quarter" idx="15"/>
+          </p:nvPr>
+        </p:nvSpPr>
+        <p:spPr>
+          <a:xfrm>
+            <a:off x="2444750" y="4987012"/>
+            <a:ext cx="19143345" cy="1210588"/>
+          </a:xfrm>
+        </p:spPr>
+        <p:txBody>
+          <a:bodyPr wrap="square"/>
+          <a:lstStyle/>
+          <a:p>
+            <a:r>
+              <a:rPr kumimoji="1" lang="en-US" altLang="zh-CN" dirty="0" smtClean="0"/>
+              <a:t>1.12 </a:t>
+            </a:r>
+            <a:r>
+              <a:rPr kumimoji="1" lang="zh-CN" altLang="en-US" dirty="0" smtClean="0"/>
+              <a:t>性能优化综合案</a:t>
+            </a:r>
+            <a:r>
+              <a:rPr kumimoji="1" lang="zh-CN" altLang="en-US" dirty="0"/>
+              <a:t>列</a:t>
+            </a:r>
+            <a:endParaRPr kumimoji="1" lang="en-US" altLang="zh-CN" dirty="0"/>
+          </a:p>
+        </p:txBody>
+      </p:sp>
+    </p:spTree>
+    <p:extLst>
+      <p:ext uri="{BB962C8B-B14F-4D97-AF65-F5344CB8AC3E}">
+        <p14:creationId xmlns:p14="http://schemas.microsoft.com/office/powerpoint/2010/main" val="4042991"/>
+      </p:ext>
+    </p:extLst>
+  </p:cSld>
+  <p:clrMapOvr>
+    <a:masterClrMapping/>
+  </p:clrMapOvr>
+  <p:transition spd="med"/>
+</p:sld>
+</file>
+
+<file path=ppt/slides/slide33.xml><?xml version="1.0" encoding="utf-8"?>
+<p:sld xmlns:a="http://schemas.openxmlformats.org/drawingml/2006/main" xmlns:r="http://schemas.openxmlformats.org/officeDocument/2006/relationships" xmlns:p="http://schemas.openxmlformats.org/presentationml/2006/main">
+  <p:cSld>
+    <p:spTree>
+      <p:nvGrpSpPr>
+        <p:cNvPr id="1" name=""/>
+        <p:cNvGrpSpPr/>
+        <p:nvPr/>
+      </p:nvGrpSpPr>
+      <p:grpSpPr>
+        <a:xfrm>
+          <a:off x="0" y="0"/>
+          <a:ext cx="0" cy="0"/>
+          <a:chOff x="0" y="0"/>
+          <a:chExt cx="0" cy="0"/>
+        </a:xfrm>
+      </p:grpSpPr>
+      <p:sp>
+        <p:nvSpPr>
+          <p:cNvPr id="4" name="文本占位符 3"/>
+          <p:cNvSpPr>
+            <a:spLocks noGrp="1"/>
+          </p:cNvSpPr>
+          <p:nvPr>
+            <p:ph type="body" sz="quarter" idx="15"/>
+          </p:nvPr>
+        </p:nvSpPr>
+        <p:spPr>
+          <a:xfrm>
+            <a:off x="2444750" y="676270"/>
+            <a:ext cx="19143345" cy="1210588"/>
+          </a:xfrm>
+        </p:spPr>
+        <p:txBody>
+          <a:bodyPr wrap="square"/>
+          <a:lstStyle/>
+          <a:p>
+            <a:r>
+              <a:rPr kumimoji="1" lang="zh-CN" altLang="en-US" dirty="0" smtClean="0"/>
+              <a:t>参考文献</a:t>
+            </a:r>
+            <a:endParaRPr kumimoji="1" lang="en-US" altLang="zh-CN" dirty="0"/>
+          </a:p>
+        </p:txBody>
+      </p:sp>
+      <p:sp>
+        <p:nvSpPr>
+          <p:cNvPr id="3" name="文本框 2"/>
+          <p:cNvSpPr txBox="1"/>
+          <p:nvPr/>
+        </p:nvSpPr>
+        <p:spPr>
+          <a:xfrm>
+            <a:off x="2000612" y="1449206"/>
+            <a:ext cx="18142313" cy="2410916"/>
+          </a:xfrm>
+          <a:prstGeom prst="rect">
+            <a:avLst/>
+          </a:prstGeom>
+          <a:noFill/>
+          <a:ln w="12700" cap="flat">
+            <a:noFill/>
+            <a:miter lim="400000"/>
+          </a:ln>
+        </p:spPr>
+        <p:style>
+          <a:lnRef idx="0">
+            <a:scrgbClr r="0" g="0" b="0"/>
+          </a:lnRef>
+          <a:fillRef idx="0">
+            <a:scrgbClr r="0" g="0" b="0"/>
+          </a:fillRef>
+          <a:effectRef idx="0">
+            <a:scrgbClr r="0" g="0" b="0"/>
+          </a:effectRef>
+          <a:fontRef idx="none"/>
+        </p:style>
+        <p:txBody>
+          <a:bodyPr rot="0" spcFirstLastPara="1" vertOverflow="overflow" horzOverflow="overflow" vert="horz" wrap="square" lIns="50800" tIns="50800" rIns="50800" bIns="50800" numCol="1" spcCol="38100" rtlCol="0" anchor="ctr">
+            <a:spAutoFit/>
+          </a:bodyPr>
+          <a:lstStyle/>
+          <a:p>
+            <a:pPr marL="514350" indent="-514350" algn="l">
+              <a:buFont typeface="+mj-lt"/>
+              <a:buAutoNum type="arabicPeriod"/>
+            </a:pPr>
+            <a:r>
+              <a:rPr lang="en-US" altLang="zh-CN" dirty="0">
+                <a:solidFill>
+                  <a:schemeClr val="bg1"/>
+                </a:solidFill>
+                <a:hlinkClick r:id="rId2"/>
+              </a:rPr>
+              <a:t>https://</a:t>
+            </a:r>
+            <a:r>
+              <a:rPr lang="en-US" altLang="zh-CN" dirty="0" smtClean="0">
+                <a:solidFill>
+                  <a:schemeClr val="bg1"/>
+                </a:solidFill>
+                <a:hlinkClick r:id="rId2"/>
+              </a:rPr>
+              <a:t>github.com/google/pprof</a:t>
+            </a:r>
+            <a:endParaRPr lang="en-US" altLang="zh-CN" dirty="0" smtClean="0">
+              <a:solidFill>
+                <a:schemeClr val="bg1"/>
+              </a:solidFill>
+            </a:endParaRPr>
+          </a:p>
+          <a:p>
+            <a:pPr marL="514350" indent="-514350" algn="l">
+              <a:buFont typeface="+mj-lt"/>
+              <a:buAutoNum type="arabicPeriod"/>
+            </a:pPr>
+            <a:r>
+              <a:rPr lang="en-US" altLang="zh-CN" dirty="0">
+                <a:solidFill>
+                  <a:schemeClr val="bg1"/>
+                </a:solidFill>
+                <a:hlinkClick r:id="rId3"/>
+              </a:rPr>
+              <a:t>https://golang.org/pkg/runtime/pprof</a:t>
+            </a:r>
+            <a:r>
+              <a:rPr lang="en-US" altLang="zh-CN" dirty="0" smtClean="0">
+                <a:solidFill>
+                  <a:schemeClr val="bg1"/>
+                </a:solidFill>
+                <a:hlinkClick r:id="rId3"/>
+              </a:rPr>
+              <a:t>/</a:t>
+            </a:r>
+            <a:endParaRPr lang="en-US" altLang="zh-CN" dirty="0" smtClean="0">
+              <a:solidFill>
+                <a:schemeClr val="bg1"/>
+              </a:solidFill>
+            </a:endParaRPr>
+          </a:p>
+          <a:p>
+            <a:pPr marL="514350" indent="-514350" algn="l">
+              <a:buFont typeface="+mj-lt"/>
+              <a:buAutoNum type="arabicPeriod"/>
+            </a:pPr>
+            <a:r>
+              <a:rPr lang="en-US" altLang="zh-CN" dirty="0">
+                <a:solidFill>
+                  <a:schemeClr val="bg1"/>
+                </a:solidFill>
+                <a:hlinkClick r:id="rId4"/>
+              </a:rPr>
+              <a:t>https://golang.org/pkg/net/http/pprof/#</a:t>
+            </a:r>
+            <a:r>
+              <a:rPr lang="en-US" altLang="zh-CN" dirty="0" smtClean="0">
+                <a:solidFill>
+                  <a:schemeClr val="bg1"/>
+                </a:solidFill>
+                <a:hlinkClick r:id="rId4"/>
+              </a:rPr>
+              <a:t>Index</a:t>
+            </a:r>
+            <a:endParaRPr lang="en-US" altLang="zh-CN" dirty="0" smtClean="0">
+              <a:solidFill>
+                <a:schemeClr val="bg1"/>
+              </a:solidFill>
+            </a:endParaRPr>
+          </a:p>
+          <a:p>
+            <a:pPr marL="514350" indent="-514350" algn="l">
+              <a:buFont typeface="+mj-lt"/>
+              <a:buAutoNum type="arabicPeriod"/>
+            </a:pPr>
+            <a:endParaRPr lang="en-US" altLang="zh-CN" dirty="0" smtClean="0">
+              <a:solidFill>
+                <a:schemeClr val="bg1"/>
+              </a:solidFill>
+            </a:endParaRPr>
+          </a:p>
+          <a:p>
+            <a:pPr marL="514350" indent="-514350" algn="l">
+              <a:buFont typeface="+mj-lt"/>
+              <a:buAutoNum type="arabicPeriod"/>
+            </a:pPr>
+            <a:endParaRPr kumimoji="0" lang="zh-CN" altLang="en-US" sz="3000" b="1" i="0" u="none" strike="noStrike" cap="none" spc="0" normalizeH="0" baseline="0" dirty="0">
+              <a:ln>
+                <a:noFill/>
+              </a:ln>
+              <a:solidFill>
+                <a:schemeClr val="bg1"/>
+              </a:solidFill>
+              <a:effectLst/>
+              <a:uFillTx/>
+              <a:sym typeface="Helvetica Neue" panose="02000503000000020004"/>
+            </a:endParaRPr>
+          </a:p>
+        </p:txBody>
+      </p:sp>
+    </p:spTree>
+    <p:extLst>
+      <p:ext uri="{BB962C8B-B14F-4D97-AF65-F5344CB8AC3E}">
+        <p14:creationId xmlns:p14="http://schemas.microsoft.com/office/powerpoint/2010/main" val="198132486"/>
+      </p:ext>
+    </p:extLst>
+  </p:cSld>
+  <p:clrMapOvr>
+    <a:masterClrMapping/>
+  </p:clrMapOvr>
+  <p:transition spd="med"/>
+</p:sld>
+</file>
+
 <file path=ppt/slides/slide4.xml><?xml version="1.0" encoding="utf-8"?>
 <p:sld xmlns:a="http://schemas.openxmlformats.org/drawingml/2006/main" xmlns:r="http://schemas.openxmlformats.org/officeDocument/2006/relationships" xmlns:p="http://schemas.openxmlformats.org/presentationml/2006/main">
   <p:cSld>
@@ -3888,6 +10809,97 @@
             <a:spLocks noGrp="1"/>
           </p:cNvSpPr>
           <p:nvPr>
+            <p:ph type="body" sz="quarter" idx="13"/>
+          </p:nvPr>
+        </p:nvSpPr>
+        <p:spPr>
+          <a:xfrm>
+            <a:off x="2444750" y="7675880"/>
+            <a:ext cx="5928995" cy="1163320"/>
+          </a:xfrm>
+        </p:spPr>
+        <p:txBody>
+          <a:bodyPr wrap="square"/>
+          <a:lstStyle/>
+          <a:p>
+            <a:r>
+              <a:rPr kumimoji="1" lang="zh-CN" altLang="en-US" dirty="0"/>
+              <a:t>闯哥</a:t>
+            </a:r>
+            <a:endParaRPr kumimoji="1" lang="zh-CN" altLang="en-US" dirty="0"/>
+          </a:p>
+        </p:txBody>
+      </p:sp>
+      <p:sp>
+        <p:nvSpPr>
+          <p:cNvPr id="4" name="文本占位符 3"/>
+          <p:cNvSpPr>
+            <a:spLocks noGrp="1"/>
+          </p:cNvSpPr>
+          <p:nvPr>
+            <p:ph type="body" sz="quarter" idx="15"/>
+          </p:nvPr>
+        </p:nvSpPr>
+        <p:spPr>
+          <a:xfrm>
+            <a:off x="2444750" y="4987012"/>
+            <a:ext cx="19143345" cy="1210588"/>
+          </a:xfrm>
+        </p:spPr>
+        <p:txBody>
+          <a:bodyPr wrap="square"/>
+          <a:lstStyle/>
+          <a:p>
+            <a:r>
+              <a:rPr kumimoji="1" lang="zh-CN" altLang="en-US" dirty="0"/>
+              <a:t>第一章 性能剖析工具</a:t>
+            </a:r>
+            <a:r>
+              <a:rPr kumimoji="1" lang="en-US" altLang="zh-CN" dirty="0" err="1"/>
+              <a:t>PProf</a:t>
+            </a:r>
+            <a:endParaRPr kumimoji="1" lang="en-US" altLang="zh-CN" dirty="0"/>
+          </a:p>
+        </p:txBody>
+      </p:sp>
+    </p:spTree>
+    <p:extLst>
+      <p:ext uri="{BB962C8B-B14F-4D97-AF65-F5344CB8AC3E}">
+        <p14:creationId xmlns:p14="http://schemas.microsoft.com/office/powerpoint/2010/main" val="1588148302"/>
+      </p:ext>
+    </p:extLst>
+  </p:cSld>
+  <p:clrMapOvr>
+    <a:masterClrMapping/>
+  </p:clrMapOvr>
+  <p:transition spd="med"/>
+</p:sld>
+</file>
+
+<file path=ppt/slides/slide6.xml><?xml version="1.0" encoding="utf-8"?>
+<p:sld xmlns:a="http://schemas.openxmlformats.org/drawingml/2006/main" xmlns:r="http://schemas.openxmlformats.org/officeDocument/2006/relationships" xmlns:p="http://schemas.openxmlformats.org/presentationml/2006/main">
+  <p:cSld>
+    <p:spTree>
+      <p:nvGrpSpPr>
+        <p:cNvPr id="1" name=""/>
+        <p:cNvGrpSpPr/>
+        <p:nvPr/>
+      </p:nvGrpSpPr>
+      <p:grpSpPr>
+        <a:xfrm>
+          <a:off x="0" y="0"/>
+          <a:ext cx="0" cy="0"/>
+          <a:chOff x="0" y="0"/>
+          <a:chExt cx="0" cy="0"/>
+        </a:xfrm>
+      </p:grpSpPr>
+      <p:sp>
+        <p:nvSpPr>
+          <p:cNvPr id="2" name="文本占位符 1"/>
+          <p:cNvSpPr>
+            <a:spLocks noGrp="1"/>
+          </p:cNvSpPr>
+          <p:nvPr>
             <p:ph type="body" idx="1"/>
           </p:nvPr>
         </p:nvSpPr>
@@ -4509,143 +11521,6 @@
 </p:sld>
 </file>
 
-<file path=ppt/slides/slide6.xml><?xml version="1.0" encoding="utf-8"?>
-<p:sld xmlns:a="http://schemas.openxmlformats.org/drawingml/2006/main" xmlns:r="http://schemas.openxmlformats.org/officeDocument/2006/relationships" xmlns:p="http://schemas.openxmlformats.org/presentationml/2006/main">
-  <p:cSld>
-    <p:spTree>
-      <p:nvGrpSpPr>
-        <p:cNvPr id="1" name=""/>
-        <p:cNvGrpSpPr/>
-        <p:nvPr/>
-      </p:nvGrpSpPr>
-      <p:grpSpPr>
-        <a:xfrm>
-          <a:off x="0" y="0"/>
-          <a:ext cx="0" cy="0"/>
-          <a:chOff x="0" y="0"/>
-          <a:chExt cx="0" cy="0"/>
-        </a:xfrm>
-      </p:grpSpPr>
-      <p:sp>
-        <p:nvSpPr>
-          <p:cNvPr id="6" name="标题 5"/>
-          <p:cNvSpPr>
-            <a:spLocks noGrp="1"/>
-          </p:cNvSpPr>
-          <p:nvPr>
-            <p:ph type="title"/>
-          </p:nvPr>
-        </p:nvSpPr>
-        <p:spPr/>
-        <p:txBody>
-          <a:bodyPr/>
-          <a:lstStyle/>
-          <a:p>
-            <a:r>
-              <a:rPr kumimoji="1" lang="en-US" altLang="zh-CN" dirty="0" smtClean="0"/>
-              <a:t>1.1 </a:t>
-            </a:r>
-            <a:r>
-              <a:rPr kumimoji="1" lang="zh-CN" altLang="en-US" dirty="0" smtClean="0"/>
-              <a:t>压力</a:t>
-            </a:r>
-            <a:r>
-              <a:rPr kumimoji="1" lang="zh-CN" altLang="en-US" dirty="0"/>
-              <a:t>测试工具</a:t>
-            </a:r>
-            <a:r>
-              <a:rPr kumimoji="1" lang="en-US" altLang="zh-CN" dirty="0"/>
-              <a:t>ab</a:t>
-            </a:r>
-            <a:endParaRPr kumimoji="1" lang="en-US" altLang="zh-CN" dirty="0"/>
-          </a:p>
-        </p:txBody>
-      </p:sp>
-      <p:sp>
-        <p:nvSpPr>
-          <p:cNvPr id="3" name="文本框 2"/>
-          <p:cNvSpPr txBox="1"/>
-          <p:nvPr/>
-        </p:nvSpPr>
-        <p:spPr>
-          <a:xfrm>
-            <a:off x="2462400" y="5671440"/>
-            <a:ext cx="19458000" cy="974626"/>
-          </a:xfrm>
-          <a:prstGeom prst="rect">
-            <a:avLst/>
-          </a:prstGeom>
-          <a:noFill/>
-          <a:ln w="12700" cap="flat">
-            <a:noFill/>
-            <a:miter lim="400000"/>
-          </a:ln>
-        </p:spPr>
-        <p:style>
-          <a:lnRef idx="0">
-            <a:scrgbClr r="0" g="0" b="0"/>
-          </a:lnRef>
-          <a:fillRef idx="0">
-            <a:scrgbClr r="0" g="0" b="0"/>
-          </a:fillRef>
-          <a:effectRef idx="0">
-            <a:scrgbClr r="0" g="0" b="0"/>
-          </a:effectRef>
-          <a:fontRef idx="none"/>
-        </p:style>
-        <p:txBody>
-          <a:bodyPr rot="0" spcFirstLastPara="1" vertOverflow="overflow" horzOverflow="overflow" vert="horz" wrap="square" lIns="50800" tIns="50800" rIns="50800" bIns="50800" numCol="1" spcCol="38100" rtlCol="0" anchor="ctr">
-            <a:spAutoFit/>
-          </a:bodyPr>
-          <a:lstStyle/>
-          <a:p>
-            <a:pPr marL="571500" indent="-571500" algn="l">
-              <a:spcBef>
-                <a:spcPts val="1000"/>
-              </a:spcBef>
-              <a:spcAft>
-                <a:spcPts val="1000"/>
-              </a:spcAft>
-              <a:buSzPct val="125000"/>
-              <a:buFont typeface="Arial" panose="020B0604020202090204" pitchFamily="34" charset="0"/>
-              <a:buChar char="•"/>
-            </a:pPr>
-            <a:r>
-              <a:rPr kumimoji="1" lang="zh-CN" altLang="en-US" sz="4000" b="0" dirty="0" smtClean="0">
-                <a:solidFill>
-                  <a:srgbClr val="FFFFFF"/>
-                </a:solidFill>
-                <a:latin typeface="Helvetica" pitchFamily="2" charset="0"/>
-                <a:ea typeface="Alibaba PuHuiTi R" panose="00020600040101010101" pitchFamily="18" charset="-122"/>
-                <a:cs typeface="Alibaba PuHuiTi R" panose="00020600040101010101" pitchFamily="18" charset="-122"/>
-              </a:rPr>
-              <a:t>内容</a:t>
-            </a:r>
-            <a:endParaRPr kumimoji="1" lang="zh-CN" altLang="en-US" sz="4000" b="0" dirty="0">
-              <a:solidFill>
-                <a:srgbClr val="FFFFFF"/>
-              </a:solidFill>
-              <a:latin typeface="Helvetica" pitchFamily="2" charset="0"/>
-              <a:ea typeface="Alibaba PuHuiTi R" panose="00020600040101010101" pitchFamily="18" charset="-122"/>
-              <a:cs typeface="Alibaba PuHuiTi R" panose="00020600040101010101" pitchFamily="18" charset="-122"/>
-            </a:endParaRPr>
-          </a:p>
-        </p:txBody>
-      </p:sp>
-    </p:spTree>
-    <p:extLst>
-      <p:ext uri="{BB962C8B-B14F-4D97-AF65-F5344CB8AC3E}">
-        <p14:creationId xmlns:p14="http://schemas.microsoft.com/office/powerpoint/2010/main" val="3302770514"/>
-      </p:ext>
-    </p:extLst>
-  </p:cSld>
-  <p:clrMapOvr>
-    <a:masterClrMapping/>
-  </p:clrMapOvr>
-  <p:transition spd="med"/>
-</p:sld>
-</file>
-
 <file path=ppt/slides/slide7.xml><?xml version="1.0" encoding="utf-8"?>
 <p:sld xmlns:a="http://schemas.openxmlformats.org/drawingml/2006/main" xmlns:r="http://schemas.openxmlformats.org/officeDocument/2006/relationships" xmlns:p="http://schemas.openxmlformats.org/presentationml/2006/main">
   <p:cSld>
@@ -4665,286 +11540,78 @@
       </p:grpSpPr>
       <p:sp>
         <p:nvSpPr>
-          <p:cNvPr id="6" name="标题 5"/>
+          <p:cNvPr id="2" name="文本占位符 1"/>
           <p:cNvSpPr>
             <a:spLocks noGrp="1"/>
           </p:cNvSpPr>
           <p:nvPr>
-            <p:ph type="title"/>
+            <p:ph type="body" sz="quarter" idx="13"/>
           </p:nvPr>
         </p:nvSpPr>
-        <p:spPr/>
+        <p:spPr>
+          <a:xfrm>
+            <a:off x="2444750" y="7675880"/>
+            <a:ext cx="5928995" cy="1163320"/>
+          </a:xfrm>
+        </p:spPr>
         <p:txBody>
-          <a:bodyPr/>
+          <a:bodyPr wrap="square"/>
           <a:lstStyle/>
           <a:p>
             <a:r>
-              <a:rPr kumimoji="1" lang="en-US" altLang="zh-CN"/>
-              <a:t>Error</a:t>
-            </a:r>
+              <a:rPr kumimoji="1" lang="zh-CN" altLang="en-US" dirty="0"/>
+              <a:t>闯哥</a:t>
+            </a:r>
+            <a:endParaRPr kumimoji="1" lang="zh-CN" altLang="en-US" dirty="0"/>
           </a:p>
         </p:txBody>
       </p:sp>
-      <p:pic>
-        <p:nvPicPr>
-          <p:cNvPr id="5" name="图片 4"/>
-          <p:cNvPicPr>
-            <a:picLocks noChangeAspect="1"/>
-          </p:cNvPicPr>
-          <p:nvPr/>
-        </p:nvPicPr>
-        <p:blipFill>
-          <a:blip r:embed="rId3"/>
-          <a:stretch>
-            <a:fillRect/>
-          </a:stretch>
-        </p:blipFill>
-        <p:spPr>
-          <a:xfrm>
-            <a:off x="6093460" y="3879850"/>
-            <a:ext cx="10789920" cy="2697480"/>
-          </a:xfrm>
-          <a:prstGeom prst="rect">
-            <a:avLst/>
-          </a:prstGeom>
-        </p:spPr>
-      </p:pic>
-      <p:pic>
-        <p:nvPicPr>
-          <p:cNvPr id="8" name="图片 7"/>
-          <p:cNvPicPr>
-            <a:picLocks noChangeAspect="1"/>
-          </p:cNvPicPr>
-          <p:nvPr/>
-        </p:nvPicPr>
-        <p:blipFill>
-          <a:blip r:embed="rId4"/>
-          <a:stretch>
-            <a:fillRect/>
-          </a:stretch>
-        </p:blipFill>
-        <p:spPr>
-          <a:xfrm>
-            <a:off x="6093460" y="7816850"/>
-            <a:ext cx="10789920" cy="2395220"/>
-          </a:xfrm>
-          <a:prstGeom prst="rect">
-            <a:avLst/>
-          </a:prstGeom>
-        </p:spPr>
-      </p:pic>
-      <p:pic>
-        <p:nvPicPr>
-          <p:cNvPr id="9" name="图片 8"/>
-          <p:cNvPicPr>
-            <a:picLocks noChangeAspect="1"/>
-          </p:cNvPicPr>
-          <p:nvPr/>
-        </p:nvPicPr>
-        <p:blipFill>
-          <a:blip r:embed="rId5"/>
-          <a:stretch>
-            <a:fillRect/>
-          </a:stretch>
-        </p:blipFill>
-        <p:spPr>
-          <a:xfrm>
-            <a:off x="6093460" y="10541635"/>
-            <a:ext cx="10789920" cy="2858135"/>
-          </a:xfrm>
-          <a:prstGeom prst="rect">
-            <a:avLst/>
-          </a:prstGeom>
-        </p:spPr>
-      </p:pic>
       <p:sp>
         <p:nvSpPr>
-          <p:cNvPr id="13" name="文本占位符 12"/>
+          <p:cNvPr id="4" name="文本占位符 3"/>
           <p:cNvSpPr>
             <a:spLocks noGrp="1"/>
           </p:cNvSpPr>
           <p:nvPr>
-            <p:ph type="body" sz="quarter" idx="11"/>
+            <p:ph type="body" sz="quarter" idx="15"/>
           </p:nvPr>
         </p:nvSpPr>
         <p:spPr>
           <a:xfrm>
-            <a:off x="2462530" y="2731770"/>
-            <a:ext cx="19457670" cy="10798175"/>
+            <a:off x="2444750" y="4987012"/>
+            <a:ext cx="19143345" cy="1210588"/>
           </a:xfrm>
         </p:spPr>
         <p:txBody>
-          <a:bodyPr anchor="t" anchorCtr="0">
-            <a:noAutofit/>
-          </a:bodyPr>
+          <a:bodyPr wrap="square"/>
           <a:lstStyle/>
           <a:p>
-            <a:pPr>
-              <a:buFont typeface="Arial" panose="020B0604020202090204" pitchFamily="34" charset="0"/>
-            </a:pPr>
-            <a:r>
-              <a:rPr lang="en-US" altLang="zh-CN">
-                <a:solidFill>
-                  <a:schemeClr val="bg1"/>
-                </a:solidFill>
-                <a:sym typeface="+mn-ea"/>
-              </a:rPr>
-              <a:t>Go </a:t>
-            </a:r>
-            <a:r>
-              <a:rPr lang="en-US" altLang="zh-CN" i="1">
-                <a:solidFill>
-                  <a:schemeClr val="accent1"/>
-                </a:solidFill>
-                <a:latin typeface="Helvetica Oblique" charset="0"/>
-                <a:cs typeface="Helvetica Oblique" charset="0"/>
-                <a:sym typeface="+mn-ea"/>
-              </a:rPr>
-              <a:t>error </a:t>
-            </a:r>
-            <a:r>
-              <a:rPr lang="zh-CN" altLang="en-US">
-                <a:solidFill>
-                  <a:schemeClr val="bg1"/>
-                </a:solidFill>
-                <a:sym typeface="+mn-ea"/>
-              </a:rPr>
-              <a:t>就是普通的一个接口，普通的值。</a:t>
-            </a:r>
-            <a:endParaRPr lang="zh-CN" altLang="en-US" sz="3600">
-              <a:solidFill>
-                <a:schemeClr val="bg1"/>
-              </a:solidFill>
-              <a:sym typeface="+mn-ea"/>
-            </a:endParaRPr>
-          </a:p>
-          <a:p>
-            <a:pPr>
-              <a:buFont typeface="Arial" panose="020B0604020202090204" pitchFamily="34" charset="0"/>
-            </a:pPr>
-            <a:endParaRPr lang="zh-CN" altLang="en-US" sz="3600">
-              <a:solidFill>
-                <a:schemeClr val="bg1"/>
-              </a:solidFill>
-              <a:sym typeface="+mn-ea"/>
-            </a:endParaRPr>
-          </a:p>
-          <a:p>
-            <a:pPr>
-              <a:buFont typeface="Arial" panose="020B0604020202090204" pitchFamily="34" charset="0"/>
-            </a:pPr>
-            <a:endParaRPr lang="zh-CN" altLang="en-US" sz="3600">
-              <a:solidFill>
-                <a:schemeClr val="bg1"/>
-              </a:solidFill>
-              <a:sym typeface="+mn-ea"/>
-            </a:endParaRPr>
-          </a:p>
-          <a:p>
-            <a:pPr>
-              <a:buFont typeface="Arial" panose="020B0604020202090204" pitchFamily="34" charset="0"/>
-            </a:pPr>
-            <a:endParaRPr lang="zh-CN" altLang="en-US" sz="3600">
-              <a:solidFill>
-                <a:schemeClr val="bg1"/>
-              </a:solidFill>
-              <a:sym typeface="+mn-ea"/>
-            </a:endParaRPr>
-          </a:p>
-          <a:p>
-            <a:pPr>
-              <a:buFont typeface="Arial" panose="020B0604020202090204" pitchFamily="34" charset="0"/>
-            </a:pPr>
-            <a:endParaRPr lang="zh-CN" altLang="en-US" sz="3600">
-              <a:solidFill>
-                <a:schemeClr val="bg1"/>
-              </a:solidFill>
-              <a:sym typeface="+mn-ea"/>
-            </a:endParaRPr>
-          </a:p>
-          <a:p>
-            <a:pPr>
-              <a:buFont typeface="Arial" panose="020B0604020202090204" pitchFamily="34" charset="0"/>
-            </a:pPr>
-            <a:r>
-              <a:rPr lang="zh-CN" altLang="en-US">
-                <a:solidFill>
-                  <a:schemeClr val="bg1"/>
-                </a:solidFill>
-                <a:sym typeface="+mn-ea"/>
-              </a:rPr>
-              <a:t>我们经常使用 </a:t>
-            </a:r>
-            <a:r>
-              <a:rPr lang="en-US" altLang="zh-CN" i="1">
-                <a:solidFill>
-                  <a:schemeClr val="accent1"/>
-                </a:solidFill>
-                <a:latin typeface="Helvetica Oblique" charset="0"/>
-                <a:cs typeface="Helvetica Oblique" charset="0"/>
-                <a:sym typeface="+mn-ea"/>
-              </a:rPr>
-              <a:t>errors.New()</a:t>
-            </a:r>
-            <a:r>
-              <a:rPr lang="en-US" altLang="zh-CN">
-                <a:solidFill>
-                  <a:schemeClr val="accent1"/>
-                </a:solidFill>
-                <a:sym typeface="+mn-ea"/>
-              </a:rPr>
-              <a:t> </a:t>
-            </a:r>
-            <a:r>
-              <a:rPr lang="zh-CN" altLang="en-US">
-                <a:solidFill>
-                  <a:schemeClr val="bg1"/>
-                </a:solidFill>
-                <a:sym typeface="+mn-ea"/>
-              </a:rPr>
-              <a:t>来返回一个 </a:t>
-            </a:r>
-            <a:r>
-              <a:rPr lang="en-US" altLang="zh-CN" i="1">
-                <a:solidFill>
-                  <a:schemeClr val="accent1"/>
-                </a:solidFill>
-                <a:latin typeface="Helvetica Oblique" charset="0"/>
-                <a:cs typeface="Helvetica Oblique" charset="0"/>
-                <a:sym typeface="+mn-ea"/>
-              </a:rPr>
-              <a:t>error </a:t>
-            </a:r>
-            <a:r>
-              <a:rPr lang="zh-CN" altLang="en-US">
-                <a:solidFill>
-                  <a:schemeClr val="bg1"/>
-                </a:solidFill>
-                <a:sym typeface="+mn-ea"/>
-              </a:rPr>
-              <a:t>对象。</a:t>
-            </a:r>
-            <a:endParaRPr lang="zh-CN" altLang="en-US" sz="3600">
-              <a:solidFill>
-                <a:schemeClr val="bg1"/>
-              </a:solidFill>
-              <a:sym typeface="+mn-ea"/>
-            </a:endParaRPr>
-          </a:p>
-          <a:p>
-            <a:pPr>
-              <a:buFont typeface="Arial" panose="020B0604020202090204" pitchFamily="34" charset="0"/>
-            </a:pPr>
-            <a:endParaRPr lang="zh-CN" altLang="en-US" sz="3600">
-              <a:solidFill>
-                <a:schemeClr val="bg1"/>
-              </a:solidFill>
-              <a:sym typeface="+mn-ea"/>
-            </a:endParaRPr>
+            <a:r>
+              <a:rPr kumimoji="1" lang="en-US" altLang="zh-CN" dirty="0" smtClean="0"/>
+              <a:t>1.1 </a:t>
+            </a:r>
+            <a:r>
+              <a:rPr kumimoji="1" lang="zh-CN" altLang="en-US" dirty="0" smtClean="0"/>
+              <a:t>压力</a:t>
+            </a:r>
+            <a:r>
+              <a:rPr kumimoji="1" lang="zh-CN" altLang="en-US" dirty="0"/>
+              <a:t>测试工具</a:t>
+            </a:r>
+            <a:r>
+              <a:rPr kumimoji="1" lang="en-US" altLang="zh-CN" dirty="0"/>
+              <a:t>ab</a:t>
+            </a:r>
+            <a:endParaRPr kumimoji="1" lang="en-US" altLang="zh-CN" dirty="0"/>
           </a:p>
         </p:txBody>
       </p:sp>
     </p:spTree>
+    <p:extLst>
+      <p:ext uri="{BB962C8B-B14F-4D97-AF65-F5344CB8AC3E}">
+        <p14:creationId xmlns:p14="http://schemas.microsoft.com/office/powerpoint/2010/main" val="504069352"/>
+      </p:ext>
+    </p:extLst>
   </p:cSld>
   <p:clrMapOvr>
     <a:masterClrMapping/>
@@ -4986,235 +11653,914 @@
           <a:lstStyle/>
           <a:p>
             <a:r>
-              <a:rPr kumimoji="1" lang="en-US" altLang="zh-CN"/>
-              <a:t>Error</a:t>
-            </a:r>
+              <a:rPr kumimoji="1" lang="en-US" altLang="zh-CN" dirty="0" smtClean="0"/>
+              <a:t>1.1 </a:t>
+            </a:r>
+            <a:r>
+              <a:rPr kumimoji="1" lang="zh-CN" altLang="en-US" dirty="0" smtClean="0"/>
+              <a:t>压力</a:t>
+            </a:r>
+            <a:r>
+              <a:rPr kumimoji="1" lang="zh-CN" altLang="en-US" dirty="0"/>
+              <a:t>测试工具</a:t>
+            </a:r>
+            <a:r>
+              <a:rPr kumimoji="1" lang="en-US" altLang="zh-CN" dirty="0"/>
+              <a:t>ab</a:t>
+            </a:r>
+            <a:endParaRPr kumimoji="1" lang="en-US" altLang="zh-CN" dirty="0"/>
           </a:p>
         </p:txBody>
       </p:sp>
-      <p:pic>
-        <p:nvPicPr>
-          <p:cNvPr id="2" name="图片 1"/>
-          <p:cNvPicPr>
-            <a:picLocks noChangeAspect="1"/>
-          </p:cNvPicPr>
+      <p:sp>
+        <p:nvSpPr>
+          <p:cNvPr id="3" name="文本框 2"/>
+          <p:cNvSpPr txBox="1"/>
           <p:nvPr/>
-        </p:nvPicPr>
-        <p:blipFill>
-          <a:blip r:embed="rId3"/>
-          <a:stretch>
-            <a:fillRect/>
-          </a:stretch>
-        </p:blipFill>
+        </p:nvSpPr>
         <p:spPr>
           <a:xfrm>
-            <a:off x="6224270" y="8566785"/>
-            <a:ext cx="11539220" cy="2757805"/>
+            <a:off x="2462400" y="3764263"/>
+            <a:ext cx="19458000" cy="974626"/>
+          </a:xfrm>
+          <a:prstGeom prst="rect">
+            <a:avLst/>
+          </a:prstGeom>
+          <a:noFill/>
+          <a:ln w="12700" cap="flat">
+            <a:noFill/>
+            <a:miter lim="400000"/>
+          </a:ln>
+        </p:spPr>
+        <p:style>
+          <a:lnRef idx="0">
+            <a:scrgbClr r="0" g="0" b="0"/>
+          </a:lnRef>
+          <a:fillRef idx="0">
+            <a:scrgbClr r="0" g="0" b="0"/>
+          </a:fillRef>
+          <a:effectRef idx="0">
+            <a:scrgbClr r="0" g="0" b="0"/>
+          </a:effectRef>
+          <a:fontRef idx="none"/>
+        </p:style>
+        <p:txBody>
+          <a:bodyPr rot="0" spcFirstLastPara="1" vertOverflow="overflow" horzOverflow="overflow" vert="horz" wrap="square" lIns="50800" tIns="50800" rIns="50800" bIns="50800" numCol="1" spcCol="38100" rtlCol="0" anchor="ctr">
+            <a:spAutoFit/>
+          </a:bodyPr>
+          <a:lstStyle/>
+          <a:p>
+            <a:pPr marL="571500" indent="-571500" algn="l">
+              <a:spcBef>
+                <a:spcPts val="1000"/>
+              </a:spcBef>
+              <a:spcAft>
+                <a:spcPts val="1000"/>
+              </a:spcAft>
+              <a:buSzPct val="125000"/>
+              <a:buFont typeface="Arial" panose="020B0604020202090204" pitchFamily="34" charset="0"/>
+              <a:buChar char="•"/>
+            </a:pPr>
+            <a:r>
+              <a:rPr kumimoji="1" lang="zh-CN" altLang="en-US" sz="4000" b="0" dirty="0" smtClean="0">
+                <a:solidFill>
+                  <a:srgbClr val="FFFFFF"/>
+                </a:solidFill>
+                <a:latin typeface="Helvetica" pitchFamily="2" charset="0"/>
+                <a:ea typeface="Alibaba PuHuiTi R" panose="00020600040101010101" pitchFamily="18" charset="-122"/>
+                <a:cs typeface="Alibaba PuHuiTi R" panose="00020600040101010101" pitchFamily="18" charset="-122"/>
+              </a:rPr>
+              <a:t>安装</a:t>
+            </a:r>
+            <a:endParaRPr kumimoji="1" lang="zh-CN" altLang="en-US" sz="4000" b="0" dirty="0">
+              <a:solidFill>
+                <a:srgbClr val="FFFFFF"/>
+              </a:solidFill>
+              <a:latin typeface="Helvetica" pitchFamily="2" charset="0"/>
+              <a:ea typeface="Alibaba PuHuiTi R" panose="00020600040101010101" pitchFamily="18" charset="-122"/>
+              <a:cs typeface="Alibaba PuHuiTi R" panose="00020600040101010101" pitchFamily="18" charset="-122"/>
+            </a:endParaRPr>
+          </a:p>
+        </p:txBody>
+      </p:sp>
+      <p:sp>
+        <p:nvSpPr>
+          <p:cNvPr id="4" name="矩形 3"/>
+          <p:cNvSpPr/>
+          <p:nvPr/>
+        </p:nvSpPr>
+        <p:spPr>
+          <a:xfrm>
+            <a:off x="2987040" y="4738889"/>
+            <a:ext cx="12192000" cy="2400657"/>
           </a:xfrm>
           <a:prstGeom prst="rect">
             <a:avLst/>
           </a:prstGeom>
         </p:spPr>
-      </p:pic>
-      <p:pic>
-        <p:nvPicPr>
-          <p:cNvPr id="3" name="图片 2"/>
-          <p:cNvPicPr>
-            <a:picLocks noChangeAspect="1"/>
-          </p:cNvPicPr>
+        <p:txBody>
+          <a:bodyPr>
+            <a:spAutoFit/>
+          </a:bodyPr>
+          <a:lstStyle/>
+          <a:p>
+            <a:pPr algn="l"/>
+            <a:r>
+              <a:rPr lang="zh-CN" altLang="en-US" dirty="0">
+                <a:solidFill>
+                  <a:schemeClr val="bg1"/>
+                </a:solidFill>
+              </a:rPr>
+              <a:t># centos，redhat</a:t>
+            </a:r>
+            <a:endParaRPr lang="en-US" altLang="zh-CN" dirty="0" smtClean="0">
+              <a:solidFill>
+                <a:schemeClr val="bg1"/>
+              </a:solidFill>
+            </a:endParaRPr>
+          </a:p>
+          <a:p>
+            <a:pPr algn="l"/>
+            <a:r>
+              <a:rPr lang="zh-CN" altLang="en-US" dirty="0" smtClean="0">
+                <a:solidFill>
+                  <a:schemeClr val="bg1"/>
+                </a:solidFill>
+              </a:rPr>
+              <a:t>yum </a:t>
+            </a:r>
+            <a:r>
+              <a:rPr lang="zh-CN" altLang="en-US" dirty="0">
+                <a:solidFill>
+                  <a:schemeClr val="bg1"/>
+                </a:solidFill>
+              </a:rPr>
+              <a:t>-y install httpd-</a:t>
+            </a:r>
+            <a:r>
+              <a:rPr lang="zh-CN" altLang="en-US" dirty="0" smtClean="0">
+                <a:solidFill>
+                  <a:schemeClr val="bg1"/>
+                </a:solidFill>
+              </a:rPr>
+              <a:t>tools</a:t>
+            </a:r>
+            <a:endParaRPr lang="zh-CN" altLang="en-US" dirty="0">
+              <a:solidFill>
+                <a:schemeClr val="bg1"/>
+              </a:solidFill>
+            </a:endParaRPr>
+          </a:p>
+          <a:p>
+            <a:pPr algn="l"/>
+            <a:endParaRPr lang="en-US" altLang="zh-CN" dirty="0" smtClean="0">
+              <a:solidFill>
+                <a:schemeClr val="bg1"/>
+              </a:solidFill>
+            </a:endParaRPr>
+          </a:p>
+          <a:p>
+            <a:pPr algn="l"/>
+            <a:r>
+              <a:rPr lang="zh-CN" altLang="en-US" dirty="0">
+                <a:solidFill>
+                  <a:schemeClr val="bg1"/>
+                </a:solidFill>
+              </a:rPr>
+              <a:t>#ubuntu Debian</a:t>
+            </a:r>
+          </a:p>
+          <a:p>
+            <a:pPr algn="l"/>
+            <a:r>
+              <a:rPr lang="zh-CN" altLang="en-US" dirty="0">
+                <a:solidFill>
+                  <a:schemeClr val="bg1"/>
+                </a:solidFill>
+              </a:rPr>
+              <a:t>apt-get install apache2-</a:t>
+            </a:r>
+            <a:r>
+              <a:rPr lang="zh-CN" altLang="en-US" dirty="0" smtClean="0">
+                <a:solidFill>
+                  <a:schemeClr val="bg1"/>
+                </a:solidFill>
+              </a:rPr>
+              <a:t>utils</a:t>
+            </a:r>
+            <a:endParaRPr lang="zh-CN" altLang="en-US" dirty="0">
+              <a:solidFill>
+                <a:schemeClr val="bg1"/>
+              </a:solidFill>
+            </a:endParaRPr>
+          </a:p>
+        </p:txBody>
+      </p:sp>
+      <p:sp>
+        <p:nvSpPr>
+          <p:cNvPr id="7" name="文本框 6"/>
+          <p:cNvSpPr txBox="1"/>
           <p:nvPr/>
-        </p:nvPicPr>
-        <p:blipFill>
-          <a:blip r:embed="rId4"/>
-          <a:stretch>
-            <a:fillRect/>
-          </a:stretch>
-        </p:blipFill>
+        </p:nvSpPr>
         <p:spPr>
           <a:xfrm>
-            <a:off x="6224270" y="3843020"/>
-            <a:ext cx="11539220" cy="2889250"/>
+            <a:off x="2462400" y="7522012"/>
+            <a:ext cx="19458000" cy="974626"/>
+          </a:xfrm>
+          <a:prstGeom prst="rect">
+            <a:avLst/>
+          </a:prstGeom>
+          <a:noFill/>
+          <a:ln w="12700" cap="flat">
+            <a:noFill/>
+            <a:miter lim="400000"/>
+          </a:ln>
+        </p:spPr>
+        <p:style>
+          <a:lnRef idx="0">
+            <a:scrgbClr r="0" g="0" b="0"/>
+          </a:lnRef>
+          <a:fillRef idx="0">
+            <a:scrgbClr r="0" g="0" b="0"/>
+          </a:fillRef>
+          <a:effectRef idx="0">
+            <a:scrgbClr r="0" g="0" b="0"/>
+          </a:effectRef>
+          <a:fontRef idx="none"/>
+        </p:style>
+        <p:txBody>
+          <a:bodyPr rot="0" spcFirstLastPara="1" vertOverflow="overflow" horzOverflow="overflow" vert="horz" wrap="square" lIns="50800" tIns="50800" rIns="50800" bIns="50800" numCol="1" spcCol="38100" rtlCol="0" anchor="ctr">
+            <a:spAutoFit/>
+          </a:bodyPr>
+          <a:lstStyle/>
+          <a:p>
+            <a:pPr marL="571500" indent="-571500" algn="l">
+              <a:spcBef>
+                <a:spcPts val="1000"/>
+              </a:spcBef>
+              <a:spcAft>
+                <a:spcPts val="1000"/>
+              </a:spcAft>
+              <a:buSzPct val="125000"/>
+              <a:buFont typeface="Arial" panose="020B0604020202090204" pitchFamily="34" charset="0"/>
+              <a:buChar char="•"/>
+            </a:pPr>
+            <a:r>
+              <a:rPr kumimoji="1" lang="zh-CN" altLang="en-US" sz="4000" b="0" dirty="0" smtClean="0">
+                <a:solidFill>
+                  <a:srgbClr val="FFFFFF"/>
+                </a:solidFill>
+                <a:latin typeface="Helvetica" pitchFamily="2" charset="0"/>
+                <a:ea typeface="Alibaba PuHuiTi R" panose="00020600040101010101" pitchFamily="18" charset="-122"/>
+                <a:cs typeface="Alibaba PuHuiTi R" panose="00020600040101010101" pitchFamily="18" charset="-122"/>
+              </a:rPr>
+              <a:t>使用说明</a:t>
+            </a:r>
+            <a:endParaRPr kumimoji="1" lang="zh-CN" altLang="en-US" sz="4000" b="0" dirty="0">
+              <a:solidFill>
+                <a:srgbClr val="FFFFFF"/>
+              </a:solidFill>
+              <a:latin typeface="Helvetica" pitchFamily="2" charset="0"/>
+              <a:ea typeface="Alibaba PuHuiTi R" panose="00020600040101010101" pitchFamily="18" charset="-122"/>
+              <a:cs typeface="Alibaba PuHuiTi R" panose="00020600040101010101" pitchFamily="18" charset="-122"/>
+            </a:endParaRPr>
+          </a:p>
+        </p:txBody>
+      </p:sp>
+      <p:sp>
+        <p:nvSpPr>
+          <p:cNvPr id="8" name="矩形 7"/>
+          <p:cNvSpPr/>
+          <p:nvPr/>
+        </p:nvSpPr>
+        <p:spPr>
+          <a:xfrm>
+            <a:off x="2987040" y="8496638"/>
+            <a:ext cx="12192000" cy="4708981"/>
           </a:xfrm>
           <a:prstGeom prst="rect">
             <a:avLst/>
           </a:prstGeom>
         </p:spPr>
-      </p:pic>
+        <p:txBody>
+          <a:bodyPr>
+            <a:spAutoFit/>
+          </a:bodyPr>
+          <a:lstStyle/>
+          <a:p>
+            <a:pPr algn="l"/>
+            <a:r>
+              <a:rPr lang="en-US" altLang="zh-CN" dirty="0">
+                <a:solidFill>
+                  <a:schemeClr val="bg1"/>
+                </a:solidFill>
+              </a:rPr>
+              <a:t># </a:t>
+            </a:r>
+            <a:r>
+              <a:rPr lang="zh-CN" altLang="en-US" dirty="0">
+                <a:solidFill>
+                  <a:schemeClr val="bg1"/>
+                </a:solidFill>
+              </a:rPr>
+              <a:t>格式</a:t>
+            </a:r>
+          </a:p>
+          <a:p>
+            <a:pPr algn="l"/>
+            <a:r>
+              <a:rPr lang="en-US" altLang="zh-CN" dirty="0">
+                <a:solidFill>
+                  <a:schemeClr val="bg1"/>
+                </a:solidFill>
+              </a:rPr>
+              <a:t>ab -n1000 -c 10 http:/www.snail.com/ </a:t>
+            </a:r>
+            <a:endParaRPr lang="en-US" altLang="zh-CN" dirty="0" smtClean="0">
+              <a:solidFill>
+                <a:schemeClr val="bg1"/>
+              </a:solidFill>
+            </a:endParaRPr>
+          </a:p>
+          <a:p>
+            <a:pPr algn="l"/>
+            <a:endParaRPr lang="en-US" altLang="zh-CN" dirty="0">
+              <a:solidFill>
+                <a:schemeClr val="bg1"/>
+              </a:solidFill>
+            </a:endParaRPr>
+          </a:p>
+          <a:p>
+            <a:pPr algn="l"/>
+            <a:r>
+              <a:rPr lang="en-US" altLang="zh-CN" dirty="0" smtClean="0">
+                <a:solidFill>
+                  <a:schemeClr val="bg1"/>
+                </a:solidFill>
+              </a:rPr>
+              <a:t>#</a:t>
+            </a:r>
+            <a:r>
+              <a:rPr lang="zh-CN" altLang="en-US" dirty="0">
+                <a:solidFill>
+                  <a:schemeClr val="bg1"/>
+                </a:solidFill>
+              </a:rPr>
+              <a:t>常用参数</a:t>
+            </a:r>
+            <a:r>
+              <a:rPr lang="zh-CN" altLang="en-US" dirty="0" smtClean="0">
+                <a:solidFill>
+                  <a:schemeClr val="bg1"/>
+                </a:solidFill>
+              </a:rPr>
+              <a:t>说明</a:t>
+            </a:r>
+            <a:endParaRPr lang="en-US" altLang="zh-CN" dirty="0" smtClean="0">
+              <a:solidFill>
+                <a:schemeClr val="bg1"/>
+              </a:solidFill>
+            </a:endParaRPr>
+          </a:p>
+          <a:p>
+            <a:pPr algn="l"/>
+            <a:r>
+              <a:rPr lang="en-US" altLang="zh-CN" dirty="0">
+                <a:solidFill>
+                  <a:schemeClr val="bg1"/>
+                </a:solidFill>
+              </a:rPr>
+              <a:t>-n  </a:t>
+            </a:r>
+            <a:r>
+              <a:rPr lang="zh-CN" altLang="en-US" dirty="0">
+                <a:solidFill>
+                  <a:schemeClr val="bg1"/>
+                </a:solidFill>
+              </a:rPr>
+              <a:t>即</a:t>
+            </a:r>
+            <a:r>
+              <a:rPr lang="en-US" altLang="zh-CN" dirty="0">
+                <a:solidFill>
+                  <a:schemeClr val="bg1"/>
+                </a:solidFill>
+              </a:rPr>
+              <a:t>requests</a:t>
+            </a:r>
+            <a:r>
+              <a:rPr lang="zh-CN" altLang="en-US" dirty="0">
+                <a:solidFill>
+                  <a:schemeClr val="bg1"/>
+                </a:solidFill>
+              </a:rPr>
+              <a:t>，用于指定压力测试总共的执行次数。</a:t>
+            </a:r>
+          </a:p>
+          <a:p>
+            <a:pPr algn="l"/>
+            <a:r>
+              <a:rPr lang="en-US" altLang="zh-CN" dirty="0">
+                <a:solidFill>
+                  <a:schemeClr val="bg1"/>
+                </a:solidFill>
+              </a:rPr>
+              <a:t>-c  </a:t>
+            </a:r>
+            <a:r>
+              <a:rPr lang="zh-CN" altLang="en-US" dirty="0">
+                <a:solidFill>
+                  <a:schemeClr val="bg1"/>
+                </a:solidFill>
+              </a:rPr>
+              <a:t>即</a:t>
+            </a:r>
+            <a:r>
+              <a:rPr lang="en-US" altLang="zh-CN" dirty="0">
+                <a:solidFill>
+                  <a:schemeClr val="bg1"/>
+                </a:solidFill>
+              </a:rPr>
+              <a:t>concurrency</a:t>
+            </a:r>
+            <a:r>
+              <a:rPr lang="zh-CN" altLang="en-US" dirty="0">
+                <a:solidFill>
+                  <a:schemeClr val="bg1"/>
+                </a:solidFill>
+              </a:rPr>
+              <a:t>，用于指定压力测试的并发数。</a:t>
+            </a:r>
+          </a:p>
+          <a:p>
+            <a:pPr algn="l"/>
+            <a:r>
+              <a:rPr lang="en-US" altLang="zh-CN" dirty="0">
+                <a:solidFill>
+                  <a:schemeClr val="bg1"/>
+                </a:solidFill>
+              </a:rPr>
+              <a:t>-t  </a:t>
+            </a:r>
+            <a:r>
+              <a:rPr lang="zh-CN" altLang="en-US" dirty="0">
+                <a:solidFill>
+                  <a:schemeClr val="bg1"/>
+                </a:solidFill>
+              </a:rPr>
+              <a:t>即</a:t>
+            </a:r>
+            <a:r>
+              <a:rPr lang="en-US" altLang="zh-CN" dirty="0" err="1">
+                <a:solidFill>
+                  <a:schemeClr val="bg1"/>
+                </a:solidFill>
+              </a:rPr>
+              <a:t>timelimit</a:t>
+            </a:r>
+            <a:r>
+              <a:rPr lang="zh-CN" altLang="en-US" dirty="0">
+                <a:solidFill>
+                  <a:schemeClr val="bg1"/>
+                </a:solidFill>
+              </a:rPr>
+              <a:t>，等待响应的最大时间</a:t>
+            </a:r>
+            <a:r>
+              <a:rPr lang="en-US" altLang="zh-CN" dirty="0">
+                <a:solidFill>
+                  <a:schemeClr val="bg1"/>
+                </a:solidFill>
+              </a:rPr>
+              <a:t>(</a:t>
+            </a:r>
+            <a:r>
+              <a:rPr lang="zh-CN" altLang="en-US" dirty="0">
+                <a:solidFill>
+                  <a:schemeClr val="bg1"/>
+                </a:solidFill>
+              </a:rPr>
+              <a:t>单位：秒</a:t>
+            </a:r>
+            <a:r>
+              <a:rPr lang="en-US" altLang="zh-CN" dirty="0">
+                <a:solidFill>
+                  <a:schemeClr val="bg1"/>
+                </a:solidFill>
+              </a:rPr>
+              <a:t>)</a:t>
+            </a:r>
+            <a:r>
+              <a:rPr lang="zh-CN" altLang="en-US" dirty="0" smtClean="0">
+                <a:solidFill>
+                  <a:schemeClr val="bg1"/>
+                </a:solidFill>
+              </a:rPr>
+              <a:t>。</a:t>
+            </a:r>
+            <a:endParaRPr lang="en-US" altLang="zh-CN" dirty="0" smtClean="0">
+              <a:solidFill>
+                <a:schemeClr val="bg1"/>
+              </a:solidFill>
+            </a:endParaRPr>
+          </a:p>
+          <a:p>
+            <a:pPr algn="l"/>
+            <a:endParaRPr lang="en-US" altLang="zh-CN" dirty="0">
+              <a:solidFill>
+                <a:schemeClr val="bg1"/>
+              </a:solidFill>
+            </a:endParaRPr>
+          </a:p>
+          <a:p>
+            <a:pPr algn="l"/>
+            <a:r>
+              <a:rPr lang="zh-CN" altLang="en-US" dirty="0">
+                <a:solidFill>
+                  <a:schemeClr val="bg1"/>
+                </a:solidFill>
+              </a:rPr>
+              <a:t>更多使用方法详见 </a:t>
+            </a:r>
+            <a:r>
+              <a:rPr lang="en-US" altLang="zh-CN" dirty="0">
+                <a:solidFill>
+                  <a:schemeClr val="bg1"/>
+                </a:solidFill>
+              </a:rPr>
+              <a:t>[ab </a:t>
+            </a:r>
+            <a:r>
+              <a:rPr lang="zh-CN" altLang="en-US" dirty="0">
+                <a:solidFill>
+                  <a:schemeClr val="bg1"/>
+                </a:solidFill>
+              </a:rPr>
+              <a:t>官方文档</a:t>
+            </a:r>
+            <a:r>
+              <a:rPr lang="en-US" altLang="zh-CN" dirty="0">
+                <a:solidFill>
+                  <a:schemeClr val="bg1"/>
+                </a:solidFill>
+              </a:rPr>
+              <a:t>](http://httpd.apache.org/docs/2.0/programs/ab.html)</a:t>
+            </a:r>
+            <a:endParaRPr lang="zh-CN" altLang="en-US" dirty="0">
+              <a:solidFill>
+                <a:schemeClr val="bg1"/>
+              </a:solidFill>
+            </a:endParaRPr>
+          </a:p>
+        </p:txBody>
+      </p:sp>
+    </p:spTree>
+    <p:extLst>
+      <p:ext uri="{BB962C8B-B14F-4D97-AF65-F5344CB8AC3E}">
+        <p14:creationId xmlns:p14="http://schemas.microsoft.com/office/powerpoint/2010/main" val="3094103815"/>
+      </p:ext>
+    </p:extLst>
+  </p:cSld>
+  <p:clrMapOvr>
+    <a:masterClrMapping/>
+  </p:clrMapOvr>
+  <p:transition spd="med"/>
+</p:sld>
+</file>
+
+<file path=ppt/slides/slide9.xml><?xml version="1.0" encoding="utf-8"?>
+<p:sld xmlns:a="http://schemas.openxmlformats.org/drawingml/2006/main" xmlns:r="http://schemas.openxmlformats.org/officeDocument/2006/relationships" xmlns:p="http://schemas.openxmlformats.org/presentationml/2006/main">
+  <p:cSld>
+    <p:spTree>
+      <p:nvGrpSpPr>
+        <p:cNvPr id="1" name=""/>
+        <p:cNvGrpSpPr/>
+        <p:nvPr/>
+      </p:nvGrpSpPr>
+      <p:grpSpPr>
+        <a:xfrm>
+          <a:off x="0" y="0"/>
+          <a:ext cx="0" cy="0"/>
+          <a:chOff x="0" y="0"/>
+          <a:chExt cx="0" cy="0"/>
+        </a:xfrm>
+      </p:grpSpPr>
       <p:sp>
         <p:nvSpPr>
-          <p:cNvPr id="10" name="文本占位符 9"/>
+          <p:cNvPr id="6" name="标题 5"/>
           <p:cNvSpPr>
             <a:spLocks noGrp="1"/>
           </p:cNvSpPr>
           <p:nvPr>
-            <p:ph type="body" sz="quarter" idx="11"/>
+            <p:ph type="title"/>
           </p:nvPr>
+        </p:nvSpPr>
+        <p:spPr/>
+        <p:txBody>
+          <a:bodyPr/>
+          <a:lstStyle/>
+          <a:p>
+            <a:r>
+              <a:rPr kumimoji="1" lang="en-US" altLang="zh-CN" dirty="0" smtClean="0"/>
+              <a:t>1.1 </a:t>
+            </a:r>
+            <a:r>
+              <a:rPr kumimoji="1" lang="zh-CN" altLang="en-US" dirty="0" smtClean="0"/>
+              <a:t>压力</a:t>
+            </a:r>
+            <a:r>
+              <a:rPr kumimoji="1" lang="zh-CN" altLang="en-US" dirty="0"/>
+              <a:t>测试工具</a:t>
+            </a:r>
+            <a:r>
+              <a:rPr kumimoji="1" lang="en-US" altLang="zh-CN" dirty="0"/>
+              <a:t>ab</a:t>
+            </a:r>
+            <a:endParaRPr kumimoji="1" lang="en-US" altLang="zh-CN" dirty="0"/>
+          </a:p>
+        </p:txBody>
+      </p:sp>
+      <p:sp>
+        <p:nvSpPr>
+          <p:cNvPr id="3" name="文本框 2"/>
+          <p:cNvSpPr txBox="1"/>
+          <p:nvPr/>
         </p:nvSpPr>
         <p:spPr>
           <a:xfrm>
-            <a:off x="2462530" y="2731770"/>
-            <a:ext cx="19457670" cy="10222230"/>
+            <a:off x="2462400" y="3764263"/>
+            <a:ext cx="19458000" cy="974626"/>
           </a:xfrm>
+          <a:prstGeom prst="rect">
+            <a:avLst/>
+          </a:prstGeom>
+          <a:noFill/>
+          <a:ln w="12700" cap="flat">
+            <a:noFill/>
+            <a:miter lim="400000"/>
+          </a:ln>
+        </p:spPr>
+        <p:style>
+          <a:lnRef idx="0">
+            <a:scrgbClr r="0" g="0" b="0"/>
+          </a:lnRef>
+          <a:fillRef idx="0">
+            <a:scrgbClr r="0" g="0" b="0"/>
+          </a:fillRef>
+          <a:effectRef idx="0">
+            <a:scrgbClr r="0" g="0" b="0"/>
+          </a:effectRef>
+          <a:fontRef idx="none"/>
+        </p:style>
+        <p:txBody>
+          <a:bodyPr rot="0" spcFirstLastPara="1" vertOverflow="overflow" horzOverflow="overflow" vert="horz" wrap="square" lIns="50800" tIns="50800" rIns="50800" bIns="50800" numCol="1" spcCol="38100" rtlCol="0" anchor="ctr">
+            <a:spAutoFit/>
+          </a:bodyPr>
+          <a:lstStyle/>
+          <a:p>
+            <a:pPr marL="571500" indent="-571500" algn="l">
+              <a:spcBef>
+                <a:spcPts val="1000"/>
+              </a:spcBef>
+              <a:spcAft>
+                <a:spcPts val="1000"/>
+              </a:spcAft>
+              <a:buSzPct val="125000"/>
+              <a:buFont typeface="Arial" panose="020B0604020202090204" pitchFamily="34" charset="0"/>
+              <a:buChar char="•"/>
+            </a:pPr>
+            <a:r>
+              <a:rPr kumimoji="1" lang="zh-CN" altLang="en-US" sz="4000" b="0" dirty="0" smtClean="0">
+                <a:solidFill>
+                  <a:srgbClr val="FFFFFF"/>
+                </a:solidFill>
+                <a:latin typeface="Helvetica" pitchFamily="2" charset="0"/>
+                <a:ea typeface="Alibaba PuHuiTi R" panose="00020600040101010101" pitchFamily="18" charset="-122"/>
+                <a:cs typeface="Alibaba PuHuiTi R" panose="00020600040101010101" pitchFamily="18" charset="-122"/>
+              </a:rPr>
+              <a:t>样例</a:t>
+            </a:r>
+            <a:endParaRPr kumimoji="1" lang="zh-CN" altLang="en-US" sz="4000" b="0" dirty="0">
+              <a:solidFill>
+                <a:srgbClr val="FFFFFF"/>
+              </a:solidFill>
+              <a:latin typeface="Helvetica" pitchFamily="2" charset="0"/>
+              <a:ea typeface="Alibaba PuHuiTi R" panose="00020600040101010101" pitchFamily="18" charset="-122"/>
+              <a:cs typeface="Alibaba PuHuiTi R" panose="00020600040101010101" pitchFamily="18" charset="-122"/>
+            </a:endParaRPr>
+          </a:p>
+        </p:txBody>
+      </p:sp>
+      <p:sp>
+        <p:nvSpPr>
+          <p:cNvPr id="4" name="矩形 3"/>
+          <p:cNvSpPr/>
+          <p:nvPr/>
+        </p:nvSpPr>
+        <p:spPr>
+          <a:xfrm>
+            <a:off x="2987040" y="4738889"/>
+            <a:ext cx="14595566" cy="2400657"/>
+          </a:xfrm>
+          <a:prstGeom prst="rect">
+            <a:avLst/>
+          </a:prstGeom>
         </p:spPr>
         <p:txBody>
-          <a:bodyPr anchor="t" anchorCtr="0">
-            <a:noAutofit/>
+          <a:bodyPr wrap="square">
+            <a:spAutoFit/>
           </a:bodyPr>
           <a:lstStyle/>
           <a:p>
-            <a:pPr>
-              <a:buFont typeface="Arial" panose="020B0604020202090204" pitchFamily="34" charset="0"/>
-            </a:pPr>
-            <a:r>
-              <a:rPr lang="zh-CN" altLang="en-US">
-                <a:solidFill>
-                  <a:schemeClr val="bg1"/>
-                </a:solidFill>
-                <a:sym typeface="+mn-ea"/>
-              </a:rPr>
-              <a:t>基础库中大量自定义的 </a:t>
-            </a:r>
-            <a:r>
-              <a:rPr lang="en-US" altLang="zh-CN" i="1">
-                <a:solidFill>
-                  <a:schemeClr val="accent1"/>
-                </a:solidFill>
-                <a:latin typeface="Helvetica Oblique" charset="0"/>
-                <a:cs typeface="Helvetica Oblique" charset="0"/>
-                <a:sym typeface="+mn-ea"/>
-              </a:rPr>
-              <a:t>error</a:t>
-            </a:r>
-            <a:r>
-              <a:rPr lang="zh-CN" altLang="en-US">
-                <a:solidFill>
-                  <a:schemeClr val="bg1"/>
-                </a:solidFill>
-                <a:sym typeface="+mn-ea"/>
-              </a:rPr>
-              <a:t>。</a:t>
-            </a:r>
-            <a:endParaRPr lang="zh-CN" altLang="en-US" sz="3600">
+            <a:pPr algn="l"/>
+            <a:r>
+              <a:rPr lang="en-US" altLang="zh-CN" dirty="0">
+                <a:solidFill>
+                  <a:schemeClr val="bg1"/>
+                </a:solidFill>
+              </a:rPr>
+              <a:t># -n</a:t>
+            </a:r>
+            <a:r>
+              <a:rPr lang="zh-CN" altLang="en-US" dirty="0">
+                <a:solidFill>
+                  <a:schemeClr val="bg1"/>
+                </a:solidFill>
+              </a:rPr>
+              <a:t>发出</a:t>
+            </a:r>
+            <a:r>
+              <a:rPr lang="en-US" altLang="zh-CN" dirty="0">
+                <a:solidFill>
+                  <a:schemeClr val="bg1"/>
+                </a:solidFill>
+              </a:rPr>
+              <a:t>800</a:t>
+            </a:r>
+            <a:r>
+              <a:rPr lang="zh-CN" altLang="en-US" dirty="0">
+                <a:solidFill>
+                  <a:schemeClr val="bg1"/>
+                </a:solidFill>
+              </a:rPr>
+              <a:t>个请求，</a:t>
+            </a:r>
+            <a:r>
+              <a:rPr lang="en-US" altLang="zh-CN" dirty="0">
+                <a:solidFill>
+                  <a:schemeClr val="bg1"/>
+                </a:solidFill>
+              </a:rPr>
+              <a:t>-c</a:t>
+            </a:r>
+            <a:r>
+              <a:rPr lang="zh-CN" altLang="en-US" dirty="0">
+                <a:solidFill>
+                  <a:schemeClr val="bg1"/>
+                </a:solidFill>
+              </a:rPr>
+              <a:t>模拟</a:t>
+            </a:r>
+            <a:r>
+              <a:rPr lang="en-US" altLang="zh-CN" dirty="0">
+                <a:solidFill>
+                  <a:schemeClr val="bg1"/>
+                </a:solidFill>
+              </a:rPr>
+              <a:t>800</a:t>
+            </a:r>
+            <a:r>
+              <a:rPr lang="zh-CN" altLang="en-US" dirty="0">
+                <a:solidFill>
+                  <a:schemeClr val="bg1"/>
+                </a:solidFill>
+              </a:rPr>
+              <a:t>并发，相当</a:t>
+            </a:r>
+            <a:r>
+              <a:rPr lang="en-US" altLang="zh-CN" dirty="0">
+                <a:solidFill>
+                  <a:schemeClr val="bg1"/>
+                </a:solidFill>
+              </a:rPr>
+              <a:t>800</a:t>
+            </a:r>
+            <a:r>
+              <a:rPr lang="zh-CN" altLang="en-US" dirty="0">
+                <a:solidFill>
+                  <a:schemeClr val="bg1"/>
+                </a:solidFill>
+              </a:rPr>
+              <a:t>人同时访问，后面是测试</a:t>
+            </a:r>
+            <a:r>
+              <a:rPr lang="en-US" altLang="zh-CN" dirty="0" err="1">
+                <a:solidFill>
+                  <a:schemeClr val="bg1"/>
+                </a:solidFill>
+              </a:rPr>
+              <a:t>url</a:t>
+            </a:r>
+            <a:endParaRPr lang="en-US" altLang="zh-CN" dirty="0">
               <a:solidFill>
                 <a:schemeClr val="bg1"/>
               </a:solidFill>
-              <a:sym typeface="+mn-ea"/>
             </a:endParaRPr>
           </a:p>
           <a:p>
-            <a:pPr>
-              <a:buFont typeface="Arial" panose="020B0604020202090204" pitchFamily="34" charset="0"/>
-            </a:pPr>
-            <a:endParaRPr lang="zh-CN" altLang="en-US" sz="3600">
+            <a:pPr algn="l"/>
+            <a:r>
+              <a:rPr lang="en-US" altLang="zh-CN" dirty="0">
+                <a:solidFill>
+                  <a:schemeClr val="bg1"/>
+                </a:solidFill>
+              </a:rPr>
+              <a:t>ab -n 800 -c 800  http://192.168.0.10/ </a:t>
+            </a:r>
+          </a:p>
+          <a:p>
+            <a:pPr algn="l"/>
+            <a:endParaRPr lang="en-US" altLang="zh-CN" dirty="0">
               <a:solidFill>
                 <a:schemeClr val="bg1"/>
               </a:solidFill>
-              <a:sym typeface="+mn-ea"/>
             </a:endParaRPr>
           </a:p>
           <a:p>
-            <a:pPr>
-              <a:buFont typeface="Arial" panose="020B0604020202090204" pitchFamily="34" charset="0"/>
-            </a:pPr>
-            <a:endParaRPr lang="zh-CN" altLang="en-US" sz="3600">
+            <a:pPr algn="l"/>
+            <a:r>
+              <a:rPr lang="en-US" altLang="zh-CN" dirty="0">
+                <a:solidFill>
+                  <a:schemeClr val="bg1"/>
+                </a:solidFill>
+              </a:rPr>
+              <a:t>#</a:t>
+            </a:r>
+            <a:r>
+              <a:rPr lang="zh-CN" altLang="en-US" dirty="0">
+                <a:solidFill>
+                  <a:schemeClr val="bg1"/>
+                </a:solidFill>
+              </a:rPr>
+              <a:t>在</a:t>
+            </a:r>
+            <a:r>
+              <a:rPr lang="en-US" altLang="zh-CN" dirty="0">
+                <a:solidFill>
+                  <a:schemeClr val="bg1"/>
+                </a:solidFill>
+              </a:rPr>
+              <a:t>60</a:t>
+            </a:r>
+            <a:r>
+              <a:rPr lang="zh-CN" altLang="en-US" dirty="0">
+                <a:solidFill>
+                  <a:schemeClr val="bg1"/>
+                </a:solidFill>
+              </a:rPr>
+              <a:t>秒内发请求，一次</a:t>
+            </a:r>
+            <a:r>
+              <a:rPr lang="en-US" altLang="zh-CN" dirty="0">
+                <a:solidFill>
+                  <a:schemeClr val="bg1"/>
+                </a:solidFill>
+              </a:rPr>
+              <a:t>100</a:t>
+            </a:r>
+            <a:r>
+              <a:rPr lang="zh-CN" altLang="en-US" dirty="0">
+                <a:solidFill>
+                  <a:schemeClr val="bg1"/>
+                </a:solidFill>
+              </a:rPr>
+              <a:t>个并发请求。</a:t>
+            </a:r>
+          </a:p>
+          <a:p>
+            <a:pPr algn="l"/>
+            <a:r>
+              <a:rPr lang="en-US" altLang="zh-CN" dirty="0">
+                <a:solidFill>
+                  <a:schemeClr val="bg1"/>
+                </a:solidFill>
+              </a:rPr>
+              <a:t>ab -t 60 -c 100 http://192.168.0.10/ </a:t>
+            </a:r>
+            <a:endParaRPr lang="zh-CN" altLang="en-US" dirty="0">
               <a:solidFill>
                 <a:schemeClr val="bg1"/>
               </a:solidFill>
-              <a:sym typeface="+mn-ea"/>
             </a:endParaRPr>
-          </a:p>
-          <a:p>
-            <a:pPr>
-              <a:buFont typeface="Arial" panose="020B0604020202090204" pitchFamily="34" charset="0"/>
-            </a:pPr>
-            <a:endParaRPr lang="zh-CN" altLang="en-US" sz="3600">
-              <a:solidFill>
-                <a:schemeClr val="bg1"/>
-              </a:solidFill>
-              <a:sym typeface="+mn-ea"/>
-            </a:endParaRPr>
-          </a:p>
-          <a:p>
-            <a:pPr>
-              <a:buFont typeface="Arial" panose="020B0604020202090204" pitchFamily="34" charset="0"/>
-            </a:pPr>
-            <a:endParaRPr lang="zh-CN" altLang="en-US" sz="3600">
-              <a:solidFill>
-                <a:schemeClr val="bg1"/>
-              </a:solidFill>
-              <a:sym typeface="+mn-ea"/>
-            </a:endParaRPr>
-          </a:p>
-          <a:p>
-            <a:pPr>
-              <a:buFont typeface="Arial" panose="020B0604020202090204" pitchFamily="34" charset="0"/>
-            </a:pPr>
-            <a:endParaRPr lang="zh-CN" altLang="en-US" sz="3600">
-              <a:solidFill>
-                <a:schemeClr val="bg1"/>
-              </a:solidFill>
-              <a:sym typeface="+mn-ea"/>
-            </a:endParaRPr>
-          </a:p>
-          <a:p>
-            <a:pPr>
-              <a:buFont typeface="Arial" panose="020B0604020202090204" pitchFamily="34" charset="0"/>
-            </a:pPr>
-            <a:r>
-              <a:rPr lang="en-US" altLang="zh-CN" i="1">
-                <a:solidFill>
-                  <a:schemeClr val="accent1"/>
-                </a:solidFill>
-                <a:latin typeface="Helvetica Oblique" charset="0"/>
-                <a:cs typeface="Helvetica Oblique" charset="0"/>
-                <a:sym typeface="+mn-ea"/>
-              </a:rPr>
-              <a:t>errors.New()</a:t>
-            </a:r>
-            <a:r>
-              <a:rPr lang="en-US" altLang="zh-CN" i="1">
-                <a:solidFill>
-                  <a:schemeClr val="accent2"/>
-                </a:solidFill>
-                <a:latin typeface="Helvetica Oblique" charset="0"/>
-                <a:cs typeface="Helvetica Oblique" charset="0"/>
-                <a:sym typeface="+mn-ea"/>
-              </a:rPr>
-              <a:t> </a:t>
-            </a:r>
-            <a:r>
-              <a:rPr lang="zh-CN" altLang="en-US">
-                <a:solidFill>
-                  <a:schemeClr val="bg1"/>
-                </a:solidFill>
-                <a:sym typeface="+mn-ea"/>
-              </a:rPr>
-              <a:t>返回的是 内部 </a:t>
-            </a:r>
-            <a:r>
-              <a:rPr lang="en-US" altLang="zh-CN" i="1">
-                <a:solidFill>
-                  <a:schemeClr val="accent1"/>
-                </a:solidFill>
-                <a:latin typeface="Helvetica Oblique" charset="0"/>
-                <a:cs typeface="Helvetica Oblique" charset="0"/>
-                <a:sym typeface="+mn-ea"/>
-              </a:rPr>
-              <a:t>errorString </a:t>
-            </a:r>
-            <a:r>
-              <a:rPr lang="zh-CN" altLang="en-US">
-                <a:solidFill>
-                  <a:schemeClr val="bg1"/>
-                </a:solidFill>
-                <a:sym typeface="+mn-ea"/>
-              </a:rPr>
-              <a:t>对象的指针。</a:t>
-            </a:r>
           </a:p>
         </p:txBody>
       </p:sp>
     </p:spTree>
+    <p:extLst>
+      <p:ext uri="{BB962C8B-B14F-4D97-AF65-F5344CB8AC3E}">
+        <p14:creationId xmlns:p14="http://schemas.microsoft.com/office/powerpoint/2010/main" val="2015925526"/>
+      </p:ext>
+    </p:extLst>
   </p:cSld>
   <p:clrMapOvr>
     <a:masterClrMapping/>

--- a/Go专题系列/性能分析和优化专题/性能分析和优化专题.pptx
+++ b/Go专题系列/性能分析和优化专题/性能分析和优化专题.pptx
@@ -5,10 +5,10 @@
     <p:sldMasterId id="2147483648" r:id="rId1"/>
   </p:sldMasterIdLst>
   <p:notesMasterIdLst>
-    <p:notesMasterId r:id="rId35"/>
+    <p:notesMasterId r:id="rId53"/>
   </p:notesMasterIdLst>
   <p:handoutMasterIdLst>
-    <p:handoutMasterId r:id="rId36"/>
+    <p:handoutMasterId r:id="rId54"/>
   </p:handoutMasterIdLst>
   <p:sldIdLst>
     <p:sldId id="256" r:id="rId2"/>
@@ -34,16 +34,34 @@
     <p:sldId id="448" r:id="rId22"/>
     <p:sldId id="449" r:id="rId23"/>
     <p:sldId id="450" r:id="rId24"/>
-    <p:sldId id="451" r:id="rId25"/>
-    <p:sldId id="431" r:id="rId26"/>
-    <p:sldId id="432" r:id="rId27"/>
-    <p:sldId id="433" r:id="rId28"/>
-    <p:sldId id="434" r:id="rId29"/>
-    <p:sldId id="435" r:id="rId30"/>
-    <p:sldId id="436" r:id="rId31"/>
-    <p:sldId id="437" r:id="rId32"/>
-    <p:sldId id="438" r:id="rId33"/>
-    <p:sldId id="439" r:id="rId34"/>
+    <p:sldId id="452" r:id="rId25"/>
+    <p:sldId id="451" r:id="rId26"/>
+    <p:sldId id="431" r:id="rId27"/>
+    <p:sldId id="453" r:id="rId28"/>
+    <p:sldId id="456" r:id="rId29"/>
+    <p:sldId id="457" r:id="rId30"/>
+    <p:sldId id="455" r:id="rId31"/>
+    <p:sldId id="458" r:id="rId32"/>
+    <p:sldId id="454" r:id="rId33"/>
+    <p:sldId id="459" r:id="rId34"/>
+    <p:sldId id="460" r:id="rId35"/>
+    <p:sldId id="461" r:id="rId36"/>
+    <p:sldId id="467" r:id="rId37"/>
+    <p:sldId id="468" r:id="rId38"/>
+    <p:sldId id="470" r:id="rId39"/>
+    <p:sldId id="432" r:id="rId40"/>
+    <p:sldId id="462" r:id="rId41"/>
+    <p:sldId id="463" r:id="rId42"/>
+    <p:sldId id="464" r:id="rId43"/>
+    <p:sldId id="465" r:id="rId44"/>
+    <p:sldId id="466" r:id="rId45"/>
+    <p:sldId id="433" r:id="rId46"/>
+    <p:sldId id="434" r:id="rId47"/>
+    <p:sldId id="435" r:id="rId48"/>
+    <p:sldId id="436" r:id="rId49"/>
+    <p:sldId id="437" r:id="rId50"/>
+    <p:sldId id="438" r:id="rId51"/>
+    <p:sldId id="439" r:id="rId52"/>
   </p:sldIdLst>
   <p:sldSz cx="24384000" cy="13716000"/>
   <p:notesSz cx="6858000" cy="9144000"/>
@@ -425,7 +443,7 @@
           <a:p>
             <a:fld id="{0F9B84EA-7D68-4D60-9CB1-D50884785D1C}" type="datetimeFigureOut">
               <a:rPr lang="zh-CN" altLang="en-US" smtClean="0"/>
-              <a:t>2021/5/6</a:t>
+              <a:t>2021/5/7</a:t>
             </a:fld>
             <a:endParaRPr lang="zh-CN" altLang="en-US"/>
           </a:p>
@@ -1280,7 +1298,139 @@
     </p:spTree>
     <p:extLst>
       <p:ext uri="{BB962C8B-B14F-4D97-AF65-F5344CB8AC3E}">
+        <p14:creationId xmlns:p14="http://schemas.microsoft.com/office/powerpoint/2010/main" val="4241433662"/>
+      </p:ext>
+    </p:extLst>
+  </p:cSld>
+  <p:clrMapOvr>
+    <a:masterClrMapping/>
+  </p:clrMapOvr>
+</p:notes>
+</file>
+
+<file path=ppt/notesSlides/notesSlide18.xml><?xml version="1.0" encoding="utf-8"?>
+<p:notes xmlns:a="http://schemas.openxmlformats.org/drawingml/2006/main" xmlns:r="http://schemas.openxmlformats.org/officeDocument/2006/relationships" xmlns:p="http://schemas.openxmlformats.org/presentationml/2006/main">
+  <p:cSld>
+    <p:spTree>
+      <p:nvGrpSpPr>
+        <p:cNvPr id="1" name=""/>
+        <p:cNvGrpSpPr/>
+        <p:nvPr/>
+      </p:nvGrpSpPr>
+      <p:grpSpPr>
+        <a:xfrm>
+          <a:off x="0" y="0"/>
+          <a:ext cx="0" cy="0"/>
+          <a:chOff x="0" y="0"/>
+          <a:chExt cx="0" cy="0"/>
+        </a:xfrm>
+      </p:grpSpPr>
+      <p:sp>
+        <p:nvSpPr>
+          <p:cNvPr id="2" name="幻灯片图像占位符 1"/>
+          <p:cNvSpPr>
+            <a:spLocks noGrp="1" noRot="1" noChangeAspect="1"/>
+          </p:cNvSpPr>
+          <p:nvPr>
+            <p:ph type="sldImg"/>
+          </p:nvPr>
+        </p:nvSpPr>
+        <p:spPr>
+          <a:xfrm>
+            <a:off x="381000" y="685800"/>
+            <a:ext cx="6096000" cy="3429000"/>
+          </a:xfrm>
+        </p:spPr>
+      </p:sp>
+      <p:sp>
+        <p:nvSpPr>
+          <p:cNvPr id="3" name="文本占位符 2"/>
+          <p:cNvSpPr>
+            <a:spLocks noGrp="1"/>
+          </p:cNvSpPr>
+          <p:nvPr>
+            <p:ph type="body" idx="1"/>
+          </p:nvPr>
+        </p:nvSpPr>
+        <p:spPr/>
+        <p:txBody>
+          <a:bodyPr/>
+          <a:lstStyle/>
+          <a:p>
+            <a:endParaRPr lang="zh-CN" altLang="en-US"/>
+          </a:p>
+        </p:txBody>
+      </p:sp>
+    </p:spTree>
+    <p:extLst>
+      <p:ext uri="{BB962C8B-B14F-4D97-AF65-F5344CB8AC3E}">
         <p14:creationId xmlns:p14="http://schemas.microsoft.com/office/powerpoint/2010/main" val="81528230"/>
+      </p:ext>
+    </p:extLst>
+  </p:cSld>
+  <p:clrMapOvr>
+    <a:masterClrMapping/>
+  </p:clrMapOvr>
+</p:notes>
+</file>
+
+<file path=ppt/notesSlides/notesSlide19.xml><?xml version="1.0" encoding="utf-8"?>
+<p:notes xmlns:a="http://schemas.openxmlformats.org/drawingml/2006/main" xmlns:r="http://schemas.openxmlformats.org/officeDocument/2006/relationships" xmlns:p="http://schemas.openxmlformats.org/presentationml/2006/main">
+  <p:cSld>
+    <p:spTree>
+      <p:nvGrpSpPr>
+        <p:cNvPr id="1" name=""/>
+        <p:cNvGrpSpPr/>
+        <p:nvPr/>
+      </p:nvGrpSpPr>
+      <p:grpSpPr>
+        <a:xfrm>
+          <a:off x="0" y="0"/>
+          <a:ext cx="0" cy="0"/>
+          <a:chOff x="0" y="0"/>
+          <a:chExt cx="0" cy="0"/>
+        </a:xfrm>
+      </p:grpSpPr>
+      <p:sp>
+        <p:nvSpPr>
+          <p:cNvPr id="2" name="幻灯片图像占位符 1"/>
+          <p:cNvSpPr>
+            <a:spLocks noGrp="1" noRot="1" noChangeAspect="1"/>
+          </p:cNvSpPr>
+          <p:nvPr>
+            <p:ph type="sldImg"/>
+          </p:nvPr>
+        </p:nvSpPr>
+        <p:spPr>
+          <a:xfrm>
+            <a:off x="381000" y="685800"/>
+            <a:ext cx="6096000" cy="3429000"/>
+          </a:xfrm>
+        </p:spPr>
+      </p:sp>
+      <p:sp>
+        <p:nvSpPr>
+          <p:cNvPr id="3" name="文本占位符 2"/>
+          <p:cNvSpPr>
+            <a:spLocks noGrp="1"/>
+          </p:cNvSpPr>
+          <p:nvPr>
+            <p:ph type="body" idx="1"/>
+          </p:nvPr>
+        </p:nvSpPr>
+        <p:spPr/>
+        <p:txBody>
+          <a:bodyPr/>
+          <a:lstStyle/>
+          <a:p>
+            <a:endParaRPr lang="zh-CN" altLang="en-US"/>
+          </a:p>
+        </p:txBody>
+      </p:sp>
+    </p:spTree>
+    <p:extLst>
+      <p:ext uri="{BB962C8B-B14F-4D97-AF65-F5344CB8AC3E}">
+        <p14:creationId xmlns:p14="http://schemas.microsoft.com/office/powerpoint/2010/main" val="4026445442"/>
       </p:ext>
     </p:extLst>
   </p:cSld>
@@ -1356,6 +1506,666 @@
 </p:notes>
 </file>
 
+<file path=ppt/notesSlides/notesSlide20.xml><?xml version="1.0" encoding="utf-8"?>
+<p:notes xmlns:a="http://schemas.openxmlformats.org/drawingml/2006/main" xmlns:r="http://schemas.openxmlformats.org/officeDocument/2006/relationships" xmlns:p="http://schemas.openxmlformats.org/presentationml/2006/main">
+  <p:cSld>
+    <p:spTree>
+      <p:nvGrpSpPr>
+        <p:cNvPr id="1" name=""/>
+        <p:cNvGrpSpPr/>
+        <p:nvPr/>
+      </p:nvGrpSpPr>
+      <p:grpSpPr>
+        <a:xfrm>
+          <a:off x="0" y="0"/>
+          <a:ext cx="0" cy="0"/>
+          <a:chOff x="0" y="0"/>
+          <a:chExt cx="0" cy="0"/>
+        </a:xfrm>
+      </p:grpSpPr>
+      <p:sp>
+        <p:nvSpPr>
+          <p:cNvPr id="2" name="幻灯片图像占位符 1"/>
+          <p:cNvSpPr>
+            <a:spLocks noGrp="1" noRot="1" noChangeAspect="1"/>
+          </p:cNvSpPr>
+          <p:nvPr>
+            <p:ph type="sldImg"/>
+          </p:nvPr>
+        </p:nvSpPr>
+        <p:spPr>
+          <a:xfrm>
+            <a:off x="381000" y="685800"/>
+            <a:ext cx="6096000" cy="3429000"/>
+          </a:xfrm>
+        </p:spPr>
+      </p:sp>
+      <p:sp>
+        <p:nvSpPr>
+          <p:cNvPr id="3" name="文本占位符 2"/>
+          <p:cNvSpPr>
+            <a:spLocks noGrp="1"/>
+          </p:cNvSpPr>
+          <p:nvPr>
+            <p:ph type="body" idx="1"/>
+          </p:nvPr>
+        </p:nvSpPr>
+        <p:spPr/>
+        <p:txBody>
+          <a:bodyPr/>
+          <a:lstStyle/>
+          <a:p>
+            <a:endParaRPr lang="zh-CN" altLang="en-US"/>
+          </a:p>
+        </p:txBody>
+      </p:sp>
+    </p:spTree>
+    <p:extLst>
+      <p:ext uri="{BB962C8B-B14F-4D97-AF65-F5344CB8AC3E}">
+        <p14:creationId xmlns:p14="http://schemas.microsoft.com/office/powerpoint/2010/main" val="3148209373"/>
+      </p:ext>
+    </p:extLst>
+  </p:cSld>
+  <p:clrMapOvr>
+    <a:masterClrMapping/>
+  </p:clrMapOvr>
+</p:notes>
+</file>
+
+<file path=ppt/notesSlides/notesSlide21.xml><?xml version="1.0" encoding="utf-8"?>
+<p:notes xmlns:a="http://schemas.openxmlformats.org/drawingml/2006/main" xmlns:r="http://schemas.openxmlformats.org/officeDocument/2006/relationships" xmlns:p="http://schemas.openxmlformats.org/presentationml/2006/main">
+  <p:cSld>
+    <p:spTree>
+      <p:nvGrpSpPr>
+        <p:cNvPr id="1" name=""/>
+        <p:cNvGrpSpPr/>
+        <p:nvPr/>
+      </p:nvGrpSpPr>
+      <p:grpSpPr>
+        <a:xfrm>
+          <a:off x="0" y="0"/>
+          <a:ext cx="0" cy="0"/>
+          <a:chOff x="0" y="0"/>
+          <a:chExt cx="0" cy="0"/>
+        </a:xfrm>
+      </p:grpSpPr>
+      <p:sp>
+        <p:nvSpPr>
+          <p:cNvPr id="2" name="幻灯片图像占位符 1"/>
+          <p:cNvSpPr>
+            <a:spLocks noGrp="1" noRot="1" noChangeAspect="1"/>
+          </p:cNvSpPr>
+          <p:nvPr>
+            <p:ph type="sldImg"/>
+          </p:nvPr>
+        </p:nvSpPr>
+        <p:spPr>
+          <a:xfrm>
+            <a:off x="381000" y="685800"/>
+            <a:ext cx="6096000" cy="3429000"/>
+          </a:xfrm>
+        </p:spPr>
+      </p:sp>
+      <p:sp>
+        <p:nvSpPr>
+          <p:cNvPr id="3" name="文本占位符 2"/>
+          <p:cNvSpPr>
+            <a:spLocks noGrp="1"/>
+          </p:cNvSpPr>
+          <p:nvPr>
+            <p:ph type="body" idx="1"/>
+          </p:nvPr>
+        </p:nvSpPr>
+        <p:spPr/>
+        <p:txBody>
+          <a:bodyPr/>
+          <a:lstStyle/>
+          <a:p>
+            <a:endParaRPr lang="zh-CN" altLang="en-US"/>
+          </a:p>
+        </p:txBody>
+      </p:sp>
+    </p:spTree>
+    <p:extLst>
+      <p:ext uri="{BB962C8B-B14F-4D97-AF65-F5344CB8AC3E}">
+        <p14:creationId xmlns:p14="http://schemas.microsoft.com/office/powerpoint/2010/main" val="1474811948"/>
+      </p:ext>
+    </p:extLst>
+  </p:cSld>
+  <p:clrMapOvr>
+    <a:masterClrMapping/>
+  </p:clrMapOvr>
+</p:notes>
+</file>
+
+<file path=ppt/notesSlides/notesSlide22.xml><?xml version="1.0" encoding="utf-8"?>
+<p:notes xmlns:a="http://schemas.openxmlformats.org/drawingml/2006/main" xmlns:r="http://schemas.openxmlformats.org/officeDocument/2006/relationships" xmlns:p="http://schemas.openxmlformats.org/presentationml/2006/main">
+  <p:cSld>
+    <p:spTree>
+      <p:nvGrpSpPr>
+        <p:cNvPr id="1" name=""/>
+        <p:cNvGrpSpPr/>
+        <p:nvPr/>
+      </p:nvGrpSpPr>
+      <p:grpSpPr>
+        <a:xfrm>
+          <a:off x="0" y="0"/>
+          <a:ext cx="0" cy="0"/>
+          <a:chOff x="0" y="0"/>
+          <a:chExt cx="0" cy="0"/>
+        </a:xfrm>
+      </p:grpSpPr>
+      <p:sp>
+        <p:nvSpPr>
+          <p:cNvPr id="2" name="幻灯片图像占位符 1"/>
+          <p:cNvSpPr>
+            <a:spLocks noGrp="1" noRot="1" noChangeAspect="1"/>
+          </p:cNvSpPr>
+          <p:nvPr>
+            <p:ph type="sldImg"/>
+          </p:nvPr>
+        </p:nvSpPr>
+        <p:spPr>
+          <a:xfrm>
+            <a:off x="381000" y="685800"/>
+            <a:ext cx="6096000" cy="3429000"/>
+          </a:xfrm>
+        </p:spPr>
+      </p:sp>
+      <p:sp>
+        <p:nvSpPr>
+          <p:cNvPr id="3" name="文本占位符 2"/>
+          <p:cNvSpPr>
+            <a:spLocks noGrp="1"/>
+          </p:cNvSpPr>
+          <p:nvPr>
+            <p:ph type="body" idx="1"/>
+          </p:nvPr>
+        </p:nvSpPr>
+        <p:spPr/>
+        <p:txBody>
+          <a:bodyPr/>
+          <a:lstStyle/>
+          <a:p>
+            <a:endParaRPr lang="zh-CN" altLang="en-US"/>
+          </a:p>
+        </p:txBody>
+      </p:sp>
+    </p:spTree>
+    <p:extLst>
+      <p:ext uri="{BB962C8B-B14F-4D97-AF65-F5344CB8AC3E}">
+        <p14:creationId xmlns:p14="http://schemas.microsoft.com/office/powerpoint/2010/main" val="1353584697"/>
+      </p:ext>
+    </p:extLst>
+  </p:cSld>
+  <p:clrMapOvr>
+    <a:masterClrMapping/>
+  </p:clrMapOvr>
+</p:notes>
+</file>
+
+<file path=ppt/notesSlides/notesSlide23.xml><?xml version="1.0" encoding="utf-8"?>
+<p:notes xmlns:a="http://schemas.openxmlformats.org/drawingml/2006/main" xmlns:r="http://schemas.openxmlformats.org/officeDocument/2006/relationships" xmlns:p="http://schemas.openxmlformats.org/presentationml/2006/main">
+  <p:cSld>
+    <p:spTree>
+      <p:nvGrpSpPr>
+        <p:cNvPr id="1" name=""/>
+        <p:cNvGrpSpPr/>
+        <p:nvPr/>
+      </p:nvGrpSpPr>
+      <p:grpSpPr>
+        <a:xfrm>
+          <a:off x="0" y="0"/>
+          <a:ext cx="0" cy="0"/>
+          <a:chOff x="0" y="0"/>
+          <a:chExt cx="0" cy="0"/>
+        </a:xfrm>
+      </p:grpSpPr>
+      <p:sp>
+        <p:nvSpPr>
+          <p:cNvPr id="2" name="幻灯片图像占位符 1"/>
+          <p:cNvSpPr>
+            <a:spLocks noGrp="1" noRot="1" noChangeAspect="1"/>
+          </p:cNvSpPr>
+          <p:nvPr>
+            <p:ph type="sldImg"/>
+          </p:nvPr>
+        </p:nvSpPr>
+        <p:spPr>
+          <a:xfrm>
+            <a:off x="381000" y="685800"/>
+            <a:ext cx="6096000" cy="3429000"/>
+          </a:xfrm>
+        </p:spPr>
+      </p:sp>
+      <p:sp>
+        <p:nvSpPr>
+          <p:cNvPr id="3" name="文本占位符 2"/>
+          <p:cNvSpPr>
+            <a:spLocks noGrp="1"/>
+          </p:cNvSpPr>
+          <p:nvPr>
+            <p:ph type="body" idx="1"/>
+          </p:nvPr>
+        </p:nvSpPr>
+        <p:spPr/>
+        <p:txBody>
+          <a:bodyPr/>
+          <a:lstStyle/>
+          <a:p>
+            <a:endParaRPr lang="zh-CN" altLang="en-US"/>
+          </a:p>
+        </p:txBody>
+      </p:sp>
+    </p:spTree>
+    <p:extLst>
+      <p:ext uri="{BB962C8B-B14F-4D97-AF65-F5344CB8AC3E}">
+        <p14:creationId xmlns:p14="http://schemas.microsoft.com/office/powerpoint/2010/main" val="910411769"/>
+      </p:ext>
+    </p:extLst>
+  </p:cSld>
+  <p:clrMapOvr>
+    <a:masterClrMapping/>
+  </p:clrMapOvr>
+</p:notes>
+</file>
+
+<file path=ppt/notesSlides/notesSlide24.xml><?xml version="1.0" encoding="utf-8"?>
+<p:notes xmlns:a="http://schemas.openxmlformats.org/drawingml/2006/main" xmlns:r="http://schemas.openxmlformats.org/officeDocument/2006/relationships" xmlns:p="http://schemas.openxmlformats.org/presentationml/2006/main">
+  <p:cSld>
+    <p:spTree>
+      <p:nvGrpSpPr>
+        <p:cNvPr id="1" name=""/>
+        <p:cNvGrpSpPr/>
+        <p:nvPr/>
+      </p:nvGrpSpPr>
+      <p:grpSpPr>
+        <a:xfrm>
+          <a:off x="0" y="0"/>
+          <a:ext cx="0" cy="0"/>
+          <a:chOff x="0" y="0"/>
+          <a:chExt cx="0" cy="0"/>
+        </a:xfrm>
+      </p:grpSpPr>
+      <p:sp>
+        <p:nvSpPr>
+          <p:cNvPr id="2" name="幻灯片图像占位符 1"/>
+          <p:cNvSpPr>
+            <a:spLocks noGrp="1" noRot="1" noChangeAspect="1"/>
+          </p:cNvSpPr>
+          <p:nvPr>
+            <p:ph type="sldImg"/>
+          </p:nvPr>
+        </p:nvSpPr>
+        <p:spPr>
+          <a:xfrm>
+            <a:off x="381000" y="685800"/>
+            <a:ext cx="6096000" cy="3429000"/>
+          </a:xfrm>
+        </p:spPr>
+      </p:sp>
+      <p:sp>
+        <p:nvSpPr>
+          <p:cNvPr id="3" name="文本占位符 2"/>
+          <p:cNvSpPr>
+            <a:spLocks noGrp="1"/>
+          </p:cNvSpPr>
+          <p:nvPr>
+            <p:ph type="body" idx="1"/>
+          </p:nvPr>
+        </p:nvSpPr>
+        <p:spPr/>
+        <p:txBody>
+          <a:bodyPr/>
+          <a:lstStyle/>
+          <a:p>
+            <a:endParaRPr lang="zh-CN" altLang="en-US" dirty="0"/>
+          </a:p>
+        </p:txBody>
+      </p:sp>
+    </p:spTree>
+    <p:extLst>
+      <p:ext uri="{BB962C8B-B14F-4D97-AF65-F5344CB8AC3E}">
+        <p14:creationId xmlns:p14="http://schemas.microsoft.com/office/powerpoint/2010/main" val="414338549"/>
+      </p:ext>
+    </p:extLst>
+  </p:cSld>
+  <p:clrMapOvr>
+    <a:masterClrMapping/>
+  </p:clrMapOvr>
+</p:notes>
+</file>
+
+<file path=ppt/notesSlides/notesSlide25.xml><?xml version="1.0" encoding="utf-8"?>
+<p:notes xmlns:a="http://schemas.openxmlformats.org/drawingml/2006/main" xmlns:r="http://schemas.openxmlformats.org/officeDocument/2006/relationships" xmlns:p="http://schemas.openxmlformats.org/presentationml/2006/main">
+  <p:cSld>
+    <p:spTree>
+      <p:nvGrpSpPr>
+        <p:cNvPr id="1" name=""/>
+        <p:cNvGrpSpPr/>
+        <p:nvPr/>
+      </p:nvGrpSpPr>
+      <p:grpSpPr>
+        <a:xfrm>
+          <a:off x="0" y="0"/>
+          <a:ext cx="0" cy="0"/>
+          <a:chOff x="0" y="0"/>
+          <a:chExt cx="0" cy="0"/>
+        </a:xfrm>
+      </p:grpSpPr>
+      <p:sp>
+        <p:nvSpPr>
+          <p:cNvPr id="2" name="幻灯片图像占位符 1"/>
+          <p:cNvSpPr>
+            <a:spLocks noGrp="1" noRot="1" noChangeAspect="1"/>
+          </p:cNvSpPr>
+          <p:nvPr>
+            <p:ph type="sldImg"/>
+          </p:nvPr>
+        </p:nvSpPr>
+        <p:spPr>
+          <a:xfrm>
+            <a:off x="381000" y="685800"/>
+            <a:ext cx="6096000" cy="3429000"/>
+          </a:xfrm>
+        </p:spPr>
+      </p:sp>
+      <p:sp>
+        <p:nvSpPr>
+          <p:cNvPr id="3" name="文本占位符 2"/>
+          <p:cNvSpPr>
+            <a:spLocks noGrp="1"/>
+          </p:cNvSpPr>
+          <p:nvPr>
+            <p:ph type="body" idx="1"/>
+          </p:nvPr>
+        </p:nvSpPr>
+        <p:spPr/>
+        <p:txBody>
+          <a:bodyPr/>
+          <a:lstStyle/>
+          <a:p>
+            <a:endParaRPr lang="zh-CN" altLang="en-US" dirty="0"/>
+          </a:p>
+        </p:txBody>
+      </p:sp>
+    </p:spTree>
+    <p:extLst>
+      <p:ext uri="{BB962C8B-B14F-4D97-AF65-F5344CB8AC3E}">
+        <p14:creationId xmlns:p14="http://schemas.microsoft.com/office/powerpoint/2010/main" val="193296118"/>
+      </p:ext>
+    </p:extLst>
+  </p:cSld>
+  <p:clrMapOvr>
+    <a:masterClrMapping/>
+  </p:clrMapOvr>
+</p:notes>
+</file>
+
+<file path=ppt/notesSlides/notesSlide26.xml><?xml version="1.0" encoding="utf-8"?>
+<p:notes xmlns:a="http://schemas.openxmlformats.org/drawingml/2006/main" xmlns:r="http://schemas.openxmlformats.org/officeDocument/2006/relationships" xmlns:p="http://schemas.openxmlformats.org/presentationml/2006/main">
+  <p:cSld>
+    <p:spTree>
+      <p:nvGrpSpPr>
+        <p:cNvPr id="1" name=""/>
+        <p:cNvGrpSpPr/>
+        <p:nvPr/>
+      </p:nvGrpSpPr>
+      <p:grpSpPr>
+        <a:xfrm>
+          <a:off x="0" y="0"/>
+          <a:ext cx="0" cy="0"/>
+          <a:chOff x="0" y="0"/>
+          <a:chExt cx="0" cy="0"/>
+        </a:xfrm>
+      </p:grpSpPr>
+      <p:sp>
+        <p:nvSpPr>
+          <p:cNvPr id="2" name="幻灯片图像占位符 1"/>
+          <p:cNvSpPr>
+            <a:spLocks noGrp="1" noRot="1" noChangeAspect="1"/>
+          </p:cNvSpPr>
+          <p:nvPr>
+            <p:ph type="sldImg"/>
+          </p:nvPr>
+        </p:nvSpPr>
+        <p:spPr>
+          <a:xfrm>
+            <a:off x="381000" y="685800"/>
+            <a:ext cx="6096000" cy="3429000"/>
+          </a:xfrm>
+        </p:spPr>
+      </p:sp>
+      <p:sp>
+        <p:nvSpPr>
+          <p:cNvPr id="3" name="文本占位符 2"/>
+          <p:cNvSpPr>
+            <a:spLocks noGrp="1"/>
+          </p:cNvSpPr>
+          <p:nvPr>
+            <p:ph type="body" idx="1"/>
+          </p:nvPr>
+        </p:nvSpPr>
+        <p:spPr/>
+        <p:txBody>
+          <a:bodyPr/>
+          <a:lstStyle/>
+          <a:p>
+            <a:endParaRPr lang="zh-CN" altLang="en-US"/>
+          </a:p>
+        </p:txBody>
+      </p:sp>
+    </p:spTree>
+    <p:extLst>
+      <p:ext uri="{BB962C8B-B14F-4D97-AF65-F5344CB8AC3E}">
+        <p14:creationId xmlns:p14="http://schemas.microsoft.com/office/powerpoint/2010/main" val="2958110710"/>
+      </p:ext>
+    </p:extLst>
+  </p:cSld>
+  <p:clrMapOvr>
+    <a:masterClrMapping/>
+  </p:clrMapOvr>
+</p:notes>
+</file>
+
+<file path=ppt/notesSlides/notesSlide27.xml><?xml version="1.0" encoding="utf-8"?>
+<p:notes xmlns:a="http://schemas.openxmlformats.org/drawingml/2006/main" xmlns:r="http://schemas.openxmlformats.org/officeDocument/2006/relationships" xmlns:p="http://schemas.openxmlformats.org/presentationml/2006/main">
+  <p:cSld>
+    <p:spTree>
+      <p:nvGrpSpPr>
+        <p:cNvPr id="1" name=""/>
+        <p:cNvGrpSpPr/>
+        <p:nvPr/>
+      </p:nvGrpSpPr>
+      <p:grpSpPr>
+        <a:xfrm>
+          <a:off x="0" y="0"/>
+          <a:ext cx="0" cy="0"/>
+          <a:chOff x="0" y="0"/>
+          <a:chExt cx="0" cy="0"/>
+        </a:xfrm>
+      </p:grpSpPr>
+      <p:sp>
+        <p:nvSpPr>
+          <p:cNvPr id="2" name="幻灯片图像占位符 1"/>
+          <p:cNvSpPr>
+            <a:spLocks noGrp="1" noRot="1" noChangeAspect="1"/>
+          </p:cNvSpPr>
+          <p:nvPr>
+            <p:ph type="sldImg"/>
+          </p:nvPr>
+        </p:nvSpPr>
+        <p:spPr>
+          <a:xfrm>
+            <a:off x="381000" y="685800"/>
+            <a:ext cx="6096000" cy="3429000"/>
+          </a:xfrm>
+        </p:spPr>
+      </p:sp>
+      <p:sp>
+        <p:nvSpPr>
+          <p:cNvPr id="3" name="文本占位符 2"/>
+          <p:cNvSpPr>
+            <a:spLocks noGrp="1"/>
+          </p:cNvSpPr>
+          <p:nvPr>
+            <p:ph type="body" idx="1"/>
+          </p:nvPr>
+        </p:nvSpPr>
+        <p:spPr/>
+        <p:txBody>
+          <a:bodyPr/>
+          <a:lstStyle/>
+          <a:p>
+            <a:endParaRPr lang="zh-CN" altLang="en-US"/>
+          </a:p>
+        </p:txBody>
+      </p:sp>
+    </p:spTree>
+    <p:extLst>
+      <p:ext uri="{BB962C8B-B14F-4D97-AF65-F5344CB8AC3E}">
+        <p14:creationId xmlns:p14="http://schemas.microsoft.com/office/powerpoint/2010/main" val="2830665957"/>
+      </p:ext>
+    </p:extLst>
+  </p:cSld>
+  <p:clrMapOvr>
+    <a:masterClrMapping/>
+  </p:clrMapOvr>
+</p:notes>
+</file>
+
+<file path=ppt/notesSlides/notesSlide28.xml><?xml version="1.0" encoding="utf-8"?>
+<p:notes xmlns:a="http://schemas.openxmlformats.org/drawingml/2006/main" xmlns:r="http://schemas.openxmlformats.org/officeDocument/2006/relationships" xmlns:p="http://schemas.openxmlformats.org/presentationml/2006/main">
+  <p:cSld>
+    <p:spTree>
+      <p:nvGrpSpPr>
+        <p:cNvPr id="1" name=""/>
+        <p:cNvGrpSpPr/>
+        <p:nvPr/>
+      </p:nvGrpSpPr>
+      <p:grpSpPr>
+        <a:xfrm>
+          <a:off x="0" y="0"/>
+          <a:ext cx="0" cy="0"/>
+          <a:chOff x="0" y="0"/>
+          <a:chExt cx="0" cy="0"/>
+        </a:xfrm>
+      </p:grpSpPr>
+      <p:sp>
+        <p:nvSpPr>
+          <p:cNvPr id="2" name="幻灯片图像占位符 1"/>
+          <p:cNvSpPr>
+            <a:spLocks noGrp="1" noRot="1" noChangeAspect="1"/>
+          </p:cNvSpPr>
+          <p:nvPr>
+            <p:ph type="sldImg"/>
+          </p:nvPr>
+        </p:nvSpPr>
+        <p:spPr>
+          <a:xfrm>
+            <a:off x="381000" y="685800"/>
+            <a:ext cx="6096000" cy="3429000"/>
+          </a:xfrm>
+        </p:spPr>
+      </p:sp>
+      <p:sp>
+        <p:nvSpPr>
+          <p:cNvPr id="3" name="文本占位符 2"/>
+          <p:cNvSpPr>
+            <a:spLocks noGrp="1"/>
+          </p:cNvSpPr>
+          <p:nvPr>
+            <p:ph type="body" idx="1"/>
+          </p:nvPr>
+        </p:nvSpPr>
+        <p:spPr/>
+        <p:txBody>
+          <a:bodyPr/>
+          <a:lstStyle/>
+          <a:p>
+            <a:endParaRPr lang="zh-CN" altLang="en-US"/>
+          </a:p>
+        </p:txBody>
+      </p:sp>
+    </p:spTree>
+    <p:extLst>
+      <p:ext uri="{BB962C8B-B14F-4D97-AF65-F5344CB8AC3E}">
+        <p14:creationId xmlns:p14="http://schemas.microsoft.com/office/powerpoint/2010/main" val="1761505980"/>
+      </p:ext>
+    </p:extLst>
+  </p:cSld>
+  <p:clrMapOvr>
+    <a:masterClrMapping/>
+  </p:clrMapOvr>
+</p:notes>
+</file>
+
+<file path=ppt/notesSlides/notesSlide29.xml><?xml version="1.0" encoding="utf-8"?>
+<p:notes xmlns:a="http://schemas.openxmlformats.org/drawingml/2006/main" xmlns:r="http://schemas.openxmlformats.org/officeDocument/2006/relationships" xmlns:p="http://schemas.openxmlformats.org/presentationml/2006/main">
+  <p:cSld>
+    <p:spTree>
+      <p:nvGrpSpPr>
+        <p:cNvPr id="1" name=""/>
+        <p:cNvGrpSpPr/>
+        <p:nvPr/>
+      </p:nvGrpSpPr>
+      <p:grpSpPr>
+        <a:xfrm>
+          <a:off x="0" y="0"/>
+          <a:ext cx="0" cy="0"/>
+          <a:chOff x="0" y="0"/>
+          <a:chExt cx="0" cy="0"/>
+        </a:xfrm>
+      </p:grpSpPr>
+      <p:sp>
+        <p:nvSpPr>
+          <p:cNvPr id="2" name="幻灯片图像占位符 1"/>
+          <p:cNvSpPr>
+            <a:spLocks noGrp="1" noRot="1" noChangeAspect="1"/>
+          </p:cNvSpPr>
+          <p:nvPr>
+            <p:ph type="sldImg"/>
+          </p:nvPr>
+        </p:nvSpPr>
+        <p:spPr>
+          <a:xfrm>
+            <a:off x="381000" y="685800"/>
+            <a:ext cx="6096000" cy="3429000"/>
+          </a:xfrm>
+        </p:spPr>
+      </p:sp>
+      <p:sp>
+        <p:nvSpPr>
+          <p:cNvPr id="3" name="文本占位符 2"/>
+          <p:cNvSpPr>
+            <a:spLocks noGrp="1"/>
+          </p:cNvSpPr>
+          <p:nvPr>
+            <p:ph type="body" idx="1"/>
+          </p:nvPr>
+        </p:nvSpPr>
+        <p:spPr/>
+        <p:txBody>
+          <a:bodyPr/>
+          <a:lstStyle/>
+          <a:p>
+            <a:endParaRPr lang="zh-CN" altLang="en-US"/>
+          </a:p>
+        </p:txBody>
+      </p:sp>
+    </p:spTree>
+    <p:extLst>
+      <p:ext uri="{BB962C8B-B14F-4D97-AF65-F5344CB8AC3E}">
+        <p14:creationId xmlns:p14="http://schemas.microsoft.com/office/powerpoint/2010/main" val="1508930971"/>
+      </p:ext>
+    </p:extLst>
+  </p:cSld>
+  <p:clrMapOvr>
+    <a:masterClrMapping/>
+  </p:clrMapOvr>
+</p:notes>
+</file>
+
 <file path=ppt/notesSlides/notesSlide3.xml><?xml version="1.0" encoding="utf-8"?>
 <p:notes xmlns:a="http://schemas.openxmlformats.org/drawingml/2006/main" xmlns:r="http://schemas.openxmlformats.org/officeDocument/2006/relationships" xmlns:p="http://schemas.openxmlformats.org/presentationml/2006/main">
   <p:cSld>
@@ -1413,6 +2223,336 @@
     <p:extLst>
       <p:ext uri="{BB962C8B-B14F-4D97-AF65-F5344CB8AC3E}">
         <p14:creationId xmlns:p14="http://schemas.microsoft.com/office/powerpoint/2010/main" val="2895031714"/>
+      </p:ext>
+    </p:extLst>
+  </p:cSld>
+  <p:clrMapOvr>
+    <a:masterClrMapping/>
+  </p:clrMapOvr>
+</p:notes>
+</file>
+
+<file path=ppt/notesSlides/notesSlide30.xml><?xml version="1.0" encoding="utf-8"?>
+<p:notes xmlns:a="http://schemas.openxmlformats.org/drawingml/2006/main" xmlns:r="http://schemas.openxmlformats.org/officeDocument/2006/relationships" xmlns:p="http://schemas.openxmlformats.org/presentationml/2006/main">
+  <p:cSld>
+    <p:spTree>
+      <p:nvGrpSpPr>
+        <p:cNvPr id="1" name=""/>
+        <p:cNvGrpSpPr/>
+        <p:nvPr/>
+      </p:nvGrpSpPr>
+      <p:grpSpPr>
+        <a:xfrm>
+          <a:off x="0" y="0"/>
+          <a:ext cx="0" cy="0"/>
+          <a:chOff x="0" y="0"/>
+          <a:chExt cx="0" cy="0"/>
+        </a:xfrm>
+      </p:grpSpPr>
+      <p:sp>
+        <p:nvSpPr>
+          <p:cNvPr id="2" name="幻灯片图像占位符 1"/>
+          <p:cNvSpPr>
+            <a:spLocks noGrp="1" noRot="1" noChangeAspect="1"/>
+          </p:cNvSpPr>
+          <p:nvPr>
+            <p:ph type="sldImg"/>
+          </p:nvPr>
+        </p:nvSpPr>
+        <p:spPr>
+          <a:xfrm>
+            <a:off x="381000" y="685800"/>
+            <a:ext cx="6096000" cy="3429000"/>
+          </a:xfrm>
+        </p:spPr>
+      </p:sp>
+      <p:sp>
+        <p:nvSpPr>
+          <p:cNvPr id="3" name="文本占位符 2"/>
+          <p:cNvSpPr>
+            <a:spLocks noGrp="1"/>
+          </p:cNvSpPr>
+          <p:nvPr>
+            <p:ph type="body" idx="1"/>
+          </p:nvPr>
+        </p:nvSpPr>
+        <p:spPr/>
+        <p:txBody>
+          <a:bodyPr/>
+          <a:lstStyle/>
+          <a:p>
+            <a:endParaRPr lang="zh-CN" altLang="en-US"/>
+          </a:p>
+        </p:txBody>
+      </p:sp>
+    </p:spTree>
+    <p:extLst>
+      <p:ext uri="{BB962C8B-B14F-4D97-AF65-F5344CB8AC3E}">
+        <p14:creationId xmlns:p14="http://schemas.microsoft.com/office/powerpoint/2010/main" val="1874976240"/>
+      </p:ext>
+    </p:extLst>
+  </p:cSld>
+  <p:clrMapOvr>
+    <a:masterClrMapping/>
+  </p:clrMapOvr>
+</p:notes>
+</file>
+
+<file path=ppt/notesSlides/notesSlide31.xml><?xml version="1.0" encoding="utf-8"?>
+<p:notes xmlns:a="http://schemas.openxmlformats.org/drawingml/2006/main" xmlns:r="http://schemas.openxmlformats.org/officeDocument/2006/relationships" xmlns:p="http://schemas.openxmlformats.org/presentationml/2006/main">
+  <p:cSld>
+    <p:spTree>
+      <p:nvGrpSpPr>
+        <p:cNvPr id="1" name=""/>
+        <p:cNvGrpSpPr/>
+        <p:nvPr/>
+      </p:nvGrpSpPr>
+      <p:grpSpPr>
+        <a:xfrm>
+          <a:off x="0" y="0"/>
+          <a:ext cx="0" cy="0"/>
+          <a:chOff x="0" y="0"/>
+          <a:chExt cx="0" cy="0"/>
+        </a:xfrm>
+      </p:grpSpPr>
+      <p:sp>
+        <p:nvSpPr>
+          <p:cNvPr id="2" name="幻灯片图像占位符 1"/>
+          <p:cNvSpPr>
+            <a:spLocks noGrp="1" noRot="1" noChangeAspect="1"/>
+          </p:cNvSpPr>
+          <p:nvPr>
+            <p:ph type="sldImg"/>
+          </p:nvPr>
+        </p:nvSpPr>
+        <p:spPr>
+          <a:xfrm>
+            <a:off x="381000" y="685800"/>
+            <a:ext cx="6096000" cy="3429000"/>
+          </a:xfrm>
+        </p:spPr>
+      </p:sp>
+      <p:sp>
+        <p:nvSpPr>
+          <p:cNvPr id="3" name="文本占位符 2"/>
+          <p:cNvSpPr>
+            <a:spLocks noGrp="1"/>
+          </p:cNvSpPr>
+          <p:nvPr>
+            <p:ph type="body" idx="1"/>
+          </p:nvPr>
+        </p:nvSpPr>
+        <p:spPr/>
+        <p:txBody>
+          <a:bodyPr/>
+          <a:lstStyle/>
+          <a:p>
+            <a:endParaRPr lang="zh-CN" altLang="en-US"/>
+          </a:p>
+        </p:txBody>
+      </p:sp>
+    </p:spTree>
+    <p:extLst>
+      <p:ext uri="{BB962C8B-B14F-4D97-AF65-F5344CB8AC3E}">
+        <p14:creationId xmlns:p14="http://schemas.microsoft.com/office/powerpoint/2010/main" val="2214740035"/>
+      </p:ext>
+    </p:extLst>
+  </p:cSld>
+  <p:clrMapOvr>
+    <a:masterClrMapping/>
+  </p:clrMapOvr>
+</p:notes>
+</file>
+
+<file path=ppt/notesSlides/notesSlide32.xml><?xml version="1.0" encoding="utf-8"?>
+<p:notes xmlns:a="http://schemas.openxmlformats.org/drawingml/2006/main" xmlns:r="http://schemas.openxmlformats.org/officeDocument/2006/relationships" xmlns:p="http://schemas.openxmlformats.org/presentationml/2006/main">
+  <p:cSld>
+    <p:spTree>
+      <p:nvGrpSpPr>
+        <p:cNvPr id="1" name=""/>
+        <p:cNvGrpSpPr/>
+        <p:nvPr/>
+      </p:nvGrpSpPr>
+      <p:grpSpPr>
+        <a:xfrm>
+          <a:off x="0" y="0"/>
+          <a:ext cx="0" cy="0"/>
+          <a:chOff x="0" y="0"/>
+          <a:chExt cx="0" cy="0"/>
+        </a:xfrm>
+      </p:grpSpPr>
+      <p:sp>
+        <p:nvSpPr>
+          <p:cNvPr id="2" name="幻灯片图像占位符 1"/>
+          <p:cNvSpPr>
+            <a:spLocks noGrp="1" noRot="1" noChangeAspect="1"/>
+          </p:cNvSpPr>
+          <p:nvPr>
+            <p:ph type="sldImg"/>
+          </p:nvPr>
+        </p:nvSpPr>
+        <p:spPr>
+          <a:xfrm>
+            <a:off x="381000" y="685800"/>
+            <a:ext cx="6096000" cy="3429000"/>
+          </a:xfrm>
+        </p:spPr>
+      </p:sp>
+      <p:sp>
+        <p:nvSpPr>
+          <p:cNvPr id="3" name="文本占位符 2"/>
+          <p:cNvSpPr>
+            <a:spLocks noGrp="1"/>
+          </p:cNvSpPr>
+          <p:nvPr>
+            <p:ph type="body" idx="1"/>
+          </p:nvPr>
+        </p:nvSpPr>
+        <p:spPr/>
+        <p:txBody>
+          <a:bodyPr/>
+          <a:lstStyle/>
+          <a:p>
+            <a:endParaRPr lang="zh-CN" altLang="en-US"/>
+          </a:p>
+        </p:txBody>
+      </p:sp>
+    </p:spTree>
+    <p:extLst>
+      <p:ext uri="{BB962C8B-B14F-4D97-AF65-F5344CB8AC3E}">
+        <p14:creationId xmlns:p14="http://schemas.microsoft.com/office/powerpoint/2010/main" val="480775057"/>
+      </p:ext>
+    </p:extLst>
+  </p:cSld>
+  <p:clrMapOvr>
+    <a:masterClrMapping/>
+  </p:clrMapOvr>
+</p:notes>
+</file>
+
+<file path=ppt/notesSlides/notesSlide33.xml><?xml version="1.0" encoding="utf-8"?>
+<p:notes xmlns:a="http://schemas.openxmlformats.org/drawingml/2006/main" xmlns:r="http://schemas.openxmlformats.org/officeDocument/2006/relationships" xmlns:p="http://schemas.openxmlformats.org/presentationml/2006/main">
+  <p:cSld>
+    <p:spTree>
+      <p:nvGrpSpPr>
+        <p:cNvPr id="1" name=""/>
+        <p:cNvGrpSpPr/>
+        <p:nvPr/>
+      </p:nvGrpSpPr>
+      <p:grpSpPr>
+        <a:xfrm>
+          <a:off x="0" y="0"/>
+          <a:ext cx="0" cy="0"/>
+          <a:chOff x="0" y="0"/>
+          <a:chExt cx="0" cy="0"/>
+        </a:xfrm>
+      </p:grpSpPr>
+      <p:sp>
+        <p:nvSpPr>
+          <p:cNvPr id="2" name="幻灯片图像占位符 1"/>
+          <p:cNvSpPr>
+            <a:spLocks noGrp="1" noRot="1" noChangeAspect="1"/>
+          </p:cNvSpPr>
+          <p:nvPr>
+            <p:ph type="sldImg"/>
+          </p:nvPr>
+        </p:nvSpPr>
+        <p:spPr>
+          <a:xfrm>
+            <a:off x="381000" y="685800"/>
+            <a:ext cx="6096000" cy="3429000"/>
+          </a:xfrm>
+        </p:spPr>
+      </p:sp>
+      <p:sp>
+        <p:nvSpPr>
+          <p:cNvPr id="3" name="文本占位符 2"/>
+          <p:cNvSpPr>
+            <a:spLocks noGrp="1"/>
+          </p:cNvSpPr>
+          <p:nvPr>
+            <p:ph type="body" idx="1"/>
+          </p:nvPr>
+        </p:nvSpPr>
+        <p:spPr/>
+        <p:txBody>
+          <a:bodyPr/>
+          <a:lstStyle/>
+          <a:p>
+            <a:endParaRPr lang="zh-CN" altLang="en-US"/>
+          </a:p>
+        </p:txBody>
+      </p:sp>
+    </p:spTree>
+    <p:extLst>
+      <p:ext uri="{BB962C8B-B14F-4D97-AF65-F5344CB8AC3E}">
+        <p14:creationId xmlns:p14="http://schemas.microsoft.com/office/powerpoint/2010/main" val="1498246333"/>
+      </p:ext>
+    </p:extLst>
+  </p:cSld>
+  <p:clrMapOvr>
+    <a:masterClrMapping/>
+  </p:clrMapOvr>
+</p:notes>
+</file>
+
+<file path=ppt/notesSlides/notesSlide34.xml><?xml version="1.0" encoding="utf-8"?>
+<p:notes xmlns:a="http://schemas.openxmlformats.org/drawingml/2006/main" xmlns:r="http://schemas.openxmlformats.org/officeDocument/2006/relationships" xmlns:p="http://schemas.openxmlformats.org/presentationml/2006/main">
+  <p:cSld>
+    <p:spTree>
+      <p:nvGrpSpPr>
+        <p:cNvPr id="1" name=""/>
+        <p:cNvGrpSpPr/>
+        <p:nvPr/>
+      </p:nvGrpSpPr>
+      <p:grpSpPr>
+        <a:xfrm>
+          <a:off x="0" y="0"/>
+          <a:ext cx="0" cy="0"/>
+          <a:chOff x="0" y="0"/>
+          <a:chExt cx="0" cy="0"/>
+        </a:xfrm>
+      </p:grpSpPr>
+      <p:sp>
+        <p:nvSpPr>
+          <p:cNvPr id="2" name="幻灯片图像占位符 1"/>
+          <p:cNvSpPr>
+            <a:spLocks noGrp="1" noRot="1" noChangeAspect="1"/>
+          </p:cNvSpPr>
+          <p:nvPr>
+            <p:ph type="sldImg"/>
+          </p:nvPr>
+        </p:nvSpPr>
+        <p:spPr>
+          <a:xfrm>
+            <a:off x="381000" y="685800"/>
+            <a:ext cx="6096000" cy="3429000"/>
+          </a:xfrm>
+        </p:spPr>
+      </p:sp>
+      <p:sp>
+        <p:nvSpPr>
+          <p:cNvPr id="3" name="文本占位符 2"/>
+          <p:cNvSpPr>
+            <a:spLocks noGrp="1"/>
+          </p:cNvSpPr>
+          <p:nvPr>
+            <p:ph type="body" idx="1"/>
+          </p:nvPr>
+        </p:nvSpPr>
+        <p:spPr/>
+        <p:txBody>
+          <a:bodyPr/>
+          <a:lstStyle/>
+          <a:p>
+            <a:endParaRPr lang="zh-CN" altLang="en-US"/>
+          </a:p>
+        </p:txBody>
+      </p:sp>
+    </p:spTree>
+    <p:extLst>
+      <p:ext uri="{BB962C8B-B14F-4D97-AF65-F5344CB8AC3E}">
+        <p14:creationId xmlns:p14="http://schemas.microsoft.com/office/powerpoint/2010/main" val="2664990961"/>
       </p:ext>
     </p:extLst>
   </p:cSld>
@@ -3532,7 +4672,6 @@
               <a:rPr kumimoji="1" lang="zh-CN" altLang="en-US" dirty="0"/>
               <a:t>闯哥</a:t>
             </a:r>
-            <a:endParaRPr kumimoji="1" lang="zh-CN" altLang="en-US" dirty="0"/>
           </a:p>
         </p:txBody>
       </p:sp>
@@ -3625,7 +4764,6 @@
               <a:rPr kumimoji="1" lang="en-US" altLang="zh-CN" dirty="0"/>
               <a:t>ab</a:t>
             </a:r>
-            <a:endParaRPr kumimoji="1" lang="en-US" altLang="zh-CN" dirty="0"/>
           </a:p>
         </p:txBody>
       </p:sp>
@@ -4363,7 +5501,6 @@
               <a:rPr kumimoji="1" lang="zh-CN" altLang="en-US" dirty="0"/>
               <a:t>闯哥</a:t>
             </a:r>
-            <a:endParaRPr kumimoji="1" lang="zh-CN" altLang="en-US" dirty="0"/>
           </a:p>
         </p:txBody>
       </p:sp>
@@ -4548,14 +5685,6 @@
               </a:rPr>
               <a:t>是什么</a:t>
             </a:r>
-            <a:endParaRPr kumimoji="1" lang="zh-CN" altLang="en-US" sz="4000" b="0" dirty="0">
-              <a:solidFill>
-                <a:srgbClr val="FFFFFF"/>
-              </a:solidFill>
-              <a:latin typeface="Helvetica" pitchFamily="2" charset="0"/>
-              <a:ea typeface="Alibaba PuHuiTi R" panose="00020600040101010101" pitchFamily="18" charset="-122"/>
-              <a:cs typeface="Alibaba PuHuiTi R" panose="00020600040101010101" pitchFamily="18" charset="-122"/>
-            </a:endParaRPr>
           </a:p>
         </p:txBody>
       </p:sp>
@@ -4676,14 +5805,6 @@
               </a:rPr>
               <a:t>可以做什么</a:t>
             </a:r>
-            <a:endParaRPr kumimoji="1" lang="zh-CN" altLang="en-US" sz="4000" b="0" dirty="0">
-              <a:solidFill>
-                <a:srgbClr val="FFFFFF"/>
-              </a:solidFill>
-              <a:latin typeface="Helvetica" pitchFamily="2" charset="0"/>
-              <a:ea typeface="Alibaba PuHuiTi R" panose="00020600040101010101" pitchFamily="18" charset="-122"/>
-              <a:cs typeface="Alibaba PuHuiTi R" panose="00020600040101010101" pitchFamily="18" charset="-122"/>
-            </a:endParaRPr>
           </a:p>
         </p:txBody>
       </p:sp>
@@ -4952,14 +6073,6 @@
               </a:rPr>
               <a:t>采样方式</a:t>
             </a:r>
-            <a:endParaRPr kumimoji="1" lang="zh-CN" altLang="en-US" sz="4000" b="0" dirty="0">
-              <a:solidFill>
-                <a:srgbClr val="FFFFFF"/>
-              </a:solidFill>
-              <a:latin typeface="Helvetica" pitchFamily="2" charset="0"/>
-              <a:ea typeface="Alibaba PuHuiTi R" panose="00020600040101010101" pitchFamily="18" charset="-122"/>
-              <a:cs typeface="Alibaba PuHuiTi R" panose="00020600040101010101" pitchFamily="18" charset="-122"/>
-            </a:endParaRPr>
           </a:p>
         </p:txBody>
       </p:sp>
@@ -5362,7 +6475,6 @@
               <a:rPr kumimoji="1" lang="zh-CN" altLang="en-US" dirty="0"/>
               <a:t>闯哥</a:t>
             </a:r>
-            <a:endParaRPr kumimoji="1" lang="zh-CN" altLang="en-US" dirty="0"/>
           </a:p>
         </p:txBody>
       </p:sp>
@@ -5691,7 +6803,6 @@
               <a:rPr kumimoji="1" lang="zh-CN" altLang="en-US" dirty="0"/>
               <a:t>闯哥</a:t>
             </a:r>
-            <a:endParaRPr kumimoji="1" lang="zh-CN" altLang="en-US" dirty="0"/>
           </a:p>
         </p:txBody>
       </p:sp>
@@ -6883,14 +7994,6 @@
               </a:rPr>
               <a:t>次迭代发布后的数小时内出现了应用程序无法提供服务的情况</a:t>
             </a:r>
-            <a:endParaRPr kumimoji="1" lang="zh-CN" altLang="en-US" sz="4000" b="0" dirty="0">
-              <a:solidFill>
-                <a:srgbClr val="FFFFFF"/>
-              </a:solidFill>
-              <a:latin typeface="Helvetica" pitchFamily="2" charset="0"/>
-              <a:ea typeface="Alibaba PuHuiTi R" panose="00020600040101010101" pitchFamily="18" charset="-122"/>
-              <a:cs typeface="Alibaba PuHuiTi R" panose="00020600040101010101" pitchFamily="18" charset="-122"/>
-            </a:endParaRPr>
           </a:p>
         </p:txBody>
       </p:sp>
@@ -8395,14 +9498,6 @@
               </a:rPr>
               <a:t>常用交互命令行</a:t>
             </a:r>
-            <a:endParaRPr kumimoji="1" lang="zh-CN" altLang="en-US" sz="4000" b="0" dirty="0">
-              <a:solidFill>
-                <a:srgbClr val="FFFFFF"/>
-              </a:solidFill>
-              <a:latin typeface="Helvetica" pitchFamily="2" charset="0"/>
-              <a:ea typeface="Alibaba PuHuiTi R" panose="00020600040101010101" pitchFamily="18" charset="-122"/>
-              <a:cs typeface="Alibaba PuHuiTi R" panose="00020600040101010101" pitchFamily="18" charset="-122"/>
-            </a:endParaRPr>
           </a:p>
         </p:txBody>
       </p:sp>
@@ -9049,7 +10144,7 @@
               <a:buChar char="•"/>
             </a:pPr>
             <a:r>
-              <a:rPr kumimoji="1" lang="zh-CN" altLang="en-US" sz="4000" b="0" dirty="0" smtClean="0">
+              <a:rPr kumimoji="1" lang="en-US" altLang="zh-CN" sz="4000" b="0" dirty="0" smtClean="0">
                 <a:solidFill>
                   <a:srgbClr val="FFFFFF"/>
                 </a:solidFill>
@@ -9057,7 +10152,29 @@
                 <a:ea typeface="Alibaba PuHuiTi R" panose="00020600040101010101" pitchFamily="18" charset="-122"/>
                 <a:cs typeface="Alibaba PuHuiTi R" panose="00020600040101010101" pitchFamily="18" charset="-122"/>
               </a:rPr>
-              <a:t>注意</a:t>
+              <a:t>List(</a:t>
+            </a:r>
+            <a:r>
+              <a:rPr kumimoji="1" lang="zh-CN" altLang="en-US" sz="4000" b="0" dirty="0" smtClean="0">
+                <a:solidFill>
+                  <a:srgbClr val="FFFFFF"/>
+                </a:solidFill>
+                <a:latin typeface="Helvetica" pitchFamily="2" charset="0"/>
+                <a:ea typeface="Alibaba PuHuiTi R" panose="00020600040101010101" pitchFamily="18" charset="-122"/>
+                <a:cs typeface="Alibaba PuHuiTi R" panose="00020600040101010101" pitchFamily="18" charset="-122"/>
+              </a:rPr>
+              <a:t>例</a:t>
+            </a:r>
+            <a:r>
+              <a:rPr kumimoji="1" lang="en-US" altLang="zh-CN" sz="4000" b="0" dirty="0" smtClean="0">
+                <a:solidFill>
+                  <a:srgbClr val="FFFFFF"/>
+                </a:solidFill>
+                <a:latin typeface="Helvetica" pitchFamily="2" charset="0"/>
+                <a:ea typeface="Alibaba PuHuiTi R" panose="00020600040101010101" pitchFamily="18" charset="-122"/>
+                <a:cs typeface="Alibaba PuHuiTi R" panose="00020600040101010101" pitchFamily="18" charset="-122"/>
+              </a:rPr>
+              <a:t>)</a:t>
             </a:r>
             <a:endParaRPr kumimoji="1" lang="zh-CN" altLang="en-US" sz="4000" b="0" dirty="0">
               <a:solidFill>
@@ -9078,8 +10195,8 @@
         </p:nvSpPr>
         <p:spPr>
           <a:xfrm>
-            <a:off x="2987040" y="4738889"/>
-            <a:ext cx="14595566" cy="1015663"/>
+            <a:off x="3091542" y="10643301"/>
+            <a:ext cx="14595566" cy="553998"/>
           </a:xfrm>
           <a:prstGeom prst="rect">
             <a:avLst/>
@@ -9093,20 +10210,12 @@
           <a:p>
             <a:pPr algn="l"/>
             <a:r>
-              <a:rPr lang="en-US" altLang="zh-CN" dirty="0" err="1">
-                <a:solidFill>
-                  <a:schemeClr val="bg1"/>
-                </a:solidFill>
-              </a:rPr>
-              <a:t>PProf</a:t>
-            </a:r>
-            <a:r>
               <a:rPr lang="zh-CN" altLang="en-US" dirty="0">
                 <a:solidFill>
                   <a:schemeClr val="bg1"/>
                 </a:solidFill>
               </a:rPr>
-              <a:t>中的所有功能都会根据 </a:t>
+              <a:t>可以看出该函数那一行占用</a:t>
             </a:r>
             <a:r>
               <a:rPr lang="en-US" altLang="zh-CN" dirty="0">
@@ -9114,7 +10223,7 @@
                   <a:schemeClr val="bg1"/>
                 </a:solidFill>
               </a:rPr>
-              <a:t>Profile</a:t>
+              <a:t>CPU</a:t>
             </a:r>
             <a:r>
               <a:rPr lang="zh-CN" altLang="en-US" dirty="0">
@@ -9122,47 +10231,7 @@
                   <a:schemeClr val="bg1"/>
                 </a:solidFill>
               </a:rPr>
-              <a:t>的不同类型展示不同的对应</a:t>
-            </a:r>
-            <a:r>
-              <a:rPr lang="zh-CN" altLang="en-US" dirty="0" smtClean="0">
-                <a:solidFill>
-                  <a:schemeClr val="bg1"/>
-                </a:solidFill>
-              </a:rPr>
-              <a:t>结果。</a:t>
-            </a:r>
-            <a:endParaRPr lang="en-US" altLang="zh-CN" dirty="0" smtClean="0">
-              <a:solidFill>
-                <a:schemeClr val="bg1"/>
-              </a:solidFill>
-            </a:endParaRPr>
-          </a:p>
-          <a:p>
-            <a:pPr algn="l"/>
-            <a:r>
-              <a:rPr lang="zh-CN" altLang="en-US" dirty="0" smtClean="0">
-                <a:solidFill>
-                  <a:schemeClr val="bg1"/>
-                </a:solidFill>
-              </a:rPr>
-              <a:t>本节课是以</a:t>
-            </a:r>
-            <a:r>
-              <a:rPr lang="en-US" altLang="zh-CN" dirty="0" smtClean="0">
-                <a:solidFill>
-                  <a:schemeClr val="bg1"/>
-                </a:solidFill>
-              </a:rPr>
-              <a:t>CPU Profiling</a:t>
-            </a:r>
-            <a:r>
-              <a:rPr lang="zh-CN" altLang="en-US" dirty="0" smtClean="0">
-                <a:solidFill>
-                  <a:schemeClr val="bg1"/>
-                </a:solidFill>
-              </a:rPr>
-              <a:t>为例子，后面各个例子都会在以后的课程中说明。</a:t>
+              <a:t>资源最多。</a:t>
             </a:r>
             <a:endParaRPr lang="zh-CN" altLang="en-US" dirty="0">
               <a:solidFill>
@@ -9172,10 +10241,34 @@
           </a:p>
         </p:txBody>
       </p:sp>
+      <p:pic>
+        <p:nvPicPr>
+          <p:cNvPr id="2" name="图片 1"/>
+          <p:cNvPicPr>
+            <a:picLocks noChangeAspect="1"/>
+          </p:cNvPicPr>
+          <p:nvPr/>
+        </p:nvPicPr>
+        <p:blipFill>
+          <a:blip r:embed="rId3"/>
+          <a:stretch>
+            <a:fillRect/>
+          </a:stretch>
+        </p:blipFill>
+        <p:spPr>
+          <a:xfrm>
+            <a:off x="3091542" y="4738888"/>
+            <a:ext cx="18234816" cy="5528517"/>
+          </a:xfrm>
+          <a:prstGeom prst="rect">
+            <a:avLst/>
+          </a:prstGeom>
+        </p:spPr>
+      </p:pic>
     </p:spTree>
     <p:extLst>
       <p:ext uri="{BB962C8B-B14F-4D97-AF65-F5344CB8AC3E}">
-        <p14:creationId xmlns:p14="http://schemas.microsoft.com/office/powerpoint/2010/main" val="3919684258"/>
+        <p14:creationId xmlns:p14="http://schemas.microsoft.com/office/powerpoint/2010/main" val="2405653450"/>
       </p:ext>
     </p:extLst>
   </p:cSld>
@@ -9212,76 +10305,232 @@
       </p:grpSpPr>
       <p:sp>
         <p:nvSpPr>
-          <p:cNvPr id="2" name="文本占位符 1"/>
+          <p:cNvPr id="6" name="标题 5"/>
           <p:cNvSpPr>
             <a:spLocks noGrp="1"/>
           </p:cNvSpPr>
           <p:nvPr>
-            <p:ph type="body" sz="quarter" idx="13"/>
+            <p:ph type="title"/>
           </p:nvPr>
+        </p:nvSpPr>
+        <p:spPr/>
+        <p:txBody>
+          <a:bodyPr>
+            <a:noAutofit/>
+          </a:bodyPr>
+          <a:lstStyle/>
+          <a:p>
+            <a:r>
+              <a:rPr kumimoji="1" lang="en-US" altLang="zh-CN" dirty="0" smtClean="0"/>
+              <a:t>1.4 </a:t>
+            </a:r>
+            <a:r>
+              <a:rPr kumimoji="1" lang="zh-CN" altLang="en-US" dirty="0" smtClean="0"/>
+              <a:t>通过</a:t>
+            </a:r>
+            <a:r>
+              <a:rPr kumimoji="1" lang="zh-CN" altLang="en-US" dirty="0"/>
+              <a:t>交互式终端使用</a:t>
+            </a:r>
+            <a:r>
+              <a:rPr kumimoji="1" lang="en-US" altLang="zh-CN" dirty="0" err="1"/>
+              <a:t>PProf</a:t>
+            </a:r>
+            <a:r>
+              <a:rPr kumimoji="1" lang="zh-CN" altLang="en-US" dirty="0"/>
+              <a:t/>
+            </a:r>
+            <a:br>
+              <a:rPr kumimoji="1" lang="zh-CN" altLang="en-US" dirty="0"/>
+            </a:br>
+            <a:r>
+              <a:rPr kumimoji="1" lang="zh-CN" altLang="en-US" dirty="0"/>
+              <a:t/>
+            </a:r>
+            <a:br>
+              <a:rPr kumimoji="1" lang="zh-CN" altLang="en-US" dirty="0"/>
+            </a:br>
+            <a:endParaRPr kumimoji="1" lang="en-US" altLang="zh-CN" dirty="0"/>
+          </a:p>
+        </p:txBody>
+      </p:sp>
+      <p:sp>
+        <p:nvSpPr>
+          <p:cNvPr id="4" name="文本框 3"/>
+          <p:cNvSpPr txBox="1"/>
+          <p:nvPr/>
         </p:nvSpPr>
         <p:spPr>
           <a:xfrm>
-            <a:off x="2444750" y="7675880"/>
-            <a:ext cx="5928995" cy="1163320"/>
+            <a:off x="2462400" y="3764263"/>
+            <a:ext cx="19458000" cy="974626"/>
           </a:xfrm>
+          <a:prstGeom prst="rect">
+            <a:avLst/>
+          </a:prstGeom>
+          <a:noFill/>
+          <a:ln w="12700" cap="flat">
+            <a:noFill/>
+            <a:miter lim="400000"/>
+          </a:ln>
+        </p:spPr>
+        <p:style>
+          <a:lnRef idx="0">
+            <a:scrgbClr r="0" g="0" b="0"/>
+          </a:lnRef>
+          <a:fillRef idx="0">
+            <a:scrgbClr r="0" g="0" b="0"/>
+          </a:fillRef>
+          <a:effectRef idx="0">
+            <a:scrgbClr r="0" g="0" b="0"/>
+          </a:effectRef>
+          <a:fontRef idx="none"/>
+        </p:style>
+        <p:txBody>
+          <a:bodyPr rot="0" spcFirstLastPara="1" vertOverflow="overflow" horzOverflow="overflow" vert="horz" wrap="square" lIns="50800" tIns="50800" rIns="50800" bIns="50800" numCol="1" spcCol="38100" rtlCol="0" anchor="ctr">
+            <a:spAutoFit/>
+          </a:bodyPr>
+          <a:lstStyle/>
+          <a:p>
+            <a:pPr marL="571500" indent="-571500" algn="l">
+              <a:spcBef>
+                <a:spcPts val="1000"/>
+              </a:spcBef>
+              <a:spcAft>
+                <a:spcPts val="1000"/>
+              </a:spcAft>
+              <a:buSzPct val="125000"/>
+              <a:buFont typeface="Arial" panose="020B0604020202090204" pitchFamily="34" charset="0"/>
+              <a:buChar char="•"/>
+            </a:pPr>
+            <a:r>
+              <a:rPr kumimoji="1" lang="zh-CN" altLang="en-US" sz="4000" b="0" dirty="0" smtClean="0">
+                <a:solidFill>
+                  <a:srgbClr val="FFFFFF"/>
+                </a:solidFill>
+                <a:latin typeface="Helvetica" pitchFamily="2" charset="0"/>
+                <a:ea typeface="Alibaba PuHuiTi R" panose="00020600040101010101" pitchFamily="18" charset="-122"/>
+                <a:cs typeface="Alibaba PuHuiTi R" panose="00020600040101010101" pitchFamily="18" charset="-122"/>
+              </a:rPr>
+              <a:t>注意</a:t>
+            </a:r>
+            <a:endParaRPr kumimoji="1" lang="zh-CN" altLang="en-US" sz="4000" b="0" dirty="0">
+              <a:solidFill>
+                <a:srgbClr val="FFFFFF"/>
+              </a:solidFill>
+              <a:latin typeface="Helvetica" pitchFamily="2" charset="0"/>
+              <a:ea typeface="Alibaba PuHuiTi R" panose="00020600040101010101" pitchFamily="18" charset="-122"/>
+              <a:cs typeface="Alibaba PuHuiTi R" panose="00020600040101010101" pitchFamily="18" charset="-122"/>
+            </a:endParaRPr>
+          </a:p>
+        </p:txBody>
+      </p:sp>
+      <p:sp>
+        <p:nvSpPr>
+          <p:cNvPr id="5" name="矩形 4"/>
+          <p:cNvSpPr/>
+          <p:nvPr/>
+        </p:nvSpPr>
+        <p:spPr>
+          <a:xfrm>
+            <a:off x="2987040" y="4738889"/>
+            <a:ext cx="14595566" cy="1015663"/>
+          </a:xfrm>
+          <a:prstGeom prst="rect">
+            <a:avLst/>
+          </a:prstGeom>
         </p:spPr>
         <p:txBody>
-          <a:bodyPr wrap="square"/>
+          <a:bodyPr wrap="square">
+            <a:spAutoFit/>
+          </a:bodyPr>
           <a:lstStyle/>
           <a:p>
-            <a:r>
-              <a:rPr kumimoji="1" lang="zh-CN" altLang="en-US" dirty="0"/>
-              <a:t>闯哥</a:t>
-            </a:r>
-            <a:endParaRPr kumimoji="1" lang="zh-CN" altLang="en-US" dirty="0"/>
-          </a:p>
-        </p:txBody>
-      </p:sp>
-      <p:sp>
-        <p:nvSpPr>
-          <p:cNvPr id="4" name="文本占位符 3"/>
-          <p:cNvSpPr>
-            <a:spLocks noGrp="1"/>
-          </p:cNvSpPr>
-          <p:nvPr>
-            <p:ph type="body" sz="quarter" idx="15"/>
-          </p:nvPr>
-        </p:nvSpPr>
-        <p:spPr>
-          <a:xfrm>
-            <a:off x="2444750" y="4987012"/>
-            <a:ext cx="19143345" cy="1210588"/>
-          </a:xfrm>
-        </p:spPr>
-        <p:txBody>
-          <a:bodyPr wrap="square"/>
-          <a:lstStyle/>
-          <a:p>
-            <a:r>
-              <a:rPr kumimoji="1" lang="en-US" altLang="zh-CN" dirty="0" smtClean="0"/>
-              <a:t>1.5 </a:t>
-            </a:r>
-            <a:r>
-              <a:rPr kumimoji="1" lang="zh-CN" altLang="en-US" dirty="0" smtClean="0"/>
-              <a:t>通过</a:t>
-            </a:r>
-            <a:r>
-              <a:rPr kumimoji="1" lang="zh-CN" altLang="en-US" dirty="0"/>
-              <a:t>可视化界面使用</a:t>
-            </a:r>
-            <a:r>
-              <a:rPr kumimoji="1" lang="en-US" altLang="zh-CN" dirty="0" err="1"/>
+            <a:pPr algn="l"/>
+            <a:r>
+              <a:rPr lang="en-US" altLang="zh-CN" dirty="0" err="1">
+                <a:solidFill>
+                  <a:schemeClr val="bg1"/>
+                </a:solidFill>
+              </a:rPr>
               <a:t>PProf</a:t>
             </a:r>
-            <a:endParaRPr kumimoji="1" lang="en-US" altLang="zh-CN" dirty="0"/>
+            <a:r>
+              <a:rPr lang="zh-CN" altLang="en-US" dirty="0">
+                <a:solidFill>
+                  <a:schemeClr val="bg1"/>
+                </a:solidFill>
+              </a:rPr>
+              <a:t>中的所有功能都会根据 </a:t>
+            </a:r>
+            <a:r>
+              <a:rPr lang="en-US" altLang="zh-CN" dirty="0">
+                <a:solidFill>
+                  <a:schemeClr val="bg1"/>
+                </a:solidFill>
+              </a:rPr>
+              <a:t>Profile</a:t>
+            </a:r>
+            <a:r>
+              <a:rPr lang="zh-CN" altLang="en-US" dirty="0">
+                <a:solidFill>
+                  <a:schemeClr val="bg1"/>
+                </a:solidFill>
+              </a:rPr>
+              <a:t>的不同类型展示不同的对应</a:t>
+            </a:r>
+            <a:r>
+              <a:rPr lang="zh-CN" altLang="en-US" dirty="0" smtClean="0">
+                <a:solidFill>
+                  <a:schemeClr val="bg1"/>
+                </a:solidFill>
+              </a:rPr>
+              <a:t>结果。</a:t>
+            </a:r>
+            <a:endParaRPr lang="en-US" altLang="zh-CN" dirty="0" smtClean="0">
+              <a:solidFill>
+                <a:schemeClr val="bg1"/>
+              </a:solidFill>
+            </a:endParaRPr>
+          </a:p>
+          <a:p>
+            <a:pPr algn="l"/>
+            <a:r>
+              <a:rPr lang="zh-CN" altLang="en-US" dirty="0" smtClean="0">
+                <a:solidFill>
+                  <a:schemeClr val="bg1"/>
+                </a:solidFill>
+              </a:rPr>
+              <a:t>本节课是以</a:t>
+            </a:r>
+            <a:r>
+              <a:rPr lang="en-US" altLang="zh-CN" dirty="0" smtClean="0">
+                <a:solidFill>
+                  <a:schemeClr val="bg1"/>
+                </a:solidFill>
+              </a:rPr>
+              <a:t>CPU Profiling</a:t>
+            </a:r>
+            <a:r>
+              <a:rPr lang="zh-CN" altLang="en-US" dirty="0" smtClean="0">
+                <a:solidFill>
+                  <a:schemeClr val="bg1"/>
+                </a:solidFill>
+              </a:rPr>
+              <a:t>为例子，后面各个例子都会在以后的课程中说明。</a:t>
+            </a:r>
+            <a:endParaRPr lang="zh-CN" altLang="en-US" dirty="0">
+              <a:solidFill>
+                <a:schemeClr val="bg1"/>
+              </a:solidFill>
+            </a:endParaRPr>
           </a:p>
         </p:txBody>
       </p:sp>
     </p:spTree>
     <p:extLst>
       <p:ext uri="{BB962C8B-B14F-4D97-AF65-F5344CB8AC3E}">
-        <p14:creationId xmlns:p14="http://schemas.microsoft.com/office/powerpoint/2010/main" val="3659115481"/>
+        <p14:creationId xmlns:p14="http://schemas.microsoft.com/office/powerpoint/2010/main" val="3919684258"/>
       </p:ext>
     </p:extLst>
   </p:cSld>
@@ -9289,6 +10538,13 @@
     <a:masterClrMapping/>
   </p:clrMapOvr>
   <p:transition spd="med"/>
+  <p:timing>
+    <p:tnLst>
+      <p:par>
+        <p:cTn id="1" dur="indefinite" restart="never" nodeType="tmRoot"/>
+      </p:par>
+    </p:tnLst>
+  </p:timing>
 </p:sld>
 </file>
 
@@ -9333,7 +10589,6 @@
               <a:rPr kumimoji="1" lang="zh-CN" altLang="en-US" dirty="0"/>
               <a:t>闯哥</a:t>
             </a:r>
-            <a:endParaRPr kumimoji="1" lang="zh-CN" altLang="en-US" dirty="0"/>
           </a:p>
         </p:txBody>
       </p:sp>
@@ -9359,23 +10614,19 @@
           <a:p>
             <a:r>
               <a:rPr kumimoji="1" lang="en-US" altLang="zh-CN" dirty="0" smtClean="0"/>
-              <a:t>1.6 </a:t>
+              <a:t>1.5 </a:t>
             </a:r>
             <a:r>
               <a:rPr kumimoji="1" lang="zh-CN" altLang="en-US" dirty="0" smtClean="0"/>
-              <a:t>排</a:t>
+              <a:t>通过</a:t>
             </a:r>
             <a:r>
               <a:rPr kumimoji="1" lang="zh-CN" altLang="en-US" dirty="0"/>
-              <a:t>查</a:t>
-            </a:r>
-            <a:r>
-              <a:rPr kumimoji="1" lang="en-US" altLang="zh-CN" dirty="0"/>
-              <a:t>CPU</a:t>
-            </a:r>
-            <a:r>
-              <a:rPr kumimoji="1" lang="zh-CN" altLang="en-US" dirty="0"/>
-              <a:t>占用过高问题</a:t>
+              <a:t>可视化界面使用</a:t>
+            </a:r>
+            <a:r>
+              <a:rPr kumimoji="1" lang="en-US" altLang="zh-CN" dirty="0" err="1"/>
+              <a:t>PProf</a:t>
             </a:r>
             <a:endParaRPr kumimoji="1" lang="en-US" altLang="zh-CN" dirty="0"/>
           </a:p>
@@ -9384,7 +10635,7 @@
     </p:spTree>
     <p:extLst>
       <p:ext uri="{BB962C8B-B14F-4D97-AF65-F5344CB8AC3E}">
-        <p14:creationId xmlns:p14="http://schemas.microsoft.com/office/powerpoint/2010/main" val="3792852892"/>
+        <p14:creationId xmlns:p14="http://schemas.microsoft.com/office/powerpoint/2010/main" val="3659115481"/>
       </p:ext>
     </p:extLst>
   </p:cSld>
@@ -9414,72 +10665,746 @@
       </p:grpSpPr>
       <p:sp>
         <p:nvSpPr>
-          <p:cNvPr id="2" name="文本占位符 1"/>
+          <p:cNvPr id="6" name="标题 5"/>
           <p:cNvSpPr>
             <a:spLocks noGrp="1"/>
           </p:cNvSpPr>
           <p:nvPr>
-            <p:ph type="body" sz="quarter" idx="13"/>
+            <p:ph type="title"/>
           </p:nvPr>
+        </p:nvSpPr>
+        <p:spPr/>
+        <p:txBody>
+          <a:bodyPr>
+            <a:noAutofit/>
+          </a:bodyPr>
+          <a:lstStyle/>
+          <a:p>
+            <a:r>
+              <a:rPr kumimoji="1" lang="en-US" altLang="zh-CN" dirty="0" smtClean="0"/>
+              <a:t>1.5 </a:t>
+            </a:r>
+            <a:r>
+              <a:rPr kumimoji="1" lang="zh-CN" altLang="en-US" dirty="0" smtClean="0"/>
+              <a:t>通过</a:t>
+            </a:r>
+            <a:r>
+              <a:rPr kumimoji="1" lang="zh-CN" altLang="en-US" dirty="0"/>
+              <a:t>可视化界面使用</a:t>
+            </a:r>
+            <a:r>
+              <a:rPr kumimoji="1" lang="en-US" altLang="zh-CN" dirty="0" err="1"/>
+              <a:t>PProf</a:t>
+            </a:r>
+            <a:r>
+              <a:rPr kumimoji="1" lang="en-US" altLang="zh-CN" dirty="0"/>
+              <a:t/>
+            </a:r>
+            <a:br>
+              <a:rPr kumimoji="1" lang="en-US" altLang="zh-CN" dirty="0"/>
+            </a:br>
+            <a:r>
+              <a:rPr kumimoji="1" lang="zh-CN" altLang="en-US" dirty="0"/>
+              <a:t/>
+            </a:r>
+            <a:br>
+              <a:rPr kumimoji="1" lang="zh-CN" altLang="en-US" dirty="0"/>
+            </a:br>
+            <a:r>
+              <a:rPr kumimoji="1" lang="zh-CN" altLang="en-US" dirty="0"/>
+              <a:t/>
+            </a:r>
+            <a:br>
+              <a:rPr kumimoji="1" lang="zh-CN" altLang="en-US" dirty="0"/>
+            </a:br>
+            <a:endParaRPr kumimoji="1" lang="en-US" altLang="zh-CN" dirty="0"/>
+          </a:p>
+        </p:txBody>
+      </p:sp>
+      <p:sp>
+        <p:nvSpPr>
+          <p:cNvPr id="7" name="文本框 6"/>
+          <p:cNvSpPr txBox="1"/>
+          <p:nvPr/>
         </p:nvSpPr>
         <p:spPr>
           <a:xfrm>
-            <a:off x="2444750" y="7675880"/>
-            <a:ext cx="5928995" cy="1163320"/>
+            <a:off x="2462400" y="3764263"/>
+            <a:ext cx="19458000" cy="974626"/>
           </a:xfrm>
+          <a:prstGeom prst="rect">
+            <a:avLst/>
+          </a:prstGeom>
+          <a:noFill/>
+          <a:ln w="12700" cap="flat">
+            <a:noFill/>
+            <a:miter lim="400000"/>
+          </a:ln>
+        </p:spPr>
+        <p:style>
+          <a:lnRef idx="0">
+            <a:scrgbClr r="0" g="0" b="0"/>
+          </a:lnRef>
+          <a:fillRef idx="0">
+            <a:scrgbClr r="0" g="0" b="0"/>
+          </a:fillRef>
+          <a:effectRef idx="0">
+            <a:scrgbClr r="0" g="0" b="0"/>
+          </a:effectRef>
+          <a:fontRef idx="none"/>
+        </p:style>
+        <p:txBody>
+          <a:bodyPr rot="0" spcFirstLastPara="1" vertOverflow="overflow" horzOverflow="overflow" vert="horz" wrap="square" lIns="50800" tIns="50800" rIns="50800" bIns="50800" numCol="1" spcCol="38100" rtlCol="0" anchor="ctr">
+            <a:spAutoFit/>
+          </a:bodyPr>
+          <a:lstStyle/>
+          <a:p>
+            <a:pPr marL="571500" indent="-571500" algn="l">
+              <a:spcBef>
+                <a:spcPts val="1000"/>
+              </a:spcBef>
+              <a:spcAft>
+                <a:spcPts val="1000"/>
+              </a:spcAft>
+              <a:buSzPct val="125000"/>
+              <a:buFont typeface="Arial" panose="020B0604020202090204" pitchFamily="34" charset="0"/>
+              <a:buChar char="•"/>
+            </a:pPr>
+            <a:r>
+              <a:rPr kumimoji="1" lang="en-US" altLang="zh-CN" sz="4000" b="0" dirty="0" smtClean="0">
+                <a:solidFill>
+                  <a:srgbClr val="FFFFFF"/>
+                </a:solidFill>
+                <a:latin typeface="Helvetica" pitchFamily="2" charset="0"/>
+                <a:ea typeface="Alibaba PuHuiTi R" panose="00020600040101010101" pitchFamily="18" charset="-122"/>
+                <a:cs typeface="Alibaba PuHuiTi R" panose="00020600040101010101" pitchFamily="18" charset="-122"/>
+              </a:rPr>
+              <a:t>CPU Profiling(</a:t>
+            </a:r>
+            <a:r>
+              <a:rPr kumimoji="1" lang="zh-CN" altLang="en-US" sz="4000" b="0" dirty="0" smtClean="0">
+                <a:solidFill>
+                  <a:srgbClr val="FFFFFF"/>
+                </a:solidFill>
+                <a:latin typeface="Helvetica" pitchFamily="2" charset="0"/>
+                <a:ea typeface="Alibaba PuHuiTi R" panose="00020600040101010101" pitchFamily="18" charset="-122"/>
+                <a:cs typeface="Alibaba PuHuiTi R" panose="00020600040101010101" pitchFamily="18" charset="-122"/>
+              </a:rPr>
+              <a:t>例</a:t>
+            </a:r>
+            <a:r>
+              <a:rPr kumimoji="1" lang="en-US" altLang="zh-CN" sz="4000" b="0" dirty="0" smtClean="0">
+                <a:solidFill>
+                  <a:srgbClr val="FFFFFF"/>
+                </a:solidFill>
+                <a:latin typeface="Helvetica" pitchFamily="2" charset="0"/>
+                <a:ea typeface="Alibaba PuHuiTi R" panose="00020600040101010101" pitchFamily="18" charset="-122"/>
+                <a:cs typeface="Alibaba PuHuiTi R" panose="00020600040101010101" pitchFamily="18" charset="-122"/>
+              </a:rPr>
+              <a:t>)</a:t>
+            </a:r>
+            <a:endParaRPr kumimoji="1" lang="zh-CN" altLang="en-US" sz="4000" b="0" dirty="0">
+              <a:solidFill>
+                <a:srgbClr val="FFFFFF"/>
+              </a:solidFill>
+              <a:latin typeface="Helvetica" pitchFamily="2" charset="0"/>
+              <a:ea typeface="Alibaba PuHuiTi R" panose="00020600040101010101" pitchFamily="18" charset="-122"/>
+              <a:cs typeface="Alibaba PuHuiTi R" panose="00020600040101010101" pitchFamily="18" charset="-122"/>
+            </a:endParaRPr>
+          </a:p>
+        </p:txBody>
+      </p:sp>
+      <p:sp>
+        <p:nvSpPr>
+          <p:cNvPr id="8" name="矩形 7"/>
+          <p:cNvSpPr/>
+          <p:nvPr/>
+        </p:nvSpPr>
+        <p:spPr>
+          <a:xfrm>
+            <a:off x="2987040" y="4738889"/>
+            <a:ext cx="14595566" cy="3323987"/>
+          </a:xfrm>
+          <a:prstGeom prst="rect">
+            <a:avLst/>
+          </a:prstGeom>
         </p:spPr>
         <p:txBody>
-          <a:bodyPr wrap="square"/>
+          <a:bodyPr wrap="square">
+            <a:spAutoFit/>
+          </a:bodyPr>
           <a:lstStyle/>
           <a:p>
-            <a:r>
-              <a:rPr kumimoji="1" lang="zh-CN" altLang="en-US" dirty="0"/>
-              <a:t>闯哥</a:t>
-            </a:r>
-            <a:endParaRPr kumimoji="1" lang="zh-CN" altLang="en-US" dirty="0"/>
+            <a:pPr algn="l"/>
+            <a:r>
+              <a:rPr lang="en-US" altLang="zh-CN" dirty="0" smtClean="0">
+                <a:solidFill>
+                  <a:schemeClr val="bg1"/>
+                </a:solidFill>
+              </a:rPr>
+              <a:t># </a:t>
+            </a:r>
+            <a:r>
+              <a:rPr lang="zh-CN" altLang="en-US" dirty="0" smtClean="0">
+                <a:solidFill>
+                  <a:schemeClr val="bg1"/>
+                </a:solidFill>
+              </a:rPr>
+              <a:t>下载好的采集</a:t>
+            </a:r>
+            <a:r>
+              <a:rPr lang="zh-CN" altLang="en-US" dirty="0" smtClean="0">
+                <a:solidFill>
+                  <a:schemeClr val="bg1"/>
+                </a:solidFill>
+              </a:rPr>
+              <a:t>文件 （</a:t>
+            </a:r>
+            <a:r>
+              <a:rPr lang="en-US" altLang="zh-CN" dirty="0" err="1">
+                <a:solidFill>
+                  <a:schemeClr val="bg1"/>
+                </a:solidFill>
+              </a:rPr>
+              <a:t>wget</a:t>
+            </a:r>
+            <a:r>
+              <a:rPr lang="en-US" altLang="zh-CN" dirty="0">
+                <a:solidFill>
+                  <a:schemeClr val="bg1"/>
+                </a:solidFill>
+              </a:rPr>
+              <a:t> http://127.0.0.1:6061/debug/pprof/profile</a:t>
+            </a:r>
+            <a:r>
+              <a:rPr lang="zh-CN" altLang="en-US" dirty="0" smtClean="0">
+                <a:solidFill>
+                  <a:schemeClr val="bg1"/>
+                </a:solidFill>
+              </a:rPr>
+              <a:t>）</a:t>
+            </a:r>
+            <a:endParaRPr lang="en-US" altLang="zh-CN" dirty="0" smtClean="0">
+              <a:solidFill>
+                <a:schemeClr val="bg1"/>
+              </a:solidFill>
+            </a:endParaRPr>
+          </a:p>
+          <a:p>
+            <a:pPr algn="l"/>
+            <a:r>
+              <a:rPr lang="en-US" altLang="zh-CN" dirty="0">
+                <a:solidFill>
+                  <a:schemeClr val="bg1"/>
+                </a:solidFill>
+              </a:rPr>
+              <a:t>go tool </a:t>
+            </a:r>
+            <a:r>
+              <a:rPr lang="en-US" altLang="zh-CN" dirty="0" err="1">
+                <a:solidFill>
+                  <a:schemeClr val="bg1"/>
+                </a:solidFill>
+              </a:rPr>
+              <a:t>pprof</a:t>
+            </a:r>
+            <a:r>
+              <a:rPr lang="en-US" altLang="zh-CN" dirty="0">
+                <a:solidFill>
+                  <a:schemeClr val="bg1"/>
+                </a:solidFill>
+              </a:rPr>
+              <a:t> -http=:8000 </a:t>
+            </a:r>
+            <a:r>
+              <a:rPr lang="en-US" altLang="zh-CN" dirty="0" smtClean="0">
+                <a:solidFill>
+                  <a:schemeClr val="bg1"/>
+                </a:solidFill>
+              </a:rPr>
+              <a:t>profile</a:t>
+            </a:r>
+          </a:p>
+          <a:p>
+            <a:pPr algn="l"/>
+            <a:endParaRPr lang="en-US" altLang="zh-CN" dirty="0" smtClean="0">
+              <a:solidFill>
+                <a:schemeClr val="bg1"/>
+              </a:solidFill>
+            </a:endParaRPr>
+          </a:p>
+          <a:p>
+            <a:pPr algn="l"/>
+            <a:r>
+              <a:rPr lang="en-US" altLang="zh-CN" dirty="0" smtClean="0">
+                <a:solidFill>
+                  <a:schemeClr val="bg1"/>
+                </a:solidFill>
+              </a:rPr>
+              <a:t># </a:t>
+            </a:r>
+            <a:r>
+              <a:rPr lang="zh-CN" altLang="en-US" dirty="0" smtClean="0">
+                <a:solidFill>
+                  <a:schemeClr val="bg1"/>
+                </a:solidFill>
+              </a:rPr>
+              <a:t>直接</a:t>
+            </a:r>
+            <a:r>
+              <a:rPr lang="zh-CN" altLang="en-US" dirty="0">
+                <a:solidFill>
+                  <a:schemeClr val="bg1"/>
+                </a:solidFill>
+              </a:rPr>
+              <a:t>通过命令行完成对正在运行的应用程序</a:t>
+            </a:r>
+            <a:r>
+              <a:rPr lang="en-US" altLang="zh-CN" dirty="0" err="1">
+                <a:solidFill>
+                  <a:schemeClr val="bg1"/>
+                </a:solidFill>
+              </a:rPr>
+              <a:t>PProf</a:t>
+            </a:r>
+            <a:r>
+              <a:rPr lang="zh-CN" altLang="en-US" dirty="0">
+                <a:solidFill>
+                  <a:schemeClr val="bg1"/>
+                </a:solidFill>
+              </a:rPr>
+              <a:t>进行抓取和分析</a:t>
+            </a:r>
+            <a:endParaRPr lang="en-US" altLang="zh-CN" dirty="0" smtClean="0">
+              <a:solidFill>
+                <a:schemeClr val="bg1"/>
+              </a:solidFill>
+            </a:endParaRPr>
+          </a:p>
+          <a:p>
+            <a:pPr algn="l"/>
+            <a:r>
+              <a:rPr lang="en-US" altLang="zh-CN" dirty="0">
+                <a:solidFill>
+                  <a:schemeClr val="bg1"/>
+                </a:solidFill>
+              </a:rPr>
+              <a:t> go tool </a:t>
+            </a:r>
+            <a:r>
+              <a:rPr lang="en-US" altLang="zh-CN" dirty="0" err="1">
+                <a:solidFill>
+                  <a:schemeClr val="bg1"/>
+                </a:solidFill>
+              </a:rPr>
+              <a:t>pprof</a:t>
+            </a:r>
+            <a:r>
+              <a:rPr lang="en-US" altLang="zh-CN" dirty="0">
+                <a:solidFill>
+                  <a:schemeClr val="bg1"/>
+                </a:solidFill>
+              </a:rPr>
+              <a:t> -http=:8000 </a:t>
+            </a:r>
+            <a:r>
+              <a:rPr lang="en-US" altLang="zh-CN" dirty="0">
+                <a:solidFill>
+                  <a:schemeClr val="bg1"/>
+                </a:solidFill>
+                <a:hlinkClick r:id="rId3"/>
+              </a:rPr>
+              <a:t>http://</a:t>
+            </a:r>
+            <a:r>
+              <a:rPr lang="en-US" altLang="zh-CN" dirty="0" smtClean="0">
+                <a:solidFill>
+                  <a:schemeClr val="bg1"/>
+                </a:solidFill>
+                <a:hlinkClick r:id="rId3"/>
+              </a:rPr>
+              <a:t>127.0.0.1:6061/debug/pprof/profile?seconds=60</a:t>
+            </a:r>
+            <a:endParaRPr lang="en-US" altLang="zh-CN" dirty="0" smtClean="0">
+              <a:solidFill>
+                <a:schemeClr val="bg1"/>
+              </a:solidFill>
+            </a:endParaRPr>
+          </a:p>
+          <a:p>
+            <a:pPr algn="l"/>
+            <a:endParaRPr lang="en-US" altLang="zh-CN" dirty="0">
+              <a:solidFill>
+                <a:schemeClr val="bg1"/>
+              </a:solidFill>
+            </a:endParaRPr>
+          </a:p>
+          <a:p>
+            <a:pPr algn="l"/>
+            <a:r>
+              <a:rPr lang="en-US" altLang="zh-CN" dirty="0" smtClean="0">
+                <a:solidFill>
+                  <a:schemeClr val="bg1"/>
+                </a:solidFill>
+              </a:rPr>
+              <a:t># </a:t>
+            </a:r>
+            <a:r>
+              <a:rPr lang="zh-CN" altLang="en-US" dirty="0" smtClean="0">
+                <a:solidFill>
+                  <a:schemeClr val="bg1"/>
+                </a:solidFill>
+              </a:rPr>
+              <a:t>交互是命令行里直接敲入</a:t>
+            </a:r>
+            <a:r>
+              <a:rPr lang="en-US" altLang="zh-CN" dirty="0" smtClean="0">
+                <a:solidFill>
+                  <a:schemeClr val="bg1"/>
+                </a:solidFill>
+              </a:rPr>
+              <a:t>web</a:t>
+            </a:r>
+            <a:r>
+              <a:rPr lang="zh-CN" altLang="en-US" dirty="0" smtClean="0">
+                <a:solidFill>
+                  <a:schemeClr val="bg1"/>
+                </a:solidFill>
+              </a:rPr>
+              <a:t>命令</a:t>
+            </a:r>
+            <a:endParaRPr lang="zh-CN" altLang="en-US" dirty="0">
+              <a:solidFill>
+                <a:schemeClr val="bg1"/>
+              </a:solidFill>
+            </a:endParaRPr>
           </a:p>
         </p:txBody>
       </p:sp>
       <p:sp>
         <p:nvSpPr>
-          <p:cNvPr id="4" name="文本占位符 3"/>
-          <p:cNvSpPr>
-            <a:spLocks noGrp="1"/>
-          </p:cNvSpPr>
-          <p:nvPr>
-            <p:ph type="body" sz="quarter" idx="15"/>
-          </p:nvPr>
+          <p:cNvPr id="9" name="文本框 8"/>
+          <p:cNvSpPr txBox="1"/>
+          <p:nvPr/>
         </p:nvSpPr>
         <p:spPr>
           <a:xfrm>
-            <a:off x="2444750" y="4987012"/>
-            <a:ext cx="19143345" cy="1210588"/>
+            <a:off x="2462400" y="8540915"/>
+            <a:ext cx="19458000" cy="974626"/>
           </a:xfrm>
+          <a:prstGeom prst="rect">
+            <a:avLst/>
+          </a:prstGeom>
+          <a:noFill/>
+          <a:ln w="12700" cap="flat">
+            <a:noFill/>
+            <a:miter lim="400000"/>
+          </a:ln>
+        </p:spPr>
+        <p:style>
+          <a:lnRef idx="0">
+            <a:scrgbClr r="0" g="0" b="0"/>
+          </a:lnRef>
+          <a:fillRef idx="0">
+            <a:scrgbClr r="0" g="0" b="0"/>
+          </a:fillRef>
+          <a:effectRef idx="0">
+            <a:scrgbClr r="0" g="0" b="0"/>
+          </a:effectRef>
+          <a:fontRef idx="none"/>
+        </p:style>
+        <p:txBody>
+          <a:bodyPr rot="0" spcFirstLastPara="1" vertOverflow="overflow" horzOverflow="overflow" vert="horz" wrap="square" lIns="50800" tIns="50800" rIns="50800" bIns="50800" numCol="1" spcCol="38100" rtlCol="0" anchor="ctr">
+            <a:spAutoFit/>
+          </a:bodyPr>
+          <a:lstStyle/>
+          <a:p>
+            <a:pPr marL="571500" indent="-571500" algn="l">
+              <a:spcBef>
+                <a:spcPts val="1000"/>
+              </a:spcBef>
+              <a:spcAft>
+                <a:spcPts val="1000"/>
+              </a:spcAft>
+              <a:buSzPct val="125000"/>
+              <a:buFont typeface="Arial" panose="020B0604020202090204" pitchFamily="34" charset="0"/>
+              <a:buChar char="•"/>
+            </a:pPr>
+            <a:r>
+              <a:rPr kumimoji="1" lang="zh-CN" altLang="en-US" sz="4000" b="0" dirty="0" smtClean="0">
+                <a:solidFill>
+                  <a:srgbClr val="FFFFFF"/>
+                </a:solidFill>
+                <a:latin typeface="Helvetica" pitchFamily="2" charset="0"/>
+                <a:ea typeface="Alibaba PuHuiTi R" panose="00020600040101010101" pitchFamily="18" charset="-122"/>
+                <a:cs typeface="Alibaba PuHuiTi R" panose="00020600040101010101" pitchFamily="18" charset="-122"/>
+              </a:rPr>
+              <a:t>注意：</a:t>
+            </a:r>
+            <a:endParaRPr kumimoji="1" lang="zh-CN" altLang="en-US" sz="4000" b="0" dirty="0">
+              <a:solidFill>
+                <a:srgbClr val="FFFFFF"/>
+              </a:solidFill>
+              <a:latin typeface="Helvetica" pitchFamily="2" charset="0"/>
+              <a:ea typeface="Alibaba PuHuiTi R" panose="00020600040101010101" pitchFamily="18" charset="-122"/>
+              <a:cs typeface="Alibaba PuHuiTi R" panose="00020600040101010101" pitchFamily="18" charset="-122"/>
+            </a:endParaRPr>
+          </a:p>
+        </p:txBody>
+      </p:sp>
+      <p:sp>
+        <p:nvSpPr>
+          <p:cNvPr id="10" name="矩形 9"/>
+          <p:cNvSpPr/>
+          <p:nvPr/>
+        </p:nvSpPr>
+        <p:spPr>
+          <a:xfrm>
+            <a:off x="2987040" y="9515541"/>
+            <a:ext cx="14595566" cy="3323987"/>
+          </a:xfrm>
+          <a:prstGeom prst="rect">
+            <a:avLst/>
+          </a:prstGeom>
         </p:spPr>
         <p:txBody>
-          <a:bodyPr wrap="square"/>
+          <a:bodyPr wrap="square">
+            <a:spAutoFit/>
+          </a:bodyPr>
           <a:lstStyle/>
           <a:p>
-            <a:r>
-              <a:rPr kumimoji="1" lang="en-US" altLang="zh-CN" dirty="0" smtClean="0"/>
-              <a:t>1.7 </a:t>
-            </a:r>
-            <a:r>
-              <a:rPr kumimoji="1" lang="zh-CN" altLang="en-US" dirty="0" smtClean="0"/>
-              <a:t>排</a:t>
-            </a:r>
-            <a:r>
-              <a:rPr kumimoji="1" lang="zh-CN" altLang="en-US" dirty="0"/>
-              <a:t>查内存占用过高问题</a:t>
-            </a:r>
-            <a:endParaRPr kumimoji="1" lang="en-US" altLang="zh-CN" dirty="0"/>
+            <a:pPr algn="l"/>
+            <a:r>
+              <a:rPr lang="en-US" altLang="zh-CN" dirty="0" smtClean="0">
+                <a:solidFill>
+                  <a:schemeClr val="bg1"/>
+                </a:solidFill>
+              </a:rPr>
+              <a:t># </a:t>
+            </a:r>
+            <a:r>
+              <a:rPr lang="en-US" altLang="zh-CN" dirty="0">
+                <a:solidFill>
+                  <a:schemeClr val="bg1"/>
+                </a:solidFill>
+              </a:rPr>
+              <a:t>Could not execute dot; may need to install </a:t>
+            </a:r>
+            <a:r>
+              <a:rPr lang="en-US" altLang="zh-CN" dirty="0" err="1">
+                <a:solidFill>
+                  <a:schemeClr val="bg1"/>
+                </a:solidFill>
+              </a:rPr>
+              <a:t>graphviz</a:t>
+            </a:r>
+            <a:r>
+              <a:rPr lang="en-US" altLang="zh-CN" dirty="0" smtClean="0">
+                <a:solidFill>
+                  <a:schemeClr val="bg1"/>
+                </a:solidFill>
+              </a:rPr>
+              <a:t>.</a:t>
+            </a:r>
+          </a:p>
+          <a:p>
+            <a:pPr algn="l"/>
+            <a:endParaRPr lang="en-US" altLang="zh-CN" dirty="0" smtClean="0">
+              <a:solidFill>
+                <a:schemeClr val="bg1"/>
+              </a:solidFill>
+            </a:endParaRPr>
+          </a:p>
+          <a:p>
+            <a:pPr algn="l"/>
+            <a:r>
+              <a:rPr lang="en-US" altLang="zh-CN" dirty="0" smtClean="0">
+                <a:solidFill>
+                  <a:schemeClr val="bg1"/>
+                </a:solidFill>
+              </a:rPr>
+              <a:t>1</a:t>
+            </a:r>
+            <a:r>
+              <a:rPr lang="zh-CN" altLang="en-US" dirty="0" smtClean="0">
+                <a:solidFill>
+                  <a:schemeClr val="bg1"/>
+                </a:solidFill>
+              </a:rPr>
+              <a:t>、安装</a:t>
+            </a:r>
+            <a:r>
+              <a:rPr lang="en-US" altLang="zh-CN" dirty="0" err="1" smtClean="0">
+                <a:solidFill>
+                  <a:schemeClr val="bg1"/>
+                </a:solidFill>
+              </a:rPr>
+              <a:t>graphviz</a:t>
+            </a:r>
+            <a:endParaRPr lang="en-US" altLang="zh-CN" dirty="0">
+              <a:solidFill>
+                <a:schemeClr val="bg1"/>
+              </a:solidFill>
+            </a:endParaRPr>
+          </a:p>
+          <a:p>
+            <a:pPr algn="l"/>
+            <a:r>
+              <a:rPr lang="en-US" altLang="zh-CN" dirty="0" smtClean="0">
+                <a:solidFill>
+                  <a:schemeClr val="bg1"/>
+                </a:solidFill>
+              </a:rPr>
+              <a:t>2</a:t>
+            </a:r>
+            <a:r>
+              <a:rPr lang="zh-CN" altLang="en-US" dirty="0">
+                <a:solidFill>
+                  <a:schemeClr val="bg1"/>
+                </a:solidFill>
+              </a:rPr>
+              <a:t>、将</a:t>
+            </a:r>
+            <a:r>
+              <a:rPr lang="en-US" altLang="zh-CN" dirty="0" err="1">
+                <a:solidFill>
+                  <a:schemeClr val="bg1"/>
+                </a:solidFill>
+              </a:rPr>
+              <a:t>graphviz</a:t>
+            </a:r>
+            <a:r>
+              <a:rPr lang="zh-CN" altLang="en-US" dirty="0">
+                <a:solidFill>
+                  <a:schemeClr val="bg1"/>
+                </a:solidFill>
+              </a:rPr>
+              <a:t>安装目录下的</a:t>
+            </a:r>
+            <a:r>
+              <a:rPr lang="en-US" altLang="zh-CN" dirty="0">
+                <a:solidFill>
+                  <a:schemeClr val="bg1"/>
+                </a:solidFill>
+              </a:rPr>
+              <a:t>bin</a:t>
+            </a:r>
+            <a:r>
+              <a:rPr lang="zh-CN" altLang="en-US" dirty="0">
+                <a:solidFill>
+                  <a:schemeClr val="bg1"/>
+                </a:solidFill>
+              </a:rPr>
+              <a:t>文件夹添加到</a:t>
+            </a:r>
+            <a:r>
+              <a:rPr lang="en-US" altLang="zh-CN" dirty="0">
+                <a:solidFill>
+                  <a:schemeClr val="bg1"/>
+                </a:solidFill>
+              </a:rPr>
+              <a:t>Path</a:t>
+            </a:r>
+            <a:r>
+              <a:rPr lang="zh-CN" altLang="en-US" dirty="0">
+                <a:solidFill>
+                  <a:schemeClr val="bg1"/>
+                </a:solidFill>
+              </a:rPr>
+              <a:t>环境变量中</a:t>
+            </a:r>
+            <a:r>
+              <a:rPr lang="zh-CN" altLang="en-US" dirty="0" smtClean="0">
+                <a:solidFill>
+                  <a:schemeClr val="bg1"/>
+                </a:solidFill>
+              </a:rPr>
+              <a:t>。</a:t>
+            </a:r>
+            <a:endParaRPr lang="en-US" altLang="zh-CN" dirty="0" smtClean="0">
+              <a:solidFill>
+                <a:schemeClr val="bg1"/>
+              </a:solidFill>
+            </a:endParaRPr>
+          </a:p>
+          <a:p>
+            <a:pPr algn="l"/>
+            <a:r>
+              <a:rPr lang="en-US" altLang="zh-CN" dirty="0" smtClean="0">
+                <a:solidFill>
+                  <a:schemeClr val="bg1"/>
+                </a:solidFill>
+              </a:rPr>
+              <a:t>3</a:t>
+            </a:r>
+            <a:r>
+              <a:rPr lang="zh-CN" altLang="en-US" dirty="0">
+                <a:solidFill>
+                  <a:schemeClr val="bg1"/>
+                </a:solidFill>
+              </a:rPr>
+              <a:t>、在终端输入</a:t>
+            </a:r>
+            <a:r>
+              <a:rPr lang="en-US" altLang="zh-CN" dirty="0">
+                <a:solidFill>
+                  <a:schemeClr val="bg1"/>
+                </a:solidFill>
+              </a:rPr>
+              <a:t>dot -version</a:t>
+            </a:r>
+            <a:r>
+              <a:rPr lang="zh-CN" altLang="en-US" dirty="0">
+                <a:solidFill>
+                  <a:schemeClr val="bg1"/>
+                </a:solidFill>
+              </a:rPr>
+              <a:t>查看是否安装成功</a:t>
+            </a:r>
+            <a:r>
+              <a:rPr lang="zh-CN" altLang="en-US" dirty="0" smtClean="0">
+                <a:solidFill>
+                  <a:schemeClr val="bg1"/>
+                </a:solidFill>
+              </a:rPr>
+              <a:t>。</a:t>
+            </a:r>
+            <a:endParaRPr lang="en-US" altLang="zh-CN" dirty="0" smtClean="0">
+              <a:solidFill>
+                <a:schemeClr val="bg1"/>
+              </a:solidFill>
+            </a:endParaRPr>
+          </a:p>
+          <a:p>
+            <a:pPr algn="l"/>
+            <a:endParaRPr lang="en-US" altLang="zh-CN" dirty="0">
+              <a:solidFill>
+                <a:schemeClr val="bg1"/>
+              </a:solidFill>
+            </a:endParaRPr>
+          </a:p>
+          <a:p>
+            <a:pPr algn="l"/>
+            <a:r>
+              <a:rPr lang="en-US" altLang="zh-CN" dirty="0">
+                <a:solidFill>
+                  <a:schemeClr val="bg1"/>
+                </a:solidFill>
+              </a:rPr>
+              <a:t>http://www.graphviz.org/download/</a:t>
+            </a:r>
+            <a:endParaRPr lang="zh-CN" altLang="en-US" dirty="0">
+              <a:solidFill>
+                <a:schemeClr val="bg1"/>
+              </a:solidFill>
+            </a:endParaRPr>
           </a:p>
         </p:txBody>
       </p:sp>
     </p:spTree>
     <p:extLst>
       <p:ext uri="{BB962C8B-B14F-4D97-AF65-F5344CB8AC3E}">
-        <p14:creationId xmlns:p14="http://schemas.microsoft.com/office/powerpoint/2010/main" val="3100962517"/>
+        <p14:creationId xmlns:p14="http://schemas.microsoft.com/office/powerpoint/2010/main" val="3818708652"/>
       </p:ext>
     </p:extLst>
   </p:cSld>
@@ -9487,6 +11412,13 @@
     <a:masterClrMapping/>
   </p:clrMapOvr>
   <p:transition spd="med"/>
+  <p:timing>
+    <p:tnLst>
+      <p:par>
+        <p:cTn id="1" dur="indefinite" restart="never" nodeType="tmRoot"/>
+      </p:par>
+    </p:tnLst>
+  </p:timing>
 </p:sld>
 </file>
 
@@ -9509,80 +11441,90 @@
       </p:grpSpPr>
       <p:sp>
         <p:nvSpPr>
-          <p:cNvPr id="2" name="文本占位符 1"/>
+          <p:cNvPr id="6" name="标题 5"/>
           <p:cNvSpPr>
             <a:spLocks noGrp="1"/>
           </p:cNvSpPr>
           <p:nvPr>
-            <p:ph type="body" sz="quarter" idx="13"/>
+            <p:ph type="title"/>
           </p:nvPr>
         </p:nvSpPr>
+        <p:spPr/>
+        <p:txBody>
+          <a:bodyPr>
+            <a:noAutofit/>
+          </a:bodyPr>
+          <a:lstStyle/>
+          <a:p>
+            <a:r>
+              <a:rPr kumimoji="1" lang="en-US" altLang="zh-CN" dirty="0" smtClean="0"/>
+              <a:t>1.5 </a:t>
+            </a:r>
+            <a:r>
+              <a:rPr kumimoji="1" lang="zh-CN" altLang="en-US" dirty="0" smtClean="0"/>
+              <a:t>通过</a:t>
+            </a:r>
+            <a:r>
+              <a:rPr kumimoji="1" lang="zh-CN" altLang="en-US" dirty="0"/>
+              <a:t>可视化界面使用</a:t>
+            </a:r>
+            <a:r>
+              <a:rPr kumimoji="1" lang="en-US" altLang="zh-CN" dirty="0" err="1"/>
+              <a:t>PProf</a:t>
+            </a:r>
+            <a:r>
+              <a:rPr kumimoji="1" lang="en-US" altLang="zh-CN" dirty="0"/>
+              <a:t/>
+            </a:r>
+            <a:br>
+              <a:rPr kumimoji="1" lang="en-US" altLang="zh-CN" dirty="0"/>
+            </a:br>
+            <a:r>
+              <a:rPr kumimoji="1" lang="zh-CN" altLang="en-US" dirty="0"/>
+              <a:t/>
+            </a:r>
+            <a:br>
+              <a:rPr kumimoji="1" lang="zh-CN" altLang="en-US" dirty="0"/>
+            </a:br>
+            <a:r>
+              <a:rPr kumimoji="1" lang="zh-CN" altLang="en-US" dirty="0"/>
+              <a:t/>
+            </a:r>
+            <a:br>
+              <a:rPr kumimoji="1" lang="zh-CN" altLang="en-US" dirty="0"/>
+            </a:br>
+            <a:endParaRPr kumimoji="1" lang="en-US" altLang="zh-CN" dirty="0"/>
+          </a:p>
+        </p:txBody>
+      </p:sp>
+      <p:pic>
+        <p:nvPicPr>
+          <p:cNvPr id="3" name="图片 2"/>
+          <p:cNvPicPr>
+            <a:picLocks noChangeAspect="1"/>
+          </p:cNvPicPr>
+          <p:nvPr/>
+        </p:nvPicPr>
+        <p:blipFill>
+          <a:blip r:embed="rId3"/>
+          <a:stretch>
+            <a:fillRect/>
+          </a:stretch>
+        </p:blipFill>
         <p:spPr>
           <a:xfrm>
-            <a:off x="2444750" y="7675880"/>
-            <a:ext cx="5928995" cy="1163320"/>
+            <a:off x="797328" y="2495684"/>
+            <a:ext cx="22788143" cy="10758096"/>
           </a:xfrm>
+          <a:prstGeom prst="rect">
+            <a:avLst/>
+          </a:prstGeom>
         </p:spPr>
-        <p:txBody>
-          <a:bodyPr wrap="square"/>
-          <a:lstStyle/>
-          <a:p>
-            <a:r>
-              <a:rPr kumimoji="1" lang="zh-CN" altLang="en-US" dirty="0"/>
-              <a:t>闯哥</a:t>
-            </a:r>
-            <a:endParaRPr kumimoji="1" lang="zh-CN" altLang="en-US" dirty="0"/>
-          </a:p>
-        </p:txBody>
-      </p:sp>
-      <p:sp>
-        <p:nvSpPr>
-          <p:cNvPr id="4" name="文本占位符 3"/>
-          <p:cNvSpPr>
-            <a:spLocks noGrp="1"/>
-          </p:cNvSpPr>
-          <p:nvPr>
-            <p:ph type="body" sz="quarter" idx="15"/>
-          </p:nvPr>
-        </p:nvSpPr>
-        <p:spPr>
-          <a:xfrm>
-            <a:off x="2444750" y="4987012"/>
-            <a:ext cx="19143345" cy="1210588"/>
-          </a:xfrm>
-        </p:spPr>
-        <p:txBody>
-          <a:bodyPr wrap="square"/>
-          <a:lstStyle/>
-          <a:p>
-            <a:r>
-              <a:rPr kumimoji="1" lang="en-US" altLang="zh-CN" dirty="0" smtClean="0"/>
-              <a:t>1.8 </a:t>
-            </a:r>
-            <a:r>
-              <a:rPr kumimoji="1" lang="zh-CN" altLang="en-US" dirty="0" smtClean="0"/>
-              <a:t>排</a:t>
-            </a:r>
-            <a:r>
-              <a:rPr kumimoji="1" lang="zh-CN" altLang="en-US" dirty="0"/>
-              <a:t>查频繁</a:t>
-            </a:r>
-            <a:r>
-              <a:rPr kumimoji="1" lang="en-US" altLang="zh-CN" dirty="0"/>
-              <a:t>GC</a:t>
-            </a:r>
-            <a:r>
-              <a:rPr kumimoji="1" lang="zh-CN" altLang="en-US" dirty="0"/>
-              <a:t>问题</a:t>
-            </a:r>
-            <a:endParaRPr kumimoji="1" lang="en-US" altLang="zh-CN" dirty="0"/>
-          </a:p>
-        </p:txBody>
-      </p:sp>
+      </p:pic>
     </p:spTree>
     <p:extLst>
       <p:ext uri="{BB962C8B-B14F-4D97-AF65-F5344CB8AC3E}">
-        <p14:creationId xmlns:p14="http://schemas.microsoft.com/office/powerpoint/2010/main" val="592426751"/>
+        <p14:creationId xmlns:p14="http://schemas.microsoft.com/office/powerpoint/2010/main" val="2380529242"/>
       </p:ext>
     </p:extLst>
   </p:cSld>
@@ -9590,6 +11532,13 @@
     <a:masterClrMapping/>
   </p:clrMapOvr>
   <p:transition spd="med"/>
+  <p:timing>
+    <p:tnLst>
+      <p:par>
+        <p:cTn id="1" dur="indefinite" restart="never" nodeType="tmRoot"/>
+      </p:par>
+    </p:tnLst>
+  </p:timing>
 </p:sld>
 </file>
 
@@ -9612,72 +11561,138 @@
       </p:grpSpPr>
       <p:sp>
         <p:nvSpPr>
-          <p:cNvPr id="2" name="文本占位符 1"/>
+          <p:cNvPr id="6" name="标题 5"/>
           <p:cNvSpPr>
             <a:spLocks noGrp="1"/>
           </p:cNvSpPr>
           <p:nvPr>
-            <p:ph type="body" sz="quarter" idx="13"/>
+            <p:ph type="title"/>
           </p:nvPr>
         </p:nvSpPr>
+        <p:spPr/>
+        <p:txBody>
+          <a:bodyPr>
+            <a:noAutofit/>
+          </a:bodyPr>
+          <a:lstStyle/>
+          <a:p>
+            <a:r>
+              <a:rPr kumimoji="1" lang="en-US" altLang="zh-CN" dirty="0" smtClean="0"/>
+              <a:t>1.5 </a:t>
+            </a:r>
+            <a:r>
+              <a:rPr kumimoji="1" lang="zh-CN" altLang="en-US" dirty="0" smtClean="0"/>
+              <a:t>通过</a:t>
+            </a:r>
+            <a:r>
+              <a:rPr kumimoji="1" lang="zh-CN" altLang="en-US" dirty="0"/>
+              <a:t>可视化界面使用</a:t>
+            </a:r>
+            <a:r>
+              <a:rPr kumimoji="1" lang="en-US" altLang="zh-CN" dirty="0" err="1"/>
+              <a:t>PProf</a:t>
+            </a:r>
+            <a:r>
+              <a:rPr kumimoji="1" lang="en-US" altLang="zh-CN" dirty="0"/>
+              <a:t/>
+            </a:r>
+            <a:br>
+              <a:rPr kumimoji="1" lang="en-US" altLang="zh-CN" dirty="0"/>
+            </a:br>
+            <a:r>
+              <a:rPr kumimoji="1" lang="zh-CN" altLang="en-US" dirty="0"/>
+              <a:t/>
+            </a:r>
+            <a:br>
+              <a:rPr kumimoji="1" lang="zh-CN" altLang="en-US" dirty="0"/>
+            </a:br>
+            <a:r>
+              <a:rPr kumimoji="1" lang="zh-CN" altLang="en-US" dirty="0"/>
+              <a:t/>
+            </a:r>
+            <a:br>
+              <a:rPr kumimoji="1" lang="zh-CN" altLang="en-US" dirty="0"/>
+            </a:br>
+            <a:endParaRPr kumimoji="1" lang="en-US" altLang="zh-CN" dirty="0"/>
+          </a:p>
+        </p:txBody>
+      </p:sp>
+      <p:pic>
+        <p:nvPicPr>
+          <p:cNvPr id="2" name="图片 1"/>
+          <p:cNvPicPr>
+            <a:picLocks noChangeAspect="1"/>
+          </p:cNvPicPr>
+          <p:nvPr/>
+        </p:nvPicPr>
+        <p:blipFill>
+          <a:blip r:embed="rId3"/>
+          <a:stretch>
+            <a:fillRect/>
+          </a:stretch>
+        </p:blipFill>
         <p:spPr>
           <a:xfrm>
-            <a:off x="2444750" y="7675880"/>
-            <a:ext cx="5928995" cy="1163320"/>
+            <a:off x="2462400" y="4353197"/>
+            <a:ext cx="4572408" cy="3408006"/>
           </a:xfrm>
+          <a:prstGeom prst="rect">
+            <a:avLst/>
+          </a:prstGeom>
         </p:spPr>
-        <p:txBody>
-          <a:bodyPr wrap="square"/>
-          <a:lstStyle/>
-          <a:p>
-            <a:r>
-              <a:rPr kumimoji="1" lang="zh-CN" altLang="en-US" dirty="0"/>
-              <a:t>闯哥</a:t>
-            </a:r>
-            <a:endParaRPr kumimoji="1" lang="zh-CN" altLang="en-US" dirty="0"/>
-          </a:p>
-        </p:txBody>
-      </p:sp>
-      <p:sp>
-        <p:nvSpPr>
-          <p:cNvPr id="4" name="文本占位符 3"/>
-          <p:cNvSpPr>
-            <a:spLocks noGrp="1"/>
-          </p:cNvSpPr>
-          <p:nvPr>
-            <p:ph type="body" sz="quarter" idx="15"/>
-          </p:nvPr>
-        </p:nvSpPr>
+      </p:pic>
+      <p:pic>
+        <p:nvPicPr>
+          <p:cNvPr id="3" name="图片 2"/>
+          <p:cNvPicPr>
+            <a:picLocks noChangeAspect="1"/>
+          </p:cNvPicPr>
+          <p:nvPr/>
+        </p:nvPicPr>
+        <p:blipFill>
+          <a:blip r:embed="rId4"/>
+          <a:stretch>
+            <a:fillRect/>
+          </a:stretch>
+        </p:blipFill>
         <p:spPr>
           <a:xfrm>
-            <a:off x="2444750" y="4987012"/>
-            <a:ext cx="19143345" cy="1210588"/>
+            <a:off x="12191400" y="2819633"/>
+            <a:ext cx="8740985" cy="4941570"/>
           </a:xfrm>
+          <a:prstGeom prst="rect">
+            <a:avLst/>
+          </a:prstGeom>
         </p:spPr>
-        <p:txBody>
-          <a:bodyPr wrap="square"/>
-          <a:lstStyle/>
-          <a:p>
-            <a:r>
-              <a:rPr kumimoji="1" lang="en-US" altLang="zh-CN" dirty="0" smtClean="0"/>
-              <a:t>1.9 </a:t>
-            </a:r>
-            <a:r>
-              <a:rPr kumimoji="1" lang="zh-CN" altLang="en-US" dirty="0" smtClean="0"/>
-              <a:t>排</a:t>
-            </a:r>
-            <a:r>
-              <a:rPr kumimoji="1" lang="zh-CN" altLang="en-US" dirty="0"/>
-              <a:t>查协程泄漏问题</a:t>
-            </a:r>
-            <a:endParaRPr kumimoji="1" lang="en-US" altLang="zh-CN" dirty="0"/>
-          </a:p>
-        </p:txBody>
-      </p:sp>
+      </p:pic>
+      <p:pic>
+        <p:nvPicPr>
+          <p:cNvPr id="7" name="图片 6"/>
+          <p:cNvPicPr>
+            <a:picLocks noChangeAspect="1"/>
+          </p:cNvPicPr>
+          <p:nvPr/>
+        </p:nvPicPr>
+        <p:blipFill>
+          <a:blip r:embed="rId5"/>
+          <a:stretch>
+            <a:fillRect/>
+          </a:stretch>
+        </p:blipFill>
+        <p:spPr>
+          <a:xfrm>
+            <a:off x="12191400" y="8291236"/>
+            <a:ext cx="8740985" cy="4883997"/>
+          </a:xfrm>
+          <a:prstGeom prst="rect">
+            <a:avLst/>
+          </a:prstGeom>
+        </p:spPr>
+      </p:pic>
     </p:spTree>
     <p:extLst>
       <p:ext uri="{BB962C8B-B14F-4D97-AF65-F5344CB8AC3E}">
-        <p14:creationId xmlns:p14="http://schemas.microsoft.com/office/powerpoint/2010/main" val="2362445396"/>
+        <p14:creationId xmlns:p14="http://schemas.microsoft.com/office/powerpoint/2010/main" val="991617884"/>
       </p:ext>
     </p:extLst>
   </p:cSld>
@@ -9685,6 +11700,13 @@
     <a:masterClrMapping/>
   </p:clrMapOvr>
   <p:transition spd="med"/>
+  <p:timing>
+    <p:tnLst>
+      <p:par>
+        <p:cTn id="1" dur="indefinite" restart="never" nodeType="tmRoot"/>
+      </p:par>
+    </p:tnLst>
+  </p:timing>
 </p:sld>
 </file>
 
@@ -9869,14 +11891,6 @@
               </a:rPr>
               <a:t>快速定位问题的思路和手段</a:t>
             </a:r>
-            <a:endParaRPr kumimoji="1" lang="zh-CN" altLang="en-US" sz="4000" b="0" dirty="0">
-              <a:solidFill>
-                <a:srgbClr val="FFFFFF"/>
-              </a:solidFill>
-              <a:latin typeface="Helvetica" pitchFamily="2" charset="0"/>
-              <a:ea typeface="Alibaba PuHuiTi R" panose="00020600040101010101" pitchFamily="18" charset="-122"/>
-              <a:cs typeface="Alibaba PuHuiTi R" panose="00020600040101010101" pitchFamily="18" charset="-122"/>
-            </a:endParaRPr>
           </a:p>
         </p:txBody>
       </p:sp>
@@ -9913,72 +11927,90 @@
       </p:grpSpPr>
       <p:sp>
         <p:nvSpPr>
-          <p:cNvPr id="2" name="文本占位符 1"/>
+          <p:cNvPr id="6" name="标题 5"/>
           <p:cNvSpPr>
             <a:spLocks noGrp="1"/>
           </p:cNvSpPr>
           <p:nvPr>
-            <p:ph type="body" sz="quarter" idx="13"/>
+            <p:ph type="title"/>
           </p:nvPr>
         </p:nvSpPr>
+        <p:spPr/>
+        <p:txBody>
+          <a:bodyPr>
+            <a:noAutofit/>
+          </a:bodyPr>
+          <a:lstStyle/>
+          <a:p>
+            <a:r>
+              <a:rPr kumimoji="1" lang="en-US" altLang="zh-CN" dirty="0" smtClean="0"/>
+              <a:t>1.5 </a:t>
+            </a:r>
+            <a:r>
+              <a:rPr kumimoji="1" lang="zh-CN" altLang="en-US" dirty="0" smtClean="0"/>
+              <a:t>通过</a:t>
+            </a:r>
+            <a:r>
+              <a:rPr kumimoji="1" lang="zh-CN" altLang="en-US" dirty="0"/>
+              <a:t>可视化界面使用</a:t>
+            </a:r>
+            <a:r>
+              <a:rPr kumimoji="1" lang="en-US" altLang="zh-CN" dirty="0" err="1"/>
+              <a:t>PProf</a:t>
+            </a:r>
+            <a:r>
+              <a:rPr kumimoji="1" lang="en-US" altLang="zh-CN" dirty="0"/>
+              <a:t/>
+            </a:r>
+            <a:br>
+              <a:rPr kumimoji="1" lang="en-US" altLang="zh-CN" dirty="0"/>
+            </a:br>
+            <a:r>
+              <a:rPr kumimoji="1" lang="zh-CN" altLang="en-US" dirty="0"/>
+              <a:t/>
+            </a:r>
+            <a:br>
+              <a:rPr kumimoji="1" lang="zh-CN" altLang="en-US" dirty="0"/>
+            </a:br>
+            <a:r>
+              <a:rPr kumimoji="1" lang="zh-CN" altLang="en-US" dirty="0"/>
+              <a:t/>
+            </a:r>
+            <a:br>
+              <a:rPr kumimoji="1" lang="zh-CN" altLang="en-US" dirty="0"/>
+            </a:br>
+            <a:endParaRPr kumimoji="1" lang="en-US" altLang="zh-CN" dirty="0"/>
+          </a:p>
+        </p:txBody>
+      </p:sp>
+      <p:pic>
+        <p:nvPicPr>
+          <p:cNvPr id="2" name="图片 1"/>
+          <p:cNvPicPr>
+            <a:picLocks noChangeAspect="1"/>
+          </p:cNvPicPr>
+          <p:nvPr/>
+        </p:nvPicPr>
+        <p:blipFill>
+          <a:blip r:embed="rId3"/>
+          <a:stretch>
+            <a:fillRect/>
+          </a:stretch>
+        </p:blipFill>
         <p:spPr>
           <a:xfrm>
-            <a:off x="2444750" y="7675880"/>
-            <a:ext cx="5928995" cy="1163320"/>
+            <a:off x="3587251" y="2891110"/>
+            <a:ext cx="11020267" cy="6906034"/>
           </a:xfrm>
+          <a:prstGeom prst="rect">
+            <a:avLst/>
+          </a:prstGeom>
         </p:spPr>
-        <p:txBody>
-          <a:bodyPr wrap="square"/>
-          <a:lstStyle/>
-          <a:p>
-            <a:r>
-              <a:rPr kumimoji="1" lang="zh-CN" altLang="en-US" dirty="0"/>
-              <a:t>闯哥</a:t>
-            </a:r>
-            <a:endParaRPr kumimoji="1" lang="zh-CN" altLang="en-US" dirty="0"/>
-          </a:p>
-        </p:txBody>
-      </p:sp>
-      <p:sp>
-        <p:nvSpPr>
-          <p:cNvPr id="4" name="文本占位符 3"/>
-          <p:cNvSpPr>
-            <a:spLocks noGrp="1"/>
-          </p:cNvSpPr>
-          <p:nvPr>
-            <p:ph type="body" sz="quarter" idx="15"/>
-          </p:nvPr>
-        </p:nvSpPr>
-        <p:spPr>
-          <a:xfrm>
-            <a:off x="2444750" y="4987012"/>
-            <a:ext cx="19143345" cy="1210588"/>
-          </a:xfrm>
-        </p:spPr>
-        <p:txBody>
-          <a:bodyPr wrap="square"/>
-          <a:lstStyle/>
-          <a:p>
-            <a:r>
-              <a:rPr kumimoji="1" lang="en-US" altLang="zh-CN" dirty="0" smtClean="0"/>
-              <a:t>1.10 </a:t>
-            </a:r>
-            <a:r>
-              <a:rPr kumimoji="1" lang="zh-CN" altLang="en-US" dirty="0" smtClean="0"/>
-              <a:t>排</a:t>
-            </a:r>
-            <a:r>
-              <a:rPr kumimoji="1" lang="zh-CN" altLang="en-US" dirty="0"/>
-              <a:t>查锁竞争问题</a:t>
-            </a:r>
-            <a:endParaRPr kumimoji="1" lang="en-US" altLang="zh-CN" dirty="0"/>
-          </a:p>
-        </p:txBody>
-      </p:sp>
+      </p:pic>
     </p:spTree>
     <p:extLst>
       <p:ext uri="{BB962C8B-B14F-4D97-AF65-F5344CB8AC3E}">
-        <p14:creationId xmlns:p14="http://schemas.microsoft.com/office/powerpoint/2010/main" val="3591334192"/>
+        <p14:creationId xmlns:p14="http://schemas.microsoft.com/office/powerpoint/2010/main" val="2269280340"/>
       </p:ext>
     </p:extLst>
   </p:cSld>
@@ -9986,6 +12018,13 @@
     <a:masterClrMapping/>
   </p:clrMapOvr>
   <p:transition spd="med"/>
+  <p:timing>
+    <p:tnLst>
+      <p:par>
+        <p:cTn id="1" dur="indefinite" restart="never" nodeType="tmRoot"/>
+      </p:par>
+    </p:tnLst>
+  </p:timing>
 </p:sld>
 </file>
 
@@ -10008,232 +12047,113 @@
       </p:grpSpPr>
       <p:sp>
         <p:nvSpPr>
-          <p:cNvPr id="2" name="文本占位符 1"/>
+          <p:cNvPr id="6" name="标题 5"/>
           <p:cNvSpPr>
             <a:spLocks noGrp="1"/>
           </p:cNvSpPr>
           <p:nvPr>
-            <p:ph type="body" sz="quarter" idx="13"/>
+            <p:ph type="title"/>
           </p:nvPr>
+        </p:nvSpPr>
+        <p:spPr/>
+        <p:txBody>
+          <a:bodyPr>
+            <a:noAutofit/>
+          </a:bodyPr>
+          <a:lstStyle/>
+          <a:p>
+            <a:r>
+              <a:rPr kumimoji="1" lang="en-US" altLang="zh-CN" dirty="0" smtClean="0"/>
+              <a:t>1.5 </a:t>
+            </a:r>
+            <a:r>
+              <a:rPr kumimoji="1" lang="zh-CN" altLang="en-US" dirty="0" smtClean="0"/>
+              <a:t>通过</a:t>
+            </a:r>
+            <a:r>
+              <a:rPr kumimoji="1" lang="zh-CN" altLang="en-US" dirty="0"/>
+              <a:t>可视化界面使用</a:t>
+            </a:r>
+            <a:r>
+              <a:rPr kumimoji="1" lang="en-US" altLang="zh-CN" dirty="0" err="1"/>
+              <a:t>PProf</a:t>
+            </a:r>
+            <a:r>
+              <a:rPr kumimoji="1" lang="en-US" altLang="zh-CN" dirty="0"/>
+              <a:t/>
+            </a:r>
+            <a:br>
+              <a:rPr kumimoji="1" lang="en-US" altLang="zh-CN" dirty="0"/>
+            </a:br>
+            <a:r>
+              <a:rPr kumimoji="1" lang="zh-CN" altLang="en-US" dirty="0"/>
+              <a:t/>
+            </a:r>
+            <a:br>
+              <a:rPr kumimoji="1" lang="zh-CN" altLang="en-US" dirty="0"/>
+            </a:br>
+            <a:r>
+              <a:rPr kumimoji="1" lang="zh-CN" altLang="en-US" dirty="0"/>
+              <a:t/>
+            </a:r>
+            <a:br>
+              <a:rPr kumimoji="1" lang="zh-CN" altLang="en-US" dirty="0"/>
+            </a:br>
+            <a:endParaRPr kumimoji="1" lang="en-US" altLang="zh-CN" dirty="0"/>
+          </a:p>
+        </p:txBody>
+      </p:sp>
+      <p:pic>
+        <p:nvPicPr>
+          <p:cNvPr id="2050" name="Picture 2" descr="http://cdn.xiaot123.com/blog/2021-04/pprof_top.png-blog"/>
+          <p:cNvPicPr>
+            <a:picLocks noChangeAspect="1" noChangeArrowheads="1"/>
+          </p:cNvPicPr>
+          <p:nvPr/>
+        </p:nvPicPr>
+        <p:blipFill>
+          <a:blip r:embed="rId3">
+            <a:extLst>
+              <a:ext uri="{28A0092B-C50C-407E-A947-70E740481C1C}">
+                <a14:useLocalDpi xmlns:a14="http://schemas.microsoft.com/office/drawing/2010/main" val="0"/>
+              </a:ext>
+            </a:extLst>
+          </a:blip>
+          <a:srcRect/>
+          <a:stretch>
+            <a:fillRect/>
+          </a:stretch>
+        </p:blipFill>
+        <p:spPr bwMode="auto">
+          <a:xfrm>
+            <a:off x="6366594" y="3502325"/>
+            <a:ext cx="10075353" cy="8802215"/>
+          </a:xfrm>
+          <a:prstGeom prst="rect">
+            <a:avLst/>
+          </a:prstGeom>
+          <a:noFill/>
+          <a:extLst>
+            <a:ext uri="{909E8E84-426E-40DD-AFC4-6F175D3DCCD1}">
+              <a14:hiddenFill xmlns:a14="http://schemas.microsoft.com/office/drawing/2010/main">
+                <a:solidFill>
+                  <a:srgbClr val="FFFFFF"/>
+                </a:solidFill>
+              </a14:hiddenFill>
+            </a:ext>
+          </a:extLst>
+        </p:spPr>
+      </p:pic>
+      <p:sp>
+        <p:nvSpPr>
+          <p:cNvPr id="5" name="文本框 4"/>
+          <p:cNvSpPr txBox="1"/>
+          <p:nvPr/>
         </p:nvSpPr>
         <p:spPr>
           <a:xfrm>
-            <a:off x="2444750" y="7675880"/>
-            <a:ext cx="5928995" cy="1163320"/>
-          </a:xfrm>
-        </p:spPr>
-        <p:txBody>
-          <a:bodyPr wrap="square"/>
-          <a:lstStyle/>
-          <a:p>
-            <a:r>
-              <a:rPr kumimoji="1" lang="zh-CN" altLang="en-US" dirty="0"/>
-              <a:t>闯哥</a:t>
-            </a:r>
-            <a:endParaRPr kumimoji="1" lang="zh-CN" altLang="en-US" dirty="0"/>
-          </a:p>
-        </p:txBody>
-      </p:sp>
-      <p:sp>
-        <p:nvSpPr>
-          <p:cNvPr id="4" name="文本占位符 3"/>
-          <p:cNvSpPr>
-            <a:spLocks noGrp="1"/>
-          </p:cNvSpPr>
-          <p:nvPr>
-            <p:ph type="body" sz="quarter" idx="15"/>
-          </p:nvPr>
-        </p:nvSpPr>
-        <p:spPr>
-          <a:xfrm>
-            <a:off x="2444750" y="4987012"/>
-            <a:ext cx="19143345" cy="1210588"/>
-          </a:xfrm>
-        </p:spPr>
-        <p:txBody>
-          <a:bodyPr wrap="square"/>
-          <a:lstStyle/>
-          <a:p>
-            <a:r>
-              <a:rPr kumimoji="1" lang="en-US" altLang="zh-CN" dirty="0" smtClean="0"/>
-              <a:t>1.11 </a:t>
-            </a:r>
-            <a:r>
-              <a:rPr kumimoji="1" lang="zh-CN" altLang="en-US" dirty="0" smtClean="0"/>
-              <a:t>排</a:t>
-            </a:r>
-            <a:r>
-              <a:rPr kumimoji="1" lang="zh-CN" altLang="en-US" dirty="0"/>
-              <a:t>查阻塞问题</a:t>
-            </a:r>
-            <a:endParaRPr kumimoji="1" lang="en-US" altLang="zh-CN" dirty="0"/>
-          </a:p>
-        </p:txBody>
-      </p:sp>
-    </p:spTree>
-    <p:extLst>
-      <p:ext uri="{BB962C8B-B14F-4D97-AF65-F5344CB8AC3E}">
-        <p14:creationId xmlns:p14="http://schemas.microsoft.com/office/powerpoint/2010/main" val="2865345634"/>
-      </p:ext>
-    </p:extLst>
-  </p:cSld>
-  <p:clrMapOvr>
-    <a:masterClrMapping/>
-  </p:clrMapOvr>
-  <p:transition spd="med"/>
-</p:sld>
-</file>
-
-<file path=ppt/slides/slide32.xml><?xml version="1.0" encoding="utf-8"?>
-<p:sld xmlns:a="http://schemas.openxmlformats.org/drawingml/2006/main" xmlns:r="http://schemas.openxmlformats.org/officeDocument/2006/relationships" xmlns:p="http://schemas.openxmlformats.org/presentationml/2006/main">
-  <p:cSld>
-    <p:spTree>
-      <p:nvGrpSpPr>
-        <p:cNvPr id="1" name=""/>
-        <p:cNvGrpSpPr/>
-        <p:nvPr/>
-      </p:nvGrpSpPr>
-      <p:grpSpPr>
-        <a:xfrm>
-          <a:off x="0" y="0"/>
-          <a:ext cx="0" cy="0"/>
-          <a:chOff x="0" y="0"/>
-          <a:chExt cx="0" cy="0"/>
-        </a:xfrm>
-      </p:grpSpPr>
-      <p:sp>
-        <p:nvSpPr>
-          <p:cNvPr id="2" name="文本占位符 1"/>
-          <p:cNvSpPr>
-            <a:spLocks noGrp="1"/>
-          </p:cNvSpPr>
-          <p:nvPr>
-            <p:ph type="body" sz="quarter" idx="13"/>
-          </p:nvPr>
-        </p:nvSpPr>
-        <p:spPr>
-          <a:xfrm>
-            <a:off x="2444750" y="7675880"/>
-            <a:ext cx="5928995" cy="1163320"/>
-          </a:xfrm>
-        </p:spPr>
-        <p:txBody>
-          <a:bodyPr wrap="square"/>
-          <a:lstStyle/>
-          <a:p>
-            <a:r>
-              <a:rPr kumimoji="1" lang="zh-CN" altLang="en-US" dirty="0"/>
-              <a:t>闯哥</a:t>
-            </a:r>
-            <a:endParaRPr kumimoji="1" lang="zh-CN" altLang="en-US" dirty="0"/>
-          </a:p>
-        </p:txBody>
-      </p:sp>
-      <p:sp>
-        <p:nvSpPr>
-          <p:cNvPr id="4" name="文本占位符 3"/>
-          <p:cNvSpPr>
-            <a:spLocks noGrp="1"/>
-          </p:cNvSpPr>
-          <p:nvPr>
-            <p:ph type="body" sz="quarter" idx="15"/>
-          </p:nvPr>
-        </p:nvSpPr>
-        <p:spPr>
-          <a:xfrm>
-            <a:off x="2444750" y="4987012"/>
-            <a:ext cx="19143345" cy="1210588"/>
-          </a:xfrm>
-        </p:spPr>
-        <p:txBody>
-          <a:bodyPr wrap="square"/>
-          <a:lstStyle/>
-          <a:p>
-            <a:r>
-              <a:rPr kumimoji="1" lang="en-US" altLang="zh-CN" dirty="0" smtClean="0"/>
-              <a:t>1.12 </a:t>
-            </a:r>
-            <a:r>
-              <a:rPr kumimoji="1" lang="zh-CN" altLang="en-US" dirty="0" smtClean="0"/>
-              <a:t>性能优化综合案</a:t>
-            </a:r>
-            <a:r>
-              <a:rPr kumimoji="1" lang="zh-CN" altLang="en-US" dirty="0"/>
-              <a:t>列</a:t>
-            </a:r>
-            <a:endParaRPr kumimoji="1" lang="en-US" altLang="zh-CN" dirty="0"/>
-          </a:p>
-        </p:txBody>
-      </p:sp>
-    </p:spTree>
-    <p:extLst>
-      <p:ext uri="{BB962C8B-B14F-4D97-AF65-F5344CB8AC3E}">
-        <p14:creationId xmlns:p14="http://schemas.microsoft.com/office/powerpoint/2010/main" val="4042991"/>
-      </p:ext>
-    </p:extLst>
-  </p:cSld>
-  <p:clrMapOvr>
-    <a:masterClrMapping/>
-  </p:clrMapOvr>
-  <p:transition spd="med"/>
-</p:sld>
-</file>
-
-<file path=ppt/slides/slide33.xml><?xml version="1.0" encoding="utf-8"?>
-<p:sld xmlns:a="http://schemas.openxmlformats.org/drawingml/2006/main" xmlns:r="http://schemas.openxmlformats.org/officeDocument/2006/relationships" xmlns:p="http://schemas.openxmlformats.org/presentationml/2006/main">
-  <p:cSld>
-    <p:spTree>
-      <p:nvGrpSpPr>
-        <p:cNvPr id="1" name=""/>
-        <p:cNvGrpSpPr/>
-        <p:nvPr/>
-      </p:nvGrpSpPr>
-      <p:grpSpPr>
-        <a:xfrm>
-          <a:off x="0" y="0"/>
-          <a:ext cx="0" cy="0"/>
-          <a:chOff x="0" y="0"/>
-          <a:chExt cx="0" cy="0"/>
-        </a:xfrm>
-      </p:grpSpPr>
-      <p:sp>
-        <p:nvSpPr>
-          <p:cNvPr id="4" name="文本占位符 3"/>
-          <p:cNvSpPr>
-            <a:spLocks noGrp="1"/>
-          </p:cNvSpPr>
-          <p:nvPr>
-            <p:ph type="body" sz="quarter" idx="15"/>
-          </p:nvPr>
-        </p:nvSpPr>
-        <p:spPr>
-          <a:xfrm>
-            <a:off x="2444750" y="676270"/>
-            <a:ext cx="19143345" cy="1210588"/>
-          </a:xfrm>
-        </p:spPr>
-        <p:txBody>
-          <a:bodyPr wrap="square"/>
-          <a:lstStyle/>
-          <a:p>
-            <a:r>
-              <a:rPr kumimoji="1" lang="zh-CN" altLang="en-US" dirty="0" smtClean="0"/>
-              <a:t>参考文献</a:t>
-            </a:r>
-            <a:endParaRPr kumimoji="1" lang="en-US" altLang="zh-CN" dirty="0"/>
-          </a:p>
-        </p:txBody>
-      </p:sp>
-      <p:sp>
-        <p:nvSpPr>
-          <p:cNvPr id="3" name="文本框 2"/>
-          <p:cNvSpPr txBox="1"/>
-          <p:nvPr/>
-        </p:nvSpPr>
-        <p:spPr>
-          <a:xfrm>
-            <a:off x="2000612" y="1449206"/>
-            <a:ext cx="18142313" cy="2410916"/>
+            <a:off x="2462400" y="2289600"/>
+            <a:ext cx="12070080" cy="841256"/>
           </a:xfrm>
           <a:prstGeom prst="rect">
             <a:avLst/>
@@ -10262,118 +12182,25 @@
           </a:bodyPr>
           <a:lstStyle/>
           <a:p>
-            <a:pPr marL="514350" indent="-514350" algn="l">
-              <a:buFont typeface="+mj-lt"/>
-              <a:buAutoNum type="arabicPeriod"/>
-            </a:pPr>
-            <a:r>
-              <a:rPr lang="en-US" altLang="zh-CN" dirty="0">
-                <a:solidFill>
-                  <a:schemeClr val="bg1"/>
-                </a:solidFill>
-                <a:hlinkClick r:id="rId2"/>
-              </a:rPr>
-              <a:t>https://</a:t>
-            </a:r>
-            <a:r>
-              <a:rPr lang="en-US" altLang="zh-CN" dirty="0" smtClean="0">
-                <a:solidFill>
-                  <a:schemeClr val="bg1"/>
-                </a:solidFill>
-                <a:hlinkClick r:id="rId2"/>
-              </a:rPr>
-              <a:t>github.com/google/pprof</a:t>
-            </a:r>
-            <a:endParaRPr lang="en-US" altLang="zh-CN" dirty="0" smtClean="0">
+            <a:pPr algn="l"/>
+            <a:r>
+              <a:rPr kumimoji="1" lang="en-US" altLang="zh-CN" sz="4800" b="0" dirty="0" smtClean="0">
+                <a:solidFill>
+                  <a:srgbClr val="FFFFFF"/>
+                </a:solidFill>
+                <a:latin typeface="Helvetica" pitchFamily="2" charset="0"/>
+                <a:ea typeface="Alibaba PuHuiTi R" panose="00020600040101010101" pitchFamily="18" charset="-122"/>
+                <a:cs typeface="Alibaba PuHuiTi R" panose="00020600040101010101" pitchFamily="18" charset="-122"/>
+              </a:rPr>
+              <a:t>Top</a:t>
+            </a:r>
+            <a:endParaRPr kumimoji="1" lang="zh-CN" altLang="en-US" sz="4800" b="0" dirty="0">
               <a:solidFill>
-                <a:schemeClr val="bg1"/>
+                <a:srgbClr val="FFFFFF"/>
               </a:solidFill>
-            </a:endParaRPr>
-          </a:p>
-          <a:p>
-            <a:pPr marL="514350" indent="-514350" algn="l">
-              <a:buFont typeface="+mj-lt"/>
-              <a:buAutoNum type="arabicPeriod"/>
-            </a:pPr>
-            <a:r>
-              <a:rPr lang="en-US" altLang="zh-CN" dirty="0">
-                <a:solidFill>
-                  <a:schemeClr val="bg1"/>
-                </a:solidFill>
-                <a:hlinkClick r:id="rId3"/>
-              </a:rPr>
-              <a:t>https://golang.org/pkg/runtime/pprof</a:t>
-            </a:r>
-            <a:r>
-              <a:rPr lang="en-US" altLang="zh-CN" dirty="0" smtClean="0">
-                <a:solidFill>
-                  <a:schemeClr val="bg1"/>
-                </a:solidFill>
-                <a:hlinkClick r:id="rId3"/>
-              </a:rPr>
-              <a:t>/</a:t>
-            </a:r>
-            <a:endParaRPr lang="en-US" altLang="zh-CN" dirty="0" smtClean="0">
-              <a:solidFill>
-                <a:schemeClr val="bg1"/>
-              </a:solidFill>
-            </a:endParaRPr>
-          </a:p>
-          <a:p>
-            <a:pPr marL="514350" indent="-514350" algn="l">
-              <a:buFont typeface="+mj-lt"/>
-              <a:buAutoNum type="arabicPeriod"/>
-            </a:pPr>
-            <a:r>
-              <a:rPr lang="en-US" altLang="zh-CN" dirty="0">
-                <a:solidFill>
-                  <a:schemeClr val="bg1"/>
-                </a:solidFill>
-                <a:hlinkClick r:id="rId4"/>
-              </a:rPr>
-              <a:t>https://golang.org/pkg/net/http/pprof/#</a:t>
-            </a:r>
-            <a:r>
-              <a:rPr lang="en-US" altLang="zh-CN" dirty="0" smtClean="0">
-                <a:solidFill>
-                  <a:schemeClr val="bg1"/>
-                </a:solidFill>
-                <a:hlinkClick r:id="rId4"/>
-              </a:rPr>
-              <a:t>Index</a:t>
-            </a:r>
-            <a:endParaRPr lang="en-US" altLang="zh-CN" dirty="0" smtClean="0">
-              <a:solidFill>
-                <a:schemeClr val="bg1"/>
-              </a:solidFill>
-            </a:endParaRPr>
-          </a:p>
-          <a:p>
-            <a:pPr marL="514350" indent="-514350" algn="l">
-              <a:buFont typeface="+mj-lt"/>
-              <a:buAutoNum type="arabicPeriod"/>
-            </a:pPr>
-            <a:endParaRPr lang="en-US" altLang="zh-CN" dirty="0" smtClean="0">
-              <a:solidFill>
-                <a:schemeClr val="bg1"/>
-              </a:solidFill>
-            </a:endParaRPr>
-          </a:p>
-          <a:p>
-            <a:pPr marL="514350" indent="-514350" algn="l">
-              <a:buFont typeface="+mj-lt"/>
-              <a:buAutoNum type="arabicPeriod"/>
-            </a:pPr>
-            <a:endParaRPr kumimoji="0" lang="zh-CN" altLang="en-US" sz="3000" b="1" i="0" u="none" strike="noStrike" cap="none" spc="0" normalizeH="0" baseline="0" dirty="0">
-              <a:ln>
-                <a:noFill/>
-              </a:ln>
-              <a:solidFill>
-                <a:schemeClr val="bg1"/>
-              </a:solidFill>
-              <a:effectLst/>
-              <a:uFillTx/>
-              <a:sym typeface="Helvetica Neue" panose="02000503000000020004"/>
+              <a:latin typeface="Helvetica" pitchFamily="2" charset="0"/>
+              <a:ea typeface="Alibaba PuHuiTi R" panose="00020600040101010101" pitchFamily="18" charset="-122"/>
+              <a:cs typeface="Alibaba PuHuiTi R" panose="00020600040101010101" pitchFamily="18" charset="-122"/>
             </a:endParaRPr>
           </a:p>
         </p:txBody>
@@ -10381,7 +12208,7 @@
     </p:spTree>
     <p:extLst>
       <p:ext uri="{BB962C8B-B14F-4D97-AF65-F5344CB8AC3E}">
-        <p14:creationId xmlns:p14="http://schemas.microsoft.com/office/powerpoint/2010/main" val="198132486"/>
+        <p14:creationId xmlns:p14="http://schemas.microsoft.com/office/powerpoint/2010/main" val="852540374"/>
       </p:ext>
     </p:extLst>
   </p:cSld>
@@ -10389,6 +12216,2666 @@
     <a:masterClrMapping/>
   </p:clrMapOvr>
   <p:transition spd="med"/>
+  <p:timing>
+    <p:tnLst>
+      <p:par>
+        <p:cTn id="1" dur="indefinite" restart="never" nodeType="tmRoot"/>
+      </p:par>
+    </p:tnLst>
+  </p:timing>
+</p:sld>
+</file>
+
+<file path=ppt/slides/slide32.xml><?xml version="1.0" encoding="utf-8"?>
+<p:sld xmlns:a="http://schemas.openxmlformats.org/drawingml/2006/main" xmlns:r="http://schemas.openxmlformats.org/officeDocument/2006/relationships" xmlns:p="http://schemas.openxmlformats.org/presentationml/2006/main">
+  <p:cSld>
+    <p:spTree>
+      <p:nvGrpSpPr>
+        <p:cNvPr id="1" name=""/>
+        <p:cNvGrpSpPr/>
+        <p:nvPr/>
+      </p:nvGrpSpPr>
+      <p:grpSpPr>
+        <a:xfrm>
+          <a:off x="0" y="0"/>
+          <a:ext cx="0" cy="0"/>
+          <a:chOff x="0" y="0"/>
+          <a:chExt cx="0" cy="0"/>
+        </a:xfrm>
+      </p:grpSpPr>
+      <p:sp>
+        <p:nvSpPr>
+          <p:cNvPr id="6" name="标题 5"/>
+          <p:cNvSpPr>
+            <a:spLocks noGrp="1"/>
+          </p:cNvSpPr>
+          <p:nvPr>
+            <p:ph type="title"/>
+          </p:nvPr>
+        </p:nvSpPr>
+        <p:spPr/>
+        <p:txBody>
+          <a:bodyPr>
+            <a:noAutofit/>
+          </a:bodyPr>
+          <a:lstStyle/>
+          <a:p>
+            <a:r>
+              <a:rPr kumimoji="1" lang="en-US" altLang="zh-CN" dirty="0" smtClean="0"/>
+              <a:t>1.5 </a:t>
+            </a:r>
+            <a:r>
+              <a:rPr kumimoji="1" lang="zh-CN" altLang="en-US" dirty="0" smtClean="0"/>
+              <a:t>通过</a:t>
+            </a:r>
+            <a:r>
+              <a:rPr kumimoji="1" lang="zh-CN" altLang="en-US" dirty="0"/>
+              <a:t>可视化界面使用</a:t>
+            </a:r>
+            <a:r>
+              <a:rPr kumimoji="1" lang="en-US" altLang="zh-CN" dirty="0" err="1"/>
+              <a:t>PProf</a:t>
+            </a:r>
+            <a:r>
+              <a:rPr kumimoji="1" lang="en-US" altLang="zh-CN" dirty="0"/>
+              <a:t/>
+            </a:r>
+            <a:br>
+              <a:rPr kumimoji="1" lang="en-US" altLang="zh-CN" dirty="0"/>
+            </a:br>
+            <a:r>
+              <a:rPr kumimoji="1" lang="zh-CN" altLang="en-US" dirty="0"/>
+              <a:t/>
+            </a:r>
+            <a:br>
+              <a:rPr kumimoji="1" lang="zh-CN" altLang="en-US" dirty="0"/>
+            </a:br>
+            <a:r>
+              <a:rPr kumimoji="1" lang="zh-CN" altLang="en-US" dirty="0"/>
+              <a:t/>
+            </a:r>
+            <a:br>
+              <a:rPr kumimoji="1" lang="zh-CN" altLang="en-US" dirty="0"/>
+            </a:br>
+            <a:endParaRPr kumimoji="1" lang="en-US" altLang="zh-CN" dirty="0"/>
+          </a:p>
+        </p:txBody>
+      </p:sp>
+      <p:sp>
+        <p:nvSpPr>
+          <p:cNvPr id="4" name="文本框 3"/>
+          <p:cNvSpPr txBox="1"/>
+          <p:nvPr/>
+        </p:nvSpPr>
+        <p:spPr>
+          <a:xfrm>
+            <a:off x="1051610" y="3241746"/>
+            <a:ext cx="19458000" cy="974626"/>
+          </a:xfrm>
+          <a:prstGeom prst="rect">
+            <a:avLst/>
+          </a:prstGeom>
+          <a:noFill/>
+          <a:ln w="12700" cap="flat">
+            <a:noFill/>
+            <a:miter lim="400000"/>
+          </a:ln>
+        </p:spPr>
+        <p:style>
+          <a:lnRef idx="0">
+            <a:scrgbClr r="0" g="0" b="0"/>
+          </a:lnRef>
+          <a:fillRef idx="0">
+            <a:scrgbClr r="0" g="0" b="0"/>
+          </a:fillRef>
+          <a:effectRef idx="0">
+            <a:scrgbClr r="0" g="0" b="0"/>
+          </a:effectRef>
+          <a:fontRef idx="none"/>
+        </p:style>
+        <p:txBody>
+          <a:bodyPr rot="0" spcFirstLastPara="1" vertOverflow="overflow" horzOverflow="overflow" vert="horz" wrap="square" lIns="50800" tIns="50800" rIns="50800" bIns="50800" numCol="1" spcCol="38100" rtlCol="0" anchor="ctr">
+            <a:spAutoFit/>
+          </a:bodyPr>
+          <a:lstStyle/>
+          <a:p>
+            <a:pPr marL="571500" indent="-571500" algn="l">
+              <a:spcBef>
+                <a:spcPts val="1000"/>
+              </a:spcBef>
+              <a:spcAft>
+                <a:spcPts val="1000"/>
+              </a:spcAft>
+              <a:buSzPct val="125000"/>
+              <a:buFont typeface="Arial" panose="020B0604020202090204" pitchFamily="34" charset="0"/>
+              <a:buChar char="•"/>
+            </a:pPr>
+            <a:r>
+              <a:rPr kumimoji="1" lang="en-US" altLang="zh-CN" sz="4000" b="0" dirty="0">
+                <a:solidFill>
+                  <a:srgbClr val="FFFFFF"/>
+                </a:solidFill>
+                <a:latin typeface="Helvetica" pitchFamily="2" charset="0"/>
+                <a:ea typeface="Alibaba PuHuiTi R" panose="00020600040101010101" pitchFamily="18" charset="-122"/>
+                <a:cs typeface="Alibaba PuHuiTi R" panose="00020600040101010101" pitchFamily="18" charset="-122"/>
+              </a:rPr>
+              <a:t>Node Color</a:t>
+            </a:r>
+            <a:endParaRPr kumimoji="1" lang="zh-CN" altLang="en-US" sz="4000" b="0" dirty="0">
+              <a:solidFill>
+                <a:srgbClr val="FFFFFF"/>
+              </a:solidFill>
+              <a:latin typeface="Helvetica" pitchFamily="2" charset="0"/>
+              <a:ea typeface="Alibaba PuHuiTi R" panose="00020600040101010101" pitchFamily="18" charset="-122"/>
+              <a:cs typeface="Alibaba PuHuiTi R" panose="00020600040101010101" pitchFamily="18" charset="-122"/>
+            </a:endParaRPr>
+          </a:p>
+        </p:txBody>
+      </p:sp>
+      <p:sp>
+        <p:nvSpPr>
+          <p:cNvPr id="5" name="矩形 4"/>
+          <p:cNvSpPr/>
+          <p:nvPr/>
+        </p:nvSpPr>
+        <p:spPr>
+          <a:xfrm>
+            <a:off x="1576250" y="4216372"/>
+            <a:ext cx="14595566" cy="1477328"/>
+          </a:xfrm>
+          <a:prstGeom prst="rect">
+            <a:avLst/>
+          </a:prstGeom>
+        </p:spPr>
+        <p:txBody>
+          <a:bodyPr wrap="square">
+            <a:spAutoFit/>
+          </a:bodyPr>
+          <a:lstStyle/>
+          <a:p>
+            <a:pPr marL="514350" indent="-514350" algn="l">
+              <a:buFont typeface="+mj-lt"/>
+              <a:buAutoNum type="arabicPeriod"/>
+            </a:pPr>
+            <a:r>
+              <a:rPr lang="en-US" altLang="zh-CN" dirty="0">
+                <a:solidFill>
+                  <a:schemeClr val="bg1"/>
+                </a:solidFill>
+              </a:rPr>
+              <a:t>large positive cum values are red.</a:t>
+            </a:r>
+          </a:p>
+          <a:p>
+            <a:pPr marL="514350" indent="-514350" algn="l">
+              <a:buFont typeface="+mj-lt"/>
+              <a:buAutoNum type="arabicPeriod"/>
+            </a:pPr>
+            <a:r>
+              <a:rPr lang="en-US" altLang="zh-CN" dirty="0">
+                <a:solidFill>
+                  <a:schemeClr val="bg1"/>
+                </a:solidFill>
+              </a:rPr>
+              <a:t>large negative cum values are green.</a:t>
+            </a:r>
+          </a:p>
+          <a:p>
+            <a:pPr marL="514350" indent="-514350" algn="l">
+              <a:buFont typeface="+mj-lt"/>
+              <a:buAutoNum type="arabicPeriod"/>
+            </a:pPr>
+            <a:r>
+              <a:rPr lang="en-US" altLang="zh-CN" dirty="0">
+                <a:solidFill>
+                  <a:schemeClr val="bg1"/>
+                </a:solidFill>
+              </a:rPr>
+              <a:t>cum values close to zero are grey.</a:t>
+            </a:r>
+            <a:endParaRPr lang="zh-CN" altLang="en-US" dirty="0">
+              <a:solidFill>
+                <a:schemeClr val="bg1"/>
+              </a:solidFill>
+            </a:endParaRPr>
+          </a:p>
+        </p:txBody>
+      </p:sp>
+      <p:sp>
+        <p:nvSpPr>
+          <p:cNvPr id="2" name="文本框 1"/>
+          <p:cNvSpPr txBox="1"/>
+          <p:nvPr/>
+        </p:nvSpPr>
+        <p:spPr>
+          <a:xfrm>
+            <a:off x="1051610" y="2148309"/>
+            <a:ext cx="12070080" cy="841256"/>
+          </a:xfrm>
+          <a:prstGeom prst="rect">
+            <a:avLst/>
+          </a:prstGeom>
+          <a:noFill/>
+          <a:ln w="12700" cap="flat">
+            <a:noFill/>
+            <a:miter lim="400000"/>
+          </a:ln>
+        </p:spPr>
+        <p:style>
+          <a:lnRef idx="0">
+            <a:scrgbClr r="0" g="0" b="0"/>
+          </a:lnRef>
+          <a:fillRef idx="0">
+            <a:scrgbClr r="0" g="0" b="0"/>
+          </a:fillRef>
+          <a:effectRef idx="0">
+            <a:scrgbClr r="0" g="0" b="0"/>
+          </a:effectRef>
+          <a:fontRef idx="none"/>
+        </p:style>
+        <p:txBody>
+          <a:bodyPr rot="0" spcFirstLastPara="1" vertOverflow="overflow" horzOverflow="overflow" vert="horz" wrap="square" lIns="50800" tIns="50800" rIns="50800" bIns="50800" numCol="1" spcCol="38100" rtlCol="0" anchor="ctr">
+            <a:spAutoFit/>
+          </a:bodyPr>
+          <a:lstStyle/>
+          <a:p>
+            <a:pPr algn="l"/>
+            <a:r>
+              <a:rPr kumimoji="1" lang="en-US" altLang="zh-CN" sz="4800" b="0" dirty="0">
+                <a:solidFill>
+                  <a:srgbClr val="FFFFFF"/>
+                </a:solidFill>
+                <a:latin typeface="Helvetica" pitchFamily="2" charset="0"/>
+                <a:ea typeface="Alibaba PuHuiTi R" panose="00020600040101010101" pitchFamily="18" charset="-122"/>
+                <a:cs typeface="Alibaba PuHuiTi R" panose="00020600040101010101" pitchFamily="18" charset="-122"/>
+              </a:rPr>
+              <a:t>Interpreting the </a:t>
+            </a:r>
+            <a:r>
+              <a:rPr kumimoji="1" lang="en-US" altLang="zh-CN" sz="4800" b="0" dirty="0" err="1" smtClean="0">
+                <a:solidFill>
+                  <a:srgbClr val="FFFFFF"/>
+                </a:solidFill>
+                <a:latin typeface="Helvetica" pitchFamily="2" charset="0"/>
+                <a:ea typeface="Alibaba PuHuiTi R" panose="00020600040101010101" pitchFamily="18" charset="-122"/>
+                <a:cs typeface="Alibaba PuHuiTi R" panose="00020600040101010101" pitchFamily="18" charset="-122"/>
+              </a:rPr>
+              <a:t>Callgraph</a:t>
+            </a:r>
+            <a:endParaRPr kumimoji="1" lang="zh-CN" altLang="en-US" sz="4800" b="0" dirty="0">
+              <a:solidFill>
+                <a:srgbClr val="FFFFFF"/>
+              </a:solidFill>
+              <a:latin typeface="Helvetica" pitchFamily="2" charset="0"/>
+              <a:ea typeface="Alibaba PuHuiTi R" panose="00020600040101010101" pitchFamily="18" charset="-122"/>
+              <a:cs typeface="Alibaba PuHuiTi R" panose="00020600040101010101" pitchFamily="18" charset="-122"/>
+            </a:endParaRPr>
+          </a:p>
+        </p:txBody>
+      </p:sp>
+      <p:sp>
+        <p:nvSpPr>
+          <p:cNvPr id="7" name="文本框 6"/>
+          <p:cNvSpPr txBox="1"/>
+          <p:nvPr/>
+        </p:nvSpPr>
+        <p:spPr>
+          <a:xfrm>
+            <a:off x="929690" y="5640957"/>
+            <a:ext cx="19458000" cy="974626"/>
+          </a:xfrm>
+          <a:prstGeom prst="rect">
+            <a:avLst/>
+          </a:prstGeom>
+          <a:noFill/>
+          <a:ln w="12700" cap="flat">
+            <a:noFill/>
+            <a:miter lim="400000"/>
+          </a:ln>
+        </p:spPr>
+        <p:style>
+          <a:lnRef idx="0">
+            <a:scrgbClr r="0" g="0" b="0"/>
+          </a:lnRef>
+          <a:fillRef idx="0">
+            <a:scrgbClr r="0" g="0" b="0"/>
+          </a:fillRef>
+          <a:effectRef idx="0">
+            <a:scrgbClr r="0" g="0" b="0"/>
+          </a:effectRef>
+          <a:fontRef idx="none"/>
+        </p:style>
+        <p:txBody>
+          <a:bodyPr rot="0" spcFirstLastPara="1" vertOverflow="overflow" horzOverflow="overflow" vert="horz" wrap="square" lIns="50800" tIns="50800" rIns="50800" bIns="50800" numCol="1" spcCol="38100" rtlCol="0" anchor="ctr">
+            <a:spAutoFit/>
+          </a:bodyPr>
+          <a:lstStyle/>
+          <a:p>
+            <a:pPr marL="571500" indent="-571500" algn="l">
+              <a:spcBef>
+                <a:spcPts val="1000"/>
+              </a:spcBef>
+              <a:spcAft>
+                <a:spcPts val="1000"/>
+              </a:spcAft>
+              <a:buSzPct val="125000"/>
+              <a:buFont typeface="Arial" panose="020B0604020202090204" pitchFamily="34" charset="0"/>
+              <a:buChar char="•"/>
+            </a:pPr>
+            <a:r>
+              <a:rPr kumimoji="1" lang="en-US" altLang="zh-CN" sz="4000" b="0" dirty="0">
+                <a:solidFill>
+                  <a:srgbClr val="FFFFFF"/>
+                </a:solidFill>
+                <a:latin typeface="Helvetica" pitchFamily="2" charset="0"/>
+                <a:ea typeface="Alibaba PuHuiTi R" panose="00020600040101010101" pitchFamily="18" charset="-122"/>
+                <a:cs typeface="Alibaba PuHuiTi R" panose="00020600040101010101" pitchFamily="18" charset="-122"/>
+              </a:rPr>
+              <a:t>Node Font Size</a:t>
+            </a:r>
+            <a:endParaRPr kumimoji="1" lang="zh-CN" altLang="en-US" sz="4000" b="0" dirty="0">
+              <a:solidFill>
+                <a:srgbClr val="FFFFFF"/>
+              </a:solidFill>
+              <a:latin typeface="Helvetica" pitchFamily="2" charset="0"/>
+              <a:ea typeface="Alibaba PuHuiTi R" panose="00020600040101010101" pitchFamily="18" charset="-122"/>
+              <a:cs typeface="Alibaba PuHuiTi R" panose="00020600040101010101" pitchFamily="18" charset="-122"/>
+            </a:endParaRPr>
+          </a:p>
+        </p:txBody>
+      </p:sp>
+      <p:sp>
+        <p:nvSpPr>
+          <p:cNvPr id="8" name="矩形 7"/>
+          <p:cNvSpPr/>
+          <p:nvPr/>
+        </p:nvSpPr>
+        <p:spPr>
+          <a:xfrm>
+            <a:off x="1454330" y="6615583"/>
+            <a:ext cx="14595566" cy="1015663"/>
+          </a:xfrm>
+          <a:prstGeom prst="rect">
+            <a:avLst/>
+          </a:prstGeom>
+        </p:spPr>
+        <p:txBody>
+          <a:bodyPr wrap="square">
+            <a:spAutoFit/>
+          </a:bodyPr>
+          <a:lstStyle/>
+          <a:p>
+            <a:pPr marL="514350" indent="-514350" algn="l">
+              <a:buFont typeface="+mj-lt"/>
+              <a:buAutoNum type="arabicPeriod"/>
+            </a:pPr>
+            <a:r>
+              <a:rPr lang="en-US" altLang="zh-CN" dirty="0">
+                <a:solidFill>
+                  <a:schemeClr val="bg1"/>
+                </a:solidFill>
+              </a:rPr>
+              <a:t>larger font size means larger absolute flat values.</a:t>
+            </a:r>
+          </a:p>
+          <a:p>
+            <a:pPr marL="514350" indent="-514350" algn="l">
+              <a:buFont typeface="+mj-lt"/>
+              <a:buAutoNum type="arabicPeriod"/>
+            </a:pPr>
+            <a:r>
+              <a:rPr lang="en-US" altLang="zh-CN" dirty="0">
+                <a:solidFill>
+                  <a:schemeClr val="bg1"/>
+                </a:solidFill>
+              </a:rPr>
+              <a:t>smaller font size means smaller absolute flat values.</a:t>
+            </a:r>
+            <a:endParaRPr lang="zh-CN" altLang="en-US" dirty="0">
+              <a:solidFill>
+                <a:schemeClr val="bg1"/>
+              </a:solidFill>
+            </a:endParaRPr>
+          </a:p>
+        </p:txBody>
+      </p:sp>
+      <p:sp>
+        <p:nvSpPr>
+          <p:cNvPr id="9" name="文本框 8"/>
+          <p:cNvSpPr txBox="1"/>
+          <p:nvPr/>
+        </p:nvSpPr>
+        <p:spPr>
+          <a:xfrm>
+            <a:off x="877439" y="7639199"/>
+            <a:ext cx="19458000" cy="974626"/>
+          </a:xfrm>
+          <a:prstGeom prst="rect">
+            <a:avLst/>
+          </a:prstGeom>
+          <a:noFill/>
+          <a:ln w="12700" cap="flat">
+            <a:noFill/>
+            <a:miter lim="400000"/>
+          </a:ln>
+        </p:spPr>
+        <p:style>
+          <a:lnRef idx="0">
+            <a:scrgbClr r="0" g="0" b="0"/>
+          </a:lnRef>
+          <a:fillRef idx="0">
+            <a:scrgbClr r="0" g="0" b="0"/>
+          </a:fillRef>
+          <a:effectRef idx="0">
+            <a:scrgbClr r="0" g="0" b="0"/>
+          </a:effectRef>
+          <a:fontRef idx="none"/>
+        </p:style>
+        <p:txBody>
+          <a:bodyPr rot="0" spcFirstLastPara="1" vertOverflow="overflow" horzOverflow="overflow" vert="horz" wrap="square" lIns="50800" tIns="50800" rIns="50800" bIns="50800" numCol="1" spcCol="38100" rtlCol="0" anchor="ctr">
+            <a:spAutoFit/>
+          </a:bodyPr>
+          <a:lstStyle/>
+          <a:p>
+            <a:pPr marL="571500" indent="-571500" algn="l">
+              <a:spcBef>
+                <a:spcPts val="1000"/>
+              </a:spcBef>
+              <a:spcAft>
+                <a:spcPts val="1000"/>
+              </a:spcAft>
+              <a:buSzPct val="125000"/>
+              <a:buFont typeface="Arial" panose="020B0604020202090204" pitchFamily="34" charset="0"/>
+              <a:buChar char="•"/>
+            </a:pPr>
+            <a:r>
+              <a:rPr kumimoji="1" lang="en-US" altLang="zh-CN" sz="4000" b="0" dirty="0">
+                <a:solidFill>
+                  <a:srgbClr val="FFFFFF"/>
+                </a:solidFill>
+                <a:latin typeface="Helvetica" pitchFamily="2" charset="0"/>
+                <a:ea typeface="Alibaba PuHuiTi R" panose="00020600040101010101" pitchFamily="18" charset="-122"/>
+                <a:cs typeface="Alibaba PuHuiTi R" panose="00020600040101010101" pitchFamily="18" charset="-122"/>
+              </a:rPr>
+              <a:t>Edge Weight</a:t>
+            </a:r>
+            <a:endParaRPr kumimoji="1" lang="zh-CN" altLang="en-US" sz="4000" b="0" dirty="0">
+              <a:solidFill>
+                <a:srgbClr val="FFFFFF"/>
+              </a:solidFill>
+              <a:latin typeface="Helvetica" pitchFamily="2" charset="0"/>
+              <a:ea typeface="Alibaba PuHuiTi R" panose="00020600040101010101" pitchFamily="18" charset="-122"/>
+              <a:cs typeface="Alibaba PuHuiTi R" panose="00020600040101010101" pitchFamily="18" charset="-122"/>
+            </a:endParaRPr>
+          </a:p>
+        </p:txBody>
+      </p:sp>
+      <p:sp>
+        <p:nvSpPr>
+          <p:cNvPr id="10" name="矩形 9"/>
+          <p:cNvSpPr/>
+          <p:nvPr/>
+        </p:nvSpPr>
+        <p:spPr>
+          <a:xfrm>
+            <a:off x="1402079" y="8613825"/>
+            <a:ext cx="14595566" cy="1015663"/>
+          </a:xfrm>
+          <a:prstGeom prst="rect">
+            <a:avLst/>
+          </a:prstGeom>
+        </p:spPr>
+        <p:txBody>
+          <a:bodyPr wrap="square">
+            <a:spAutoFit/>
+          </a:bodyPr>
+          <a:lstStyle/>
+          <a:p>
+            <a:pPr marL="514350" indent="-514350" algn="l">
+              <a:buFont typeface="+mj-lt"/>
+              <a:buAutoNum type="arabicPeriod"/>
+            </a:pPr>
+            <a:r>
+              <a:rPr lang="en-US" altLang="zh-CN" dirty="0">
+                <a:solidFill>
+                  <a:schemeClr val="bg1"/>
+                </a:solidFill>
+              </a:rPr>
+              <a:t>thicker edges indicate more resources were used along that path.</a:t>
+            </a:r>
+          </a:p>
+          <a:p>
+            <a:pPr marL="514350" indent="-514350" algn="l">
+              <a:buFont typeface="+mj-lt"/>
+              <a:buAutoNum type="arabicPeriod"/>
+            </a:pPr>
+            <a:r>
+              <a:rPr lang="en-US" altLang="zh-CN" dirty="0">
+                <a:solidFill>
+                  <a:schemeClr val="bg1"/>
+                </a:solidFill>
+              </a:rPr>
+              <a:t>thinner edges indicate fewer resources were used along that path.</a:t>
+            </a:r>
+          </a:p>
+        </p:txBody>
+      </p:sp>
+      <p:sp>
+        <p:nvSpPr>
+          <p:cNvPr id="11" name="文本框 10"/>
+          <p:cNvSpPr txBox="1"/>
+          <p:nvPr/>
+        </p:nvSpPr>
+        <p:spPr>
+          <a:xfrm>
+            <a:off x="877439" y="9637434"/>
+            <a:ext cx="19458000" cy="974626"/>
+          </a:xfrm>
+          <a:prstGeom prst="rect">
+            <a:avLst/>
+          </a:prstGeom>
+          <a:noFill/>
+          <a:ln w="12700" cap="flat">
+            <a:noFill/>
+            <a:miter lim="400000"/>
+          </a:ln>
+        </p:spPr>
+        <p:style>
+          <a:lnRef idx="0">
+            <a:scrgbClr r="0" g="0" b="0"/>
+          </a:lnRef>
+          <a:fillRef idx="0">
+            <a:scrgbClr r="0" g="0" b="0"/>
+          </a:fillRef>
+          <a:effectRef idx="0">
+            <a:scrgbClr r="0" g="0" b="0"/>
+          </a:effectRef>
+          <a:fontRef idx="none"/>
+        </p:style>
+        <p:txBody>
+          <a:bodyPr rot="0" spcFirstLastPara="1" vertOverflow="overflow" horzOverflow="overflow" vert="horz" wrap="square" lIns="50800" tIns="50800" rIns="50800" bIns="50800" numCol="1" spcCol="38100" rtlCol="0" anchor="ctr">
+            <a:spAutoFit/>
+          </a:bodyPr>
+          <a:lstStyle/>
+          <a:p>
+            <a:pPr marL="571500" indent="-571500" algn="l">
+              <a:spcBef>
+                <a:spcPts val="1000"/>
+              </a:spcBef>
+              <a:spcAft>
+                <a:spcPts val="1000"/>
+              </a:spcAft>
+              <a:buSzPct val="125000"/>
+              <a:buFont typeface="Arial" panose="020B0604020202090204" pitchFamily="34" charset="0"/>
+              <a:buChar char="•"/>
+            </a:pPr>
+            <a:r>
+              <a:rPr kumimoji="1" lang="en-US" altLang="zh-CN" sz="4000" b="0" dirty="0">
+                <a:solidFill>
+                  <a:srgbClr val="FFFFFF"/>
+                </a:solidFill>
+                <a:latin typeface="Helvetica" pitchFamily="2" charset="0"/>
+                <a:ea typeface="Alibaba PuHuiTi R" panose="00020600040101010101" pitchFamily="18" charset="-122"/>
+                <a:cs typeface="Alibaba PuHuiTi R" panose="00020600040101010101" pitchFamily="18" charset="-122"/>
+              </a:rPr>
+              <a:t>Edge Color</a:t>
+            </a:r>
+            <a:endParaRPr kumimoji="1" lang="zh-CN" altLang="en-US" sz="4000" b="0" dirty="0">
+              <a:solidFill>
+                <a:srgbClr val="FFFFFF"/>
+              </a:solidFill>
+              <a:latin typeface="Helvetica" pitchFamily="2" charset="0"/>
+              <a:ea typeface="Alibaba PuHuiTi R" panose="00020600040101010101" pitchFamily="18" charset="-122"/>
+              <a:cs typeface="Alibaba PuHuiTi R" panose="00020600040101010101" pitchFamily="18" charset="-122"/>
+            </a:endParaRPr>
+          </a:p>
+        </p:txBody>
+      </p:sp>
+      <p:sp>
+        <p:nvSpPr>
+          <p:cNvPr id="12" name="矩形 11"/>
+          <p:cNvSpPr/>
+          <p:nvPr/>
+        </p:nvSpPr>
+        <p:spPr>
+          <a:xfrm>
+            <a:off x="1402079" y="10612060"/>
+            <a:ext cx="14595566" cy="1477328"/>
+          </a:xfrm>
+          <a:prstGeom prst="rect">
+            <a:avLst/>
+          </a:prstGeom>
+        </p:spPr>
+        <p:txBody>
+          <a:bodyPr wrap="square">
+            <a:spAutoFit/>
+          </a:bodyPr>
+          <a:lstStyle/>
+          <a:p>
+            <a:pPr marL="514350" indent="-514350" algn="l">
+              <a:buFont typeface="+mj-lt"/>
+              <a:buAutoNum type="arabicPeriod"/>
+            </a:pPr>
+            <a:r>
+              <a:rPr lang="en-US" altLang="zh-CN" dirty="0">
+                <a:solidFill>
+                  <a:schemeClr val="bg1"/>
+                </a:solidFill>
+              </a:rPr>
+              <a:t>large positive values are red.</a:t>
+            </a:r>
+          </a:p>
+          <a:p>
+            <a:pPr marL="514350" indent="-514350" algn="l">
+              <a:buFont typeface="+mj-lt"/>
+              <a:buAutoNum type="arabicPeriod"/>
+            </a:pPr>
+            <a:r>
+              <a:rPr lang="en-US" altLang="zh-CN" dirty="0">
+                <a:solidFill>
+                  <a:schemeClr val="bg1"/>
+                </a:solidFill>
+              </a:rPr>
+              <a:t>large negative values are green.</a:t>
+            </a:r>
+          </a:p>
+          <a:p>
+            <a:pPr marL="514350" indent="-514350" algn="l">
+              <a:buFont typeface="+mj-lt"/>
+              <a:buAutoNum type="arabicPeriod"/>
+            </a:pPr>
+            <a:r>
+              <a:rPr lang="en-US" altLang="zh-CN" dirty="0" smtClean="0">
+                <a:solidFill>
+                  <a:schemeClr val="bg1"/>
+                </a:solidFill>
+              </a:rPr>
+              <a:t>values close to zero are grey.</a:t>
+            </a:r>
+            <a:endParaRPr lang="en-US" altLang="zh-CN" dirty="0">
+              <a:solidFill>
+                <a:schemeClr val="bg1"/>
+              </a:solidFill>
+            </a:endParaRPr>
+          </a:p>
+        </p:txBody>
+      </p:sp>
+      <p:pic>
+        <p:nvPicPr>
+          <p:cNvPr id="3" name="图片 2"/>
+          <p:cNvPicPr>
+            <a:picLocks noChangeAspect="1"/>
+          </p:cNvPicPr>
+          <p:nvPr/>
+        </p:nvPicPr>
+        <p:blipFill>
+          <a:blip r:embed="rId3">
+            <a:extLst>
+              <a:ext uri="{28A0092B-C50C-407E-A947-70E740481C1C}">
+                <a14:useLocalDpi xmlns:a14="http://schemas.microsoft.com/office/drawing/2010/main" val="0"/>
+              </a:ext>
+            </a:extLst>
+          </a:blip>
+          <a:stretch>
+            <a:fillRect/>
+          </a:stretch>
+        </p:blipFill>
+        <p:spPr>
+          <a:xfrm>
+            <a:off x="14360569" y="1161803"/>
+            <a:ext cx="9065094" cy="5731589"/>
+          </a:xfrm>
+          <a:prstGeom prst="rect">
+            <a:avLst/>
+          </a:prstGeom>
+        </p:spPr>
+      </p:pic>
+      <p:pic>
+        <p:nvPicPr>
+          <p:cNvPr id="13" name="图片 12"/>
+          <p:cNvPicPr>
+            <a:picLocks noChangeAspect="1"/>
+          </p:cNvPicPr>
+          <p:nvPr/>
+        </p:nvPicPr>
+        <p:blipFill>
+          <a:blip r:embed="rId4"/>
+          <a:stretch>
+            <a:fillRect/>
+          </a:stretch>
+        </p:blipFill>
+        <p:spPr>
+          <a:xfrm>
+            <a:off x="14360569" y="6997900"/>
+            <a:ext cx="9065094" cy="6717153"/>
+          </a:xfrm>
+          <a:prstGeom prst="rect">
+            <a:avLst/>
+          </a:prstGeom>
+        </p:spPr>
+      </p:pic>
+      <p:sp>
+        <p:nvSpPr>
+          <p:cNvPr id="14" name="文本框 13"/>
+          <p:cNvSpPr txBox="1"/>
+          <p:nvPr/>
+        </p:nvSpPr>
+        <p:spPr>
+          <a:xfrm>
+            <a:off x="877439" y="12089388"/>
+            <a:ext cx="19458000" cy="974626"/>
+          </a:xfrm>
+          <a:prstGeom prst="rect">
+            <a:avLst/>
+          </a:prstGeom>
+          <a:noFill/>
+          <a:ln w="12700" cap="flat">
+            <a:noFill/>
+            <a:miter lim="400000"/>
+          </a:ln>
+        </p:spPr>
+        <p:style>
+          <a:lnRef idx="0">
+            <a:scrgbClr r="0" g="0" b="0"/>
+          </a:lnRef>
+          <a:fillRef idx="0">
+            <a:scrgbClr r="0" g="0" b="0"/>
+          </a:fillRef>
+          <a:effectRef idx="0">
+            <a:scrgbClr r="0" g="0" b="0"/>
+          </a:effectRef>
+          <a:fontRef idx="none"/>
+        </p:style>
+        <p:txBody>
+          <a:bodyPr rot="0" spcFirstLastPara="1" vertOverflow="overflow" horzOverflow="overflow" vert="horz" wrap="square" lIns="50800" tIns="50800" rIns="50800" bIns="50800" numCol="1" spcCol="38100" rtlCol="0" anchor="ctr">
+            <a:spAutoFit/>
+          </a:bodyPr>
+          <a:lstStyle/>
+          <a:p>
+            <a:pPr marL="571500" indent="-571500" algn="l">
+              <a:spcBef>
+                <a:spcPts val="1000"/>
+              </a:spcBef>
+              <a:spcAft>
+                <a:spcPts val="1000"/>
+              </a:spcAft>
+              <a:buSzPct val="125000"/>
+              <a:buFont typeface="Arial" panose="020B0604020202090204" pitchFamily="34" charset="0"/>
+              <a:buChar char="•"/>
+            </a:pPr>
+            <a:r>
+              <a:rPr kumimoji="1" lang="en-US" altLang="zh-CN" sz="4000" b="0" dirty="0">
+                <a:solidFill>
+                  <a:srgbClr val="FFFFFF"/>
+                </a:solidFill>
+                <a:latin typeface="Helvetica" pitchFamily="2" charset="0"/>
+                <a:ea typeface="Alibaba PuHuiTi R" panose="00020600040101010101" pitchFamily="18" charset="-122"/>
+                <a:cs typeface="Alibaba PuHuiTi R" panose="00020600040101010101" pitchFamily="18" charset="-122"/>
+              </a:rPr>
+              <a:t>Dashed </a:t>
+            </a:r>
+            <a:r>
+              <a:rPr kumimoji="1" lang="en-US" altLang="zh-CN" sz="4000" b="0" dirty="0" smtClean="0">
+                <a:solidFill>
+                  <a:srgbClr val="FFFFFF"/>
+                </a:solidFill>
+                <a:latin typeface="Helvetica" pitchFamily="2" charset="0"/>
+                <a:ea typeface="Alibaba PuHuiTi R" panose="00020600040101010101" pitchFamily="18" charset="-122"/>
+                <a:cs typeface="Alibaba PuHuiTi R" panose="00020600040101010101" pitchFamily="18" charset="-122"/>
+              </a:rPr>
+              <a:t>Edges</a:t>
+            </a:r>
+            <a:endParaRPr kumimoji="1" lang="zh-CN" altLang="en-US" sz="4000" b="0" dirty="0">
+              <a:solidFill>
+                <a:srgbClr val="FFFFFF"/>
+              </a:solidFill>
+              <a:latin typeface="Helvetica" pitchFamily="2" charset="0"/>
+              <a:ea typeface="Alibaba PuHuiTi R" panose="00020600040101010101" pitchFamily="18" charset="-122"/>
+              <a:cs typeface="Alibaba PuHuiTi R" panose="00020600040101010101" pitchFamily="18" charset="-122"/>
+            </a:endParaRPr>
+          </a:p>
+        </p:txBody>
+      </p:sp>
+      <p:sp>
+        <p:nvSpPr>
+          <p:cNvPr id="16" name="矩形 15"/>
+          <p:cNvSpPr/>
+          <p:nvPr/>
+        </p:nvSpPr>
+        <p:spPr>
+          <a:xfrm>
+            <a:off x="1402079" y="12929408"/>
+            <a:ext cx="14595566" cy="553998"/>
+          </a:xfrm>
+          <a:prstGeom prst="rect">
+            <a:avLst/>
+          </a:prstGeom>
+        </p:spPr>
+        <p:txBody>
+          <a:bodyPr wrap="square">
+            <a:spAutoFit/>
+          </a:bodyPr>
+          <a:lstStyle/>
+          <a:p>
+            <a:pPr marL="514350" indent="-514350" algn="l">
+              <a:buFont typeface="+mj-lt"/>
+              <a:buAutoNum type="arabicPeriod"/>
+            </a:pPr>
+            <a:r>
+              <a:rPr lang="en-US" altLang="zh-CN" dirty="0">
+                <a:solidFill>
+                  <a:schemeClr val="bg1"/>
+                </a:solidFill>
+              </a:rPr>
+              <a:t>some locations between the two connected locations were removed.</a:t>
+            </a:r>
+          </a:p>
+        </p:txBody>
+      </p:sp>
+    </p:spTree>
+    <p:extLst>
+      <p:ext uri="{BB962C8B-B14F-4D97-AF65-F5344CB8AC3E}">
+        <p14:creationId xmlns:p14="http://schemas.microsoft.com/office/powerpoint/2010/main" val="641918167"/>
+      </p:ext>
+    </p:extLst>
+  </p:cSld>
+  <p:clrMapOvr>
+    <a:masterClrMapping/>
+  </p:clrMapOvr>
+  <p:transition spd="med"/>
+  <p:timing>
+    <p:tnLst>
+      <p:par>
+        <p:cTn id="1" dur="indefinite" restart="never" nodeType="tmRoot"/>
+      </p:par>
+    </p:tnLst>
+  </p:timing>
+</p:sld>
+</file>
+
+<file path=ppt/slides/slide33.xml><?xml version="1.0" encoding="utf-8"?>
+<p:sld xmlns:a="http://schemas.openxmlformats.org/drawingml/2006/main" xmlns:r="http://schemas.openxmlformats.org/officeDocument/2006/relationships" xmlns:p="http://schemas.openxmlformats.org/presentationml/2006/main">
+  <p:cSld>
+    <p:spTree>
+      <p:nvGrpSpPr>
+        <p:cNvPr id="1" name=""/>
+        <p:cNvGrpSpPr/>
+        <p:nvPr/>
+      </p:nvGrpSpPr>
+      <p:grpSpPr>
+        <a:xfrm>
+          <a:off x="0" y="0"/>
+          <a:ext cx="0" cy="0"/>
+          <a:chOff x="0" y="0"/>
+          <a:chExt cx="0" cy="0"/>
+        </a:xfrm>
+      </p:grpSpPr>
+      <p:sp>
+        <p:nvSpPr>
+          <p:cNvPr id="6" name="标题 5"/>
+          <p:cNvSpPr>
+            <a:spLocks noGrp="1"/>
+          </p:cNvSpPr>
+          <p:nvPr>
+            <p:ph type="title"/>
+          </p:nvPr>
+        </p:nvSpPr>
+        <p:spPr/>
+        <p:txBody>
+          <a:bodyPr>
+            <a:noAutofit/>
+          </a:bodyPr>
+          <a:lstStyle/>
+          <a:p>
+            <a:r>
+              <a:rPr kumimoji="1" lang="en-US" altLang="zh-CN" dirty="0" smtClean="0"/>
+              <a:t>1.5 </a:t>
+            </a:r>
+            <a:r>
+              <a:rPr kumimoji="1" lang="zh-CN" altLang="en-US" dirty="0" smtClean="0"/>
+              <a:t>通过</a:t>
+            </a:r>
+            <a:r>
+              <a:rPr kumimoji="1" lang="zh-CN" altLang="en-US" dirty="0"/>
+              <a:t>可视化界面使用</a:t>
+            </a:r>
+            <a:r>
+              <a:rPr kumimoji="1" lang="en-US" altLang="zh-CN" dirty="0" err="1"/>
+              <a:t>PProf</a:t>
+            </a:r>
+            <a:r>
+              <a:rPr kumimoji="1" lang="en-US" altLang="zh-CN" dirty="0"/>
+              <a:t/>
+            </a:r>
+            <a:br>
+              <a:rPr kumimoji="1" lang="en-US" altLang="zh-CN" dirty="0"/>
+            </a:br>
+            <a:r>
+              <a:rPr kumimoji="1" lang="zh-CN" altLang="en-US" dirty="0"/>
+              <a:t/>
+            </a:r>
+            <a:br>
+              <a:rPr kumimoji="1" lang="zh-CN" altLang="en-US" dirty="0"/>
+            </a:br>
+            <a:r>
+              <a:rPr kumimoji="1" lang="zh-CN" altLang="en-US" dirty="0"/>
+              <a:t/>
+            </a:r>
+            <a:br>
+              <a:rPr kumimoji="1" lang="zh-CN" altLang="en-US" dirty="0"/>
+            </a:br>
+            <a:endParaRPr kumimoji="1" lang="en-US" altLang="zh-CN" dirty="0"/>
+          </a:p>
+        </p:txBody>
+      </p:sp>
+      <p:sp>
+        <p:nvSpPr>
+          <p:cNvPr id="5" name="文本框 4"/>
+          <p:cNvSpPr txBox="1"/>
+          <p:nvPr/>
+        </p:nvSpPr>
+        <p:spPr>
+          <a:xfrm>
+            <a:off x="2462400" y="2289600"/>
+            <a:ext cx="12070080" cy="841256"/>
+          </a:xfrm>
+          <a:prstGeom prst="rect">
+            <a:avLst/>
+          </a:prstGeom>
+          <a:noFill/>
+          <a:ln w="12700" cap="flat">
+            <a:noFill/>
+            <a:miter lim="400000"/>
+          </a:ln>
+        </p:spPr>
+        <p:style>
+          <a:lnRef idx="0">
+            <a:scrgbClr r="0" g="0" b="0"/>
+          </a:lnRef>
+          <a:fillRef idx="0">
+            <a:scrgbClr r="0" g="0" b="0"/>
+          </a:fillRef>
+          <a:effectRef idx="0">
+            <a:scrgbClr r="0" g="0" b="0"/>
+          </a:effectRef>
+          <a:fontRef idx="none"/>
+        </p:style>
+        <p:txBody>
+          <a:bodyPr rot="0" spcFirstLastPara="1" vertOverflow="overflow" horzOverflow="overflow" vert="horz" wrap="square" lIns="50800" tIns="50800" rIns="50800" bIns="50800" numCol="1" spcCol="38100" rtlCol="0" anchor="ctr">
+            <a:spAutoFit/>
+          </a:bodyPr>
+          <a:lstStyle/>
+          <a:p>
+            <a:pPr algn="l"/>
+            <a:r>
+              <a:rPr kumimoji="1" lang="en-US" altLang="zh-CN" sz="4800" b="0" dirty="0">
+                <a:solidFill>
+                  <a:srgbClr val="FFFFFF"/>
+                </a:solidFill>
+                <a:latin typeface="Helvetica" pitchFamily="2" charset="0"/>
+                <a:ea typeface="Alibaba PuHuiTi R" panose="00020600040101010101" pitchFamily="18" charset="-122"/>
+                <a:cs typeface="Alibaba PuHuiTi R" panose="00020600040101010101" pitchFamily="18" charset="-122"/>
+              </a:rPr>
+              <a:t>Flame Graph</a:t>
+            </a:r>
+            <a:r>
+              <a:rPr kumimoji="1" lang="zh-CN" altLang="en-US" sz="4800" b="0" dirty="0">
+                <a:solidFill>
+                  <a:srgbClr val="FFFFFF"/>
+                </a:solidFill>
+                <a:latin typeface="Helvetica" pitchFamily="2" charset="0"/>
+                <a:ea typeface="Alibaba PuHuiTi R" panose="00020600040101010101" pitchFamily="18" charset="-122"/>
+                <a:cs typeface="Alibaba PuHuiTi R" panose="00020600040101010101" pitchFamily="18" charset="-122"/>
+              </a:rPr>
+              <a:t>视图</a:t>
+            </a:r>
+          </a:p>
+        </p:txBody>
+      </p:sp>
+      <p:pic>
+        <p:nvPicPr>
+          <p:cNvPr id="3" name="图片 2"/>
+          <p:cNvPicPr>
+            <a:picLocks noChangeAspect="1"/>
+          </p:cNvPicPr>
+          <p:nvPr/>
+        </p:nvPicPr>
+        <p:blipFill>
+          <a:blip r:embed="rId3"/>
+          <a:stretch>
+            <a:fillRect/>
+          </a:stretch>
+        </p:blipFill>
+        <p:spPr>
+          <a:xfrm>
+            <a:off x="164799" y="7802052"/>
+            <a:ext cx="24003459" cy="5551638"/>
+          </a:xfrm>
+          <a:prstGeom prst="rect">
+            <a:avLst/>
+          </a:prstGeom>
+        </p:spPr>
+      </p:pic>
+      <p:sp>
+        <p:nvSpPr>
+          <p:cNvPr id="7" name="文本框 6"/>
+          <p:cNvSpPr txBox="1"/>
+          <p:nvPr/>
+        </p:nvSpPr>
+        <p:spPr>
+          <a:xfrm>
+            <a:off x="2462400" y="3399221"/>
+            <a:ext cx="19458000" cy="974626"/>
+          </a:xfrm>
+          <a:prstGeom prst="rect">
+            <a:avLst/>
+          </a:prstGeom>
+          <a:noFill/>
+          <a:ln w="12700" cap="flat">
+            <a:noFill/>
+            <a:miter lim="400000"/>
+          </a:ln>
+        </p:spPr>
+        <p:style>
+          <a:lnRef idx="0">
+            <a:scrgbClr r="0" g="0" b="0"/>
+          </a:lnRef>
+          <a:fillRef idx="0">
+            <a:scrgbClr r="0" g="0" b="0"/>
+          </a:fillRef>
+          <a:effectRef idx="0">
+            <a:scrgbClr r="0" g="0" b="0"/>
+          </a:effectRef>
+          <a:fontRef idx="none"/>
+        </p:style>
+        <p:txBody>
+          <a:bodyPr rot="0" spcFirstLastPara="1" vertOverflow="overflow" horzOverflow="overflow" vert="horz" wrap="square" lIns="50800" tIns="50800" rIns="50800" bIns="50800" numCol="1" spcCol="38100" rtlCol="0" anchor="ctr">
+            <a:spAutoFit/>
+          </a:bodyPr>
+          <a:lstStyle/>
+          <a:p>
+            <a:pPr marL="571500" indent="-571500" algn="l">
+              <a:spcBef>
+                <a:spcPts val="1000"/>
+              </a:spcBef>
+              <a:spcAft>
+                <a:spcPts val="1000"/>
+              </a:spcAft>
+              <a:buSzPct val="125000"/>
+              <a:buFont typeface="Arial" panose="020B0604020202090204" pitchFamily="34" charset="0"/>
+              <a:buChar char="•"/>
+            </a:pPr>
+            <a:r>
+              <a:rPr kumimoji="1" lang="zh-CN" altLang="en-US" sz="4000" b="0" dirty="0">
+                <a:solidFill>
+                  <a:srgbClr val="FFFFFF"/>
+                </a:solidFill>
+                <a:latin typeface="Helvetica" pitchFamily="2" charset="0"/>
+                <a:ea typeface="Alibaba PuHuiTi R" panose="00020600040101010101" pitchFamily="18" charset="-122"/>
+                <a:cs typeface="Alibaba PuHuiTi R" panose="00020600040101010101" pitchFamily="18" charset="-122"/>
+              </a:rPr>
+              <a:t>说明</a:t>
+            </a:r>
+            <a:endParaRPr kumimoji="1" lang="zh-CN" altLang="en-US" sz="4000" b="0" dirty="0">
+              <a:solidFill>
+                <a:srgbClr val="FFFFFF"/>
+              </a:solidFill>
+              <a:latin typeface="Helvetica" pitchFamily="2" charset="0"/>
+              <a:ea typeface="Alibaba PuHuiTi R" panose="00020600040101010101" pitchFamily="18" charset="-122"/>
+              <a:cs typeface="Alibaba PuHuiTi R" panose="00020600040101010101" pitchFamily="18" charset="-122"/>
+            </a:endParaRPr>
+          </a:p>
+        </p:txBody>
+      </p:sp>
+      <p:sp>
+        <p:nvSpPr>
+          <p:cNvPr id="8" name="矩形 7"/>
+          <p:cNvSpPr/>
+          <p:nvPr/>
+        </p:nvSpPr>
+        <p:spPr>
+          <a:xfrm>
+            <a:off x="2987040" y="4373847"/>
+            <a:ext cx="14595566" cy="2862322"/>
+          </a:xfrm>
+          <a:prstGeom prst="rect">
+            <a:avLst/>
+          </a:prstGeom>
+        </p:spPr>
+        <p:txBody>
+          <a:bodyPr wrap="square">
+            <a:spAutoFit/>
+          </a:bodyPr>
+          <a:lstStyle/>
+          <a:p>
+            <a:pPr marL="514350" indent="-514350" algn="l">
+              <a:buFont typeface="+mj-lt"/>
+              <a:buAutoNum type="arabicPeriod"/>
+            </a:pPr>
+            <a:r>
+              <a:rPr lang="zh-CN" altLang="en-US" dirty="0" smtClean="0">
+                <a:solidFill>
+                  <a:schemeClr val="bg1"/>
+                </a:solidFill>
+              </a:rPr>
+              <a:t>堆栈调用和消耗更加直观</a:t>
+            </a:r>
+            <a:endParaRPr lang="en-US" altLang="zh-CN" dirty="0" smtClean="0">
+              <a:solidFill>
+                <a:schemeClr val="bg1"/>
+              </a:solidFill>
+            </a:endParaRPr>
+          </a:p>
+          <a:p>
+            <a:pPr marL="514350" indent="-514350" algn="l">
+              <a:buFont typeface="+mj-lt"/>
+              <a:buAutoNum type="arabicPeriod"/>
+            </a:pPr>
+            <a:r>
+              <a:rPr lang="zh-CN" altLang="en-US" dirty="0">
+                <a:solidFill>
+                  <a:schemeClr val="bg1"/>
+                </a:solidFill>
+              </a:rPr>
+              <a:t>调用顺序由上到</a:t>
+            </a:r>
+            <a:r>
+              <a:rPr lang="zh-CN" altLang="en-US" dirty="0" smtClean="0">
+                <a:solidFill>
+                  <a:schemeClr val="bg1"/>
+                </a:solidFill>
+              </a:rPr>
+              <a:t>下</a:t>
+            </a:r>
+            <a:endParaRPr lang="en-US" altLang="zh-CN" dirty="0" smtClean="0">
+              <a:solidFill>
+                <a:schemeClr val="bg1"/>
+              </a:solidFill>
+            </a:endParaRPr>
+          </a:p>
+          <a:p>
+            <a:pPr marL="514350" indent="-514350" algn="l">
+              <a:buFont typeface="+mj-lt"/>
+              <a:buAutoNum type="arabicPeriod"/>
+            </a:pPr>
+            <a:r>
+              <a:rPr lang="en-US" altLang="zh-CN" dirty="0">
+                <a:solidFill>
+                  <a:schemeClr val="bg1"/>
+                </a:solidFill>
+              </a:rPr>
+              <a:t>x </a:t>
+            </a:r>
+            <a:r>
+              <a:rPr lang="zh-CN" altLang="en-US" dirty="0">
+                <a:solidFill>
+                  <a:schemeClr val="bg1"/>
+                </a:solidFill>
+              </a:rPr>
+              <a:t>轴表示抽样数，如果一个函数在 </a:t>
+            </a:r>
+            <a:r>
+              <a:rPr lang="en-US" altLang="zh-CN" dirty="0">
+                <a:solidFill>
+                  <a:schemeClr val="bg1"/>
+                </a:solidFill>
+              </a:rPr>
+              <a:t>x </a:t>
+            </a:r>
+            <a:r>
+              <a:rPr lang="zh-CN" altLang="en-US" dirty="0">
+                <a:solidFill>
+                  <a:schemeClr val="bg1"/>
+                </a:solidFill>
+              </a:rPr>
+              <a:t>轴占据的宽度越宽，就表示它被抽到的次数多，即执行的时间长</a:t>
+            </a:r>
+            <a:r>
+              <a:rPr lang="zh-CN" altLang="en-US" dirty="0" smtClean="0">
+                <a:solidFill>
+                  <a:schemeClr val="bg1"/>
+                </a:solidFill>
+              </a:rPr>
+              <a:t>。</a:t>
+            </a:r>
+            <a:endParaRPr lang="en-US" altLang="zh-CN" dirty="0" smtClean="0">
+              <a:solidFill>
+                <a:schemeClr val="bg1"/>
+              </a:solidFill>
+            </a:endParaRPr>
+          </a:p>
+          <a:p>
+            <a:pPr marL="514350" indent="-514350" algn="l">
+              <a:buFont typeface="+mj-lt"/>
+              <a:buAutoNum type="arabicPeriod"/>
+            </a:pPr>
+            <a:r>
+              <a:rPr lang="en-US" altLang="zh-CN" dirty="0">
+                <a:solidFill>
+                  <a:schemeClr val="bg1"/>
+                </a:solidFill>
+              </a:rPr>
+              <a:t>y </a:t>
+            </a:r>
+            <a:r>
+              <a:rPr lang="zh-CN" altLang="en-US" dirty="0">
+                <a:solidFill>
+                  <a:schemeClr val="bg1"/>
+                </a:solidFill>
+              </a:rPr>
+              <a:t>轴表示调用栈，每一层都是一个函数。调用栈越深，</a:t>
+            </a:r>
+            <a:r>
+              <a:rPr lang="zh-CN" altLang="en-US" dirty="0" smtClean="0">
+                <a:solidFill>
+                  <a:schemeClr val="bg1"/>
+                </a:solidFill>
+              </a:rPr>
+              <a:t>火焰层越多</a:t>
+            </a:r>
+            <a:endParaRPr lang="en-US" altLang="zh-CN" dirty="0" smtClean="0">
+              <a:solidFill>
+                <a:schemeClr val="bg1"/>
+              </a:solidFill>
+            </a:endParaRPr>
+          </a:p>
+          <a:p>
+            <a:pPr marL="514350" indent="-514350" algn="l">
+              <a:buFont typeface="+mj-lt"/>
+              <a:buAutoNum type="arabicPeriod"/>
+            </a:pPr>
+            <a:r>
+              <a:rPr lang="zh-CN" altLang="en-US" dirty="0">
+                <a:solidFill>
+                  <a:schemeClr val="bg1"/>
+                </a:solidFill>
+              </a:rPr>
+              <a:t>支持点击块进行深入分析。</a:t>
+            </a:r>
+            <a:endParaRPr lang="zh-CN" altLang="en-US" dirty="0">
+              <a:solidFill>
+                <a:schemeClr val="bg1"/>
+              </a:solidFill>
+            </a:endParaRPr>
+          </a:p>
+        </p:txBody>
+      </p:sp>
+    </p:spTree>
+    <p:extLst>
+      <p:ext uri="{BB962C8B-B14F-4D97-AF65-F5344CB8AC3E}">
+        <p14:creationId xmlns:p14="http://schemas.microsoft.com/office/powerpoint/2010/main" val="2707531690"/>
+      </p:ext>
+    </p:extLst>
+  </p:cSld>
+  <p:clrMapOvr>
+    <a:masterClrMapping/>
+  </p:clrMapOvr>
+  <p:transition spd="med"/>
+  <p:timing>
+    <p:tnLst>
+      <p:par>
+        <p:cTn id="1" dur="indefinite" restart="never" nodeType="tmRoot"/>
+      </p:par>
+    </p:tnLst>
+  </p:timing>
+</p:sld>
+</file>
+
+<file path=ppt/slides/slide34.xml><?xml version="1.0" encoding="utf-8"?>
+<p:sld xmlns:a="http://schemas.openxmlformats.org/drawingml/2006/main" xmlns:r="http://schemas.openxmlformats.org/officeDocument/2006/relationships" xmlns:p="http://schemas.openxmlformats.org/presentationml/2006/main">
+  <p:cSld>
+    <p:spTree>
+      <p:nvGrpSpPr>
+        <p:cNvPr id="1" name=""/>
+        <p:cNvGrpSpPr/>
+        <p:nvPr/>
+      </p:nvGrpSpPr>
+      <p:grpSpPr>
+        <a:xfrm>
+          <a:off x="0" y="0"/>
+          <a:ext cx="0" cy="0"/>
+          <a:chOff x="0" y="0"/>
+          <a:chExt cx="0" cy="0"/>
+        </a:xfrm>
+      </p:grpSpPr>
+      <p:sp>
+        <p:nvSpPr>
+          <p:cNvPr id="6" name="标题 5"/>
+          <p:cNvSpPr>
+            <a:spLocks noGrp="1"/>
+          </p:cNvSpPr>
+          <p:nvPr>
+            <p:ph type="title"/>
+          </p:nvPr>
+        </p:nvSpPr>
+        <p:spPr/>
+        <p:txBody>
+          <a:bodyPr>
+            <a:noAutofit/>
+          </a:bodyPr>
+          <a:lstStyle/>
+          <a:p>
+            <a:r>
+              <a:rPr kumimoji="1" lang="en-US" altLang="zh-CN" dirty="0" smtClean="0"/>
+              <a:t>1.5 </a:t>
+            </a:r>
+            <a:r>
+              <a:rPr kumimoji="1" lang="zh-CN" altLang="en-US" dirty="0" smtClean="0"/>
+              <a:t>通过</a:t>
+            </a:r>
+            <a:r>
+              <a:rPr kumimoji="1" lang="zh-CN" altLang="en-US" dirty="0"/>
+              <a:t>可视化界面使用</a:t>
+            </a:r>
+            <a:r>
+              <a:rPr kumimoji="1" lang="en-US" altLang="zh-CN" dirty="0" err="1"/>
+              <a:t>PProf</a:t>
+            </a:r>
+            <a:r>
+              <a:rPr kumimoji="1" lang="en-US" altLang="zh-CN" dirty="0"/>
+              <a:t/>
+            </a:r>
+            <a:br>
+              <a:rPr kumimoji="1" lang="en-US" altLang="zh-CN" dirty="0"/>
+            </a:br>
+            <a:r>
+              <a:rPr kumimoji="1" lang="zh-CN" altLang="en-US" dirty="0"/>
+              <a:t/>
+            </a:r>
+            <a:br>
+              <a:rPr kumimoji="1" lang="zh-CN" altLang="en-US" dirty="0"/>
+            </a:br>
+            <a:r>
+              <a:rPr kumimoji="1" lang="zh-CN" altLang="en-US" dirty="0"/>
+              <a:t/>
+            </a:r>
+            <a:br>
+              <a:rPr kumimoji="1" lang="zh-CN" altLang="en-US" dirty="0"/>
+            </a:br>
+            <a:endParaRPr kumimoji="1" lang="en-US" altLang="zh-CN" dirty="0"/>
+          </a:p>
+        </p:txBody>
+      </p:sp>
+      <p:sp>
+        <p:nvSpPr>
+          <p:cNvPr id="5" name="文本框 4"/>
+          <p:cNvSpPr txBox="1"/>
+          <p:nvPr/>
+        </p:nvSpPr>
+        <p:spPr>
+          <a:xfrm>
+            <a:off x="2462400" y="2289600"/>
+            <a:ext cx="12070080" cy="841256"/>
+          </a:xfrm>
+          <a:prstGeom prst="rect">
+            <a:avLst/>
+          </a:prstGeom>
+          <a:noFill/>
+          <a:ln w="12700" cap="flat">
+            <a:noFill/>
+            <a:miter lim="400000"/>
+          </a:ln>
+        </p:spPr>
+        <p:style>
+          <a:lnRef idx="0">
+            <a:scrgbClr r="0" g="0" b="0"/>
+          </a:lnRef>
+          <a:fillRef idx="0">
+            <a:scrgbClr r="0" g="0" b="0"/>
+          </a:fillRef>
+          <a:effectRef idx="0">
+            <a:scrgbClr r="0" g="0" b="0"/>
+          </a:effectRef>
+          <a:fontRef idx="none"/>
+        </p:style>
+        <p:txBody>
+          <a:bodyPr rot="0" spcFirstLastPara="1" vertOverflow="overflow" horzOverflow="overflow" vert="horz" wrap="square" lIns="50800" tIns="50800" rIns="50800" bIns="50800" numCol="1" spcCol="38100" rtlCol="0" anchor="ctr">
+            <a:spAutoFit/>
+          </a:bodyPr>
+          <a:lstStyle/>
+          <a:p>
+            <a:pPr algn="l"/>
+            <a:r>
+              <a:rPr kumimoji="1" lang="en-US" altLang="zh-CN" sz="4800" b="0" dirty="0">
+                <a:solidFill>
+                  <a:srgbClr val="FFFFFF"/>
+                </a:solidFill>
+                <a:latin typeface="Helvetica" pitchFamily="2" charset="0"/>
+                <a:ea typeface="Alibaba PuHuiTi R" panose="00020600040101010101" pitchFamily="18" charset="-122"/>
+                <a:cs typeface="Alibaba PuHuiTi R" panose="00020600040101010101" pitchFamily="18" charset="-122"/>
+              </a:rPr>
+              <a:t>Peek</a:t>
+            </a:r>
+            <a:r>
+              <a:rPr kumimoji="1" lang="zh-CN" altLang="en-US" sz="4800" b="0" dirty="0">
+                <a:solidFill>
+                  <a:srgbClr val="FFFFFF"/>
+                </a:solidFill>
+                <a:latin typeface="Helvetica" pitchFamily="2" charset="0"/>
+                <a:ea typeface="Alibaba PuHuiTi R" panose="00020600040101010101" pitchFamily="18" charset="-122"/>
+                <a:cs typeface="Alibaba PuHuiTi R" panose="00020600040101010101" pitchFamily="18" charset="-122"/>
+              </a:rPr>
+              <a:t>视图</a:t>
+            </a:r>
+          </a:p>
+        </p:txBody>
+      </p:sp>
+      <p:pic>
+        <p:nvPicPr>
+          <p:cNvPr id="3" name="图片 2"/>
+          <p:cNvPicPr>
+            <a:picLocks noChangeAspect="1"/>
+          </p:cNvPicPr>
+          <p:nvPr/>
+        </p:nvPicPr>
+        <p:blipFill>
+          <a:blip r:embed="rId3"/>
+          <a:stretch>
+            <a:fillRect/>
+          </a:stretch>
+        </p:blipFill>
+        <p:spPr>
+          <a:xfrm>
+            <a:off x="3023233" y="3130856"/>
+            <a:ext cx="19211883" cy="10325005"/>
+          </a:xfrm>
+          <a:prstGeom prst="rect">
+            <a:avLst/>
+          </a:prstGeom>
+        </p:spPr>
+      </p:pic>
+    </p:spTree>
+    <p:extLst>
+      <p:ext uri="{BB962C8B-B14F-4D97-AF65-F5344CB8AC3E}">
+        <p14:creationId xmlns:p14="http://schemas.microsoft.com/office/powerpoint/2010/main" val="3035536585"/>
+      </p:ext>
+    </p:extLst>
+  </p:cSld>
+  <p:clrMapOvr>
+    <a:masterClrMapping/>
+  </p:clrMapOvr>
+  <p:transition spd="med"/>
+  <p:timing>
+    <p:tnLst>
+      <p:par>
+        <p:cTn id="1" dur="indefinite" restart="never" nodeType="tmRoot"/>
+      </p:par>
+    </p:tnLst>
+  </p:timing>
+</p:sld>
+</file>
+
+<file path=ppt/slides/slide35.xml><?xml version="1.0" encoding="utf-8"?>
+<p:sld xmlns:a="http://schemas.openxmlformats.org/drawingml/2006/main" xmlns:r="http://schemas.openxmlformats.org/officeDocument/2006/relationships" xmlns:p="http://schemas.openxmlformats.org/presentationml/2006/main">
+  <p:cSld>
+    <p:spTree>
+      <p:nvGrpSpPr>
+        <p:cNvPr id="1" name=""/>
+        <p:cNvGrpSpPr/>
+        <p:nvPr/>
+      </p:nvGrpSpPr>
+      <p:grpSpPr>
+        <a:xfrm>
+          <a:off x="0" y="0"/>
+          <a:ext cx="0" cy="0"/>
+          <a:chOff x="0" y="0"/>
+          <a:chExt cx="0" cy="0"/>
+        </a:xfrm>
+      </p:grpSpPr>
+      <p:sp>
+        <p:nvSpPr>
+          <p:cNvPr id="6" name="标题 5"/>
+          <p:cNvSpPr>
+            <a:spLocks noGrp="1"/>
+          </p:cNvSpPr>
+          <p:nvPr>
+            <p:ph type="title"/>
+          </p:nvPr>
+        </p:nvSpPr>
+        <p:spPr/>
+        <p:txBody>
+          <a:bodyPr>
+            <a:noAutofit/>
+          </a:bodyPr>
+          <a:lstStyle/>
+          <a:p>
+            <a:r>
+              <a:rPr kumimoji="1" lang="en-US" altLang="zh-CN" dirty="0" smtClean="0"/>
+              <a:t>1.5 </a:t>
+            </a:r>
+            <a:r>
+              <a:rPr kumimoji="1" lang="zh-CN" altLang="en-US" dirty="0" smtClean="0"/>
+              <a:t>通过</a:t>
+            </a:r>
+            <a:r>
+              <a:rPr kumimoji="1" lang="zh-CN" altLang="en-US" dirty="0"/>
+              <a:t>可视化界面使用</a:t>
+            </a:r>
+            <a:r>
+              <a:rPr kumimoji="1" lang="en-US" altLang="zh-CN" dirty="0" err="1"/>
+              <a:t>PProf</a:t>
+            </a:r>
+            <a:r>
+              <a:rPr kumimoji="1" lang="en-US" altLang="zh-CN" dirty="0"/>
+              <a:t/>
+            </a:r>
+            <a:br>
+              <a:rPr kumimoji="1" lang="en-US" altLang="zh-CN" dirty="0"/>
+            </a:br>
+            <a:r>
+              <a:rPr kumimoji="1" lang="zh-CN" altLang="en-US" dirty="0"/>
+              <a:t/>
+            </a:r>
+            <a:br>
+              <a:rPr kumimoji="1" lang="zh-CN" altLang="en-US" dirty="0"/>
+            </a:br>
+            <a:r>
+              <a:rPr kumimoji="1" lang="zh-CN" altLang="en-US" dirty="0"/>
+              <a:t/>
+            </a:r>
+            <a:br>
+              <a:rPr kumimoji="1" lang="zh-CN" altLang="en-US" dirty="0"/>
+            </a:br>
+            <a:endParaRPr kumimoji="1" lang="en-US" altLang="zh-CN" dirty="0"/>
+          </a:p>
+        </p:txBody>
+      </p:sp>
+      <p:sp>
+        <p:nvSpPr>
+          <p:cNvPr id="5" name="文本框 4"/>
+          <p:cNvSpPr txBox="1"/>
+          <p:nvPr/>
+        </p:nvSpPr>
+        <p:spPr>
+          <a:xfrm>
+            <a:off x="2462400" y="2289600"/>
+            <a:ext cx="12070080" cy="841256"/>
+          </a:xfrm>
+          <a:prstGeom prst="rect">
+            <a:avLst/>
+          </a:prstGeom>
+          <a:noFill/>
+          <a:ln w="12700" cap="flat">
+            <a:noFill/>
+            <a:miter lim="400000"/>
+          </a:ln>
+        </p:spPr>
+        <p:style>
+          <a:lnRef idx="0">
+            <a:scrgbClr r="0" g="0" b="0"/>
+          </a:lnRef>
+          <a:fillRef idx="0">
+            <a:scrgbClr r="0" g="0" b="0"/>
+          </a:fillRef>
+          <a:effectRef idx="0">
+            <a:scrgbClr r="0" g="0" b="0"/>
+          </a:effectRef>
+          <a:fontRef idx="none"/>
+        </p:style>
+        <p:txBody>
+          <a:bodyPr rot="0" spcFirstLastPara="1" vertOverflow="overflow" horzOverflow="overflow" vert="horz" wrap="square" lIns="50800" tIns="50800" rIns="50800" bIns="50800" numCol="1" spcCol="38100" rtlCol="0" anchor="ctr">
+            <a:spAutoFit/>
+          </a:bodyPr>
+          <a:lstStyle/>
+          <a:p>
+            <a:pPr algn="l"/>
+            <a:r>
+              <a:rPr kumimoji="1" lang="en-US" altLang="zh-CN" sz="4800" b="0" dirty="0">
+                <a:solidFill>
+                  <a:srgbClr val="FFFFFF"/>
+                </a:solidFill>
+                <a:latin typeface="Helvetica" pitchFamily="2" charset="0"/>
+                <a:ea typeface="Alibaba PuHuiTi R" panose="00020600040101010101" pitchFamily="18" charset="-122"/>
+                <a:cs typeface="Alibaba PuHuiTi R" panose="00020600040101010101" pitchFamily="18" charset="-122"/>
+              </a:rPr>
+              <a:t>Source</a:t>
+            </a:r>
+            <a:r>
+              <a:rPr kumimoji="1" lang="zh-CN" altLang="en-US" sz="4800" b="0" dirty="0">
+                <a:solidFill>
+                  <a:srgbClr val="FFFFFF"/>
+                </a:solidFill>
+                <a:latin typeface="Helvetica" pitchFamily="2" charset="0"/>
+                <a:ea typeface="Alibaba PuHuiTi R" panose="00020600040101010101" pitchFamily="18" charset="-122"/>
+                <a:cs typeface="Alibaba PuHuiTi R" panose="00020600040101010101" pitchFamily="18" charset="-122"/>
+              </a:rPr>
+              <a:t>视图</a:t>
+            </a:r>
+          </a:p>
+        </p:txBody>
+      </p:sp>
+      <p:pic>
+        <p:nvPicPr>
+          <p:cNvPr id="2" name="图片 1"/>
+          <p:cNvPicPr>
+            <a:picLocks noChangeAspect="1"/>
+          </p:cNvPicPr>
+          <p:nvPr/>
+        </p:nvPicPr>
+        <p:blipFill>
+          <a:blip r:embed="rId3"/>
+          <a:stretch>
+            <a:fillRect/>
+          </a:stretch>
+        </p:blipFill>
+        <p:spPr>
+          <a:xfrm>
+            <a:off x="7760425" y="2215584"/>
+            <a:ext cx="12382501" cy="11500415"/>
+          </a:xfrm>
+          <a:prstGeom prst="rect">
+            <a:avLst/>
+          </a:prstGeom>
+        </p:spPr>
+      </p:pic>
+    </p:spTree>
+    <p:extLst>
+      <p:ext uri="{BB962C8B-B14F-4D97-AF65-F5344CB8AC3E}">
+        <p14:creationId xmlns:p14="http://schemas.microsoft.com/office/powerpoint/2010/main" val="21944429"/>
+      </p:ext>
+    </p:extLst>
+  </p:cSld>
+  <p:clrMapOvr>
+    <a:masterClrMapping/>
+  </p:clrMapOvr>
+  <p:transition spd="med"/>
+  <p:timing>
+    <p:tnLst>
+      <p:par>
+        <p:cTn id="1" dur="indefinite" restart="never" nodeType="tmRoot"/>
+      </p:par>
+    </p:tnLst>
+  </p:timing>
+</p:sld>
+</file>
+
+<file path=ppt/slides/slide36.xml><?xml version="1.0" encoding="utf-8"?>
+<p:sld xmlns:a="http://schemas.openxmlformats.org/drawingml/2006/main" xmlns:r="http://schemas.openxmlformats.org/officeDocument/2006/relationships" xmlns:p="http://schemas.openxmlformats.org/presentationml/2006/main">
+  <p:cSld>
+    <p:spTree>
+      <p:nvGrpSpPr>
+        <p:cNvPr id="1" name=""/>
+        <p:cNvGrpSpPr/>
+        <p:nvPr/>
+      </p:nvGrpSpPr>
+      <p:grpSpPr>
+        <a:xfrm>
+          <a:off x="0" y="0"/>
+          <a:ext cx="0" cy="0"/>
+          <a:chOff x="0" y="0"/>
+          <a:chExt cx="0" cy="0"/>
+        </a:xfrm>
+      </p:grpSpPr>
+      <p:sp>
+        <p:nvSpPr>
+          <p:cNvPr id="2" name="文本占位符 1"/>
+          <p:cNvSpPr>
+            <a:spLocks noGrp="1"/>
+          </p:cNvSpPr>
+          <p:nvPr>
+            <p:ph type="body" sz="quarter" idx="13"/>
+          </p:nvPr>
+        </p:nvSpPr>
+        <p:spPr>
+          <a:xfrm>
+            <a:off x="2444750" y="7675880"/>
+            <a:ext cx="5928995" cy="1163320"/>
+          </a:xfrm>
+        </p:spPr>
+        <p:txBody>
+          <a:bodyPr wrap="square"/>
+          <a:lstStyle/>
+          <a:p>
+            <a:r>
+              <a:rPr kumimoji="1" lang="zh-CN" altLang="en-US" dirty="0"/>
+              <a:t>闯哥</a:t>
+            </a:r>
+          </a:p>
+        </p:txBody>
+      </p:sp>
+      <p:sp>
+        <p:nvSpPr>
+          <p:cNvPr id="4" name="文本占位符 3"/>
+          <p:cNvSpPr>
+            <a:spLocks noGrp="1"/>
+          </p:cNvSpPr>
+          <p:nvPr>
+            <p:ph type="body" sz="quarter" idx="15"/>
+          </p:nvPr>
+        </p:nvSpPr>
+        <p:spPr>
+          <a:xfrm>
+            <a:off x="2444750" y="4987012"/>
+            <a:ext cx="19143345" cy="1210588"/>
+          </a:xfrm>
+        </p:spPr>
+        <p:txBody>
+          <a:bodyPr wrap="square"/>
+          <a:lstStyle/>
+          <a:p>
+            <a:r>
+              <a:rPr kumimoji="1" lang="en-US" altLang="zh-CN" dirty="0" smtClean="0"/>
+              <a:t>1.6 </a:t>
+            </a:r>
+            <a:r>
+              <a:rPr kumimoji="1" lang="zh-CN" altLang="en-US" dirty="0" smtClean="0"/>
+              <a:t>与</a:t>
+            </a:r>
+            <a:r>
+              <a:rPr kumimoji="1" lang="zh-CN" altLang="en-US" dirty="0"/>
+              <a:t>性能测试结合做剖析</a:t>
+            </a:r>
+            <a:endParaRPr kumimoji="1" lang="en-US" altLang="zh-CN" dirty="0"/>
+          </a:p>
+        </p:txBody>
+      </p:sp>
+    </p:spTree>
+    <p:extLst>
+      <p:ext uri="{BB962C8B-B14F-4D97-AF65-F5344CB8AC3E}">
+        <p14:creationId xmlns:p14="http://schemas.microsoft.com/office/powerpoint/2010/main" val="3959098087"/>
+      </p:ext>
+    </p:extLst>
+  </p:cSld>
+  <p:clrMapOvr>
+    <a:masterClrMapping/>
+  </p:clrMapOvr>
+  <p:transition spd="med"/>
+  <p:timing>
+    <p:tnLst>
+      <p:par>
+        <p:cTn id="1" dur="indefinite" restart="never" nodeType="tmRoot"/>
+      </p:par>
+    </p:tnLst>
+  </p:timing>
+</p:sld>
+</file>
+
+<file path=ppt/slides/slide37.xml><?xml version="1.0" encoding="utf-8"?>
+<p:sld xmlns:a="http://schemas.openxmlformats.org/drawingml/2006/main" xmlns:r="http://schemas.openxmlformats.org/officeDocument/2006/relationships" xmlns:p="http://schemas.openxmlformats.org/presentationml/2006/main">
+  <p:cSld>
+    <p:spTree>
+      <p:nvGrpSpPr>
+        <p:cNvPr id="1" name=""/>
+        <p:cNvGrpSpPr/>
+        <p:nvPr/>
+      </p:nvGrpSpPr>
+      <p:grpSpPr>
+        <a:xfrm>
+          <a:off x="0" y="0"/>
+          <a:ext cx="0" cy="0"/>
+          <a:chOff x="0" y="0"/>
+          <a:chExt cx="0" cy="0"/>
+        </a:xfrm>
+      </p:grpSpPr>
+      <p:sp>
+        <p:nvSpPr>
+          <p:cNvPr id="6" name="标题 5"/>
+          <p:cNvSpPr>
+            <a:spLocks noGrp="1"/>
+          </p:cNvSpPr>
+          <p:nvPr>
+            <p:ph type="title"/>
+          </p:nvPr>
+        </p:nvSpPr>
+        <p:spPr/>
+        <p:txBody>
+          <a:bodyPr>
+            <a:noAutofit/>
+          </a:bodyPr>
+          <a:lstStyle/>
+          <a:p>
+            <a:r>
+              <a:rPr kumimoji="1" lang="en-US" altLang="zh-CN" dirty="0" smtClean="0"/>
+              <a:t>1.6 </a:t>
+            </a:r>
+            <a:r>
+              <a:rPr kumimoji="1" lang="zh-CN" altLang="en-US" dirty="0" smtClean="0"/>
+              <a:t>与</a:t>
+            </a:r>
+            <a:r>
+              <a:rPr kumimoji="1" lang="zh-CN" altLang="en-US" dirty="0"/>
+              <a:t>性能测试结合做剖析</a:t>
+            </a:r>
+            <a:r>
+              <a:rPr kumimoji="1" lang="en-US" altLang="zh-CN" dirty="0"/>
+              <a:t/>
+            </a:r>
+            <a:br>
+              <a:rPr kumimoji="1" lang="en-US" altLang="zh-CN" dirty="0"/>
+            </a:br>
+            <a:r>
+              <a:rPr kumimoji="1" lang="zh-CN" altLang="en-US" dirty="0"/>
+              <a:t/>
+            </a:r>
+            <a:br>
+              <a:rPr kumimoji="1" lang="zh-CN" altLang="en-US" dirty="0"/>
+            </a:br>
+            <a:r>
+              <a:rPr kumimoji="1" lang="zh-CN" altLang="en-US" dirty="0"/>
+              <a:t/>
+            </a:r>
+            <a:br>
+              <a:rPr kumimoji="1" lang="zh-CN" altLang="en-US" dirty="0"/>
+            </a:br>
+            <a:endParaRPr kumimoji="1" lang="en-US" altLang="zh-CN" dirty="0"/>
+          </a:p>
+        </p:txBody>
+      </p:sp>
+      <p:sp>
+        <p:nvSpPr>
+          <p:cNvPr id="7" name="文本框 6"/>
+          <p:cNvSpPr txBox="1"/>
+          <p:nvPr/>
+        </p:nvSpPr>
+        <p:spPr>
+          <a:xfrm>
+            <a:off x="2462400" y="2771486"/>
+            <a:ext cx="19458000" cy="974626"/>
+          </a:xfrm>
+          <a:prstGeom prst="rect">
+            <a:avLst/>
+          </a:prstGeom>
+          <a:noFill/>
+          <a:ln w="12700" cap="flat">
+            <a:noFill/>
+            <a:miter lim="400000"/>
+          </a:ln>
+        </p:spPr>
+        <p:style>
+          <a:lnRef idx="0">
+            <a:scrgbClr r="0" g="0" b="0"/>
+          </a:lnRef>
+          <a:fillRef idx="0">
+            <a:scrgbClr r="0" g="0" b="0"/>
+          </a:fillRef>
+          <a:effectRef idx="0">
+            <a:scrgbClr r="0" g="0" b="0"/>
+          </a:effectRef>
+          <a:fontRef idx="none"/>
+        </p:style>
+        <p:txBody>
+          <a:bodyPr rot="0" spcFirstLastPara="1" vertOverflow="overflow" horzOverflow="overflow" vert="horz" wrap="square" lIns="50800" tIns="50800" rIns="50800" bIns="50800" numCol="1" spcCol="38100" rtlCol="0" anchor="ctr">
+            <a:spAutoFit/>
+          </a:bodyPr>
+          <a:lstStyle/>
+          <a:p>
+            <a:pPr marL="571500" indent="-571500" algn="l">
+              <a:spcBef>
+                <a:spcPts val="1000"/>
+              </a:spcBef>
+              <a:spcAft>
+                <a:spcPts val="1000"/>
+              </a:spcAft>
+              <a:buSzPct val="125000"/>
+              <a:buFont typeface="Arial" panose="020B0604020202090204" pitchFamily="34" charset="0"/>
+              <a:buChar char="•"/>
+            </a:pPr>
+            <a:r>
+              <a:rPr kumimoji="1" lang="en-US" altLang="zh-CN" sz="4000" b="0" dirty="0" smtClean="0">
+                <a:solidFill>
+                  <a:srgbClr val="FFFFFF"/>
+                </a:solidFill>
+                <a:latin typeface="Helvetica" pitchFamily="2" charset="0"/>
+                <a:ea typeface="Alibaba PuHuiTi R" panose="00020600040101010101" pitchFamily="18" charset="-122"/>
+                <a:cs typeface="Alibaba PuHuiTi R" panose="00020600040101010101" pitchFamily="18" charset="-122"/>
+              </a:rPr>
+              <a:t>CPU </a:t>
+            </a:r>
+            <a:r>
+              <a:rPr kumimoji="1" lang="en-US" altLang="zh-CN" sz="4000" b="0" dirty="0" smtClean="0">
+                <a:solidFill>
+                  <a:srgbClr val="FFFFFF"/>
+                </a:solidFill>
+                <a:latin typeface="Helvetica" pitchFamily="2" charset="0"/>
+                <a:ea typeface="Alibaba PuHuiTi R" panose="00020600040101010101" pitchFamily="18" charset="-122"/>
+                <a:cs typeface="Alibaba PuHuiTi R" panose="00020600040101010101" pitchFamily="18" charset="-122"/>
+              </a:rPr>
+              <a:t>Profiling</a:t>
+            </a:r>
+            <a:endParaRPr kumimoji="1" lang="zh-CN" altLang="en-US" sz="4000" b="0" dirty="0">
+              <a:solidFill>
+                <a:srgbClr val="FFFFFF"/>
+              </a:solidFill>
+              <a:latin typeface="Helvetica" pitchFamily="2" charset="0"/>
+              <a:ea typeface="Alibaba PuHuiTi R" panose="00020600040101010101" pitchFamily="18" charset="-122"/>
+              <a:cs typeface="Alibaba PuHuiTi R" panose="00020600040101010101" pitchFamily="18" charset="-122"/>
+            </a:endParaRPr>
+          </a:p>
+        </p:txBody>
+      </p:sp>
+      <p:sp>
+        <p:nvSpPr>
+          <p:cNvPr id="8" name="矩形 7"/>
+          <p:cNvSpPr/>
+          <p:nvPr/>
+        </p:nvSpPr>
+        <p:spPr>
+          <a:xfrm>
+            <a:off x="2987040" y="3746112"/>
+            <a:ext cx="14595566" cy="2400657"/>
+          </a:xfrm>
+          <a:prstGeom prst="rect">
+            <a:avLst/>
+          </a:prstGeom>
+        </p:spPr>
+        <p:txBody>
+          <a:bodyPr wrap="square">
+            <a:spAutoFit/>
+          </a:bodyPr>
+          <a:lstStyle/>
+          <a:p>
+            <a:pPr algn="l"/>
+            <a:r>
+              <a:rPr lang="en-US" altLang="zh-CN" dirty="0">
+                <a:solidFill>
+                  <a:schemeClr val="bg1"/>
+                </a:solidFill>
+              </a:rPr>
+              <a:t>//</a:t>
+            </a:r>
+            <a:r>
+              <a:rPr lang="zh-CN" altLang="en-US" dirty="0">
+                <a:solidFill>
+                  <a:schemeClr val="bg1"/>
+                </a:solidFill>
+              </a:rPr>
+              <a:t>执行性能测试的同时，也会执行 </a:t>
+            </a:r>
+            <a:r>
+              <a:rPr lang="en-US" altLang="zh-CN" dirty="0">
+                <a:solidFill>
+                  <a:schemeClr val="bg1"/>
+                </a:solidFill>
+              </a:rPr>
+              <a:t>CPU profiling</a:t>
+            </a:r>
+            <a:r>
+              <a:rPr lang="zh-CN" altLang="en-US" dirty="0">
+                <a:solidFill>
+                  <a:schemeClr val="bg1"/>
+                </a:solidFill>
+              </a:rPr>
+              <a:t>，并把结果保存在 </a:t>
+            </a:r>
+            <a:r>
+              <a:rPr lang="en-US" altLang="zh-CN" dirty="0" err="1">
+                <a:solidFill>
+                  <a:schemeClr val="bg1"/>
+                </a:solidFill>
+              </a:rPr>
+              <a:t>cpu.prof</a:t>
+            </a:r>
+            <a:r>
+              <a:rPr lang="en-US" altLang="zh-CN" dirty="0">
+                <a:solidFill>
+                  <a:schemeClr val="bg1"/>
+                </a:solidFill>
+              </a:rPr>
+              <a:t> </a:t>
+            </a:r>
+            <a:r>
+              <a:rPr lang="zh-CN" altLang="en-US" dirty="0">
+                <a:solidFill>
+                  <a:schemeClr val="bg1"/>
+                </a:solidFill>
+              </a:rPr>
+              <a:t>文件中：</a:t>
+            </a:r>
+          </a:p>
+          <a:p>
+            <a:pPr algn="l"/>
+            <a:r>
+              <a:rPr lang="en-US" altLang="zh-CN" dirty="0">
+                <a:solidFill>
+                  <a:schemeClr val="bg1"/>
+                </a:solidFill>
+              </a:rPr>
+              <a:t>go test -bench=. -</a:t>
+            </a:r>
+            <a:r>
+              <a:rPr lang="en-US" altLang="zh-CN" dirty="0" err="1">
+                <a:solidFill>
+                  <a:schemeClr val="bg1"/>
+                </a:solidFill>
+              </a:rPr>
+              <a:t>cpuprofile</a:t>
+            </a:r>
+            <a:r>
+              <a:rPr lang="en-US" altLang="zh-CN" dirty="0">
+                <a:solidFill>
+                  <a:schemeClr val="bg1"/>
+                </a:solidFill>
+              </a:rPr>
+              <a:t>=</a:t>
+            </a:r>
+            <a:r>
+              <a:rPr lang="en-US" altLang="zh-CN" dirty="0" err="1">
+                <a:solidFill>
+                  <a:schemeClr val="bg1"/>
+                </a:solidFill>
+              </a:rPr>
+              <a:t>cpu.profile</a:t>
+            </a:r>
+            <a:endParaRPr lang="en-US" altLang="zh-CN" dirty="0">
+              <a:solidFill>
+                <a:schemeClr val="bg1"/>
+              </a:solidFill>
+            </a:endParaRPr>
+          </a:p>
+          <a:p>
+            <a:pPr algn="l"/>
+            <a:endParaRPr lang="en-US" altLang="zh-CN" dirty="0">
+              <a:solidFill>
+                <a:schemeClr val="bg1"/>
+              </a:solidFill>
+            </a:endParaRPr>
+          </a:p>
+          <a:p>
+            <a:pPr algn="l"/>
+            <a:r>
+              <a:rPr lang="en-US" altLang="zh-CN" dirty="0">
+                <a:solidFill>
+                  <a:schemeClr val="bg1"/>
+                </a:solidFill>
+              </a:rPr>
+              <a:t>//</a:t>
+            </a:r>
+            <a:r>
+              <a:rPr lang="zh-CN" altLang="en-US" dirty="0">
+                <a:solidFill>
+                  <a:schemeClr val="bg1"/>
+                </a:solidFill>
+              </a:rPr>
+              <a:t>分析查看报告</a:t>
+            </a:r>
+          </a:p>
+          <a:p>
+            <a:pPr algn="l"/>
+            <a:r>
+              <a:rPr lang="en-US" altLang="zh-CN" dirty="0">
+                <a:solidFill>
+                  <a:schemeClr val="bg1"/>
+                </a:solidFill>
+              </a:rPr>
+              <a:t>go tool </a:t>
+            </a:r>
+            <a:r>
+              <a:rPr lang="en-US" altLang="zh-CN" dirty="0" err="1">
+                <a:solidFill>
+                  <a:schemeClr val="bg1"/>
+                </a:solidFill>
+              </a:rPr>
+              <a:t>pprof</a:t>
+            </a:r>
+            <a:r>
+              <a:rPr lang="en-US" altLang="zh-CN" dirty="0">
+                <a:solidFill>
+                  <a:schemeClr val="bg1"/>
+                </a:solidFill>
+              </a:rPr>
+              <a:t> -http=:8001 </a:t>
+            </a:r>
+            <a:r>
+              <a:rPr lang="en-US" altLang="zh-CN" dirty="0" err="1">
+                <a:solidFill>
+                  <a:schemeClr val="bg1"/>
+                </a:solidFill>
+              </a:rPr>
+              <a:t>cpu.profile</a:t>
+            </a:r>
+            <a:endParaRPr lang="zh-CN" altLang="en-US" dirty="0">
+              <a:solidFill>
+                <a:schemeClr val="bg1"/>
+              </a:solidFill>
+            </a:endParaRPr>
+          </a:p>
+        </p:txBody>
+      </p:sp>
+      <p:pic>
+        <p:nvPicPr>
+          <p:cNvPr id="4" name="图片 3"/>
+          <p:cNvPicPr>
+            <a:picLocks noChangeAspect="1"/>
+          </p:cNvPicPr>
+          <p:nvPr/>
+        </p:nvPicPr>
+        <p:blipFill>
+          <a:blip r:embed="rId3"/>
+          <a:stretch>
+            <a:fillRect/>
+          </a:stretch>
+        </p:blipFill>
+        <p:spPr>
+          <a:xfrm>
+            <a:off x="11410134" y="5423126"/>
+            <a:ext cx="9505950" cy="7572375"/>
+          </a:xfrm>
+          <a:prstGeom prst="rect">
+            <a:avLst/>
+          </a:prstGeom>
+        </p:spPr>
+      </p:pic>
+    </p:spTree>
+    <p:extLst>
+      <p:ext uri="{BB962C8B-B14F-4D97-AF65-F5344CB8AC3E}">
+        <p14:creationId xmlns:p14="http://schemas.microsoft.com/office/powerpoint/2010/main" val="2859384604"/>
+      </p:ext>
+    </p:extLst>
+  </p:cSld>
+  <p:clrMapOvr>
+    <a:masterClrMapping/>
+  </p:clrMapOvr>
+  <p:transition spd="med"/>
+  <p:timing>
+    <p:tnLst>
+      <p:par>
+        <p:cTn id="1" dur="indefinite" restart="never" nodeType="tmRoot"/>
+      </p:par>
+    </p:tnLst>
+  </p:timing>
+</p:sld>
+</file>
+
+<file path=ppt/slides/slide38.xml><?xml version="1.0" encoding="utf-8"?>
+<p:sld xmlns:a="http://schemas.openxmlformats.org/drawingml/2006/main" xmlns:r="http://schemas.openxmlformats.org/officeDocument/2006/relationships" xmlns:p="http://schemas.openxmlformats.org/presentationml/2006/main">
+  <p:cSld>
+    <p:spTree>
+      <p:nvGrpSpPr>
+        <p:cNvPr id="1" name=""/>
+        <p:cNvGrpSpPr/>
+        <p:nvPr/>
+      </p:nvGrpSpPr>
+      <p:grpSpPr>
+        <a:xfrm>
+          <a:off x="0" y="0"/>
+          <a:ext cx="0" cy="0"/>
+          <a:chOff x="0" y="0"/>
+          <a:chExt cx="0" cy="0"/>
+        </a:xfrm>
+      </p:grpSpPr>
+      <p:sp>
+        <p:nvSpPr>
+          <p:cNvPr id="6" name="标题 5"/>
+          <p:cNvSpPr>
+            <a:spLocks noGrp="1"/>
+          </p:cNvSpPr>
+          <p:nvPr>
+            <p:ph type="title"/>
+          </p:nvPr>
+        </p:nvSpPr>
+        <p:spPr/>
+        <p:txBody>
+          <a:bodyPr>
+            <a:noAutofit/>
+          </a:bodyPr>
+          <a:lstStyle/>
+          <a:p>
+            <a:r>
+              <a:rPr kumimoji="1" lang="en-US" altLang="zh-CN" dirty="0" smtClean="0"/>
+              <a:t>1.6 </a:t>
+            </a:r>
+            <a:r>
+              <a:rPr kumimoji="1" lang="zh-CN" altLang="en-US" dirty="0" smtClean="0"/>
+              <a:t>与</a:t>
+            </a:r>
+            <a:r>
+              <a:rPr kumimoji="1" lang="zh-CN" altLang="en-US" dirty="0"/>
+              <a:t>性能测试结合做剖析</a:t>
+            </a:r>
+            <a:r>
+              <a:rPr kumimoji="1" lang="en-US" altLang="zh-CN" dirty="0"/>
+              <a:t/>
+            </a:r>
+            <a:br>
+              <a:rPr kumimoji="1" lang="en-US" altLang="zh-CN" dirty="0"/>
+            </a:br>
+            <a:r>
+              <a:rPr kumimoji="1" lang="zh-CN" altLang="en-US" dirty="0"/>
+              <a:t/>
+            </a:r>
+            <a:br>
+              <a:rPr kumimoji="1" lang="zh-CN" altLang="en-US" dirty="0"/>
+            </a:br>
+            <a:r>
+              <a:rPr kumimoji="1" lang="zh-CN" altLang="en-US" dirty="0"/>
+              <a:t/>
+            </a:r>
+            <a:br>
+              <a:rPr kumimoji="1" lang="zh-CN" altLang="en-US" dirty="0"/>
+            </a:br>
+            <a:endParaRPr kumimoji="1" lang="en-US" altLang="zh-CN" dirty="0"/>
+          </a:p>
+        </p:txBody>
+      </p:sp>
+      <p:sp>
+        <p:nvSpPr>
+          <p:cNvPr id="7" name="文本框 6"/>
+          <p:cNvSpPr txBox="1"/>
+          <p:nvPr/>
+        </p:nvSpPr>
+        <p:spPr>
+          <a:xfrm>
+            <a:off x="2462400" y="2771486"/>
+            <a:ext cx="19458000" cy="974626"/>
+          </a:xfrm>
+          <a:prstGeom prst="rect">
+            <a:avLst/>
+          </a:prstGeom>
+          <a:noFill/>
+          <a:ln w="12700" cap="flat">
+            <a:noFill/>
+            <a:miter lim="400000"/>
+          </a:ln>
+        </p:spPr>
+        <p:style>
+          <a:lnRef idx="0">
+            <a:scrgbClr r="0" g="0" b="0"/>
+          </a:lnRef>
+          <a:fillRef idx="0">
+            <a:scrgbClr r="0" g="0" b="0"/>
+          </a:fillRef>
+          <a:effectRef idx="0">
+            <a:scrgbClr r="0" g="0" b="0"/>
+          </a:effectRef>
+          <a:fontRef idx="none"/>
+        </p:style>
+        <p:txBody>
+          <a:bodyPr rot="0" spcFirstLastPara="1" vertOverflow="overflow" horzOverflow="overflow" vert="horz" wrap="square" lIns="50800" tIns="50800" rIns="50800" bIns="50800" numCol="1" spcCol="38100" rtlCol="0" anchor="ctr">
+            <a:spAutoFit/>
+          </a:bodyPr>
+          <a:lstStyle/>
+          <a:p>
+            <a:pPr marL="571500" indent="-571500" algn="l">
+              <a:spcBef>
+                <a:spcPts val="1000"/>
+              </a:spcBef>
+              <a:spcAft>
+                <a:spcPts val="1000"/>
+              </a:spcAft>
+              <a:buSzPct val="125000"/>
+              <a:buFont typeface="Arial" panose="020B0604020202090204" pitchFamily="34" charset="0"/>
+              <a:buChar char="•"/>
+            </a:pPr>
+            <a:r>
+              <a:rPr kumimoji="1" lang="en-US" altLang="zh-CN" sz="4000" b="0" dirty="0">
+                <a:solidFill>
+                  <a:srgbClr val="FFFFFF"/>
+                </a:solidFill>
+                <a:latin typeface="Helvetica" pitchFamily="2" charset="0"/>
+                <a:ea typeface="Alibaba PuHuiTi R" panose="00020600040101010101" pitchFamily="18" charset="-122"/>
+                <a:cs typeface="Alibaba PuHuiTi R" panose="00020600040101010101" pitchFamily="18" charset="-122"/>
+              </a:rPr>
+              <a:t>Memory P</a:t>
+            </a:r>
+            <a:r>
+              <a:rPr kumimoji="1" lang="en-US" altLang="zh-CN" sz="4000" b="0" dirty="0" smtClean="0">
+                <a:solidFill>
+                  <a:srgbClr val="FFFFFF"/>
+                </a:solidFill>
+                <a:latin typeface="Helvetica" pitchFamily="2" charset="0"/>
+                <a:ea typeface="Alibaba PuHuiTi R" panose="00020600040101010101" pitchFamily="18" charset="-122"/>
+                <a:cs typeface="Alibaba PuHuiTi R" panose="00020600040101010101" pitchFamily="18" charset="-122"/>
+              </a:rPr>
+              <a:t>rofiling</a:t>
+            </a:r>
+            <a:endParaRPr kumimoji="1" lang="zh-CN" altLang="en-US" sz="4000" b="0" dirty="0">
+              <a:solidFill>
+                <a:srgbClr val="FFFFFF"/>
+              </a:solidFill>
+              <a:latin typeface="Helvetica" pitchFamily="2" charset="0"/>
+              <a:ea typeface="Alibaba PuHuiTi R" panose="00020600040101010101" pitchFamily="18" charset="-122"/>
+              <a:cs typeface="Alibaba PuHuiTi R" panose="00020600040101010101" pitchFamily="18" charset="-122"/>
+            </a:endParaRPr>
+          </a:p>
+        </p:txBody>
+      </p:sp>
+      <p:sp>
+        <p:nvSpPr>
+          <p:cNvPr id="8" name="矩形 7"/>
+          <p:cNvSpPr/>
+          <p:nvPr/>
+        </p:nvSpPr>
+        <p:spPr>
+          <a:xfrm>
+            <a:off x="2987040" y="3746112"/>
+            <a:ext cx="14595566" cy="2400657"/>
+          </a:xfrm>
+          <a:prstGeom prst="rect">
+            <a:avLst/>
+          </a:prstGeom>
+        </p:spPr>
+        <p:txBody>
+          <a:bodyPr wrap="square">
+            <a:spAutoFit/>
+          </a:bodyPr>
+          <a:lstStyle/>
+          <a:p>
+            <a:pPr algn="l"/>
+            <a:r>
+              <a:rPr lang="en-US" altLang="zh-CN" dirty="0">
+                <a:solidFill>
+                  <a:schemeClr val="bg1"/>
+                </a:solidFill>
+              </a:rPr>
+              <a:t>/</a:t>
+            </a:r>
+            <a:r>
+              <a:rPr lang="zh-CN" altLang="en-US" dirty="0">
+                <a:solidFill>
+                  <a:schemeClr val="bg1"/>
+                </a:solidFill>
+              </a:rPr>
+              <a:t>执行测试的同时，也会执行 </a:t>
+            </a:r>
+            <a:r>
+              <a:rPr lang="en-US" altLang="zh-CN" dirty="0" err="1">
+                <a:solidFill>
+                  <a:schemeClr val="bg1"/>
+                </a:solidFill>
+              </a:rPr>
+              <a:t>Mem</a:t>
+            </a:r>
+            <a:r>
+              <a:rPr lang="en-US" altLang="zh-CN" dirty="0">
+                <a:solidFill>
+                  <a:schemeClr val="bg1"/>
+                </a:solidFill>
+              </a:rPr>
+              <a:t> profiling</a:t>
+            </a:r>
+            <a:r>
+              <a:rPr lang="zh-CN" altLang="en-US" dirty="0">
+                <a:solidFill>
+                  <a:schemeClr val="bg1"/>
+                </a:solidFill>
+              </a:rPr>
+              <a:t>，并把结果保存在 </a:t>
+            </a:r>
+            <a:r>
+              <a:rPr lang="en-US" altLang="zh-CN" dirty="0" err="1">
+                <a:solidFill>
+                  <a:schemeClr val="bg1"/>
+                </a:solidFill>
+              </a:rPr>
+              <a:t>cpu.prof</a:t>
+            </a:r>
+            <a:r>
+              <a:rPr lang="en-US" altLang="zh-CN" dirty="0">
+                <a:solidFill>
+                  <a:schemeClr val="bg1"/>
+                </a:solidFill>
+              </a:rPr>
+              <a:t> </a:t>
+            </a:r>
+            <a:r>
+              <a:rPr lang="zh-CN" altLang="en-US" dirty="0">
+                <a:solidFill>
+                  <a:schemeClr val="bg1"/>
+                </a:solidFill>
+              </a:rPr>
+              <a:t>文件中：</a:t>
+            </a:r>
+          </a:p>
+          <a:p>
+            <a:pPr algn="l"/>
+            <a:r>
+              <a:rPr lang="en-US" altLang="zh-CN" dirty="0">
+                <a:solidFill>
+                  <a:schemeClr val="bg1"/>
+                </a:solidFill>
+              </a:rPr>
+              <a:t>go test -bench . -</a:t>
+            </a:r>
+            <a:r>
+              <a:rPr lang="en-US" altLang="zh-CN" dirty="0" err="1">
+                <a:solidFill>
+                  <a:schemeClr val="bg1"/>
+                </a:solidFill>
+              </a:rPr>
+              <a:t>memprofile</a:t>
+            </a:r>
+            <a:r>
+              <a:rPr lang="en-US" altLang="zh-CN" dirty="0">
+                <a:solidFill>
+                  <a:schemeClr val="bg1"/>
+                </a:solidFill>
+              </a:rPr>
+              <a:t>=</a:t>
+            </a:r>
+            <a:r>
+              <a:rPr lang="en-US" altLang="zh-CN" dirty="0" err="1">
+                <a:solidFill>
+                  <a:schemeClr val="bg1"/>
+                </a:solidFill>
+              </a:rPr>
+              <a:t>mem.profile</a:t>
+            </a:r>
+            <a:endParaRPr lang="en-US" altLang="zh-CN" dirty="0">
+              <a:solidFill>
+                <a:schemeClr val="bg1"/>
+              </a:solidFill>
+            </a:endParaRPr>
+          </a:p>
+          <a:p>
+            <a:pPr algn="l"/>
+            <a:endParaRPr lang="en-US" altLang="zh-CN" dirty="0">
+              <a:solidFill>
+                <a:schemeClr val="bg1"/>
+              </a:solidFill>
+            </a:endParaRPr>
+          </a:p>
+          <a:p>
+            <a:pPr algn="l"/>
+            <a:r>
+              <a:rPr lang="en-US" altLang="zh-CN" dirty="0">
+                <a:solidFill>
+                  <a:schemeClr val="bg1"/>
+                </a:solidFill>
+              </a:rPr>
+              <a:t>//</a:t>
+            </a:r>
+            <a:r>
+              <a:rPr lang="zh-CN" altLang="en-US" dirty="0">
+                <a:solidFill>
+                  <a:schemeClr val="bg1"/>
+                </a:solidFill>
+              </a:rPr>
+              <a:t>分析查看报告</a:t>
+            </a:r>
+          </a:p>
+          <a:p>
+            <a:pPr algn="l"/>
+            <a:r>
+              <a:rPr lang="en-US" altLang="zh-CN" dirty="0">
+                <a:solidFill>
+                  <a:schemeClr val="bg1"/>
+                </a:solidFill>
+              </a:rPr>
+              <a:t>go tool </a:t>
+            </a:r>
+            <a:r>
+              <a:rPr lang="en-US" altLang="zh-CN" dirty="0" err="1">
+                <a:solidFill>
+                  <a:schemeClr val="bg1"/>
+                </a:solidFill>
+              </a:rPr>
+              <a:t>pprof</a:t>
+            </a:r>
+            <a:r>
+              <a:rPr lang="en-US" altLang="zh-CN" dirty="0">
+                <a:solidFill>
+                  <a:schemeClr val="bg1"/>
+                </a:solidFill>
+              </a:rPr>
+              <a:t> -http=:8001 </a:t>
+            </a:r>
+            <a:r>
+              <a:rPr lang="en-US" altLang="zh-CN" dirty="0" err="1">
+                <a:solidFill>
+                  <a:schemeClr val="bg1"/>
+                </a:solidFill>
+              </a:rPr>
+              <a:t>mem.profile</a:t>
+            </a:r>
+            <a:endParaRPr lang="zh-CN" altLang="en-US" dirty="0">
+              <a:solidFill>
+                <a:schemeClr val="bg1"/>
+              </a:solidFill>
+            </a:endParaRPr>
+          </a:p>
+        </p:txBody>
+      </p:sp>
+      <p:pic>
+        <p:nvPicPr>
+          <p:cNvPr id="3" name="图片 2"/>
+          <p:cNvPicPr>
+            <a:picLocks noChangeAspect="1"/>
+          </p:cNvPicPr>
+          <p:nvPr/>
+        </p:nvPicPr>
+        <p:blipFill>
+          <a:blip r:embed="rId3"/>
+          <a:stretch>
+            <a:fillRect/>
+          </a:stretch>
+        </p:blipFill>
+        <p:spPr>
+          <a:xfrm>
+            <a:off x="10742240" y="4720738"/>
+            <a:ext cx="10811473" cy="9000750"/>
+          </a:xfrm>
+          <a:prstGeom prst="rect">
+            <a:avLst/>
+          </a:prstGeom>
+        </p:spPr>
+      </p:pic>
+    </p:spTree>
+    <p:extLst>
+      <p:ext uri="{BB962C8B-B14F-4D97-AF65-F5344CB8AC3E}">
+        <p14:creationId xmlns:p14="http://schemas.microsoft.com/office/powerpoint/2010/main" val="3793635950"/>
+      </p:ext>
+    </p:extLst>
+  </p:cSld>
+  <p:clrMapOvr>
+    <a:masterClrMapping/>
+  </p:clrMapOvr>
+  <p:transition spd="med"/>
+  <p:timing>
+    <p:tnLst>
+      <p:par>
+        <p:cTn id="1" dur="indefinite" restart="never" nodeType="tmRoot"/>
+      </p:par>
+    </p:tnLst>
+  </p:timing>
+</p:sld>
+</file>
+
+<file path=ppt/slides/slide39.xml><?xml version="1.0" encoding="utf-8"?>
+<p:sld xmlns:a="http://schemas.openxmlformats.org/drawingml/2006/main" xmlns:r="http://schemas.openxmlformats.org/officeDocument/2006/relationships" xmlns:p="http://schemas.openxmlformats.org/presentationml/2006/main">
+  <p:cSld>
+    <p:spTree>
+      <p:nvGrpSpPr>
+        <p:cNvPr id="1" name=""/>
+        <p:cNvGrpSpPr/>
+        <p:nvPr/>
+      </p:nvGrpSpPr>
+      <p:grpSpPr>
+        <a:xfrm>
+          <a:off x="0" y="0"/>
+          <a:ext cx="0" cy="0"/>
+          <a:chOff x="0" y="0"/>
+          <a:chExt cx="0" cy="0"/>
+        </a:xfrm>
+      </p:grpSpPr>
+      <p:sp>
+        <p:nvSpPr>
+          <p:cNvPr id="2" name="文本占位符 1"/>
+          <p:cNvSpPr>
+            <a:spLocks noGrp="1"/>
+          </p:cNvSpPr>
+          <p:nvPr>
+            <p:ph type="body" sz="quarter" idx="13"/>
+          </p:nvPr>
+        </p:nvSpPr>
+        <p:spPr>
+          <a:xfrm>
+            <a:off x="2444750" y="7675880"/>
+            <a:ext cx="5928995" cy="1163320"/>
+          </a:xfrm>
+        </p:spPr>
+        <p:txBody>
+          <a:bodyPr wrap="square"/>
+          <a:lstStyle/>
+          <a:p>
+            <a:r>
+              <a:rPr kumimoji="1" lang="zh-CN" altLang="en-US" dirty="0"/>
+              <a:t>闯哥</a:t>
+            </a:r>
+          </a:p>
+        </p:txBody>
+      </p:sp>
+      <p:sp>
+        <p:nvSpPr>
+          <p:cNvPr id="4" name="文本占位符 3"/>
+          <p:cNvSpPr>
+            <a:spLocks noGrp="1"/>
+          </p:cNvSpPr>
+          <p:nvPr>
+            <p:ph type="body" sz="quarter" idx="15"/>
+          </p:nvPr>
+        </p:nvSpPr>
+        <p:spPr>
+          <a:xfrm>
+            <a:off x="2444750" y="4987012"/>
+            <a:ext cx="19143345" cy="1210588"/>
+          </a:xfrm>
+        </p:spPr>
+        <p:txBody>
+          <a:bodyPr wrap="square"/>
+          <a:lstStyle/>
+          <a:p>
+            <a:r>
+              <a:rPr kumimoji="1" lang="en-US" altLang="zh-CN" dirty="0" smtClean="0"/>
+              <a:t>1.7 </a:t>
+            </a:r>
+            <a:r>
+              <a:rPr kumimoji="1" lang="zh-CN" altLang="en-US" dirty="0" smtClean="0"/>
+              <a:t>排</a:t>
+            </a:r>
+            <a:r>
+              <a:rPr kumimoji="1" lang="zh-CN" altLang="en-US" dirty="0"/>
+              <a:t>查</a:t>
+            </a:r>
+            <a:r>
+              <a:rPr kumimoji="1" lang="en-US" altLang="zh-CN" dirty="0"/>
+              <a:t>CPU</a:t>
+            </a:r>
+            <a:r>
+              <a:rPr kumimoji="1" lang="zh-CN" altLang="en-US" dirty="0"/>
+              <a:t>占用过高问题</a:t>
+            </a:r>
+            <a:endParaRPr kumimoji="1" lang="en-US" altLang="zh-CN" dirty="0"/>
+          </a:p>
+        </p:txBody>
+      </p:sp>
+    </p:spTree>
+    <p:extLst>
+      <p:ext uri="{BB962C8B-B14F-4D97-AF65-F5344CB8AC3E}">
+        <p14:creationId xmlns:p14="http://schemas.microsoft.com/office/powerpoint/2010/main" val="3792852892"/>
+      </p:ext>
+    </p:extLst>
+  </p:cSld>
+  <p:clrMapOvr>
+    <a:masterClrMapping/>
+  </p:clrMapOvr>
+  <p:transition spd="med"/>
+  <p:timing>
+    <p:tnLst>
+      <p:par>
+        <p:cTn id="1" dur="indefinite" restart="never" nodeType="tmRoot"/>
+      </p:par>
+    </p:tnLst>
+  </p:timing>
 </p:sld>
 </file>
 
@@ -10785,6 +15272,999 @@
 </p:sld>
 </file>
 
+<file path=ppt/slides/slide40.xml><?xml version="1.0" encoding="utf-8"?>
+<p:sld xmlns:a="http://schemas.openxmlformats.org/drawingml/2006/main" xmlns:r="http://schemas.openxmlformats.org/officeDocument/2006/relationships" xmlns:p="http://schemas.openxmlformats.org/presentationml/2006/main">
+  <p:cSld>
+    <p:spTree>
+      <p:nvGrpSpPr>
+        <p:cNvPr id="1" name=""/>
+        <p:cNvGrpSpPr/>
+        <p:nvPr/>
+      </p:nvGrpSpPr>
+      <p:grpSpPr>
+        <a:xfrm>
+          <a:off x="0" y="0"/>
+          <a:ext cx="0" cy="0"/>
+          <a:chOff x="0" y="0"/>
+          <a:chExt cx="0" cy="0"/>
+        </a:xfrm>
+      </p:grpSpPr>
+      <p:sp>
+        <p:nvSpPr>
+          <p:cNvPr id="6" name="标题 5"/>
+          <p:cNvSpPr>
+            <a:spLocks noGrp="1"/>
+          </p:cNvSpPr>
+          <p:nvPr>
+            <p:ph type="title"/>
+          </p:nvPr>
+        </p:nvSpPr>
+        <p:spPr/>
+        <p:txBody>
+          <a:bodyPr>
+            <a:noAutofit/>
+          </a:bodyPr>
+          <a:lstStyle/>
+          <a:p>
+            <a:r>
+              <a:rPr kumimoji="1" lang="en-US" altLang="zh-CN" dirty="0" smtClean="0"/>
+              <a:t>1.7 </a:t>
+            </a:r>
+            <a:r>
+              <a:rPr kumimoji="1" lang="zh-CN" altLang="en-US" dirty="0" smtClean="0"/>
+              <a:t>排</a:t>
+            </a:r>
+            <a:r>
+              <a:rPr kumimoji="1" lang="zh-CN" altLang="en-US" dirty="0"/>
+              <a:t>查</a:t>
+            </a:r>
+            <a:r>
+              <a:rPr kumimoji="1" lang="en-US" altLang="zh-CN" dirty="0"/>
+              <a:t>CPU</a:t>
+            </a:r>
+            <a:r>
+              <a:rPr kumimoji="1" lang="zh-CN" altLang="en-US" dirty="0"/>
+              <a:t>占用过高问题</a:t>
+            </a:r>
+            <a:br>
+              <a:rPr kumimoji="1" lang="zh-CN" altLang="en-US" dirty="0"/>
+            </a:br>
+            <a:r>
+              <a:rPr kumimoji="1" lang="en-US" altLang="zh-CN" dirty="0"/>
+              <a:t/>
+            </a:r>
+            <a:br>
+              <a:rPr kumimoji="1" lang="en-US" altLang="zh-CN" dirty="0"/>
+            </a:br>
+            <a:r>
+              <a:rPr kumimoji="1" lang="zh-CN" altLang="en-US" dirty="0"/>
+              <a:t/>
+            </a:r>
+            <a:br>
+              <a:rPr kumimoji="1" lang="zh-CN" altLang="en-US" dirty="0"/>
+            </a:br>
+            <a:r>
+              <a:rPr kumimoji="1" lang="zh-CN" altLang="en-US" dirty="0"/>
+              <a:t/>
+            </a:r>
+            <a:br>
+              <a:rPr kumimoji="1" lang="zh-CN" altLang="en-US" dirty="0"/>
+            </a:br>
+            <a:endParaRPr kumimoji="1" lang="en-US" altLang="zh-CN" dirty="0"/>
+          </a:p>
+        </p:txBody>
+      </p:sp>
+    </p:spTree>
+    <p:extLst>
+      <p:ext uri="{BB962C8B-B14F-4D97-AF65-F5344CB8AC3E}">
+        <p14:creationId xmlns:p14="http://schemas.microsoft.com/office/powerpoint/2010/main" val="2886657460"/>
+      </p:ext>
+    </p:extLst>
+  </p:cSld>
+  <p:clrMapOvr>
+    <a:masterClrMapping/>
+  </p:clrMapOvr>
+  <p:transition spd="med"/>
+  <p:timing>
+    <p:tnLst>
+      <p:par>
+        <p:cTn id="1" dur="indefinite" restart="never" nodeType="tmRoot"/>
+      </p:par>
+    </p:tnLst>
+  </p:timing>
+</p:sld>
+</file>
+
+<file path=ppt/slides/slide41.xml><?xml version="1.0" encoding="utf-8"?>
+<p:sld xmlns:a="http://schemas.openxmlformats.org/drawingml/2006/main" xmlns:r="http://schemas.openxmlformats.org/officeDocument/2006/relationships" xmlns:p="http://schemas.openxmlformats.org/presentationml/2006/main">
+  <p:cSld>
+    <p:spTree>
+      <p:nvGrpSpPr>
+        <p:cNvPr id="1" name=""/>
+        <p:cNvGrpSpPr/>
+        <p:nvPr/>
+      </p:nvGrpSpPr>
+      <p:grpSpPr>
+        <a:xfrm>
+          <a:off x="0" y="0"/>
+          <a:ext cx="0" cy="0"/>
+          <a:chOff x="0" y="0"/>
+          <a:chExt cx="0" cy="0"/>
+        </a:xfrm>
+      </p:grpSpPr>
+      <p:sp>
+        <p:nvSpPr>
+          <p:cNvPr id="6" name="标题 5"/>
+          <p:cNvSpPr>
+            <a:spLocks noGrp="1"/>
+          </p:cNvSpPr>
+          <p:nvPr>
+            <p:ph type="title"/>
+          </p:nvPr>
+        </p:nvSpPr>
+        <p:spPr/>
+        <p:txBody>
+          <a:bodyPr>
+            <a:noAutofit/>
+          </a:bodyPr>
+          <a:lstStyle/>
+          <a:p>
+            <a:r>
+              <a:rPr kumimoji="1" lang="en-US" altLang="zh-CN" dirty="0" smtClean="0"/>
+              <a:t>1.7 </a:t>
+            </a:r>
+            <a:r>
+              <a:rPr kumimoji="1" lang="zh-CN" altLang="en-US" dirty="0" smtClean="0"/>
+              <a:t>排</a:t>
+            </a:r>
+            <a:r>
+              <a:rPr kumimoji="1" lang="zh-CN" altLang="en-US" dirty="0"/>
+              <a:t>查</a:t>
+            </a:r>
+            <a:r>
+              <a:rPr kumimoji="1" lang="en-US" altLang="zh-CN" dirty="0"/>
+              <a:t>CPU</a:t>
+            </a:r>
+            <a:r>
+              <a:rPr kumimoji="1" lang="zh-CN" altLang="en-US" dirty="0"/>
+              <a:t>占用过高问题</a:t>
+            </a:r>
+            <a:br>
+              <a:rPr kumimoji="1" lang="zh-CN" altLang="en-US" dirty="0"/>
+            </a:br>
+            <a:r>
+              <a:rPr kumimoji="1" lang="en-US" altLang="zh-CN" dirty="0"/>
+              <a:t/>
+            </a:r>
+            <a:br>
+              <a:rPr kumimoji="1" lang="en-US" altLang="zh-CN" dirty="0"/>
+            </a:br>
+            <a:r>
+              <a:rPr kumimoji="1" lang="zh-CN" altLang="en-US" dirty="0"/>
+              <a:t/>
+            </a:r>
+            <a:br>
+              <a:rPr kumimoji="1" lang="zh-CN" altLang="en-US" dirty="0"/>
+            </a:br>
+            <a:r>
+              <a:rPr kumimoji="1" lang="zh-CN" altLang="en-US" dirty="0"/>
+              <a:t/>
+            </a:r>
+            <a:br>
+              <a:rPr kumimoji="1" lang="zh-CN" altLang="en-US" dirty="0"/>
+            </a:br>
+            <a:endParaRPr kumimoji="1" lang="en-US" altLang="zh-CN" dirty="0"/>
+          </a:p>
+        </p:txBody>
+      </p:sp>
+    </p:spTree>
+    <p:extLst>
+      <p:ext uri="{BB962C8B-B14F-4D97-AF65-F5344CB8AC3E}">
+        <p14:creationId xmlns:p14="http://schemas.microsoft.com/office/powerpoint/2010/main" val="438504422"/>
+      </p:ext>
+    </p:extLst>
+  </p:cSld>
+  <p:clrMapOvr>
+    <a:masterClrMapping/>
+  </p:clrMapOvr>
+  <p:transition spd="med"/>
+  <p:timing>
+    <p:tnLst>
+      <p:par>
+        <p:cTn id="1" dur="indefinite" restart="never" nodeType="tmRoot"/>
+      </p:par>
+    </p:tnLst>
+  </p:timing>
+</p:sld>
+</file>
+
+<file path=ppt/slides/slide42.xml><?xml version="1.0" encoding="utf-8"?>
+<p:sld xmlns:a="http://schemas.openxmlformats.org/drawingml/2006/main" xmlns:r="http://schemas.openxmlformats.org/officeDocument/2006/relationships" xmlns:p="http://schemas.openxmlformats.org/presentationml/2006/main">
+  <p:cSld>
+    <p:spTree>
+      <p:nvGrpSpPr>
+        <p:cNvPr id="1" name=""/>
+        <p:cNvGrpSpPr/>
+        <p:nvPr/>
+      </p:nvGrpSpPr>
+      <p:grpSpPr>
+        <a:xfrm>
+          <a:off x="0" y="0"/>
+          <a:ext cx="0" cy="0"/>
+          <a:chOff x="0" y="0"/>
+          <a:chExt cx="0" cy="0"/>
+        </a:xfrm>
+      </p:grpSpPr>
+      <p:sp>
+        <p:nvSpPr>
+          <p:cNvPr id="6" name="标题 5"/>
+          <p:cNvSpPr>
+            <a:spLocks noGrp="1"/>
+          </p:cNvSpPr>
+          <p:nvPr>
+            <p:ph type="title"/>
+          </p:nvPr>
+        </p:nvSpPr>
+        <p:spPr/>
+        <p:txBody>
+          <a:bodyPr>
+            <a:noAutofit/>
+          </a:bodyPr>
+          <a:lstStyle/>
+          <a:p>
+            <a:r>
+              <a:rPr kumimoji="1" lang="en-US" altLang="zh-CN" dirty="0" smtClean="0"/>
+              <a:t>1.7 </a:t>
+            </a:r>
+            <a:r>
+              <a:rPr kumimoji="1" lang="zh-CN" altLang="en-US" dirty="0" smtClean="0"/>
+              <a:t>排</a:t>
+            </a:r>
+            <a:r>
+              <a:rPr kumimoji="1" lang="zh-CN" altLang="en-US" dirty="0"/>
+              <a:t>查</a:t>
+            </a:r>
+            <a:r>
+              <a:rPr kumimoji="1" lang="en-US" altLang="zh-CN" dirty="0"/>
+              <a:t>CPU</a:t>
+            </a:r>
+            <a:r>
+              <a:rPr kumimoji="1" lang="zh-CN" altLang="en-US" dirty="0"/>
+              <a:t>占用过高问题</a:t>
+            </a:r>
+            <a:br>
+              <a:rPr kumimoji="1" lang="zh-CN" altLang="en-US" dirty="0"/>
+            </a:br>
+            <a:r>
+              <a:rPr kumimoji="1" lang="en-US" altLang="zh-CN" dirty="0"/>
+              <a:t/>
+            </a:r>
+            <a:br>
+              <a:rPr kumimoji="1" lang="en-US" altLang="zh-CN" dirty="0"/>
+            </a:br>
+            <a:r>
+              <a:rPr kumimoji="1" lang="zh-CN" altLang="en-US" dirty="0"/>
+              <a:t/>
+            </a:r>
+            <a:br>
+              <a:rPr kumimoji="1" lang="zh-CN" altLang="en-US" dirty="0"/>
+            </a:br>
+            <a:r>
+              <a:rPr kumimoji="1" lang="zh-CN" altLang="en-US" dirty="0"/>
+              <a:t/>
+            </a:r>
+            <a:br>
+              <a:rPr kumimoji="1" lang="zh-CN" altLang="en-US" dirty="0"/>
+            </a:br>
+            <a:endParaRPr kumimoji="1" lang="en-US" altLang="zh-CN" dirty="0"/>
+          </a:p>
+        </p:txBody>
+      </p:sp>
+    </p:spTree>
+    <p:extLst>
+      <p:ext uri="{BB962C8B-B14F-4D97-AF65-F5344CB8AC3E}">
+        <p14:creationId xmlns:p14="http://schemas.microsoft.com/office/powerpoint/2010/main" val="279505784"/>
+      </p:ext>
+    </p:extLst>
+  </p:cSld>
+  <p:clrMapOvr>
+    <a:masterClrMapping/>
+  </p:clrMapOvr>
+  <p:transition spd="med"/>
+  <p:timing>
+    <p:tnLst>
+      <p:par>
+        <p:cTn id="1" dur="indefinite" restart="never" nodeType="tmRoot"/>
+      </p:par>
+    </p:tnLst>
+  </p:timing>
+</p:sld>
+</file>
+
+<file path=ppt/slides/slide43.xml><?xml version="1.0" encoding="utf-8"?>
+<p:sld xmlns:a="http://schemas.openxmlformats.org/drawingml/2006/main" xmlns:r="http://schemas.openxmlformats.org/officeDocument/2006/relationships" xmlns:p="http://schemas.openxmlformats.org/presentationml/2006/main">
+  <p:cSld>
+    <p:spTree>
+      <p:nvGrpSpPr>
+        <p:cNvPr id="1" name=""/>
+        <p:cNvGrpSpPr/>
+        <p:nvPr/>
+      </p:nvGrpSpPr>
+      <p:grpSpPr>
+        <a:xfrm>
+          <a:off x="0" y="0"/>
+          <a:ext cx="0" cy="0"/>
+          <a:chOff x="0" y="0"/>
+          <a:chExt cx="0" cy="0"/>
+        </a:xfrm>
+      </p:grpSpPr>
+      <p:sp>
+        <p:nvSpPr>
+          <p:cNvPr id="6" name="标题 5"/>
+          <p:cNvSpPr>
+            <a:spLocks noGrp="1"/>
+          </p:cNvSpPr>
+          <p:nvPr>
+            <p:ph type="title"/>
+          </p:nvPr>
+        </p:nvSpPr>
+        <p:spPr/>
+        <p:txBody>
+          <a:bodyPr>
+            <a:noAutofit/>
+          </a:bodyPr>
+          <a:lstStyle/>
+          <a:p>
+            <a:r>
+              <a:rPr kumimoji="1" lang="en-US" altLang="zh-CN" dirty="0" smtClean="0"/>
+              <a:t>1.7 </a:t>
+            </a:r>
+            <a:r>
+              <a:rPr kumimoji="1" lang="zh-CN" altLang="en-US" dirty="0" smtClean="0"/>
+              <a:t>排</a:t>
+            </a:r>
+            <a:r>
+              <a:rPr kumimoji="1" lang="zh-CN" altLang="en-US" dirty="0"/>
+              <a:t>查</a:t>
+            </a:r>
+            <a:r>
+              <a:rPr kumimoji="1" lang="en-US" altLang="zh-CN" dirty="0"/>
+              <a:t>CPU</a:t>
+            </a:r>
+            <a:r>
+              <a:rPr kumimoji="1" lang="zh-CN" altLang="en-US" dirty="0"/>
+              <a:t>占用过高问题</a:t>
+            </a:r>
+            <a:br>
+              <a:rPr kumimoji="1" lang="zh-CN" altLang="en-US" dirty="0"/>
+            </a:br>
+            <a:r>
+              <a:rPr kumimoji="1" lang="en-US" altLang="zh-CN" dirty="0"/>
+              <a:t/>
+            </a:r>
+            <a:br>
+              <a:rPr kumimoji="1" lang="en-US" altLang="zh-CN" dirty="0"/>
+            </a:br>
+            <a:r>
+              <a:rPr kumimoji="1" lang="zh-CN" altLang="en-US" dirty="0"/>
+              <a:t/>
+            </a:r>
+            <a:br>
+              <a:rPr kumimoji="1" lang="zh-CN" altLang="en-US" dirty="0"/>
+            </a:br>
+            <a:r>
+              <a:rPr kumimoji="1" lang="zh-CN" altLang="en-US" dirty="0"/>
+              <a:t/>
+            </a:r>
+            <a:br>
+              <a:rPr kumimoji="1" lang="zh-CN" altLang="en-US" dirty="0"/>
+            </a:br>
+            <a:endParaRPr kumimoji="1" lang="en-US" altLang="zh-CN" dirty="0"/>
+          </a:p>
+        </p:txBody>
+      </p:sp>
+    </p:spTree>
+    <p:extLst>
+      <p:ext uri="{BB962C8B-B14F-4D97-AF65-F5344CB8AC3E}">
+        <p14:creationId xmlns:p14="http://schemas.microsoft.com/office/powerpoint/2010/main" val="3517271417"/>
+      </p:ext>
+    </p:extLst>
+  </p:cSld>
+  <p:clrMapOvr>
+    <a:masterClrMapping/>
+  </p:clrMapOvr>
+  <p:transition spd="med"/>
+  <p:timing>
+    <p:tnLst>
+      <p:par>
+        <p:cTn id="1" dur="indefinite" restart="never" nodeType="tmRoot"/>
+      </p:par>
+    </p:tnLst>
+  </p:timing>
+</p:sld>
+</file>
+
+<file path=ppt/slides/slide44.xml><?xml version="1.0" encoding="utf-8"?>
+<p:sld xmlns:a="http://schemas.openxmlformats.org/drawingml/2006/main" xmlns:r="http://schemas.openxmlformats.org/officeDocument/2006/relationships" xmlns:p="http://schemas.openxmlformats.org/presentationml/2006/main">
+  <p:cSld>
+    <p:spTree>
+      <p:nvGrpSpPr>
+        <p:cNvPr id="1" name=""/>
+        <p:cNvGrpSpPr/>
+        <p:nvPr/>
+      </p:nvGrpSpPr>
+      <p:grpSpPr>
+        <a:xfrm>
+          <a:off x="0" y="0"/>
+          <a:ext cx="0" cy="0"/>
+          <a:chOff x="0" y="0"/>
+          <a:chExt cx="0" cy="0"/>
+        </a:xfrm>
+      </p:grpSpPr>
+      <p:sp>
+        <p:nvSpPr>
+          <p:cNvPr id="6" name="标题 5"/>
+          <p:cNvSpPr>
+            <a:spLocks noGrp="1"/>
+          </p:cNvSpPr>
+          <p:nvPr>
+            <p:ph type="title"/>
+          </p:nvPr>
+        </p:nvSpPr>
+        <p:spPr/>
+        <p:txBody>
+          <a:bodyPr>
+            <a:noAutofit/>
+          </a:bodyPr>
+          <a:lstStyle/>
+          <a:p>
+            <a:r>
+              <a:rPr kumimoji="1" lang="en-US" altLang="zh-CN" dirty="0" smtClean="0"/>
+              <a:t>1.7 </a:t>
+            </a:r>
+            <a:r>
+              <a:rPr kumimoji="1" lang="zh-CN" altLang="en-US" dirty="0" smtClean="0"/>
+              <a:t>排</a:t>
+            </a:r>
+            <a:r>
+              <a:rPr kumimoji="1" lang="zh-CN" altLang="en-US" dirty="0"/>
+              <a:t>查</a:t>
+            </a:r>
+            <a:r>
+              <a:rPr kumimoji="1" lang="en-US" altLang="zh-CN" dirty="0"/>
+              <a:t>CPU</a:t>
+            </a:r>
+            <a:r>
+              <a:rPr kumimoji="1" lang="zh-CN" altLang="en-US" dirty="0"/>
+              <a:t>占用过高问题</a:t>
+            </a:r>
+            <a:br>
+              <a:rPr kumimoji="1" lang="zh-CN" altLang="en-US" dirty="0"/>
+            </a:br>
+            <a:r>
+              <a:rPr kumimoji="1" lang="en-US" altLang="zh-CN" dirty="0"/>
+              <a:t/>
+            </a:r>
+            <a:br>
+              <a:rPr kumimoji="1" lang="en-US" altLang="zh-CN" dirty="0"/>
+            </a:br>
+            <a:r>
+              <a:rPr kumimoji="1" lang="zh-CN" altLang="en-US" dirty="0"/>
+              <a:t/>
+            </a:r>
+            <a:br>
+              <a:rPr kumimoji="1" lang="zh-CN" altLang="en-US" dirty="0"/>
+            </a:br>
+            <a:r>
+              <a:rPr kumimoji="1" lang="zh-CN" altLang="en-US" dirty="0"/>
+              <a:t/>
+            </a:r>
+            <a:br>
+              <a:rPr kumimoji="1" lang="zh-CN" altLang="en-US" dirty="0"/>
+            </a:br>
+            <a:endParaRPr kumimoji="1" lang="en-US" altLang="zh-CN" dirty="0"/>
+          </a:p>
+        </p:txBody>
+      </p:sp>
+    </p:spTree>
+    <p:extLst>
+      <p:ext uri="{BB962C8B-B14F-4D97-AF65-F5344CB8AC3E}">
+        <p14:creationId xmlns:p14="http://schemas.microsoft.com/office/powerpoint/2010/main" val="592349085"/>
+      </p:ext>
+    </p:extLst>
+  </p:cSld>
+  <p:clrMapOvr>
+    <a:masterClrMapping/>
+  </p:clrMapOvr>
+  <p:transition spd="med"/>
+  <p:timing>
+    <p:tnLst>
+      <p:par>
+        <p:cTn id="1" dur="indefinite" restart="never" nodeType="tmRoot"/>
+      </p:par>
+    </p:tnLst>
+  </p:timing>
+</p:sld>
+</file>
+
+<file path=ppt/slides/slide45.xml><?xml version="1.0" encoding="utf-8"?>
+<p:sld xmlns:a="http://schemas.openxmlformats.org/drawingml/2006/main" xmlns:r="http://schemas.openxmlformats.org/officeDocument/2006/relationships" xmlns:p="http://schemas.openxmlformats.org/presentationml/2006/main">
+  <p:cSld>
+    <p:spTree>
+      <p:nvGrpSpPr>
+        <p:cNvPr id="1" name=""/>
+        <p:cNvGrpSpPr/>
+        <p:nvPr/>
+      </p:nvGrpSpPr>
+      <p:grpSpPr>
+        <a:xfrm>
+          <a:off x="0" y="0"/>
+          <a:ext cx="0" cy="0"/>
+          <a:chOff x="0" y="0"/>
+          <a:chExt cx="0" cy="0"/>
+        </a:xfrm>
+      </p:grpSpPr>
+      <p:sp>
+        <p:nvSpPr>
+          <p:cNvPr id="2" name="文本占位符 1"/>
+          <p:cNvSpPr>
+            <a:spLocks noGrp="1"/>
+          </p:cNvSpPr>
+          <p:nvPr>
+            <p:ph type="body" sz="quarter" idx="13"/>
+          </p:nvPr>
+        </p:nvSpPr>
+        <p:spPr>
+          <a:xfrm>
+            <a:off x="2444750" y="7675880"/>
+            <a:ext cx="5928995" cy="1163320"/>
+          </a:xfrm>
+        </p:spPr>
+        <p:txBody>
+          <a:bodyPr wrap="square"/>
+          <a:lstStyle/>
+          <a:p>
+            <a:r>
+              <a:rPr kumimoji="1" lang="zh-CN" altLang="en-US" dirty="0"/>
+              <a:t>闯哥</a:t>
+            </a:r>
+          </a:p>
+        </p:txBody>
+      </p:sp>
+      <p:sp>
+        <p:nvSpPr>
+          <p:cNvPr id="4" name="文本占位符 3"/>
+          <p:cNvSpPr>
+            <a:spLocks noGrp="1"/>
+          </p:cNvSpPr>
+          <p:nvPr>
+            <p:ph type="body" sz="quarter" idx="15"/>
+          </p:nvPr>
+        </p:nvSpPr>
+        <p:spPr>
+          <a:xfrm>
+            <a:off x="2444750" y="4987012"/>
+            <a:ext cx="19143345" cy="1210588"/>
+          </a:xfrm>
+        </p:spPr>
+        <p:txBody>
+          <a:bodyPr wrap="square"/>
+          <a:lstStyle/>
+          <a:p>
+            <a:r>
+              <a:rPr kumimoji="1" lang="en-US" altLang="zh-CN" dirty="0" smtClean="0"/>
+              <a:t>1.8 </a:t>
+            </a:r>
+            <a:r>
+              <a:rPr kumimoji="1" lang="zh-CN" altLang="en-US" dirty="0" smtClean="0"/>
+              <a:t>排</a:t>
+            </a:r>
+            <a:r>
+              <a:rPr kumimoji="1" lang="zh-CN" altLang="en-US" dirty="0"/>
+              <a:t>查内存占用过高问题</a:t>
+            </a:r>
+            <a:endParaRPr kumimoji="1" lang="en-US" altLang="zh-CN" dirty="0"/>
+          </a:p>
+        </p:txBody>
+      </p:sp>
+    </p:spTree>
+    <p:extLst>
+      <p:ext uri="{BB962C8B-B14F-4D97-AF65-F5344CB8AC3E}">
+        <p14:creationId xmlns:p14="http://schemas.microsoft.com/office/powerpoint/2010/main" val="3100962517"/>
+      </p:ext>
+    </p:extLst>
+  </p:cSld>
+  <p:clrMapOvr>
+    <a:masterClrMapping/>
+  </p:clrMapOvr>
+  <p:transition spd="med"/>
+</p:sld>
+</file>
+
+<file path=ppt/slides/slide46.xml><?xml version="1.0" encoding="utf-8"?>
+<p:sld xmlns:a="http://schemas.openxmlformats.org/drawingml/2006/main" xmlns:r="http://schemas.openxmlformats.org/officeDocument/2006/relationships" xmlns:p="http://schemas.openxmlformats.org/presentationml/2006/main">
+  <p:cSld>
+    <p:spTree>
+      <p:nvGrpSpPr>
+        <p:cNvPr id="1" name=""/>
+        <p:cNvGrpSpPr/>
+        <p:nvPr/>
+      </p:nvGrpSpPr>
+      <p:grpSpPr>
+        <a:xfrm>
+          <a:off x="0" y="0"/>
+          <a:ext cx="0" cy="0"/>
+          <a:chOff x="0" y="0"/>
+          <a:chExt cx="0" cy="0"/>
+        </a:xfrm>
+      </p:grpSpPr>
+      <p:sp>
+        <p:nvSpPr>
+          <p:cNvPr id="2" name="文本占位符 1"/>
+          <p:cNvSpPr>
+            <a:spLocks noGrp="1"/>
+          </p:cNvSpPr>
+          <p:nvPr>
+            <p:ph type="body" sz="quarter" idx="13"/>
+          </p:nvPr>
+        </p:nvSpPr>
+        <p:spPr>
+          <a:xfrm>
+            <a:off x="2444750" y="7675880"/>
+            <a:ext cx="5928995" cy="1163320"/>
+          </a:xfrm>
+        </p:spPr>
+        <p:txBody>
+          <a:bodyPr wrap="square"/>
+          <a:lstStyle/>
+          <a:p>
+            <a:r>
+              <a:rPr kumimoji="1" lang="zh-CN" altLang="en-US" dirty="0"/>
+              <a:t>闯哥</a:t>
+            </a:r>
+          </a:p>
+        </p:txBody>
+      </p:sp>
+      <p:sp>
+        <p:nvSpPr>
+          <p:cNvPr id="4" name="文本占位符 3"/>
+          <p:cNvSpPr>
+            <a:spLocks noGrp="1"/>
+          </p:cNvSpPr>
+          <p:nvPr>
+            <p:ph type="body" sz="quarter" idx="15"/>
+          </p:nvPr>
+        </p:nvSpPr>
+        <p:spPr>
+          <a:xfrm>
+            <a:off x="2444750" y="4987012"/>
+            <a:ext cx="19143345" cy="1210588"/>
+          </a:xfrm>
+        </p:spPr>
+        <p:txBody>
+          <a:bodyPr wrap="square"/>
+          <a:lstStyle/>
+          <a:p>
+            <a:r>
+              <a:rPr kumimoji="1" lang="en-US" altLang="zh-CN" dirty="0" smtClean="0"/>
+              <a:t>1.9 </a:t>
+            </a:r>
+            <a:r>
+              <a:rPr kumimoji="1" lang="zh-CN" altLang="en-US" dirty="0" smtClean="0"/>
+              <a:t>排</a:t>
+            </a:r>
+            <a:r>
+              <a:rPr kumimoji="1" lang="zh-CN" altLang="en-US" dirty="0"/>
+              <a:t>查频繁</a:t>
+            </a:r>
+            <a:r>
+              <a:rPr kumimoji="1" lang="en-US" altLang="zh-CN" dirty="0"/>
+              <a:t>GC</a:t>
+            </a:r>
+            <a:r>
+              <a:rPr kumimoji="1" lang="zh-CN" altLang="en-US" dirty="0"/>
+              <a:t>问题</a:t>
+            </a:r>
+            <a:endParaRPr kumimoji="1" lang="en-US" altLang="zh-CN" dirty="0"/>
+          </a:p>
+        </p:txBody>
+      </p:sp>
+    </p:spTree>
+    <p:extLst>
+      <p:ext uri="{BB962C8B-B14F-4D97-AF65-F5344CB8AC3E}">
+        <p14:creationId xmlns:p14="http://schemas.microsoft.com/office/powerpoint/2010/main" val="592426751"/>
+      </p:ext>
+    </p:extLst>
+  </p:cSld>
+  <p:clrMapOvr>
+    <a:masterClrMapping/>
+  </p:clrMapOvr>
+  <p:transition spd="med"/>
+</p:sld>
+</file>
+
+<file path=ppt/slides/slide47.xml><?xml version="1.0" encoding="utf-8"?>
+<p:sld xmlns:a="http://schemas.openxmlformats.org/drawingml/2006/main" xmlns:r="http://schemas.openxmlformats.org/officeDocument/2006/relationships" xmlns:p="http://schemas.openxmlformats.org/presentationml/2006/main">
+  <p:cSld>
+    <p:spTree>
+      <p:nvGrpSpPr>
+        <p:cNvPr id="1" name=""/>
+        <p:cNvGrpSpPr/>
+        <p:nvPr/>
+      </p:nvGrpSpPr>
+      <p:grpSpPr>
+        <a:xfrm>
+          <a:off x="0" y="0"/>
+          <a:ext cx="0" cy="0"/>
+          <a:chOff x="0" y="0"/>
+          <a:chExt cx="0" cy="0"/>
+        </a:xfrm>
+      </p:grpSpPr>
+      <p:sp>
+        <p:nvSpPr>
+          <p:cNvPr id="2" name="文本占位符 1"/>
+          <p:cNvSpPr>
+            <a:spLocks noGrp="1"/>
+          </p:cNvSpPr>
+          <p:nvPr>
+            <p:ph type="body" sz="quarter" idx="13"/>
+          </p:nvPr>
+        </p:nvSpPr>
+        <p:spPr>
+          <a:xfrm>
+            <a:off x="2444750" y="7675880"/>
+            <a:ext cx="5928995" cy="1163320"/>
+          </a:xfrm>
+        </p:spPr>
+        <p:txBody>
+          <a:bodyPr wrap="square"/>
+          <a:lstStyle/>
+          <a:p>
+            <a:r>
+              <a:rPr kumimoji="1" lang="zh-CN" altLang="en-US" dirty="0"/>
+              <a:t>闯哥</a:t>
+            </a:r>
+          </a:p>
+        </p:txBody>
+      </p:sp>
+      <p:sp>
+        <p:nvSpPr>
+          <p:cNvPr id="4" name="文本占位符 3"/>
+          <p:cNvSpPr>
+            <a:spLocks noGrp="1"/>
+          </p:cNvSpPr>
+          <p:nvPr>
+            <p:ph type="body" sz="quarter" idx="15"/>
+          </p:nvPr>
+        </p:nvSpPr>
+        <p:spPr>
+          <a:xfrm>
+            <a:off x="2444750" y="4987012"/>
+            <a:ext cx="19143345" cy="1210588"/>
+          </a:xfrm>
+        </p:spPr>
+        <p:txBody>
+          <a:bodyPr wrap="square"/>
+          <a:lstStyle/>
+          <a:p>
+            <a:r>
+              <a:rPr kumimoji="1" lang="en-US" altLang="zh-CN" dirty="0" smtClean="0"/>
+              <a:t>1.10 </a:t>
+            </a:r>
+            <a:r>
+              <a:rPr kumimoji="1" lang="zh-CN" altLang="en-US" dirty="0" smtClean="0"/>
+              <a:t>排</a:t>
+            </a:r>
+            <a:r>
+              <a:rPr kumimoji="1" lang="zh-CN" altLang="en-US" dirty="0"/>
+              <a:t>查协程泄漏问题</a:t>
+            </a:r>
+            <a:endParaRPr kumimoji="1" lang="en-US" altLang="zh-CN" dirty="0"/>
+          </a:p>
+        </p:txBody>
+      </p:sp>
+    </p:spTree>
+    <p:extLst>
+      <p:ext uri="{BB962C8B-B14F-4D97-AF65-F5344CB8AC3E}">
+        <p14:creationId xmlns:p14="http://schemas.microsoft.com/office/powerpoint/2010/main" val="2362445396"/>
+      </p:ext>
+    </p:extLst>
+  </p:cSld>
+  <p:clrMapOvr>
+    <a:masterClrMapping/>
+  </p:clrMapOvr>
+  <p:transition spd="med"/>
+</p:sld>
+</file>
+
+<file path=ppt/slides/slide48.xml><?xml version="1.0" encoding="utf-8"?>
+<p:sld xmlns:a="http://schemas.openxmlformats.org/drawingml/2006/main" xmlns:r="http://schemas.openxmlformats.org/officeDocument/2006/relationships" xmlns:p="http://schemas.openxmlformats.org/presentationml/2006/main">
+  <p:cSld>
+    <p:spTree>
+      <p:nvGrpSpPr>
+        <p:cNvPr id="1" name=""/>
+        <p:cNvGrpSpPr/>
+        <p:nvPr/>
+      </p:nvGrpSpPr>
+      <p:grpSpPr>
+        <a:xfrm>
+          <a:off x="0" y="0"/>
+          <a:ext cx="0" cy="0"/>
+          <a:chOff x="0" y="0"/>
+          <a:chExt cx="0" cy="0"/>
+        </a:xfrm>
+      </p:grpSpPr>
+      <p:sp>
+        <p:nvSpPr>
+          <p:cNvPr id="2" name="文本占位符 1"/>
+          <p:cNvSpPr>
+            <a:spLocks noGrp="1"/>
+          </p:cNvSpPr>
+          <p:nvPr>
+            <p:ph type="body" sz="quarter" idx="13"/>
+          </p:nvPr>
+        </p:nvSpPr>
+        <p:spPr>
+          <a:xfrm>
+            <a:off x="2444750" y="7675880"/>
+            <a:ext cx="5928995" cy="1163320"/>
+          </a:xfrm>
+        </p:spPr>
+        <p:txBody>
+          <a:bodyPr wrap="square"/>
+          <a:lstStyle/>
+          <a:p>
+            <a:r>
+              <a:rPr kumimoji="1" lang="zh-CN" altLang="en-US" dirty="0"/>
+              <a:t>闯哥</a:t>
+            </a:r>
+          </a:p>
+        </p:txBody>
+      </p:sp>
+      <p:sp>
+        <p:nvSpPr>
+          <p:cNvPr id="4" name="文本占位符 3"/>
+          <p:cNvSpPr>
+            <a:spLocks noGrp="1"/>
+          </p:cNvSpPr>
+          <p:nvPr>
+            <p:ph type="body" sz="quarter" idx="15"/>
+          </p:nvPr>
+        </p:nvSpPr>
+        <p:spPr>
+          <a:xfrm>
+            <a:off x="2444750" y="4987012"/>
+            <a:ext cx="19143345" cy="1210588"/>
+          </a:xfrm>
+        </p:spPr>
+        <p:txBody>
+          <a:bodyPr wrap="square"/>
+          <a:lstStyle/>
+          <a:p>
+            <a:r>
+              <a:rPr kumimoji="1" lang="en-US" altLang="zh-CN" dirty="0" smtClean="0"/>
+              <a:t>1.11 </a:t>
+            </a:r>
+            <a:r>
+              <a:rPr kumimoji="1" lang="zh-CN" altLang="en-US" dirty="0" smtClean="0"/>
+              <a:t>排</a:t>
+            </a:r>
+            <a:r>
+              <a:rPr kumimoji="1" lang="zh-CN" altLang="en-US" dirty="0"/>
+              <a:t>查锁竞争问题</a:t>
+            </a:r>
+            <a:endParaRPr kumimoji="1" lang="en-US" altLang="zh-CN" dirty="0"/>
+          </a:p>
+        </p:txBody>
+      </p:sp>
+    </p:spTree>
+    <p:extLst>
+      <p:ext uri="{BB962C8B-B14F-4D97-AF65-F5344CB8AC3E}">
+        <p14:creationId xmlns:p14="http://schemas.microsoft.com/office/powerpoint/2010/main" val="3591334192"/>
+      </p:ext>
+    </p:extLst>
+  </p:cSld>
+  <p:clrMapOvr>
+    <a:masterClrMapping/>
+  </p:clrMapOvr>
+  <p:transition spd="med"/>
+</p:sld>
+</file>
+
+<file path=ppt/slides/slide49.xml><?xml version="1.0" encoding="utf-8"?>
+<p:sld xmlns:a="http://schemas.openxmlformats.org/drawingml/2006/main" xmlns:r="http://schemas.openxmlformats.org/officeDocument/2006/relationships" xmlns:p="http://schemas.openxmlformats.org/presentationml/2006/main">
+  <p:cSld>
+    <p:spTree>
+      <p:nvGrpSpPr>
+        <p:cNvPr id="1" name=""/>
+        <p:cNvGrpSpPr/>
+        <p:nvPr/>
+      </p:nvGrpSpPr>
+      <p:grpSpPr>
+        <a:xfrm>
+          <a:off x="0" y="0"/>
+          <a:ext cx="0" cy="0"/>
+          <a:chOff x="0" y="0"/>
+          <a:chExt cx="0" cy="0"/>
+        </a:xfrm>
+      </p:grpSpPr>
+      <p:sp>
+        <p:nvSpPr>
+          <p:cNvPr id="2" name="文本占位符 1"/>
+          <p:cNvSpPr>
+            <a:spLocks noGrp="1"/>
+          </p:cNvSpPr>
+          <p:nvPr>
+            <p:ph type="body" sz="quarter" idx="13"/>
+          </p:nvPr>
+        </p:nvSpPr>
+        <p:spPr>
+          <a:xfrm>
+            <a:off x="2444750" y="7675880"/>
+            <a:ext cx="5928995" cy="1163320"/>
+          </a:xfrm>
+        </p:spPr>
+        <p:txBody>
+          <a:bodyPr wrap="square"/>
+          <a:lstStyle/>
+          <a:p>
+            <a:r>
+              <a:rPr kumimoji="1" lang="zh-CN" altLang="en-US" dirty="0"/>
+              <a:t>闯哥</a:t>
+            </a:r>
+          </a:p>
+        </p:txBody>
+      </p:sp>
+      <p:sp>
+        <p:nvSpPr>
+          <p:cNvPr id="4" name="文本占位符 3"/>
+          <p:cNvSpPr>
+            <a:spLocks noGrp="1"/>
+          </p:cNvSpPr>
+          <p:nvPr>
+            <p:ph type="body" sz="quarter" idx="15"/>
+          </p:nvPr>
+        </p:nvSpPr>
+        <p:spPr>
+          <a:xfrm>
+            <a:off x="2444750" y="4987012"/>
+            <a:ext cx="19143345" cy="1210588"/>
+          </a:xfrm>
+        </p:spPr>
+        <p:txBody>
+          <a:bodyPr wrap="square"/>
+          <a:lstStyle/>
+          <a:p>
+            <a:r>
+              <a:rPr kumimoji="1" lang="en-US" altLang="zh-CN" dirty="0" smtClean="0"/>
+              <a:t>1.12 </a:t>
+            </a:r>
+            <a:r>
+              <a:rPr kumimoji="1" lang="zh-CN" altLang="en-US" dirty="0" smtClean="0"/>
+              <a:t>排</a:t>
+            </a:r>
+            <a:r>
+              <a:rPr kumimoji="1" lang="zh-CN" altLang="en-US" dirty="0"/>
+              <a:t>查阻塞问题</a:t>
+            </a:r>
+            <a:endParaRPr kumimoji="1" lang="en-US" altLang="zh-CN" dirty="0"/>
+          </a:p>
+        </p:txBody>
+      </p:sp>
+    </p:spTree>
+    <p:extLst>
+      <p:ext uri="{BB962C8B-B14F-4D97-AF65-F5344CB8AC3E}">
+        <p14:creationId xmlns:p14="http://schemas.microsoft.com/office/powerpoint/2010/main" val="2865345634"/>
+      </p:ext>
+    </p:extLst>
+  </p:cSld>
+  <p:clrMapOvr>
+    <a:masterClrMapping/>
+  </p:clrMapOvr>
+  <p:transition spd="med"/>
+</p:sld>
+</file>
+
 <file path=ppt/slides/slide5.xml><?xml version="1.0" encoding="utf-8"?>
 <p:sld xmlns:a="http://schemas.openxmlformats.org/drawingml/2006/main" xmlns:r="http://schemas.openxmlformats.org/officeDocument/2006/relationships" xmlns:p="http://schemas.openxmlformats.org/presentationml/2006/main">
   <p:cSld>
@@ -10826,7 +16306,6 @@
               <a:rPr kumimoji="1" lang="zh-CN" altLang="en-US" dirty="0"/>
               <a:t>闯哥</a:t>
             </a:r>
-            <a:endParaRPr kumimoji="1" lang="zh-CN" altLang="en-US" dirty="0"/>
           </a:p>
         </p:txBody>
       </p:sp>
@@ -10866,6 +16345,419 @@
     <p:extLst>
       <p:ext uri="{BB962C8B-B14F-4D97-AF65-F5344CB8AC3E}">
         <p14:creationId xmlns:p14="http://schemas.microsoft.com/office/powerpoint/2010/main" val="1588148302"/>
+      </p:ext>
+    </p:extLst>
+  </p:cSld>
+  <p:clrMapOvr>
+    <a:masterClrMapping/>
+  </p:clrMapOvr>
+  <p:transition spd="med"/>
+</p:sld>
+</file>
+
+<file path=ppt/slides/slide50.xml><?xml version="1.0" encoding="utf-8"?>
+<p:sld xmlns:a="http://schemas.openxmlformats.org/drawingml/2006/main" xmlns:r="http://schemas.openxmlformats.org/officeDocument/2006/relationships" xmlns:p="http://schemas.openxmlformats.org/presentationml/2006/main">
+  <p:cSld>
+    <p:spTree>
+      <p:nvGrpSpPr>
+        <p:cNvPr id="1" name=""/>
+        <p:cNvGrpSpPr/>
+        <p:nvPr/>
+      </p:nvGrpSpPr>
+      <p:grpSpPr>
+        <a:xfrm>
+          <a:off x="0" y="0"/>
+          <a:ext cx="0" cy="0"/>
+          <a:chOff x="0" y="0"/>
+          <a:chExt cx="0" cy="0"/>
+        </a:xfrm>
+      </p:grpSpPr>
+      <p:sp>
+        <p:nvSpPr>
+          <p:cNvPr id="2" name="文本占位符 1"/>
+          <p:cNvSpPr>
+            <a:spLocks noGrp="1"/>
+          </p:cNvSpPr>
+          <p:nvPr>
+            <p:ph type="body" sz="quarter" idx="13"/>
+          </p:nvPr>
+        </p:nvSpPr>
+        <p:spPr>
+          <a:xfrm>
+            <a:off x="2444750" y="7675880"/>
+            <a:ext cx="5928995" cy="1163320"/>
+          </a:xfrm>
+        </p:spPr>
+        <p:txBody>
+          <a:bodyPr wrap="square"/>
+          <a:lstStyle/>
+          <a:p>
+            <a:r>
+              <a:rPr kumimoji="1" lang="zh-CN" altLang="en-US" dirty="0"/>
+              <a:t>闯哥</a:t>
+            </a:r>
+          </a:p>
+        </p:txBody>
+      </p:sp>
+      <p:sp>
+        <p:nvSpPr>
+          <p:cNvPr id="4" name="文本占位符 3"/>
+          <p:cNvSpPr>
+            <a:spLocks noGrp="1"/>
+          </p:cNvSpPr>
+          <p:nvPr>
+            <p:ph type="body" sz="quarter" idx="15"/>
+          </p:nvPr>
+        </p:nvSpPr>
+        <p:spPr>
+          <a:xfrm>
+            <a:off x="2444750" y="4987012"/>
+            <a:ext cx="19143345" cy="1210588"/>
+          </a:xfrm>
+        </p:spPr>
+        <p:txBody>
+          <a:bodyPr wrap="square"/>
+          <a:lstStyle/>
+          <a:p>
+            <a:r>
+              <a:rPr kumimoji="1" lang="en-US" altLang="zh-CN" dirty="0" smtClean="0"/>
+              <a:t>1.13 </a:t>
+            </a:r>
+            <a:r>
+              <a:rPr kumimoji="1" lang="zh-CN" altLang="en-US" dirty="0" smtClean="0"/>
+              <a:t>性能优化综合案</a:t>
+            </a:r>
+            <a:r>
+              <a:rPr kumimoji="1" lang="zh-CN" altLang="en-US" dirty="0"/>
+              <a:t>列</a:t>
+            </a:r>
+            <a:endParaRPr kumimoji="1" lang="en-US" altLang="zh-CN" dirty="0"/>
+          </a:p>
+        </p:txBody>
+      </p:sp>
+    </p:spTree>
+    <p:extLst>
+      <p:ext uri="{BB962C8B-B14F-4D97-AF65-F5344CB8AC3E}">
+        <p14:creationId xmlns:p14="http://schemas.microsoft.com/office/powerpoint/2010/main" val="4042991"/>
+      </p:ext>
+    </p:extLst>
+  </p:cSld>
+  <p:clrMapOvr>
+    <a:masterClrMapping/>
+  </p:clrMapOvr>
+  <p:transition spd="med"/>
+</p:sld>
+</file>
+
+<file path=ppt/slides/slide51.xml><?xml version="1.0" encoding="utf-8"?>
+<p:sld xmlns:a="http://schemas.openxmlformats.org/drawingml/2006/main" xmlns:r="http://schemas.openxmlformats.org/officeDocument/2006/relationships" xmlns:p="http://schemas.openxmlformats.org/presentationml/2006/main">
+  <p:cSld>
+    <p:spTree>
+      <p:nvGrpSpPr>
+        <p:cNvPr id="1" name=""/>
+        <p:cNvGrpSpPr/>
+        <p:nvPr/>
+      </p:nvGrpSpPr>
+      <p:grpSpPr>
+        <a:xfrm>
+          <a:off x="0" y="0"/>
+          <a:ext cx="0" cy="0"/>
+          <a:chOff x="0" y="0"/>
+          <a:chExt cx="0" cy="0"/>
+        </a:xfrm>
+      </p:grpSpPr>
+      <p:sp>
+        <p:nvSpPr>
+          <p:cNvPr id="4" name="文本占位符 3"/>
+          <p:cNvSpPr>
+            <a:spLocks noGrp="1"/>
+          </p:cNvSpPr>
+          <p:nvPr>
+            <p:ph type="body" sz="quarter" idx="15"/>
+          </p:nvPr>
+        </p:nvSpPr>
+        <p:spPr>
+          <a:xfrm>
+            <a:off x="2444750" y="676270"/>
+            <a:ext cx="19143345" cy="1210588"/>
+          </a:xfrm>
+        </p:spPr>
+        <p:txBody>
+          <a:bodyPr wrap="square"/>
+          <a:lstStyle/>
+          <a:p>
+            <a:r>
+              <a:rPr kumimoji="1" lang="zh-CN" altLang="en-US" dirty="0" smtClean="0"/>
+              <a:t>参考文献</a:t>
+            </a:r>
+            <a:endParaRPr kumimoji="1" lang="en-US" altLang="zh-CN" dirty="0"/>
+          </a:p>
+        </p:txBody>
+      </p:sp>
+      <p:sp>
+        <p:nvSpPr>
+          <p:cNvPr id="3" name="文本框 2"/>
+          <p:cNvSpPr txBox="1"/>
+          <p:nvPr/>
+        </p:nvSpPr>
+        <p:spPr>
+          <a:xfrm>
+            <a:off x="2444750" y="3195001"/>
+            <a:ext cx="18142313" cy="4719241"/>
+          </a:xfrm>
+          <a:prstGeom prst="rect">
+            <a:avLst/>
+          </a:prstGeom>
+          <a:noFill/>
+          <a:ln w="12700" cap="flat">
+            <a:noFill/>
+            <a:miter lim="400000"/>
+          </a:ln>
+        </p:spPr>
+        <p:style>
+          <a:lnRef idx="0">
+            <a:scrgbClr r="0" g="0" b="0"/>
+          </a:lnRef>
+          <a:fillRef idx="0">
+            <a:scrgbClr r="0" g="0" b="0"/>
+          </a:fillRef>
+          <a:effectRef idx="0">
+            <a:scrgbClr r="0" g="0" b="0"/>
+          </a:effectRef>
+          <a:fontRef idx="none"/>
+        </p:style>
+        <p:txBody>
+          <a:bodyPr rot="0" spcFirstLastPara="1" vertOverflow="overflow" horzOverflow="overflow" vert="horz" wrap="square" lIns="50800" tIns="50800" rIns="50800" bIns="50800" numCol="1" spcCol="38100" rtlCol="0" anchor="ctr">
+            <a:spAutoFit/>
+          </a:bodyPr>
+          <a:lstStyle/>
+          <a:p>
+            <a:pPr marL="514350" indent="-514350" algn="l">
+              <a:buFont typeface="+mj-lt"/>
+              <a:buAutoNum type="arabicPeriod"/>
+            </a:pPr>
+            <a:r>
+              <a:rPr lang="en-US" altLang="zh-CN" dirty="0">
+                <a:solidFill>
+                  <a:schemeClr val="bg1"/>
+                </a:solidFill>
+                <a:hlinkClick r:id="rId2"/>
+              </a:rPr>
+              <a:t>https://</a:t>
+            </a:r>
+            <a:r>
+              <a:rPr lang="en-US" altLang="zh-CN" dirty="0" smtClean="0">
+                <a:solidFill>
+                  <a:schemeClr val="bg1"/>
+                </a:solidFill>
+                <a:hlinkClick r:id="rId2"/>
+              </a:rPr>
+              <a:t>github.com/google/pprof</a:t>
+            </a:r>
+            <a:endParaRPr lang="en-US" altLang="zh-CN" dirty="0" smtClean="0">
+              <a:solidFill>
+                <a:schemeClr val="bg1"/>
+              </a:solidFill>
+            </a:endParaRPr>
+          </a:p>
+          <a:p>
+            <a:pPr marL="514350" indent="-514350" algn="l">
+              <a:buFont typeface="+mj-lt"/>
+              <a:buAutoNum type="arabicPeriod"/>
+            </a:pPr>
+            <a:r>
+              <a:rPr lang="en-US" altLang="zh-CN" dirty="0">
+                <a:solidFill>
+                  <a:schemeClr val="bg1"/>
+                </a:solidFill>
+                <a:hlinkClick r:id="rId3"/>
+              </a:rPr>
+              <a:t>https://golang.org/pkg/runtime/pprof</a:t>
+            </a:r>
+            <a:r>
+              <a:rPr lang="en-US" altLang="zh-CN" dirty="0" smtClean="0">
+                <a:solidFill>
+                  <a:schemeClr val="bg1"/>
+                </a:solidFill>
+                <a:hlinkClick r:id="rId3"/>
+              </a:rPr>
+              <a:t>/</a:t>
+            </a:r>
+            <a:endParaRPr lang="en-US" altLang="zh-CN" dirty="0" smtClean="0">
+              <a:solidFill>
+                <a:schemeClr val="bg1"/>
+              </a:solidFill>
+            </a:endParaRPr>
+          </a:p>
+          <a:p>
+            <a:pPr marL="514350" indent="-514350" algn="l">
+              <a:buFont typeface="+mj-lt"/>
+              <a:buAutoNum type="arabicPeriod"/>
+            </a:pPr>
+            <a:r>
+              <a:rPr lang="en-US" altLang="zh-CN" dirty="0">
+                <a:solidFill>
+                  <a:schemeClr val="bg1"/>
+                </a:solidFill>
+                <a:hlinkClick r:id="rId4"/>
+              </a:rPr>
+              <a:t>https://golang.org/pkg/net/http/pprof/#</a:t>
+            </a:r>
+            <a:r>
+              <a:rPr lang="en-US" altLang="zh-CN" dirty="0" smtClean="0">
+                <a:solidFill>
+                  <a:schemeClr val="bg1"/>
+                </a:solidFill>
+                <a:hlinkClick r:id="rId4"/>
+              </a:rPr>
+              <a:t>Index</a:t>
+            </a:r>
+            <a:endParaRPr lang="en-US" altLang="zh-CN" dirty="0" smtClean="0">
+              <a:solidFill>
+                <a:schemeClr val="bg1"/>
+              </a:solidFill>
+            </a:endParaRPr>
+          </a:p>
+          <a:p>
+            <a:pPr marL="514350" indent="-514350" algn="l">
+              <a:buFont typeface="+mj-lt"/>
+              <a:buAutoNum type="arabicPeriod"/>
+            </a:pPr>
+            <a:r>
+              <a:rPr lang="en-US" altLang="zh-CN" dirty="0">
+                <a:solidFill>
+                  <a:schemeClr val="bg1"/>
+                </a:solidFill>
+                <a:hlinkClick r:id="rId5"/>
+              </a:rPr>
+              <a:t>https://jvns.ca/blog/2017/09/24/profiling-go-with-pprof</a:t>
+            </a:r>
+            <a:r>
+              <a:rPr lang="en-US" altLang="zh-CN" dirty="0" smtClean="0">
+                <a:solidFill>
+                  <a:schemeClr val="bg1"/>
+                </a:solidFill>
+                <a:hlinkClick r:id="rId5"/>
+              </a:rPr>
+              <a:t>/</a:t>
+            </a:r>
+            <a:endParaRPr lang="en-US" altLang="zh-CN" dirty="0" smtClean="0">
+              <a:solidFill>
+                <a:schemeClr val="bg1"/>
+              </a:solidFill>
+            </a:endParaRPr>
+          </a:p>
+          <a:p>
+            <a:pPr marL="514350" indent="-514350" algn="l">
+              <a:buFont typeface="+mj-lt"/>
+              <a:buAutoNum type="arabicPeriod"/>
+            </a:pPr>
+            <a:r>
+              <a:rPr lang="en-US" altLang="zh-CN" dirty="0">
+                <a:solidFill>
+                  <a:schemeClr val="bg1"/>
+                </a:solidFill>
+                <a:hlinkClick r:id="rId6"/>
+              </a:rPr>
+              <a:t>http://</a:t>
+            </a:r>
+            <a:r>
+              <a:rPr lang="en-US" altLang="zh-CN" dirty="0" smtClean="0">
+                <a:solidFill>
+                  <a:schemeClr val="bg1"/>
+                </a:solidFill>
+                <a:hlinkClick r:id="rId6"/>
+              </a:rPr>
+              <a:t>www.brendangregg.com/flamegraphs.html</a:t>
+            </a:r>
+            <a:endParaRPr lang="en-US" altLang="zh-CN" dirty="0" smtClean="0">
+              <a:solidFill>
+                <a:schemeClr val="bg1"/>
+              </a:solidFill>
+            </a:endParaRPr>
+          </a:p>
+          <a:p>
+            <a:pPr marL="514350" indent="-514350" algn="l">
+              <a:buFont typeface="+mj-lt"/>
+              <a:buAutoNum type="arabicPeriod"/>
+            </a:pPr>
+            <a:r>
+              <a:rPr lang="en-US" altLang="zh-CN" dirty="0">
+                <a:solidFill>
+                  <a:schemeClr val="bg1"/>
+                </a:solidFill>
+                <a:hlinkClick r:id="rId7"/>
+              </a:rPr>
+              <a:t>https://xargin.com/pprof-and-flamegraph</a:t>
+            </a:r>
+            <a:r>
+              <a:rPr lang="en-US" altLang="zh-CN" dirty="0" smtClean="0">
+                <a:solidFill>
+                  <a:schemeClr val="bg1"/>
+                </a:solidFill>
+                <a:hlinkClick r:id="rId7"/>
+              </a:rPr>
+              <a:t>/</a:t>
+            </a:r>
+            <a:endParaRPr lang="en-US" altLang="zh-CN" dirty="0" smtClean="0">
+              <a:solidFill>
+                <a:schemeClr val="bg1"/>
+              </a:solidFill>
+            </a:endParaRPr>
+          </a:p>
+          <a:p>
+            <a:pPr algn="l"/>
+            <a:endParaRPr lang="en-US" altLang="zh-CN" dirty="0" smtClean="0">
+              <a:solidFill>
+                <a:schemeClr val="bg1"/>
+              </a:solidFill>
+            </a:endParaRPr>
+          </a:p>
+          <a:p>
+            <a:pPr marL="514350" indent="-514350" algn="l">
+              <a:buFont typeface="+mj-lt"/>
+              <a:buAutoNum type="arabicPeriod"/>
+            </a:pPr>
+            <a:endParaRPr lang="en-US" altLang="zh-CN" dirty="0" smtClean="0">
+              <a:solidFill>
+                <a:schemeClr val="bg1"/>
+              </a:solidFill>
+            </a:endParaRPr>
+          </a:p>
+          <a:p>
+            <a:pPr marL="514350" indent="-514350" algn="l">
+              <a:buFont typeface="+mj-lt"/>
+              <a:buAutoNum type="arabicPeriod"/>
+            </a:pPr>
+            <a:endParaRPr lang="en-US" altLang="zh-CN" dirty="0" smtClean="0">
+              <a:solidFill>
+                <a:schemeClr val="bg1"/>
+              </a:solidFill>
+            </a:endParaRPr>
+          </a:p>
+          <a:p>
+            <a:pPr marL="514350" indent="-514350" algn="l">
+              <a:buFont typeface="+mj-lt"/>
+              <a:buAutoNum type="arabicPeriod"/>
+            </a:pPr>
+            <a:endParaRPr kumimoji="0" lang="zh-CN" altLang="en-US" sz="3000" b="1" i="0" u="none" strike="noStrike" cap="none" spc="0" normalizeH="0" baseline="0" dirty="0">
+              <a:ln>
+                <a:noFill/>
+              </a:ln>
+              <a:solidFill>
+                <a:schemeClr val="bg1"/>
+              </a:solidFill>
+              <a:effectLst/>
+              <a:uFillTx/>
+              <a:sym typeface="Helvetica Neue" panose="02000503000000020004"/>
+            </a:endParaRPr>
+          </a:p>
+        </p:txBody>
+      </p:sp>
+    </p:spTree>
+    <p:extLst>
+      <p:ext uri="{BB962C8B-B14F-4D97-AF65-F5344CB8AC3E}">
+        <p14:creationId xmlns:p14="http://schemas.microsoft.com/office/powerpoint/2010/main" val="198132486"/>
       </p:ext>
     </p:extLst>
   </p:cSld>
@@ -10911,7 +16803,7 @@
         </p:spPr>
         <p:txBody>
           <a:bodyPr>
-            <a:normAutofit fontScale="92500" lnSpcReduction="10000"/>
+            <a:normAutofit fontScale="92500" lnSpcReduction="20000"/>
           </a:bodyPr>
           <a:lstStyle/>
           <a:p>
@@ -10988,7 +16880,18 @@
             </a:r>
             <a:r>
               <a:rPr kumimoji="1" lang="en-US" altLang="zh-CN" dirty="0" err="1" smtClean="0"/>
-              <a:t>PProf</a:t>
+              <a:t>Pprof</a:t>
+            </a:r>
+            <a:endParaRPr kumimoji="1" lang="en-US" altLang="zh-CN" dirty="0" smtClean="0"/>
+          </a:p>
+          <a:p>
+            <a:pPr marL="742950" indent="-742950">
+              <a:buFont typeface="+mj-lt"/>
+              <a:buAutoNum type="arabicPeriod"/>
+            </a:pPr>
+            <a:r>
+              <a:rPr kumimoji="1" lang="zh-CN" altLang="en-US" dirty="0"/>
+              <a:t>与性能测试结合做剖析</a:t>
             </a:r>
             <a:endParaRPr kumimoji="1" lang="en-US" altLang="zh-CN" dirty="0" smtClean="0"/>
           </a:p>
@@ -11371,11 +17274,7 @@
             </a:r>
             <a:r>
               <a:rPr kumimoji="1" lang="zh-CN" altLang="en-US" dirty="0"/>
-              <a:t>性能</a:t>
-            </a:r>
-            <a:r>
-              <a:rPr kumimoji="1" lang="zh-CN" altLang="en-US" dirty="0"/>
-              <a:t>剖析</a:t>
+              <a:t>性能剖析</a:t>
             </a:r>
             <a:r>
               <a:rPr kumimoji="1" lang="zh-CN" altLang="en-US" dirty="0" smtClean="0"/>
@@ -11562,7 +17461,6 @@
               <a:rPr kumimoji="1" lang="zh-CN" altLang="en-US" dirty="0"/>
               <a:t>闯哥</a:t>
             </a:r>
-            <a:endParaRPr kumimoji="1" lang="zh-CN" altLang="en-US" dirty="0"/>
           </a:p>
         </p:txBody>
       </p:sp>
@@ -11602,7 +17500,6 @@
               <a:rPr kumimoji="1" lang="en-US" altLang="zh-CN" dirty="0"/>
               <a:t>ab</a:t>
             </a:r>
-            <a:endParaRPr kumimoji="1" lang="en-US" altLang="zh-CN" dirty="0"/>
           </a:p>
         </p:txBody>
       </p:sp>
@@ -11668,7 +17565,6 @@
               <a:rPr kumimoji="1" lang="en-US" altLang="zh-CN" dirty="0"/>
               <a:t>ab</a:t>
             </a:r>
-            <a:endParaRPr kumimoji="1" lang="en-US" altLang="zh-CN" dirty="0"/>
           </a:p>
         </p:txBody>
       </p:sp>
@@ -12276,7 +18172,6 @@
               <a:rPr kumimoji="1" lang="en-US" altLang="zh-CN" dirty="0"/>
               <a:t>ab</a:t>
             </a:r>
-            <a:endParaRPr kumimoji="1" lang="en-US" altLang="zh-CN" dirty="0"/>
           </a:p>
         </p:txBody>
       </p:sp>

--- a/Go专题系列/性能分析和优化专题/性能分析和优化专题.pptx
+++ b/Go专题系列/性能分析和优化专题/性能分析和优化专题.pptx
@@ -5,10 +5,10 @@
     <p:sldMasterId id="2147483648" r:id="rId1"/>
   </p:sldMasterIdLst>
   <p:notesMasterIdLst>
-    <p:notesMasterId r:id="rId53"/>
+    <p:notesMasterId r:id="rId59"/>
   </p:notesMasterIdLst>
   <p:handoutMasterIdLst>
-    <p:handoutMasterId r:id="rId54"/>
+    <p:handoutMasterId r:id="rId60"/>
   </p:handoutMasterIdLst>
   <p:sldIdLst>
     <p:sldId id="256" r:id="rId2"/>
@@ -55,13 +55,19 @@
     <p:sldId id="464" r:id="rId43"/>
     <p:sldId id="465" r:id="rId44"/>
     <p:sldId id="466" r:id="rId45"/>
-    <p:sldId id="433" r:id="rId46"/>
-    <p:sldId id="434" r:id="rId47"/>
-    <p:sldId id="435" r:id="rId48"/>
-    <p:sldId id="436" r:id="rId49"/>
-    <p:sldId id="437" r:id="rId50"/>
-    <p:sldId id="438" r:id="rId51"/>
-    <p:sldId id="439" r:id="rId52"/>
+    <p:sldId id="471" r:id="rId46"/>
+    <p:sldId id="472" r:id="rId47"/>
+    <p:sldId id="473" r:id="rId48"/>
+    <p:sldId id="474" r:id="rId49"/>
+    <p:sldId id="475" r:id="rId50"/>
+    <p:sldId id="433" r:id="rId51"/>
+    <p:sldId id="476" r:id="rId52"/>
+    <p:sldId id="434" r:id="rId53"/>
+    <p:sldId id="435" r:id="rId54"/>
+    <p:sldId id="436" r:id="rId55"/>
+    <p:sldId id="437" r:id="rId56"/>
+    <p:sldId id="438" r:id="rId57"/>
+    <p:sldId id="439" r:id="rId58"/>
   </p:sldIdLst>
   <p:sldSz cx="24384000" cy="13716000"/>
   <p:notesSz cx="6858000" cy="9144000"/>
@@ -2347,7 +2353,7 @@
           <a:bodyPr/>
           <a:lstStyle/>
           <a:p>
-            <a:endParaRPr lang="zh-CN" altLang="en-US"/>
+            <a:endParaRPr lang="zh-CN" altLang="en-US" dirty="0"/>
           </a:p>
         </p:txBody>
       </p:sp>
@@ -2562,6 +2568,336 @@
 </p:notes>
 </file>
 
+<file path=ppt/notesSlides/notesSlide35.xml><?xml version="1.0" encoding="utf-8"?>
+<p:notes xmlns:a="http://schemas.openxmlformats.org/drawingml/2006/main" xmlns:r="http://schemas.openxmlformats.org/officeDocument/2006/relationships" xmlns:p="http://schemas.openxmlformats.org/presentationml/2006/main">
+  <p:cSld>
+    <p:spTree>
+      <p:nvGrpSpPr>
+        <p:cNvPr id="1" name=""/>
+        <p:cNvGrpSpPr/>
+        <p:nvPr/>
+      </p:nvGrpSpPr>
+      <p:grpSpPr>
+        <a:xfrm>
+          <a:off x="0" y="0"/>
+          <a:ext cx="0" cy="0"/>
+          <a:chOff x="0" y="0"/>
+          <a:chExt cx="0" cy="0"/>
+        </a:xfrm>
+      </p:grpSpPr>
+      <p:sp>
+        <p:nvSpPr>
+          <p:cNvPr id="2" name="幻灯片图像占位符 1"/>
+          <p:cNvSpPr>
+            <a:spLocks noGrp="1" noRot="1" noChangeAspect="1"/>
+          </p:cNvSpPr>
+          <p:nvPr>
+            <p:ph type="sldImg"/>
+          </p:nvPr>
+        </p:nvSpPr>
+        <p:spPr>
+          <a:xfrm>
+            <a:off x="381000" y="685800"/>
+            <a:ext cx="6096000" cy="3429000"/>
+          </a:xfrm>
+        </p:spPr>
+      </p:sp>
+      <p:sp>
+        <p:nvSpPr>
+          <p:cNvPr id="3" name="文本占位符 2"/>
+          <p:cNvSpPr>
+            <a:spLocks noGrp="1"/>
+          </p:cNvSpPr>
+          <p:nvPr>
+            <p:ph type="body" idx="1"/>
+          </p:nvPr>
+        </p:nvSpPr>
+        <p:spPr/>
+        <p:txBody>
+          <a:bodyPr/>
+          <a:lstStyle/>
+          <a:p>
+            <a:endParaRPr lang="zh-CN" altLang="en-US"/>
+          </a:p>
+        </p:txBody>
+      </p:sp>
+    </p:spTree>
+    <p:extLst>
+      <p:ext uri="{BB962C8B-B14F-4D97-AF65-F5344CB8AC3E}">
+        <p14:creationId xmlns:p14="http://schemas.microsoft.com/office/powerpoint/2010/main" val="4196736585"/>
+      </p:ext>
+    </p:extLst>
+  </p:cSld>
+  <p:clrMapOvr>
+    <a:masterClrMapping/>
+  </p:clrMapOvr>
+</p:notes>
+</file>
+
+<file path=ppt/notesSlides/notesSlide36.xml><?xml version="1.0" encoding="utf-8"?>
+<p:notes xmlns:a="http://schemas.openxmlformats.org/drawingml/2006/main" xmlns:r="http://schemas.openxmlformats.org/officeDocument/2006/relationships" xmlns:p="http://schemas.openxmlformats.org/presentationml/2006/main">
+  <p:cSld>
+    <p:spTree>
+      <p:nvGrpSpPr>
+        <p:cNvPr id="1" name=""/>
+        <p:cNvGrpSpPr/>
+        <p:nvPr/>
+      </p:nvGrpSpPr>
+      <p:grpSpPr>
+        <a:xfrm>
+          <a:off x="0" y="0"/>
+          <a:ext cx="0" cy="0"/>
+          <a:chOff x="0" y="0"/>
+          <a:chExt cx="0" cy="0"/>
+        </a:xfrm>
+      </p:grpSpPr>
+      <p:sp>
+        <p:nvSpPr>
+          <p:cNvPr id="2" name="幻灯片图像占位符 1"/>
+          <p:cNvSpPr>
+            <a:spLocks noGrp="1" noRot="1" noChangeAspect="1"/>
+          </p:cNvSpPr>
+          <p:nvPr>
+            <p:ph type="sldImg"/>
+          </p:nvPr>
+        </p:nvSpPr>
+        <p:spPr>
+          <a:xfrm>
+            <a:off x="381000" y="685800"/>
+            <a:ext cx="6096000" cy="3429000"/>
+          </a:xfrm>
+        </p:spPr>
+      </p:sp>
+      <p:sp>
+        <p:nvSpPr>
+          <p:cNvPr id="3" name="文本占位符 2"/>
+          <p:cNvSpPr>
+            <a:spLocks noGrp="1"/>
+          </p:cNvSpPr>
+          <p:nvPr>
+            <p:ph type="body" idx="1"/>
+          </p:nvPr>
+        </p:nvSpPr>
+        <p:spPr/>
+        <p:txBody>
+          <a:bodyPr/>
+          <a:lstStyle/>
+          <a:p>
+            <a:endParaRPr lang="zh-CN" altLang="en-US"/>
+          </a:p>
+        </p:txBody>
+      </p:sp>
+    </p:spTree>
+    <p:extLst>
+      <p:ext uri="{BB962C8B-B14F-4D97-AF65-F5344CB8AC3E}">
+        <p14:creationId xmlns:p14="http://schemas.microsoft.com/office/powerpoint/2010/main" val="3271856184"/>
+      </p:ext>
+    </p:extLst>
+  </p:cSld>
+  <p:clrMapOvr>
+    <a:masterClrMapping/>
+  </p:clrMapOvr>
+</p:notes>
+</file>
+
+<file path=ppt/notesSlides/notesSlide37.xml><?xml version="1.0" encoding="utf-8"?>
+<p:notes xmlns:a="http://schemas.openxmlformats.org/drawingml/2006/main" xmlns:r="http://schemas.openxmlformats.org/officeDocument/2006/relationships" xmlns:p="http://schemas.openxmlformats.org/presentationml/2006/main">
+  <p:cSld>
+    <p:spTree>
+      <p:nvGrpSpPr>
+        <p:cNvPr id="1" name=""/>
+        <p:cNvGrpSpPr/>
+        <p:nvPr/>
+      </p:nvGrpSpPr>
+      <p:grpSpPr>
+        <a:xfrm>
+          <a:off x="0" y="0"/>
+          <a:ext cx="0" cy="0"/>
+          <a:chOff x="0" y="0"/>
+          <a:chExt cx="0" cy="0"/>
+        </a:xfrm>
+      </p:grpSpPr>
+      <p:sp>
+        <p:nvSpPr>
+          <p:cNvPr id="2" name="幻灯片图像占位符 1"/>
+          <p:cNvSpPr>
+            <a:spLocks noGrp="1" noRot="1" noChangeAspect="1"/>
+          </p:cNvSpPr>
+          <p:nvPr>
+            <p:ph type="sldImg"/>
+          </p:nvPr>
+        </p:nvSpPr>
+        <p:spPr>
+          <a:xfrm>
+            <a:off x="381000" y="685800"/>
+            <a:ext cx="6096000" cy="3429000"/>
+          </a:xfrm>
+        </p:spPr>
+      </p:sp>
+      <p:sp>
+        <p:nvSpPr>
+          <p:cNvPr id="3" name="文本占位符 2"/>
+          <p:cNvSpPr>
+            <a:spLocks noGrp="1"/>
+          </p:cNvSpPr>
+          <p:nvPr>
+            <p:ph type="body" idx="1"/>
+          </p:nvPr>
+        </p:nvSpPr>
+        <p:spPr/>
+        <p:txBody>
+          <a:bodyPr/>
+          <a:lstStyle/>
+          <a:p>
+            <a:endParaRPr lang="zh-CN" altLang="en-US"/>
+          </a:p>
+        </p:txBody>
+      </p:sp>
+    </p:spTree>
+    <p:extLst>
+      <p:ext uri="{BB962C8B-B14F-4D97-AF65-F5344CB8AC3E}">
+        <p14:creationId xmlns:p14="http://schemas.microsoft.com/office/powerpoint/2010/main" val="3557502758"/>
+      </p:ext>
+    </p:extLst>
+  </p:cSld>
+  <p:clrMapOvr>
+    <a:masterClrMapping/>
+  </p:clrMapOvr>
+</p:notes>
+</file>
+
+<file path=ppt/notesSlides/notesSlide38.xml><?xml version="1.0" encoding="utf-8"?>
+<p:notes xmlns:a="http://schemas.openxmlformats.org/drawingml/2006/main" xmlns:r="http://schemas.openxmlformats.org/officeDocument/2006/relationships" xmlns:p="http://schemas.openxmlformats.org/presentationml/2006/main">
+  <p:cSld>
+    <p:spTree>
+      <p:nvGrpSpPr>
+        <p:cNvPr id="1" name=""/>
+        <p:cNvGrpSpPr/>
+        <p:nvPr/>
+      </p:nvGrpSpPr>
+      <p:grpSpPr>
+        <a:xfrm>
+          <a:off x="0" y="0"/>
+          <a:ext cx="0" cy="0"/>
+          <a:chOff x="0" y="0"/>
+          <a:chExt cx="0" cy="0"/>
+        </a:xfrm>
+      </p:grpSpPr>
+      <p:sp>
+        <p:nvSpPr>
+          <p:cNvPr id="2" name="幻灯片图像占位符 1"/>
+          <p:cNvSpPr>
+            <a:spLocks noGrp="1" noRot="1" noChangeAspect="1"/>
+          </p:cNvSpPr>
+          <p:nvPr>
+            <p:ph type="sldImg"/>
+          </p:nvPr>
+        </p:nvSpPr>
+        <p:spPr>
+          <a:xfrm>
+            <a:off x="381000" y="685800"/>
+            <a:ext cx="6096000" cy="3429000"/>
+          </a:xfrm>
+        </p:spPr>
+      </p:sp>
+      <p:sp>
+        <p:nvSpPr>
+          <p:cNvPr id="3" name="文本占位符 2"/>
+          <p:cNvSpPr>
+            <a:spLocks noGrp="1"/>
+          </p:cNvSpPr>
+          <p:nvPr>
+            <p:ph type="body" idx="1"/>
+          </p:nvPr>
+        </p:nvSpPr>
+        <p:spPr/>
+        <p:txBody>
+          <a:bodyPr/>
+          <a:lstStyle/>
+          <a:p>
+            <a:endParaRPr lang="zh-CN" altLang="en-US"/>
+          </a:p>
+        </p:txBody>
+      </p:sp>
+    </p:spTree>
+    <p:extLst>
+      <p:ext uri="{BB962C8B-B14F-4D97-AF65-F5344CB8AC3E}">
+        <p14:creationId xmlns:p14="http://schemas.microsoft.com/office/powerpoint/2010/main" val="2692850307"/>
+      </p:ext>
+    </p:extLst>
+  </p:cSld>
+  <p:clrMapOvr>
+    <a:masterClrMapping/>
+  </p:clrMapOvr>
+</p:notes>
+</file>
+
+<file path=ppt/notesSlides/notesSlide39.xml><?xml version="1.0" encoding="utf-8"?>
+<p:notes xmlns:a="http://schemas.openxmlformats.org/drawingml/2006/main" xmlns:r="http://schemas.openxmlformats.org/officeDocument/2006/relationships" xmlns:p="http://schemas.openxmlformats.org/presentationml/2006/main">
+  <p:cSld>
+    <p:spTree>
+      <p:nvGrpSpPr>
+        <p:cNvPr id="1" name=""/>
+        <p:cNvGrpSpPr/>
+        <p:nvPr/>
+      </p:nvGrpSpPr>
+      <p:grpSpPr>
+        <a:xfrm>
+          <a:off x="0" y="0"/>
+          <a:ext cx="0" cy="0"/>
+          <a:chOff x="0" y="0"/>
+          <a:chExt cx="0" cy="0"/>
+        </a:xfrm>
+      </p:grpSpPr>
+      <p:sp>
+        <p:nvSpPr>
+          <p:cNvPr id="2" name="幻灯片图像占位符 1"/>
+          <p:cNvSpPr>
+            <a:spLocks noGrp="1" noRot="1" noChangeAspect="1"/>
+          </p:cNvSpPr>
+          <p:nvPr>
+            <p:ph type="sldImg"/>
+          </p:nvPr>
+        </p:nvSpPr>
+        <p:spPr>
+          <a:xfrm>
+            <a:off x="381000" y="685800"/>
+            <a:ext cx="6096000" cy="3429000"/>
+          </a:xfrm>
+        </p:spPr>
+      </p:sp>
+      <p:sp>
+        <p:nvSpPr>
+          <p:cNvPr id="3" name="文本占位符 2"/>
+          <p:cNvSpPr>
+            <a:spLocks noGrp="1"/>
+          </p:cNvSpPr>
+          <p:nvPr>
+            <p:ph type="body" idx="1"/>
+          </p:nvPr>
+        </p:nvSpPr>
+        <p:spPr/>
+        <p:txBody>
+          <a:bodyPr/>
+          <a:lstStyle/>
+          <a:p>
+            <a:endParaRPr lang="zh-CN" altLang="en-US"/>
+          </a:p>
+        </p:txBody>
+      </p:sp>
+    </p:spTree>
+    <p:extLst>
+      <p:ext uri="{BB962C8B-B14F-4D97-AF65-F5344CB8AC3E}">
+        <p14:creationId xmlns:p14="http://schemas.microsoft.com/office/powerpoint/2010/main" val="3523348705"/>
+      </p:ext>
+    </p:extLst>
+  </p:cSld>
+  <p:clrMapOvr>
+    <a:masterClrMapping/>
+  </p:clrMapOvr>
+</p:notes>
+</file>
+
 <file path=ppt/notesSlides/notesSlide4.xml><?xml version="1.0" encoding="utf-8"?>
 <p:notes xmlns:a="http://schemas.openxmlformats.org/drawingml/2006/main" xmlns:r="http://schemas.openxmlformats.org/officeDocument/2006/relationships" xmlns:p="http://schemas.openxmlformats.org/presentationml/2006/main">
   <p:cSld>
@@ -2619,6 +2955,72 @@
     <p:extLst>
       <p:ext uri="{BB962C8B-B14F-4D97-AF65-F5344CB8AC3E}">
         <p14:creationId xmlns:p14="http://schemas.microsoft.com/office/powerpoint/2010/main" val="3920831923"/>
+      </p:ext>
+    </p:extLst>
+  </p:cSld>
+  <p:clrMapOvr>
+    <a:masterClrMapping/>
+  </p:clrMapOvr>
+</p:notes>
+</file>
+
+<file path=ppt/notesSlides/notesSlide40.xml><?xml version="1.0" encoding="utf-8"?>
+<p:notes xmlns:a="http://schemas.openxmlformats.org/drawingml/2006/main" xmlns:r="http://schemas.openxmlformats.org/officeDocument/2006/relationships" xmlns:p="http://schemas.openxmlformats.org/presentationml/2006/main">
+  <p:cSld>
+    <p:spTree>
+      <p:nvGrpSpPr>
+        <p:cNvPr id="1" name=""/>
+        <p:cNvGrpSpPr/>
+        <p:nvPr/>
+      </p:nvGrpSpPr>
+      <p:grpSpPr>
+        <a:xfrm>
+          <a:off x="0" y="0"/>
+          <a:ext cx="0" cy="0"/>
+          <a:chOff x="0" y="0"/>
+          <a:chExt cx="0" cy="0"/>
+        </a:xfrm>
+      </p:grpSpPr>
+      <p:sp>
+        <p:nvSpPr>
+          <p:cNvPr id="2" name="幻灯片图像占位符 1"/>
+          <p:cNvSpPr>
+            <a:spLocks noGrp="1" noRot="1" noChangeAspect="1"/>
+          </p:cNvSpPr>
+          <p:nvPr>
+            <p:ph type="sldImg"/>
+          </p:nvPr>
+        </p:nvSpPr>
+        <p:spPr>
+          <a:xfrm>
+            <a:off x="381000" y="685800"/>
+            <a:ext cx="6096000" cy="3429000"/>
+          </a:xfrm>
+        </p:spPr>
+      </p:sp>
+      <p:sp>
+        <p:nvSpPr>
+          <p:cNvPr id="3" name="文本占位符 2"/>
+          <p:cNvSpPr>
+            <a:spLocks noGrp="1"/>
+          </p:cNvSpPr>
+          <p:nvPr>
+            <p:ph type="body" idx="1"/>
+          </p:nvPr>
+        </p:nvSpPr>
+        <p:spPr/>
+        <p:txBody>
+          <a:bodyPr/>
+          <a:lstStyle/>
+          <a:p>
+            <a:endParaRPr lang="zh-CN" altLang="en-US"/>
+          </a:p>
+        </p:txBody>
+      </p:sp>
+    </p:spTree>
+    <p:extLst>
+      <p:ext uri="{BB962C8B-B14F-4D97-AF65-F5344CB8AC3E}">
+        <p14:creationId xmlns:p14="http://schemas.microsoft.com/office/powerpoint/2010/main" val="1762399519"/>
       </p:ext>
     </p:extLst>
   </p:cSld>
@@ -11089,7 +11491,7 @@
         </p:nvSpPr>
         <p:spPr>
           <a:xfrm>
-            <a:off x="2462400" y="8540915"/>
+            <a:off x="2462400" y="8331907"/>
             <a:ext cx="19458000" cy="974626"/>
           </a:xfrm>
           <a:prstGeom prst="rect">
@@ -11160,8 +11562,8 @@
         </p:nvSpPr>
         <p:spPr>
           <a:xfrm>
-            <a:off x="2987040" y="9515541"/>
-            <a:ext cx="14595566" cy="3323987"/>
+            <a:off x="2987040" y="9306533"/>
+            <a:ext cx="14595566" cy="4708981"/>
           </a:xfrm>
           <a:prstGeom prst="rect">
             <a:avLst/>
@@ -11377,6 +11779,81 @@
           </a:p>
           <a:p>
             <a:pPr algn="l"/>
+            <a:r>
+              <a:rPr lang="en-US" altLang="zh-CN" dirty="0" smtClean="0">
+                <a:solidFill>
+                  <a:schemeClr val="bg1">
+                    <a:lumMod val="95000"/>
+                  </a:schemeClr>
+                </a:solidFill>
+                <a:hlinkClick r:id="rId4"/>
+              </a:rPr>
+              <a:t>http</a:t>
+            </a:r>
+            <a:r>
+              <a:rPr lang="en-US" altLang="zh-CN" dirty="0">
+                <a:solidFill>
+                  <a:schemeClr val="bg1">
+                    <a:lumMod val="95000"/>
+                  </a:schemeClr>
+                </a:solidFill>
+                <a:hlinkClick r:id="rId4"/>
+              </a:rPr>
+              <a:t>://www.graphviz.org/download</a:t>
+            </a:r>
+            <a:r>
+              <a:rPr lang="en-US" altLang="zh-CN" dirty="0" smtClean="0">
+                <a:solidFill>
+                  <a:schemeClr val="bg1">
+                    <a:lumMod val="95000"/>
+                  </a:schemeClr>
+                </a:solidFill>
+                <a:hlinkClick r:id="rId4"/>
+              </a:rPr>
+              <a:t>/</a:t>
+            </a:r>
+            <a:endParaRPr lang="en-US" altLang="zh-CN" dirty="0" smtClean="0">
+              <a:solidFill>
+                <a:schemeClr val="bg1">
+                  <a:lumMod val="95000"/>
+                </a:schemeClr>
+              </a:solidFill>
+            </a:endParaRPr>
+          </a:p>
+          <a:p>
+            <a:pPr algn="l"/>
+            <a:r>
+              <a:rPr lang="en-US" altLang="zh-CN" dirty="0">
+                <a:solidFill>
+                  <a:schemeClr val="bg1"/>
+                </a:solidFill>
+              </a:rPr>
+              <a:t>brew install </a:t>
+            </a:r>
+            <a:r>
+              <a:rPr lang="en-US" altLang="zh-CN" dirty="0" err="1">
+                <a:solidFill>
+                  <a:schemeClr val="bg1"/>
+                </a:solidFill>
+              </a:rPr>
+              <a:t>graphviz</a:t>
+            </a:r>
+            <a:r>
+              <a:rPr lang="en-US" altLang="zh-CN" dirty="0">
+                <a:solidFill>
+                  <a:schemeClr val="bg1"/>
+                </a:solidFill>
+              </a:rPr>
+              <a:t> # for </a:t>
+            </a:r>
+            <a:r>
+              <a:rPr lang="en-US" altLang="zh-CN" dirty="0" err="1">
+                <a:solidFill>
+                  <a:schemeClr val="bg1"/>
+                </a:solidFill>
+              </a:rPr>
+              <a:t>macos</a:t>
+            </a:r>
             <a:endParaRPr lang="en-US" altLang="zh-CN" dirty="0">
               <a:solidFill>
                 <a:schemeClr val="bg1"/>
@@ -11391,8 +11868,67 @@
                   <a:schemeClr val="bg1"/>
                 </a:solidFill>
               </a:rPr>
-              <a:t>http://www.graphviz.org/download/</a:t>
-            </a:r>
+              <a:t>apt install </a:t>
+            </a:r>
+            <a:r>
+              <a:rPr lang="en-US" altLang="zh-CN" dirty="0" err="1">
+                <a:solidFill>
+                  <a:schemeClr val="bg1"/>
+                </a:solidFill>
+              </a:rPr>
+              <a:t>graphviz</a:t>
+            </a:r>
+            <a:r>
+              <a:rPr lang="en-US" altLang="zh-CN" dirty="0">
+                <a:solidFill>
+                  <a:schemeClr val="bg1"/>
+                </a:solidFill>
+              </a:rPr>
+              <a:t> # for </a:t>
+            </a:r>
+            <a:r>
+              <a:rPr lang="en-US" altLang="zh-CN" dirty="0" err="1">
+                <a:solidFill>
+                  <a:schemeClr val="bg1"/>
+                </a:solidFill>
+              </a:rPr>
+              <a:t>ubuntu</a:t>
+            </a:r>
+            <a:endParaRPr lang="en-US" altLang="zh-CN" dirty="0">
+              <a:solidFill>
+                <a:schemeClr val="bg1"/>
+              </a:solidFill>
+            </a:endParaRPr>
+          </a:p>
+          <a:p>
+            <a:pPr algn="l"/>
+            <a:r>
+              <a:rPr lang="en-US" altLang="zh-CN" dirty="0">
+                <a:solidFill>
+                  <a:schemeClr val="bg1"/>
+                </a:solidFill>
+              </a:rPr>
+              <a:t>yum install </a:t>
+            </a:r>
+            <a:r>
+              <a:rPr lang="en-US" altLang="zh-CN" dirty="0" err="1">
+                <a:solidFill>
+                  <a:schemeClr val="bg1"/>
+                </a:solidFill>
+              </a:rPr>
+              <a:t>graphviz</a:t>
+            </a:r>
+            <a:r>
+              <a:rPr lang="en-US" altLang="zh-CN" dirty="0">
+                <a:solidFill>
+                  <a:schemeClr val="bg1"/>
+                </a:solidFill>
+              </a:rPr>
+              <a:t> # for centos</a:t>
+            </a:r>
+          </a:p>
+          <a:p>
+            <a:pPr algn="l"/>
             <a:endParaRPr lang="zh-CN" altLang="en-US" dirty="0">
               <a:solidFill>
                 <a:schemeClr val="bg1"/>
@@ -15354,6 +15890,30 @@
           </a:p>
         </p:txBody>
       </p:sp>
+      <p:pic>
+        <p:nvPicPr>
+          <p:cNvPr id="3" name="图片 2"/>
+          <p:cNvPicPr>
+            <a:picLocks noChangeAspect="1"/>
+          </p:cNvPicPr>
+          <p:nvPr/>
+        </p:nvPicPr>
+        <p:blipFill>
+          <a:blip r:embed="rId3"/>
+          <a:stretch>
+            <a:fillRect/>
+          </a:stretch>
+        </p:blipFill>
+        <p:spPr>
+          <a:xfrm>
+            <a:off x="2084530" y="2289600"/>
+            <a:ext cx="12362990" cy="11426400"/>
+          </a:xfrm>
+          <a:prstGeom prst="rect">
+            <a:avLst/>
+          </a:prstGeom>
+        </p:spPr>
+      </p:pic>
     </p:spTree>
     <p:extLst>
       <p:ext uri="{BB962C8B-B14F-4D97-AF65-F5344CB8AC3E}">
@@ -15457,6 +16017,216 @@
           </a:p>
         </p:txBody>
       </p:sp>
+      <p:sp>
+        <p:nvSpPr>
+          <p:cNvPr id="3" name="文本框 2"/>
+          <p:cNvSpPr txBox="1"/>
+          <p:nvPr/>
+        </p:nvSpPr>
+        <p:spPr>
+          <a:xfrm>
+            <a:off x="2462400" y="2823737"/>
+            <a:ext cx="19458000" cy="974626"/>
+          </a:xfrm>
+          <a:prstGeom prst="rect">
+            <a:avLst/>
+          </a:prstGeom>
+          <a:noFill/>
+          <a:ln w="12700" cap="flat">
+            <a:noFill/>
+            <a:miter lim="400000"/>
+          </a:ln>
+        </p:spPr>
+        <p:style>
+          <a:lnRef idx="0">
+            <a:scrgbClr r="0" g="0" b="0"/>
+          </a:lnRef>
+          <a:fillRef idx="0">
+            <a:scrgbClr r="0" g="0" b="0"/>
+          </a:fillRef>
+          <a:effectRef idx="0">
+            <a:scrgbClr r="0" g="0" b="0"/>
+          </a:effectRef>
+          <a:fontRef idx="none"/>
+        </p:style>
+        <p:txBody>
+          <a:bodyPr rot="0" spcFirstLastPara="1" vertOverflow="overflow" horzOverflow="overflow" vert="horz" wrap="square" lIns="50800" tIns="50800" rIns="50800" bIns="50800" numCol="1" spcCol="38100" rtlCol="0" anchor="ctr">
+            <a:spAutoFit/>
+          </a:bodyPr>
+          <a:lstStyle/>
+          <a:p>
+            <a:pPr marL="571500" indent="-571500" algn="l">
+              <a:spcBef>
+                <a:spcPts val="1000"/>
+              </a:spcBef>
+              <a:spcAft>
+                <a:spcPts val="1000"/>
+              </a:spcAft>
+              <a:buSzPct val="125000"/>
+              <a:buFont typeface="Arial" panose="020B0604020202090204" pitchFamily="34" charset="0"/>
+              <a:buChar char="•"/>
+            </a:pPr>
+            <a:r>
+              <a:rPr kumimoji="1" lang="en-US" altLang="zh-CN" sz="4000" b="0" dirty="0">
+                <a:solidFill>
+                  <a:srgbClr val="FFFFFF"/>
+                </a:solidFill>
+                <a:latin typeface="Helvetica" pitchFamily="2" charset="0"/>
+                <a:ea typeface="Alibaba PuHuiTi R" panose="00020600040101010101" pitchFamily="18" charset="-122"/>
+                <a:cs typeface="Alibaba PuHuiTi R" panose="00020600040101010101" pitchFamily="18" charset="-122"/>
+              </a:rPr>
+              <a:t>ab -c100 -n100 'http://127.0.0.1:6062/</a:t>
+            </a:r>
+            <a:r>
+              <a:rPr kumimoji="1" lang="en-US" altLang="zh-CN" sz="4000" b="0" dirty="0" err="1">
+                <a:solidFill>
+                  <a:srgbClr val="FFFFFF"/>
+                </a:solidFill>
+                <a:latin typeface="Helvetica" pitchFamily="2" charset="0"/>
+                <a:ea typeface="Alibaba PuHuiTi R" panose="00020600040101010101" pitchFamily="18" charset="-122"/>
+                <a:cs typeface="Alibaba PuHuiTi R" panose="00020600040101010101" pitchFamily="18" charset="-122"/>
+              </a:rPr>
+              <a:t>cpu</a:t>
+            </a:r>
+            <a:r>
+              <a:rPr kumimoji="1" lang="en-US" altLang="zh-CN" sz="4000" b="0" dirty="0">
+                <a:solidFill>
+                  <a:srgbClr val="FFFFFF"/>
+                </a:solidFill>
+                <a:latin typeface="Helvetica" pitchFamily="2" charset="0"/>
+                <a:ea typeface="Alibaba PuHuiTi R" panose="00020600040101010101" pitchFamily="18" charset="-122"/>
+                <a:cs typeface="Alibaba PuHuiTi R" panose="00020600040101010101" pitchFamily="18" charset="-122"/>
+              </a:rPr>
+              <a:t>'</a:t>
+            </a:r>
+            <a:endParaRPr kumimoji="1" lang="zh-CN" altLang="en-US" sz="4000" b="0" dirty="0">
+              <a:solidFill>
+                <a:srgbClr val="FFFFFF"/>
+              </a:solidFill>
+              <a:latin typeface="Helvetica" pitchFamily="2" charset="0"/>
+              <a:ea typeface="Alibaba PuHuiTi R" panose="00020600040101010101" pitchFamily="18" charset="-122"/>
+              <a:cs typeface="Alibaba PuHuiTi R" panose="00020600040101010101" pitchFamily="18" charset="-122"/>
+            </a:endParaRPr>
+          </a:p>
+        </p:txBody>
+      </p:sp>
+      <p:pic>
+        <p:nvPicPr>
+          <p:cNvPr id="2" name="图片 1"/>
+          <p:cNvPicPr>
+            <a:picLocks noChangeAspect="1"/>
+          </p:cNvPicPr>
+          <p:nvPr/>
+        </p:nvPicPr>
+        <p:blipFill>
+          <a:blip r:embed="rId3"/>
+          <a:stretch>
+            <a:fillRect/>
+          </a:stretch>
+        </p:blipFill>
+        <p:spPr>
+          <a:xfrm>
+            <a:off x="2462399" y="4332500"/>
+            <a:ext cx="19635647" cy="5386266"/>
+          </a:xfrm>
+          <a:prstGeom prst="rect">
+            <a:avLst/>
+          </a:prstGeom>
+        </p:spPr>
+      </p:pic>
+      <p:sp>
+        <p:nvSpPr>
+          <p:cNvPr id="7" name="文本框 6"/>
+          <p:cNvSpPr txBox="1"/>
+          <p:nvPr/>
+        </p:nvSpPr>
+        <p:spPr>
+          <a:xfrm>
+            <a:off x="2462399" y="10252903"/>
+            <a:ext cx="19458000" cy="974626"/>
+          </a:xfrm>
+          <a:prstGeom prst="rect">
+            <a:avLst/>
+          </a:prstGeom>
+          <a:noFill/>
+          <a:ln w="12700" cap="flat">
+            <a:noFill/>
+            <a:miter lim="400000"/>
+          </a:ln>
+        </p:spPr>
+        <p:style>
+          <a:lnRef idx="0">
+            <a:scrgbClr r="0" g="0" b="0"/>
+          </a:lnRef>
+          <a:fillRef idx="0">
+            <a:scrgbClr r="0" g="0" b="0"/>
+          </a:fillRef>
+          <a:effectRef idx="0">
+            <a:scrgbClr r="0" g="0" b="0"/>
+          </a:effectRef>
+          <a:fontRef idx="none"/>
+        </p:style>
+        <p:txBody>
+          <a:bodyPr rot="0" spcFirstLastPara="1" vertOverflow="overflow" horzOverflow="overflow" vert="horz" wrap="square" lIns="50800" tIns="50800" rIns="50800" bIns="50800" numCol="1" spcCol="38100" rtlCol="0" anchor="ctr">
+            <a:spAutoFit/>
+          </a:bodyPr>
+          <a:lstStyle/>
+          <a:p>
+            <a:pPr marL="571500" indent="-571500" algn="l">
+              <a:spcBef>
+                <a:spcPts val="1000"/>
+              </a:spcBef>
+              <a:spcAft>
+                <a:spcPts val="1000"/>
+              </a:spcAft>
+              <a:buSzPct val="125000"/>
+              <a:buFont typeface="Arial" panose="020B0604020202090204" pitchFamily="34" charset="0"/>
+              <a:buChar char="•"/>
+            </a:pPr>
+            <a:r>
+              <a:rPr kumimoji="1" lang="en-US" altLang="zh-CN" sz="4000" b="0" dirty="0">
+                <a:solidFill>
+                  <a:srgbClr val="FFFFFF"/>
+                </a:solidFill>
+                <a:latin typeface="Helvetica" pitchFamily="2" charset="0"/>
+                <a:ea typeface="Alibaba PuHuiTi R" panose="00020600040101010101" pitchFamily="18" charset="-122"/>
+                <a:cs typeface="Alibaba PuHuiTi R" panose="00020600040101010101" pitchFamily="18" charset="-122"/>
+              </a:rPr>
+              <a:t>go tool </a:t>
+            </a:r>
+            <a:r>
+              <a:rPr kumimoji="1" lang="en-US" altLang="zh-CN" sz="4000" b="0" dirty="0" err="1">
+                <a:solidFill>
+                  <a:srgbClr val="FFFFFF"/>
+                </a:solidFill>
+                <a:latin typeface="Helvetica" pitchFamily="2" charset="0"/>
+                <a:ea typeface="Alibaba PuHuiTi R" panose="00020600040101010101" pitchFamily="18" charset="-122"/>
+                <a:cs typeface="Alibaba PuHuiTi R" panose="00020600040101010101" pitchFamily="18" charset="-122"/>
+              </a:rPr>
+              <a:t>pprof</a:t>
+            </a:r>
+            <a:r>
+              <a:rPr kumimoji="1" lang="en-US" altLang="zh-CN" sz="4000" b="0" dirty="0">
+                <a:solidFill>
+                  <a:srgbClr val="FFFFFF"/>
+                </a:solidFill>
+                <a:latin typeface="Helvetica" pitchFamily="2" charset="0"/>
+                <a:ea typeface="Alibaba PuHuiTi R" panose="00020600040101010101" pitchFamily="18" charset="-122"/>
+                <a:cs typeface="Alibaba PuHuiTi R" panose="00020600040101010101" pitchFamily="18" charset="-122"/>
+              </a:rPr>
+              <a:t> http://localhost:6062/debug/pprof/profile</a:t>
+            </a:r>
+            <a:endParaRPr kumimoji="1" lang="zh-CN" altLang="en-US" sz="4000" b="0" dirty="0">
+              <a:solidFill>
+                <a:srgbClr val="FFFFFF"/>
+              </a:solidFill>
+              <a:latin typeface="Helvetica" pitchFamily="2" charset="0"/>
+              <a:ea typeface="Alibaba PuHuiTi R" panose="00020600040101010101" pitchFamily="18" charset="-122"/>
+              <a:cs typeface="Alibaba PuHuiTi R" panose="00020600040101010101" pitchFamily="18" charset="-122"/>
+            </a:endParaRPr>
+          </a:p>
+        </p:txBody>
+      </p:sp>
     </p:spTree>
     <p:extLst>
       <p:ext uri="{BB962C8B-B14F-4D97-AF65-F5344CB8AC3E}">
@@ -15560,6 +16330,101 @@
           </a:p>
         </p:txBody>
       </p:sp>
+      <p:sp>
+        <p:nvSpPr>
+          <p:cNvPr id="3" name="文本框 2"/>
+          <p:cNvSpPr txBox="1"/>
+          <p:nvPr/>
+        </p:nvSpPr>
+        <p:spPr>
+          <a:xfrm>
+            <a:off x="2462400" y="2823737"/>
+            <a:ext cx="19458000" cy="974626"/>
+          </a:xfrm>
+          <a:prstGeom prst="rect">
+            <a:avLst/>
+          </a:prstGeom>
+          <a:noFill/>
+          <a:ln w="12700" cap="flat">
+            <a:noFill/>
+            <a:miter lim="400000"/>
+          </a:ln>
+        </p:spPr>
+        <p:style>
+          <a:lnRef idx="0">
+            <a:scrgbClr r="0" g="0" b="0"/>
+          </a:lnRef>
+          <a:fillRef idx="0">
+            <a:scrgbClr r="0" g="0" b="0"/>
+          </a:fillRef>
+          <a:effectRef idx="0">
+            <a:scrgbClr r="0" g="0" b="0"/>
+          </a:effectRef>
+          <a:fontRef idx="none"/>
+        </p:style>
+        <p:txBody>
+          <a:bodyPr rot="0" spcFirstLastPara="1" vertOverflow="overflow" horzOverflow="overflow" vert="horz" wrap="square" lIns="50800" tIns="50800" rIns="50800" bIns="50800" numCol="1" spcCol="38100" rtlCol="0" anchor="ctr">
+            <a:spAutoFit/>
+          </a:bodyPr>
+          <a:lstStyle/>
+          <a:p>
+            <a:pPr marL="571500" indent="-571500" algn="l">
+              <a:spcBef>
+                <a:spcPts val="1000"/>
+              </a:spcBef>
+              <a:spcAft>
+                <a:spcPts val="1000"/>
+              </a:spcAft>
+              <a:buSzPct val="125000"/>
+              <a:buFont typeface="Arial" panose="020B0604020202090204" pitchFamily="34" charset="0"/>
+              <a:buChar char="•"/>
+            </a:pPr>
+            <a:r>
+              <a:rPr kumimoji="1" lang="en-US" altLang="zh-CN" sz="4000" b="0" dirty="0">
+                <a:solidFill>
+                  <a:srgbClr val="FFFFFF"/>
+                </a:solidFill>
+                <a:latin typeface="Helvetica" pitchFamily="2" charset="0"/>
+                <a:ea typeface="Alibaba PuHuiTi R" panose="00020600040101010101" pitchFamily="18" charset="-122"/>
+                <a:cs typeface="Alibaba PuHuiTi R" panose="00020600040101010101" pitchFamily="18" charset="-122"/>
+              </a:rPr>
+              <a:t>top -cum</a:t>
+            </a:r>
+            <a:endParaRPr kumimoji="1" lang="zh-CN" altLang="en-US" sz="4000" b="0" dirty="0">
+              <a:solidFill>
+                <a:srgbClr val="FFFFFF"/>
+              </a:solidFill>
+              <a:latin typeface="Helvetica" pitchFamily="2" charset="0"/>
+              <a:ea typeface="Alibaba PuHuiTi R" panose="00020600040101010101" pitchFamily="18" charset="-122"/>
+              <a:cs typeface="Alibaba PuHuiTi R" panose="00020600040101010101" pitchFamily="18" charset="-122"/>
+            </a:endParaRPr>
+          </a:p>
+        </p:txBody>
+      </p:sp>
+      <p:pic>
+        <p:nvPicPr>
+          <p:cNvPr id="2" name="图片 1"/>
+          <p:cNvPicPr>
+            <a:picLocks noChangeAspect="1"/>
+          </p:cNvPicPr>
+          <p:nvPr/>
+        </p:nvPicPr>
+        <p:blipFill>
+          <a:blip r:embed="rId3"/>
+          <a:stretch>
+            <a:fillRect/>
+          </a:stretch>
+        </p:blipFill>
+        <p:spPr>
+          <a:xfrm>
+            <a:off x="3083786" y="3798363"/>
+            <a:ext cx="13484860" cy="5580768"/>
+          </a:xfrm>
+          <a:prstGeom prst="rect">
+            <a:avLst/>
+          </a:prstGeom>
+        </p:spPr>
+      </p:pic>
     </p:spTree>
     <p:extLst>
       <p:ext uri="{BB962C8B-B14F-4D97-AF65-F5344CB8AC3E}">
@@ -15663,6 +16528,30 @@
           </a:p>
         </p:txBody>
       </p:sp>
+      <p:pic>
+        <p:nvPicPr>
+          <p:cNvPr id="3" name="图片 2"/>
+          <p:cNvPicPr>
+            <a:picLocks noChangeAspect="1"/>
+          </p:cNvPicPr>
+          <p:nvPr/>
+        </p:nvPicPr>
+        <p:blipFill>
+          <a:blip r:embed="rId3"/>
+          <a:stretch>
+            <a:fillRect/>
+          </a:stretch>
+        </p:blipFill>
+        <p:spPr>
+          <a:xfrm>
+            <a:off x="2462400" y="2583723"/>
+            <a:ext cx="17079634" cy="9249951"/>
+          </a:xfrm>
+          <a:prstGeom prst="rect">
+            <a:avLst/>
+          </a:prstGeom>
+        </p:spPr>
+      </p:pic>
     </p:spTree>
     <p:extLst>
       <p:ext uri="{BB962C8B-B14F-4D97-AF65-F5344CB8AC3E}">
@@ -15766,6 +16655,147 @@
           </a:p>
         </p:txBody>
       </p:sp>
+      <p:sp>
+        <p:nvSpPr>
+          <p:cNvPr id="3" name="文本框 2"/>
+          <p:cNvSpPr txBox="1"/>
+          <p:nvPr/>
+        </p:nvSpPr>
+        <p:spPr>
+          <a:xfrm>
+            <a:off x="2462400" y="3303463"/>
+            <a:ext cx="19458000" cy="974626"/>
+          </a:xfrm>
+          <a:prstGeom prst="rect">
+            <a:avLst/>
+          </a:prstGeom>
+          <a:noFill/>
+          <a:ln w="12700" cap="flat">
+            <a:noFill/>
+            <a:miter lim="400000"/>
+          </a:ln>
+        </p:spPr>
+        <p:style>
+          <a:lnRef idx="0">
+            <a:scrgbClr r="0" g="0" b="0"/>
+          </a:lnRef>
+          <a:fillRef idx="0">
+            <a:scrgbClr r="0" g="0" b="0"/>
+          </a:fillRef>
+          <a:effectRef idx="0">
+            <a:scrgbClr r="0" g="0" b="0"/>
+          </a:effectRef>
+          <a:fontRef idx="none"/>
+        </p:style>
+        <p:txBody>
+          <a:bodyPr rot="0" spcFirstLastPara="1" vertOverflow="overflow" horzOverflow="overflow" vert="horz" wrap="square" lIns="50800" tIns="50800" rIns="50800" bIns="50800" numCol="1" spcCol="38100" rtlCol="0" anchor="ctr">
+            <a:spAutoFit/>
+          </a:bodyPr>
+          <a:lstStyle/>
+          <a:p>
+            <a:pPr marL="571500" indent="-571500" algn="l">
+              <a:spcBef>
+                <a:spcPts val="1000"/>
+              </a:spcBef>
+              <a:spcAft>
+                <a:spcPts val="1000"/>
+              </a:spcAft>
+              <a:buSzPct val="125000"/>
+              <a:buFont typeface="Arial" panose="020B0604020202090204" pitchFamily="34" charset="0"/>
+              <a:buChar char="•"/>
+            </a:pPr>
+            <a:r>
+              <a:rPr kumimoji="1" lang="en-US" altLang="zh-CN" sz="4000" b="0" dirty="0">
+                <a:solidFill>
+                  <a:srgbClr val="FFFFFF"/>
+                </a:solidFill>
+                <a:latin typeface="Helvetica" pitchFamily="2" charset="0"/>
+                <a:ea typeface="Alibaba PuHuiTi R" panose="00020600040101010101" pitchFamily="18" charset="-122"/>
+                <a:cs typeface="Alibaba PuHuiTi R" panose="00020600040101010101" pitchFamily="18" charset="-122"/>
+              </a:rPr>
+              <a:t>go tool </a:t>
+            </a:r>
+            <a:r>
+              <a:rPr kumimoji="1" lang="en-US" altLang="zh-CN" sz="4000" b="0" dirty="0" err="1">
+                <a:solidFill>
+                  <a:srgbClr val="FFFFFF"/>
+                </a:solidFill>
+                <a:latin typeface="Helvetica" pitchFamily="2" charset="0"/>
+                <a:ea typeface="Alibaba PuHuiTi R" panose="00020600040101010101" pitchFamily="18" charset="-122"/>
+                <a:cs typeface="Alibaba PuHuiTi R" panose="00020600040101010101" pitchFamily="18" charset="-122"/>
+              </a:rPr>
+              <a:t>pprof</a:t>
+            </a:r>
+            <a:r>
+              <a:rPr kumimoji="1" lang="en-US" altLang="zh-CN" sz="4000" b="0" dirty="0">
+                <a:solidFill>
+                  <a:srgbClr val="FFFFFF"/>
+                </a:solidFill>
+                <a:latin typeface="Helvetica" pitchFamily="2" charset="0"/>
+                <a:ea typeface="Alibaba PuHuiTi R" panose="00020600040101010101" pitchFamily="18" charset="-122"/>
+                <a:cs typeface="Alibaba PuHuiTi R" panose="00020600040101010101" pitchFamily="18" charset="-122"/>
+              </a:rPr>
+              <a:t> -http=:8000 profile</a:t>
+            </a:r>
+            <a:endParaRPr kumimoji="1" lang="zh-CN" altLang="en-US" sz="4000" b="0" dirty="0">
+              <a:solidFill>
+                <a:srgbClr val="FFFFFF"/>
+              </a:solidFill>
+              <a:latin typeface="Helvetica" pitchFamily="2" charset="0"/>
+              <a:ea typeface="Alibaba PuHuiTi R" panose="00020600040101010101" pitchFamily="18" charset="-122"/>
+              <a:cs typeface="Alibaba PuHuiTi R" panose="00020600040101010101" pitchFamily="18" charset="-122"/>
+            </a:endParaRPr>
+          </a:p>
+        </p:txBody>
+      </p:sp>
+      <p:pic>
+        <p:nvPicPr>
+          <p:cNvPr id="2" name="图片 1"/>
+          <p:cNvPicPr>
+            <a:picLocks noChangeAspect="1"/>
+          </p:cNvPicPr>
+          <p:nvPr/>
+        </p:nvPicPr>
+        <p:blipFill>
+          <a:blip r:embed="rId3"/>
+          <a:stretch>
+            <a:fillRect/>
+          </a:stretch>
+        </p:blipFill>
+        <p:spPr>
+          <a:xfrm>
+            <a:off x="2213339" y="4528048"/>
+            <a:ext cx="15865656" cy="8785493"/>
+          </a:xfrm>
+          <a:prstGeom prst="rect">
+            <a:avLst/>
+          </a:prstGeom>
+        </p:spPr>
+      </p:pic>
+      <p:pic>
+        <p:nvPicPr>
+          <p:cNvPr id="5" name="图片 4"/>
+          <p:cNvPicPr>
+            <a:picLocks noChangeAspect="1"/>
+          </p:cNvPicPr>
+          <p:nvPr/>
+        </p:nvPicPr>
+        <p:blipFill>
+          <a:blip r:embed="rId3"/>
+          <a:stretch>
+            <a:fillRect/>
+          </a:stretch>
+        </p:blipFill>
+        <p:spPr>
+          <a:xfrm>
+            <a:off x="2761979" y="4528048"/>
+            <a:ext cx="15865656" cy="8785493"/>
+          </a:xfrm>
+          <a:prstGeom prst="rect">
+            <a:avLst/>
+          </a:prstGeom>
+        </p:spPr>
+      </p:pic>
     </p:spTree>
     <p:extLst>
       <p:ext uri="{BB962C8B-B14F-4D97-AF65-F5344CB8AC3E}">
@@ -15806,71 +16836,97 @@
       </p:grpSpPr>
       <p:sp>
         <p:nvSpPr>
-          <p:cNvPr id="2" name="文本占位符 1"/>
+          <p:cNvPr id="6" name="标题 5"/>
           <p:cNvSpPr>
             <a:spLocks noGrp="1"/>
           </p:cNvSpPr>
           <p:nvPr>
-            <p:ph type="body" sz="quarter" idx="13"/>
+            <p:ph type="title"/>
           </p:nvPr>
         </p:nvSpPr>
+        <p:spPr/>
+        <p:txBody>
+          <a:bodyPr>
+            <a:noAutofit/>
+          </a:bodyPr>
+          <a:lstStyle/>
+          <a:p>
+            <a:r>
+              <a:rPr kumimoji="1" lang="en-US" altLang="zh-CN" dirty="0" smtClean="0"/>
+              <a:t>1.7 </a:t>
+            </a:r>
+            <a:r>
+              <a:rPr kumimoji="1" lang="zh-CN" altLang="en-US" dirty="0" smtClean="0"/>
+              <a:t>排</a:t>
+            </a:r>
+            <a:r>
+              <a:rPr kumimoji="1" lang="zh-CN" altLang="en-US" dirty="0"/>
+              <a:t>查</a:t>
+            </a:r>
+            <a:r>
+              <a:rPr kumimoji="1" lang="en-US" altLang="zh-CN" dirty="0"/>
+              <a:t>CPU</a:t>
+            </a:r>
+            <a:r>
+              <a:rPr kumimoji="1" lang="zh-CN" altLang="en-US" dirty="0"/>
+              <a:t>占用过高问题</a:t>
+            </a:r>
+            <a:br>
+              <a:rPr kumimoji="1" lang="zh-CN" altLang="en-US" dirty="0"/>
+            </a:br>
+            <a:r>
+              <a:rPr kumimoji="1" lang="en-US" altLang="zh-CN" dirty="0"/>
+              <a:t/>
+            </a:r>
+            <a:br>
+              <a:rPr kumimoji="1" lang="en-US" altLang="zh-CN" dirty="0"/>
+            </a:br>
+            <a:r>
+              <a:rPr kumimoji="1" lang="zh-CN" altLang="en-US" dirty="0"/>
+              <a:t/>
+            </a:r>
+            <a:br>
+              <a:rPr kumimoji="1" lang="zh-CN" altLang="en-US" dirty="0"/>
+            </a:br>
+            <a:r>
+              <a:rPr kumimoji="1" lang="zh-CN" altLang="en-US" dirty="0"/>
+              <a:t/>
+            </a:r>
+            <a:br>
+              <a:rPr kumimoji="1" lang="zh-CN" altLang="en-US" dirty="0"/>
+            </a:br>
+            <a:endParaRPr kumimoji="1" lang="en-US" altLang="zh-CN" dirty="0"/>
+          </a:p>
+        </p:txBody>
+      </p:sp>
+      <p:pic>
+        <p:nvPicPr>
+          <p:cNvPr id="4" name="图片 3"/>
+          <p:cNvPicPr>
+            <a:picLocks noChangeAspect="1"/>
+          </p:cNvPicPr>
+          <p:nvPr/>
+        </p:nvPicPr>
+        <p:blipFill>
+          <a:blip r:embed="rId3"/>
+          <a:stretch>
+            <a:fillRect/>
+          </a:stretch>
+        </p:blipFill>
         <p:spPr>
           <a:xfrm>
-            <a:off x="2444750" y="7675880"/>
-            <a:ext cx="5928995" cy="1163320"/>
+            <a:off x="313508" y="3768225"/>
+            <a:ext cx="23347358" cy="7309078"/>
           </a:xfrm>
+          <a:prstGeom prst="rect">
+            <a:avLst/>
+          </a:prstGeom>
         </p:spPr>
-        <p:txBody>
-          <a:bodyPr wrap="square"/>
-          <a:lstStyle/>
-          <a:p>
-            <a:r>
-              <a:rPr kumimoji="1" lang="zh-CN" altLang="en-US" dirty="0"/>
-              <a:t>闯哥</a:t>
-            </a:r>
-          </a:p>
-        </p:txBody>
-      </p:sp>
-      <p:sp>
-        <p:nvSpPr>
-          <p:cNvPr id="4" name="文本占位符 3"/>
-          <p:cNvSpPr>
-            <a:spLocks noGrp="1"/>
-          </p:cNvSpPr>
-          <p:nvPr>
-            <p:ph type="body" sz="quarter" idx="15"/>
-          </p:nvPr>
-        </p:nvSpPr>
-        <p:spPr>
-          <a:xfrm>
-            <a:off x="2444750" y="4987012"/>
-            <a:ext cx="19143345" cy="1210588"/>
-          </a:xfrm>
-        </p:spPr>
-        <p:txBody>
-          <a:bodyPr wrap="square"/>
-          <a:lstStyle/>
-          <a:p>
-            <a:r>
-              <a:rPr kumimoji="1" lang="en-US" altLang="zh-CN" dirty="0" smtClean="0"/>
-              <a:t>1.8 </a:t>
-            </a:r>
-            <a:r>
-              <a:rPr kumimoji="1" lang="zh-CN" altLang="en-US" dirty="0" smtClean="0"/>
-              <a:t>排</a:t>
-            </a:r>
-            <a:r>
-              <a:rPr kumimoji="1" lang="zh-CN" altLang="en-US" dirty="0"/>
-              <a:t>查内存占用过高问题</a:t>
-            </a:r>
-            <a:endParaRPr kumimoji="1" lang="en-US" altLang="zh-CN" dirty="0"/>
-          </a:p>
-        </p:txBody>
-      </p:sp>
+      </p:pic>
     </p:spTree>
     <p:extLst>
       <p:ext uri="{BB962C8B-B14F-4D97-AF65-F5344CB8AC3E}">
-        <p14:creationId xmlns:p14="http://schemas.microsoft.com/office/powerpoint/2010/main" val="3100962517"/>
+        <p14:creationId xmlns:p14="http://schemas.microsoft.com/office/powerpoint/2010/main" val="2931617387"/>
       </p:ext>
     </p:extLst>
   </p:cSld>
@@ -15878,6 +16934,13 @@
     <a:masterClrMapping/>
   </p:clrMapOvr>
   <p:transition spd="med"/>
+  <p:timing>
+    <p:tnLst>
+      <p:par>
+        <p:cTn id="1" dur="indefinite" restart="never" nodeType="tmRoot"/>
+      </p:par>
+    </p:tnLst>
+  </p:timing>
 </p:sld>
 </file>
 
@@ -15900,79 +16963,167 @@
       </p:grpSpPr>
       <p:sp>
         <p:nvSpPr>
-          <p:cNvPr id="2" name="文本占位符 1"/>
+          <p:cNvPr id="6" name="标题 5"/>
           <p:cNvSpPr>
             <a:spLocks noGrp="1"/>
           </p:cNvSpPr>
           <p:nvPr>
-            <p:ph type="body" sz="quarter" idx="13"/>
+            <p:ph type="title"/>
           </p:nvPr>
+        </p:nvSpPr>
+        <p:spPr/>
+        <p:txBody>
+          <a:bodyPr>
+            <a:noAutofit/>
+          </a:bodyPr>
+          <a:lstStyle/>
+          <a:p>
+            <a:r>
+              <a:rPr kumimoji="1" lang="en-US" altLang="zh-CN" dirty="0" smtClean="0"/>
+              <a:t>1.7 </a:t>
+            </a:r>
+            <a:r>
+              <a:rPr kumimoji="1" lang="zh-CN" altLang="en-US" dirty="0" smtClean="0"/>
+              <a:t>排</a:t>
+            </a:r>
+            <a:r>
+              <a:rPr kumimoji="1" lang="zh-CN" altLang="en-US" dirty="0"/>
+              <a:t>查</a:t>
+            </a:r>
+            <a:r>
+              <a:rPr kumimoji="1" lang="en-US" altLang="zh-CN" dirty="0"/>
+              <a:t>CPU</a:t>
+            </a:r>
+            <a:r>
+              <a:rPr kumimoji="1" lang="zh-CN" altLang="en-US" dirty="0"/>
+              <a:t>占用过高问题</a:t>
+            </a:r>
+            <a:br>
+              <a:rPr kumimoji="1" lang="zh-CN" altLang="en-US" dirty="0"/>
+            </a:br>
+            <a:r>
+              <a:rPr kumimoji="1" lang="en-US" altLang="zh-CN" dirty="0"/>
+              <a:t/>
+            </a:r>
+            <a:br>
+              <a:rPr kumimoji="1" lang="en-US" altLang="zh-CN" dirty="0"/>
+            </a:br>
+            <a:r>
+              <a:rPr kumimoji="1" lang="zh-CN" altLang="en-US" dirty="0"/>
+              <a:t/>
+            </a:r>
+            <a:br>
+              <a:rPr kumimoji="1" lang="zh-CN" altLang="en-US" dirty="0"/>
+            </a:br>
+            <a:r>
+              <a:rPr kumimoji="1" lang="zh-CN" altLang="en-US" dirty="0"/>
+              <a:t/>
+            </a:r>
+            <a:br>
+              <a:rPr kumimoji="1" lang="zh-CN" altLang="en-US" dirty="0"/>
+            </a:br>
+            <a:endParaRPr kumimoji="1" lang="en-US" altLang="zh-CN" dirty="0"/>
+          </a:p>
+        </p:txBody>
+      </p:sp>
+      <p:sp>
+        <p:nvSpPr>
+          <p:cNvPr id="2" name="文本框 1"/>
+          <p:cNvSpPr txBox="1"/>
+          <p:nvPr/>
         </p:nvSpPr>
         <p:spPr>
           <a:xfrm>
-            <a:off x="2444750" y="7675880"/>
-            <a:ext cx="5928995" cy="1163320"/>
+            <a:off x="1463040" y="4336869"/>
+            <a:ext cx="19803291" cy="5172891"/>
           </a:xfrm>
+          <a:prstGeom prst="rect">
+            <a:avLst/>
+          </a:prstGeom>
+          <a:noFill/>
+          <a:ln w="12700" cap="flat">
+            <a:noFill/>
+            <a:miter lim="400000"/>
+          </a:ln>
         </p:spPr>
+        <p:style>
+          <a:lnRef idx="0">
+            <a:scrgbClr r="0" g="0" b="0"/>
+          </a:lnRef>
+          <a:fillRef idx="0">
+            <a:scrgbClr r="0" g="0" b="0"/>
+          </a:fillRef>
+          <a:effectRef idx="0">
+            <a:scrgbClr r="0" g="0" b="0"/>
+          </a:effectRef>
+          <a:fontRef idx="none"/>
+        </p:style>
         <p:txBody>
-          <a:bodyPr wrap="square"/>
+          <a:bodyPr rot="0" spcFirstLastPara="1" vertOverflow="overflow" horzOverflow="overflow" vert="horz" wrap="square" lIns="50800" tIns="50800" rIns="50800" bIns="50800" numCol="1" spcCol="38100" rtlCol="0" anchor="ctr">
+            <a:spAutoFit/>
+          </a:bodyPr>
           <a:lstStyle/>
           <a:p>
-            <a:r>
-              <a:rPr kumimoji="1" lang="zh-CN" altLang="en-US" dirty="0"/>
-              <a:t>闯哥</a:t>
-            </a:r>
+            <a:pPr marL="0" marR="0" indent="0" algn="ctr" defTabSz="825500" rtl="0" fontAlgn="auto" latinLnBrk="0" hangingPunct="0">
+              <a:lnSpc>
+                <a:spcPct val="100000"/>
+              </a:lnSpc>
+              <a:spcBef>
+                <a:spcPts val="0"/>
+              </a:spcBef>
+              <a:spcAft>
+                <a:spcPts val="0"/>
+              </a:spcAft>
+              <a:buClrTx/>
+              <a:buSzTx/>
+              <a:buFontTx/>
+              <a:buNone/>
+            </a:pPr>
+            <a:endParaRPr kumimoji="0" lang="zh-CN" altLang="en-US" sz="3000" b="1" i="0" u="none" strike="noStrike" cap="none" spc="0" normalizeH="0" baseline="0" dirty="0">
+              <a:ln>
+                <a:noFill/>
+              </a:ln>
+              <a:solidFill>
+                <a:srgbClr val="000000"/>
+              </a:solidFill>
+              <a:effectLst/>
+              <a:uFillTx/>
+              <a:latin typeface="Helvetica Neue" panose="02000503000000020004"/>
+              <a:ea typeface="Helvetica Neue" panose="02000503000000020004"/>
+              <a:cs typeface="Helvetica Neue" panose="02000503000000020004"/>
+              <a:sym typeface="Helvetica Neue" panose="02000503000000020004"/>
+            </a:endParaRPr>
           </a:p>
         </p:txBody>
       </p:sp>
-      <p:sp>
-        <p:nvSpPr>
-          <p:cNvPr id="4" name="文本占位符 3"/>
-          <p:cNvSpPr>
-            <a:spLocks noGrp="1"/>
-          </p:cNvSpPr>
-          <p:nvPr>
-            <p:ph type="body" sz="quarter" idx="15"/>
-          </p:nvPr>
-        </p:nvSpPr>
+      <p:pic>
+        <p:nvPicPr>
+          <p:cNvPr id="3" name="图片 2"/>
+          <p:cNvPicPr>
+            <a:picLocks noChangeAspect="1"/>
+          </p:cNvPicPr>
+          <p:nvPr/>
+        </p:nvPicPr>
+        <p:blipFill>
+          <a:blip r:embed="rId3"/>
+          <a:stretch>
+            <a:fillRect/>
+          </a:stretch>
+        </p:blipFill>
         <p:spPr>
           <a:xfrm>
-            <a:off x="2444750" y="4987012"/>
-            <a:ext cx="19143345" cy="1210588"/>
+            <a:off x="1821317" y="3881572"/>
+            <a:ext cx="21069000" cy="5628188"/>
           </a:xfrm>
+          <a:prstGeom prst="rect">
+            <a:avLst/>
+          </a:prstGeom>
         </p:spPr>
-        <p:txBody>
-          <a:bodyPr wrap="square"/>
-          <a:lstStyle/>
-          <a:p>
-            <a:r>
-              <a:rPr kumimoji="1" lang="en-US" altLang="zh-CN" dirty="0" smtClean="0"/>
-              <a:t>1.9 </a:t>
-            </a:r>
-            <a:r>
-              <a:rPr kumimoji="1" lang="zh-CN" altLang="en-US" dirty="0" smtClean="0"/>
-              <a:t>排</a:t>
-            </a:r>
-            <a:r>
-              <a:rPr kumimoji="1" lang="zh-CN" altLang="en-US" dirty="0"/>
-              <a:t>查频繁</a:t>
-            </a:r>
-            <a:r>
-              <a:rPr kumimoji="1" lang="en-US" altLang="zh-CN" dirty="0"/>
-              <a:t>GC</a:t>
-            </a:r>
-            <a:r>
-              <a:rPr kumimoji="1" lang="zh-CN" altLang="en-US" dirty="0"/>
-              <a:t>问题</a:t>
-            </a:r>
-            <a:endParaRPr kumimoji="1" lang="en-US" altLang="zh-CN" dirty="0"/>
-          </a:p>
-        </p:txBody>
-      </p:sp>
+      </p:pic>
     </p:spTree>
     <p:extLst>
       <p:ext uri="{BB962C8B-B14F-4D97-AF65-F5344CB8AC3E}">
-        <p14:creationId xmlns:p14="http://schemas.microsoft.com/office/powerpoint/2010/main" val="592426751"/>
+        <p14:creationId xmlns:p14="http://schemas.microsoft.com/office/powerpoint/2010/main" val="3632106520"/>
       </p:ext>
     </p:extLst>
   </p:cSld>
@@ -15980,6 +17131,13 @@
     <a:masterClrMapping/>
   </p:clrMapOvr>
   <p:transition spd="med"/>
+  <p:timing>
+    <p:tnLst>
+      <p:par>
+        <p:cTn id="1" dur="indefinite" restart="never" nodeType="tmRoot"/>
+      </p:par>
+    </p:tnLst>
+  </p:timing>
 </p:sld>
 </file>
 
@@ -16002,71 +17160,238 @@
       </p:grpSpPr>
       <p:sp>
         <p:nvSpPr>
-          <p:cNvPr id="2" name="文本占位符 1"/>
+          <p:cNvPr id="6" name="标题 5"/>
           <p:cNvSpPr>
             <a:spLocks noGrp="1"/>
           </p:cNvSpPr>
           <p:nvPr>
-            <p:ph type="body" sz="quarter" idx="13"/>
+            <p:ph type="title"/>
           </p:nvPr>
+        </p:nvSpPr>
+        <p:spPr/>
+        <p:txBody>
+          <a:bodyPr>
+            <a:noAutofit/>
+          </a:bodyPr>
+          <a:lstStyle/>
+          <a:p>
+            <a:r>
+              <a:rPr kumimoji="1" lang="en-US" altLang="zh-CN" dirty="0" smtClean="0"/>
+              <a:t>1.7 </a:t>
+            </a:r>
+            <a:r>
+              <a:rPr kumimoji="1" lang="zh-CN" altLang="en-US" dirty="0" smtClean="0"/>
+              <a:t>排</a:t>
+            </a:r>
+            <a:r>
+              <a:rPr kumimoji="1" lang="zh-CN" altLang="en-US" dirty="0"/>
+              <a:t>查</a:t>
+            </a:r>
+            <a:r>
+              <a:rPr kumimoji="1" lang="en-US" altLang="zh-CN" dirty="0"/>
+              <a:t>CPU</a:t>
+            </a:r>
+            <a:r>
+              <a:rPr kumimoji="1" lang="zh-CN" altLang="en-US" dirty="0"/>
+              <a:t>占用过高问题</a:t>
+            </a:r>
+            <a:br>
+              <a:rPr kumimoji="1" lang="zh-CN" altLang="en-US" dirty="0"/>
+            </a:br>
+            <a:r>
+              <a:rPr kumimoji="1" lang="en-US" altLang="zh-CN" dirty="0"/>
+              <a:t/>
+            </a:r>
+            <a:br>
+              <a:rPr kumimoji="1" lang="en-US" altLang="zh-CN" dirty="0"/>
+            </a:br>
+            <a:r>
+              <a:rPr kumimoji="1" lang="zh-CN" altLang="en-US" dirty="0"/>
+              <a:t/>
+            </a:r>
+            <a:br>
+              <a:rPr kumimoji="1" lang="zh-CN" altLang="en-US" dirty="0"/>
+            </a:br>
+            <a:r>
+              <a:rPr kumimoji="1" lang="zh-CN" altLang="en-US" dirty="0"/>
+              <a:t/>
+            </a:r>
+            <a:br>
+              <a:rPr kumimoji="1" lang="zh-CN" altLang="en-US" dirty="0"/>
+            </a:br>
+            <a:endParaRPr kumimoji="1" lang="en-US" altLang="zh-CN" dirty="0"/>
+          </a:p>
+        </p:txBody>
+      </p:sp>
+      <p:sp>
+        <p:nvSpPr>
+          <p:cNvPr id="2" name="文本框 1"/>
+          <p:cNvSpPr txBox="1"/>
+          <p:nvPr/>
         </p:nvSpPr>
         <p:spPr>
           <a:xfrm>
-            <a:off x="2444750" y="7675880"/>
-            <a:ext cx="5928995" cy="1163320"/>
+            <a:off x="1463040" y="4336869"/>
+            <a:ext cx="19803291" cy="5172891"/>
           </a:xfrm>
+          <a:prstGeom prst="rect">
+            <a:avLst/>
+          </a:prstGeom>
+          <a:noFill/>
+          <a:ln w="12700" cap="flat">
+            <a:noFill/>
+            <a:miter lim="400000"/>
+          </a:ln>
         </p:spPr>
+        <p:style>
+          <a:lnRef idx="0">
+            <a:scrgbClr r="0" g="0" b="0"/>
+          </a:lnRef>
+          <a:fillRef idx="0">
+            <a:scrgbClr r="0" g="0" b="0"/>
+          </a:fillRef>
+          <a:effectRef idx="0">
+            <a:scrgbClr r="0" g="0" b="0"/>
+          </a:effectRef>
+          <a:fontRef idx="none"/>
+        </p:style>
         <p:txBody>
-          <a:bodyPr wrap="square"/>
+          <a:bodyPr rot="0" spcFirstLastPara="1" vertOverflow="overflow" horzOverflow="overflow" vert="horz" wrap="square" lIns="50800" tIns="50800" rIns="50800" bIns="50800" numCol="1" spcCol="38100" rtlCol="0" anchor="ctr">
+            <a:spAutoFit/>
+          </a:bodyPr>
           <a:lstStyle/>
           <a:p>
-            <a:r>
-              <a:rPr kumimoji="1" lang="zh-CN" altLang="en-US" dirty="0"/>
-              <a:t>闯哥</a:t>
-            </a:r>
+            <a:pPr marL="0" marR="0" indent="0" algn="ctr" defTabSz="825500" rtl="0" fontAlgn="auto" latinLnBrk="0" hangingPunct="0">
+              <a:lnSpc>
+                <a:spcPct val="100000"/>
+              </a:lnSpc>
+              <a:spcBef>
+                <a:spcPts val="0"/>
+              </a:spcBef>
+              <a:spcAft>
+                <a:spcPts val="0"/>
+              </a:spcAft>
+              <a:buClrTx/>
+              <a:buSzTx/>
+              <a:buFontTx/>
+              <a:buNone/>
+            </a:pPr>
+            <a:endParaRPr kumimoji="0" lang="zh-CN" altLang="en-US" sz="3000" b="1" i="0" u="none" strike="noStrike" cap="none" spc="0" normalizeH="0" baseline="0" dirty="0">
+              <a:ln>
+                <a:noFill/>
+              </a:ln>
+              <a:solidFill>
+                <a:srgbClr val="000000"/>
+              </a:solidFill>
+              <a:effectLst/>
+              <a:uFillTx/>
+              <a:latin typeface="Helvetica Neue" panose="02000503000000020004"/>
+              <a:ea typeface="Helvetica Neue" panose="02000503000000020004"/>
+              <a:cs typeface="Helvetica Neue" panose="02000503000000020004"/>
+              <a:sym typeface="Helvetica Neue" panose="02000503000000020004"/>
+            </a:endParaRPr>
           </a:p>
         </p:txBody>
       </p:sp>
       <p:sp>
         <p:nvSpPr>
-          <p:cNvPr id="4" name="文本占位符 3"/>
-          <p:cNvSpPr>
-            <a:spLocks noGrp="1"/>
-          </p:cNvSpPr>
-          <p:nvPr>
-            <p:ph type="body" sz="quarter" idx="15"/>
-          </p:nvPr>
+          <p:cNvPr id="5" name="文本框 4"/>
+          <p:cNvSpPr txBox="1"/>
+          <p:nvPr/>
         </p:nvSpPr>
         <p:spPr>
           <a:xfrm>
-            <a:off x="2444750" y="4987012"/>
-            <a:ext cx="19143345" cy="1210588"/>
+            <a:off x="2462400" y="2823737"/>
+            <a:ext cx="19458000" cy="974626"/>
           </a:xfrm>
+          <a:prstGeom prst="rect">
+            <a:avLst/>
+          </a:prstGeom>
+          <a:noFill/>
+          <a:ln w="12700" cap="flat">
+            <a:noFill/>
+            <a:miter lim="400000"/>
+          </a:ln>
         </p:spPr>
+        <p:style>
+          <a:lnRef idx="0">
+            <a:scrgbClr r="0" g="0" b="0"/>
+          </a:lnRef>
+          <a:fillRef idx="0">
+            <a:scrgbClr r="0" g="0" b="0"/>
+          </a:fillRef>
+          <a:effectRef idx="0">
+            <a:scrgbClr r="0" g="0" b="0"/>
+          </a:effectRef>
+          <a:fontRef idx="none"/>
+        </p:style>
         <p:txBody>
-          <a:bodyPr wrap="square"/>
+          <a:bodyPr rot="0" spcFirstLastPara="1" vertOverflow="overflow" horzOverflow="overflow" vert="horz" wrap="square" lIns="50800" tIns="50800" rIns="50800" bIns="50800" numCol="1" spcCol="38100" rtlCol="0" anchor="ctr">
+            <a:spAutoFit/>
+          </a:bodyPr>
           <a:lstStyle/>
           <a:p>
-            <a:r>
-              <a:rPr kumimoji="1" lang="en-US" altLang="zh-CN" dirty="0" smtClean="0"/>
-              <a:t>1.10 </a:t>
-            </a:r>
-            <a:r>
-              <a:rPr kumimoji="1" lang="zh-CN" altLang="en-US" dirty="0" smtClean="0"/>
-              <a:t>排</a:t>
-            </a:r>
-            <a:r>
-              <a:rPr kumimoji="1" lang="zh-CN" altLang="en-US" dirty="0"/>
-              <a:t>查协程泄漏问题</a:t>
-            </a:r>
-            <a:endParaRPr kumimoji="1" lang="en-US" altLang="zh-CN" dirty="0"/>
+            <a:pPr marL="571500" indent="-571500" algn="l">
+              <a:spcBef>
+                <a:spcPts val="1000"/>
+              </a:spcBef>
+              <a:spcAft>
+                <a:spcPts val="1000"/>
+              </a:spcAft>
+              <a:buSzPct val="125000"/>
+              <a:buFont typeface="Arial" panose="020B0604020202090204" pitchFamily="34" charset="0"/>
+              <a:buChar char="•"/>
+            </a:pPr>
+            <a:r>
+              <a:rPr kumimoji="1" lang="zh-CN" altLang="en-US" sz="4000" b="0" dirty="0" smtClean="0">
+                <a:solidFill>
+                  <a:srgbClr val="FFFFFF"/>
+                </a:solidFill>
+                <a:latin typeface="Helvetica" pitchFamily="2" charset="0"/>
+                <a:ea typeface="Alibaba PuHuiTi R" panose="00020600040101010101" pitchFamily="18" charset="-122"/>
+                <a:cs typeface="Alibaba PuHuiTi R" panose="00020600040101010101" pitchFamily="18" charset="-122"/>
+              </a:rPr>
+              <a:t>重新生成报告</a:t>
+            </a:r>
+            <a:endParaRPr kumimoji="1" lang="zh-CN" altLang="en-US" sz="4000" b="0" dirty="0">
+              <a:solidFill>
+                <a:srgbClr val="FFFFFF"/>
+              </a:solidFill>
+              <a:latin typeface="Helvetica" pitchFamily="2" charset="0"/>
+              <a:ea typeface="Alibaba PuHuiTi R" panose="00020600040101010101" pitchFamily="18" charset="-122"/>
+              <a:cs typeface="Alibaba PuHuiTi R" panose="00020600040101010101" pitchFamily="18" charset="-122"/>
+            </a:endParaRPr>
           </a:p>
         </p:txBody>
       </p:sp>
+      <p:pic>
+        <p:nvPicPr>
+          <p:cNvPr id="7" name="图片 6"/>
+          <p:cNvPicPr>
+            <a:picLocks noChangeAspect="1"/>
+          </p:cNvPicPr>
+          <p:nvPr/>
+        </p:nvPicPr>
+        <p:blipFill>
+          <a:blip r:embed="rId3"/>
+          <a:stretch>
+            <a:fillRect/>
+          </a:stretch>
+        </p:blipFill>
+        <p:spPr>
+          <a:xfrm>
+            <a:off x="1861592" y="4099424"/>
+            <a:ext cx="17549813" cy="9592820"/>
+          </a:xfrm>
+          <a:prstGeom prst="rect">
+            <a:avLst/>
+          </a:prstGeom>
+        </p:spPr>
+      </p:pic>
     </p:spTree>
     <p:extLst>
       <p:ext uri="{BB962C8B-B14F-4D97-AF65-F5344CB8AC3E}">
-        <p14:creationId xmlns:p14="http://schemas.microsoft.com/office/powerpoint/2010/main" val="2362445396"/>
+        <p14:creationId xmlns:p14="http://schemas.microsoft.com/office/powerpoint/2010/main" val="2576696756"/>
       </p:ext>
     </p:extLst>
   </p:cSld>
@@ -16074,6 +17399,13 @@
     <a:masterClrMapping/>
   </p:clrMapOvr>
   <p:transition spd="med"/>
+  <p:timing>
+    <p:tnLst>
+      <p:par>
+        <p:cTn id="1" dur="indefinite" restart="never" nodeType="tmRoot"/>
+      </p:par>
+    </p:tnLst>
+  </p:timing>
 </p:sld>
 </file>
 
@@ -16096,71 +17428,238 @@
       </p:grpSpPr>
       <p:sp>
         <p:nvSpPr>
-          <p:cNvPr id="2" name="文本占位符 1"/>
+          <p:cNvPr id="6" name="标题 5"/>
           <p:cNvSpPr>
             <a:spLocks noGrp="1"/>
           </p:cNvSpPr>
           <p:nvPr>
-            <p:ph type="body" sz="quarter" idx="13"/>
+            <p:ph type="title"/>
           </p:nvPr>
+        </p:nvSpPr>
+        <p:spPr/>
+        <p:txBody>
+          <a:bodyPr>
+            <a:noAutofit/>
+          </a:bodyPr>
+          <a:lstStyle/>
+          <a:p>
+            <a:r>
+              <a:rPr kumimoji="1" lang="en-US" altLang="zh-CN" dirty="0" smtClean="0"/>
+              <a:t>1.7 </a:t>
+            </a:r>
+            <a:r>
+              <a:rPr kumimoji="1" lang="zh-CN" altLang="en-US" dirty="0" smtClean="0"/>
+              <a:t>排</a:t>
+            </a:r>
+            <a:r>
+              <a:rPr kumimoji="1" lang="zh-CN" altLang="en-US" dirty="0"/>
+              <a:t>查</a:t>
+            </a:r>
+            <a:r>
+              <a:rPr kumimoji="1" lang="en-US" altLang="zh-CN" dirty="0"/>
+              <a:t>CPU</a:t>
+            </a:r>
+            <a:r>
+              <a:rPr kumimoji="1" lang="zh-CN" altLang="en-US" dirty="0"/>
+              <a:t>占用过高问题</a:t>
+            </a:r>
+            <a:br>
+              <a:rPr kumimoji="1" lang="zh-CN" altLang="en-US" dirty="0"/>
+            </a:br>
+            <a:r>
+              <a:rPr kumimoji="1" lang="en-US" altLang="zh-CN" dirty="0"/>
+              <a:t/>
+            </a:r>
+            <a:br>
+              <a:rPr kumimoji="1" lang="en-US" altLang="zh-CN" dirty="0"/>
+            </a:br>
+            <a:r>
+              <a:rPr kumimoji="1" lang="zh-CN" altLang="en-US" dirty="0"/>
+              <a:t/>
+            </a:r>
+            <a:br>
+              <a:rPr kumimoji="1" lang="zh-CN" altLang="en-US" dirty="0"/>
+            </a:br>
+            <a:r>
+              <a:rPr kumimoji="1" lang="zh-CN" altLang="en-US" dirty="0"/>
+              <a:t/>
+            </a:r>
+            <a:br>
+              <a:rPr kumimoji="1" lang="zh-CN" altLang="en-US" dirty="0"/>
+            </a:br>
+            <a:endParaRPr kumimoji="1" lang="en-US" altLang="zh-CN" dirty="0"/>
+          </a:p>
+        </p:txBody>
+      </p:sp>
+      <p:sp>
+        <p:nvSpPr>
+          <p:cNvPr id="2" name="文本框 1"/>
+          <p:cNvSpPr txBox="1"/>
+          <p:nvPr/>
         </p:nvSpPr>
         <p:spPr>
           <a:xfrm>
-            <a:off x="2444750" y="7675880"/>
-            <a:ext cx="5928995" cy="1163320"/>
+            <a:off x="1463040" y="4336869"/>
+            <a:ext cx="19803291" cy="5172891"/>
           </a:xfrm>
+          <a:prstGeom prst="rect">
+            <a:avLst/>
+          </a:prstGeom>
+          <a:noFill/>
+          <a:ln w="12700" cap="flat">
+            <a:noFill/>
+            <a:miter lim="400000"/>
+          </a:ln>
         </p:spPr>
+        <p:style>
+          <a:lnRef idx="0">
+            <a:scrgbClr r="0" g="0" b="0"/>
+          </a:lnRef>
+          <a:fillRef idx="0">
+            <a:scrgbClr r="0" g="0" b="0"/>
+          </a:fillRef>
+          <a:effectRef idx="0">
+            <a:scrgbClr r="0" g="0" b="0"/>
+          </a:effectRef>
+          <a:fontRef idx="none"/>
+        </p:style>
         <p:txBody>
-          <a:bodyPr wrap="square"/>
+          <a:bodyPr rot="0" spcFirstLastPara="1" vertOverflow="overflow" horzOverflow="overflow" vert="horz" wrap="square" lIns="50800" tIns="50800" rIns="50800" bIns="50800" numCol="1" spcCol="38100" rtlCol="0" anchor="ctr">
+            <a:spAutoFit/>
+          </a:bodyPr>
           <a:lstStyle/>
           <a:p>
-            <a:r>
-              <a:rPr kumimoji="1" lang="zh-CN" altLang="en-US" dirty="0"/>
-              <a:t>闯哥</a:t>
-            </a:r>
+            <a:pPr marL="0" marR="0" indent="0" algn="ctr" defTabSz="825500" rtl="0" fontAlgn="auto" latinLnBrk="0" hangingPunct="0">
+              <a:lnSpc>
+                <a:spcPct val="100000"/>
+              </a:lnSpc>
+              <a:spcBef>
+                <a:spcPts val="0"/>
+              </a:spcBef>
+              <a:spcAft>
+                <a:spcPts val="0"/>
+              </a:spcAft>
+              <a:buClrTx/>
+              <a:buSzTx/>
+              <a:buFontTx/>
+              <a:buNone/>
+            </a:pPr>
+            <a:endParaRPr kumimoji="0" lang="zh-CN" altLang="en-US" sz="3000" b="1" i="0" u="none" strike="noStrike" cap="none" spc="0" normalizeH="0" baseline="0" dirty="0">
+              <a:ln>
+                <a:noFill/>
+              </a:ln>
+              <a:solidFill>
+                <a:srgbClr val="000000"/>
+              </a:solidFill>
+              <a:effectLst/>
+              <a:uFillTx/>
+              <a:latin typeface="Helvetica Neue" panose="02000503000000020004"/>
+              <a:ea typeface="Helvetica Neue" panose="02000503000000020004"/>
+              <a:cs typeface="Helvetica Neue" panose="02000503000000020004"/>
+              <a:sym typeface="Helvetica Neue" panose="02000503000000020004"/>
+            </a:endParaRPr>
           </a:p>
         </p:txBody>
       </p:sp>
       <p:sp>
         <p:nvSpPr>
-          <p:cNvPr id="4" name="文本占位符 3"/>
-          <p:cNvSpPr>
-            <a:spLocks noGrp="1"/>
-          </p:cNvSpPr>
-          <p:nvPr>
-            <p:ph type="body" sz="quarter" idx="15"/>
-          </p:nvPr>
+          <p:cNvPr id="5" name="文本框 4"/>
+          <p:cNvSpPr txBox="1"/>
+          <p:nvPr/>
         </p:nvSpPr>
         <p:spPr>
           <a:xfrm>
-            <a:off x="2444750" y="4987012"/>
-            <a:ext cx="19143345" cy="1210588"/>
+            <a:off x="2462400" y="2823737"/>
+            <a:ext cx="19458000" cy="974626"/>
           </a:xfrm>
+          <a:prstGeom prst="rect">
+            <a:avLst/>
+          </a:prstGeom>
+          <a:noFill/>
+          <a:ln w="12700" cap="flat">
+            <a:noFill/>
+            <a:miter lim="400000"/>
+          </a:ln>
         </p:spPr>
+        <p:style>
+          <a:lnRef idx="0">
+            <a:scrgbClr r="0" g="0" b="0"/>
+          </a:lnRef>
+          <a:fillRef idx="0">
+            <a:scrgbClr r="0" g="0" b="0"/>
+          </a:fillRef>
+          <a:effectRef idx="0">
+            <a:scrgbClr r="0" g="0" b="0"/>
+          </a:effectRef>
+          <a:fontRef idx="none"/>
+        </p:style>
         <p:txBody>
-          <a:bodyPr wrap="square"/>
+          <a:bodyPr rot="0" spcFirstLastPara="1" vertOverflow="overflow" horzOverflow="overflow" vert="horz" wrap="square" lIns="50800" tIns="50800" rIns="50800" bIns="50800" numCol="1" spcCol="38100" rtlCol="0" anchor="ctr">
+            <a:spAutoFit/>
+          </a:bodyPr>
           <a:lstStyle/>
           <a:p>
-            <a:r>
-              <a:rPr kumimoji="1" lang="en-US" altLang="zh-CN" dirty="0" smtClean="0"/>
-              <a:t>1.11 </a:t>
-            </a:r>
-            <a:r>
-              <a:rPr kumimoji="1" lang="zh-CN" altLang="en-US" dirty="0" smtClean="0"/>
-              <a:t>排</a:t>
-            </a:r>
-            <a:r>
-              <a:rPr kumimoji="1" lang="zh-CN" altLang="en-US" dirty="0"/>
-              <a:t>查锁竞争问题</a:t>
-            </a:r>
-            <a:endParaRPr kumimoji="1" lang="en-US" altLang="zh-CN" dirty="0"/>
+            <a:pPr marL="571500" indent="-571500" algn="l">
+              <a:spcBef>
+                <a:spcPts val="1000"/>
+              </a:spcBef>
+              <a:spcAft>
+                <a:spcPts val="1000"/>
+              </a:spcAft>
+              <a:buSzPct val="125000"/>
+              <a:buFont typeface="Arial" panose="020B0604020202090204" pitchFamily="34" charset="0"/>
+              <a:buChar char="•"/>
+            </a:pPr>
+            <a:r>
+              <a:rPr kumimoji="1" lang="zh-CN" altLang="en-US" sz="4000" b="0" dirty="0" smtClean="0">
+                <a:solidFill>
+                  <a:srgbClr val="FFFFFF"/>
+                </a:solidFill>
+                <a:latin typeface="Helvetica" pitchFamily="2" charset="0"/>
+                <a:ea typeface="Alibaba PuHuiTi R" panose="00020600040101010101" pitchFamily="18" charset="-122"/>
+                <a:cs typeface="Alibaba PuHuiTi R" panose="00020600040101010101" pitchFamily="18" charset="-122"/>
+              </a:rPr>
+              <a:t>重新生成报告</a:t>
+            </a:r>
+            <a:endParaRPr kumimoji="1" lang="zh-CN" altLang="en-US" sz="4000" b="0" dirty="0">
+              <a:solidFill>
+                <a:srgbClr val="FFFFFF"/>
+              </a:solidFill>
+              <a:latin typeface="Helvetica" pitchFamily="2" charset="0"/>
+              <a:ea typeface="Alibaba PuHuiTi R" panose="00020600040101010101" pitchFamily="18" charset="-122"/>
+              <a:cs typeface="Alibaba PuHuiTi R" panose="00020600040101010101" pitchFamily="18" charset="-122"/>
+            </a:endParaRPr>
           </a:p>
         </p:txBody>
       </p:sp>
+      <p:pic>
+        <p:nvPicPr>
+          <p:cNvPr id="7" name="图片 6"/>
+          <p:cNvPicPr>
+            <a:picLocks noChangeAspect="1"/>
+          </p:cNvPicPr>
+          <p:nvPr/>
+        </p:nvPicPr>
+        <p:blipFill>
+          <a:blip r:embed="rId3"/>
+          <a:stretch>
+            <a:fillRect/>
+          </a:stretch>
+        </p:blipFill>
+        <p:spPr>
+          <a:xfrm>
+            <a:off x="1861592" y="4099424"/>
+            <a:ext cx="17549813" cy="9592820"/>
+          </a:xfrm>
+          <a:prstGeom prst="rect">
+            <a:avLst/>
+          </a:prstGeom>
+        </p:spPr>
+      </p:pic>
     </p:spTree>
     <p:extLst>
       <p:ext uri="{BB962C8B-B14F-4D97-AF65-F5344CB8AC3E}">
-        <p14:creationId xmlns:p14="http://schemas.microsoft.com/office/powerpoint/2010/main" val="3591334192"/>
+        <p14:creationId xmlns:p14="http://schemas.microsoft.com/office/powerpoint/2010/main" val="187226616"/>
       </p:ext>
     </p:extLst>
   </p:cSld>
@@ -16168,6 +17667,13 @@
     <a:masterClrMapping/>
   </p:clrMapOvr>
   <p:transition spd="med"/>
+  <p:timing>
+    <p:tnLst>
+      <p:par>
+        <p:cTn id="1" dur="indefinite" restart="never" nodeType="tmRoot"/>
+      </p:par>
+    </p:tnLst>
+  </p:timing>
 </p:sld>
 </file>
 
@@ -16190,71 +17696,419 @@
       </p:grpSpPr>
       <p:sp>
         <p:nvSpPr>
-          <p:cNvPr id="2" name="文本占位符 1"/>
+          <p:cNvPr id="6" name="标题 5"/>
           <p:cNvSpPr>
             <a:spLocks noGrp="1"/>
           </p:cNvSpPr>
           <p:nvPr>
-            <p:ph type="body" sz="quarter" idx="13"/>
+            <p:ph type="title"/>
           </p:nvPr>
+        </p:nvSpPr>
+        <p:spPr/>
+        <p:txBody>
+          <a:bodyPr>
+            <a:noAutofit/>
+          </a:bodyPr>
+          <a:lstStyle/>
+          <a:p>
+            <a:r>
+              <a:rPr kumimoji="1" lang="en-US" altLang="zh-CN" dirty="0" smtClean="0"/>
+              <a:t>1.7 </a:t>
+            </a:r>
+            <a:r>
+              <a:rPr kumimoji="1" lang="zh-CN" altLang="en-US" dirty="0" smtClean="0"/>
+              <a:t>排</a:t>
+            </a:r>
+            <a:r>
+              <a:rPr kumimoji="1" lang="zh-CN" altLang="en-US" dirty="0"/>
+              <a:t>查</a:t>
+            </a:r>
+            <a:r>
+              <a:rPr kumimoji="1" lang="en-US" altLang="zh-CN" dirty="0"/>
+              <a:t>CPU</a:t>
+            </a:r>
+            <a:r>
+              <a:rPr kumimoji="1" lang="zh-CN" altLang="en-US" dirty="0"/>
+              <a:t>占用过高问题</a:t>
+            </a:r>
+            <a:br>
+              <a:rPr kumimoji="1" lang="zh-CN" altLang="en-US" dirty="0"/>
+            </a:br>
+            <a:r>
+              <a:rPr kumimoji="1" lang="en-US" altLang="zh-CN" dirty="0"/>
+              <a:t/>
+            </a:r>
+            <a:br>
+              <a:rPr kumimoji="1" lang="en-US" altLang="zh-CN" dirty="0"/>
+            </a:br>
+            <a:r>
+              <a:rPr kumimoji="1" lang="zh-CN" altLang="en-US" dirty="0"/>
+              <a:t/>
+            </a:r>
+            <a:br>
+              <a:rPr kumimoji="1" lang="zh-CN" altLang="en-US" dirty="0"/>
+            </a:br>
+            <a:r>
+              <a:rPr kumimoji="1" lang="zh-CN" altLang="en-US" dirty="0"/>
+              <a:t/>
+            </a:r>
+            <a:br>
+              <a:rPr kumimoji="1" lang="zh-CN" altLang="en-US" dirty="0"/>
+            </a:br>
+            <a:endParaRPr kumimoji="1" lang="en-US" altLang="zh-CN" dirty="0"/>
+          </a:p>
+        </p:txBody>
+      </p:sp>
+      <p:sp>
+        <p:nvSpPr>
+          <p:cNvPr id="2" name="文本框 1"/>
+          <p:cNvSpPr txBox="1"/>
+          <p:nvPr/>
         </p:nvSpPr>
         <p:spPr>
           <a:xfrm>
-            <a:off x="2444750" y="7675880"/>
-            <a:ext cx="5928995" cy="1163320"/>
+            <a:off x="1463040" y="4336869"/>
+            <a:ext cx="19803291" cy="5172891"/>
           </a:xfrm>
+          <a:prstGeom prst="rect">
+            <a:avLst/>
+          </a:prstGeom>
+          <a:noFill/>
+          <a:ln w="12700" cap="flat">
+            <a:noFill/>
+            <a:miter lim="400000"/>
+          </a:ln>
         </p:spPr>
+        <p:style>
+          <a:lnRef idx="0">
+            <a:scrgbClr r="0" g="0" b="0"/>
+          </a:lnRef>
+          <a:fillRef idx="0">
+            <a:scrgbClr r="0" g="0" b="0"/>
+          </a:fillRef>
+          <a:effectRef idx="0">
+            <a:scrgbClr r="0" g="0" b="0"/>
+          </a:effectRef>
+          <a:fontRef idx="none"/>
+        </p:style>
         <p:txBody>
-          <a:bodyPr wrap="square"/>
+          <a:bodyPr rot="0" spcFirstLastPara="1" vertOverflow="overflow" horzOverflow="overflow" vert="horz" wrap="square" lIns="50800" tIns="50800" rIns="50800" bIns="50800" numCol="1" spcCol="38100" rtlCol="0" anchor="ctr">
+            <a:spAutoFit/>
+          </a:bodyPr>
           <a:lstStyle/>
           <a:p>
-            <a:r>
-              <a:rPr kumimoji="1" lang="zh-CN" altLang="en-US" dirty="0"/>
-              <a:t>闯哥</a:t>
-            </a:r>
+            <a:pPr marL="0" marR="0" indent="0" algn="ctr" defTabSz="825500" rtl="0" fontAlgn="auto" latinLnBrk="0" hangingPunct="0">
+              <a:lnSpc>
+                <a:spcPct val="100000"/>
+              </a:lnSpc>
+              <a:spcBef>
+                <a:spcPts val="0"/>
+              </a:spcBef>
+              <a:spcAft>
+                <a:spcPts val="0"/>
+              </a:spcAft>
+              <a:buClrTx/>
+              <a:buSzTx/>
+              <a:buFontTx/>
+              <a:buNone/>
+            </a:pPr>
+            <a:endParaRPr kumimoji="0" lang="zh-CN" altLang="en-US" sz="3000" b="1" i="0" u="none" strike="noStrike" cap="none" spc="0" normalizeH="0" baseline="0" dirty="0">
+              <a:ln>
+                <a:noFill/>
+              </a:ln>
+              <a:solidFill>
+                <a:srgbClr val="000000"/>
+              </a:solidFill>
+              <a:effectLst/>
+              <a:uFillTx/>
+              <a:latin typeface="Helvetica Neue" panose="02000503000000020004"/>
+              <a:ea typeface="Helvetica Neue" panose="02000503000000020004"/>
+              <a:cs typeface="Helvetica Neue" panose="02000503000000020004"/>
+              <a:sym typeface="Helvetica Neue" panose="02000503000000020004"/>
+            </a:endParaRPr>
           </a:p>
         </p:txBody>
       </p:sp>
       <p:sp>
         <p:nvSpPr>
-          <p:cNvPr id="4" name="文本占位符 3"/>
-          <p:cNvSpPr>
-            <a:spLocks noGrp="1"/>
-          </p:cNvSpPr>
-          <p:nvPr>
-            <p:ph type="body" sz="quarter" idx="15"/>
-          </p:nvPr>
+          <p:cNvPr id="5" name="文本框 4"/>
+          <p:cNvSpPr txBox="1"/>
+          <p:nvPr/>
         </p:nvSpPr>
         <p:spPr>
           <a:xfrm>
-            <a:off x="2444750" y="4987012"/>
-            <a:ext cx="19143345" cy="1210588"/>
+            <a:off x="2462400" y="2023166"/>
+            <a:ext cx="19458000" cy="3098284"/>
           </a:xfrm>
+          <a:prstGeom prst="rect">
+            <a:avLst/>
+          </a:prstGeom>
+          <a:noFill/>
+          <a:ln w="12700" cap="flat">
+            <a:noFill/>
+            <a:miter lim="400000"/>
+          </a:ln>
         </p:spPr>
+        <p:style>
+          <a:lnRef idx="0">
+            <a:scrgbClr r="0" g="0" b="0"/>
+          </a:lnRef>
+          <a:fillRef idx="0">
+            <a:scrgbClr r="0" g="0" b="0"/>
+          </a:fillRef>
+          <a:effectRef idx="0">
+            <a:scrgbClr r="0" g="0" b="0"/>
+          </a:effectRef>
+          <a:fontRef idx="none"/>
+        </p:style>
         <p:txBody>
-          <a:bodyPr wrap="square"/>
+          <a:bodyPr rot="0" spcFirstLastPara="1" vertOverflow="overflow" horzOverflow="overflow" vert="horz" wrap="square" lIns="50800" tIns="50800" rIns="50800" bIns="50800" numCol="1" spcCol="38100" rtlCol="0" anchor="ctr">
+            <a:spAutoFit/>
+          </a:bodyPr>
           <a:lstStyle/>
           <a:p>
-            <a:r>
-              <a:rPr kumimoji="1" lang="en-US" altLang="zh-CN" dirty="0" smtClean="0"/>
-              <a:t>1.12 </a:t>
-            </a:r>
-            <a:r>
-              <a:rPr kumimoji="1" lang="zh-CN" altLang="en-US" dirty="0" smtClean="0"/>
-              <a:t>排</a:t>
-            </a:r>
-            <a:r>
-              <a:rPr kumimoji="1" lang="zh-CN" altLang="en-US" dirty="0"/>
-              <a:t>查阻塞问题</a:t>
-            </a:r>
-            <a:endParaRPr kumimoji="1" lang="en-US" altLang="zh-CN" dirty="0"/>
+            <a:pPr algn="l">
+              <a:spcBef>
+                <a:spcPts val="1000"/>
+              </a:spcBef>
+              <a:spcAft>
+                <a:spcPts val="1000"/>
+              </a:spcAft>
+              <a:buSzPct val="125000"/>
+            </a:pPr>
+            <a:r>
+              <a:rPr kumimoji="1" lang="en-US" altLang="zh-CN" sz="3200" b="0" dirty="0" smtClean="0">
+                <a:solidFill>
+                  <a:srgbClr val="FFFFFF"/>
+                </a:solidFill>
+                <a:latin typeface="Helvetica" pitchFamily="2" charset="0"/>
+                <a:ea typeface="Alibaba PuHuiTi R" panose="00020600040101010101" pitchFamily="18" charset="-122"/>
+                <a:cs typeface="Alibaba PuHuiTi R" panose="00020600040101010101" pitchFamily="18" charset="-122"/>
+              </a:rPr>
+              <a:t>#</a:t>
+            </a:r>
+            <a:r>
+              <a:rPr kumimoji="1" lang="zh-CN" altLang="en-US" sz="3200" b="0" dirty="0" smtClean="0">
+                <a:solidFill>
+                  <a:srgbClr val="FFFFFF"/>
+                </a:solidFill>
+                <a:latin typeface="Helvetica" pitchFamily="2" charset="0"/>
+                <a:ea typeface="Alibaba PuHuiTi R" panose="00020600040101010101" pitchFamily="18" charset="-122"/>
+                <a:cs typeface="Alibaba PuHuiTi R" panose="00020600040101010101" pitchFamily="18" charset="-122"/>
+              </a:rPr>
+              <a:t>重新生成报告</a:t>
+            </a:r>
+            <a:endParaRPr kumimoji="1" lang="en-US" altLang="zh-CN" sz="3200" b="0" dirty="0" smtClean="0">
+              <a:solidFill>
+                <a:srgbClr val="FFFFFF"/>
+              </a:solidFill>
+              <a:latin typeface="Helvetica" pitchFamily="2" charset="0"/>
+              <a:ea typeface="Alibaba PuHuiTi R" panose="00020600040101010101" pitchFamily="18" charset="-122"/>
+              <a:cs typeface="Alibaba PuHuiTi R" panose="00020600040101010101" pitchFamily="18" charset="-122"/>
+            </a:endParaRPr>
+          </a:p>
+          <a:p>
+            <a:pPr algn="l">
+              <a:spcBef>
+                <a:spcPts val="1000"/>
+              </a:spcBef>
+              <a:spcAft>
+                <a:spcPts val="1000"/>
+              </a:spcAft>
+              <a:buSzPct val="125000"/>
+            </a:pPr>
+            <a:r>
+              <a:rPr kumimoji="1" lang="en-US" altLang="zh-CN" sz="3200" b="0" dirty="0">
+                <a:solidFill>
+                  <a:srgbClr val="FFFFFF"/>
+                </a:solidFill>
+                <a:latin typeface="Helvetica" pitchFamily="2" charset="0"/>
+                <a:ea typeface="Alibaba PuHuiTi R" panose="00020600040101010101" pitchFamily="18" charset="-122"/>
+                <a:cs typeface="Alibaba PuHuiTi R" panose="00020600040101010101" pitchFamily="18" charset="-122"/>
+              </a:rPr>
+              <a:t> go tool </a:t>
+            </a:r>
+            <a:r>
+              <a:rPr kumimoji="1" lang="en-US" altLang="zh-CN" sz="3200" b="0" dirty="0" err="1">
+                <a:solidFill>
+                  <a:srgbClr val="FFFFFF"/>
+                </a:solidFill>
+                <a:latin typeface="Helvetica" pitchFamily="2" charset="0"/>
+                <a:ea typeface="Alibaba PuHuiTi R" panose="00020600040101010101" pitchFamily="18" charset="-122"/>
+                <a:cs typeface="Alibaba PuHuiTi R" panose="00020600040101010101" pitchFamily="18" charset="-122"/>
+              </a:rPr>
+              <a:t>pprof</a:t>
+            </a:r>
+            <a:r>
+              <a:rPr kumimoji="1" lang="en-US" altLang="zh-CN" sz="3200" b="0" dirty="0">
+                <a:solidFill>
+                  <a:srgbClr val="FFFFFF"/>
+                </a:solidFill>
+                <a:latin typeface="Helvetica" pitchFamily="2" charset="0"/>
+                <a:ea typeface="Alibaba PuHuiTi R" panose="00020600040101010101" pitchFamily="18" charset="-122"/>
+                <a:cs typeface="Alibaba PuHuiTi R" panose="00020600040101010101" pitchFamily="18" charset="-122"/>
+              </a:rPr>
+              <a:t> -http=:8000  </a:t>
+            </a:r>
+            <a:r>
+              <a:rPr kumimoji="1" lang="en-US" altLang="zh-CN" sz="3200" b="0" dirty="0" smtClean="0">
+                <a:solidFill>
+                  <a:srgbClr val="FFFFFF"/>
+                </a:solidFill>
+                <a:latin typeface="Helvetica" pitchFamily="2" charset="0"/>
+                <a:ea typeface="Alibaba PuHuiTi R" panose="00020600040101010101" pitchFamily="18" charset="-122"/>
+                <a:cs typeface="Alibaba PuHuiTi R" panose="00020600040101010101" pitchFamily="18" charset="-122"/>
+              </a:rPr>
+              <a:t>profile</a:t>
+            </a:r>
+          </a:p>
+          <a:p>
+            <a:pPr algn="l">
+              <a:spcBef>
+                <a:spcPts val="1000"/>
+              </a:spcBef>
+              <a:spcAft>
+                <a:spcPts val="1000"/>
+              </a:spcAft>
+              <a:buSzPct val="125000"/>
+            </a:pPr>
+            <a:r>
+              <a:rPr kumimoji="1" lang="en-US" altLang="zh-CN" sz="3200" b="0" dirty="0" smtClean="0">
+                <a:solidFill>
+                  <a:srgbClr val="FFFFFF"/>
+                </a:solidFill>
+                <a:latin typeface="Helvetica" pitchFamily="2" charset="0"/>
+                <a:ea typeface="Alibaba PuHuiTi R" panose="00020600040101010101" pitchFamily="18" charset="-122"/>
+                <a:cs typeface="Alibaba PuHuiTi R" panose="00020600040101010101" pitchFamily="18" charset="-122"/>
+              </a:rPr>
+              <a:t>#</a:t>
+            </a:r>
+            <a:r>
+              <a:rPr kumimoji="1" lang="zh-CN" altLang="en-US" sz="3200" b="0" dirty="0" smtClean="0">
+                <a:solidFill>
+                  <a:srgbClr val="FFFFFF"/>
+                </a:solidFill>
+                <a:latin typeface="Helvetica" pitchFamily="2" charset="0"/>
+                <a:ea typeface="Alibaba PuHuiTi R" panose="00020600040101010101" pitchFamily="18" charset="-122"/>
+                <a:cs typeface="Alibaba PuHuiTi R" panose="00020600040101010101" pitchFamily="18" charset="-122"/>
+              </a:rPr>
+              <a:t>生成报告对比</a:t>
+            </a:r>
+            <a:endParaRPr kumimoji="1" lang="en-US" altLang="zh-CN" sz="3200" b="0" dirty="0" smtClean="0">
+              <a:solidFill>
+                <a:srgbClr val="FFFFFF"/>
+              </a:solidFill>
+              <a:latin typeface="Helvetica" pitchFamily="2" charset="0"/>
+              <a:ea typeface="Alibaba PuHuiTi R" panose="00020600040101010101" pitchFamily="18" charset="-122"/>
+              <a:cs typeface="Alibaba PuHuiTi R" panose="00020600040101010101" pitchFamily="18" charset="-122"/>
+            </a:endParaRPr>
+          </a:p>
+          <a:p>
+            <a:pPr algn="l">
+              <a:spcBef>
+                <a:spcPts val="1000"/>
+              </a:spcBef>
+              <a:spcAft>
+                <a:spcPts val="1000"/>
+              </a:spcAft>
+              <a:buSzPct val="125000"/>
+            </a:pPr>
+            <a:r>
+              <a:rPr kumimoji="1" lang="en-US" altLang="zh-CN" sz="3200" b="0" dirty="0">
+                <a:solidFill>
+                  <a:srgbClr val="FFFFFF"/>
+                </a:solidFill>
+                <a:latin typeface="Helvetica" pitchFamily="2" charset="0"/>
+                <a:ea typeface="Alibaba PuHuiTi R" panose="00020600040101010101" pitchFamily="18" charset="-122"/>
+                <a:cs typeface="Alibaba PuHuiTi R" panose="00020600040101010101" pitchFamily="18" charset="-122"/>
+              </a:rPr>
+              <a:t>go tool </a:t>
+            </a:r>
+            <a:r>
+              <a:rPr kumimoji="1" lang="en-US" altLang="zh-CN" sz="3200" b="0" dirty="0" err="1">
+                <a:solidFill>
+                  <a:srgbClr val="FFFFFF"/>
+                </a:solidFill>
+                <a:latin typeface="Helvetica" pitchFamily="2" charset="0"/>
+                <a:ea typeface="Alibaba PuHuiTi R" panose="00020600040101010101" pitchFamily="18" charset="-122"/>
+                <a:cs typeface="Alibaba PuHuiTi R" panose="00020600040101010101" pitchFamily="18" charset="-122"/>
+              </a:rPr>
+              <a:t>pprof</a:t>
+            </a:r>
+            <a:r>
+              <a:rPr kumimoji="1" lang="en-US" altLang="zh-CN" sz="3200" b="0" dirty="0">
+                <a:solidFill>
+                  <a:srgbClr val="FFFFFF"/>
+                </a:solidFill>
+                <a:latin typeface="Helvetica" pitchFamily="2" charset="0"/>
+                <a:ea typeface="Alibaba PuHuiTi R" panose="00020600040101010101" pitchFamily="18" charset="-122"/>
+                <a:cs typeface="Alibaba PuHuiTi R" panose="00020600040101010101" pitchFamily="18" charset="-122"/>
+              </a:rPr>
+              <a:t> -http=:8000 --base profile0 profile</a:t>
+            </a:r>
+            <a:endParaRPr kumimoji="1" lang="zh-CN" altLang="en-US" sz="3200" b="0" dirty="0">
+              <a:solidFill>
+                <a:srgbClr val="FFFFFF"/>
+              </a:solidFill>
+              <a:latin typeface="Helvetica" pitchFamily="2" charset="0"/>
+              <a:ea typeface="Alibaba PuHuiTi R" panose="00020600040101010101" pitchFamily="18" charset="-122"/>
+              <a:cs typeface="Alibaba PuHuiTi R" panose="00020600040101010101" pitchFamily="18" charset="-122"/>
+            </a:endParaRPr>
           </a:p>
         </p:txBody>
       </p:sp>
+      <p:pic>
+        <p:nvPicPr>
+          <p:cNvPr id="3" name="图片 2"/>
+          <p:cNvPicPr>
+            <a:picLocks noChangeAspect="1"/>
+          </p:cNvPicPr>
+          <p:nvPr/>
+        </p:nvPicPr>
+        <p:blipFill>
+          <a:blip r:embed="rId3"/>
+          <a:stretch>
+            <a:fillRect/>
+          </a:stretch>
+        </p:blipFill>
+        <p:spPr>
+          <a:xfrm>
+            <a:off x="339637" y="5431019"/>
+            <a:ext cx="12236223" cy="8157482"/>
+          </a:xfrm>
+          <a:prstGeom prst="rect">
+            <a:avLst/>
+          </a:prstGeom>
+        </p:spPr>
+      </p:pic>
+      <p:pic>
+        <p:nvPicPr>
+          <p:cNvPr id="4" name="图片 3"/>
+          <p:cNvPicPr>
+            <a:picLocks noChangeAspect="1"/>
+          </p:cNvPicPr>
+          <p:nvPr/>
+        </p:nvPicPr>
+        <p:blipFill>
+          <a:blip r:embed="rId4"/>
+          <a:stretch>
+            <a:fillRect/>
+          </a:stretch>
+        </p:blipFill>
+        <p:spPr>
+          <a:xfrm>
+            <a:off x="13336564" y="5431019"/>
+            <a:ext cx="10481926" cy="8157482"/>
+          </a:xfrm>
+          <a:prstGeom prst="rect">
+            <a:avLst/>
+          </a:prstGeom>
+        </p:spPr>
+      </p:pic>
     </p:spTree>
     <p:extLst>
       <p:ext uri="{BB962C8B-B14F-4D97-AF65-F5344CB8AC3E}">
-        <p14:creationId xmlns:p14="http://schemas.microsoft.com/office/powerpoint/2010/main" val="2865345634"/>
+        <p14:creationId xmlns:p14="http://schemas.microsoft.com/office/powerpoint/2010/main" val="2865038575"/>
       </p:ext>
     </p:extLst>
   </p:cSld>
@@ -16262,6 +18116,13 @@
     <a:masterClrMapping/>
   </p:clrMapOvr>
   <p:transition spd="med"/>
+  <p:timing>
+    <p:tnLst>
+      <p:par>
+        <p:cTn id="1" dur="indefinite" restart="never" nodeType="tmRoot"/>
+      </p:par>
+    </p:tnLst>
+  </p:timing>
 </p:sld>
 </file>
 
@@ -16421,6 +18282,727 @@
           <a:p>
             <a:r>
               <a:rPr kumimoji="1" lang="en-US" altLang="zh-CN" dirty="0" smtClean="0"/>
+              <a:t>1.8 </a:t>
+            </a:r>
+            <a:r>
+              <a:rPr kumimoji="1" lang="zh-CN" altLang="en-US" dirty="0" smtClean="0"/>
+              <a:t>排</a:t>
+            </a:r>
+            <a:r>
+              <a:rPr kumimoji="1" lang="zh-CN" altLang="en-US" dirty="0"/>
+              <a:t>查内存占用过高问题</a:t>
+            </a:r>
+            <a:endParaRPr kumimoji="1" lang="en-US" altLang="zh-CN" dirty="0"/>
+          </a:p>
+        </p:txBody>
+      </p:sp>
+    </p:spTree>
+    <p:extLst>
+      <p:ext uri="{BB962C8B-B14F-4D97-AF65-F5344CB8AC3E}">
+        <p14:creationId xmlns:p14="http://schemas.microsoft.com/office/powerpoint/2010/main" val="3100962517"/>
+      </p:ext>
+    </p:extLst>
+  </p:cSld>
+  <p:clrMapOvr>
+    <a:masterClrMapping/>
+  </p:clrMapOvr>
+  <p:transition spd="med"/>
+</p:sld>
+</file>
+
+<file path=ppt/slides/slide51.xml><?xml version="1.0" encoding="utf-8"?>
+<p:sld xmlns:a="http://schemas.openxmlformats.org/drawingml/2006/main" xmlns:r="http://schemas.openxmlformats.org/officeDocument/2006/relationships" xmlns:p="http://schemas.openxmlformats.org/presentationml/2006/main">
+  <p:cSld>
+    <p:spTree>
+      <p:nvGrpSpPr>
+        <p:cNvPr id="1" name=""/>
+        <p:cNvGrpSpPr/>
+        <p:nvPr/>
+      </p:nvGrpSpPr>
+      <p:grpSpPr>
+        <a:xfrm>
+          <a:off x="0" y="0"/>
+          <a:ext cx="0" cy="0"/>
+          <a:chOff x="0" y="0"/>
+          <a:chExt cx="0" cy="0"/>
+        </a:xfrm>
+      </p:grpSpPr>
+      <p:sp>
+        <p:nvSpPr>
+          <p:cNvPr id="6" name="标题 5"/>
+          <p:cNvSpPr>
+            <a:spLocks noGrp="1"/>
+          </p:cNvSpPr>
+          <p:nvPr>
+            <p:ph type="title"/>
+          </p:nvPr>
+        </p:nvSpPr>
+        <p:spPr/>
+        <p:txBody>
+          <a:bodyPr>
+            <a:noAutofit/>
+          </a:bodyPr>
+          <a:lstStyle/>
+          <a:p>
+            <a:r>
+              <a:rPr kumimoji="1" lang="en-US" altLang="zh-CN" dirty="0" smtClean="0"/>
+              <a:t>1.8 </a:t>
+            </a:r>
+            <a:r>
+              <a:rPr kumimoji="1" lang="zh-CN" altLang="en-US" dirty="0" smtClean="0"/>
+              <a:t>排</a:t>
+            </a:r>
+            <a:r>
+              <a:rPr kumimoji="1" lang="zh-CN" altLang="en-US" dirty="0"/>
+              <a:t>查内存占用过高问题</a:t>
+            </a:r>
+            <a:br>
+              <a:rPr kumimoji="1" lang="zh-CN" altLang="en-US" dirty="0"/>
+            </a:br>
+            <a:r>
+              <a:rPr kumimoji="1" lang="zh-CN" altLang="en-US" dirty="0"/>
+              <a:t/>
+            </a:r>
+            <a:br>
+              <a:rPr kumimoji="1" lang="zh-CN" altLang="en-US" dirty="0"/>
+            </a:br>
+            <a:r>
+              <a:rPr kumimoji="1" lang="en-US" altLang="zh-CN" dirty="0"/>
+              <a:t/>
+            </a:r>
+            <a:br>
+              <a:rPr kumimoji="1" lang="en-US" altLang="zh-CN" dirty="0"/>
+            </a:br>
+            <a:r>
+              <a:rPr kumimoji="1" lang="zh-CN" altLang="en-US" dirty="0"/>
+              <a:t/>
+            </a:r>
+            <a:br>
+              <a:rPr kumimoji="1" lang="zh-CN" altLang="en-US" dirty="0"/>
+            </a:br>
+            <a:r>
+              <a:rPr kumimoji="1" lang="zh-CN" altLang="en-US" dirty="0"/>
+              <a:t/>
+            </a:r>
+            <a:br>
+              <a:rPr kumimoji="1" lang="zh-CN" altLang="en-US" dirty="0"/>
+            </a:br>
+            <a:endParaRPr kumimoji="1" lang="en-US" altLang="zh-CN" dirty="0"/>
+          </a:p>
+        </p:txBody>
+      </p:sp>
+      <p:sp>
+        <p:nvSpPr>
+          <p:cNvPr id="2" name="文本框 1"/>
+          <p:cNvSpPr txBox="1"/>
+          <p:nvPr/>
+        </p:nvSpPr>
+        <p:spPr>
+          <a:xfrm>
+            <a:off x="1463040" y="4336869"/>
+            <a:ext cx="19803291" cy="5172891"/>
+          </a:xfrm>
+          <a:prstGeom prst="rect">
+            <a:avLst/>
+          </a:prstGeom>
+          <a:noFill/>
+          <a:ln w="12700" cap="flat">
+            <a:noFill/>
+            <a:miter lim="400000"/>
+          </a:ln>
+        </p:spPr>
+        <p:style>
+          <a:lnRef idx="0">
+            <a:scrgbClr r="0" g="0" b="0"/>
+          </a:lnRef>
+          <a:fillRef idx="0">
+            <a:scrgbClr r="0" g="0" b="0"/>
+          </a:fillRef>
+          <a:effectRef idx="0">
+            <a:scrgbClr r="0" g="0" b="0"/>
+          </a:effectRef>
+          <a:fontRef idx="none"/>
+        </p:style>
+        <p:txBody>
+          <a:bodyPr rot="0" spcFirstLastPara="1" vertOverflow="overflow" horzOverflow="overflow" vert="horz" wrap="square" lIns="50800" tIns="50800" rIns="50800" bIns="50800" numCol="1" spcCol="38100" rtlCol="0" anchor="ctr">
+            <a:spAutoFit/>
+          </a:bodyPr>
+          <a:lstStyle/>
+          <a:p>
+            <a:pPr marL="0" marR="0" indent="0" algn="ctr" defTabSz="825500" rtl="0" fontAlgn="auto" latinLnBrk="0" hangingPunct="0">
+              <a:lnSpc>
+                <a:spcPct val="100000"/>
+              </a:lnSpc>
+              <a:spcBef>
+                <a:spcPts val="0"/>
+              </a:spcBef>
+              <a:spcAft>
+                <a:spcPts val="0"/>
+              </a:spcAft>
+              <a:buClrTx/>
+              <a:buSzTx/>
+              <a:buFontTx/>
+              <a:buNone/>
+            </a:pPr>
+            <a:endParaRPr kumimoji="0" lang="zh-CN" altLang="en-US" sz="3000" b="1" i="0" u="none" strike="noStrike" cap="none" spc="0" normalizeH="0" baseline="0" dirty="0">
+              <a:ln>
+                <a:noFill/>
+              </a:ln>
+              <a:solidFill>
+                <a:srgbClr val="000000"/>
+              </a:solidFill>
+              <a:effectLst/>
+              <a:uFillTx/>
+              <a:latin typeface="Helvetica Neue" panose="02000503000000020004"/>
+              <a:ea typeface="Helvetica Neue" panose="02000503000000020004"/>
+              <a:cs typeface="Helvetica Neue" panose="02000503000000020004"/>
+              <a:sym typeface="Helvetica Neue" panose="02000503000000020004"/>
+            </a:endParaRPr>
+          </a:p>
+        </p:txBody>
+      </p:sp>
+      <p:sp>
+        <p:nvSpPr>
+          <p:cNvPr id="5" name="文本框 4"/>
+          <p:cNvSpPr txBox="1"/>
+          <p:nvPr/>
+        </p:nvSpPr>
+        <p:spPr>
+          <a:xfrm>
+            <a:off x="2462400" y="2823737"/>
+            <a:ext cx="19458000" cy="974626"/>
+          </a:xfrm>
+          <a:prstGeom prst="rect">
+            <a:avLst/>
+          </a:prstGeom>
+          <a:noFill/>
+          <a:ln w="12700" cap="flat">
+            <a:noFill/>
+            <a:miter lim="400000"/>
+          </a:ln>
+        </p:spPr>
+        <p:style>
+          <a:lnRef idx="0">
+            <a:scrgbClr r="0" g="0" b="0"/>
+          </a:lnRef>
+          <a:fillRef idx="0">
+            <a:scrgbClr r="0" g="0" b="0"/>
+          </a:fillRef>
+          <a:effectRef idx="0">
+            <a:scrgbClr r="0" g="0" b="0"/>
+          </a:effectRef>
+          <a:fontRef idx="none"/>
+        </p:style>
+        <p:txBody>
+          <a:bodyPr rot="0" spcFirstLastPara="1" vertOverflow="overflow" horzOverflow="overflow" vert="horz" wrap="square" lIns="50800" tIns="50800" rIns="50800" bIns="50800" numCol="1" spcCol="38100" rtlCol="0" anchor="ctr">
+            <a:spAutoFit/>
+          </a:bodyPr>
+          <a:lstStyle/>
+          <a:p>
+            <a:pPr marL="571500" indent="-571500" algn="l">
+              <a:spcBef>
+                <a:spcPts val="1000"/>
+              </a:spcBef>
+              <a:spcAft>
+                <a:spcPts val="1000"/>
+              </a:spcAft>
+              <a:buSzPct val="125000"/>
+              <a:buFont typeface="Arial" panose="020B0604020202090204" pitchFamily="34" charset="0"/>
+              <a:buChar char="•"/>
+            </a:pPr>
+            <a:r>
+              <a:rPr kumimoji="1" lang="zh-CN" altLang="en-US" sz="4000" b="0" dirty="0" smtClean="0">
+                <a:solidFill>
+                  <a:srgbClr val="FFFFFF"/>
+                </a:solidFill>
+                <a:latin typeface="Helvetica" pitchFamily="2" charset="0"/>
+                <a:ea typeface="Alibaba PuHuiTi R" panose="00020600040101010101" pitchFamily="18" charset="-122"/>
+                <a:cs typeface="Alibaba PuHuiTi R" panose="00020600040101010101" pitchFamily="18" charset="-122"/>
+              </a:rPr>
+              <a:t>重新生成报告</a:t>
+            </a:r>
+            <a:endParaRPr kumimoji="1" lang="zh-CN" altLang="en-US" sz="4000" b="0" dirty="0">
+              <a:solidFill>
+                <a:srgbClr val="FFFFFF"/>
+              </a:solidFill>
+              <a:latin typeface="Helvetica" pitchFamily="2" charset="0"/>
+              <a:ea typeface="Alibaba PuHuiTi R" panose="00020600040101010101" pitchFamily="18" charset="-122"/>
+              <a:cs typeface="Alibaba PuHuiTi R" panose="00020600040101010101" pitchFamily="18" charset="-122"/>
+            </a:endParaRPr>
+          </a:p>
+        </p:txBody>
+      </p:sp>
+    </p:spTree>
+    <p:extLst>
+      <p:ext uri="{BB962C8B-B14F-4D97-AF65-F5344CB8AC3E}">
+        <p14:creationId xmlns:p14="http://schemas.microsoft.com/office/powerpoint/2010/main" val="1229028569"/>
+      </p:ext>
+    </p:extLst>
+  </p:cSld>
+  <p:clrMapOvr>
+    <a:masterClrMapping/>
+  </p:clrMapOvr>
+  <p:transition spd="med"/>
+  <p:timing>
+    <p:tnLst>
+      <p:par>
+        <p:cTn id="1" dur="indefinite" restart="never" nodeType="tmRoot"/>
+      </p:par>
+    </p:tnLst>
+  </p:timing>
+</p:sld>
+</file>
+
+<file path=ppt/slides/slide52.xml><?xml version="1.0" encoding="utf-8"?>
+<p:sld xmlns:a="http://schemas.openxmlformats.org/drawingml/2006/main" xmlns:r="http://schemas.openxmlformats.org/officeDocument/2006/relationships" xmlns:p="http://schemas.openxmlformats.org/presentationml/2006/main">
+  <p:cSld>
+    <p:spTree>
+      <p:nvGrpSpPr>
+        <p:cNvPr id="1" name=""/>
+        <p:cNvGrpSpPr/>
+        <p:nvPr/>
+      </p:nvGrpSpPr>
+      <p:grpSpPr>
+        <a:xfrm>
+          <a:off x="0" y="0"/>
+          <a:ext cx="0" cy="0"/>
+          <a:chOff x="0" y="0"/>
+          <a:chExt cx="0" cy="0"/>
+        </a:xfrm>
+      </p:grpSpPr>
+      <p:sp>
+        <p:nvSpPr>
+          <p:cNvPr id="2" name="文本占位符 1"/>
+          <p:cNvSpPr>
+            <a:spLocks noGrp="1"/>
+          </p:cNvSpPr>
+          <p:nvPr>
+            <p:ph type="body" sz="quarter" idx="13"/>
+          </p:nvPr>
+        </p:nvSpPr>
+        <p:spPr>
+          <a:xfrm>
+            <a:off x="2444750" y="7675880"/>
+            <a:ext cx="5928995" cy="1163320"/>
+          </a:xfrm>
+        </p:spPr>
+        <p:txBody>
+          <a:bodyPr wrap="square"/>
+          <a:lstStyle/>
+          <a:p>
+            <a:r>
+              <a:rPr kumimoji="1" lang="zh-CN" altLang="en-US" dirty="0"/>
+              <a:t>闯哥</a:t>
+            </a:r>
+          </a:p>
+        </p:txBody>
+      </p:sp>
+      <p:sp>
+        <p:nvSpPr>
+          <p:cNvPr id="4" name="文本占位符 3"/>
+          <p:cNvSpPr>
+            <a:spLocks noGrp="1"/>
+          </p:cNvSpPr>
+          <p:nvPr>
+            <p:ph type="body" sz="quarter" idx="15"/>
+          </p:nvPr>
+        </p:nvSpPr>
+        <p:spPr>
+          <a:xfrm>
+            <a:off x="2444750" y="4987012"/>
+            <a:ext cx="19143345" cy="1210588"/>
+          </a:xfrm>
+        </p:spPr>
+        <p:txBody>
+          <a:bodyPr wrap="square"/>
+          <a:lstStyle/>
+          <a:p>
+            <a:r>
+              <a:rPr kumimoji="1" lang="en-US" altLang="zh-CN" dirty="0" smtClean="0"/>
+              <a:t>1.9 </a:t>
+            </a:r>
+            <a:r>
+              <a:rPr kumimoji="1" lang="zh-CN" altLang="en-US" dirty="0" smtClean="0"/>
+              <a:t>排</a:t>
+            </a:r>
+            <a:r>
+              <a:rPr kumimoji="1" lang="zh-CN" altLang="en-US" dirty="0"/>
+              <a:t>查频繁</a:t>
+            </a:r>
+            <a:r>
+              <a:rPr kumimoji="1" lang="en-US" altLang="zh-CN" dirty="0"/>
+              <a:t>GC</a:t>
+            </a:r>
+            <a:r>
+              <a:rPr kumimoji="1" lang="zh-CN" altLang="en-US" dirty="0"/>
+              <a:t>问题</a:t>
+            </a:r>
+            <a:endParaRPr kumimoji="1" lang="en-US" altLang="zh-CN" dirty="0"/>
+          </a:p>
+        </p:txBody>
+      </p:sp>
+    </p:spTree>
+    <p:extLst>
+      <p:ext uri="{BB962C8B-B14F-4D97-AF65-F5344CB8AC3E}">
+        <p14:creationId xmlns:p14="http://schemas.microsoft.com/office/powerpoint/2010/main" val="592426751"/>
+      </p:ext>
+    </p:extLst>
+  </p:cSld>
+  <p:clrMapOvr>
+    <a:masterClrMapping/>
+  </p:clrMapOvr>
+  <p:transition spd="med"/>
+</p:sld>
+</file>
+
+<file path=ppt/slides/slide53.xml><?xml version="1.0" encoding="utf-8"?>
+<p:sld xmlns:a="http://schemas.openxmlformats.org/drawingml/2006/main" xmlns:r="http://schemas.openxmlformats.org/officeDocument/2006/relationships" xmlns:p="http://schemas.openxmlformats.org/presentationml/2006/main">
+  <p:cSld>
+    <p:spTree>
+      <p:nvGrpSpPr>
+        <p:cNvPr id="1" name=""/>
+        <p:cNvGrpSpPr/>
+        <p:nvPr/>
+      </p:nvGrpSpPr>
+      <p:grpSpPr>
+        <a:xfrm>
+          <a:off x="0" y="0"/>
+          <a:ext cx="0" cy="0"/>
+          <a:chOff x="0" y="0"/>
+          <a:chExt cx="0" cy="0"/>
+        </a:xfrm>
+      </p:grpSpPr>
+      <p:sp>
+        <p:nvSpPr>
+          <p:cNvPr id="2" name="文本占位符 1"/>
+          <p:cNvSpPr>
+            <a:spLocks noGrp="1"/>
+          </p:cNvSpPr>
+          <p:nvPr>
+            <p:ph type="body" sz="quarter" idx="13"/>
+          </p:nvPr>
+        </p:nvSpPr>
+        <p:spPr>
+          <a:xfrm>
+            <a:off x="2444750" y="7675880"/>
+            <a:ext cx="5928995" cy="1163320"/>
+          </a:xfrm>
+        </p:spPr>
+        <p:txBody>
+          <a:bodyPr wrap="square"/>
+          <a:lstStyle/>
+          <a:p>
+            <a:r>
+              <a:rPr kumimoji="1" lang="zh-CN" altLang="en-US" dirty="0"/>
+              <a:t>闯哥</a:t>
+            </a:r>
+          </a:p>
+        </p:txBody>
+      </p:sp>
+      <p:sp>
+        <p:nvSpPr>
+          <p:cNvPr id="4" name="文本占位符 3"/>
+          <p:cNvSpPr>
+            <a:spLocks noGrp="1"/>
+          </p:cNvSpPr>
+          <p:nvPr>
+            <p:ph type="body" sz="quarter" idx="15"/>
+          </p:nvPr>
+        </p:nvSpPr>
+        <p:spPr>
+          <a:xfrm>
+            <a:off x="2444750" y="4987012"/>
+            <a:ext cx="19143345" cy="1210588"/>
+          </a:xfrm>
+        </p:spPr>
+        <p:txBody>
+          <a:bodyPr wrap="square"/>
+          <a:lstStyle/>
+          <a:p>
+            <a:r>
+              <a:rPr kumimoji="1" lang="en-US" altLang="zh-CN" dirty="0" smtClean="0"/>
+              <a:t>1.10 </a:t>
+            </a:r>
+            <a:r>
+              <a:rPr kumimoji="1" lang="zh-CN" altLang="en-US" dirty="0" smtClean="0"/>
+              <a:t>排</a:t>
+            </a:r>
+            <a:r>
+              <a:rPr kumimoji="1" lang="zh-CN" altLang="en-US" dirty="0"/>
+              <a:t>查协程泄漏问题</a:t>
+            </a:r>
+            <a:endParaRPr kumimoji="1" lang="en-US" altLang="zh-CN" dirty="0"/>
+          </a:p>
+        </p:txBody>
+      </p:sp>
+    </p:spTree>
+    <p:extLst>
+      <p:ext uri="{BB962C8B-B14F-4D97-AF65-F5344CB8AC3E}">
+        <p14:creationId xmlns:p14="http://schemas.microsoft.com/office/powerpoint/2010/main" val="2362445396"/>
+      </p:ext>
+    </p:extLst>
+  </p:cSld>
+  <p:clrMapOvr>
+    <a:masterClrMapping/>
+  </p:clrMapOvr>
+  <p:transition spd="med"/>
+</p:sld>
+</file>
+
+<file path=ppt/slides/slide54.xml><?xml version="1.0" encoding="utf-8"?>
+<p:sld xmlns:a="http://schemas.openxmlformats.org/drawingml/2006/main" xmlns:r="http://schemas.openxmlformats.org/officeDocument/2006/relationships" xmlns:p="http://schemas.openxmlformats.org/presentationml/2006/main">
+  <p:cSld>
+    <p:spTree>
+      <p:nvGrpSpPr>
+        <p:cNvPr id="1" name=""/>
+        <p:cNvGrpSpPr/>
+        <p:nvPr/>
+      </p:nvGrpSpPr>
+      <p:grpSpPr>
+        <a:xfrm>
+          <a:off x="0" y="0"/>
+          <a:ext cx="0" cy="0"/>
+          <a:chOff x="0" y="0"/>
+          <a:chExt cx="0" cy="0"/>
+        </a:xfrm>
+      </p:grpSpPr>
+      <p:sp>
+        <p:nvSpPr>
+          <p:cNvPr id="2" name="文本占位符 1"/>
+          <p:cNvSpPr>
+            <a:spLocks noGrp="1"/>
+          </p:cNvSpPr>
+          <p:nvPr>
+            <p:ph type="body" sz="quarter" idx="13"/>
+          </p:nvPr>
+        </p:nvSpPr>
+        <p:spPr>
+          <a:xfrm>
+            <a:off x="2444750" y="7675880"/>
+            <a:ext cx="5928995" cy="1163320"/>
+          </a:xfrm>
+        </p:spPr>
+        <p:txBody>
+          <a:bodyPr wrap="square"/>
+          <a:lstStyle/>
+          <a:p>
+            <a:r>
+              <a:rPr kumimoji="1" lang="zh-CN" altLang="en-US" dirty="0"/>
+              <a:t>闯哥</a:t>
+            </a:r>
+          </a:p>
+        </p:txBody>
+      </p:sp>
+      <p:sp>
+        <p:nvSpPr>
+          <p:cNvPr id="4" name="文本占位符 3"/>
+          <p:cNvSpPr>
+            <a:spLocks noGrp="1"/>
+          </p:cNvSpPr>
+          <p:nvPr>
+            <p:ph type="body" sz="quarter" idx="15"/>
+          </p:nvPr>
+        </p:nvSpPr>
+        <p:spPr>
+          <a:xfrm>
+            <a:off x="2444750" y="4987012"/>
+            <a:ext cx="19143345" cy="1210588"/>
+          </a:xfrm>
+        </p:spPr>
+        <p:txBody>
+          <a:bodyPr wrap="square"/>
+          <a:lstStyle/>
+          <a:p>
+            <a:r>
+              <a:rPr kumimoji="1" lang="en-US" altLang="zh-CN" dirty="0" smtClean="0"/>
+              <a:t>1.11 </a:t>
+            </a:r>
+            <a:r>
+              <a:rPr kumimoji="1" lang="zh-CN" altLang="en-US" dirty="0" smtClean="0"/>
+              <a:t>排</a:t>
+            </a:r>
+            <a:r>
+              <a:rPr kumimoji="1" lang="zh-CN" altLang="en-US" dirty="0"/>
+              <a:t>查锁竞争问题</a:t>
+            </a:r>
+            <a:endParaRPr kumimoji="1" lang="en-US" altLang="zh-CN" dirty="0"/>
+          </a:p>
+        </p:txBody>
+      </p:sp>
+    </p:spTree>
+    <p:extLst>
+      <p:ext uri="{BB962C8B-B14F-4D97-AF65-F5344CB8AC3E}">
+        <p14:creationId xmlns:p14="http://schemas.microsoft.com/office/powerpoint/2010/main" val="3591334192"/>
+      </p:ext>
+    </p:extLst>
+  </p:cSld>
+  <p:clrMapOvr>
+    <a:masterClrMapping/>
+  </p:clrMapOvr>
+  <p:transition spd="med"/>
+</p:sld>
+</file>
+
+<file path=ppt/slides/slide55.xml><?xml version="1.0" encoding="utf-8"?>
+<p:sld xmlns:a="http://schemas.openxmlformats.org/drawingml/2006/main" xmlns:r="http://schemas.openxmlformats.org/officeDocument/2006/relationships" xmlns:p="http://schemas.openxmlformats.org/presentationml/2006/main">
+  <p:cSld>
+    <p:spTree>
+      <p:nvGrpSpPr>
+        <p:cNvPr id="1" name=""/>
+        <p:cNvGrpSpPr/>
+        <p:nvPr/>
+      </p:nvGrpSpPr>
+      <p:grpSpPr>
+        <a:xfrm>
+          <a:off x="0" y="0"/>
+          <a:ext cx="0" cy="0"/>
+          <a:chOff x="0" y="0"/>
+          <a:chExt cx="0" cy="0"/>
+        </a:xfrm>
+      </p:grpSpPr>
+      <p:sp>
+        <p:nvSpPr>
+          <p:cNvPr id="2" name="文本占位符 1"/>
+          <p:cNvSpPr>
+            <a:spLocks noGrp="1"/>
+          </p:cNvSpPr>
+          <p:nvPr>
+            <p:ph type="body" sz="quarter" idx="13"/>
+          </p:nvPr>
+        </p:nvSpPr>
+        <p:spPr>
+          <a:xfrm>
+            <a:off x="2444750" y="7675880"/>
+            <a:ext cx="5928995" cy="1163320"/>
+          </a:xfrm>
+        </p:spPr>
+        <p:txBody>
+          <a:bodyPr wrap="square"/>
+          <a:lstStyle/>
+          <a:p>
+            <a:r>
+              <a:rPr kumimoji="1" lang="zh-CN" altLang="en-US" dirty="0"/>
+              <a:t>闯哥</a:t>
+            </a:r>
+          </a:p>
+        </p:txBody>
+      </p:sp>
+      <p:sp>
+        <p:nvSpPr>
+          <p:cNvPr id="4" name="文本占位符 3"/>
+          <p:cNvSpPr>
+            <a:spLocks noGrp="1"/>
+          </p:cNvSpPr>
+          <p:nvPr>
+            <p:ph type="body" sz="quarter" idx="15"/>
+          </p:nvPr>
+        </p:nvSpPr>
+        <p:spPr>
+          <a:xfrm>
+            <a:off x="2444750" y="4987012"/>
+            <a:ext cx="19143345" cy="1210588"/>
+          </a:xfrm>
+        </p:spPr>
+        <p:txBody>
+          <a:bodyPr wrap="square"/>
+          <a:lstStyle/>
+          <a:p>
+            <a:r>
+              <a:rPr kumimoji="1" lang="en-US" altLang="zh-CN" dirty="0" smtClean="0"/>
+              <a:t>1.12 </a:t>
+            </a:r>
+            <a:r>
+              <a:rPr kumimoji="1" lang="zh-CN" altLang="en-US" dirty="0" smtClean="0"/>
+              <a:t>排</a:t>
+            </a:r>
+            <a:r>
+              <a:rPr kumimoji="1" lang="zh-CN" altLang="en-US" dirty="0"/>
+              <a:t>查阻塞问题</a:t>
+            </a:r>
+            <a:endParaRPr kumimoji="1" lang="en-US" altLang="zh-CN" dirty="0"/>
+          </a:p>
+        </p:txBody>
+      </p:sp>
+    </p:spTree>
+    <p:extLst>
+      <p:ext uri="{BB962C8B-B14F-4D97-AF65-F5344CB8AC3E}">
+        <p14:creationId xmlns:p14="http://schemas.microsoft.com/office/powerpoint/2010/main" val="2865345634"/>
+      </p:ext>
+    </p:extLst>
+  </p:cSld>
+  <p:clrMapOvr>
+    <a:masterClrMapping/>
+  </p:clrMapOvr>
+  <p:transition spd="med"/>
+</p:sld>
+</file>
+
+<file path=ppt/slides/slide56.xml><?xml version="1.0" encoding="utf-8"?>
+<p:sld xmlns:a="http://schemas.openxmlformats.org/drawingml/2006/main" xmlns:r="http://schemas.openxmlformats.org/officeDocument/2006/relationships" xmlns:p="http://schemas.openxmlformats.org/presentationml/2006/main">
+  <p:cSld>
+    <p:spTree>
+      <p:nvGrpSpPr>
+        <p:cNvPr id="1" name=""/>
+        <p:cNvGrpSpPr/>
+        <p:nvPr/>
+      </p:nvGrpSpPr>
+      <p:grpSpPr>
+        <a:xfrm>
+          <a:off x="0" y="0"/>
+          <a:ext cx="0" cy="0"/>
+          <a:chOff x="0" y="0"/>
+          <a:chExt cx="0" cy="0"/>
+        </a:xfrm>
+      </p:grpSpPr>
+      <p:sp>
+        <p:nvSpPr>
+          <p:cNvPr id="2" name="文本占位符 1"/>
+          <p:cNvSpPr>
+            <a:spLocks noGrp="1"/>
+          </p:cNvSpPr>
+          <p:nvPr>
+            <p:ph type="body" sz="quarter" idx="13"/>
+          </p:nvPr>
+        </p:nvSpPr>
+        <p:spPr>
+          <a:xfrm>
+            <a:off x="2444750" y="7675880"/>
+            <a:ext cx="5928995" cy="1163320"/>
+          </a:xfrm>
+        </p:spPr>
+        <p:txBody>
+          <a:bodyPr wrap="square"/>
+          <a:lstStyle/>
+          <a:p>
+            <a:r>
+              <a:rPr kumimoji="1" lang="zh-CN" altLang="en-US" dirty="0"/>
+              <a:t>闯哥</a:t>
+            </a:r>
+          </a:p>
+        </p:txBody>
+      </p:sp>
+      <p:sp>
+        <p:nvSpPr>
+          <p:cNvPr id="4" name="文本占位符 3"/>
+          <p:cNvSpPr>
+            <a:spLocks noGrp="1"/>
+          </p:cNvSpPr>
+          <p:nvPr>
+            <p:ph type="body" sz="quarter" idx="15"/>
+          </p:nvPr>
+        </p:nvSpPr>
+        <p:spPr>
+          <a:xfrm>
+            <a:off x="2444750" y="4987012"/>
+            <a:ext cx="19143345" cy="1210588"/>
+          </a:xfrm>
+        </p:spPr>
+        <p:txBody>
+          <a:bodyPr wrap="square"/>
+          <a:lstStyle/>
+          <a:p>
+            <a:r>
+              <a:rPr kumimoji="1" lang="en-US" altLang="zh-CN" dirty="0" smtClean="0"/>
               <a:t>1.13 </a:t>
             </a:r>
             <a:r>
@@ -16449,7 +19031,7 @@
 </p:sld>
 </file>
 
-<file path=ppt/slides/slide51.xml><?xml version="1.0" encoding="utf-8"?>
+<file path=ppt/slides/slide57.xml><?xml version="1.0" encoding="utf-8"?>
 <p:sld xmlns:a="http://schemas.openxmlformats.org/drawingml/2006/main" xmlns:r="http://schemas.openxmlformats.org/officeDocument/2006/relationships" xmlns:p="http://schemas.openxmlformats.org/presentationml/2006/main">
   <p:cSld>
     <p:spTree>

--- a/Go专题系列/性能分析和优化专题/性能分析和优化专题.pptx
+++ b/Go专题系列/性能分析和优化专题/性能分析和优化专题.pptx
@@ -5,10 +5,10 @@
     <p:sldMasterId id="2147483648" r:id="rId1"/>
   </p:sldMasterIdLst>
   <p:notesMasterIdLst>
-    <p:notesMasterId r:id="rId59"/>
+    <p:notesMasterId r:id="rId64"/>
   </p:notesMasterIdLst>
   <p:handoutMasterIdLst>
-    <p:handoutMasterId r:id="rId60"/>
+    <p:handoutMasterId r:id="rId65"/>
   </p:handoutMasterIdLst>
   <p:sldIdLst>
     <p:sldId id="256" r:id="rId2"/>
@@ -62,12 +62,17 @@
     <p:sldId id="475" r:id="rId50"/>
     <p:sldId id="433" r:id="rId51"/>
     <p:sldId id="476" r:id="rId52"/>
-    <p:sldId id="434" r:id="rId53"/>
-    <p:sldId id="435" r:id="rId54"/>
-    <p:sldId id="436" r:id="rId55"/>
-    <p:sldId id="437" r:id="rId56"/>
-    <p:sldId id="438" r:id="rId57"/>
-    <p:sldId id="439" r:id="rId58"/>
+    <p:sldId id="477" r:id="rId53"/>
+    <p:sldId id="478" r:id="rId54"/>
+    <p:sldId id="479" r:id="rId55"/>
+    <p:sldId id="480" r:id="rId56"/>
+    <p:sldId id="481" r:id="rId57"/>
+    <p:sldId id="434" r:id="rId58"/>
+    <p:sldId id="435" r:id="rId59"/>
+    <p:sldId id="436" r:id="rId60"/>
+    <p:sldId id="437" r:id="rId61"/>
+    <p:sldId id="438" r:id="rId62"/>
+    <p:sldId id="439" r:id="rId63"/>
   </p:sldIdLst>
   <p:sldSz cx="24384000" cy="13716000"/>
   <p:notesSz cx="6858000" cy="9144000"/>
@@ -449,7 +454,7 @@
           <a:p>
             <a:fld id="{0F9B84EA-7D68-4D60-9CB1-D50884785D1C}" type="datetimeFigureOut">
               <a:rPr lang="zh-CN" altLang="en-US" smtClean="0"/>
-              <a:t>2021/5/7</a:t>
+              <a:t>2021/5/8</a:t>
             </a:fld>
             <a:endParaRPr lang="zh-CN" altLang="en-US"/>
           </a:p>
@@ -3021,6 +3026,336 @@
     <p:extLst>
       <p:ext uri="{BB962C8B-B14F-4D97-AF65-F5344CB8AC3E}">
         <p14:creationId xmlns:p14="http://schemas.microsoft.com/office/powerpoint/2010/main" val="1762399519"/>
+      </p:ext>
+    </p:extLst>
+  </p:cSld>
+  <p:clrMapOvr>
+    <a:masterClrMapping/>
+  </p:clrMapOvr>
+</p:notes>
+</file>
+
+<file path=ppt/notesSlides/notesSlide41.xml><?xml version="1.0" encoding="utf-8"?>
+<p:notes xmlns:a="http://schemas.openxmlformats.org/drawingml/2006/main" xmlns:r="http://schemas.openxmlformats.org/officeDocument/2006/relationships" xmlns:p="http://schemas.openxmlformats.org/presentationml/2006/main">
+  <p:cSld>
+    <p:spTree>
+      <p:nvGrpSpPr>
+        <p:cNvPr id="1" name=""/>
+        <p:cNvGrpSpPr/>
+        <p:nvPr/>
+      </p:nvGrpSpPr>
+      <p:grpSpPr>
+        <a:xfrm>
+          <a:off x="0" y="0"/>
+          <a:ext cx="0" cy="0"/>
+          <a:chOff x="0" y="0"/>
+          <a:chExt cx="0" cy="0"/>
+        </a:xfrm>
+      </p:grpSpPr>
+      <p:sp>
+        <p:nvSpPr>
+          <p:cNvPr id="2" name="幻灯片图像占位符 1"/>
+          <p:cNvSpPr>
+            <a:spLocks noGrp="1" noRot="1" noChangeAspect="1"/>
+          </p:cNvSpPr>
+          <p:nvPr>
+            <p:ph type="sldImg"/>
+          </p:nvPr>
+        </p:nvSpPr>
+        <p:spPr>
+          <a:xfrm>
+            <a:off x="381000" y="685800"/>
+            <a:ext cx="6096000" cy="3429000"/>
+          </a:xfrm>
+        </p:spPr>
+      </p:sp>
+      <p:sp>
+        <p:nvSpPr>
+          <p:cNvPr id="3" name="文本占位符 2"/>
+          <p:cNvSpPr>
+            <a:spLocks noGrp="1"/>
+          </p:cNvSpPr>
+          <p:nvPr>
+            <p:ph type="body" idx="1"/>
+          </p:nvPr>
+        </p:nvSpPr>
+        <p:spPr/>
+        <p:txBody>
+          <a:bodyPr/>
+          <a:lstStyle/>
+          <a:p>
+            <a:endParaRPr lang="zh-CN" altLang="en-US"/>
+          </a:p>
+        </p:txBody>
+      </p:sp>
+    </p:spTree>
+    <p:extLst>
+      <p:ext uri="{BB962C8B-B14F-4D97-AF65-F5344CB8AC3E}">
+        <p14:creationId xmlns:p14="http://schemas.microsoft.com/office/powerpoint/2010/main" val="4272847484"/>
+      </p:ext>
+    </p:extLst>
+  </p:cSld>
+  <p:clrMapOvr>
+    <a:masterClrMapping/>
+  </p:clrMapOvr>
+</p:notes>
+</file>
+
+<file path=ppt/notesSlides/notesSlide42.xml><?xml version="1.0" encoding="utf-8"?>
+<p:notes xmlns:a="http://schemas.openxmlformats.org/drawingml/2006/main" xmlns:r="http://schemas.openxmlformats.org/officeDocument/2006/relationships" xmlns:p="http://schemas.openxmlformats.org/presentationml/2006/main">
+  <p:cSld>
+    <p:spTree>
+      <p:nvGrpSpPr>
+        <p:cNvPr id="1" name=""/>
+        <p:cNvGrpSpPr/>
+        <p:nvPr/>
+      </p:nvGrpSpPr>
+      <p:grpSpPr>
+        <a:xfrm>
+          <a:off x="0" y="0"/>
+          <a:ext cx="0" cy="0"/>
+          <a:chOff x="0" y="0"/>
+          <a:chExt cx="0" cy="0"/>
+        </a:xfrm>
+      </p:grpSpPr>
+      <p:sp>
+        <p:nvSpPr>
+          <p:cNvPr id="2" name="幻灯片图像占位符 1"/>
+          <p:cNvSpPr>
+            <a:spLocks noGrp="1" noRot="1" noChangeAspect="1"/>
+          </p:cNvSpPr>
+          <p:nvPr>
+            <p:ph type="sldImg"/>
+          </p:nvPr>
+        </p:nvSpPr>
+        <p:spPr>
+          <a:xfrm>
+            <a:off x="381000" y="685800"/>
+            <a:ext cx="6096000" cy="3429000"/>
+          </a:xfrm>
+        </p:spPr>
+      </p:sp>
+      <p:sp>
+        <p:nvSpPr>
+          <p:cNvPr id="3" name="文本占位符 2"/>
+          <p:cNvSpPr>
+            <a:spLocks noGrp="1"/>
+          </p:cNvSpPr>
+          <p:nvPr>
+            <p:ph type="body" idx="1"/>
+          </p:nvPr>
+        </p:nvSpPr>
+        <p:spPr/>
+        <p:txBody>
+          <a:bodyPr/>
+          <a:lstStyle/>
+          <a:p>
+            <a:endParaRPr lang="zh-CN" altLang="en-US"/>
+          </a:p>
+        </p:txBody>
+      </p:sp>
+    </p:spTree>
+    <p:extLst>
+      <p:ext uri="{BB962C8B-B14F-4D97-AF65-F5344CB8AC3E}">
+        <p14:creationId xmlns:p14="http://schemas.microsoft.com/office/powerpoint/2010/main" val="1153953133"/>
+      </p:ext>
+    </p:extLst>
+  </p:cSld>
+  <p:clrMapOvr>
+    <a:masterClrMapping/>
+  </p:clrMapOvr>
+</p:notes>
+</file>
+
+<file path=ppt/notesSlides/notesSlide43.xml><?xml version="1.0" encoding="utf-8"?>
+<p:notes xmlns:a="http://schemas.openxmlformats.org/drawingml/2006/main" xmlns:r="http://schemas.openxmlformats.org/officeDocument/2006/relationships" xmlns:p="http://schemas.openxmlformats.org/presentationml/2006/main">
+  <p:cSld>
+    <p:spTree>
+      <p:nvGrpSpPr>
+        <p:cNvPr id="1" name=""/>
+        <p:cNvGrpSpPr/>
+        <p:nvPr/>
+      </p:nvGrpSpPr>
+      <p:grpSpPr>
+        <a:xfrm>
+          <a:off x="0" y="0"/>
+          <a:ext cx="0" cy="0"/>
+          <a:chOff x="0" y="0"/>
+          <a:chExt cx="0" cy="0"/>
+        </a:xfrm>
+      </p:grpSpPr>
+      <p:sp>
+        <p:nvSpPr>
+          <p:cNvPr id="2" name="幻灯片图像占位符 1"/>
+          <p:cNvSpPr>
+            <a:spLocks noGrp="1" noRot="1" noChangeAspect="1"/>
+          </p:cNvSpPr>
+          <p:nvPr>
+            <p:ph type="sldImg"/>
+          </p:nvPr>
+        </p:nvSpPr>
+        <p:spPr>
+          <a:xfrm>
+            <a:off x="381000" y="685800"/>
+            <a:ext cx="6096000" cy="3429000"/>
+          </a:xfrm>
+        </p:spPr>
+      </p:sp>
+      <p:sp>
+        <p:nvSpPr>
+          <p:cNvPr id="3" name="文本占位符 2"/>
+          <p:cNvSpPr>
+            <a:spLocks noGrp="1"/>
+          </p:cNvSpPr>
+          <p:nvPr>
+            <p:ph type="body" idx="1"/>
+          </p:nvPr>
+        </p:nvSpPr>
+        <p:spPr/>
+        <p:txBody>
+          <a:bodyPr/>
+          <a:lstStyle/>
+          <a:p>
+            <a:endParaRPr lang="zh-CN" altLang="en-US"/>
+          </a:p>
+        </p:txBody>
+      </p:sp>
+    </p:spTree>
+    <p:extLst>
+      <p:ext uri="{BB962C8B-B14F-4D97-AF65-F5344CB8AC3E}">
+        <p14:creationId xmlns:p14="http://schemas.microsoft.com/office/powerpoint/2010/main" val="1526351552"/>
+      </p:ext>
+    </p:extLst>
+  </p:cSld>
+  <p:clrMapOvr>
+    <a:masterClrMapping/>
+  </p:clrMapOvr>
+</p:notes>
+</file>
+
+<file path=ppt/notesSlides/notesSlide44.xml><?xml version="1.0" encoding="utf-8"?>
+<p:notes xmlns:a="http://schemas.openxmlformats.org/drawingml/2006/main" xmlns:r="http://schemas.openxmlformats.org/officeDocument/2006/relationships" xmlns:p="http://schemas.openxmlformats.org/presentationml/2006/main">
+  <p:cSld>
+    <p:spTree>
+      <p:nvGrpSpPr>
+        <p:cNvPr id="1" name=""/>
+        <p:cNvGrpSpPr/>
+        <p:nvPr/>
+      </p:nvGrpSpPr>
+      <p:grpSpPr>
+        <a:xfrm>
+          <a:off x="0" y="0"/>
+          <a:ext cx="0" cy="0"/>
+          <a:chOff x="0" y="0"/>
+          <a:chExt cx="0" cy="0"/>
+        </a:xfrm>
+      </p:grpSpPr>
+      <p:sp>
+        <p:nvSpPr>
+          <p:cNvPr id="2" name="幻灯片图像占位符 1"/>
+          <p:cNvSpPr>
+            <a:spLocks noGrp="1" noRot="1" noChangeAspect="1"/>
+          </p:cNvSpPr>
+          <p:nvPr>
+            <p:ph type="sldImg"/>
+          </p:nvPr>
+        </p:nvSpPr>
+        <p:spPr>
+          <a:xfrm>
+            <a:off x="381000" y="685800"/>
+            <a:ext cx="6096000" cy="3429000"/>
+          </a:xfrm>
+        </p:spPr>
+      </p:sp>
+      <p:sp>
+        <p:nvSpPr>
+          <p:cNvPr id="3" name="文本占位符 2"/>
+          <p:cNvSpPr>
+            <a:spLocks noGrp="1"/>
+          </p:cNvSpPr>
+          <p:nvPr>
+            <p:ph type="body" idx="1"/>
+          </p:nvPr>
+        </p:nvSpPr>
+        <p:spPr/>
+        <p:txBody>
+          <a:bodyPr/>
+          <a:lstStyle/>
+          <a:p>
+            <a:endParaRPr lang="zh-CN" altLang="en-US"/>
+          </a:p>
+        </p:txBody>
+      </p:sp>
+    </p:spTree>
+    <p:extLst>
+      <p:ext uri="{BB962C8B-B14F-4D97-AF65-F5344CB8AC3E}">
+        <p14:creationId xmlns:p14="http://schemas.microsoft.com/office/powerpoint/2010/main" val="2309348439"/>
+      </p:ext>
+    </p:extLst>
+  </p:cSld>
+  <p:clrMapOvr>
+    <a:masterClrMapping/>
+  </p:clrMapOvr>
+</p:notes>
+</file>
+
+<file path=ppt/notesSlides/notesSlide45.xml><?xml version="1.0" encoding="utf-8"?>
+<p:notes xmlns:a="http://schemas.openxmlformats.org/drawingml/2006/main" xmlns:r="http://schemas.openxmlformats.org/officeDocument/2006/relationships" xmlns:p="http://schemas.openxmlformats.org/presentationml/2006/main">
+  <p:cSld>
+    <p:spTree>
+      <p:nvGrpSpPr>
+        <p:cNvPr id="1" name=""/>
+        <p:cNvGrpSpPr/>
+        <p:nvPr/>
+      </p:nvGrpSpPr>
+      <p:grpSpPr>
+        <a:xfrm>
+          <a:off x="0" y="0"/>
+          <a:ext cx="0" cy="0"/>
+          <a:chOff x="0" y="0"/>
+          <a:chExt cx="0" cy="0"/>
+        </a:xfrm>
+      </p:grpSpPr>
+      <p:sp>
+        <p:nvSpPr>
+          <p:cNvPr id="2" name="幻灯片图像占位符 1"/>
+          <p:cNvSpPr>
+            <a:spLocks noGrp="1" noRot="1" noChangeAspect="1"/>
+          </p:cNvSpPr>
+          <p:nvPr>
+            <p:ph type="sldImg"/>
+          </p:nvPr>
+        </p:nvSpPr>
+        <p:spPr>
+          <a:xfrm>
+            <a:off x="381000" y="685800"/>
+            <a:ext cx="6096000" cy="3429000"/>
+          </a:xfrm>
+        </p:spPr>
+      </p:sp>
+      <p:sp>
+        <p:nvSpPr>
+          <p:cNvPr id="3" name="文本占位符 2"/>
+          <p:cNvSpPr>
+            <a:spLocks noGrp="1"/>
+          </p:cNvSpPr>
+          <p:nvPr>
+            <p:ph type="body" idx="1"/>
+          </p:nvPr>
+        </p:nvSpPr>
+        <p:spPr/>
+        <p:txBody>
+          <a:bodyPr/>
+          <a:lstStyle/>
+          <a:p>
+            <a:endParaRPr lang="zh-CN" altLang="en-US"/>
+          </a:p>
+        </p:txBody>
+      </p:sp>
+    </p:spTree>
+    <p:extLst>
+      <p:ext uri="{BB962C8B-B14F-4D97-AF65-F5344CB8AC3E}">
+        <p14:creationId xmlns:p14="http://schemas.microsoft.com/office/powerpoint/2010/main" val="1573339151"/>
       </p:ext>
     </p:extLst>
   </p:cSld>
@@ -5928,11 +6263,7 @@
           <a:p>
             <a:r>
               <a:rPr kumimoji="1" lang="en-US" altLang="zh-CN" dirty="0"/>
-              <a:t>1.2 </a:t>
-            </a:r>
-            <a:r>
-              <a:rPr kumimoji="1" lang="en-US" altLang="zh-CN" dirty="0" err="1"/>
-              <a:t>PProf</a:t>
+              <a:t>1.2 PProf</a:t>
             </a:r>
             <a:r>
               <a:rPr kumimoji="1" lang="zh-CN" altLang="en-US" dirty="0"/>
@@ -5999,11 +6330,7 @@
           <a:p>
             <a:r>
               <a:rPr kumimoji="1" lang="en-US" altLang="zh-CN" dirty="0"/>
-              <a:t>1.2 </a:t>
-            </a:r>
-            <a:r>
-              <a:rPr kumimoji="1" lang="en-US" altLang="zh-CN" dirty="0" err="1"/>
-              <a:t>PProf</a:t>
+              <a:t>1.2 PProf</a:t>
             </a:r>
             <a:r>
               <a:rPr kumimoji="1" lang="zh-CN" altLang="en-US" dirty="0"/>
@@ -6066,7 +6393,7 @@
               <a:buChar char="•"/>
             </a:pPr>
             <a:r>
-              <a:rPr kumimoji="1" lang="en-US" altLang="zh-CN" sz="4000" b="0" dirty="0" err="1">
+              <a:rPr kumimoji="1" lang="en-US" altLang="zh-CN" sz="4000" b="0" dirty="0">
                 <a:solidFill>
                   <a:srgbClr val="FFFFFF"/>
                 </a:solidFill>
@@ -6113,20 +6440,12 @@
           <a:p>
             <a:pPr algn="l"/>
             <a:r>
-              <a:rPr lang="en-US" altLang="zh-CN" dirty="0" err="1">
-                <a:solidFill>
-                  <a:schemeClr val="bg1"/>
-                </a:solidFill>
-              </a:rPr>
-              <a:t>pprof</a:t>
-            </a:r>
-            <a:r>
               <a:rPr lang="en-US" altLang="zh-CN" dirty="0">
                 <a:solidFill>
                   <a:schemeClr val="bg1"/>
                 </a:solidFill>
               </a:rPr>
-              <a:t> is a tool for visualization and analysis of profiling data.</a:t>
+              <a:t>pprof is a tool for visualization and analysis of profiling data.</a:t>
             </a:r>
             <a:endParaRPr lang="zh-CN" altLang="en-US" dirty="0">
               <a:solidFill>
@@ -6186,7 +6505,7 @@
               <a:buChar char="•"/>
             </a:pPr>
             <a:r>
-              <a:rPr kumimoji="1" lang="en-US" altLang="zh-CN" sz="4000" b="0" dirty="0" err="1">
+              <a:rPr kumimoji="1" lang="en-US" altLang="zh-CN" sz="4000" b="0" dirty="0">
                 <a:solidFill>
                   <a:srgbClr val="FFFFFF"/>
                 </a:solidFill>
@@ -6398,11 +6717,7 @@
           <a:p>
             <a:r>
               <a:rPr kumimoji="1" lang="en-US" altLang="zh-CN" dirty="0"/>
-              <a:t>1.2 </a:t>
-            </a:r>
-            <a:r>
-              <a:rPr kumimoji="1" lang="en-US" altLang="zh-CN" dirty="0" err="1"/>
-              <a:t>PProf</a:t>
+              <a:t>1.2 PProf</a:t>
             </a:r>
             <a:r>
               <a:rPr kumimoji="1" lang="zh-CN" altLang="en-US" dirty="0"/>
@@ -6506,15 +6821,7 @@
                   <a:schemeClr val="bg1"/>
                 </a:solidFill>
               </a:rPr>
-              <a:t>runtime/</a:t>
-            </a:r>
-            <a:r>
-              <a:rPr lang="en-US" altLang="zh-CN" dirty="0" err="1">
-                <a:solidFill>
-                  <a:schemeClr val="bg1"/>
-                </a:solidFill>
-              </a:rPr>
-              <a:t>pprof</a:t>
+              <a:t>runtime/pprof</a:t>
             </a:r>
             <a:r>
               <a:rPr lang="zh-CN" altLang="en-US" dirty="0">
@@ -6549,15 +6856,7 @@
                   <a:schemeClr val="bg1"/>
                 </a:solidFill>
               </a:rPr>
-              <a:t>net/http/</a:t>
-            </a:r>
-            <a:r>
-              <a:rPr lang="en-US" altLang="zh-CN" dirty="0" err="1">
-                <a:solidFill>
-                  <a:schemeClr val="bg1"/>
-                </a:solidFill>
-              </a:rPr>
-              <a:t>pprof</a:t>
+              <a:t>net/http/pprof</a:t>
             </a:r>
             <a:r>
               <a:rPr lang="zh-CN" altLang="en-US" dirty="0">
@@ -6725,23 +7024,7 @@
                   <a:schemeClr val="bg1"/>
                 </a:solidFill>
               </a:rPr>
-              <a:t>Report Generation                 [</a:t>
-            </a:r>
-            <a:r>
-              <a:rPr lang="en-US" altLang="zh-CN" dirty="0" err="1">
-                <a:solidFill>
-                  <a:schemeClr val="bg1"/>
-                </a:solidFill>
-              </a:rPr>
-              <a:t>pprof</a:t>
-            </a:r>
-            <a:r>
-              <a:rPr lang="en-US" altLang="zh-CN" dirty="0">
-                <a:solidFill>
-                  <a:schemeClr val="bg1"/>
-                </a:solidFill>
-              </a:rPr>
-              <a:t> &lt;format&gt; [options] source]</a:t>
+              <a:t>Report Generation                 [pprof &lt;format&gt; [options] source]</a:t>
             </a:r>
             <a:endParaRPr lang="en-US" altLang="zh-CN" dirty="0" smtClean="0">
               <a:solidFill>
@@ -6757,23 +7040,7 @@
                   <a:schemeClr val="bg1"/>
                 </a:solidFill>
               </a:rPr>
-              <a:t>Interactive Terminal Use      [</a:t>
-            </a:r>
-            <a:r>
-              <a:rPr lang="en-US" altLang="zh-CN" dirty="0" err="1">
-                <a:solidFill>
-                  <a:schemeClr val="bg1"/>
-                </a:solidFill>
-              </a:rPr>
-              <a:t>pprof</a:t>
-            </a:r>
-            <a:r>
-              <a:rPr lang="en-US" altLang="zh-CN" dirty="0">
-                <a:solidFill>
-                  <a:schemeClr val="bg1"/>
-                </a:solidFill>
-              </a:rPr>
-              <a:t> [options] source]</a:t>
+              <a:t>Interactive Terminal Use      [pprof [options] source]</a:t>
             </a:r>
             <a:endParaRPr lang="en-US" altLang="zh-CN" dirty="0" smtClean="0">
               <a:solidFill>
@@ -6789,23 +7056,7 @@
                   <a:schemeClr val="bg1"/>
                 </a:solidFill>
               </a:rPr>
-              <a:t>Web Interface                         [</a:t>
-            </a:r>
-            <a:r>
-              <a:rPr lang="en-US" altLang="zh-CN" dirty="0" err="1">
-                <a:solidFill>
-                  <a:schemeClr val="bg1"/>
-                </a:solidFill>
-              </a:rPr>
-              <a:t>pprof</a:t>
-            </a:r>
-            <a:r>
-              <a:rPr lang="en-US" altLang="zh-CN" dirty="0">
-                <a:solidFill>
-                  <a:schemeClr val="bg1"/>
-                </a:solidFill>
-              </a:rPr>
-              <a:t> -http=[host]:[port] [options] source]</a:t>
+              <a:t>Web Interface                         [pprof -http=[host]:[port] [options] source]</a:t>
             </a:r>
             <a:endParaRPr lang="zh-CN" altLang="en-US" dirty="0">
               <a:solidFill>
@@ -6902,11 +7153,7 @@
           <a:p>
             <a:r>
               <a:rPr kumimoji="1" lang="en-US" altLang="zh-CN" dirty="0"/>
-              <a:t>1.3 </a:t>
-            </a:r>
-            <a:r>
-              <a:rPr kumimoji="1" lang="en-US" altLang="zh-CN" dirty="0" err="1"/>
-              <a:t>PProf</a:t>
+              <a:t>1.3 PProf</a:t>
             </a:r>
             <a:r>
               <a:rPr kumimoji="1" lang="zh-CN" altLang="en-US" dirty="0"/>
@@ -6973,11 +7220,7 @@
           <a:p>
             <a:r>
               <a:rPr kumimoji="1" lang="en-US" altLang="zh-CN" dirty="0"/>
-              <a:t>1.3 </a:t>
-            </a:r>
-            <a:r>
-              <a:rPr kumimoji="1" lang="en-US" altLang="zh-CN" dirty="0" err="1"/>
-              <a:t>PProf</a:t>
+              <a:t>1.3 PProf</a:t>
             </a:r>
             <a:r>
               <a:rPr kumimoji="1" lang="zh-CN" altLang="en-US" dirty="0"/>
@@ -7078,11 +7321,7 @@
           <a:p>
             <a:r>
               <a:rPr kumimoji="1" lang="en-US" altLang="zh-CN" dirty="0"/>
-              <a:t>1.3 </a:t>
-            </a:r>
-            <a:r>
-              <a:rPr kumimoji="1" lang="en-US" altLang="zh-CN" dirty="0" err="1"/>
-              <a:t>PProf</a:t>
+              <a:t>1.3 PProf</a:t>
             </a:r>
             <a:r>
               <a:rPr kumimoji="1" lang="zh-CN" altLang="en-US" dirty="0"/>
@@ -7241,10 +7480,9 @@
               <a:t>交互式终端使用</a:t>
             </a:r>
             <a:r>
-              <a:rPr kumimoji="1" lang="en-US" altLang="zh-CN" dirty="0" err="1"/>
+              <a:rPr kumimoji="1" lang="en-US" altLang="zh-CN" dirty="0"/>
               <a:t>PProf</a:t>
             </a:r>
-            <a:endParaRPr kumimoji="1" lang="en-US" altLang="zh-CN" dirty="0"/>
           </a:p>
         </p:txBody>
       </p:sp>
@@ -7309,7 +7547,7 @@
               <a:t>交互式终端使用</a:t>
             </a:r>
             <a:r>
-              <a:rPr kumimoji="1" lang="en-US" altLang="zh-CN" dirty="0" err="1"/>
+              <a:rPr kumimoji="1" lang="en-US" altLang="zh-CN" dirty="0"/>
               <a:t>PProf</a:t>
             </a:r>
             <a:r>
@@ -7486,20 +7724,12 @@
               <a:t>tool </a:t>
             </a:r>
             <a:r>
-              <a:rPr lang="en-US" altLang="zh-CN" dirty="0" err="1" smtClean="0">
-                <a:solidFill>
-                  <a:schemeClr val="bg1"/>
-                </a:solidFill>
-              </a:rPr>
-              <a:t>pprof</a:t>
-            </a:r>
-            <a:r>
               <a:rPr lang="en-US" altLang="zh-CN" dirty="0" smtClean="0">
                 <a:solidFill>
                   <a:schemeClr val="bg1"/>
                 </a:solidFill>
               </a:rPr>
-              <a:t>  profile</a:t>
+              <a:t>pprof  profile</a:t>
             </a:r>
           </a:p>
           <a:p>
@@ -7537,7 +7767,7 @@
               <a:t>通过命令行完成对正在运行的应用程序</a:t>
             </a:r>
             <a:r>
-              <a:rPr lang="en-US" altLang="zh-CN" dirty="0" err="1">
+              <a:rPr lang="en-US" altLang="zh-CN" dirty="0">
                 <a:solidFill>
                   <a:schemeClr val="bg1"/>
                 </a:solidFill>
@@ -7566,23 +7796,7 @@
                   <a:schemeClr val="bg1"/>
                 </a:solidFill>
               </a:rPr>
-              <a:t>go tool </a:t>
-            </a:r>
-            <a:r>
-              <a:rPr lang="en-US" altLang="zh-CN" dirty="0" err="1">
-                <a:solidFill>
-                  <a:schemeClr val="bg1"/>
-                </a:solidFill>
-              </a:rPr>
-              <a:t>pprof</a:t>
-            </a:r>
-            <a:r>
-              <a:rPr lang="en-US" altLang="zh-CN" dirty="0">
-                <a:solidFill>
-                  <a:schemeClr val="bg1"/>
-                </a:solidFill>
-              </a:rPr>
-              <a:t> http://127.0.0.1:6061/debug/pprof/profile?seconds=60</a:t>
+              <a:t>go tool pprof http://127.0.0.1:6061/debug/pprof/profile?seconds=60</a:t>
             </a:r>
             <a:endParaRPr lang="zh-CN" altLang="en-US" dirty="0">
               <a:solidFill>
@@ -7660,7 +7874,7 @@
               <a:t>交互式终端使用</a:t>
             </a:r>
             <a:r>
-              <a:rPr kumimoji="1" lang="en-US" altLang="zh-CN" dirty="0" err="1"/>
+              <a:rPr kumimoji="1" lang="en-US" altLang="zh-CN" dirty="0"/>
               <a:t>PProf</a:t>
             </a:r>
             <a:r>
@@ -8460,7 +8674,7 @@
               <a:t>交互式终端使用</a:t>
             </a:r>
             <a:r>
-              <a:rPr kumimoji="1" lang="en-US" altLang="zh-CN" dirty="0" err="1"/>
+              <a:rPr kumimoji="1" lang="en-US" altLang="zh-CN" dirty="0"/>
               <a:t>PProf</a:t>
             </a:r>
             <a:r>
@@ -9083,7 +9297,7 @@
               <a:t>交互式终端使用</a:t>
             </a:r>
             <a:r>
-              <a:rPr kumimoji="1" lang="en-US" altLang="zh-CN" dirty="0" err="1"/>
+              <a:rPr kumimoji="1" lang="en-US" altLang="zh-CN" dirty="0"/>
               <a:t>PProf</a:t>
             </a:r>
             <a:r>
@@ -9451,7 +9665,7 @@
               <a:t>交互式终端使用</a:t>
             </a:r>
             <a:r>
-              <a:rPr kumimoji="1" lang="en-US" altLang="zh-CN" dirty="0" err="1"/>
+              <a:rPr kumimoji="1" lang="en-US" altLang="zh-CN" dirty="0"/>
               <a:t>PProf</a:t>
             </a:r>
             <a:r>
@@ -9819,7 +10033,7 @@
               <a:t>交互式终端使用</a:t>
             </a:r>
             <a:r>
-              <a:rPr kumimoji="1" lang="en-US" altLang="zh-CN" dirty="0" err="1"/>
+              <a:rPr kumimoji="1" lang="en-US" altLang="zh-CN" dirty="0"/>
               <a:t>PProf</a:t>
             </a:r>
             <a:r>
@@ -10475,7 +10689,7 @@
               <a:t>交互式终端使用</a:t>
             </a:r>
             <a:r>
-              <a:rPr kumimoji="1" lang="en-US" altLang="zh-CN" dirty="0" err="1"/>
+              <a:rPr kumimoji="1" lang="en-US" altLang="zh-CN" dirty="0"/>
               <a:t>PProf</a:t>
             </a:r>
             <a:r>
@@ -10635,11 +10849,6 @@
               </a:rPr>
               <a:t>资源最多。</a:t>
             </a:r>
-            <a:endParaRPr lang="zh-CN" altLang="en-US" dirty="0">
-              <a:solidFill>
-                <a:schemeClr val="bg1"/>
-              </a:solidFill>
-            </a:endParaRPr>
           </a:p>
         </p:txBody>
       </p:sp>
@@ -10735,7 +10944,7 @@
               <a:t>交互式终端使用</a:t>
             </a:r>
             <a:r>
-              <a:rPr kumimoji="1" lang="en-US" altLang="zh-CN" dirty="0" err="1"/>
+              <a:rPr kumimoji="1" lang="en-US" altLang="zh-CN" dirty="0"/>
               <a:t>PProf</a:t>
             </a:r>
             <a:r>
@@ -10850,7 +11059,7 @@
           <a:p>
             <a:pPr algn="l"/>
             <a:r>
-              <a:rPr lang="en-US" altLang="zh-CN" dirty="0" err="1">
+              <a:rPr lang="en-US" altLang="zh-CN" dirty="0">
                 <a:solidFill>
                   <a:schemeClr val="bg1"/>
                 </a:solidFill>
@@ -11027,10 +11236,9 @@
               <a:t>可视化界面使用</a:t>
             </a:r>
             <a:r>
-              <a:rPr kumimoji="1" lang="en-US" altLang="zh-CN" dirty="0" err="1"/>
+              <a:rPr kumimoji="1" lang="en-US" altLang="zh-CN" dirty="0"/>
               <a:t>PProf</a:t>
             </a:r>
-            <a:endParaRPr kumimoji="1" lang="en-US" altLang="zh-CN" dirty="0"/>
           </a:p>
         </p:txBody>
       </p:sp>
@@ -11095,12 +11303,8 @@
               <a:t>可视化界面使用</a:t>
             </a:r>
             <a:r>
-              <a:rPr kumimoji="1" lang="en-US" altLang="zh-CN" dirty="0" err="1"/>
+              <a:rPr kumimoji="1" lang="en-US" altLang="zh-CN" dirty="0"/>
               <a:t>PProf</a:t>
-            </a:r>
-            <a:r>
-              <a:rPr kumimoji="1" lang="en-US" altLang="zh-CN" dirty="0"/>
-              <a:t/>
             </a:r>
             <a:br>
               <a:rPr kumimoji="1" lang="en-US" altLang="zh-CN" dirty="0"/>
@@ -11252,15 +11456,7 @@
                   <a:schemeClr val="bg1"/>
                 </a:solidFill>
               </a:rPr>
-              <a:t>下载好的采集</a:t>
-            </a:r>
-            <a:r>
-              <a:rPr lang="zh-CN" altLang="en-US" dirty="0" smtClean="0">
-                <a:solidFill>
-                  <a:schemeClr val="bg1"/>
-                </a:solidFill>
-              </a:rPr>
-              <a:t>文件 （</a:t>
+              <a:t>下载好的采集文件 （</a:t>
             </a:r>
             <a:r>
               <a:rPr lang="en-US" altLang="zh-CN" dirty="0" err="1">
@@ -11300,23 +11496,7 @@
                   <a:schemeClr val="bg1"/>
                 </a:solidFill>
               </a:rPr>
-              <a:t>go tool </a:t>
-            </a:r>
-            <a:r>
-              <a:rPr lang="en-US" altLang="zh-CN" dirty="0" err="1">
-                <a:solidFill>
-                  <a:schemeClr val="bg1"/>
-                </a:solidFill>
-              </a:rPr>
-              <a:t>pprof</a:t>
-            </a:r>
-            <a:r>
-              <a:rPr lang="en-US" altLang="zh-CN" dirty="0">
-                <a:solidFill>
-                  <a:schemeClr val="bg1"/>
-                </a:solidFill>
-              </a:rPr>
-              <a:t> -http=:8000 </a:t>
+              <a:t>go tool pprof -http=:8000 </a:t>
             </a:r>
             <a:r>
               <a:rPr lang="en-US" altLang="zh-CN" dirty="0" smtClean="0">
@@ -11362,7 +11542,7 @@
               <a:t>通过命令行完成对正在运行的应用程序</a:t>
             </a:r>
             <a:r>
-              <a:rPr lang="en-US" altLang="zh-CN" dirty="0" err="1">
+              <a:rPr lang="en-US" altLang="zh-CN" dirty="0">
                 <a:solidFill>
                   <a:schemeClr val="bg1"/>
                 </a:solidFill>
@@ -11391,23 +11571,7 @@
                   <a:schemeClr val="bg1"/>
                 </a:solidFill>
               </a:rPr>
-              <a:t> go tool </a:t>
-            </a:r>
-            <a:r>
-              <a:rPr lang="en-US" altLang="zh-CN" dirty="0" err="1">
-                <a:solidFill>
-                  <a:schemeClr val="bg1"/>
-                </a:solidFill>
-              </a:rPr>
-              <a:t>pprof</a:t>
-            </a:r>
-            <a:r>
-              <a:rPr lang="en-US" altLang="zh-CN" dirty="0">
-                <a:solidFill>
-                  <a:schemeClr val="bg1"/>
-                </a:solidFill>
-              </a:rPr>
-              <a:t> -http=:8000 </a:t>
+              <a:t> go tool pprof -http=:8000 </a:t>
             </a:r>
             <a:r>
               <a:rPr lang="en-US" altLang="zh-CN" dirty="0">
@@ -12005,12 +12169,8 @@
               <a:t>可视化界面使用</a:t>
             </a:r>
             <a:r>
-              <a:rPr kumimoji="1" lang="en-US" altLang="zh-CN" dirty="0" err="1"/>
+              <a:rPr kumimoji="1" lang="en-US" altLang="zh-CN" dirty="0"/>
               <a:t>PProf</a:t>
-            </a:r>
-            <a:r>
-              <a:rPr kumimoji="1" lang="en-US" altLang="zh-CN" dirty="0"/>
-              <a:t/>
             </a:r>
             <a:br>
               <a:rPr kumimoji="1" lang="en-US" altLang="zh-CN" dirty="0"/>
@@ -12125,12 +12285,8 @@
               <a:t>可视化界面使用</a:t>
             </a:r>
             <a:r>
-              <a:rPr kumimoji="1" lang="en-US" altLang="zh-CN" dirty="0" err="1"/>
+              <a:rPr kumimoji="1" lang="en-US" altLang="zh-CN" dirty="0"/>
               <a:t>PProf</a:t>
-            </a:r>
-            <a:r>
-              <a:rPr kumimoji="1" lang="en-US" altLang="zh-CN" dirty="0"/>
-              <a:t/>
             </a:r>
             <a:br>
               <a:rPr kumimoji="1" lang="en-US" altLang="zh-CN" dirty="0"/>
@@ -12491,12 +12647,8 @@
               <a:t>可视化界面使用</a:t>
             </a:r>
             <a:r>
-              <a:rPr kumimoji="1" lang="en-US" altLang="zh-CN" dirty="0" err="1"/>
+              <a:rPr kumimoji="1" lang="en-US" altLang="zh-CN" dirty="0"/>
               <a:t>PProf</a:t>
-            </a:r>
-            <a:r>
-              <a:rPr kumimoji="1" lang="en-US" altLang="zh-CN" dirty="0"/>
-              <a:t/>
             </a:r>
             <a:br>
               <a:rPr kumimoji="1" lang="en-US" altLang="zh-CN" dirty="0"/>
@@ -12611,12 +12763,8 @@
               <a:t>可视化界面使用</a:t>
             </a:r>
             <a:r>
-              <a:rPr kumimoji="1" lang="en-US" altLang="zh-CN" dirty="0" err="1"/>
+              <a:rPr kumimoji="1" lang="en-US" altLang="zh-CN" dirty="0"/>
               <a:t>PProf</a:t>
-            </a:r>
-            <a:r>
-              <a:rPr kumimoji="1" lang="en-US" altLang="zh-CN" dirty="0"/>
-              <a:t/>
             </a:r>
             <a:br>
               <a:rPr kumimoji="1" lang="en-US" altLang="zh-CN" dirty="0"/>
@@ -12809,12 +12957,8 @@
               <a:t>可视化界面使用</a:t>
             </a:r>
             <a:r>
-              <a:rPr kumimoji="1" lang="en-US" altLang="zh-CN" dirty="0" err="1"/>
+              <a:rPr kumimoji="1" lang="en-US" altLang="zh-CN" dirty="0"/>
               <a:t>PProf</a:t>
-            </a:r>
-            <a:r>
-              <a:rPr kumimoji="1" lang="en-US" altLang="zh-CN" dirty="0"/>
-              <a:t/>
             </a:r>
             <a:br>
               <a:rPr kumimoji="1" lang="en-US" altLang="zh-CN" dirty="0"/>
@@ -13676,12 +13820,8 @@
               <a:t>可视化界面使用</a:t>
             </a:r>
             <a:r>
-              <a:rPr kumimoji="1" lang="en-US" altLang="zh-CN" dirty="0" err="1"/>
+              <a:rPr kumimoji="1" lang="en-US" altLang="zh-CN" dirty="0"/>
               <a:t>PProf</a:t>
-            </a:r>
-            <a:r>
-              <a:rPr kumimoji="1" lang="en-US" altLang="zh-CN" dirty="0"/>
-              <a:t/>
             </a:r>
             <a:br>
               <a:rPr kumimoji="1" lang="en-US" altLang="zh-CN" dirty="0"/>
@@ -13852,14 +13992,6 @@
               </a:rPr>
               <a:t>说明</a:t>
             </a:r>
-            <a:endParaRPr kumimoji="1" lang="zh-CN" altLang="en-US" sz="4000" b="0" dirty="0">
-              <a:solidFill>
-                <a:srgbClr val="FFFFFF"/>
-              </a:solidFill>
-              <a:latin typeface="Helvetica" pitchFamily="2" charset="0"/>
-              <a:ea typeface="Alibaba PuHuiTi R" panose="00020600040101010101" pitchFamily="18" charset="-122"/>
-              <a:cs typeface="Alibaba PuHuiTi R" panose="00020600040101010101" pitchFamily="18" charset="-122"/>
-            </a:endParaRPr>
           </a:p>
         </p:txBody>
       </p:sp>
@@ -14028,11 +14160,6 @@
               </a:rPr>
               <a:t>支持点击块进行深入分析。</a:t>
             </a:r>
-            <a:endParaRPr lang="zh-CN" altLang="en-US" dirty="0">
-              <a:solidFill>
-                <a:schemeClr val="bg1"/>
-              </a:solidFill>
-            </a:endParaRPr>
           </a:p>
         </p:txBody>
       </p:sp>
@@ -14104,12 +14231,8 @@
               <a:t>可视化界面使用</a:t>
             </a:r>
             <a:r>
-              <a:rPr kumimoji="1" lang="en-US" altLang="zh-CN" dirty="0" err="1"/>
+              <a:rPr kumimoji="1" lang="en-US" altLang="zh-CN" dirty="0"/>
               <a:t>PProf</a:t>
-            </a:r>
-            <a:r>
-              <a:rPr kumimoji="1" lang="en-US" altLang="zh-CN" dirty="0"/>
-              <a:t/>
             </a:r>
             <a:br>
               <a:rPr kumimoji="1" lang="en-US" altLang="zh-CN" dirty="0"/>
@@ -14288,12 +14411,8 @@
               <a:t>可视化界面使用</a:t>
             </a:r>
             <a:r>
-              <a:rPr kumimoji="1" lang="en-US" altLang="zh-CN" dirty="0" err="1"/>
+              <a:rPr kumimoji="1" lang="en-US" altLang="zh-CN" dirty="0"/>
               <a:t>PProf</a:t>
-            </a:r>
-            <a:r>
-              <a:rPr kumimoji="1" lang="en-US" altLang="zh-CN" dirty="0"/>
-              <a:t/>
             </a:r>
             <a:br>
               <a:rPr kumimoji="1" lang="en-US" altLang="zh-CN" dirty="0"/>
@@ -14655,18 +14774,7 @@
                 <a:ea typeface="Alibaba PuHuiTi R" panose="00020600040101010101" pitchFamily="18" charset="-122"/>
                 <a:cs typeface="Alibaba PuHuiTi R" panose="00020600040101010101" pitchFamily="18" charset="-122"/>
               </a:rPr>
-              <a:t>CPU </a:t>
-            </a:r>
-            <a:r>
-              <a:rPr kumimoji="1" lang="en-US" altLang="zh-CN" sz="4000" b="0" dirty="0" smtClean="0">
-                <a:solidFill>
-                  <a:srgbClr val="FFFFFF"/>
-                </a:solidFill>
-                <a:latin typeface="Helvetica" pitchFamily="2" charset="0"/>
-                <a:ea typeface="Alibaba PuHuiTi R" panose="00020600040101010101" pitchFamily="18" charset="-122"/>
-                <a:cs typeface="Alibaba PuHuiTi R" panose="00020600040101010101" pitchFamily="18" charset="-122"/>
-              </a:rPr>
-              <a:t>Profiling</a:t>
+              <a:t>CPU Profiling</a:t>
             </a:r>
             <a:endParaRPr kumimoji="1" lang="zh-CN" altLang="en-US" sz="4000" b="0" dirty="0">
               <a:solidFill>
@@ -14833,23 +14941,7 @@
                   <a:schemeClr val="bg1"/>
                 </a:solidFill>
               </a:rPr>
-              <a:t>go tool </a:t>
-            </a:r>
-            <a:r>
-              <a:rPr lang="en-US" altLang="zh-CN" dirty="0" err="1">
-                <a:solidFill>
-                  <a:schemeClr val="bg1"/>
-                </a:solidFill>
-              </a:rPr>
-              <a:t>pprof</a:t>
-            </a:r>
-            <a:r>
-              <a:rPr lang="en-US" altLang="zh-CN" dirty="0">
-                <a:solidFill>
-                  <a:schemeClr val="bg1"/>
-                </a:solidFill>
-              </a:rPr>
-              <a:t> -http=:8001 </a:t>
+              <a:t>go tool pprof -http=:8001 </a:t>
             </a:r>
             <a:r>
               <a:rPr lang="en-US" altLang="zh-CN" dirty="0" err="1">
@@ -15227,23 +15319,7 @@
                   <a:schemeClr val="bg1"/>
                 </a:solidFill>
               </a:rPr>
-              <a:t>go tool </a:t>
-            </a:r>
-            <a:r>
-              <a:rPr lang="en-US" altLang="zh-CN" dirty="0" err="1">
-                <a:solidFill>
-                  <a:schemeClr val="bg1"/>
-                </a:solidFill>
-              </a:rPr>
-              <a:t>pprof</a:t>
-            </a:r>
-            <a:r>
-              <a:rPr lang="en-US" altLang="zh-CN" dirty="0">
-                <a:solidFill>
-                  <a:schemeClr val="bg1"/>
-                </a:solidFill>
-              </a:rPr>
-              <a:t> -http=:8001 </a:t>
+              <a:t>go tool pprof -http=:8001 </a:t>
             </a:r>
             <a:r>
               <a:rPr lang="en-US" altLang="zh-CN" dirty="0" err="1">
@@ -15520,7 +15596,7 @@
               <a:t>性能剖析工具</a:t>
             </a:r>
             <a:r>
-              <a:rPr kumimoji="1" lang="en-US" altLang="zh-CN" sz="4000" b="0" dirty="0" err="1" smtClean="0">
+              <a:rPr kumimoji="1" lang="en-US" altLang="zh-CN" sz="4000" b="0" dirty="0" smtClean="0">
                 <a:solidFill>
                   <a:srgbClr val="FFFFFF"/>
                 </a:solidFill>
@@ -15530,14 +15606,6 @@
               </a:rPr>
               <a:t>Pprof</a:t>
             </a:r>
-            <a:endParaRPr kumimoji="1" lang="en-US" altLang="zh-CN" sz="4000" b="0" dirty="0" smtClean="0">
-              <a:solidFill>
-                <a:srgbClr val="FFFFFF"/>
-              </a:solidFill>
-              <a:latin typeface="Helvetica" pitchFamily="2" charset="0"/>
-              <a:ea typeface="Alibaba PuHuiTi R" panose="00020600040101010101" pitchFamily="18" charset="-122"/>
-              <a:cs typeface="Alibaba PuHuiTi R" panose="00020600040101010101" pitchFamily="18" charset="-122"/>
-            </a:endParaRPr>
           </a:p>
           <a:p>
             <a:pPr marL="571500" indent="-571500" algn="l">
@@ -16192,29 +16260,7 @@
                 <a:ea typeface="Alibaba PuHuiTi R" panose="00020600040101010101" pitchFamily="18" charset="-122"/>
                 <a:cs typeface="Alibaba PuHuiTi R" panose="00020600040101010101" pitchFamily="18" charset="-122"/>
               </a:rPr>
-              <a:t>go tool </a:t>
-            </a:r>
-            <a:r>
-              <a:rPr kumimoji="1" lang="en-US" altLang="zh-CN" sz="4000" b="0" dirty="0" err="1">
-                <a:solidFill>
-                  <a:srgbClr val="FFFFFF"/>
-                </a:solidFill>
-                <a:latin typeface="Helvetica" pitchFamily="2" charset="0"/>
-                <a:ea typeface="Alibaba PuHuiTi R" panose="00020600040101010101" pitchFamily="18" charset="-122"/>
-                <a:cs typeface="Alibaba PuHuiTi R" panose="00020600040101010101" pitchFamily="18" charset="-122"/>
-              </a:rPr>
-              <a:t>pprof</a:t>
-            </a:r>
-            <a:r>
-              <a:rPr kumimoji="1" lang="en-US" altLang="zh-CN" sz="4000" b="0" dirty="0">
-                <a:solidFill>
-                  <a:srgbClr val="FFFFFF"/>
-                </a:solidFill>
-                <a:latin typeface="Helvetica" pitchFamily="2" charset="0"/>
-                <a:ea typeface="Alibaba PuHuiTi R" panose="00020600040101010101" pitchFamily="18" charset="-122"/>
-                <a:cs typeface="Alibaba PuHuiTi R" panose="00020600040101010101" pitchFamily="18" charset="-122"/>
-              </a:rPr>
-              <a:t> http://localhost:6062/debug/pprof/profile</a:t>
+              <a:t>go tool pprof http://localhost:6062/debug/pprof/profile</a:t>
             </a:r>
             <a:endParaRPr kumimoji="1" lang="zh-CN" altLang="en-US" sz="4000" b="0" dirty="0">
               <a:solidFill>
@@ -16713,29 +16759,7 @@
                 <a:ea typeface="Alibaba PuHuiTi R" panose="00020600040101010101" pitchFamily="18" charset="-122"/>
                 <a:cs typeface="Alibaba PuHuiTi R" panose="00020600040101010101" pitchFamily="18" charset="-122"/>
               </a:rPr>
-              <a:t>go tool </a:t>
-            </a:r>
-            <a:r>
-              <a:rPr kumimoji="1" lang="en-US" altLang="zh-CN" sz="4000" b="0" dirty="0" err="1">
-                <a:solidFill>
-                  <a:srgbClr val="FFFFFF"/>
-                </a:solidFill>
-                <a:latin typeface="Helvetica" pitchFamily="2" charset="0"/>
-                <a:ea typeface="Alibaba PuHuiTi R" panose="00020600040101010101" pitchFamily="18" charset="-122"/>
-                <a:cs typeface="Alibaba PuHuiTi R" panose="00020600040101010101" pitchFamily="18" charset="-122"/>
-              </a:rPr>
-              <a:t>pprof</a:t>
-            </a:r>
-            <a:r>
-              <a:rPr kumimoji="1" lang="en-US" altLang="zh-CN" sz="4000" b="0" dirty="0">
-                <a:solidFill>
-                  <a:srgbClr val="FFFFFF"/>
-                </a:solidFill>
-                <a:latin typeface="Helvetica" pitchFamily="2" charset="0"/>
-                <a:ea typeface="Alibaba PuHuiTi R" panose="00020600040101010101" pitchFamily="18" charset="-122"/>
-                <a:cs typeface="Alibaba PuHuiTi R" panose="00020600040101010101" pitchFamily="18" charset="-122"/>
-              </a:rPr>
-              <a:t> -http=:8000 profile</a:t>
+              <a:t>go tool pprof -http=:8000 profile</a:t>
             </a:r>
             <a:endParaRPr kumimoji="1" lang="zh-CN" altLang="en-US" sz="4000" b="0" dirty="0">
               <a:solidFill>
@@ -17926,29 +17950,7 @@
                 <a:ea typeface="Alibaba PuHuiTi R" panose="00020600040101010101" pitchFamily="18" charset="-122"/>
                 <a:cs typeface="Alibaba PuHuiTi R" panose="00020600040101010101" pitchFamily="18" charset="-122"/>
               </a:rPr>
-              <a:t> go tool </a:t>
-            </a:r>
-            <a:r>
-              <a:rPr kumimoji="1" lang="en-US" altLang="zh-CN" sz="3200" b="0" dirty="0" err="1">
-                <a:solidFill>
-                  <a:srgbClr val="FFFFFF"/>
-                </a:solidFill>
-                <a:latin typeface="Helvetica" pitchFamily="2" charset="0"/>
-                <a:ea typeface="Alibaba PuHuiTi R" panose="00020600040101010101" pitchFamily="18" charset="-122"/>
-                <a:cs typeface="Alibaba PuHuiTi R" panose="00020600040101010101" pitchFamily="18" charset="-122"/>
-              </a:rPr>
-              <a:t>pprof</a:t>
-            </a:r>
-            <a:r>
-              <a:rPr kumimoji="1" lang="en-US" altLang="zh-CN" sz="3200" b="0" dirty="0">
-                <a:solidFill>
-                  <a:srgbClr val="FFFFFF"/>
-                </a:solidFill>
-                <a:latin typeface="Helvetica" pitchFamily="2" charset="0"/>
-                <a:ea typeface="Alibaba PuHuiTi R" panose="00020600040101010101" pitchFamily="18" charset="-122"/>
-                <a:cs typeface="Alibaba PuHuiTi R" panose="00020600040101010101" pitchFamily="18" charset="-122"/>
-              </a:rPr>
-              <a:t> -http=:8000  </a:t>
+              <a:t> go tool pprof -http=:8000  </a:t>
             </a:r>
             <a:r>
               <a:rPr kumimoji="1" lang="en-US" altLang="zh-CN" sz="3200" b="0" dirty="0" smtClean="0">
@@ -18022,29 +18024,7 @@
                 <a:ea typeface="Alibaba PuHuiTi R" panose="00020600040101010101" pitchFamily="18" charset="-122"/>
                 <a:cs typeface="Alibaba PuHuiTi R" panose="00020600040101010101" pitchFamily="18" charset="-122"/>
               </a:rPr>
-              <a:t>go tool </a:t>
-            </a:r>
-            <a:r>
-              <a:rPr kumimoji="1" lang="en-US" altLang="zh-CN" sz="3200" b="0" dirty="0" err="1">
-                <a:solidFill>
-                  <a:srgbClr val="FFFFFF"/>
-                </a:solidFill>
-                <a:latin typeface="Helvetica" pitchFamily="2" charset="0"/>
-                <a:ea typeface="Alibaba PuHuiTi R" panose="00020600040101010101" pitchFamily="18" charset="-122"/>
-                <a:cs typeface="Alibaba PuHuiTi R" panose="00020600040101010101" pitchFamily="18" charset="-122"/>
-              </a:rPr>
-              <a:t>pprof</a:t>
-            </a:r>
-            <a:r>
-              <a:rPr kumimoji="1" lang="en-US" altLang="zh-CN" sz="3200" b="0" dirty="0">
-                <a:solidFill>
-                  <a:srgbClr val="FFFFFF"/>
-                </a:solidFill>
-                <a:latin typeface="Helvetica" pitchFamily="2" charset="0"/>
-                <a:ea typeface="Alibaba PuHuiTi R" panose="00020600040101010101" pitchFamily="18" charset="-122"/>
-                <a:cs typeface="Alibaba PuHuiTi R" panose="00020600040101010101" pitchFamily="18" charset="-122"/>
-              </a:rPr>
-              <a:t> -http=:8000 --base profile0 profile</a:t>
+              <a:t>go tool pprof -http=:8000 --base profile0 profile</a:t>
             </a:r>
             <a:endParaRPr kumimoji="1" lang="zh-CN" altLang="en-US" sz="3200" b="0" dirty="0">
               <a:solidFill>
@@ -18195,10 +18175,9 @@
               <a:t>第一章 性能剖析工具</a:t>
             </a:r>
             <a:r>
-              <a:rPr kumimoji="1" lang="en-US" altLang="zh-CN" dirty="0" err="1"/>
+              <a:rPr kumimoji="1" lang="en-US" altLang="zh-CN" dirty="0"/>
               <a:t>PProf</a:t>
             </a:r>
-            <a:endParaRPr kumimoji="1" lang="en-US" altLang="zh-CN" dirty="0"/>
           </a:p>
         </p:txBody>
       </p:sp>
@@ -18307,6 +18286,13 @@
     <a:masterClrMapping/>
   </p:clrMapOvr>
   <p:transition spd="med"/>
+  <p:timing>
+    <p:tnLst>
+      <p:par>
+        <p:cTn id="1" dur="indefinite" restart="never" nodeType="tmRoot"/>
+      </p:par>
+    </p:tnLst>
+  </p:timing>
 </p:sld>
 </file>
 
@@ -18461,77 +18447,54 @@
           </a:p>
         </p:txBody>
       </p:sp>
-      <p:sp>
-        <p:nvSpPr>
-          <p:cNvPr id="5" name="文本框 4"/>
-          <p:cNvSpPr txBox="1"/>
+      <p:pic>
+        <p:nvPicPr>
+          <p:cNvPr id="4" name="图片 3"/>
+          <p:cNvPicPr>
+            <a:picLocks noChangeAspect="1"/>
+          </p:cNvPicPr>
           <p:nvPr/>
-        </p:nvSpPr>
+        </p:nvPicPr>
+        <p:blipFill>
+          <a:blip r:embed="rId3"/>
+          <a:stretch>
+            <a:fillRect/>
+          </a:stretch>
+        </p:blipFill>
         <p:spPr>
           <a:xfrm>
-            <a:off x="2462400" y="2823737"/>
-            <a:ext cx="19458000" cy="974626"/>
+            <a:off x="114886" y="2289599"/>
+            <a:ext cx="12076514" cy="10433623"/>
           </a:xfrm>
           <a:prstGeom prst="rect">
             <a:avLst/>
           </a:prstGeom>
-          <a:noFill/>
-          <a:ln w="12700" cap="flat">
-            <a:noFill/>
-            <a:miter lim="400000"/>
-          </a:ln>
         </p:spPr>
-        <p:style>
-          <a:lnRef idx="0">
-            <a:scrgbClr r="0" g="0" b="0"/>
-          </a:lnRef>
-          <a:fillRef idx="0">
-            <a:scrgbClr r="0" g="0" b="0"/>
-          </a:fillRef>
-          <a:effectRef idx="0">
-            <a:scrgbClr r="0" g="0" b="0"/>
-          </a:effectRef>
-          <a:fontRef idx="none"/>
-        </p:style>
-        <p:txBody>
-          <a:bodyPr rot="0" spcFirstLastPara="1" vertOverflow="overflow" horzOverflow="overflow" vert="horz" wrap="square" lIns="50800" tIns="50800" rIns="50800" bIns="50800" numCol="1" spcCol="38100" rtlCol="0" anchor="ctr">
-            <a:spAutoFit/>
-          </a:bodyPr>
-          <a:lstStyle/>
-          <a:p>
-            <a:pPr marL="571500" indent="-571500" algn="l">
-              <a:spcBef>
-                <a:spcPts val="1000"/>
-              </a:spcBef>
-              <a:spcAft>
-                <a:spcPts val="1000"/>
-              </a:spcAft>
-              <a:buSzPct val="125000"/>
-              <a:buFont typeface="Arial" panose="020B0604020202090204" pitchFamily="34" charset="0"/>
-              <a:buChar char="•"/>
-            </a:pPr>
-            <a:r>
-              <a:rPr kumimoji="1" lang="zh-CN" altLang="en-US" sz="4000" b="0" dirty="0" smtClean="0">
-                <a:solidFill>
-                  <a:srgbClr val="FFFFFF"/>
-                </a:solidFill>
-                <a:latin typeface="Helvetica" pitchFamily="2" charset="0"/>
-                <a:ea typeface="Alibaba PuHuiTi R" panose="00020600040101010101" pitchFamily="18" charset="-122"/>
-                <a:cs typeface="Alibaba PuHuiTi R" panose="00020600040101010101" pitchFamily="18" charset="-122"/>
-              </a:rPr>
-              <a:t>重新生成报告</a:t>
-            </a:r>
-            <a:endParaRPr kumimoji="1" lang="zh-CN" altLang="en-US" sz="4000" b="0" dirty="0">
-              <a:solidFill>
-                <a:srgbClr val="FFFFFF"/>
-              </a:solidFill>
-              <a:latin typeface="Helvetica" pitchFamily="2" charset="0"/>
-              <a:ea typeface="Alibaba PuHuiTi R" panose="00020600040101010101" pitchFamily="18" charset="-122"/>
-              <a:cs typeface="Alibaba PuHuiTi R" panose="00020600040101010101" pitchFamily="18" charset="-122"/>
-            </a:endParaRPr>
-          </a:p>
-        </p:txBody>
-      </p:sp>
+      </p:pic>
+      <p:pic>
+        <p:nvPicPr>
+          <p:cNvPr id="7" name="图片 6"/>
+          <p:cNvPicPr>
+            <a:picLocks noChangeAspect="1"/>
+          </p:cNvPicPr>
+          <p:nvPr/>
+        </p:nvPicPr>
+        <p:blipFill>
+          <a:blip r:embed="rId4"/>
+          <a:stretch>
+            <a:fillRect/>
+          </a:stretch>
+        </p:blipFill>
+        <p:spPr>
+          <a:xfrm>
+            <a:off x="11851765" y="2937679"/>
+            <a:ext cx="12570345" cy="8244127"/>
+          </a:xfrm>
+          <a:prstGeom prst="rect">
+            <a:avLst/>
+          </a:prstGeom>
+        </p:spPr>
+      </p:pic>
     </p:spTree>
     <p:extLst>
       <p:ext uri="{BB962C8B-B14F-4D97-AF65-F5344CB8AC3E}">
@@ -18572,79 +18535,337 @@
       </p:grpSpPr>
       <p:sp>
         <p:nvSpPr>
-          <p:cNvPr id="2" name="文本占位符 1"/>
+          <p:cNvPr id="6" name="标题 5"/>
           <p:cNvSpPr>
             <a:spLocks noGrp="1"/>
           </p:cNvSpPr>
           <p:nvPr>
-            <p:ph type="body" sz="quarter" idx="13"/>
+            <p:ph type="title"/>
           </p:nvPr>
+        </p:nvSpPr>
+        <p:spPr/>
+        <p:txBody>
+          <a:bodyPr>
+            <a:noAutofit/>
+          </a:bodyPr>
+          <a:lstStyle/>
+          <a:p>
+            <a:r>
+              <a:rPr kumimoji="1" lang="en-US" altLang="zh-CN" dirty="0" smtClean="0"/>
+              <a:t>1.8 </a:t>
+            </a:r>
+            <a:r>
+              <a:rPr kumimoji="1" lang="zh-CN" altLang="en-US" dirty="0" smtClean="0"/>
+              <a:t>排</a:t>
+            </a:r>
+            <a:r>
+              <a:rPr kumimoji="1" lang="zh-CN" altLang="en-US" dirty="0"/>
+              <a:t>查内存占用过高问题</a:t>
+            </a:r>
+            <a:br>
+              <a:rPr kumimoji="1" lang="zh-CN" altLang="en-US" dirty="0"/>
+            </a:br>
+            <a:r>
+              <a:rPr kumimoji="1" lang="zh-CN" altLang="en-US" dirty="0"/>
+              <a:t/>
+            </a:r>
+            <a:br>
+              <a:rPr kumimoji="1" lang="zh-CN" altLang="en-US" dirty="0"/>
+            </a:br>
+            <a:r>
+              <a:rPr kumimoji="1" lang="en-US" altLang="zh-CN" dirty="0"/>
+              <a:t/>
+            </a:r>
+            <a:br>
+              <a:rPr kumimoji="1" lang="en-US" altLang="zh-CN" dirty="0"/>
+            </a:br>
+            <a:r>
+              <a:rPr kumimoji="1" lang="zh-CN" altLang="en-US" dirty="0"/>
+              <a:t/>
+            </a:r>
+            <a:br>
+              <a:rPr kumimoji="1" lang="zh-CN" altLang="en-US" dirty="0"/>
+            </a:br>
+            <a:r>
+              <a:rPr kumimoji="1" lang="zh-CN" altLang="en-US" dirty="0"/>
+              <a:t/>
+            </a:r>
+            <a:br>
+              <a:rPr kumimoji="1" lang="zh-CN" altLang="en-US" dirty="0"/>
+            </a:br>
+            <a:endParaRPr kumimoji="1" lang="en-US" altLang="zh-CN" dirty="0"/>
+          </a:p>
+        </p:txBody>
+      </p:sp>
+      <p:sp>
+        <p:nvSpPr>
+          <p:cNvPr id="4" name="文本框 3"/>
+          <p:cNvSpPr txBox="1"/>
+          <p:nvPr/>
         </p:nvSpPr>
         <p:spPr>
           <a:xfrm>
-            <a:off x="2444750" y="7675880"/>
-            <a:ext cx="5928995" cy="1163320"/>
+            <a:off x="2090056" y="4032585"/>
+            <a:ext cx="18601509" cy="3795911"/>
           </a:xfrm>
+          <a:prstGeom prst="rect">
+            <a:avLst/>
+          </a:prstGeom>
+          <a:noFill/>
+          <a:ln w="12700" cap="flat">
+            <a:noFill/>
+            <a:miter lim="400000"/>
+          </a:ln>
         </p:spPr>
+        <p:style>
+          <a:lnRef idx="0">
+            <a:scrgbClr r="0" g="0" b="0"/>
+          </a:lnRef>
+          <a:fillRef idx="0">
+            <a:scrgbClr r="0" g="0" b="0"/>
+          </a:fillRef>
+          <a:effectRef idx="0">
+            <a:scrgbClr r="0" g="0" b="0"/>
+          </a:effectRef>
+          <a:fontRef idx="none"/>
+        </p:style>
         <p:txBody>
-          <a:bodyPr wrap="square"/>
+          <a:bodyPr rot="0" spcFirstLastPara="1" vertOverflow="overflow" horzOverflow="overflow" vert="horz" wrap="square" lIns="50800" tIns="50800" rIns="50800" bIns="50800" numCol="1" spcCol="38100" rtlCol="0" anchor="ctr">
+            <a:spAutoFit/>
+          </a:bodyPr>
           <a:lstStyle/>
           <a:p>
-            <a:r>
-              <a:rPr kumimoji="1" lang="zh-CN" altLang="en-US" dirty="0"/>
-              <a:t>闯哥</a:t>
-            </a:r>
-          </a:p>
-        </p:txBody>
-      </p:sp>
-      <p:sp>
-        <p:nvSpPr>
-          <p:cNvPr id="4" name="文本占位符 3"/>
-          <p:cNvSpPr>
-            <a:spLocks noGrp="1"/>
-          </p:cNvSpPr>
-          <p:nvPr>
-            <p:ph type="body" sz="quarter" idx="15"/>
-          </p:nvPr>
-        </p:nvSpPr>
-        <p:spPr>
-          <a:xfrm>
-            <a:off x="2444750" y="4987012"/>
-            <a:ext cx="19143345" cy="1210588"/>
-          </a:xfrm>
-        </p:spPr>
-        <p:txBody>
-          <a:bodyPr wrap="square"/>
-          <a:lstStyle/>
-          <a:p>
-            <a:r>
-              <a:rPr kumimoji="1" lang="en-US" altLang="zh-CN" dirty="0" smtClean="0"/>
-              <a:t>1.9 </a:t>
-            </a:r>
-            <a:r>
-              <a:rPr kumimoji="1" lang="zh-CN" altLang="en-US" dirty="0" smtClean="0"/>
-              <a:t>排</a:t>
-            </a:r>
-            <a:r>
-              <a:rPr kumimoji="1" lang="zh-CN" altLang="en-US" dirty="0"/>
-              <a:t>查频繁</a:t>
-            </a:r>
-            <a:r>
-              <a:rPr kumimoji="1" lang="en-US" altLang="zh-CN" dirty="0"/>
-              <a:t>GC</a:t>
-            </a:r>
-            <a:r>
-              <a:rPr kumimoji="1" lang="zh-CN" altLang="en-US" dirty="0"/>
-              <a:t>问题</a:t>
-            </a:r>
-            <a:endParaRPr kumimoji="1" lang="en-US" altLang="zh-CN" dirty="0"/>
+            <a:pPr algn="l"/>
+            <a:r>
+              <a:rPr lang="en-US" altLang="zh-CN" dirty="0" smtClean="0">
+                <a:solidFill>
+                  <a:schemeClr val="bg1"/>
+                </a:solidFill>
+              </a:rPr>
+              <a:t># </a:t>
+            </a:r>
+            <a:r>
+              <a:rPr lang="zh-CN" altLang="en-US" dirty="0" smtClean="0">
+                <a:solidFill>
+                  <a:schemeClr val="bg1"/>
+                </a:solidFill>
+              </a:rPr>
+              <a:t>命令行交互分析</a:t>
+            </a:r>
+            <a:endParaRPr lang="en-US" altLang="zh-CN" dirty="0" smtClean="0">
+              <a:solidFill>
+                <a:schemeClr val="bg1"/>
+              </a:solidFill>
+            </a:endParaRPr>
+          </a:p>
+          <a:p>
+            <a:pPr algn="l"/>
+            <a:r>
+              <a:rPr lang="en-US" altLang="zh-CN" dirty="0" smtClean="0">
+                <a:solidFill>
+                  <a:schemeClr val="bg1"/>
+                </a:solidFill>
+              </a:rPr>
+              <a:t>go </a:t>
+            </a:r>
+            <a:r>
+              <a:rPr lang="en-US" altLang="zh-CN" dirty="0">
+                <a:solidFill>
+                  <a:schemeClr val="bg1"/>
+                </a:solidFill>
+              </a:rPr>
+              <a:t>tool pprof http://</a:t>
+            </a:r>
+            <a:r>
+              <a:rPr lang="en-US" altLang="zh-CN" dirty="0" smtClean="0">
+                <a:solidFill>
+                  <a:schemeClr val="bg1"/>
+                </a:solidFill>
+              </a:rPr>
+              <a:t>127.0.0.1:6061/debug/pprof/heap</a:t>
+            </a:r>
+          </a:p>
+          <a:p>
+            <a:pPr algn="l"/>
+            <a:endParaRPr kumimoji="0" lang="en-US" altLang="zh-CN" sz="3000" b="1" i="0" u="none" strike="noStrike" cap="none" spc="0" normalizeH="0" baseline="0" dirty="0" smtClean="0">
+              <a:ln>
+                <a:noFill/>
+              </a:ln>
+              <a:solidFill>
+                <a:schemeClr val="bg1"/>
+              </a:solidFill>
+              <a:effectLst/>
+              <a:uFillTx/>
+              <a:sym typeface="Helvetica Neue" panose="02000503000000020004"/>
+            </a:endParaRPr>
+          </a:p>
+          <a:p>
+            <a:pPr algn="l"/>
+            <a:r>
+              <a:rPr lang="en-US" altLang="zh-CN" dirty="0" smtClean="0">
+                <a:solidFill>
+                  <a:schemeClr val="bg1"/>
+                </a:solidFill>
+              </a:rPr>
+              <a:t># </a:t>
+            </a:r>
+            <a:r>
+              <a:rPr lang="zh-CN" altLang="en-US" dirty="0" smtClean="0">
+                <a:solidFill>
+                  <a:schemeClr val="bg1"/>
+                </a:solidFill>
+              </a:rPr>
+              <a:t>获取</a:t>
+            </a:r>
+            <a:r>
+              <a:rPr lang="en-US" altLang="zh-CN" dirty="0" smtClean="0">
+                <a:solidFill>
+                  <a:schemeClr val="bg1"/>
+                </a:solidFill>
+              </a:rPr>
+              <a:t>heap</a:t>
+            </a:r>
+            <a:r>
+              <a:rPr lang="zh-CN" altLang="en-US" dirty="0" smtClean="0">
+                <a:solidFill>
+                  <a:schemeClr val="bg1"/>
+                </a:solidFill>
+              </a:rPr>
+              <a:t>数据文件 </a:t>
+            </a:r>
+            <a:r>
+              <a:rPr lang="en-US" altLang="zh-CN" dirty="0" smtClean="0">
+                <a:solidFill>
+                  <a:schemeClr val="bg1"/>
+                </a:solidFill>
+              </a:rPr>
+              <a:t>,</a:t>
+            </a:r>
+            <a:r>
+              <a:rPr lang="zh-CN" altLang="en-US" dirty="0">
+                <a:solidFill>
+                  <a:schemeClr val="bg1"/>
+                </a:solidFill>
+              </a:rPr>
+              <a:t>能够很快地拉取到结果，因为它不像</a:t>
+            </a:r>
+            <a:r>
+              <a:rPr lang="en-US" altLang="zh-CN" dirty="0">
+                <a:solidFill>
+                  <a:schemeClr val="bg1"/>
+                </a:solidFill>
+              </a:rPr>
+              <a:t>CPU Profiling</a:t>
+            </a:r>
+            <a:r>
+              <a:rPr lang="zh-CN" altLang="en-US" dirty="0">
+                <a:solidFill>
+                  <a:schemeClr val="bg1"/>
+                </a:solidFill>
+              </a:rPr>
+              <a:t>那样需要做采样等待。</a:t>
+            </a:r>
+            <a:endParaRPr lang="en-US" altLang="zh-CN" dirty="0" smtClean="0">
+              <a:solidFill>
+                <a:schemeClr val="bg1"/>
+              </a:solidFill>
+            </a:endParaRPr>
+          </a:p>
+          <a:p>
+            <a:pPr algn="l"/>
+            <a:r>
+              <a:rPr lang="en-US" altLang="zh-CN" dirty="0" err="1" smtClean="0">
+                <a:solidFill>
+                  <a:schemeClr val="bg1"/>
+                </a:solidFill>
+              </a:rPr>
+              <a:t>Wget</a:t>
+            </a:r>
+            <a:r>
+              <a:rPr lang="en-US" altLang="zh-CN" dirty="0" smtClean="0">
+                <a:solidFill>
+                  <a:schemeClr val="bg1"/>
+                </a:solidFill>
+              </a:rPr>
+              <a:t>  </a:t>
+            </a:r>
+            <a:r>
+              <a:rPr lang="en-US" altLang="zh-CN" dirty="0">
+                <a:solidFill>
+                  <a:schemeClr val="bg1"/>
+                </a:solidFill>
+              </a:rPr>
+              <a:t>http://</a:t>
+            </a:r>
+            <a:r>
+              <a:rPr lang="en-US" altLang="zh-CN" dirty="0" smtClean="0">
+                <a:solidFill>
+                  <a:schemeClr val="bg1"/>
+                </a:solidFill>
+              </a:rPr>
+              <a:t>127.0.0.1:6061/debug/pprof/heap</a:t>
+            </a:r>
+          </a:p>
+          <a:p>
+            <a:pPr algn="l"/>
+            <a:endParaRPr lang="en-US" altLang="zh-CN" dirty="0">
+              <a:solidFill>
+                <a:schemeClr val="bg1"/>
+              </a:solidFill>
+            </a:endParaRPr>
+          </a:p>
+          <a:p>
+            <a:pPr algn="l"/>
+            <a:r>
+              <a:rPr lang="en-US" altLang="zh-CN" dirty="0" smtClean="0">
+                <a:solidFill>
+                  <a:schemeClr val="bg1"/>
+                </a:solidFill>
+              </a:rPr>
+              <a:t># web </a:t>
+            </a:r>
+            <a:r>
+              <a:rPr lang="zh-CN" altLang="en-US" dirty="0" smtClean="0">
+                <a:solidFill>
+                  <a:schemeClr val="bg1"/>
+                </a:solidFill>
+              </a:rPr>
+              <a:t>界面分析</a:t>
+            </a:r>
+            <a:endParaRPr lang="en-US" altLang="zh-CN" dirty="0" smtClean="0">
+              <a:solidFill>
+                <a:schemeClr val="bg1"/>
+              </a:solidFill>
+            </a:endParaRPr>
+          </a:p>
+          <a:p>
+            <a:pPr algn="l"/>
+            <a:r>
+              <a:rPr lang="en-US" altLang="zh-CN" dirty="0" smtClean="0">
+                <a:solidFill>
+                  <a:schemeClr val="bg1"/>
+                </a:solidFill>
+              </a:rPr>
+              <a:t>Go tool pprof –http=:8000 heap</a:t>
+            </a:r>
+            <a:endParaRPr kumimoji="0" lang="zh-CN" altLang="en-US" sz="3000" b="1" i="0" u="none" strike="noStrike" cap="none" spc="0" normalizeH="0" baseline="0" dirty="0">
+              <a:ln>
+                <a:noFill/>
+              </a:ln>
+              <a:solidFill>
+                <a:schemeClr val="bg1"/>
+              </a:solidFill>
+              <a:effectLst/>
+              <a:uFillTx/>
+              <a:sym typeface="Helvetica Neue" panose="02000503000000020004"/>
+            </a:endParaRPr>
           </a:p>
         </p:txBody>
       </p:sp>
     </p:spTree>
     <p:extLst>
       <p:ext uri="{BB962C8B-B14F-4D97-AF65-F5344CB8AC3E}">
-        <p14:creationId xmlns:p14="http://schemas.microsoft.com/office/powerpoint/2010/main" val="592426751"/>
+        <p14:creationId xmlns:p14="http://schemas.microsoft.com/office/powerpoint/2010/main" val="4024344280"/>
       </p:ext>
     </p:extLst>
   </p:cSld>
@@ -18652,6 +18873,13 @@
     <a:masterClrMapping/>
   </p:clrMapOvr>
   <p:transition spd="med"/>
+  <p:timing>
+    <p:tnLst>
+      <p:par>
+        <p:cTn id="1" dur="indefinite" restart="never" nodeType="tmRoot"/>
+      </p:par>
+    </p:tnLst>
+  </p:timing>
 </p:sld>
 </file>
 
@@ -18674,71 +18902,96 @@
       </p:grpSpPr>
       <p:sp>
         <p:nvSpPr>
-          <p:cNvPr id="2" name="文本占位符 1"/>
+          <p:cNvPr id="6" name="标题 5"/>
           <p:cNvSpPr>
             <a:spLocks noGrp="1"/>
           </p:cNvSpPr>
           <p:nvPr>
-            <p:ph type="body" sz="quarter" idx="13"/>
+            <p:ph type="title"/>
           </p:nvPr>
         </p:nvSpPr>
+        <p:spPr/>
+        <p:txBody>
+          <a:bodyPr>
+            <a:noAutofit/>
+          </a:bodyPr>
+          <a:lstStyle/>
+          <a:p>
+            <a:r>
+              <a:rPr kumimoji="1" lang="en-US" altLang="zh-CN" dirty="0" smtClean="0"/>
+              <a:t>1.8 </a:t>
+            </a:r>
+            <a:r>
+              <a:rPr kumimoji="1" lang="zh-CN" altLang="en-US" dirty="0" smtClean="0"/>
+              <a:t>排</a:t>
+            </a:r>
+            <a:r>
+              <a:rPr kumimoji="1" lang="zh-CN" altLang="en-US" dirty="0"/>
+              <a:t>查内存占用过高问题</a:t>
+            </a:r>
+            <a:br>
+              <a:rPr kumimoji="1" lang="zh-CN" altLang="en-US" dirty="0"/>
+            </a:br>
+            <a:r>
+              <a:rPr kumimoji="1" lang="zh-CN" altLang="en-US" dirty="0"/>
+              <a:t/>
+            </a:r>
+            <a:br>
+              <a:rPr kumimoji="1" lang="zh-CN" altLang="en-US" dirty="0"/>
+            </a:br>
+            <a:r>
+              <a:rPr kumimoji="1" lang="en-US" altLang="zh-CN" dirty="0"/>
+              <a:t/>
+            </a:r>
+            <a:br>
+              <a:rPr kumimoji="1" lang="en-US" altLang="zh-CN" dirty="0"/>
+            </a:br>
+            <a:r>
+              <a:rPr kumimoji="1" lang="zh-CN" altLang="en-US" dirty="0"/>
+              <a:t/>
+            </a:r>
+            <a:br>
+              <a:rPr kumimoji="1" lang="zh-CN" altLang="en-US" dirty="0"/>
+            </a:br>
+            <a:r>
+              <a:rPr kumimoji="1" lang="zh-CN" altLang="en-US" dirty="0"/>
+              <a:t/>
+            </a:r>
+            <a:br>
+              <a:rPr kumimoji="1" lang="zh-CN" altLang="en-US" dirty="0"/>
+            </a:br>
+            <a:endParaRPr kumimoji="1" lang="en-US" altLang="zh-CN" dirty="0"/>
+          </a:p>
+        </p:txBody>
+      </p:sp>
+      <p:pic>
+        <p:nvPicPr>
+          <p:cNvPr id="2" name="图片 1"/>
+          <p:cNvPicPr>
+            <a:picLocks noChangeAspect="1"/>
+          </p:cNvPicPr>
+          <p:nvPr/>
+        </p:nvPicPr>
+        <p:blipFill>
+          <a:blip r:embed="rId3"/>
+          <a:stretch>
+            <a:fillRect/>
+          </a:stretch>
+        </p:blipFill>
         <p:spPr>
           <a:xfrm>
-            <a:off x="2444750" y="7675880"/>
-            <a:ext cx="5928995" cy="1163320"/>
+            <a:off x="1487808" y="3134269"/>
+            <a:ext cx="21077506" cy="9040313"/>
           </a:xfrm>
+          <a:prstGeom prst="rect">
+            <a:avLst/>
+          </a:prstGeom>
         </p:spPr>
-        <p:txBody>
-          <a:bodyPr wrap="square"/>
-          <a:lstStyle/>
-          <a:p>
-            <a:r>
-              <a:rPr kumimoji="1" lang="zh-CN" altLang="en-US" dirty="0"/>
-              <a:t>闯哥</a:t>
-            </a:r>
-          </a:p>
-        </p:txBody>
-      </p:sp>
-      <p:sp>
-        <p:nvSpPr>
-          <p:cNvPr id="4" name="文本占位符 3"/>
-          <p:cNvSpPr>
-            <a:spLocks noGrp="1"/>
-          </p:cNvSpPr>
-          <p:nvPr>
-            <p:ph type="body" sz="quarter" idx="15"/>
-          </p:nvPr>
-        </p:nvSpPr>
-        <p:spPr>
-          <a:xfrm>
-            <a:off x="2444750" y="4987012"/>
-            <a:ext cx="19143345" cy="1210588"/>
-          </a:xfrm>
-        </p:spPr>
-        <p:txBody>
-          <a:bodyPr wrap="square"/>
-          <a:lstStyle/>
-          <a:p>
-            <a:r>
-              <a:rPr kumimoji="1" lang="en-US" altLang="zh-CN" dirty="0" smtClean="0"/>
-              <a:t>1.10 </a:t>
-            </a:r>
-            <a:r>
-              <a:rPr kumimoji="1" lang="zh-CN" altLang="en-US" dirty="0" smtClean="0"/>
-              <a:t>排</a:t>
-            </a:r>
-            <a:r>
-              <a:rPr kumimoji="1" lang="zh-CN" altLang="en-US" dirty="0"/>
-              <a:t>查协程泄漏问题</a:t>
-            </a:r>
-            <a:endParaRPr kumimoji="1" lang="en-US" altLang="zh-CN" dirty="0"/>
-          </a:p>
-        </p:txBody>
-      </p:sp>
+      </p:pic>
     </p:spTree>
     <p:extLst>
       <p:ext uri="{BB962C8B-B14F-4D97-AF65-F5344CB8AC3E}">
-        <p14:creationId xmlns:p14="http://schemas.microsoft.com/office/powerpoint/2010/main" val="2362445396"/>
+        <p14:creationId xmlns:p14="http://schemas.microsoft.com/office/powerpoint/2010/main" val="536595823"/>
       </p:ext>
     </p:extLst>
   </p:cSld>
@@ -18746,6 +18999,13 @@
     <a:masterClrMapping/>
   </p:clrMapOvr>
   <p:transition spd="med"/>
+  <p:timing>
+    <p:tnLst>
+      <p:par>
+        <p:cTn id="1" dur="indefinite" restart="never" nodeType="tmRoot"/>
+      </p:par>
+    </p:tnLst>
+  </p:timing>
 </p:sld>
 </file>
 
@@ -18768,71 +19028,592 @@
       </p:grpSpPr>
       <p:sp>
         <p:nvSpPr>
-          <p:cNvPr id="2" name="文本占位符 1"/>
+          <p:cNvPr id="6" name="标题 5"/>
           <p:cNvSpPr>
             <a:spLocks noGrp="1"/>
           </p:cNvSpPr>
           <p:nvPr>
-            <p:ph type="body" sz="quarter" idx="13"/>
+            <p:ph type="title"/>
           </p:nvPr>
+        </p:nvSpPr>
+        <p:spPr/>
+        <p:txBody>
+          <a:bodyPr>
+            <a:noAutofit/>
+          </a:bodyPr>
+          <a:lstStyle/>
+          <a:p>
+            <a:r>
+              <a:rPr kumimoji="1" lang="en-US" altLang="zh-CN" dirty="0" smtClean="0"/>
+              <a:t>1.8 </a:t>
+            </a:r>
+            <a:r>
+              <a:rPr kumimoji="1" lang="zh-CN" altLang="en-US" dirty="0" smtClean="0"/>
+              <a:t>排</a:t>
+            </a:r>
+            <a:r>
+              <a:rPr kumimoji="1" lang="zh-CN" altLang="en-US" dirty="0"/>
+              <a:t>查内存占用过高问题</a:t>
+            </a:r>
+            <a:br>
+              <a:rPr kumimoji="1" lang="zh-CN" altLang="en-US" dirty="0"/>
+            </a:br>
+            <a:r>
+              <a:rPr kumimoji="1" lang="zh-CN" altLang="en-US" dirty="0"/>
+              <a:t/>
+            </a:r>
+            <a:br>
+              <a:rPr kumimoji="1" lang="zh-CN" altLang="en-US" dirty="0"/>
+            </a:br>
+            <a:r>
+              <a:rPr kumimoji="1" lang="en-US" altLang="zh-CN" dirty="0"/>
+              <a:t/>
+            </a:r>
+            <a:br>
+              <a:rPr kumimoji="1" lang="en-US" altLang="zh-CN" dirty="0"/>
+            </a:br>
+            <a:r>
+              <a:rPr kumimoji="1" lang="zh-CN" altLang="en-US" dirty="0"/>
+              <a:t/>
+            </a:r>
+            <a:br>
+              <a:rPr kumimoji="1" lang="zh-CN" altLang="en-US" dirty="0"/>
+            </a:br>
+            <a:r>
+              <a:rPr kumimoji="1" lang="zh-CN" altLang="en-US" dirty="0"/>
+              <a:t/>
+            </a:r>
+            <a:br>
+              <a:rPr kumimoji="1" lang="zh-CN" altLang="en-US" dirty="0"/>
+            </a:br>
+            <a:endParaRPr kumimoji="1" lang="en-US" altLang="zh-CN" dirty="0"/>
+          </a:p>
+        </p:txBody>
+      </p:sp>
+      <p:sp>
+        <p:nvSpPr>
+          <p:cNvPr id="4" name="文本框 3"/>
+          <p:cNvSpPr txBox="1"/>
+          <p:nvPr/>
         </p:nvSpPr>
         <p:spPr>
           <a:xfrm>
-            <a:off x="2444750" y="7675880"/>
-            <a:ext cx="5928995" cy="1163320"/>
+            <a:off x="2462400" y="2640858"/>
+            <a:ext cx="19458000" cy="974626"/>
           </a:xfrm>
+          <a:prstGeom prst="rect">
+            <a:avLst/>
+          </a:prstGeom>
+          <a:noFill/>
+          <a:ln w="12700" cap="flat">
+            <a:noFill/>
+            <a:miter lim="400000"/>
+          </a:ln>
+        </p:spPr>
+        <p:style>
+          <a:lnRef idx="0">
+            <a:scrgbClr r="0" g="0" b="0"/>
+          </a:lnRef>
+          <a:fillRef idx="0">
+            <a:scrgbClr r="0" g="0" b="0"/>
+          </a:fillRef>
+          <a:effectRef idx="0">
+            <a:scrgbClr r="0" g="0" b="0"/>
+          </a:effectRef>
+          <a:fontRef idx="none"/>
+        </p:style>
+        <p:txBody>
+          <a:bodyPr rot="0" spcFirstLastPara="1" vertOverflow="overflow" horzOverflow="overflow" vert="horz" wrap="square" lIns="50800" tIns="50800" rIns="50800" bIns="50800" numCol="1" spcCol="38100" rtlCol="0" anchor="ctr">
+            <a:spAutoFit/>
+          </a:bodyPr>
+          <a:lstStyle/>
+          <a:p>
+            <a:pPr marL="571500" indent="-571500" algn="l">
+              <a:spcBef>
+                <a:spcPts val="1000"/>
+              </a:spcBef>
+              <a:spcAft>
+                <a:spcPts val="1000"/>
+              </a:spcAft>
+              <a:buSzPct val="125000"/>
+              <a:buFont typeface="Arial" panose="020B0604020202090204" pitchFamily="34" charset="0"/>
+              <a:buChar char="•"/>
+            </a:pPr>
+            <a:r>
+              <a:rPr kumimoji="1" lang="en-US" altLang="zh-CN" sz="4000" b="0" dirty="0" err="1" smtClean="0">
+                <a:solidFill>
+                  <a:srgbClr val="FFFFFF"/>
+                </a:solidFill>
+                <a:latin typeface="Helvetica" pitchFamily="2" charset="0"/>
+                <a:ea typeface="Alibaba PuHuiTi R" panose="00020600040101010101" pitchFamily="18" charset="-122"/>
+                <a:cs typeface="Alibaba PuHuiTi R" panose="00020600040101010101" pitchFamily="18" charset="-122"/>
+              </a:rPr>
+              <a:t>inuse_space</a:t>
+            </a:r>
+            <a:r>
+              <a:rPr kumimoji="1" lang="en-US" altLang="zh-CN" sz="4000" b="0" dirty="0" smtClean="0">
+                <a:solidFill>
+                  <a:srgbClr val="FFFFFF"/>
+                </a:solidFill>
+                <a:latin typeface="Helvetica" pitchFamily="2" charset="0"/>
+                <a:ea typeface="Alibaba PuHuiTi R" panose="00020600040101010101" pitchFamily="18" charset="-122"/>
+                <a:cs typeface="Alibaba PuHuiTi R" panose="00020600040101010101" pitchFamily="18" charset="-122"/>
+              </a:rPr>
+              <a:t>(</a:t>
+            </a:r>
+            <a:r>
+              <a:rPr kumimoji="1" lang="zh-CN" altLang="en-US" sz="4000" b="0" dirty="0">
+                <a:solidFill>
+                  <a:srgbClr val="FFFFFF"/>
+                </a:solidFill>
+                <a:latin typeface="Helvetica" pitchFamily="2" charset="0"/>
+                <a:ea typeface="Alibaba PuHuiTi R" panose="00020600040101010101" pitchFamily="18" charset="-122"/>
+                <a:cs typeface="Alibaba PuHuiTi R" panose="00020600040101010101" pitchFamily="18" charset="-122"/>
+              </a:rPr>
+              <a:t>默认选项</a:t>
+            </a:r>
+            <a:r>
+              <a:rPr kumimoji="1" lang="en-US" altLang="zh-CN" sz="4000" b="0" dirty="0" smtClean="0">
+                <a:solidFill>
+                  <a:srgbClr val="FFFFFF"/>
+                </a:solidFill>
+                <a:latin typeface="Helvetica" pitchFamily="2" charset="0"/>
+                <a:ea typeface="Alibaba PuHuiTi R" panose="00020600040101010101" pitchFamily="18" charset="-122"/>
+                <a:cs typeface="Alibaba PuHuiTi R" panose="00020600040101010101" pitchFamily="18" charset="-122"/>
+              </a:rPr>
+              <a:t>)</a:t>
+            </a:r>
+            <a:endParaRPr kumimoji="1" lang="zh-CN" altLang="en-US" sz="4000" b="0" dirty="0">
+              <a:solidFill>
+                <a:srgbClr val="FFFFFF"/>
+              </a:solidFill>
+              <a:latin typeface="Helvetica" pitchFamily="2" charset="0"/>
+              <a:ea typeface="Alibaba PuHuiTi R" panose="00020600040101010101" pitchFamily="18" charset="-122"/>
+              <a:cs typeface="Alibaba PuHuiTi R" panose="00020600040101010101" pitchFamily="18" charset="-122"/>
+            </a:endParaRPr>
+          </a:p>
+        </p:txBody>
+      </p:sp>
+      <p:sp>
+        <p:nvSpPr>
+          <p:cNvPr id="5" name="矩形 4"/>
+          <p:cNvSpPr/>
+          <p:nvPr/>
+        </p:nvSpPr>
+        <p:spPr>
+          <a:xfrm>
+            <a:off x="2987039" y="3615485"/>
+            <a:ext cx="17991909" cy="553998"/>
+          </a:xfrm>
+          <a:prstGeom prst="rect">
+            <a:avLst/>
+          </a:prstGeom>
         </p:spPr>
         <p:txBody>
-          <a:bodyPr wrap="square"/>
+          <a:bodyPr wrap="square">
+            <a:spAutoFit/>
+          </a:bodyPr>
           <a:lstStyle/>
           <a:p>
-            <a:r>
-              <a:rPr kumimoji="1" lang="zh-CN" altLang="en-US" dirty="0"/>
-              <a:t>闯哥</a:t>
-            </a:r>
+            <a:pPr algn="l"/>
+            <a:r>
+              <a:rPr lang="zh-CN" altLang="en-US" dirty="0">
+                <a:solidFill>
+                  <a:schemeClr val="bg1"/>
+                </a:solidFill>
+              </a:rPr>
+              <a:t>收集实时的正在使用的分配空间数。当我们认为应用程序占据的 </a:t>
+            </a:r>
+            <a:r>
+              <a:rPr lang="en-US" altLang="zh-CN" dirty="0">
+                <a:solidFill>
+                  <a:schemeClr val="bg1"/>
+                </a:solidFill>
+              </a:rPr>
+              <a:t>RSS </a:t>
+            </a:r>
+            <a:r>
+              <a:rPr lang="zh-CN" altLang="en-US" dirty="0">
+                <a:solidFill>
+                  <a:schemeClr val="bg1"/>
+                </a:solidFill>
+              </a:rPr>
+              <a:t>过大时，首先关注该指标。</a:t>
+            </a:r>
+            <a:endParaRPr lang="zh-CN" altLang="en-US" dirty="0">
+              <a:solidFill>
+                <a:schemeClr val="bg1"/>
+              </a:solidFill>
+            </a:endParaRPr>
           </a:p>
         </p:txBody>
       </p:sp>
       <p:sp>
         <p:nvSpPr>
-          <p:cNvPr id="4" name="文本占位符 3"/>
-          <p:cNvSpPr>
-            <a:spLocks noGrp="1"/>
-          </p:cNvSpPr>
-          <p:nvPr>
-            <p:ph type="body" sz="quarter" idx="15"/>
-          </p:nvPr>
+          <p:cNvPr id="7" name="文本框 6"/>
+          <p:cNvSpPr txBox="1"/>
+          <p:nvPr/>
         </p:nvSpPr>
         <p:spPr>
           <a:xfrm>
-            <a:off x="2444750" y="4987012"/>
-            <a:ext cx="19143345" cy="1210588"/>
+            <a:off x="2462400" y="4656795"/>
+            <a:ext cx="19458000" cy="974626"/>
           </a:xfrm>
+          <a:prstGeom prst="rect">
+            <a:avLst/>
+          </a:prstGeom>
+          <a:noFill/>
+          <a:ln w="12700" cap="flat">
+            <a:noFill/>
+            <a:miter lim="400000"/>
+          </a:ln>
+        </p:spPr>
+        <p:style>
+          <a:lnRef idx="0">
+            <a:scrgbClr r="0" g="0" b="0"/>
+          </a:lnRef>
+          <a:fillRef idx="0">
+            <a:scrgbClr r="0" g="0" b="0"/>
+          </a:fillRef>
+          <a:effectRef idx="0">
+            <a:scrgbClr r="0" g="0" b="0"/>
+          </a:effectRef>
+          <a:fontRef idx="none"/>
+        </p:style>
+        <p:txBody>
+          <a:bodyPr rot="0" spcFirstLastPara="1" vertOverflow="overflow" horzOverflow="overflow" vert="horz" wrap="square" lIns="50800" tIns="50800" rIns="50800" bIns="50800" numCol="1" spcCol="38100" rtlCol="0" anchor="ctr">
+            <a:spAutoFit/>
+          </a:bodyPr>
+          <a:lstStyle/>
+          <a:p>
+            <a:pPr marL="571500" indent="-571500" algn="l">
+              <a:spcBef>
+                <a:spcPts val="1000"/>
+              </a:spcBef>
+              <a:spcAft>
+                <a:spcPts val="1000"/>
+              </a:spcAft>
+              <a:buSzPct val="125000"/>
+              <a:buFont typeface="Arial" panose="020B0604020202090204" pitchFamily="34" charset="0"/>
+              <a:buChar char="•"/>
+            </a:pPr>
+            <a:r>
+              <a:rPr kumimoji="1" lang="en-US" altLang="zh-CN" sz="4000" b="0" dirty="0" err="1">
+                <a:solidFill>
+                  <a:srgbClr val="FFFFFF"/>
+                </a:solidFill>
+                <a:latin typeface="Helvetica" pitchFamily="2" charset="0"/>
+                <a:ea typeface="Alibaba PuHuiTi R" panose="00020600040101010101" pitchFamily="18" charset="-122"/>
+                <a:cs typeface="Alibaba PuHuiTi R" panose="00020600040101010101" pitchFamily="18" charset="-122"/>
+              </a:rPr>
+              <a:t>alloc_space</a:t>
+            </a:r>
+            <a:endParaRPr kumimoji="1" lang="zh-CN" altLang="en-US" sz="4000" b="0" dirty="0">
+              <a:solidFill>
+                <a:srgbClr val="FFFFFF"/>
+              </a:solidFill>
+              <a:latin typeface="Helvetica" pitchFamily="2" charset="0"/>
+              <a:ea typeface="Alibaba PuHuiTi R" panose="00020600040101010101" pitchFamily="18" charset="-122"/>
+              <a:cs typeface="Alibaba PuHuiTi R" panose="00020600040101010101" pitchFamily="18" charset="-122"/>
+            </a:endParaRPr>
+          </a:p>
+        </p:txBody>
+      </p:sp>
+      <p:sp>
+        <p:nvSpPr>
+          <p:cNvPr id="9" name="矩形 8"/>
+          <p:cNvSpPr/>
+          <p:nvPr/>
+        </p:nvSpPr>
+        <p:spPr>
+          <a:xfrm>
+            <a:off x="2987038" y="5631421"/>
+            <a:ext cx="17991909" cy="553998"/>
+          </a:xfrm>
+          <a:prstGeom prst="rect">
+            <a:avLst/>
+          </a:prstGeom>
         </p:spPr>
         <p:txBody>
-          <a:bodyPr wrap="square"/>
+          <a:bodyPr wrap="square">
+            <a:spAutoFit/>
+          </a:bodyPr>
           <a:lstStyle/>
           <a:p>
-            <a:r>
-              <a:rPr kumimoji="1" lang="en-US" altLang="zh-CN" dirty="0" smtClean="0"/>
-              <a:t>1.11 </a:t>
-            </a:r>
-            <a:r>
-              <a:rPr kumimoji="1" lang="zh-CN" altLang="en-US" dirty="0" smtClean="0"/>
-              <a:t>排</a:t>
-            </a:r>
-            <a:r>
-              <a:rPr kumimoji="1" lang="zh-CN" altLang="en-US" dirty="0"/>
-              <a:t>查锁竞争问题</a:t>
-            </a:r>
-            <a:endParaRPr kumimoji="1" lang="en-US" altLang="zh-CN" dirty="0"/>
+            <a:pPr algn="l"/>
+            <a:r>
+              <a:rPr lang="zh-CN" altLang="en-US" dirty="0">
+                <a:solidFill>
+                  <a:schemeClr val="bg1"/>
+                </a:solidFill>
+              </a:rPr>
+              <a:t>收集自程序启动以来，累计的分配空间数。当应用历史上发生过内存使用大量上升时，首先关注该指标。</a:t>
+            </a:r>
+            <a:endParaRPr lang="zh-CN" altLang="en-US" dirty="0">
+              <a:solidFill>
+                <a:schemeClr val="bg1"/>
+              </a:solidFill>
+            </a:endParaRPr>
+          </a:p>
+        </p:txBody>
+      </p:sp>
+      <p:sp>
+        <p:nvSpPr>
+          <p:cNvPr id="10" name="文本框 9"/>
+          <p:cNvSpPr txBox="1"/>
+          <p:nvPr/>
+        </p:nvSpPr>
+        <p:spPr>
+          <a:xfrm>
+            <a:off x="2462400" y="6489811"/>
+            <a:ext cx="19458000" cy="974626"/>
+          </a:xfrm>
+          <a:prstGeom prst="rect">
+            <a:avLst/>
+          </a:prstGeom>
+          <a:noFill/>
+          <a:ln w="12700" cap="flat">
+            <a:noFill/>
+            <a:miter lim="400000"/>
+          </a:ln>
+        </p:spPr>
+        <p:style>
+          <a:lnRef idx="0">
+            <a:scrgbClr r="0" g="0" b="0"/>
+          </a:lnRef>
+          <a:fillRef idx="0">
+            <a:scrgbClr r="0" g="0" b="0"/>
+          </a:fillRef>
+          <a:effectRef idx="0">
+            <a:scrgbClr r="0" g="0" b="0"/>
+          </a:effectRef>
+          <a:fontRef idx="none"/>
+        </p:style>
+        <p:txBody>
+          <a:bodyPr rot="0" spcFirstLastPara="1" vertOverflow="overflow" horzOverflow="overflow" vert="horz" wrap="square" lIns="50800" tIns="50800" rIns="50800" bIns="50800" numCol="1" spcCol="38100" rtlCol="0" anchor="ctr">
+            <a:spAutoFit/>
+          </a:bodyPr>
+          <a:lstStyle/>
+          <a:p>
+            <a:pPr marL="571500" indent="-571500" algn="l">
+              <a:spcBef>
+                <a:spcPts val="1000"/>
+              </a:spcBef>
+              <a:spcAft>
+                <a:spcPts val="1000"/>
+              </a:spcAft>
+              <a:buSzPct val="125000"/>
+              <a:buFont typeface="Arial" panose="020B0604020202090204" pitchFamily="34" charset="0"/>
+              <a:buChar char="•"/>
+            </a:pPr>
+            <a:r>
+              <a:rPr kumimoji="1" lang="en-US" altLang="zh-CN" sz="4000" b="0" dirty="0" err="1">
+                <a:solidFill>
+                  <a:srgbClr val="FFFFFF"/>
+                </a:solidFill>
+                <a:latin typeface="Helvetica" pitchFamily="2" charset="0"/>
+                <a:ea typeface="Alibaba PuHuiTi R" panose="00020600040101010101" pitchFamily="18" charset="-122"/>
+                <a:cs typeface="Alibaba PuHuiTi R" panose="00020600040101010101" pitchFamily="18" charset="-122"/>
+              </a:rPr>
+              <a:t>inuse_objects</a:t>
+            </a:r>
+            <a:r>
+              <a:rPr kumimoji="1" lang="en-US" altLang="zh-CN" sz="4000" b="0" dirty="0">
+                <a:solidFill>
+                  <a:srgbClr val="FFFFFF"/>
+                </a:solidFill>
+                <a:latin typeface="Helvetica" pitchFamily="2" charset="0"/>
+                <a:ea typeface="Alibaba PuHuiTi R" panose="00020600040101010101" pitchFamily="18" charset="-122"/>
+                <a:cs typeface="Alibaba PuHuiTi R" panose="00020600040101010101" pitchFamily="18" charset="-122"/>
+              </a:rPr>
+              <a:t> </a:t>
+            </a:r>
+            <a:endParaRPr kumimoji="1" lang="zh-CN" altLang="en-US" sz="4000" b="0" dirty="0">
+              <a:solidFill>
+                <a:srgbClr val="FFFFFF"/>
+              </a:solidFill>
+              <a:latin typeface="Helvetica" pitchFamily="2" charset="0"/>
+              <a:ea typeface="Alibaba PuHuiTi R" panose="00020600040101010101" pitchFamily="18" charset="-122"/>
+              <a:cs typeface="Alibaba PuHuiTi R" panose="00020600040101010101" pitchFamily="18" charset="-122"/>
+            </a:endParaRPr>
+          </a:p>
+        </p:txBody>
+      </p:sp>
+      <p:sp>
+        <p:nvSpPr>
+          <p:cNvPr id="11" name="矩形 10"/>
+          <p:cNvSpPr/>
+          <p:nvPr/>
+        </p:nvSpPr>
+        <p:spPr>
+          <a:xfrm>
+            <a:off x="2987038" y="7464437"/>
+            <a:ext cx="17991909" cy="553998"/>
+          </a:xfrm>
+          <a:prstGeom prst="rect">
+            <a:avLst/>
+          </a:prstGeom>
+        </p:spPr>
+        <p:txBody>
+          <a:bodyPr wrap="square">
+            <a:spAutoFit/>
+          </a:bodyPr>
+          <a:lstStyle/>
+          <a:p>
+            <a:pPr algn="l"/>
+            <a:r>
+              <a:rPr lang="en-US" altLang="zh-CN" dirty="0" smtClean="0">
+                <a:solidFill>
+                  <a:schemeClr val="bg1"/>
+                </a:solidFill>
+              </a:rPr>
+              <a:t> </a:t>
+            </a:r>
+            <a:r>
+              <a:rPr lang="zh-CN" altLang="en-US" dirty="0">
+                <a:solidFill>
+                  <a:schemeClr val="bg1"/>
+                </a:solidFill>
+              </a:rPr>
+              <a:t>收集实时的正在使用的分配对象数。当我们认为内存中的驻留对象过多时，首先关注该指标。</a:t>
+            </a:r>
+            <a:endParaRPr lang="zh-CN" altLang="en-US" dirty="0">
+              <a:solidFill>
+                <a:schemeClr val="bg1"/>
+              </a:solidFill>
+            </a:endParaRPr>
+          </a:p>
+        </p:txBody>
+      </p:sp>
+      <p:sp>
+        <p:nvSpPr>
+          <p:cNvPr id="12" name="文本框 11"/>
+          <p:cNvSpPr txBox="1"/>
+          <p:nvPr/>
+        </p:nvSpPr>
+        <p:spPr>
+          <a:xfrm>
+            <a:off x="2462400" y="8406480"/>
+            <a:ext cx="19458000" cy="974626"/>
+          </a:xfrm>
+          <a:prstGeom prst="rect">
+            <a:avLst/>
+          </a:prstGeom>
+          <a:noFill/>
+          <a:ln w="12700" cap="flat">
+            <a:noFill/>
+            <a:miter lim="400000"/>
+          </a:ln>
+        </p:spPr>
+        <p:style>
+          <a:lnRef idx="0">
+            <a:scrgbClr r="0" g="0" b="0"/>
+          </a:lnRef>
+          <a:fillRef idx="0">
+            <a:scrgbClr r="0" g="0" b="0"/>
+          </a:fillRef>
+          <a:effectRef idx="0">
+            <a:scrgbClr r="0" g="0" b="0"/>
+          </a:effectRef>
+          <a:fontRef idx="none"/>
+        </p:style>
+        <p:txBody>
+          <a:bodyPr rot="0" spcFirstLastPara="1" vertOverflow="overflow" horzOverflow="overflow" vert="horz" wrap="square" lIns="50800" tIns="50800" rIns="50800" bIns="50800" numCol="1" spcCol="38100" rtlCol="0" anchor="ctr">
+            <a:spAutoFit/>
+          </a:bodyPr>
+          <a:lstStyle/>
+          <a:p>
+            <a:pPr marL="571500" indent="-571500" algn="l">
+              <a:spcBef>
+                <a:spcPts val="1000"/>
+              </a:spcBef>
+              <a:spcAft>
+                <a:spcPts val="1000"/>
+              </a:spcAft>
+              <a:buSzPct val="125000"/>
+              <a:buFont typeface="Arial" panose="020B0604020202090204" pitchFamily="34" charset="0"/>
+              <a:buChar char="•"/>
+            </a:pPr>
+            <a:r>
+              <a:rPr kumimoji="1" lang="en-US" altLang="zh-CN" sz="4000" b="0">
+                <a:solidFill>
+                  <a:srgbClr val="FFFFFF"/>
+                </a:solidFill>
+                <a:latin typeface="Helvetica" pitchFamily="2" charset="0"/>
+                <a:ea typeface="Alibaba PuHuiTi R" panose="00020600040101010101" pitchFamily="18" charset="-122"/>
+                <a:cs typeface="Alibaba PuHuiTi R" panose="00020600040101010101" pitchFamily="18" charset="-122"/>
+              </a:rPr>
+              <a:t>alloc_objects</a:t>
+            </a:r>
+            <a:endParaRPr kumimoji="1" lang="zh-CN" altLang="en-US" sz="4000" b="0" dirty="0">
+              <a:solidFill>
+                <a:srgbClr val="FFFFFF"/>
+              </a:solidFill>
+              <a:latin typeface="Helvetica" pitchFamily="2" charset="0"/>
+              <a:ea typeface="Alibaba PuHuiTi R" panose="00020600040101010101" pitchFamily="18" charset="-122"/>
+              <a:cs typeface="Alibaba PuHuiTi R" panose="00020600040101010101" pitchFamily="18" charset="-122"/>
+            </a:endParaRPr>
+          </a:p>
+        </p:txBody>
+      </p:sp>
+      <p:sp>
+        <p:nvSpPr>
+          <p:cNvPr id="13" name="矩形 12"/>
+          <p:cNvSpPr/>
+          <p:nvPr/>
+        </p:nvSpPr>
+        <p:spPr>
+          <a:xfrm>
+            <a:off x="2987038" y="9381106"/>
+            <a:ext cx="17991909" cy="1015663"/>
+          </a:xfrm>
+          <a:prstGeom prst="rect">
+            <a:avLst/>
+          </a:prstGeom>
+        </p:spPr>
+        <p:txBody>
+          <a:bodyPr wrap="square">
+            <a:spAutoFit/>
+          </a:bodyPr>
+          <a:lstStyle/>
+          <a:p>
+            <a:pPr algn="l"/>
+            <a:r>
+              <a:rPr lang="zh-CN" altLang="en-US" dirty="0">
+                <a:solidFill>
+                  <a:schemeClr val="bg1"/>
+                </a:solidFill>
+              </a:rPr>
+              <a:t>收集自程序启动以来，累计的分配对象数。当应用曾经发生过历史上的大量内存分配行为导致 </a:t>
+            </a:r>
+            <a:r>
+              <a:rPr lang="en-US" altLang="zh-CN" dirty="0">
+                <a:solidFill>
+                  <a:schemeClr val="bg1"/>
+                </a:solidFill>
+              </a:rPr>
+              <a:t>CPU </a:t>
+            </a:r>
+            <a:r>
+              <a:rPr lang="zh-CN" altLang="en-US" dirty="0">
+                <a:solidFill>
+                  <a:schemeClr val="bg1"/>
+                </a:solidFill>
+              </a:rPr>
+              <a:t>或内存使用大幅上升时，首先关注该指标。</a:t>
+            </a:r>
+            <a:endParaRPr lang="zh-CN" altLang="en-US" dirty="0">
+              <a:solidFill>
+                <a:schemeClr val="bg1"/>
+              </a:solidFill>
+            </a:endParaRPr>
           </a:p>
         </p:txBody>
       </p:sp>
     </p:spTree>
     <p:extLst>
       <p:ext uri="{BB962C8B-B14F-4D97-AF65-F5344CB8AC3E}">
-        <p14:creationId xmlns:p14="http://schemas.microsoft.com/office/powerpoint/2010/main" val="3591334192"/>
+        <p14:creationId xmlns:p14="http://schemas.microsoft.com/office/powerpoint/2010/main" val="1647294110"/>
       </p:ext>
     </p:extLst>
   </p:cSld>
@@ -18840,6 +19621,13 @@
     <a:masterClrMapping/>
   </p:clrMapOvr>
   <p:transition spd="med"/>
+  <p:timing>
+    <p:tnLst>
+      <p:par>
+        <p:cTn id="1" dur="indefinite" restart="never" nodeType="tmRoot"/>
+      </p:par>
+    </p:tnLst>
+  </p:timing>
 </p:sld>
 </file>
 
@@ -18862,71 +19650,340 @@
       </p:grpSpPr>
       <p:sp>
         <p:nvSpPr>
-          <p:cNvPr id="2" name="文本占位符 1"/>
+          <p:cNvPr id="6" name="标题 5"/>
           <p:cNvSpPr>
             <a:spLocks noGrp="1"/>
           </p:cNvSpPr>
           <p:nvPr>
-            <p:ph type="body" sz="quarter" idx="13"/>
+            <p:ph type="title"/>
           </p:nvPr>
+        </p:nvSpPr>
+        <p:spPr/>
+        <p:txBody>
+          <a:bodyPr>
+            <a:noAutofit/>
+          </a:bodyPr>
+          <a:lstStyle/>
+          <a:p>
+            <a:r>
+              <a:rPr kumimoji="1" lang="en-US" altLang="zh-CN" dirty="0" smtClean="0"/>
+              <a:t>1.8 </a:t>
+            </a:r>
+            <a:r>
+              <a:rPr kumimoji="1" lang="zh-CN" altLang="en-US" dirty="0" smtClean="0"/>
+              <a:t>排</a:t>
+            </a:r>
+            <a:r>
+              <a:rPr kumimoji="1" lang="zh-CN" altLang="en-US" dirty="0"/>
+              <a:t>查内存占用过高问题</a:t>
+            </a:r>
+            <a:br>
+              <a:rPr kumimoji="1" lang="zh-CN" altLang="en-US" dirty="0"/>
+            </a:br>
+            <a:r>
+              <a:rPr kumimoji="1" lang="zh-CN" altLang="en-US" dirty="0"/>
+              <a:t/>
+            </a:r>
+            <a:br>
+              <a:rPr kumimoji="1" lang="zh-CN" altLang="en-US" dirty="0"/>
+            </a:br>
+            <a:r>
+              <a:rPr kumimoji="1" lang="en-US" altLang="zh-CN" dirty="0"/>
+              <a:t/>
+            </a:r>
+            <a:br>
+              <a:rPr kumimoji="1" lang="en-US" altLang="zh-CN" dirty="0"/>
+            </a:br>
+            <a:r>
+              <a:rPr kumimoji="1" lang="zh-CN" altLang="en-US" dirty="0"/>
+              <a:t/>
+            </a:r>
+            <a:br>
+              <a:rPr kumimoji="1" lang="zh-CN" altLang="en-US" dirty="0"/>
+            </a:br>
+            <a:r>
+              <a:rPr kumimoji="1" lang="zh-CN" altLang="en-US" dirty="0"/>
+              <a:t/>
+            </a:r>
+            <a:br>
+              <a:rPr kumimoji="1" lang="zh-CN" altLang="en-US" dirty="0"/>
+            </a:br>
+            <a:endParaRPr kumimoji="1" lang="en-US" altLang="zh-CN" dirty="0"/>
+          </a:p>
+        </p:txBody>
+      </p:sp>
+      <p:sp>
+        <p:nvSpPr>
+          <p:cNvPr id="5" name="文本框 4"/>
+          <p:cNvSpPr txBox="1"/>
+          <p:nvPr/>
         </p:nvSpPr>
         <p:spPr>
           <a:xfrm>
-            <a:off x="2444750" y="7675880"/>
-            <a:ext cx="5928995" cy="1163320"/>
+            <a:off x="2462400" y="2640858"/>
+            <a:ext cx="19458000" cy="974626"/>
           </a:xfrm>
+          <a:prstGeom prst="rect">
+            <a:avLst/>
+          </a:prstGeom>
+          <a:noFill/>
+          <a:ln w="12700" cap="flat">
+            <a:noFill/>
+            <a:miter lim="400000"/>
+          </a:ln>
         </p:spPr>
+        <p:style>
+          <a:lnRef idx="0">
+            <a:scrgbClr r="0" g="0" b="0"/>
+          </a:lnRef>
+          <a:fillRef idx="0">
+            <a:scrgbClr r="0" g="0" b="0"/>
+          </a:fillRef>
+          <a:effectRef idx="0">
+            <a:scrgbClr r="0" g="0" b="0"/>
+          </a:effectRef>
+          <a:fontRef idx="none"/>
+        </p:style>
         <p:txBody>
-          <a:bodyPr wrap="square"/>
+          <a:bodyPr rot="0" spcFirstLastPara="1" vertOverflow="overflow" horzOverflow="overflow" vert="horz" wrap="square" lIns="50800" tIns="50800" rIns="50800" bIns="50800" numCol="1" spcCol="38100" rtlCol="0" anchor="ctr">
+            <a:spAutoFit/>
+          </a:bodyPr>
           <a:lstStyle/>
           <a:p>
-            <a:r>
-              <a:rPr kumimoji="1" lang="zh-CN" altLang="en-US" dirty="0"/>
-              <a:t>闯哥</a:t>
-            </a:r>
+            <a:pPr marL="571500" indent="-571500" algn="l">
+              <a:spcBef>
+                <a:spcPts val="1000"/>
+              </a:spcBef>
+              <a:spcAft>
+                <a:spcPts val="1000"/>
+              </a:spcAft>
+              <a:buSzPct val="125000"/>
+              <a:buFont typeface="Arial" panose="020B0604020202090204" pitchFamily="34" charset="0"/>
+              <a:buChar char="•"/>
+            </a:pPr>
+            <a:r>
+              <a:rPr kumimoji="1" lang="zh-CN" altLang="en-US" sz="4000" b="0" dirty="0">
+                <a:solidFill>
+                  <a:srgbClr val="FFFFFF"/>
+                </a:solidFill>
+                <a:latin typeface="Helvetica" pitchFamily="2" charset="0"/>
+                <a:ea typeface="Alibaba PuHuiTi R" panose="00020600040101010101" pitchFamily="18" charset="-122"/>
+                <a:cs typeface="Alibaba PuHuiTi R" panose="00020600040101010101" pitchFamily="18" charset="-122"/>
+              </a:rPr>
+              <a:t>首先来看一下火焰</a:t>
+            </a:r>
+            <a:r>
+              <a:rPr kumimoji="1" lang="zh-CN" altLang="en-US" sz="4000" b="0" dirty="0" smtClean="0">
+                <a:solidFill>
+                  <a:srgbClr val="FFFFFF"/>
+                </a:solidFill>
+                <a:latin typeface="Helvetica" pitchFamily="2" charset="0"/>
+                <a:ea typeface="Alibaba PuHuiTi R" panose="00020600040101010101" pitchFamily="18" charset="-122"/>
+                <a:cs typeface="Alibaba PuHuiTi R" panose="00020600040101010101" pitchFamily="18" charset="-122"/>
+              </a:rPr>
+              <a:t>图</a:t>
+            </a:r>
+            <a:r>
+              <a:rPr kumimoji="1" lang="en-US" altLang="zh-CN" sz="4000" b="0" dirty="0" smtClean="0">
+                <a:solidFill>
+                  <a:srgbClr val="FFFFFF"/>
+                </a:solidFill>
+                <a:latin typeface="Helvetica" pitchFamily="2" charset="0"/>
+                <a:ea typeface="Alibaba PuHuiTi R" panose="00020600040101010101" pitchFamily="18" charset="-122"/>
+                <a:cs typeface="Alibaba PuHuiTi R" panose="00020600040101010101" pitchFamily="18" charset="-122"/>
+              </a:rPr>
+              <a:t>,</a:t>
+            </a:r>
+            <a:r>
+              <a:rPr kumimoji="1" lang="zh-CN" altLang="en-US" sz="4000" b="0" dirty="0" smtClean="0">
+                <a:solidFill>
+                  <a:srgbClr val="FFFFFF"/>
+                </a:solidFill>
+                <a:latin typeface="Helvetica" pitchFamily="2" charset="0"/>
+                <a:ea typeface="Alibaba PuHuiTi R" panose="00020600040101010101" pitchFamily="18" charset="-122"/>
+                <a:cs typeface="Alibaba PuHuiTi R" panose="00020600040101010101" pitchFamily="18" charset="-122"/>
+              </a:rPr>
+              <a:t>更直观的掌控全局</a:t>
+            </a:r>
+            <a:endParaRPr kumimoji="1" lang="zh-CN" altLang="en-US" sz="4000" b="0" dirty="0">
+              <a:solidFill>
+                <a:srgbClr val="FFFFFF"/>
+              </a:solidFill>
+              <a:latin typeface="Helvetica" pitchFamily="2" charset="0"/>
+              <a:ea typeface="Alibaba PuHuiTi R" panose="00020600040101010101" pitchFamily="18" charset="-122"/>
+              <a:cs typeface="Alibaba PuHuiTi R" panose="00020600040101010101" pitchFamily="18" charset="-122"/>
+            </a:endParaRPr>
           </a:p>
         </p:txBody>
       </p:sp>
       <p:sp>
         <p:nvSpPr>
-          <p:cNvPr id="4" name="文本占位符 3"/>
-          <p:cNvSpPr>
-            <a:spLocks noGrp="1"/>
-          </p:cNvSpPr>
-          <p:nvPr>
-            <p:ph type="body" sz="quarter" idx="15"/>
-          </p:nvPr>
+          <p:cNvPr id="7" name="文本框 6"/>
+          <p:cNvSpPr txBox="1"/>
+          <p:nvPr/>
         </p:nvSpPr>
         <p:spPr>
           <a:xfrm>
-            <a:off x="2444750" y="4987012"/>
-            <a:ext cx="19143345" cy="1210588"/>
+            <a:off x="2462400" y="4204047"/>
+            <a:ext cx="19458000" cy="974626"/>
           </a:xfrm>
+          <a:prstGeom prst="rect">
+            <a:avLst/>
+          </a:prstGeom>
+          <a:noFill/>
+          <a:ln w="12700" cap="flat">
+            <a:noFill/>
+            <a:miter lim="400000"/>
+          </a:ln>
         </p:spPr>
+        <p:style>
+          <a:lnRef idx="0">
+            <a:scrgbClr r="0" g="0" b="0"/>
+          </a:lnRef>
+          <a:fillRef idx="0">
+            <a:scrgbClr r="0" g="0" b="0"/>
+          </a:fillRef>
+          <a:effectRef idx="0">
+            <a:scrgbClr r="0" g="0" b="0"/>
+          </a:effectRef>
+          <a:fontRef idx="none"/>
+        </p:style>
         <p:txBody>
-          <a:bodyPr wrap="square"/>
+          <a:bodyPr rot="0" spcFirstLastPara="1" vertOverflow="overflow" horzOverflow="overflow" vert="horz" wrap="square" lIns="50800" tIns="50800" rIns="50800" bIns="50800" numCol="1" spcCol="38100" rtlCol="0" anchor="ctr">
+            <a:spAutoFit/>
+          </a:bodyPr>
           <a:lstStyle/>
           <a:p>
-            <a:r>
-              <a:rPr kumimoji="1" lang="en-US" altLang="zh-CN" dirty="0" smtClean="0"/>
-              <a:t>1.12 </a:t>
-            </a:r>
-            <a:r>
-              <a:rPr kumimoji="1" lang="zh-CN" altLang="en-US" dirty="0" smtClean="0"/>
-              <a:t>排</a:t>
-            </a:r>
-            <a:r>
-              <a:rPr kumimoji="1" lang="zh-CN" altLang="en-US" dirty="0"/>
-              <a:t>查阻塞问题</a:t>
-            </a:r>
-            <a:endParaRPr kumimoji="1" lang="en-US" altLang="zh-CN" dirty="0"/>
+            <a:pPr marL="571500" indent="-571500" algn="l">
+              <a:spcBef>
+                <a:spcPts val="1000"/>
+              </a:spcBef>
+              <a:spcAft>
+                <a:spcPts val="1000"/>
+              </a:spcAft>
+              <a:buSzPct val="125000"/>
+              <a:buFont typeface="Arial" panose="020B0604020202090204" pitchFamily="34" charset="0"/>
+              <a:buChar char="•"/>
+            </a:pPr>
+            <a:r>
+              <a:rPr kumimoji="1" lang="zh-CN" altLang="en-US" sz="4000" b="0" dirty="0" smtClean="0">
+                <a:solidFill>
+                  <a:srgbClr val="FFFFFF"/>
+                </a:solidFill>
+                <a:latin typeface="Helvetica" pitchFamily="2" charset="0"/>
+                <a:ea typeface="Alibaba PuHuiTi R" panose="00020600040101010101" pitchFamily="18" charset="-122"/>
+                <a:cs typeface="Alibaba PuHuiTi R" panose="00020600040101010101" pitchFamily="18" charset="-122"/>
+              </a:rPr>
+              <a:t>查看</a:t>
+            </a:r>
+            <a:r>
+              <a:rPr kumimoji="1" lang="en-US" altLang="zh-CN" sz="4000" b="0" dirty="0" smtClean="0">
+                <a:solidFill>
+                  <a:srgbClr val="FFFFFF"/>
+                </a:solidFill>
+                <a:latin typeface="Helvetica" pitchFamily="2" charset="0"/>
+                <a:ea typeface="Alibaba PuHuiTi R" panose="00020600040101010101" pitchFamily="18" charset="-122"/>
+                <a:cs typeface="Alibaba PuHuiTi R" panose="00020600040101010101" pitchFamily="18" charset="-122"/>
+              </a:rPr>
+              <a:t>web,</a:t>
+            </a:r>
+            <a:r>
+              <a:rPr kumimoji="1" lang="zh-CN" altLang="en-US" sz="4000" b="0" dirty="0" smtClean="0">
+                <a:solidFill>
+                  <a:srgbClr val="FFFFFF"/>
+                </a:solidFill>
+                <a:latin typeface="Helvetica" pitchFamily="2" charset="0"/>
+                <a:ea typeface="Alibaba PuHuiTi R" panose="00020600040101010101" pitchFamily="18" charset="-122"/>
+                <a:cs typeface="Alibaba PuHuiTi R" panose="00020600040101010101" pitchFamily="18" charset="-122"/>
+              </a:rPr>
+              <a:t>查看细节</a:t>
+            </a:r>
+            <a:endParaRPr kumimoji="1" lang="zh-CN" altLang="en-US" sz="4000" b="0" dirty="0">
+              <a:solidFill>
+                <a:srgbClr val="FFFFFF"/>
+              </a:solidFill>
+              <a:latin typeface="Helvetica" pitchFamily="2" charset="0"/>
+              <a:ea typeface="Alibaba PuHuiTi R" panose="00020600040101010101" pitchFamily="18" charset="-122"/>
+              <a:cs typeface="Alibaba PuHuiTi R" panose="00020600040101010101" pitchFamily="18" charset="-122"/>
+            </a:endParaRPr>
+          </a:p>
+        </p:txBody>
+      </p:sp>
+      <p:sp>
+        <p:nvSpPr>
+          <p:cNvPr id="8" name="文本框 7"/>
+          <p:cNvSpPr txBox="1"/>
+          <p:nvPr/>
+        </p:nvSpPr>
+        <p:spPr>
+          <a:xfrm>
+            <a:off x="2462400" y="5767236"/>
+            <a:ext cx="19458000" cy="974626"/>
+          </a:xfrm>
+          <a:prstGeom prst="rect">
+            <a:avLst/>
+          </a:prstGeom>
+          <a:noFill/>
+          <a:ln w="12700" cap="flat">
+            <a:noFill/>
+            <a:miter lim="400000"/>
+          </a:ln>
+        </p:spPr>
+        <p:style>
+          <a:lnRef idx="0">
+            <a:scrgbClr r="0" g="0" b="0"/>
+          </a:lnRef>
+          <a:fillRef idx="0">
+            <a:scrgbClr r="0" g="0" b="0"/>
+          </a:fillRef>
+          <a:effectRef idx="0">
+            <a:scrgbClr r="0" g="0" b="0"/>
+          </a:effectRef>
+          <a:fontRef idx="none"/>
+        </p:style>
+        <p:txBody>
+          <a:bodyPr rot="0" spcFirstLastPara="1" vertOverflow="overflow" horzOverflow="overflow" vert="horz" wrap="square" lIns="50800" tIns="50800" rIns="50800" bIns="50800" numCol="1" spcCol="38100" rtlCol="0" anchor="ctr">
+            <a:spAutoFit/>
+          </a:bodyPr>
+          <a:lstStyle/>
+          <a:p>
+            <a:pPr marL="571500" indent="-571500" algn="l">
+              <a:spcBef>
+                <a:spcPts val="1000"/>
+              </a:spcBef>
+              <a:spcAft>
+                <a:spcPts val="1000"/>
+              </a:spcAft>
+              <a:buSzPct val="125000"/>
+              <a:buFont typeface="Arial" panose="020B0604020202090204" pitchFamily="34" charset="0"/>
+              <a:buChar char="•"/>
+            </a:pPr>
+            <a:r>
+              <a:rPr kumimoji="1" lang="zh-CN" altLang="en-US" sz="4000" b="0" dirty="0" smtClean="0">
+                <a:solidFill>
+                  <a:srgbClr val="FFFFFF"/>
+                </a:solidFill>
+                <a:latin typeface="Helvetica" pitchFamily="2" charset="0"/>
+                <a:ea typeface="Alibaba PuHuiTi R" panose="00020600040101010101" pitchFamily="18" charset="-122"/>
+                <a:cs typeface="Alibaba PuHuiTi R" panose="00020600040101010101" pitchFamily="18" charset="-122"/>
+              </a:rPr>
+              <a:t>查看命令行交互页面</a:t>
+            </a:r>
+            <a:endParaRPr kumimoji="1" lang="zh-CN" altLang="en-US" sz="4000" b="0" dirty="0">
+              <a:solidFill>
+                <a:srgbClr val="FFFFFF"/>
+              </a:solidFill>
+              <a:latin typeface="Helvetica" pitchFamily="2" charset="0"/>
+              <a:ea typeface="Alibaba PuHuiTi R" panose="00020600040101010101" pitchFamily="18" charset="-122"/>
+              <a:cs typeface="Alibaba PuHuiTi R" panose="00020600040101010101" pitchFamily="18" charset="-122"/>
+            </a:endParaRPr>
           </a:p>
         </p:txBody>
       </p:sp>
     </p:spTree>
     <p:extLst>
       <p:ext uri="{BB962C8B-B14F-4D97-AF65-F5344CB8AC3E}">
-        <p14:creationId xmlns:p14="http://schemas.microsoft.com/office/powerpoint/2010/main" val="2865345634"/>
+        <p14:creationId xmlns:p14="http://schemas.microsoft.com/office/powerpoint/2010/main" val="2442687477"/>
       </p:ext>
     </p:extLst>
   </p:cSld>
@@ -18934,6 +19991,13 @@
     <a:masterClrMapping/>
   </p:clrMapOvr>
   <p:transition spd="med"/>
+  <p:timing>
+    <p:tnLst>
+      <p:par>
+        <p:cTn id="1" dur="indefinite" restart="never" nodeType="tmRoot"/>
+      </p:par>
+    </p:tnLst>
+  </p:timing>
 </p:sld>
 </file>
 
@@ -18956,6 +20020,1149 @@
       </p:grpSpPr>
       <p:sp>
         <p:nvSpPr>
+          <p:cNvPr id="6" name="标题 5"/>
+          <p:cNvSpPr>
+            <a:spLocks noGrp="1"/>
+          </p:cNvSpPr>
+          <p:nvPr>
+            <p:ph type="title"/>
+          </p:nvPr>
+        </p:nvSpPr>
+        <p:spPr/>
+        <p:txBody>
+          <a:bodyPr>
+            <a:noAutofit/>
+          </a:bodyPr>
+          <a:lstStyle/>
+          <a:p>
+            <a:r>
+              <a:rPr kumimoji="1" lang="en-US" altLang="zh-CN" dirty="0" smtClean="0"/>
+              <a:t>1.8 </a:t>
+            </a:r>
+            <a:r>
+              <a:rPr kumimoji="1" lang="zh-CN" altLang="en-US" dirty="0" smtClean="0"/>
+              <a:t>排</a:t>
+            </a:r>
+            <a:r>
+              <a:rPr kumimoji="1" lang="zh-CN" altLang="en-US" dirty="0"/>
+              <a:t>查内存占用过高问题</a:t>
+            </a:r>
+            <a:br>
+              <a:rPr kumimoji="1" lang="zh-CN" altLang="en-US" dirty="0"/>
+            </a:br>
+            <a:r>
+              <a:rPr kumimoji="1" lang="zh-CN" altLang="en-US" dirty="0"/>
+              <a:t/>
+            </a:r>
+            <a:br>
+              <a:rPr kumimoji="1" lang="zh-CN" altLang="en-US" dirty="0"/>
+            </a:br>
+            <a:r>
+              <a:rPr kumimoji="1" lang="en-US" altLang="zh-CN" dirty="0"/>
+              <a:t/>
+            </a:r>
+            <a:br>
+              <a:rPr kumimoji="1" lang="en-US" altLang="zh-CN" dirty="0"/>
+            </a:br>
+            <a:r>
+              <a:rPr kumimoji="1" lang="zh-CN" altLang="en-US" dirty="0"/>
+              <a:t/>
+            </a:r>
+            <a:br>
+              <a:rPr kumimoji="1" lang="zh-CN" altLang="en-US" dirty="0"/>
+            </a:br>
+            <a:r>
+              <a:rPr kumimoji="1" lang="zh-CN" altLang="en-US" dirty="0"/>
+              <a:t/>
+            </a:r>
+            <a:br>
+              <a:rPr kumimoji="1" lang="zh-CN" altLang="en-US" dirty="0"/>
+            </a:br>
+            <a:endParaRPr kumimoji="1" lang="en-US" altLang="zh-CN" dirty="0"/>
+          </a:p>
+        </p:txBody>
+      </p:sp>
+    </p:spTree>
+    <p:extLst>
+      <p:ext uri="{BB962C8B-B14F-4D97-AF65-F5344CB8AC3E}">
+        <p14:creationId xmlns:p14="http://schemas.microsoft.com/office/powerpoint/2010/main" val="1097878199"/>
+      </p:ext>
+    </p:extLst>
+  </p:cSld>
+  <p:clrMapOvr>
+    <a:masterClrMapping/>
+  </p:clrMapOvr>
+  <p:transition spd="med"/>
+  <p:timing>
+    <p:tnLst>
+      <p:par>
+        <p:cTn id="1" dur="indefinite" restart="never" nodeType="tmRoot"/>
+      </p:par>
+    </p:tnLst>
+  </p:timing>
+</p:sld>
+</file>
+
+<file path=ppt/slides/slide57.xml><?xml version="1.0" encoding="utf-8"?>
+<p:sld xmlns:a="http://schemas.openxmlformats.org/drawingml/2006/main" xmlns:r="http://schemas.openxmlformats.org/officeDocument/2006/relationships" xmlns:p="http://schemas.openxmlformats.org/presentationml/2006/main">
+  <p:cSld>
+    <p:spTree>
+      <p:nvGrpSpPr>
+        <p:cNvPr id="1" name=""/>
+        <p:cNvGrpSpPr/>
+        <p:nvPr/>
+      </p:nvGrpSpPr>
+      <p:grpSpPr>
+        <a:xfrm>
+          <a:off x="0" y="0"/>
+          <a:ext cx="0" cy="0"/>
+          <a:chOff x="0" y="0"/>
+          <a:chExt cx="0" cy="0"/>
+        </a:xfrm>
+      </p:grpSpPr>
+      <p:sp>
+        <p:nvSpPr>
+          <p:cNvPr id="2" name="文本占位符 1"/>
+          <p:cNvSpPr>
+            <a:spLocks noGrp="1"/>
+          </p:cNvSpPr>
+          <p:nvPr>
+            <p:ph type="body" sz="quarter" idx="13"/>
+          </p:nvPr>
+        </p:nvSpPr>
+        <p:spPr>
+          <a:xfrm>
+            <a:off x="2444750" y="7675880"/>
+            <a:ext cx="5928995" cy="1163320"/>
+          </a:xfrm>
+        </p:spPr>
+        <p:txBody>
+          <a:bodyPr wrap="square"/>
+          <a:lstStyle/>
+          <a:p>
+            <a:r>
+              <a:rPr kumimoji="1" lang="zh-CN" altLang="en-US" dirty="0"/>
+              <a:t>闯哥</a:t>
+            </a:r>
+          </a:p>
+        </p:txBody>
+      </p:sp>
+      <p:sp>
+        <p:nvSpPr>
+          <p:cNvPr id="4" name="文本占位符 3"/>
+          <p:cNvSpPr>
+            <a:spLocks noGrp="1"/>
+          </p:cNvSpPr>
+          <p:nvPr>
+            <p:ph type="body" sz="quarter" idx="15"/>
+          </p:nvPr>
+        </p:nvSpPr>
+        <p:spPr>
+          <a:xfrm>
+            <a:off x="2444750" y="4987012"/>
+            <a:ext cx="19143345" cy="1210588"/>
+          </a:xfrm>
+        </p:spPr>
+        <p:txBody>
+          <a:bodyPr wrap="square"/>
+          <a:lstStyle/>
+          <a:p>
+            <a:r>
+              <a:rPr kumimoji="1" lang="en-US" altLang="zh-CN" dirty="0" smtClean="0"/>
+              <a:t>1.9 </a:t>
+            </a:r>
+            <a:r>
+              <a:rPr kumimoji="1" lang="zh-CN" altLang="en-US" dirty="0" smtClean="0"/>
+              <a:t>排</a:t>
+            </a:r>
+            <a:r>
+              <a:rPr kumimoji="1" lang="zh-CN" altLang="en-US" dirty="0"/>
+              <a:t>查频繁</a:t>
+            </a:r>
+            <a:r>
+              <a:rPr kumimoji="1" lang="en-US" altLang="zh-CN" dirty="0"/>
+              <a:t>GC</a:t>
+            </a:r>
+            <a:r>
+              <a:rPr kumimoji="1" lang="zh-CN" altLang="en-US" dirty="0"/>
+              <a:t>问题</a:t>
+            </a:r>
+            <a:endParaRPr kumimoji="1" lang="en-US" altLang="zh-CN" dirty="0"/>
+          </a:p>
+        </p:txBody>
+      </p:sp>
+    </p:spTree>
+    <p:extLst>
+      <p:ext uri="{BB962C8B-B14F-4D97-AF65-F5344CB8AC3E}">
+        <p14:creationId xmlns:p14="http://schemas.microsoft.com/office/powerpoint/2010/main" val="592426751"/>
+      </p:ext>
+    </p:extLst>
+  </p:cSld>
+  <p:clrMapOvr>
+    <a:masterClrMapping/>
+  </p:clrMapOvr>
+  <p:transition spd="med"/>
+  <p:timing>
+    <p:tnLst>
+      <p:par>
+        <p:cTn id="1" dur="indefinite" restart="never" nodeType="tmRoot"/>
+      </p:par>
+    </p:tnLst>
+  </p:timing>
+</p:sld>
+</file>
+
+<file path=ppt/slides/slide58.xml><?xml version="1.0" encoding="utf-8"?>
+<p:sld xmlns:a="http://schemas.openxmlformats.org/drawingml/2006/main" xmlns:r="http://schemas.openxmlformats.org/officeDocument/2006/relationships" xmlns:p="http://schemas.openxmlformats.org/presentationml/2006/main">
+  <p:cSld>
+    <p:spTree>
+      <p:nvGrpSpPr>
+        <p:cNvPr id="1" name=""/>
+        <p:cNvGrpSpPr/>
+        <p:nvPr/>
+      </p:nvGrpSpPr>
+      <p:grpSpPr>
+        <a:xfrm>
+          <a:off x="0" y="0"/>
+          <a:ext cx="0" cy="0"/>
+          <a:chOff x="0" y="0"/>
+          <a:chExt cx="0" cy="0"/>
+        </a:xfrm>
+      </p:grpSpPr>
+      <p:sp>
+        <p:nvSpPr>
+          <p:cNvPr id="2" name="文本占位符 1"/>
+          <p:cNvSpPr>
+            <a:spLocks noGrp="1"/>
+          </p:cNvSpPr>
+          <p:nvPr>
+            <p:ph type="body" sz="quarter" idx="13"/>
+          </p:nvPr>
+        </p:nvSpPr>
+        <p:spPr>
+          <a:xfrm>
+            <a:off x="2444750" y="7675880"/>
+            <a:ext cx="5928995" cy="1163320"/>
+          </a:xfrm>
+        </p:spPr>
+        <p:txBody>
+          <a:bodyPr wrap="square"/>
+          <a:lstStyle/>
+          <a:p>
+            <a:r>
+              <a:rPr kumimoji="1" lang="zh-CN" altLang="en-US" dirty="0"/>
+              <a:t>闯哥</a:t>
+            </a:r>
+          </a:p>
+        </p:txBody>
+      </p:sp>
+      <p:sp>
+        <p:nvSpPr>
+          <p:cNvPr id="4" name="文本占位符 3"/>
+          <p:cNvSpPr>
+            <a:spLocks noGrp="1"/>
+          </p:cNvSpPr>
+          <p:nvPr>
+            <p:ph type="body" sz="quarter" idx="15"/>
+          </p:nvPr>
+        </p:nvSpPr>
+        <p:spPr>
+          <a:xfrm>
+            <a:off x="2444750" y="4987012"/>
+            <a:ext cx="19143345" cy="1210588"/>
+          </a:xfrm>
+        </p:spPr>
+        <p:txBody>
+          <a:bodyPr wrap="square"/>
+          <a:lstStyle/>
+          <a:p>
+            <a:r>
+              <a:rPr kumimoji="1" lang="en-US" altLang="zh-CN" dirty="0" smtClean="0"/>
+              <a:t>1.10 </a:t>
+            </a:r>
+            <a:r>
+              <a:rPr kumimoji="1" lang="zh-CN" altLang="en-US" dirty="0" smtClean="0"/>
+              <a:t>排</a:t>
+            </a:r>
+            <a:r>
+              <a:rPr kumimoji="1" lang="zh-CN" altLang="en-US" dirty="0"/>
+              <a:t>查协程泄漏问题</a:t>
+            </a:r>
+            <a:endParaRPr kumimoji="1" lang="en-US" altLang="zh-CN" dirty="0"/>
+          </a:p>
+        </p:txBody>
+      </p:sp>
+    </p:spTree>
+    <p:extLst>
+      <p:ext uri="{BB962C8B-B14F-4D97-AF65-F5344CB8AC3E}">
+        <p14:creationId xmlns:p14="http://schemas.microsoft.com/office/powerpoint/2010/main" val="2362445396"/>
+      </p:ext>
+    </p:extLst>
+  </p:cSld>
+  <p:clrMapOvr>
+    <a:masterClrMapping/>
+  </p:clrMapOvr>
+  <p:transition spd="med"/>
+</p:sld>
+</file>
+
+<file path=ppt/slides/slide59.xml><?xml version="1.0" encoding="utf-8"?>
+<p:sld xmlns:a="http://schemas.openxmlformats.org/drawingml/2006/main" xmlns:r="http://schemas.openxmlformats.org/officeDocument/2006/relationships" xmlns:p="http://schemas.openxmlformats.org/presentationml/2006/main">
+  <p:cSld>
+    <p:spTree>
+      <p:nvGrpSpPr>
+        <p:cNvPr id="1" name=""/>
+        <p:cNvGrpSpPr/>
+        <p:nvPr/>
+      </p:nvGrpSpPr>
+      <p:grpSpPr>
+        <a:xfrm>
+          <a:off x="0" y="0"/>
+          <a:ext cx="0" cy="0"/>
+          <a:chOff x="0" y="0"/>
+          <a:chExt cx="0" cy="0"/>
+        </a:xfrm>
+      </p:grpSpPr>
+      <p:sp>
+        <p:nvSpPr>
+          <p:cNvPr id="2" name="文本占位符 1"/>
+          <p:cNvSpPr>
+            <a:spLocks noGrp="1"/>
+          </p:cNvSpPr>
+          <p:nvPr>
+            <p:ph type="body" sz="quarter" idx="13"/>
+          </p:nvPr>
+        </p:nvSpPr>
+        <p:spPr>
+          <a:xfrm>
+            <a:off x="2444750" y="7675880"/>
+            <a:ext cx="5928995" cy="1163320"/>
+          </a:xfrm>
+        </p:spPr>
+        <p:txBody>
+          <a:bodyPr wrap="square"/>
+          <a:lstStyle/>
+          <a:p>
+            <a:r>
+              <a:rPr kumimoji="1" lang="zh-CN" altLang="en-US" dirty="0"/>
+              <a:t>闯哥</a:t>
+            </a:r>
+          </a:p>
+        </p:txBody>
+      </p:sp>
+      <p:sp>
+        <p:nvSpPr>
+          <p:cNvPr id="4" name="文本占位符 3"/>
+          <p:cNvSpPr>
+            <a:spLocks noGrp="1"/>
+          </p:cNvSpPr>
+          <p:nvPr>
+            <p:ph type="body" sz="quarter" idx="15"/>
+          </p:nvPr>
+        </p:nvSpPr>
+        <p:spPr>
+          <a:xfrm>
+            <a:off x="2444750" y="4987012"/>
+            <a:ext cx="19143345" cy="1210588"/>
+          </a:xfrm>
+        </p:spPr>
+        <p:txBody>
+          <a:bodyPr wrap="square"/>
+          <a:lstStyle/>
+          <a:p>
+            <a:r>
+              <a:rPr kumimoji="1" lang="en-US" altLang="zh-CN" dirty="0" smtClean="0"/>
+              <a:t>1.11 </a:t>
+            </a:r>
+            <a:r>
+              <a:rPr kumimoji="1" lang="zh-CN" altLang="en-US" dirty="0" smtClean="0"/>
+              <a:t>排</a:t>
+            </a:r>
+            <a:r>
+              <a:rPr kumimoji="1" lang="zh-CN" altLang="en-US" dirty="0"/>
+              <a:t>查锁竞争问题</a:t>
+            </a:r>
+            <a:endParaRPr kumimoji="1" lang="en-US" altLang="zh-CN" dirty="0"/>
+          </a:p>
+        </p:txBody>
+      </p:sp>
+    </p:spTree>
+    <p:extLst>
+      <p:ext uri="{BB962C8B-B14F-4D97-AF65-F5344CB8AC3E}">
+        <p14:creationId xmlns:p14="http://schemas.microsoft.com/office/powerpoint/2010/main" val="3591334192"/>
+      </p:ext>
+    </p:extLst>
+  </p:cSld>
+  <p:clrMapOvr>
+    <a:masterClrMapping/>
+  </p:clrMapOvr>
+  <p:transition spd="med"/>
+</p:sld>
+</file>
+
+<file path=ppt/slides/slide6.xml><?xml version="1.0" encoding="utf-8"?>
+<p:sld xmlns:a="http://schemas.openxmlformats.org/drawingml/2006/main" xmlns:r="http://schemas.openxmlformats.org/officeDocument/2006/relationships" xmlns:p="http://schemas.openxmlformats.org/presentationml/2006/main">
+  <p:cSld>
+    <p:spTree>
+      <p:nvGrpSpPr>
+        <p:cNvPr id="1" name=""/>
+        <p:cNvGrpSpPr/>
+        <p:nvPr/>
+      </p:nvGrpSpPr>
+      <p:grpSpPr>
+        <a:xfrm>
+          <a:off x="0" y="0"/>
+          <a:ext cx="0" cy="0"/>
+          <a:chOff x="0" y="0"/>
+          <a:chExt cx="0" cy="0"/>
+        </a:xfrm>
+      </p:grpSpPr>
+      <p:sp>
+        <p:nvSpPr>
+          <p:cNvPr id="2" name="文本占位符 1"/>
+          <p:cNvSpPr>
+            <a:spLocks noGrp="1"/>
+          </p:cNvSpPr>
+          <p:nvPr>
+            <p:ph type="body" idx="1"/>
+          </p:nvPr>
+        </p:nvSpPr>
+        <p:spPr>
+          <a:xfrm>
+            <a:off x="7122447" y="3892731"/>
+            <a:ext cx="14797953" cy="9640389"/>
+          </a:xfrm>
+        </p:spPr>
+        <p:txBody>
+          <a:bodyPr>
+            <a:normAutofit fontScale="92500" lnSpcReduction="20000"/>
+          </a:bodyPr>
+          <a:lstStyle/>
+          <a:p>
+            <a:pPr marL="742950" indent="-742950">
+              <a:buFont typeface="+mj-lt"/>
+              <a:buAutoNum type="arabicPeriod"/>
+            </a:pPr>
+            <a:r>
+              <a:rPr kumimoji="1" lang="zh-CN" altLang="en-US" dirty="0"/>
+              <a:t>压力测试工具</a:t>
+            </a:r>
+            <a:r>
+              <a:rPr kumimoji="1" lang="en-US" altLang="zh-CN" dirty="0" smtClean="0"/>
+              <a:t>ab</a:t>
+            </a:r>
+          </a:p>
+          <a:p>
+            <a:pPr marL="742950" indent="-742950">
+              <a:buFont typeface="+mj-lt"/>
+              <a:buAutoNum type="arabicPeriod"/>
+            </a:pPr>
+            <a:r>
+              <a:rPr kumimoji="1" lang="en-US" dirty="0"/>
+              <a:t>PProf</a:t>
+            </a:r>
+            <a:r>
+              <a:rPr kumimoji="1" lang="zh-CN" altLang="en-US" dirty="0" smtClean="0"/>
+              <a:t>简介</a:t>
+            </a:r>
+            <a:endParaRPr kumimoji="1" lang="en-US" altLang="zh-CN" dirty="0" smtClean="0"/>
+          </a:p>
+          <a:p>
+            <a:pPr marL="742950" indent="-742950">
+              <a:buFont typeface="+mj-lt"/>
+              <a:buAutoNum type="arabicPeriod"/>
+            </a:pPr>
+            <a:r>
+              <a:rPr kumimoji="1" lang="en-US" dirty="0"/>
+              <a:t>PProf</a:t>
+            </a:r>
+            <a:r>
+              <a:rPr kumimoji="1" lang="zh-CN" altLang="en-US" dirty="0"/>
+              <a:t>的简单</a:t>
+            </a:r>
+            <a:r>
+              <a:rPr kumimoji="1" lang="zh-CN" altLang="en-US" dirty="0" smtClean="0"/>
+              <a:t>使用</a:t>
+            </a:r>
+            <a:endParaRPr kumimoji="1" lang="en-US" altLang="zh-CN" dirty="0" smtClean="0"/>
+          </a:p>
+          <a:p>
+            <a:pPr marL="742950" indent="-742950">
+              <a:buFont typeface="+mj-lt"/>
+              <a:buAutoNum type="arabicPeriod"/>
+            </a:pPr>
+            <a:r>
+              <a:rPr kumimoji="1" lang="zh-CN" altLang="en-US" dirty="0" smtClean="0"/>
+              <a:t>通过交互式终端使用</a:t>
+            </a:r>
+            <a:r>
+              <a:rPr kumimoji="1" lang="en-US" altLang="zh-CN" dirty="0" smtClean="0"/>
+              <a:t>PProf</a:t>
+            </a:r>
+          </a:p>
+          <a:p>
+            <a:pPr marL="742950" indent="-742950">
+              <a:buFont typeface="+mj-lt"/>
+              <a:buAutoNum type="arabicPeriod"/>
+            </a:pPr>
+            <a:r>
+              <a:rPr kumimoji="1" lang="zh-CN" altLang="en-US" dirty="0" smtClean="0"/>
+              <a:t>通过可视化界面使用</a:t>
+            </a:r>
+            <a:r>
+              <a:rPr kumimoji="1" lang="en-US" altLang="zh-CN" dirty="0" smtClean="0"/>
+              <a:t>Pprof</a:t>
+            </a:r>
+          </a:p>
+          <a:p>
+            <a:pPr marL="742950" indent="-742950">
+              <a:buFont typeface="+mj-lt"/>
+              <a:buAutoNum type="arabicPeriod"/>
+            </a:pPr>
+            <a:r>
+              <a:rPr kumimoji="1" lang="zh-CN" altLang="en-US" dirty="0"/>
+              <a:t>与性能测试结合做剖析</a:t>
+            </a:r>
+            <a:endParaRPr kumimoji="1" lang="en-US" altLang="zh-CN" dirty="0" smtClean="0"/>
+          </a:p>
+          <a:p>
+            <a:pPr marL="742950" indent="-742950">
+              <a:buFont typeface="+mj-lt"/>
+              <a:buAutoNum type="arabicPeriod"/>
+            </a:pPr>
+            <a:r>
+              <a:rPr kumimoji="1" lang="zh-CN" altLang="en-US" dirty="0"/>
+              <a:t>排查</a:t>
+            </a:r>
+            <a:r>
+              <a:rPr kumimoji="1" lang="en-US" altLang="zh-CN" dirty="0"/>
+              <a:t>CPU</a:t>
+            </a:r>
+            <a:r>
+              <a:rPr kumimoji="1" lang="zh-CN" altLang="en-US" dirty="0"/>
+              <a:t>占用过高</a:t>
+            </a:r>
+            <a:r>
+              <a:rPr kumimoji="1" lang="zh-CN" altLang="en-US" dirty="0" smtClean="0"/>
+              <a:t>问题</a:t>
+            </a:r>
+            <a:endParaRPr kumimoji="1" lang="en-US" altLang="zh-CN" dirty="0" smtClean="0"/>
+          </a:p>
+          <a:p>
+            <a:pPr marL="742950" indent="-742950">
+              <a:buFont typeface="+mj-lt"/>
+              <a:buAutoNum type="arabicPeriod"/>
+            </a:pPr>
+            <a:r>
+              <a:rPr kumimoji="1" lang="zh-CN" altLang="en-US" dirty="0"/>
+              <a:t>排查内存占用过高</a:t>
+            </a:r>
+            <a:r>
+              <a:rPr kumimoji="1" lang="zh-CN" altLang="en-US" dirty="0" smtClean="0"/>
+              <a:t>问题</a:t>
+            </a:r>
+            <a:endParaRPr kumimoji="1" lang="en-US" altLang="zh-CN" dirty="0" smtClean="0"/>
+          </a:p>
+          <a:p>
+            <a:pPr marL="742950" indent="-742950">
+              <a:buFont typeface="+mj-lt"/>
+              <a:buAutoNum type="arabicPeriod"/>
+            </a:pPr>
+            <a:r>
+              <a:rPr kumimoji="1" lang="zh-CN" altLang="en-US" dirty="0"/>
+              <a:t>排查频繁</a:t>
+            </a:r>
+            <a:r>
+              <a:rPr kumimoji="1" lang="en-US" altLang="zh-CN" dirty="0"/>
+              <a:t>GC</a:t>
+            </a:r>
+            <a:r>
+              <a:rPr kumimoji="1" lang="zh-CN" altLang="en-US" dirty="0" smtClean="0"/>
+              <a:t>问题</a:t>
+            </a:r>
+            <a:endParaRPr kumimoji="1" lang="en-US" altLang="zh-CN" dirty="0" smtClean="0"/>
+          </a:p>
+          <a:p>
+            <a:pPr marL="742950" indent="-742950">
+              <a:buFont typeface="+mj-lt"/>
+              <a:buAutoNum type="arabicPeriod"/>
+            </a:pPr>
+            <a:r>
+              <a:rPr kumimoji="1" lang="zh-CN" altLang="en-US" dirty="0"/>
+              <a:t>排查协程泄漏</a:t>
+            </a:r>
+            <a:r>
+              <a:rPr kumimoji="1" lang="zh-CN" altLang="en-US" dirty="0" smtClean="0"/>
+              <a:t>问题</a:t>
+            </a:r>
+            <a:endParaRPr kumimoji="1" lang="en-US" altLang="zh-CN" dirty="0" smtClean="0"/>
+          </a:p>
+          <a:p>
+            <a:pPr marL="742950" indent="-742950">
+              <a:buFont typeface="+mj-lt"/>
+              <a:buAutoNum type="arabicPeriod"/>
+            </a:pPr>
+            <a:r>
+              <a:rPr kumimoji="1" lang="zh-CN" altLang="en-US" dirty="0"/>
+              <a:t>排查锁竞争</a:t>
+            </a:r>
+            <a:r>
+              <a:rPr kumimoji="1" lang="zh-CN" altLang="en-US" dirty="0" smtClean="0"/>
+              <a:t>问题</a:t>
+            </a:r>
+            <a:endParaRPr kumimoji="1" lang="en-US" altLang="zh-CN" dirty="0" smtClean="0"/>
+          </a:p>
+          <a:p>
+            <a:pPr marL="742950" indent="-742950">
+              <a:buFont typeface="+mj-lt"/>
+              <a:buAutoNum type="arabicPeriod"/>
+            </a:pPr>
+            <a:r>
+              <a:rPr kumimoji="1" lang="zh-CN" altLang="en-US" dirty="0"/>
+              <a:t>排查阻塞</a:t>
+            </a:r>
+            <a:r>
+              <a:rPr kumimoji="1" lang="zh-CN" altLang="en-US" dirty="0" smtClean="0"/>
+              <a:t>问题</a:t>
+            </a:r>
+            <a:endParaRPr kumimoji="1" lang="en-US" altLang="zh-CN" dirty="0" smtClean="0"/>
+          </a:p>
+          <a:p>
+            <a:pPr marL="742950" indent="-742950">
+              <a:buFont typeface="+mj-lt"/>
+              <a:buAutoNum type="arabicPeriod"/>
+            </a:pPr>
+            <a:r>
+              <a:rPr kumimoji="1" lang="zh-CN" altLang="en-US" dirty="0"/>
+              <a:t>性能优化案列</a:t>
+            </a:r>
+            <a:endParaRPr kumimoji="1" lang="en-US" altLang="zh-CN" dirty="0" smtClean="0"/>
+          </a:p>
+          <a:p>
+            <a:pPr marL="571500" indent="-571500">
+              <a:buFont typeface="Arial" panose="020B0604020202090204" pitchFamily="34" charset="0"/>
+              <a:buChar char="•"/>
+            </a:pPr>
+            <a:endParaRPr kumimoji="1" lang="en-US" dirty="0"/>
+          </a:p>
+        </p:txBody>
+      </p:sp>
+      <p:sp>
+        <p:nvSpPr>
+          <p:cNvPr id="3" name="标题 5"/>
+          <p:cNvSpPr txBox="1">
+            <a:spLocks/>
+          </p:cNvSpPr>
+          <p:nvPr/>
+        </p:nvSpPr>
+        <p:spPr>
+          <a:xfrm>
+            <a:off x="2462400" y="979200"/>
+            <a:ext cx="19458000" cy="1310400"/>
+          </a:xfrm>
+          <a:prstGeom prst="rect">
+            <a:avLst/>
+          </a:prstGeom>
+        </p:spPr>
+        <p:txBody>
+          <a:bodyPr/>
+          <a:lstStyle>
+            <a:lvl1pPr marL="0" marR="0" indent="0" algn="l" defTabSz="825500" latinLnBrk="0">
+              <a:lnSpc>
+                <a:spcPct val="100000"/>
+              </a:lnSpc>
+              <a:spcBef>
+                <a:spcPts val="0"/>
+              </a:spcBef>
+              <a:spcAft>
+                <a:spcPts val="0"/>
+              </a:spcAft>
+              <a:buClrTx/>
+              <a:buSzTx/>
+              <a:buFontTx/>
+              <a:buNone/>
+              <a:defRPr sz="6800" b="1" i="0" u="none" strike="noStrike" cap="none" spc="0" baseline="0">
+                <a:solidFill>
+                  <a:srgbClr val="17B2E9"/>
+                </a:solidFill>
+                <a:uFillTx/>
+                <a:latin typeface="Helvetica" pitchFamily="2" charset="0"/>
+                <a:ea typeface="Alibaba PuHuiTi B" panose="00020600040101010101" pitchFamily="18" charset="-122"/>
+                <a:cs typeface="Alibaba PuHuiTi B" panose="00020600040101010101" pitchFamily="18" charset="-122"/>
+                <a:sym typeface="Helvetica Light"/>
+              </a:defRPr>
+            </a:lvl1pPr>
+            <a:lvl2pPr marL="0" marR="0" indent="0" algn="ctr" defTabSz="825500" latinLnBrk="0">
+              <a:lnSpc>
+                <a:spcPct val="100000"/>
+              </a:lnSpc>
+              <a:spcBef>
+                <a:spcPts val="0"/>
+              </a:spcBef>
+              <a:spcAft>
+                <a:spcPts val="0"/>
+              </a:spcAft>
+              <a:buClrTx/>
+              <a:buSzTx/>
+              <a:buFontTx/>
+              <a:buNone/>
+              <a:defRPr sz="11200" b="0" i="0" u="none" strike="noStrike" cap="none" spc="0" baseline="0">
+                <a:solidFill>
+                  <a:srgbClr val="000000"/>
+                </a:solidFill>
+                <a:uFillTx/>
+                <a:latin typeface="Helvetica Light"/>
+                <a:ea typeface="Helvetica Light"/>
+                <a:cs typeface="Helvetica Light"/>
+                <a:sym typeface="Helvetica Light"/>
+              </a:defRPr>
+            </a:lvl2pPr>
+            <a:lvl3pPr marL="0" marR="0" indent="0" algn="ctr" defTabSz="825500" latinLnBrk="0">
+              <a:lnSpc>
+                <a:spcPct val="100000"/>
+              </a:lnSpc>
+              <a:spcBef>
+                <a:spcPts val="0"/>
+              </a:spcBef>
+              <a:spcAft>
+                <a:spcPts val="0"/>
+              </a:spcAft>
+              <a:buClrTx/>
+              <a:buSzTx/>
+              <a:buFontTx/>
+              <a:buNone/>
+              <a:defRPr sz="11200" b="0" i="0" u="none" strike="noStrike" cap="none" spc="0" baseline="0">
+                <a:solidFill>
+                  <a:srgbClr val="000000"/>
+                </a:solidFill>
+                <a:uFillTx/>
+                <a:latin typeface="Helvetica Light"/>
+                <a:ea typeface="Helvetica Light"/>
+                <a:cs typeface="Helvetica Light"/>
+                <a:sym typeface="Helvetica Light"/>
+              </a:defRPr>
+            </a:lvl3pPr>
+            <a:lvl4pPr marL="0" marR="0" indent="0" algn="ctr" defTabSz="825500" latinLnBrk="0">
+              <a:lnSpc>
+                <a:spcPct val="100000"/>
+              </a:lnSpc>
+              <a:spcBef>
+                <a:spcPts val="0"/>
+              </a:spcBef>
+              <a:spcAft>
+                <a:spcPts val="0"/>
+              </a:spcAft>
+              <a:buClrTx/>
+              <a:buSzTx/>
+              <a:buFontTx/>
+              <a:buNone/>
+              <a:defRPr sz="11200" b="0" i="0" u="none" strike="noStrike" cap="none" spc="0" baseline="0">
+                <a:solidFill>
+                  <a:srgbClr val="000000"/>
+                </a:solidFill>
+                <a:uFillTx/>
+                <a:latin typeface="Helvetica Light"/>
+                <a:ea typeface="Helvetica Light"/>
+                <a:cs typeface="Helvetica Light"/>
+                <a:sym typeface="Helvetica Light"/>
+              </a:defRPr>
+            </a:lvl4pPr>
+            <a:lvl5pPr marL="0" marR="0" indent="0" algn="ctr" defTabSz="825500" latinLnBrk="0">
+              <a:lnSpc>
+                <a:spcPct val="100000"/>
+              </a:lnSpc>
+              <a:spcBef>
+                <a:spcPts val="0"/>
+              </a:spcBef>
+              <a:spcAft>
+                <a:spcPts val="0"/>
+              </a:spcAft>
+              <a:buClrTx/>
+              <a:buSzTx/>
+              <a:buFontTx/>
+              <a:buNone/>
+              <a:defRPr sz="11200" b="0" i="0" u="none" strike="noStrike" cap="none" spc="0" baseline="0">
+                <a:solidFill>
+                  <a:srgbClr val="000000"/>
+                </a:solidFill>
+                <a:uFillTx/>
+                <a:latin typeface="Helvetica Light"/>
+                <a:ea typeface="Helvetica Light"/>
+                <a:cs typeface="Helvetica Light"/>
+                <a:sym typeface="Helvetica Light"/>
+              </a:defRPr>
+            </a:lvl5pPr>
+            <a:lvl6pPr marL="0" marR="0" indent="0" algn="ctr" defTabSz="825500" latinLnBrk="0">
+              <a:lnSpc>
+                <a:spcPct val="100000"/>
+              </a:lnSpc>
+              <a:spcBef>
+                <a:spcPts val="0"/>
+              </a:spcBef>
+              <a:spcAft>
+                <a:spcPts val="0"/>
+              </a:spcAft>
+              <a:buClrTx/>
+              <a:buSzTx/>
+              <a:buFontTx/>
+              <a:buNone/>
+              <a:defRPr sz="11200" b="0" i="0" u="none" strike="noStrike" cap="none" spc="0" baseline="0">
+                <a:solidFill>
+                  <a:srgbClr val="000000"/>
+                </a:solidFill>
+                <a:uFillTx/>
+                <a:latin typeface="Helvetica Light"/>
+                <a:ea typeface="Helvetica Light"/>
+                <a:cs typeface="Helvetica Light"/>
+                <a:sym typeface="Helvetica Light"/>
+              </a:defRPr>
+            </a:lvl6pPr>
+            <a:lvl7pPr marL="0" marR="0" indent="0" algn="ctr" defTabSz="825500" latinLnBrk="0">
+              <a:lnSpc>
+                <a:spcPct val="100000"/>
+              </a:lnSpc>
+              <a:spcBef>
+                <a:spcPts val="0"/>
+              </a:spcBef>
+              <a:spcAft>
+                <a:spcPts val="0"/>
+              </a:spcAft>
+              <a:buClrTx/>
+              <a:buSzTx/>
+              <a:buFontTx/>
+              <a:buNone/>
+              <a:defRPr sz="11200" b="0" i="0" u="none" strike="noStrike" cap="none" spc="0" baseline="0">
+                <a:solidFill>
+                  <a:srgbClr val="000000"/>
+                </a:solidFill>
+                <a:uFillTx/>
+                <a:latin typeface="Helvetica Light"/>
+                <a:ea typeface="Helvetica Light"/>
+                <a:cs typeface="Helvetica Light"/>
+                <a:sym typeface="Helvetica Light"/>
+              </a:defRPr>
+            </a:lvl7pPr>
+            <a:lvl8pPr marL="0" marR="0" indent="0" algn="ctr" defTabSz="825500" latinLnBrk="0">
+              <a:lnSpc>
+                <a:spcPct val="100000"/>
+              </a:lnSpc>
+              <a:spcBef>
+                <a:spcPts val="0"/>
+              </a:spcBef>
+              <a:spcAft>
+                <a:spcPts val="0"/>
+              </a:spcAft>
+              <a:buClrTx/>
+              <a:buSzTx/>
+              <a:buFontTx/>
+              <a:buNone/>
+              <a:defRPr sz="11200" b="0" i="0" u="none" strike="noStrike" cap="none" spc="0" baseline="0">
+                <a:solidFill>
+                  <a:srgbClr val="000000"/>
+                </a:solidFill>
+                <a:uFillTx/>
+                <a:latin typeface="Helvetica Light"/>
+                <a:ea typeface="Helvetica Light"/>
+                <a:cs typeface="Helvetica Light"/>
+                <a:sym typeface="Helvetica Light"/>
+              </a:defRPr>
+            </a:lvl8pPr>
+            <a:lvl9pPr marL="0" marR="0" indent="0" algn="ctr" defTabSz="825500" latinLnBrk="0">
+              <a:lnSpc>
+                <a:spcPct val="100000"/>
+              </a:lnSpc>
+              <a:spcBef>
+                <a:spcPts val="0"/>
+              </a:spcBef>
+              <a:spcAft>
+                <a:spcPts val="0"/>
+              </a:spcAft>
+              <a:buClrTx/>
+              <a:buSzTx/>
+              <a:buFontTx/>
+              <a:buNone/>
+              <a:defRPr sz="11200" b="0" i="0" u="none" strike="noStrike" cap="none" spc="0" baseline="0">
+                <a:solidFill>
+                  <a:srgbClr val="000000"/>
+                </a:solidFill>
+                <a:uFillTx/>
+                <a:latin typeface="Helvetica Light"/>
+                <a:ea typeface="Helvetica Light"/>
+                <a:cs typeface="Helvetica Light"/>
+                <a:sym typeface="Helvetica Light"/>
+              </a:defRPr>
+            </a:lvl9pPr>
+          </a:lstStyle>
+          <a:p>
+            <a:pPr marL="571500" indent="-571500">
+              <a:buFont typeface="Arial" panose="020B0604020202090204" pitchFamily="34" charset="0"/>
+              <a:buChar char="•"/>
+            </a:pPr>
+            <a:r>
+              <a:rPr kumimoji="1" lang="zh-CN" altLang="en-US" dirty="0" smtClean="0"/>
+              <a:t>第一章 </a:t>
+            </a:r>
+            <a:r>
+              <a:rPr kumimoji="1" lang="zh-CN" altLang="en-US" dirty="0"/>
+              <a:t>性能剖析</a:t>
+            </a:r>
+            <a:r>
+              <a:rPr kumimoji="1" lang="zh-CN" altLang="en-US" dirty="0" smtClean="0"/>
+              <a:t>工具</a:t>
+            </a:r>
+            <a:r>
+              <a:rPr kumimoji="1" lang="en-US" altLang="zh-CN" dirty="0" smtClean="0"/>
+              <a:t>PProf</a:t>
+            </a:r>
+            <a:r>
+              <a:rPr kumimoji="1" lang="zh-CN" altLang="en-US" dirty="0" smtClean="0"/>
+              <a:t>  </a:t>
+            </a:r>
+            <a:endParaRPr kumimoji="1" lang="en-US" altLang="zh-CN" dirty="0"/>
+          </a:p>
+        </p:txBody>
+      </p:sp>
+      <p:sp>
+        <p:nvSpPr>
+          <p:cNvPr id="6" name="Rectangle 1"/>
+          <p:cNvSpPr>
+            <a:spLocks noChangeArrowheads="1"/>
+          </p:cNvSpPr>
+          <p:nvPr/>
+        </p:nvSpPr>
+        <p:spPr bwMode="auto">
+          <a:xfrm>
+            <a:off x="0" y="0"/>
+            <a:ext cx="24384000" cy="0"/>
+          </a:xfrm>
+          <a:prstGeom prst="rect">
+            <a:avLst/>
+          </a:prstGeom>
+          <a:noFill/>
+          <a:ln>
+            <a:noFill/>
+          </a:ln>
+          <a:effectLst/>
+          <a:extLst>
+            <a:ext uri="{909E8E84-426E-40DD-AFC4-6F175D3DCCD1}">
+              <a14:hiddenFill xmlns:a14="http://schemas.microsoft.com/office/drawing/2010/main">
+                <a:solidFill>
+                  <a:schemeClr val="accent1"/>
+                </a:solidFill>
+              </a14:hiddenFill>
+            </a:ext>
+            <a:ext uri="{91240B29-F687-4F45-9708-019B960494DF}">
+              <a14:hiddenLine xmlns:a14="http://schemas.microsoft.com/office/drawing/2010/main" w="9525">
+                <a:solidFill>
+                  <a:schemeClr val="tx1"/>
+                </a:solidFill>
+                <a:miter lim="800000"/>
+                <a:headEnd/>
+                <a:tailEnd/>
+              </a14:hiddenLine>
+            </a:ext>
+            <a:ext uri="{AF507438-7753-43E0-B8FC-AC1667EBCBE1}">
+              <a14:hiddenEffects xmlns:a14="http://schemas.microsoft.com/office/drawing/2010/main">
+                <a:effectLst>
+                  <a:outerShdw dist="35921" dir="2700000" algn="ctr" rotWithShape="0">
+                    <a:schemeClr val="bg2"/>
+                  </a:outerShdw>
+                </a:effectLst>
+              </a14:hiddenEffects>
+            </a:ext>
+          </a:extLst>
+        </p:spPr>
+        <p:txBody>
+          <a:bodyPr vert="horz" wrap="none" lIns="91440" tIns="45720" rIns="91440" bIns="45720" numCol="1" anchor="ctr" anchorCtr="0" compatLnSpc="1">
+            <a:prstTxWarp prst="textNoShape">
+              <a:avLst/>
+            </a:prstTxWarp>
+            <a:spAutoFit/>
+          </a:bodyPr>
+          <a:lstStyle/>
+          <a:p>
+            <a:pPr marL="0" marR="0" lvl="0" indent="0" algn="l" defTabSz="914400" rtl="0" eaLnBrk="0" fontAlgn="base" latinLnBrk="0" hangingPunct="0">
+              <a:lnSpc>
+                <a:spcPct val="100000"/>
+              </a:lnSpc>
+              <a:spcBef>
+                <a:spcPct val="0"/>
+              </a:spcBef>
+              <a:spcAft>
+                <a:spcPct val="0"/>
+              </a:spcAft>
+              <a:buClrTx/>
+              <a:buSzTx/>
+              <a:buFontTx/>
+              <a:buNone/>
+              <a:tabLst/>
+            </a:pPr>
+            <a:r>
+              <a:rPr kumimoji="0" lang="zh-CN" altLang="zh-CN" sz="1200" b="0" i="0" u="none" strike="noStrike" cap="none" normalizeH="0" baseline="0" smtClean="0">
+                <a:ln>
+                  <a:noFill/>
+                </a:ln>
+                <a:solidFill>
+                  <a:srgbClr val="333333"/>
+                </a:solidFill>
+                <a:effectLst/>
+                <a:latin typeface="Open Sans" panose="020B0606030504020204" pitchFamily="34" charset="0"/>
+                <a:cs typeface="Open Sans" panose="020B0606030504020204" pitchFamily="34" charset="0"/>
+              </a:rPr>
+              <a:t>排查CPU占用过高问题</a:t>
+            </a:r>
+            <a:r>
+              <a:rPr kumimoji="0" lang="zh-CN" altLang="zh-CN" sz="1600" b="0" i="0" u="none" strike="noStrike" cap="none" normalizeH="0" baseline="0" smtClean="0">
+                <a:ln>
+                  <a:noFill/>
+                </a:ln>
+                <a:solidFill>
+                  <a:schemeClr val="tx1"/>
+                </a:solidFill>
+                <a:effectLst/>
+              </a:rPr>
+              <a:t> </a:t>
+            </a:r>
+            <a:endParaRPr kumimoji="0" lang="zh-CN" altLang="zh-CN" sz="1800" b="0" i="0" u="none" strike="noStrike" cap="none" normalizeH="0" baseline="0" smtClean="0">
+              <a:ln>
+                <a:noFill/>
+              </a:ln>
+              <a:solidFill>
+                <a:schemeClr val="tx1"/>
+              </a:solidFill>
+              <a:effectLst/>
+              <a:latin typeface="Arial" panose="020B0604020202020204" pitchFamily="34" charset="0"/>
+            </a:endParaRPr>
+          </a:p>
+        </p:txBody>
+      </p:sp>
+    </p:spTree>
+    <p:extLst>
+      <p:ext uri="{BB962C8B-B14F-4D97-AF65-F5344CB8AC3E}">
+        <p14:creationId xmlns:p14="http://schemas.microsoft.com/office/powerpoint/2010/main" val="504186630"/>
+      </p:ext>
+    </p:extLst>
+  </p:cSld>
+  <p:clrMapOvr>
+    <a:masterClrMapping/>
+  </p:clrMapOvr>
+  <p:transition spd="med"/>
+</p:sld>
+</file>
+
+<file path=ppt/slides/slide60.xml><?xml version="1.0" encoding="utf-8"?>
+<p:sld xmlns:a="http://schemas.openxmlformats.org/drawingml/2006/main" xmlns:r="http://schemas.openxmlformats.org/officeDocument/2006/relationships" xmlns:p="http://schemas.openxmlformats.org/presentationml/2006/main">
+  <p:cSld>
+    <p:spTree>
+      <p:nvGrpSpPr>
+        <p:cNvPr id="1" name=""/>
+        <p:cNvGrpSpPr/>
+        <p:nvPr/>
+      </p:nvGrpSpPr>
+      <p:grpSpPr>
+        <a:xfrm>
+          <a:off x="0" y="0"/>
+          <a:ext cx="0" cy="0"/>
+          <a:chOff x="0" y="0"/>
+          <a:chExt cx="0" cy="0"/>
+        </a:xfrm>
+      </p:grpSpPr>
+      <p:sp>
+        <p:nvSpPr>
+          <p:cNvPr id="2" name="文本占位符 1"/>
+          <p:cNvSpPr>
+            <a:spLocks noGrp="1"/>
+          </p:cNvSpPr>
+          <p:nvPr>
+            <p:ph type="body" sz="quarter" idx="13"/>
+          </p:nvPr>
+        </p:nvSpPr>
+        <p:spPr>
+          <a:xfrm>
+            <a:off x="2444750" y="7675880"/>
+            <a:ext cx="5928995" cy="1163320"/>
+          </a:xfrm>
+        </p:spPr>
+        <p:txBody>
+          <a:bodyPr wrap="square"/>
+          <a:lstStyle/>
+          <a:p>
+            <a:r>
+              <a:rPr kumimoji="1" lang="zh-CN" altLang="en-US" dirty="0"/>
+              <a:t>闯哥</a:t>
+            </a:r>
+          </a:p>
+        </p:txBody>
+      </p:sp>
+      <p:sp>
+        <p:nvSpPr>
+          <p:cNvPr id="4" name="文本占位符 3"/>
+          <p:cNvSpPr>
+            <a:spLocks noGrp="1"/>
+          </p:cNvSpPr>
+          <p:nvPr>
+            <p:ph type="body" sz="quarter" idx="15"/>
+          </p:nvPr>
+        </p:nvSpPr>
+        <p:spPr>
+          <a:xfrm>
+            <a:off x="2444750" y="4987012"/>
+            <a:ext cx="19143345" cy="1210588"/>
+          </a:xfrm>
+        </p:spPr>
+        <p:txBody>
+          <a:bodyPr wrap="square"/>
+          <a:lstStyle/>
+          <a:p>
+            <a:r>
+              <a:rPr kumimoji="1" lang="en-US" altLang="zh-CN" dirty="0" smtClean="0"/>
+              <a:t>1.12 </a:t>
+            </a:r>
+            <a:r>
+              <a:rPr kumimoji="1" lang="zh-CN" altLang="en-US" dirty="0" smtClean="0"/>
+              <a:t>排</a:t>
+            </a:r>
+            <a:r>
+              <a:rPr kumimoji="1" lang="zh-CN" altLang="en-US" dirty="0"/>
+              <a:t>查阻塞问题</a:t>
+            </a:r>
+            <a:endParaRPr kumimoji="1" lang="en-US" altLang="zh-CN" dirty="0"/>
+          </a:p>
+        </p:txBody>
+      </p:sp>
+    </p:spTree>
+    <p:extLst>
+      <p:ext uri="{BB962C8B-B14F-4D97-AF65-F5344CB8AC3E}">
+        <p14:creationId xmlns:p14="http://schemas.microsoft.com/office/powerpoint/2010/main" val="2865345634"/>
+      </p:ext>
+    </p:extLst>
+  </p:cSld>
+  <p:clrMapOvr>
+    <a:masterClrMapping/>
+  </p:clrMapOvr>
+  <p:transition spd="med"/>
+</p:sld>
+</file>
+
+<file path=ppt/slides/slide61.xml><?xml version="1.0" encoding="utf-8"?>
+<p:sld xmlns:a="http://schemas.openxmlformats.org/drawingml/2006/main" xmlns:r="http://schemas.openxmlformats.org/officeDocument/2006/relationships" xmlns:p="http://schemas.openxmlformats.org/presentationml/2006/main">
+  <p:cSld>
+    <p:spTree>
+      <p:nvGrpSpPr>
+        <p:cNvPr id="1" name=""/>
+        <p:cNvGrpSpPr/>
+        <p:nvPr/>
+      </p:nvGrpSpPr>
+      <p:grpSpPr>
+        <a:xfrm>
+          <a:off x="0" y="0"/>
+          <a:ext cx="0" cy="0"/>
+          <a:chOff x="0" y="0"/>
+          <a:chExt cx="0" cy="0"/>
+        </a:xfrm>
+      </p:grpSpPr>
+      <p:sp>
+        <p:nvSpPr>
           <p:cNvPr id="2" name="文本占位符 1"/>
           <p:cNvSpPr>
             <a:spLocks noGrp="1"/>
@@ -19031,7 +21238,7 @@
 </p:sld>
 </file>
 
-<file path=ppt/slides/slide57.xml><?xml version="1.0" encoding="utf-8"?>
+<file path=ppt/slides/slide62.xml><?xml version="1.0" encoding="utf-8"?>
 <p:sld xmlns:a="http://schemas.openxmlformats.org/drawingml/2006/main" xmlns:r="http://schemas.openxmlformats.org/officeDocument/2006/relationships" xmlns:p="http://schemas.openxmlformats.org/presentationml/2006/main">
   <p:cSld>
     <p:spTree>
@@ -19340,658 +21547,6 @@
     <p:extLst>
       <p:ext uri="{BB962C8B-B14F-4D97-AF65-F5344CB8AC3E}">
         <p14:creationId xmlns:p14="http://schemas.microsoft.com/office/powerpoint/2010/main" val="198132486"/>
-      </p:ext>
-    </p:extLst>
-  </p:cSld>
-  <p:clrMapOvr>
-    <a:masterClrMapping/>
-  </p:clrMapOvr>
-  <p:transition spd="med"/>
-</p:sld>
-</file>
-
-<file path=ppt/slides/slide6.xml><?xml version="1.0" encoding="utf-8"?>
-<p:sld xmlns:a="http://schemas.openxmlformats.org/drawingml/2006/main" xmlns:r="http://schemas.openxmlformats.org/officeDocument/2006/relationships" xmlns:p="http://schemas.openxmlformats.org/presentationml/2006/main">
-  <p:cSld>
-    <p:spTree>
-      <p:nvGrpSpPr>
-        <p:cNvPr id="1" name=""/>
-        <p:cNvGrpSpPr/>
-        <p:nvPr/>
-      </p:nvGrpSpPr>
-      <p:grpSpPr>
-        <a:xfrm>
-          <a:off x="0" y="0"/>
-          <a:ext cx="0" cy="0"/>
-          <a:chOff x="0" y="0"/>
-          <a:chExt cx="0" cy="0"/>
-        </a:xfrm>
-      </p:grpSpPr>
-      <p:sp>
-        <p:nvSpPr>
-          <p:cNvPr id="2" name="文本占位符 1"/>
-          <p:cNvSpPr>
-            <a:spLocks noGrp="1"/>
-          </p:cNvSpPr>
-          <p:nvPr>
-            <p:ph type="body" idx="1"/>
-          </p:nvPr>
-        </p:nvSpPr>
-        <p:spPr>
-          <a:xfrm>
-            <a:off x="7122447" y="3892731"/>
-            <a:ext cx="14797953" cy="9640389"/>
-          </a:xfrm>
-        </p:spPr>
-        <p:txBody>
-          <a:bodyPr>
-            <a:normAutofit fontScale="92500" lnSpcReduction="20000"/>
-          </a:bodyPr>
-          <a:lstStyle/>
-          <a:p>
-            <a:pPr marL="742950" indent="-742950">
-              <a:buFont typeface="+mj-lt"/>
-              <a:buAutoNum type="arabicPeriod"/>
-            </a:pPr>
-            <a:r>
-              <a:rPr kumimoji="1" lang="zh-CN" altLang="en-US" dirty="0"/>
-              <a:t>压力测试工具</a:t>
-            </a:r>
-            <a:r>
-              <a:rPr kumimoji="1" lang="en-US" altLang="zh-CN" dirty="0" smtClean="0"/>
-              <a:t>ab</a:t>
-            </a:r>
-          </a:p>
-          <a:p>
-            <a:pPr marL="742950" indent="-742950">
-              <a:buFont typeface="+mj-lt"/>
-              <a:buAutoNum type="arabicPeriod"/>
-            </a:pPr>
-            <a:r>
-              <a:rPr kumimoji="1" lang="en-US" dirty="0" err="1"/>
-              <a:t>PProf</a:t>
-            </a:r>
-            <a:r>
-              <a:rPr kumimoji="1" lang="zh-CN" altLang="en-US" dirty="0" smtClean="0"/>
-              <a:t>简介</a:t>
-            </a:r>
-            <a:endParaRPr kumimoji="1" lang="en-US" altLang="zh-CN" dirty="0" smtClean="0"/>
-          </a:p>
-          <a:p>
-            <a:pPr marL="742950" indent="-742950">
-              <a:buFont typeface="+mj-lt"/>
-              <a:buAutoNum type="arabicPeriod"/>
-            </a:pPr>
-            <a:r>
-              <a:rPr kumimoji="1" lang="en-US" dirty="0" err="1"/>
-              <a:t>PProf</a:t>
-            </a:r>
-            <a:r>
-              <a:rPr kumimoji="1" lang="zh-CN" altLang="en-US" dirty="0"/>
-              <a:t>的简单</a:t>
-            </a:r>
-            <a:r>
-              <a:rPr kumimoji="1" lang="zh-CN" altLang="en-US" dirty="0" smtClean="0"/>
-              <a:t>使用</a:t>
-            </a:r>
-            <a:endParaRPr kumimoji="1" lang="en-US" altLang="zh-CN" dirty="0" smtClean="0"/>
-          </a:p>
-          <a:p>
-            <a:pPr marL="742950" indent="-742950">
-              <a:buFont typeface="+mj-lt"/>
-              <a:buAutoNum type="arabicPeriod"/>
-            </a:pPr>
-            <a:r>
-              <a:rPr kumimoji="1" lang="zh-CN" altLang="en-US" dirty="0" smtClean="0"/>
-              <a:t>通过交互式终端使用</a:t>
-            </a:r>
-            <a:r>
-              <a:rPr kumimoji="1" lang="en-US" altLang="zh-CN" dirty="0" err="1" smtClean="0"/>
-              <a:t>PProf</a:t>
-            </a:r>
-            <a:endParaRPr kumimoji="1" lang="en-US" altLang="zh-CN" dirty="0" smtClean="0"/>
-          </a:p>
-          <a:p>
-            <a:pPr marL="742950" indent="-742950">
-              <a:buFont typeface="+mj-lt"/>
-              <a:buAutoNum type="arabicPeriod"/>
-            </a:pPr>
-            <a:r>
-              <a:rPr kumimoji="1" lang="zh-CN" altLang="en-US" dirty="0" smtClean="0"/>
-              <a:t>通过可视化界面使用</a:t>
-            </a:r>
-            <a:r>
-              <a:rPr kumimoji="1" lang="en-US" altLang="zh-CN" dirty="0" err="1" smtClean="0"/>
-              <a:t>Pprof</a:t>
-            </a:r>
-            <a:endParaRPr kumimoji="1" lang="en-US" altLang="zh-CN" dirty="0" smtClean="0"/>
-          </a:p>
-          <a:p>
-            <a:pPr marL="742950" indent="-742950">
-              <a:buFont typeface="+mj-lt"/>
-              <a:buAutoNum type="arabicPeriod"/>
-            </a:pPr>
-            <a:r>
-              <a:rPr kumimoji="1" lang="zh-CN" altLang="en-US" dirty="0"/>
-              <a:t>与性能测试结合做剖析</a:t>
-            </a:r>
-            <a:endParaRPr kumimoji="1" lang="en-US" altLang="zh-CN" dirty="0" smtClean="0"/>
-          </a:p>
-          <a:p>
-            <a:pPr marL="742950" indent="-742950">
-              <a:buFont typeface="+mj-lt"/>
-              <a:buAutoNum type="arabicPeriod"/>
-            </a:pPr>
-            <a:r>
-              <a:rPr kumimoji="1" lang="zh-CN" altLang="en-US" dirty="0"/>
-              <a:t>排查</a:t>
-            </a:r>
-            <a:r>
-              <a:rPr kumimoji="1" lang="en-US" altLang="zh-CN" dirty="0"/>
-              <a:t>CPU</a:t>
-            </a:r>
-            <a:r>
-              <a:rPr kumimoji="1" lang="zh-CN" altLang="en-US" dirty="0"/>
-              <a:t>占用过高</a:t>
-            </a:r>
-            <a:r>
-              <a:rPr kumimoji="1" lang="zh-CN" altLang="en-US" dirty="0" smtClean="0"/>
-              <a:t>问题</a:t>
-            </a:r>
-            <a:endParaRPr kumimoji="1" lang="en-US" altLang="zh-CN" dirty="0" smtClean="0"/>
-          </a:p>
-          <a:p>
-            <a:pPr marL="742950" indent="-742950">
-              <a:buFont typeface="+mj-lt"/>
-              <a:buAutoNum type="arabicPeriod"/>
-            </a:pPr>
-            <a:r>
-              <a:rPr kumimoji="1" lang="zh-CN" altLang="en-US" dirty="0"/>
-              <a:t>排查内存占用过高</a:t>
-            </a:r>
-            <a:r>
-              <a:rPr kumimoji="1" lang="zh-CN" altLang="en-US" dirty="0" smtClean="0"/>
-              <a:t>问题</a:t>
-            </a:r>
-            <a:endParaRPr kumimoji="1" lang="en-US" altLang="zh-CN" dirty="0" smtClean="0"/>
-          </a:p>
-          <a:p>
-            <a:pPr marL="742950" indent="-742950">
-              <a:buFont typeface="+mj-lt"/>
-              <a:buAutoNum type="arabicPeriod"/>
-            </a:pPr>
-            <a:r>
-              <a:rPr kumimoji="1" lang="zh-CN" altLang="en-US" dirty="0"/>
-              <a:t>排查频繁</a:t>
-            </a:r>
-            <a:r>
-              <a:rPr kumimoji="1" lang="en-US" altLang="zh-CN" dirty="0"/>
-              <a:t>GC</a:t>
-            </a:r>
-            <a:r>
-              <a:rPr kumimoji="1" lang="zh-CN" altLang="en-US" dirty="0" smtClean="0"/>
-              <a:t>问题</a:t>
-            </a:r>
-            <a:endParaRPr kumimoji="1" lang="en-US" altLang="zh-CN" dirty="0" smtClean="0"/>
-          </a:p>
-          <a:p>
-            <a:pPr marL="742950" indent="-742950">
-              <a:buFont typeface="+mj-lt"/>
-              <a:buAutoNum type="arabicPeriod"/>
-            </a:pPr>
-            <a:r>
-              <a:rPr kumimoji="1" lang="zh-CN" altLang="en-US" dirty="0"/>
-              <a:t>排查协程泄漏</a:t>
-            </a:r>
-            <a:r>
-              <a:rPr kumimoji="1" lang="zh-CN" altLang="en-US" dirty="0" smtClean="0"/>
-              <a:t>问题</a:t>
-            </a:r>
-            <a:endParaRPr kumimoji="1" lang="en-US" altLang="zh-CN" dirty="0" smtClean="0"/>
-          </a:p>
-          <a:p>
-            <a:pPr marL="742950" indent="-742950">
-              <a:buFont typeface="+mj-lt"/>
-              <a:buAutoNum type="arabicPeriod"/>
-            </a:pPr>
-            <a:r>
-              <a:rPr kumimoji="1" lang="zh-CN" altLang="en-US" dirty="0"/>
-              <a:t>排查锁竞争</a:t>
-            </a:r>
-            <a:r>
-              <a:rPr kumimoji="1" lang="zh-CN" altLang="en-US" dirty="0" smtClean="0"/>
-              <a:t>问题</a:t>
-            </a:r>
-            <a:endParaRPr kumimoji="1" lang="en-US" altLang="zh-CN" dirty="0" smtClean="0"/>
-          </a:p>
-          <a:p>
-            <a:pPr marL="742950" indent="-742950">
-              <a:buFont typeface="+mj-lt"/>
-              <a:buAutoNum type="arabicPeriod"/>
-            </a:pPr>
-            <a:r>
-              <a:rPr kumimoji="1" lang="zh-CN" altLang="en-US" dirty="0"/>
-              <a:t>排查阻塞</a:t>
-            </a:r>
-            <a:r>
-              <a:rPr kumimoji="1" lang="zh-CN" altLang="en-US" dirty="0" smtClean="0"/>
-              <a:t>问题</a:t>
-            </a:r>
-            <a:endParaRPr kumimoji="1" lang="en-US" altLang="zh-CN" dirty="0" smtClean="0"/>
-          </a:p>
-          <a:p>
-            <a:pPr marL="742950" indent="-742950">
-              <a:buFont typeface="+mj-lt"/>
-              <a:buAutoNum type="arabicPeriod"/>
-            </a:pPr>
-            <a:r>
-              <a:rPr kumimoji="1" lang="zh-CN" altLang="en-US" dirty="0"/>
-              <a:t>性能优化案列</a:t>
-            </a:r>
-            <a:endParaRPr kumimoji="1" lang="en-US" altLang="zh-CN" dirty="0" smtClean="0"/>
-          </a:p>
-          <a:p>
-            <a:pPr marL="571500" indent="-571500">
-              <a:buFont typeface="Arial" panose="020B0604020202090204" pitchFamily="34" charset="0"/>
-              <a:buChar char="•"/>
-            </a:pPr>
-            <a:endParaRPr kumimoji="1" lang="en-US" dirty="0"/>
-          </a:p>
-        </p:txBody>
-      </p:sp>
-      <p:sp>
-        <p:nvSpPr>
-          <p:cNvPr id="3" name="标题 5"/>
-          <p:cNvSpPr txBox="1">
-            <a:spLocks/>
-          </p:cNvSpPr>
-          <p:nvPr/>
-        </p:nvSpPr>
-        <p:spPr>
-          <a:xfrm>
-            <a:off x="2462400" y="979200"/>
-            <a:ext cx="19458000" cy="1310400"/>
-          </a:xfrm>
-          <a:prstGeom prst="rect">
-            <a:avLst/>
-          </a:prstGeom>
-        </p:spPr>
-        <p:txBody>
-          <a:bodyPr/>
-          <a:lstStyle>
-            <a:lvl1pPr marL="0" marR="0" indent="0" algn="l" defTabSz="825500" latinLnBrk="0">
-              <a:lnSpc>
-                <a:spcPct val="100000"/>
-              </a:lnSpc>
-              <a:spcBef>
-                <a:spcPts val="0"/>
-              </a:spcBef>
-              <a:spcAft>
-                <a:spcPts val="0"/>
-              </a:spcAft>
-              <a:buClrTx/>
-              <a:buSzTx/>
-              <a:buFontTx/>
-              <a:buNone/>
-              <a:defRPr sz="6800" b="1" i="0" u="none" strike="noStrike" cap="none" spc="0" baseline="0">
-                <a:solidFill>
-                  <a:srgbClr val="17B2E9"/>
-                </a:solidFill>
-                <a:uFillTx/>
-                <a:latin typeface="Helvetica" pitchFamily="2" charset="0"/>
-                <a:ea typeface="Alibaba PuHuiTi B" panose="00020600040101010101" pitchFamily="18" charset="-122"/>
-                <a:cs typeface="Alibaba PuHuiTi B" panose="00020600040101010101" pitchFamily="18" charset="-122"/>
-                <a:sym typeface="Helvetica Light"/>
-              </a:defRPr>
-            </a:lvl1pPr>
-            <a:lvl2pPr marL="0" marR="0" indent="0" algn="ctr" defTabSz="825500" latinLnBrk="0">
-              <a:lnSpc>
-                <a:spcPct val="100000"/>
-              </a:lnSpc>
-              <a:spcBef>
-                <a:spcPts val="0"/>
-              </a:spcBef>
-              <a:spcAft>
-                <a:spcPts val="0"/>
-              </a:spcAft>
-              <a:buClrTx/>
-              <a:buSzTx/>
-              <a:buFontTx/>
-              <a:buNone/>
-              <a:defRPr sz="11200" b="0" i="0" u="none" strike="noStrike" cap="none" spc="0" baseline="0">
-                <a:solidFill>
-                  <a:srgbClr val="000000"/>
-                </a:solidFill>
-                <a:uFillTx/>
-                <a:latin typeface="Helvetica Light"/>
-                <a:ea typeface="Helvetica Light"/>
-                <a:cs typeface="Helvetica Light"/>
-                <a:sym typeface="Helvetica Light"/>
-              </a:defRPr>
-            </a:lvl2pPr>
-            <a:lvl3pPr marL="0" marR="0" indent="0" algn="ctr" defTabSz="825500" latinLnBrk="0">
-              <a:lnSpc>
-                <a:spcPct val="100000"/>
-              </a:lnSpc>
-              <a:spcBef>
-                <a:spcPts val="0"/>
-              </a:spcBef>
-              <a:spcAft>
-                <a:spcPts val="0"/>
-              </a:spcAft>
-              <a:buClrTx/>
-              <a:buSzTx/>
-              <a:buFontTx/>
-              <a:buNone/>
-              <a:defRPr sz="11200" b="0" i="0" u="none" strike="noStrike" cap="none" spc="0" baseline="0">
-                <a:solidFill>
-                  <a:srgbClr val="000000"/>
-                </a:solidFill>
-                <a:uFillTx/>
-                <a:latin typeface="Helvetica Light"/>
-                <a:ea typeface="Helvetica Light"/>
-                <a:cs typeface="Helvetica Light"/>
-                <a:sym typeface="Helvetica Light"/>
-              </a:defRPr>
-            </a:lvl3pPr>
-            <a:lvl4pPr marL="0" marR="0" indent="0" algn="ctr" defTabSz="825500" latinLnBrk="0">
-              <a:lnSpc>
-                <a:spcPct val="100000"/>
-              </a:lnSpc>
-              <a:spcBef>
-                <a:spcPts val="0"/>
-              </a:spcBef>
-              <a:spcAft>
-                <a:spcPts val="0"/>
-              </a:spcAft>
-              <a:buClrTx/>
-              <a:buSzTx/>
-              <a:buFontTx/>
-              <a:buNone/>
-              <a:defRPr sz="11200" b="0" i="0" u="none" strike="noStrike" cap="none" spc="0" baseline="0">
-                <a:solidFill>
-                  <a:srgbClr val="000000"/>
-                </a:solidFill>
-                <a:uFillTx/>
-                <a:latin typeface="Helvetica Light"/>
-                <a:ea typeface="Helvetica Light"/>
-                <a:cs typeface="Helvetica Light"/>
-                <a:sym typeface="Helvetica Light"/>
-              </a:defRPr>
-            </a:lvl4pPr>
-            <a:lvl5pPr marL="0" marR="0" indent="0" algn="ctr" defTabSz="825500" latinLnBrk="0">
-              <a:lnSpc>
-                <a:spcPct val="100000"/>
-              </a:lnSpc>
-              <a:spcBef>
-                <a:spcPts val="0"/>
-              </a:spcBef>
-              <a:spcAft>
-                <a:spcPts val="0"/>
-              </a:spcAft>
-              <a:buClrTx/>
-              <a:buSzTx/>
-              <a:buFontTx/>
-              <a:buNone/>
-              <a:defRPr sz="11200" b="0" i="0" u="none" strike="noStrike" cap="none" spc="0" baseline="0">
-                <a:solidFill>
-                  <a:srgbClr val="000000"/>
-                </a:solidFill>
-                <a:uFillTx/>
-                <a:latin typeface="Helvetica Light"/>
-                <a:ea typeface="Helvetica Light"/>
-                <a:cs typeface="Helvetica Light"/>
-                <a:sym typeface="Helvetica Light"/>
-              </a:defRPr>
-            </a:lvl5pPr>
-            <a:lvl6pPr marL="0" marR="0" indent="0" algn="ctr" defTabSz="825500" latinLnBrk="0">
-              <a:lnSpc>
-                <a:spcPct val="100000"/>
-              </a:lnSpc>
-              <a:spcBef>
-                <a:spcPts val="0"/>
-              </a:spcBef>
-              <a:spcAft>
-                <a:spcPts val="0"/>
-              </a:spcAft>
-              <a:buClrTx/>
-              <a:buSzTx/>
-              <a:buFontTx/>
-              <a:buNone/>
-              <a:defRPr sz="11200" b="0" i="0" u="none" strike="noStrike" cap="none" spc="0" baseline="0">
-                <a:solidFill>
-                  <a:srgbClr val="000000"/>
-                </a:solidFill>
-                <a:uFillTx/>
-                <a:latin typeface="Helvetica Light"/>
-                <a:ea typeface="Helvetica Light"/>
-                <a:cs typeface="Helvetica Light"/>
-                <a:sym typeface="Helvetica Light"/>
-              </a:defRPr>
-            </a:lvl6pPr>
-            <a:lvl7pPr marL="0" marR="0" indent="0" algn="ctr" defTabSz="825500" latinLnBrk="0">
-              <a:lnSpc>
-                <a:spcPct val="100000"/>
-              </a:lnSpc>
-              <a:spcBef>
-                <a:spcPts val="0"/>
-              </a:spcBef>
-              <a:spcAft>
-                <a:spcPts val="0"/>
-              </a:spcAft>
-              <a:buClrTx/>
-              <a:buSzTx/>
-              <a:buFontTx/>
-              <a:buNone/>
-              <a:defRPr sz="11200" b="0" i="0" u="none" strike="noStrike" cap="none" spc="0" baseline="0">
-                <a:solidFill>
-                  <a:srgbClr val="000000"/>
-                </a:solidFill>
-                <a:uFillTx/>
-                <a:latin typeface="Helvetica Light"/>
-                <a:ea typeface="Helvetica Light"/>
-                <a:cs typeface="Helvetica Light"/>
-                <a:sym typeface="Helvetica Light"/>
-              </a:defRPr>
-            </a:lvl7pPr>
-            <a:lvl8pPr marL="0" marR="0" indent="0" algn="ctr" defTabSz="825500" latinLnBrk="0">
-              <a:lnSpc>
-                <a:spcPct val="100000"/>
-              </a:lnSpc>
-              <a:spcBef>
-                <a:spcPts val="0"/>
-              </a:spcBef>
-              <a:spcAft>
-                <a:spcPts val="0"/>
-              </a:spcAft>
-              <a:buClrTx/>
-              <a:buSzTx/>
-              <a:buFontTx/>
-              <a:buNone/>
-              <a:defRPr sz="11200" b="0" i="0" u="none" strike="noStrike" cap="none" spc="0" baseline="0">
-                <a:solidFill>
-                  <a:srgbClr val="000000"/>
-                </a:solidFill>
-                <a:uFillTx/>
-                <a:latin typeface="Helvetica Light"/>
-                <a:ea typeface="Helvetica Light"/>
-                <a:cs typeface="Helvetica Light"/>
-                <a:sym typeface="Helvetica Light"/>
-              </a:defRPr>
-            </a:lvl8pPr>
-            <a:lvl9pPr marL="0" marR="0" indent="0" algn="ctr" defTabSz="825500" latinLnBrk="0">
-              <a:lnSpc>
-                <a:spcPct val="100000"/>
-              </a:lnSpc>
-              <a:spcBef>
-                <a:spcPts val="0"/>
-              </a:spcBef>
-              <a:spcAft>
-                <a:spcPts val="0"/>
-              </a:spcAft>
-              <a:buClrTx/>
-              <a:buSzTx/>
-              <a:buFontTx/>
-              <a:buNone/>
-              <a:defRPr sz="11200" b="0" i="0" u="none" strike="noStrike" cap="none" spc="0" baseline="0">
-                <a:solidFill>
-                  <a:srgbClr val="000000"/>
-                </a:solidFill>
-                <a:uFillTx/>
-                <a:latin typeface="Helvetica Light"/>
-                <a:ea typeface="Helvetica Light"/>
-                <a:cs typeface="Helvetica Light"/>
-                <a:sym typeface="Helvetica Light"/>
-              </a:defRPr>
-            </a:lvl9pPr>
-          </a:lstStyle>
-          <a:p>
-            <a:pPr marL="571500" indent="-571500">
-              <a:buFont typeface="Arial" panose="020B0604020202090204" pitchFamily="34" charset="0"/>
-              <a:buChar char="•"/>
-            </a:pPr>
-            <a:r>
-              <a:rPr kumimoji="1" lang="zh-CN" altLang="en-US" dirty="0" smtClean="0"/>
-              <a:t>第一章 </a:t>
-            </a:r>
-            <a:r>
-              <a:rPr kumimoji="1" lang="zh-CN" altLang="en-US" dirty="0"/>
-              <a:t>性能剖析</a:t>
-            </a:r>
-            <a:r>
-              <a:rPr kumimoji="1" lang="zh-CN" altLang="en-US" dirty="0" smtClean="0"/>
-              <a:t>工具</a:t>
-            </a:r>
-            <a:r>
-              <a:rPr kumimoji="1" lang="en-US" altLang="zh-CN" dirty="0" err="1" smtClean="0"/>
-              <a:t>PProf</a:t>
-            </a:r>
-            <a:r>
-              <a:rPr kumimoji="1" lang="zh-CN" altLang="en-US" dirty="0" smtClean="0"/>
-              <a:t>  </a:t>
-            </a:r>
-            <a:endParaRPr kumimoji="1" lang="en-US" altLang="zh-CN" dirty="0"/>
-          </a:p>
-        </p:txBody>
-      </p:sp>
-      <p:sp>
-        <p:nvSpPr>
-          <p:cNvPr id="6" name="Rectangle 1"/>
-          <p:cNvSpPr>
-            <a:spLocks noChangeArrowheads="1"/>
-          </p:cNvSpPr>
-          <p:nvPr/>
-        </p:nvSpPr>
-        <p:spPr bwMode="auto">
-          <a:xfrm>
-            <a:off x="0" y="0"/>
-            <a:ext cx="24384000" cy="0"/>
-          </a:xfrm>
-          <a:prstGeom prst="rect">
-            <a:avLst/>
-          </a:prstGeom>
-          <a:noFill/>
-          <a:ln>
-            <a:noFill/>
-          </a:ln>
-          <a:effectLst/>
-          <a:extLst>
-            <a:ext uri="{909E8E84-426E-40DD-AFC4-6F175D3DCCD1}">
-              <a14:hiddenFill xmlns:a14="http://schemas.microsoft.com/office/drawing/2010/main">
-                <a:solidFill>
-                  <a:schemeClr val="accent1"/>
-                </a:solidFill>
-              </a14:hiddenFill>
-            </a:ext>
-            <a:ext uri="{91240B29-F687-4F45-9708-019B960494DF}">
-              <a14:hiddenLine xmlns:a14="http://schemas.microsoft.com/office/drawing/2010/main" w="9525">
-                <a:solidFill>
-                  <a:schemeClr val="tx1"/>
-                </a:solidFill>
-                <a:miter lim="800000"/>
-                <a:headEnd/>
-                <a:tailEnd/>
-              </a14:hiddenLine>
-            </a:ext>
-            <a:ext uri="{AF507438-7753-43E0-B8FC-AC1667EBCBE1}">
-              <a14:hiddenEffects xmlns:a14="http://schemas.microsoft.com/office/drawing/2010/main">
-                <a:effectLst>
-                  <a:outerShdw dist="35921" dir="2700000" algn="ctr" rotWithShape="0">
-                    <a:schemeClr val="bg2"/>
-                  </a:outerShdw>
-                </a:effectLst>
-              </a14:hiddenEffects>
-            </a:ext>
-          </a:extLst>
-        </p:spPr>
-        <p:txBody>
-          <a:bodyPr vert="horz" wrap="none" lIns="91440" tIns="45720" rIns="91440" bIns="45720" numCol="1" anchor="ctr" anchorCtr="0" compatLnSpc="1">
-            <a:prstTxWarp prst="textNoShape">
-              <a:avLst/>
-            </a:prstTxWarp>
-            <a:spAutoFit/>
-          </a:bodyPr>
-          <a:lstStyle/>
-          <a:p>
-            <a:pPr marL="0" marR="0" lvl="0" indent="0" algn="l" defTabSz="914400" rtl="0" eaLnBrk="0" fontAlgn="base" latinLnBrk="0" hangingPunct="0">
-              <a:lnSpc>
-                <a:spcPct val="100000"/>
-              </a:lnSpc>
-              <a:spcBef>
-                <a:spcPct val="0"/>
-              </a:spcBef>
-              <a:spcAft>
-                <a:spcPct val="0"/>
-              </a:spcAft>
-              <a:buClrTx/>
-              <a:buSzTx/>
-              <a:buFontTx/>
-              <a:buNone/>
-              <a:tabLst/>
-            </a:pPr>
-            <a:r>
-              <a:rPr kumimoji="0" lang="zh-CN" altLang="zh-CN" sz="1200" b="0" i="0" u="none" strike="noStrike" cap="none" normalizeH="0" baseline="0" smtClean="0">
-                <a:ln>
-                  <a:noFill/>
-                </a:ln>
-                <a:solidFill>
-                  <a:srgbClr val="333333"/>
-                </a:solidFill>
-                <a:effectLst/>
-                <a:latin typeface="Open Sans" panose="020B0606030504020204" pitchFamily="34" charset="0"/>
-                <a:cs typeface="Open Sans" panose="020B0606030504020204" pitchFamily="34" charset="0"/>
-              </a:rPr>
-              <a:t>排查CPU占用过高问题</a:t>
-            </a:r>
-            <a:r>
-              <a:rPr kumimoji="0" lang="zh-CN" altLang="zh-CN" sz="1600" b="0" i="0" u="none" strike="noStrike" cap="none" normalizeH="0" baseline="0" smtClean="0">
-                <a:ln>
-                  <a:noFill/>
-                </a:ln>
-                <a:solidFill>
-                  <a:schemeClr val="tx1"/>
-                </a:solidFill>
-                <a:effectLst/>
-              </a:rPr>
-              <a:t> </a:t>
-            </a:r>
-            <a:endParaRPr kumimoji="0" lang="zh-CN" altLang="zh-CN" sz="1800" b="0" i="0" u="none" strike="noStrike" cap="none" normalizeH="0" baseline="0" smtClean="0">
-              <a:ln>
-                <a:noFill/>
-              </a:ln>
-              <a:solidFill>
-                <a:schemeClr val="tx1"/>
-              </a:solidFill>
-              <a:effectLst/>
-              <a:latin typeface="Arial" panose="020B0604020202020204" pitchFamily="34" charset="0"/>
-            </a:endParaRPr>
-          </a:p>
-        </p:txBody>
-      </p:sp>
-    </p:spTree>
-    <p:extLst>
-      <p:ext uri="{BB962C8B-B14F-4D97-AF65-F5344CB8AC3E}">
-        <p14:creationId xmlns:p14="http://schemas.microsoft.com/office/powerpoint/2010/main" val="504186630"/>
       </p:ext>
     </p:extLst>
   </p:cSld>

--- a/Go专题系列/性能分析和优化专题/性能分析和优化专题.pptx
+++ b/Go专题系列/性能分析和优化专题/性能分析和优化专题.pptx
@@ -5,10 +5,10 @@
     <p:sldMasterId id="2147483648" r:id="rId1"/>
   </p:sldMasterIdLst>
   <p:notesMasterIdLst>
-    <p:notesMasterId r:id="rId66"/>
+    <p:notesMasterId r:id="rId69"/>
   </p:notesMasterIdLst>
   <p:handoutMasterIdLst>
-    <p:handoutMasterId r:id="rId67"/>
+    <p:handoutMasterId r:id="rId70"/>
   </p:handoutMasterIdLst>
   <p:sldIdLst>
     <p:sldId id="256" r:id="rId2"/>
@@ -70,11 +70,14 @@
     <p:sldId id="480" r:id="rId58"/>
     <p:sldId id="481" r:id="rId59"/>
     <p:sldId id="434" r:id="rId60"/>
-    <p:sldId id="435" r:id="rId61"/>
-    <p:sldId id="436" r:id="rId62"/>
-    <p:sldId id="437" r:id="rId63"/>
-    <p:sldId id="438" r:id="rId64"/>
-    <p:sldId id="439" r:id="rId65"/>
+    <p:sldId id="484" r:id="rId61"/>
+    <p:sldId id="486" r:id="rId62"/>
+    <p:sldId id="485" r:id="rId63"/>
+    <p:sldId id="435" r:id="rId64"/>
+    <p:sldId id="436" r:id="rId65"/>
+    <p:sldId id="437" r:id="rId66"/>
+    <p:sldId id="438" r:id="rId67"/>
+    <p:sldId id="439" r:id="rId68"/>
   </p:sldIdLst>
   <p:sldSz cx="24384000" cy="13716000"/>
   <p:notesSz cx="6858000" cy="9144000"/>
@@ -368,7 +371,18 @@
   </p:defaultTextStyle>
   <p:extLst>
     <p:ext uri="{EFAFB233-063F-42B5-8137-9DF3F51BA10A}">
-      <p15:sldGuideLst xmlns:p15="http://schemas.microsoft.com/office/powerpoint/2012/main" xmlns=""/>
+      <p15:sldGuideLst xmlns:p15="http://schemas.microsoft.com/office/powerpoint/2012/main">
+        <p15:guide id="1" orient="horz" pos="4320">
+          <p15:clr>
+            <a:srgbClr val="A4A3A4"/>
+          </p15:clr>
+        </p15:guide>
+        <p15:guide id="2" pos="7680">
+          <p15:clr>
+            <a:srgbClr val="A4A3A4"/>
+          </p15:clr>
+        </p15:guide>
+      </p15:sldGuideLst>
     </p:ext>
   </p:extLst>
 </p:presentation>
@@ -456,7 +470,7 @@
           <a:p>
             <a:fld id="{0F9B84EA-7D68-4D60-9CB1-D50884785D1C}" type="datetimeFigureOut">
               <a:rPr lang="zh-CN" altLang="en-US" smtClean="0"/>
-              <a:t>2021/5/9</a:t>
+              <a:t>2021/5/12</a:t>
             </a:fld>
             <a:endParaRPr lang="zh-CN" altLang="en-US"/>
           </a:p>
@@ -3499,6 +3513,138 @@
 </p:notes>
 </file>
 
+<file path=ppt/notesSlides/notesSlide48.xml><?xml version="1.0" encoding="utf-8"?>
+<p:notes xmlns:a="http://schemas.openxmlformats.org/drawingml/2006/main" xmlns:r="http://schemas.openxmlformats.org/officeDocument/2006/relationships" xmlns:p="http://schemas.openxmlformats.org/presentationml/2006/main">
+  <p:cSld>
+    <p:spTree>
+      <p:nvGrpSpPr>
+        <p:cNvPr id="1" name=""/>
+        <p:cNvGrpSpPr/>
+        <p:nvPr/>
+      </p:nvGrpSpPr>
+      <p:grpSpPr>
+        <a:xfrm>
+          <a:off x="0" y="0"/>
+          <a:ext cx="0" cy="0"/>
+          <a:chOff x="0" y="0"/>
+          <a:chExt cx="0" cy="0"/>
+        </a:xfrm>
+      </p:grpSpPr>
+      <p:sp>
+        <p:nvSpPr>
+          <p:cNvPr id="2" name="幻灯片图像占位符 1"/>
+          <p:cNvSpPr>
+            <a:spLocks noGrp="1" noRot="1" noChangeAspect="1"/>
+          </p:cNvSpPr>
+          <p:nvPr>
+            <p:ph type="sldImg"/>
+          </p:nvPr>
+        </p:nvSpPr>
+        <p:spPr>
+          <a:xfrm>
+            <a:off x="381000" y="685800"/>
+            <a:ext cx="6096000" cy="3429000"/>
+          </a:xfrm>
+        </p:spPr>
+      </p:sp>
+      <p:sp>
+        <p:nvSpPr>
+          <p:cNvPr id="3" name="文本占位符 2"/>
+          <p:cNvSpPr>
+            <a:spLocks noGrp="1"/>
+          </p:cNvSpPr>
+          <p:nvPr>
+            <p:ph type="body" idx="1"/>
+          </p:nvPr>
+        </p:nvSpPr>
+        <p:spPr/>
+        <p:txBody>
+          <a:bodyPr/>
+          <a:lstStyle/>
+          <a:p>
+            <a:endParaRPr lang="zh-CN" altLang="en-US"/>
+          </a:p>
+        </p:txBody>
+      </p:sp>
+    </p:spTree>
+    <p:extLst>
+      <p:ext uri="{BB962C8B-B14F-4D97-AF65-F5344CB8AC3E}">
+        <p14:creationId xmlns:p14="http://schemas.microsoft.com/office/powerpoint/2010/main" val="2537947039"/>
+      </p:ext>
+    </p:extLst>
+  </p:cSld>
+  <p:clrMapOvr>
+    <a:masterClrMapping/>
+  </p:clrMapOvr>
+</p:notes>
+</file>
+
+<file path=ppt/notesSlides/notesSlide49.xml><?xml version="1.0" encoding="utf-8"?>
+<p:notes xmlns:a="http://schemas.openxmlformats.org/drawingml/2006/main" xmlns:r="http://schemas.openxmlformats.org/officeDocument/2006/relationships" xmlns:p="http://schemas.openxmlformats.org/presentationml/2006/main">
+  <p:cSld>
+    <p:spTree>
+      <p:nvGrpSpPr>
+        <p:cNvPr id="1" name=""/>
+        <p:cNvGrpSpPr/>
+        <p:nvPr/>
+      </p:nvGrpSpPr>
+      <p:grpSpPr>
+        <a:xfrm>
+          <a:off x="0" y="0"/>
+          <a:ext cx="0" cy="0"/>
+          <a:chOff x="0" y="0"/>
+          <a:chExt cx="0" cy="0"/>
+        </a:xfrm>
+      </p:grpSpPr>
+      <p:sp>
+        <p:nvSpPr>
+          <p:cNvPr id="2" name="幻灯片图像占位符 1"/>
+          <p:cNvSpPr>
+            <a:spLocks noGrp="1" noRot="1" noChangeAspect="1"/>
+          </p:cNvSpPr>
+          <p:nvPr>
+            <p:ph type="sldImg"/>
+          </p:nvPr>
+        </p:nvSpPr>
+        <p:spPr>
+          <a:xfrm>
+            <a:off x="381000" y="685800"/>
+            <a:ext cx="6096000" cy="3429000"/>
+          </a:xfrm>
+        </p:spPr>
+      </p:sp>
+      <p:sp>
+        <p:nvSpPr>
+          <p:cNvPr id="3" name="文本占位符 2"/>
+          <p:cNvSpPr>
+            <a:spLocks noGrp="1"/>
+          </p:cNvSpPr>
+          <p:nvPr>
+            <p:ph type="body" idx="1"/>
+          </p:nvPr>
+        </p:nvSpPr>
+        <p:spPr/>
+        <p:txBody>
+          <a:bodyPr/>
+          <a:lstStyle/>
+          <a:p>
+            <a:endParaRPr lang="zh-CN" altLang="en-US"/>
+          </a:p>
+        </p:txBody>
+      </p:sp>
+    </p:spTree>
+    <p:extLst>
+      <p:ext uri="{BB962C8B-B14F-4D97-AF65-F5344CB8AC3E}">
+        <p14:creationId xmlns:p14="http://schemas.microsoft.com/office/powerpoint/2010/main" val="1840049006"/>
+      </p:ext>
+    </p:extLst>
+  </p:cSld>
+  <p:clrMapOvr>
+    <a:masterClrMapping/>
+  </p:clrMapOvr>
+</p:notes>
+</file>
+
 <file path=ppt/notesSlides/notesSlide5.xml><?xml version="1.0" encoding="utf-8"?>
 <p:notes xmlns:a="http://schemas.openxmlformats.org/drawingml/2006/main" xmlns:r="http://schemas.openxmlformats.org/officeDocument/2006/relationships" xmlns:p="http://schemas.openxmlformats.org/presentationml/2006/main">
   <p:cSld>
@@ -3556,6 +3702,72 @@
     <p:extLst>
       <p:ext uri="{BB962C8B-B14F-4D97-AF65-F5344CB8AC3E}">
         <p14:creationId xmlns:p14="http://schemas.microsoft.com/office/powerpoint/2010/main" val="2895031714"/>
+      </p:ext>
+    </p:extLst>
+  </p:cSld>
+  <p:clrMapOvr>
+    <a:masterClrMapping/>
+  </p:clrMapOvr>
+</p:notes>
+</file>
+
+<file path=ppt/notesSlides/notesSlide50.xml><?xml version="1.0" encoding="utf-8"?>
+<p:notes xmlns:a="http://schemas.openxmlformats.org/drawingml/2006/main" xmlns:r="http://schemas.openxmlformats.org/officeDocument/2006/relationships" xmlns:p="http://schemas.openxmlformats.org/presentationml/2006/main">
+  <p:cSld>
+    <p:spTree>
+      <p:nvGrpSpPr>
+        <p:cNvPr id="1" name=""/>
+        <p:cNvGrpSpPr/>
+        <p:nvPr/>
+      </p:nvGrpSpPr>
+      <p:grpSpPr>
+        <a:xfrm>
+          <a:off x="0" y="0"/>
+          <a:ext cx="0" cy="0"/>
+          <a:chOff x="0" y="0"/>
+          <a:chExt cx="0" cy="0"/>
+        </a:xfrm>
+      </p:grpSpPr>
+      <p:sp>
+        <p:nvSpPr>
+          <p:cNvPr id="2" name="幻灯片图像占位符 1"/>
+          <p:cNvSpPr>
+            <a:spLocks noGrp="1" noRot="1" noChangeAspect="1"/>
+          </p:cNvSpPr>
+          <p:nvPr>
+            <p:ph type="sldImg"/>
+          </p:nvPr>
+        </p:nvSpPr>
+        <p:spPr>
+          <a:xfrm>
+            <a:off x="381000" y="685800"/>
+            <a:ext cx="6096000" cy="3429000"/>
+          </a:xfrm>
+        </p:spPr>
+      </p:sp>
+      <p:sp>
+        <p:nvSpPr>
+          <p:cNvPr id="3" name="文本占位符 2"/>
+          <p:cNvSpPr>
+            <a:spLocks noGrp="1"/>
+          </p:cNvSpPr>
+          <p:nvPr>
+            <p:ph type="body" idx="1"/>
+          </p:nvPr>
+        </p:nvSpPr>
+        <p:spPr/>
+        <p:txBody>
+          <a:bodyPr/>
+          <a:lstStyle/>
+          <a:p>
+            <a:endParaRPr lang="zh-CN" altLang="en-US"/>
+          </a:p>
+        </p:txBody>
+      </p:sp>
+    </p:spTree>
+    <p:extLst>
+      <p:ext uri="{BB962C8B-B14F-4D97-AF65-F5344CB8AC3E}">
+        <p14:creationId xmlns:p14="http://schemas.microsoft.com/office/powerpoint/2010/main" val="800055954"/>
       </p:ext>
     </p:extLst>
   </p:cSld>
@@ -5568,7 +5780,15 @@
           <a:p>
             <a:r>
               <a:rPr kumimoji="1" lang="zh-CN" altLang="en-US" dirty="0" smtClean="0"/>
-              <a:t>如何做好性</a:t>
+              <a:t>手把手教你</a:t>
+            </a:r>
+            <a:r>
+              <a:rPr kumimoji="1" lang="zh-CN" altLang="en-US" dirty="0" smtClean="0"/>
+              <a:t>如何</a:t>
+            </a:r>
+            <a:r>
+              <a:rPr kumimoji="1" lang="zh-CN" altLang="en-US" dirty="0" smtClean="0"/>
+              <a:t>做好性</a:t>
             </a:r>
             <a:r>
               <a:rPr kumimoji="1" lang="zh-CN" altLang="en-US" dirty="0"/>
@@ -5576,11 +5796,7 @@
             </a:r>
             <a:r>
               <a:rPr kumimoji="1" lang="zh-CN" altLang="en-US" dirty="0" smtClean="0"/>
-              <a:t>和优</a:t>
-            </a:r>
-            <a:r>
-              <a:rPr kumimoji="1" lang="zh-CN" altLang="en-US" dirty="0" smtClean="0"/>
-              <a:t>化专题</a:t>
+              <a:t>和优化专题</a:t>
             </a:r>
             <a:endParaRPr kumimoji="1" lang="en-US" altLang="zh-CN" dirty="0"/>
           </a:p>
@@ -18487,18 +18703,7 @@
                 <a:ea typeface="Alibaba PuHuiTi R" panose="00020600040101010101" pitchFamily="18" charset="-122"/>
                 <a:cs typeface="Alibaba PuHuiTi R" panose="00020600040101010101" pitchFamily="18" charset="-122"/>
               </a:rPr>
-              <a:t>拥</a:t>
-            </a:r>
-            <a:r>
-              <a:rPr kumimoji="1" lang="zh-CN" altLang="en-US" sz="4000" b="0" dirty="0" smtClean="0">
-                <a:solidFill>
-                  <a:srgbClr val="FFFFFF"/>
-                </a:solidFill>
-                <a:latin typeface="Helvetica" pitchFamily="2" charset="0"/>
-                <a:ea typeface="Alibaba PuHuiTi R" panose="00020600040101010101" pitchFamily="18" charset="-122"/>
-                <a:cs typeface="Alibaba PuHuiTi R" panose="00020600040101010101" pitchFamily="18" charset="-122"/>
-              </a:rPr>
-              <a:t>有</a:t>
+              <a:t>拥有</a:t>
             </a:r>
             <a:r>
               <a:rPr kumimoji="1" lang="zh-CN" altLang="en-US" sz="4000" b="0" dirty="0">
@@ -21616,54 +21821,24 @@
       </p:grpSpPr>
       <p:sp>
         <p:nvSpPr>
-          <p:cNvPr id="2" name="文本占位符 1"/>
+          <p:cNvPr id="6" name="标题 5"/>
           <p:cNvSpPr>
             <a:spLocks noGrp="1"/>
           </p:cNvSpPr>
           <p:nvPr>
-            <p:ph type="body" sz="quarter" idx="13"/>
+            <p:ph type="title"/>
           </p:nvPr>
         </p:nvSpPr>
-        <p:spPr>
-          <a:xfrm>
-            <a:off x="2444750" y="7675880"/>
-            <a:ext cx="5928995" cy="1163320"/>
-          </a:xfrm>
-        </p:spPr>
+        <p:spPr/>
         <p:txBody>
-          <a:bodyPr wrap="square"/>
+          <a:bodyPr>
+            <a:noAutofit/>
+          </a:bodyPr>
           <a:lstStyle/>
           <a:p>
             <a:r>
-              <a:rPr kumimoji="1" lang="zh-CN" altLang="en-US" dirty="0"/>
-              <a:t>闯哥</a:t>
-            </a:r>
-          </a:p>
-        </p:txBody>
-      </p:sp>
-      <p:sp>
-        <p:nvSpPr>
-          <p:cNvPr id="4" name="文本占位符 3"/>
-          <p:cNvSpPr>
-            <a:spLocks noGrp="1"/>
-          </p:cNvSpPr>
-          <p:nvPr>
-            <p:ph type="body" sz="quarter" idx="15"/>
-          </p:nvPr>
-        </p:nvSpPr>
-        <p:spPr>
-          <a:xfrm>
-            <a:off x="2444750" y="4987012"/>
-            <a:ext cx="19143345" cy="1210588"/>
-          </a:xfrm>
-        </p:spPr>
-        <p:txBody>
-          <a:bodyPr wrap="square"/>
-          <a:lstStyle/>
-          <a:p>
-            <a:r>
               <a:rPr kumimoji="1" lang="en-US" altLang="zh-CN" dirty="0" smtClean="0"/>
-              <a:t>1.10 </a:t>
+              <a:t>1.9 </a:t>
             </a:r>
             <a:r>
               <a:rPr kumimoji="1" lang="zh-CN" altLang="en-US" dirty="0" smtClean="0"/>
@@ -21671,8 +21846,47 @@
             </a:r>
             <a:r>
               <a:rPr kumimoji="1" lang="zh-CN" altLang="en-US" dirty="0"/>
-              <a:t>查协程泄漏问题</a:t>
-            </a:r>
+              <a:t>查频繁</a:t>
+            </a:r>
+            <a:r>
+              <a:rPr kumimoji="1" lang="en-US" altLang="zh-CN" dirty="0"/>
+              <a:t>GC</a:t>
+            </a:r>
+            <a:r>
+              <a:rPr kumimoji="1" lang="zh-CN" altLang="en-US" dirty="0"/>
+              <a:t>问题</a:t>
+            </a:r>
+            <a:br>
+              <a:rPr kumimoji="1" lang="zh-CN" altLang="en-US" dirty="0"/>
+            </a:br>
+            <a:r>
+              <a:rPr kumimoji="1" lang="zh-CN" altLang="en-US" dirty="0"/>
+              <a:t/>
+            </a:r>
+            <a:br>
+              <a:rPr kumimoji="1" lang="zh-CN" altLang="en-US" dirty="0"/>
+            </a:br>
+            <a:r>
+              <a:rPr kumimoji="1" lang="en-US" altLang="zh-CN" dirty="0"/>
+              <a:t/>
+            </a:r>
+            <a:br>
+              <a:rPr kumimoji="1" lang="en-US" altLang="zh-CN" dirty="0"/>
+            </a:br>
+            <a:r>
+              <a:rPr kumimoji="1" lang="zh-CN" altLang="en-US" dirty="0"/>
+              <a:t/>
+            </a:r>
+            <a:br>
+              <a:rPr kumimoji="1" lang="zh-CN" altLang="en-US" dirty="0"/>
+            </a:br>
+            <a:r>
+              <a:rPr kumimoji="1" lang="zh-CN" altLang="en-US" dirty="0"/>
+              <a:t/>
+            </a:r>
+            <a:br>
+              <a:rPr kumimoji="1" lang="zh-CN" altLang="en-US" dirty="0"/>
+            </a:br>
             <a:endParaRPr kumimoji="1" lang="en-US" altLang="zh-CN" dirty="0"/>
           </a:p>
         </p:txBody>
@@ -21680,7 +21894,7 @@
     </p:spTree>
     <p:extLst>
       <p:ext uri="{BB962C8B-B14F-4D97-AF65-F5344CB8AC3E}">
-        <p14:creationId xmlns:p14="http://schemas.microsoft.com/office/powerpoint/2010/main" val="2362445396"/>
+        <p14:creationId xmlns:p14="http://schemas.microsoft.com/office/powerpoint/2010/main" val="1378991501"/>
       </p:ext>
     </p:extLst>
   </p:cSld>
@@ -21688,6 +21902,13 @@
     <a:masterClrMapping/>
   </p:clrMapOvr>
   <p:transition spd="med"/>
+  <p:timing>
+    <p:tnLst>
+      <p:par>
+        <p:cTn id="1" dur="indefinite" restart="never" nodeType="tmRoot"/>
+      </p:par>
+    </p:tnLst>
+  </p:timing>
 </p:sld>
 </file>
 
@@ -21710,54 +21931,24 @@
       </p:grpSpPr>
       <p:sp>
         <p:nvSpPr>
-          <p:cNvPr id="2" name="文本占位符 1"/>
+          <p:cNvPr id="6" name="标题 5"/>
           <p:cNvSpPr>
             <a:spLocks noGrp="1"/>
           </p:cNvSpPr>
           <p:nvPr>
-            <p:ph type="body" sz="quarter" idx="13"/>
+            <p:ph type="title"/>
           </p:nvPr>
         </p:nvSpPr>
-        <p:spPr>
-          <a:xfrm>
-            <a:off x="2444750" y="7675880"/>
-            <a:ext cx="5928995" cy="1163320"/>
-          </a:xfrm>
-        </p:spPr>
+        <p:spPr/>
         <p:txBody>
-          <a:bodyPr wrap="square"/>
+          <a:bodyPr>
+            <a:noAutofit/>
+          </a:bodyPr>
           <a:lstStyle/>
           <a:p>
             <a:r>
-              <a:rPr kumimoji="1" lang="zh-CN" altLang="en-US" dirty="0"/>
-              <a:t>闯哥</a:t>
-            </a:r>
-          </a:p>
-        </p:txBody>
-      </p:sp>
-      <p:sp>
-        <p:nvSpPr>
-          <p:cNvPr id="4" name="文本占位符 3"/>
-          <p:cNvSpPr>
-            <a:spLocks noGrp="1"/>
-          </p:cNvSpPr>
-          <p:nvPr>
-            <p:ph type="body" sz="quarter" idx="15"/>
-          </p:nvPr>
-        </p:nvSpPr>
-        <p:spPr>
-          <a:xfrm>
-            <a:off x="2444750" y="4987012"/>
-            <a:ext cx="19143345" cy="1210588"/>
-          </a:xfrm>
-        </p:spPr>
-        <p:txBody>
-          <a:bodyPr wrap="square"/>
-          <a:lstStyle/>
-          <a:p>
-            <a:r>
               <a:rPr kumimoji="1" lang="en-US" altLang="zh-CN" dirty="0" smtClean="0"/>
-              <a:t>1.11 </a:t>
+              <a:t>1.9 </a:t>
             </a:r>
             <a:r>
               <a:rPr kumimoji="1" lang="zh-CN" altLang="en-US" dirty="0" smtClean="0"/>
@@ -21765,8 +21956,47 @@
             </a:r>
             <a:r>
               <a:rPr kumimoji="1" lang="zh-CN" altLang="en-US" dirty="0"/>
-              <a:t>查锁竞争问题</a:t>
-            </a:r>
+              <a:t>查频繁</a:t>
+            </a:r>
+            <a:r>
+              <a:rPr kumimoji="1" lang="en-US" altLang="zh-CN" dirty="0"/>
+              <a:t>GC</a:t>
+            </a:r>
+            <a:r>
+              <a:rPr kumimoji="1" lang="zh-CN" altLang="en-US" dirty="0"/>
+              <a:t>问题</a:t>
+            </a:r>
+            <a:br>
+              <a:rPr kumimoji="1" lang="zh-CN" altLang="en-US" dirty="0"/>
+            </a:br>
+            <a:r>
+              <a:rPr kumimoji="1" lang="zh-CN" altLang="en-US" dirty="0"/>
+              <a:t/>
+            </a:r>
+            <a:br>
+              <a:rPr kumimoji="1" lang="zh-CN" altLang="en-US" dirty="0"/>
+            </a:br>
+            <a:r>
+              <a:rPr kumimoji="1" lang="en-US" altLang="zh-CN" dirty="0"/>
+              <a:t/>
+            </a:r>
+            <a:br>
+              <a:rPr kumimoji="1" lang="en-US" altLang="zh-CN" dirty="0"/>
+            </a:br>
+            <a:r>
+              <a:rPr kumimoji="1" lang="zh-CN" altLang="en-US" dirty="0"/>
+              <a:t/>
+            </a:r>
+            <a:br>
+              <a:rPr kumimoji="1" lang="zh-CN" altLang="en-US" dirty="0"/>
+            </a:br>
+            <a:r>
+              <a:rPr kumimoji="1" lang="zh-CN" altLang="en-US" dirty="0"/>
+              <a:t/>
+            </a:r>
+            <a:br>
+              <a:rPr kumimoji="1" lang="zh-CN" altLang="en-US" dirty="0"/>
+            </a:br>
             <a:endParaRPr kumimoji="1" lang="en-US" altLang="zh-CN" dirty="0"/>
           </a:p>
         </p:txBody>
@@ -21774,7 +22004,7 @@
     </p:spTree>
     <p:extLst>
       <p:ext uri="{BB962C8B-B14F-4D97-AF65-F5344CB8AC3E}">
-        <p14:creationId xmlns:p14="http://schemas.microsoft.com/office/powerpoint/2010/main" val="3591334192"/>
+        <p14:creationId xmlns:p14="http://schemas.microsoft.com/office/powerpoint/2010/main" val="3287071044"/>
       </p:ext>
     </p:extLst>
   </p:cSld>
@@ -21782,6 +22012,13 @@
     <a:masterClrMapping/>
   </p:clrMapOvr>
   <p:transition spd="med"/>
+  <p:timing>
+    <p:tnLst>
+      <p:par>
+        <p:cTn id="1" dur="indefinite" restart="never" nodeType="tmRoot"/>
+      </p:par>
+    </p:tnLst>
+  </p:timing>
 </p:sld>
 </file>
 
@@ -21804,54 +22041,24 @@
       </p:grpSpPr>
       <p:sp>
         <p:nvSpPr>
-          <p:cNvPr id="2" name="文本占位符 1"/>
+          <p:cNvPr id="6" name="标题 5"/>
           <p:cNvSpPr>
             <a:spLocks noGrp="1"/>
           </p:cNvSpPr>
           <p:nvPr>
-            <p:ph type="body" sz="quarter" idx="13"/>
+            <p:ph type="title"/>
           </p:nvPr>
         </p:nvSpPr>
-        <p:spPr>
-          <a:xfrm>
-            <a:off x="2444750" y="7675880"/>
-            <a:ext cx="5928995" cy="1163320"/>
-          </a:xfrm>
-        </p:spPr>
+        <p:spPr/>
         <p:txBody>
-          <a:bodyPr wrap="square"/>
+          <a:bodyPr>
+            <a:noAutofit/>
+          </a:bodyPr>
           <a:lstStyle/>
           <a:p>
             <a:r>
-              <a:rPr kumimoji="1" lang="zh-CN" altLang="en-US" dirty="0"/>
-              <a:t>闯哥</a:t>
-            </a:r>
-          </a:p>
-        </p:txBody>
-      </p:sp>
-      <p:sp>
-        <p:nvSpPr>
-          <p:cNvPr id="4" name="文本占位符 3"/>
-          <p:cNvSpPr>
-            <a:spLocks noGrp="1"/>
-          </p:cNvSpPr>
-          <p:nvPr>
-            <p:ph type="body" sz="quarter" idx="15"/>
-          </p:nvPr>
-        </p:nvSpPr>
-        <p:spPr>
-          <a:xfrm>
-            <a:off x="2444750" y="4987012"/>
-            <a:ext cx="19143345" cy="1210588"/>
-          </a:xfrm>
-        </p:spPr>
-        <p:txBody>
-          <a:bodyPr wrap="square"/>
-          <a:lstStyle/>
-          <a:p>
-            <a:r>
               <a:rPr kumimoji="1" lang="en-US" altLang="zh-CN" dirty="0" smtClean="0"/>
-              <a:t>1.12 </a:t>
+              <a:t>1.9 </a:t>
             </a:r>
             <a:r>
               <a:rPr kumimoji="1" lang="zh-CN" altLang="en-US" dirty="0" smtClean="0"/>
@@ -21859,8 +22066,47 @@
             </a:r>
             <a:r>
               <a:rPr kumimoji="1" lang="zh-CN" altLang="en-US" dirty="0"/>
-              <a:t>查阻塞问题</a:t>
-            </a:r>
+              <a:t>查频繁</a:t>
+            </a:r>
+            <a:r>
+              <a:rPr kumimoji="1" lang="en-US" altLang="zh-CN" dirty="0"/>
+              <a:t>GC</a:t>
+            </a:r>
+            <a:r>
+              <a:rPr kumimoji="1" lang="zh-CN" altLang="en-US" dirty="0"/>
+              <a:t>问题</a:t>
+            </a:r>
+            <a:br>
+              <a:rPr kumimoji="1" lang="zh-CN" altLang="en-US" dirty="0"/>
+            </a:br>
+            <a:r>
+              <a:rPr kumimoji="1" lang="zh-CN" altLang="en-US" dirty="0"/>
+              <a:t/>
+            </a:r>
+            <a:br>
+              <a:rPr kumimoji="1" lang="zh-CN" altLang="en-US" dirty="0"/>
+            </a:br>
+            <a:r>
+              <a:rPr kumimoji="1" lang="en-US" altLang="zh-CN" dirty="0"/>
+              <a:t/>
+            </a:r>
+            <a:br>
+              <a:rPr kumimoji="1" lang="en-US" altLang="zh-CN" dirty="0"/>
+            </a:br>
+            <a:r>
+              <a:rPr kumimoji="1" lang="zh-CN" altLang="en-US" dirty="0"/>
+              <a:t/>
+            </a:r>
+            <a:br>
+              <a:rPr kumimoji="1" lang="zh-CN" altLang="en-US" dirty="0"/>
+            </a:br>
+            <a:r>
+              <a:rPr kumimoji="1" lang="zh-CN" altLang="en-US" dirty="0"/>
+              <a:t/>
+            </a:r>
+            <a:br>
+              <a:rPr kumimoji="1" lang="zh-CN" altLang="en-US" dirty="0"/>
+            </a:br>
             <a:endParaRPr kumimoji="1" lang="en-US" altLang="zh-CN" dirty="0"/>
           </a:p>
         </p:txBody>
@@ -21868,7 +22114,7 @@
     </p:spTree>
     <p:extLst>
       <p:ext uri="{BB962C8B-B14F-4D97-AF65-F5344CB8AC3E}">
-        <p14:creationId xmlns:p14="http://schemas.microsoft.com/office/powerpoint/2010/main" val="2865345634"/>
+        <p14:creationId xmlns:p14="http://schemas.microsoft.com/office/powerpoint/2010/main" val="791613266"/>
       </p:ext>
     </p:extLst>
   </p:cSld>
@@ -21876,6 +22122,13 @@
     <a:masterClrMapping/>
   </p:clrMapOvr>
   <p:transition spd="med"/>
+  <p:timing>
+    <p:tnLst>
+      <p:par>
+        <p:cTn id="1" dur="indefinite" restart="never" nodeType="tmRoot"/>
+      </p:par>
+    </p:tnLst>
+  </p:timing>
 </p:sld>
 </file>
 
@@ -21945,6 +22198,288 @@
           <a:p>
             <a:r>
               <a:rPr kumimoji="1" lang="en-US" altLang="zh-CN" dirty="0" smtClean="0"/>
+              <a:t>1.10 </a:t>
+            </a:r>
+            <a:r>
+              <a:rPr kumimoji="1" lang="zh-CN" altLang="en-US" dirty="0" smtClean="0"/>
+              <a:t>排</a:t>
+            </a:r>
+            <a:r>
+              <a:rPr kumimoji="1" lang="zh-CN" altLang="en-US" dirty="0"/>
+              <a:t>查协程泄漏问题</a:t>
+            </a:r>
+            <a:endParaRPr kumimoji="1" lang="en-US" altLang="zh-CN" dirty="0"/>
+          </a:p>
+        </p:txBody>
+      </p:sp>
+    </p:spTree>
+    <p:extLst>
+      <p:ext uri="{BB962C8B-B14F-4D97-AF65-F5344CB8AC3E}">
+        <p14:creationId xmlns:p14="http://schemas.microsoft.com/office/powerpoint/2010/main" val="2362445396"/>
+      </p:ext>
+    </p:extLst>
+  </p:cSld>
+  <p:clrMapOvr>
+    <a:masterClrMapping/>
+  </p:clrMapOvr>
+  <p:transition spd="med"/>
+</p:sld>
+</file>
+
+<file path=ppt/slides/slide64.xml><?xml version="1.0" encoding="utf-8"?>
+<p:sld xmlns:a="http://schemas.openxmlformats.org/drawingml/2006/main" xmlns:r="http://schemas.openxmlformats.org/officeDocument/2006/relationships" xmlns:p="http://schemas.openxmlformats.org/presentationml/2006/main">
+  <p:cSld>
+    <p:spTree>
+      <p:nvGrpSpPr>
+        <p:cNvPr id="1" name=""/>
+        <p:cNvGrpSpPr/>
+        <p:nvPr/>
+      </p:nvGrpSpPr>
+      <p:grpSpPr>
+        <a:xfrm>
+          <a:off x="0" y="0"/>
+          <a:ext cx="0" cy="0"/>
+          <a:chOff x="0" y="0"/>
+          <a:chExt cx="0" cy="0"/>
+        </a:xfrm>
+      </p:grpSpPr>
+      <p:sp>
+        <p:nvSpPr>
+          <p:cNvPr id="2" name="文本占位符 1"/>
+          <p:cNvSpPr>
+            <a:spLocks noGrp="1"/>
+          </p:cNvSpPr>
+          <p:nvPr>
+            <p:ph type="body" sz="quarter" idx="13"/>
+          </p:nvPr>
+        </p:nvSpPr>
+        <p:spPr>
+          <a:xfrm>
+            <a:off x="2444750" y="7675880"/>
+            <a:ext cx="5928995" cy="1163320"/>
+          </a:xfrm>
+        </p:spPr>
+        <p:txBody>
+          <a:bodyPr wrap="square"/>
+          <a:lstStyle/>
+          <a:p>
+            <a:r>
+              <a:rPr kumimoji="1" lang="zh-CN" altLang="en-US" dirty="0"/>
+              <a:t>闯哥</a:t>
+            </a:r>
+          </a:p>
+        </p:txBody>
+      </p:sp>
+      <p:sp>
+        <p:nvSpPr>
+          <p:cNvPr id="4" name="文本占位符 3"/>
+          <p:cNvSpPr>
+            <a:spLocks noGrp="1"/>
+          </p:cNvSpPr>
+          <p:nvPr>
+            <p:ph type="body" sz="quarter" idx="15"/>
+          </p:nvPr>
+        </p:nvSpPr>
+        <p:spPr>
+          <a:xfrm>
+            <a:off x="2444750" y="4987012"/>
+            <a:ext cx="19143345" cy="1210588"/>
+          </a:xfrm>
+        </p:spPr>
+        <p:txBody>
+          <a:bodyPr wrap="square"/>
+          <a:lstStyle/>
+          <a:p>
+            <a:r>
+              <a:rPr kumimoji="1" lang="en-US" altLang="zh-CN" dirty="0" smtClean="0"/>
+              <a:t>1.11 </a:t>
+            </a:r>
+            <a:r>
+              <a:rPr kumimoji="1" lang="zh-CN" altLang="en-US" dirty="0" smtClean="0"/>
+              <a:t>排</a:t>
+            </a:r>
+            <a:r>
+              <a:rPr kumimoji="1" lang="zh-CN" altLang="en-US" dirty="0"/>
+              <a:t>查锁竞争问题</a:t>
+            </a:r>
+            <a:endParaRPr kumimoji="1" lang="en-US" altLang="zh-CN" dirty="0"/>
+          </a:p>
+        </p:txBody>
+      </p:sp>
+    </p:spTree>
+    <p:extLst>
+      <p:ext uri="{BB962C8B-B14F-4D97-AF65-F5344CB8AC3E}">
+        <p14:creationId xmlns:p14="http://schemas.microsoft.com/office/powerpoint/2010/main" val="3591334192"/>
+      </p:ext>
+    </p:extLst>
+  </p:cSld>
+  <p:clrMapOvr>
+    <a:masterClrMapping/>
+  </p:clrMapOvr>
+  <p:transition spd="med"/>
+</p:sld>
+</file>
+
+<file path=ppt/slides/slide65.xml><?xml version="1.0" encoding="utf-8"?>
+<p:sld xmlns:a="http://schemas.openxmlformats.org/drawingml/2006/main" xmlns:r="http://schemas.openxmlformats.org/officeDocument/2006/relationships" xmlns:p="http://schemas.openxmlformats.org/presentationml/2006/main">
+  <p:cSld>
+    <p:spTree>
+      <p:nvGrpSpPr>
+        <p:cNvPr id="1" name=""/>
+        <p:cNvGrpSpPr/>
+        <p:nvPr/>
+      </p:nvGrpSpPr>
+      <p:grpSpPr>
+        <a:xfrm>
+          <a:off x="0" y="0"/>
+          <a:ext cx="0" cy="0"/>
+          <a:chOff x="0" y="0"/>
+          <a:chExt cx="0" cy="0"/>
+        </a:xfrm>
+      </p:grpSpPr>
+      <p:sp>
+        <p:nvSpPr>
+          <p:cNvPr id="2" name="文本占位符 1"/>
+          <p:cNvSpPr>
+            <a:spLocks noGrp="1"/>
+          </p:cNvSpPr>
+          <p:nvPr>
+            <p:ph type="body" sz="quarter" idx="13"/>
+          </p:nvPr>
+        </p:nvSpPr>
+        <p:spPr>
+          <a:xfrm>
+            <a:off x="2444750" y="7675880"/>
+            <a:ext cx="5928995" cy="1163320"/>
+          </a:xfrm>
+        </p:spPr>
+        <p:txBody>
+          <a:bodyPr wrap="square"/>
+          <a:lstStyle/>
+          <a:p>
+            <a:r>
+              <a:rPr kumimoji="1" lang="zh-CN" altLang="en-US" dirty="0"/>
+              <a:t>闯哥</a:t>
+            </a:r>
+          </a:p>
+        </p:txBody>
+      </p:sp>
+      <p:sp>
+        <p:nvSpPr>
+          <p:cNvPr id="4" name="文本占位符 3"/>
+          <p:cNvSpPr>
+            <a:spLocks noGrp="1"/>
+          </p:cNvSpPr>
+          <p:nvPr>
+            <p:ph type="body" sz="quarter" idx="15"/>
+          </p:nvPr>
+        </p:nvSpPr>
+        <p:spPr>
+          <a:xfrm>
+            <a:off x="2444750" y="4987012"/>
+            <a:ext cx="19143345" cy="1210588"/>
+          </a:xfrm>
+        </p:spPr>
+        <p:txBody>
+          <a:bodyPr wrap="square"/>
+          <a:lstStyle/>
+          <a:p>
+            <a:r>
+              <a:rPr kumimoji="1" lang="en-US" altLang="zh-CN" dirty="0" smtClean="0"/>
+              <a:t>1.12 </a:t>
+            </a:r>
+            <a:r>
+              <a:rPr kumimoji="1" lang="zh-CN" altLang="en-US" dirty="0" smtClean="0"/>
+              <a:t>排</a:t>
+            </a:r>
+            <a:r>
+              <a:rPr kumimoji="1" lang="zh-CN" altLang="en-US" dirty="0"/>
+              <a:t>查阻塞问题</a:t>
+            </a:r>
+            <a:endParaRPr kumimoji="1" lang="en-US" altLang="zh-CN" dirty="0"/>
+          </a:p>
+        </p:txBody>
+      </p:sp>
+    </p:spTree>
+    <p:extLst>
+      <p:ext uri="{BB962C8B-B14F-4D97-AF65-F5344CB8AC3E}">
+        <p14:creationId xmlns:p14="http://schemas.microsoft.com/office/powerpoint/2010/main" val="2865345634"/>
+      </p:ext>
+    </p:extLst>
+  </p:cSld>
+  <p:clrMapOvr>
+    <a:masterClrMapping/>
+  </p:clrMapOvr>
+  <p:transition spd="med"/>
+</p:sld>
+</file>
+
+<file path=ppt/slides/slide66.xml><?xml version="1.0" encoding="utf-8"?>
+<p:sld xmlns:a="http://schemas.openxmlformats.org/drawingml/2006/main" xmlns:r="http://schemas.openxmlformats.org/officeDocument/2006/relationships" xmlns:p="http://schemas.openxmlformats.org/presentationml/2006/main">
+  <p:cSld>
+    <p:spTree>
+      <p:nvGrpSpPr>
+        <p:cNvPr id="1" name=""/>
+        <p:cNvGrpSpPr/>
+        <p:nvPr/>
+      </p:nvGrpSpPr>
+      <p:grpSpPr>
+        <a:xfrm>
+          <a:off x="0" y="0"/>
+          <a:ext cx="0" cy="0"/>
+          <a:chOff x="0" y="0"/>
+          <a:chExt cx="0" cy="0"/>
+        </a:xfrm>
+      </p:grpSpPr>
+      <p:sp>
+        <p:nvSpPr>
+          <p:cNvPr id="2" name="文本占位符 1"/>
+          <p:cNvSpPr>
+            <a:spLocks noGrp="1"/>
+          </p:cNvSpPr>
+          <p:nvPr>
+            <p:ph type="body" sz="quarter" idx="13"/>
+          </p:nvPr>
+        </p:nvSpPr>
+        <p:spPr>
+          <a:xfrm>
+            <a:off x="2444750" y="7675880"/>
+            <a:ext cx="5928995" cy="1163320"/>
+          </a:xfrm>
+        </p:spPr>
+        <p:txBody>
+          <a:bodyPr wrap="square"/>
+          <a:lstStyle/>
+          <a:p>
+            <a:r>
+              <a:rPr kumimoji="1" lang="zh-CN" altLang="en-US" dirty="0"/>
+              <a:t>闯哥</a:t>
+            </a:r>
+          </a:p>
+        </p:txBody>
+      </p:sp>
+      <p:sp>
+        <p:nvSpPr>
+          <p:cNvPr id="4" name="文本占位符 3"/>
+          <p:cNvSpPr>
+            <a:spLocks noGrp="1"/>
+          </p:cNvSpPr>
+          <p:nvPr>
+            <p:ph type="body" sz="quarter" idx="15"/>
+          </p:nvPr>
+        </p:nvSpPr>
+        <p:spPr>
+          <a:xfrm>
+            <a:off x="2444750" y="4987012"/>
+            <a:ext cx="19143345" cy="1210588"/>
+          </a:xfrm>
+        </p:spPr>
+        <p:txBody>
+          <a:bodyPr wrap="square"/>
+          <a:lstStyle/>
+          <a:p>
+            <a:r>
+              <a:rPr kumimoji="1" lang="en-US" altLang="zh-CN" dirty="0" smtClean="0"/>
               <a:t>1.13 </a:t>
             </a:r>
             <a:r>
@@ -21973,7 +22508,7 @@
 </p:sld>
 </file>
 
-<file path=ppt/slides/slide64.xml><?xml version="1.0" encoding="utf-8"?>
+<file path=ppt/slides/slide67.xml><?xml version="1.0" encoding="utf-8"?>
 <p:sld xmlns:a="http://schemas.openxmlformats.org/drawingml/2006/main" xmlns:r="http://schemas.openxmlformats.org/officeDocument/2006/relationships" xmlns:p="http://schemas.openxmlformats.org/presentationml/2006/main">
   <p:cSld>
     <p:spTree>
@@ -24182,7 +24717,7 @@
   <a:extraClrSchemeLst/>
   <a:extLst>
     <a:ext uri="{05A4C25C-085E-4340-85A3-A5531E510DB2}">
-      <thm15:themeFamily xmlns:thm15="http://schemas.microsoft.com/office/thememl/2012/main" xmlns="" name="Office Theme" id="{62F939B6-93AF-4DB8-9C6B-D6C7DFDC589F}" vid="{4A3C46E8-61CC-4603-A589-7422A47A8E4A}"/>
+      <thm15:themeFamily xmlns:thm15="http://schemas.microsoft.com/office/thememl/2012/main" name="Office Theme" id="{62F939B6-93AF-4DB8-9C6B-D6C7DFDC589F}" vid="{4A3C46E8-61CC-4603-A589-7422A47A8E4A}"/>
     </a:ext>
   </a:extLst>
 </a:theme>
@@ -25221,7 +25756,7 @@
   <a:extraClrSchemeLst/>
   <a:extLst>
     <a:ext uri="{05A4C25C-085E-4340-85A3-A5531E510DB2}">
-      <thm15:themeFamily xmlns:thm15="http://schemas.microsoft.com/office/thememl/2012/main" xmlns="" name="Office Theme" id="{62F939B6-93AF-4DB8-9C6B-D6C7DFDC589F}" vid="{4A3C46E8-61CC-4603-A589-7422A47A8E4A}"/>
+      <thm15:themeFamily xmlns:thm15="http://schemas.microsoft.com/office/thememl/2012/main" name="Office Theme" id="{62F939B6-93AF-4DB8-9C6B-D6C7DFDC589F}" vid="{4A3C46E8-61CC-4603-A589-7422A47A8E4A}"/>
     </a:ext>
   </a:extLst>
 </a:theme>
@@ -25482,7 +26017,7 @@
   <a:extraClrSchemeLst/>
   <a:extLst>
     <a:ext uri="{05A4C25C-085E-4340-85A3-A5531E510DB2}">
-      <thm15:themeFamily xmlns:thm15="http://schemas.microsoft.com/office/thememl/2012/main" xmlns="" name="Office Theme" id="{62F939B6-93AF-4DB8-9C6B-D6C7DFDC589F}" vid="{4A3C46E8-61CC-4603-A589-7422A47A8E4A}"/>
+      <thm15:themeFamily xmlns:thm15="http://schemas.microsoft.com/office/thememl/2012/main" name="Office Theme" id="{62F939B6-93AF-4DB8-9C6B-D6C7DFDC589F}" vid="{4A3C46E8-61CC-4603-A589-7422A47A8E4A}"/>
     </a:ext>
   </a:extLst>
 </a:theme>
